--- a/java1/src/정리함/JAVA정리.pptx
+++ b/java1/src/정리함/JAVA정리.pptx
@@ -3606,6 +3606,13 @@
               </a:rPr>
               <a:t>OT</a:t>
             </a:r>
+            <a:endParaRPr lang="en-US" altLang="ko-KR" sz="10000" smtClean="0">
+              <a:solidFill>
+                <a:schemeClr val="tx1"/>
+              </a:solidFill>
+              <a:latin typeface="1훈새마을운동 R" panose="02020603020101020101" pitchFamily="18" charset="-127"/>
+              <a:ea typeface="1훈새마을운동 R" panose="02020603020101020101" pitchFamily="18" charset="-127"/>
+            </a:endParaRPr>
           </a:p>
         </p:txBody>
       </p:sp>
@@ -21818,13 +21825,6 @@
               </a:rPr>
               <a:t>Javafx</a:t>
             </a:r>
-            <a:endParaRPr lang="en-US" altLang="ko-KR" sz="10000" smtClean="0">
-              <a:solidFill>
-                <a:schemeClr val="tx1"/>
-              </a:solidFill>
-              <a:latin typeface="1훈새마을운동 R" panose="02020603020101020101" pitchFamily="18" charset="-127"/>
-              <a:ea typeface="1훈새마을운동 R" panose="02020603020101020101" pitchFamily="18" charset="-127"/>
-            </a:endParaRPr>
           </a:p>
         </p:txBody>
       </p:sp>
@@ -22725,13 +22725,6 @@
               </a:rPr>
               <a:t>	</a:t>
             </a:r>
-            <a:endParaRPr lang="en-US" altLang="ko-KR" smtClean="0">
-              <a:solidFill>
-                <a:schemeClr val="tx1"/>
-              </a:solidFill>
-              <a:latin typeface="1훈새마을운동 R" panose="02020603020101020101" pitchFamily="18" charset="-127"/>
-              <a:ea typeface="1훈새마을운동 R" panose="02020603020101020101" pitchFamily="18" charset="-127"/>
-            </a:endParaRPr>
           </a:p>
         </p:txBody>
       </p:sp>
@@ -22840,13 +22833,6 @@
               </a:rPr>
               <a:t>	</a:t>
             </a:r>
-            <a:endParaRPr lang="en-US" altLang="ko-KR" smtClean="0">
-              <a:solidFill>
-                <a:schemeClr val="tx1"/>
-              </a:solidFill>
-              <a:latin typeface="1훈새마을운동 R" panose="02020603020101020101" pitchFamily="18" charset="-127"/>
-              <a:ea typeface="1훈새마을운동 R" panose="02020603020101020101" pitchFamily="18" charset="-127"/>
-            </a:endParaRPr>
           </a:p>
         </p:txBody>
       </p:sp>
@@ -22922,17 +22908,7 @@
                 <a:latin typeface="1훈새마을운동 R" panose="02020603020101020101" pitchFamily="18" charset="-127"/>
                 <a:ea typeface="1훈새마을운동 R" panose="02020603020101020101" pitchFamily="18" charset="-127"/>
               </a:rPr>
-              <a:t>윈도우 안에 여러 개 씬</a:t>
-            </a:r>
-            <a:r>
-              <a:rPr lang="ko-KR" altLang="en-US" smtClean="0">
-                <a:solidFill>
-                  <a:schemeClr val="tx1"/>
-                </a:solidFill>
-                <a:latin typeface="1훈새마을운동 R" panose="02020603020101020101" pitchFamily="18" charset="-127"/>
-                <a:ea typeface="1훈새마을운동 R" panose="02020603020101020101" pitchFamily="18" charset="-127"/>
-              </a:rPr>
-              <a:t> </a:t>
+              <a:t>윈도우 안에 여러 개 씬 </a:t>
             </a:r>
             <a:r>
               <a:rPr lang="en-US" altLang="ko-KR" smtClean="0">
@@ -22963,13 +22939,6 @@
               </a:rPr>
               <a:t>	</a:t>
             </a:r>
-            <a:endParaRPr lang="en-US" altLang="ko-KR" smtClean="0">
-              <a:solidFill>
-                <a:schemeClr val="tx1"/>
-              </a:solidFill>
-              <a:latin typeface="1훈새마을운동 R" panose="02020603020101020101" pitchFamily="18" charset="-127"/>
-              <a:ea typeface="1훈새마을운동 R" panose="02020603020101020101" pitchFamily="18" charset="-127"/>
-            </a:endParaRPr>
           </a:p>
         </p:txBody>
       </p:sp>
@@ -23078,13 +23047,6 @@
               </a:rPr>
               <a:t>	</a:t>
             </a:r>
-            <a:endParaRPr lang="en-US" altLang="ko-KR" smtClean="0">
-              <a:solidFill>
-                <a:schemeClr val="tx1"/>
-              </a:solidFill>
-              <a:latin typeface="1훈새마을운동 R" panose="02020603020101020101" pitchFamily="18" charset="-127"/>
-              <a:ea typeface="1훈새마을운동 R" panose="02020603020101020101" pitchFamily="18" charset="-127"/>
-            </a:endParaRPr>
           </a:p>
         </p:txBody>
       </p:sp>
@@ -23220,17 +23182,7 @@
                 <a:latin typeface="1훈새마을운동 R" panose="02020603020101020101" pitchFamily="18" charset="-127"/>
                 <a:ea typeface="1훈새마을운동 R" panose="02020603020101020101" pitchFamily="18" charset="-127"/>
               </a:rPr>
-              <a:t>입력상자</a:t>
-            </a:r>
-            <a:r>
-              <a:rPr lang="ko-KR" altLang="en-US" smtClean="0">
-                <a:solidFill>
-                  <a:schemeClr val="tx1"/>
-                </a:solidFill>
-                <a:latin typeface="1훈새마을운동 R" panose="02020603020101020101" pitchFamily="18" charset="-127"/>
-                <a:ea typeface="1훈새마을운동 R" panose="02020603020101020101" pitchFamily="18" charset="-127"/>
-              </a:rPr>
-              <a:t> </a:t>
+              <a:t>입력상자 </a:t>
             </a:r>
             <a:r>
               <a:rPr lang="en-US" altLang="ko-KR" smtClean="0">
@@ -23263,13 +23215,6 @@
               </a:rPr>
               <a:t>	</a:t>
             </a:r>
-            <a:endParaRPr lang="en-US" altLang="ko-KR" smtClean="0">
-              <a:solidFill>
-                <a:schemeClr val="tx1"/>
-              </a:solidFill>
-              <a:latin typeface="1훈새마을운동 R" panose="02020603020101020101" pitchFamily="18" charset="-127"/>
-              <a:ea typeface="1훈새마을운동 R" panose="02020603020101020101" pitchFamily="18" charset="-127"/>
-            </a:endParaRPr>
           </a:p>
         </p:txBody>
       </p:sp>
@@ -23405,17 +23350,7 @@
                 <a:latin typeface="1훈새마을운동 R" panose="02020603020101020101" pitchFamily="18" charset="-127"/>
                 <a:ea typeface="1훈새마을운동 R" panose="02020603020101020101" pitchFamily="18" charset="-127"/>
               </a:rPr>
-              <a:t>입력상자</a:t>
-            </a:r>
-            <a:r>
-              <a:rPr lang="ko-KR" altLang="en-US" smtClean="0">
-                <a:solidFill>
-                  <a:schemeClr val="tx1"/>
-                </a:solidFill>
-                <a:latin typeface="1훈새마을운동 R" panose="02020603020101020101" pitchFamily="18" charset="-127"/>
-                <a:ea typeface="1훈새마을운동 R" panose="02020603020101020101" pitchFamily="18" charset="-127"/>
-              </a:rPr>
-              <a:t> </a:t>
+              <a:t>입력상자 </a:t>
             </a:r>
             <a:r>
               <a:rPr lang="en-US" altLang="ko-KR" smtClean="0">
@@ -23448,13 +23383,6 @@
               </a:rPr>
               <a:t>	</a:t>
             </a:r>
-            <a:endParaRPr lang="en-US" altLang="ko-KR" smtClean="0">
-              <a:solidFill>
-                <a:schemeClr val="tx1"/>
-              </a:solidFill>
-              <a:latin typeface="1훈새마을운동 R" panose="02020603020101020101" pitchFamily="18" charset="-127"/>
-              <a:ea typeface="1훈새마을운동 R" panose="02020603020101020101" pitchFamily="18" charset="-127"/>
-            </a:endParaRPr>
           </a:p>
         </p:txBody>
       </p:sp>
@@ -23590,17 +23518,7 @@
                 <a:latin typeface="1훈새마을운동 R" panose="02020603020101020101" pitchFamily="18" charset="-127"/>
                 <a:ea typeface="1훈새마을운동 R" panose="02020603020101020101" pitchFamily="18" charset="-127"/>
               </a:rPr>
-              <a:t>입력상자</a:t>
-            </a:r>
-            <a:r>
-              <a:rPr lang="ko-KR" altLang="en-US" smtClean="0">
-                <a:solidFill>
-                  <a:schemeClr val="tx1"/>
-                </a:solidFill>
-                <a:latin typeface="1훈새마을운동 R" panose="02020603020101020101" pitchFamily="18" charset="-127"/>
-                <a:ea typeface="1훈새마을운동 R" panose="02020603020101020101" pitchFamily="18" charset="-127"/>
-              </a:rPr>
-              <a:t> </a:t>
+              <a:t>입력상자 </a:t>
             </a:r>
             <a:r>
               <a:rPr lang="en-US" altLang="ko-KR" smtClean="0">
@@ -23633,13 +23551,6 @@
               </a:rPr>
               <a:t>	</a:t>
             </a:r>
-            <a:endParaRPr lang="en-US" altLang="ko-KR" smtClean="0">
-              <a:solidFill>
-                <a:schemeClr val="tx1"/>
-              </a:solidFill>
-              <a:latin typeface="1훈새마을운동 R" panose="02020603020101020101" pitchFamily="18" charset="-127"/>
-              <a:ea typeface="1훈새마을운동 R" panose="02020603020101020101" pitchFamily="18" charset="-127"/>
-            </a:endParaRPr>
           </a:p>
         </p:txBody>
       </p:sp>
@@ -23725,13 +23636,6 @@
               </a:rPr>
               <a:t>Git</a:t>
             </a:r>
-            <a:endParaRPr lang="en-US" altLang="ko-KR" sz="10000" smtClean="0">
-              <a:solidFill>
-                <a:schemeClr val="tx1"/>
-              </a:solidFill>
-              <a:latin typeface="1훈새마을운동 R" panose="02020603020101020101" pitchFamily="18" charset="-127"/>
-              <a:ea typeface="1훈새마을운동 R" panose="02020603020101020101" pitchFamily="18" charset="-127"/>
-            </a:endParaRPr>
           </a:p>
         </p:txBody>
       </p:sp>
@@ -27033,13 +26937,6 @@
               </a:rPr>
               <a:t>Java</a:t>
             </a:r>
-            <a:endParaRPr lang="en-US" altLang="ko-KR" sz="10000" smtClean="0">
-              <a:solidFill>
-                <a:schemeClr val="tx1"/>
-              </a:solidFill>
-              <a:latin typeface="1훈새마을운동 R" panose="02020603020101020101" pitchFamily="18" charset="-127"/>
-              <a:ea typeface="1훈새마을운동 R" panose="02020603020101020101" pitchFamily="18" charset="-127"/>
-            </a:endParaRPr>
           </a:p>
         </p:txBody>
       </p:sp>

--- a/java1/src/정리함/JAVA정리.pptx
+++ b/java1/src/정리함/JAVA정리.pptx
@@ -5,7 +5,7 @@
     <p:sldMasterId id="2147483648" r:id="rId1"/>
   </p:sldMasterIdLst>
   <p:notesMasterIdLst>
-    <p:notesMasterId r:id="rId27"/>
+    <p:notesMasterId r:id="rId29"/>
   </p:notesMasterIdLst>
   <p:sldIdLst>
     <p:sldId id="275" r:id="rId2"/>
@@ -33,6 +33,8 @@
     <p:sldId id="271" r:id="rId24"/>
     <p:sldId id="272" r:id="rId25"/>
     <p:sldId id="270" r:id="rId26"/>
+    <p:sldId id="281" r:id="rId27"/>
+    <p:sldId id="282" r:id="rId28"/>
   </p:sldIdLst>
   <p:sldSz cx="9906000" cy="6858000" type="A4"/>
   <p:notesSz cx="6858000" cy="9144000"/>
@@ -216,7 +218,7 @@
           <a:p>
             <a:fld id="{6B9FE7A6-2D33-4782-874A-A2DEBAC3A7CB}" type="datetimeFigureOut">
               <a:rPr lang="ko-KR" altLang="en-US" smtClean="0"/>
-              <a:t>2021-10-28</a:t>
+              <a:t>2021-10-29</a:t>
             </a:fld>
             <a:endParaRPr lang="ko-KR" altLang="en-US"/>
           </a:p>
@@ -749,7 +751,7 @@
           <a:p>
             <a:fld id="{83921F6A-BA09-41D7-82B2-313B2D910A95}" type="datetimeFigureOut">
               <a:rPr lang="ko-KR" altLang="en-US" smtClean="0"/>
-              <a:t>2021-10-28</a:t>
+              <a:t>2021-10-29</a:t>
             </a:fld>
             <a:endParaRPr lang="ko-KR" altLang="en-US"/>
           </a:p>
@@ -919,7 +921,7 @@
           <a:p>
             <a:fld id="{83921F6A-BA09-41D7-82B2-313B2D910A95}" type="datetimeFigureOut">
               <a:rPr lang="ko-KR" altLang="en-US" smtClean="0"/>
-              <a:t>2021-10-28</a:t>
+              <a:t>2021-10-29</a:t>
             </a:fld>
             <a:endParaRPr lang="ko-KR" altLang="en-US"/>
           </a:p>
@@ -1099,7 +1101,7 @@
           <a:p>
             <a:fld id="{83921F6A-BA09-41D7-82B2-313B2D910A95}" type="datetimeFigureOut">
               <a:rPr lang="ko-KR" altLang="en-US" smtClean="0"/>
-              <a:t>2021-10-28</a:t>
+              <a:t>2021-10-29</a:t>
             </a:fld>
             <a:endParaRPr lang="ko-KR" altLang="en-US"/>
           </a:p>
@@ -1269,7 +1271,7 @@
           <a:p>
             <a:fld id="{83921F6A-BA09-41D7-82B2-313B2D910A95}" type="datetimeFigureOut">
               <a:rPr lang="ko-KR" altLang="en-US" smtClean="0"/>
-              <a:t>2021-10-28</a:t>
+              <a:t>2021-10-29</a:t>
             </a:fld>
             <a:endParaRPr lang="ko-KR" altLang="en-US"/>
           </a:p>
@@ -1515,7 +1517,7 @@
           <a:p>
             <a:fld id="{83921F6A-BA09-41D7-82B2-313B2D910A95}" type="datetimeFigureOut">
               <a:rPr lang="ko-KR" altLang="en-US" smtClean="0"/>
-              <a:t>2021-10-28</a:t>
+              <a:t>2021-10-29</a:t>
             </a:fld>
             <a:endParaRPr lang="ko-KR" altLang="en-US"/>
           </a:p>
@@ -1803,7 +1805,7 @@
           <a:p>
             <a:fld id="{83921F6A-BA09-41D7-82B2-313B2D910A95}" type="datetimeFigureOut">
               <a:rPr lang="ko-KR" altLang="en-US" smtClean="0"/>
-              <a:t>2021-10-28</a:t>
+              <a:t>2021-10-29</a:t>
             </a:fld>
             <a:endParaRPr lang="ko-KR" altLang="en-US"/>
           </a:p>
@@ -2230,7 +2232,7 @@
           <a:p>
             <a:fld id="{83921F6A-BA09-41D7-82B2-313B2D910A95}" type="datetimeFigureOut">
               <a:rPr lang="ko-KR" altLang="en-US" smtClean="0"/>
-              <a:t>2021-10-28</a:t>
+              <a:t>2021-10-29</a:t>
             </a:fld>
             <a:endParaRPr lang="ko-KR" altLang="en-US"/>
           </a:p>
@@ -2348,7 +2350,7 @@
           <a:p>
             <a:fld id="{83921F6A-BA09-41D7-82B2-313B2D910A95}" type="datetimeFigureOut">
               <a:rPr lang="ko-KR" altLang="en-US" smtClean="0"/>
-              <a:t>2021-10-28</a:t>
+              <a:t>2021-10-29</a:t>
             </a:fld>
             <a:endParaRPr lang="ko-KR" altLang="en-US"/>
           </a:p>
@@ -2443,7 +2445,7 @@
           <a:p>
             <a:fld id="{83921F6A-BA09-41D7-82B2-313B2D910A95}" type="datetimeFigureOut">
               <a:rPr lang="ko-KR" altLang="en-US" smtClean="0"/>
-              <a:t>2021-10-28</a:t>
+              <a:t>2021-10-29</a:t>
             </a:fld>
             <a:endParaRPr lang="ko-KR" altLang="en-US"/>
           </a:p>
@@ -2720,7 +2722,7 @@
           <a:p>
             <a:fld id="{83921F6A-BA09-41D7-82B2-313B2D910A95}" type="datetimeFigureOut">
               <a:rPr lang="ko-KR" altLang="en-US" smtClean="0"/>
-              <a:t>2021-10-28</a:t>
+              <a:t>2021-10-29</a:t>
             </a:fld>
             <a:endParaRPr lang="ko-KR" altLang="en-US"/>
           </a:p>
@@ -2973,7 +2975,7 @@
           <a:p>
             <a:fld id="{83921F6A-BA09-41D7-82B2-313B2D910A95}" type="datetimeFigureOut">
               <a:rPr lang="ko-KR" altLang="en-US" smtClean="0"/>
-              <a:t>2021-10-28</a:t>
+              <a:t>2021-10-29</a:t>
             </a:fld>
             <a:endParaRPr lang="ko-KR" altLang="en-US"/>
           </a:p>
@@ -3186,7 +3188,7 @@
           <a:p>
             <a:fld id="{83921F6A-BA09-41D7-82B2-313B2D910A95}" type="datetimeFigureOut">
               <a:rPr lang="ko-KR" altLang="en-US" smtClean="0"/>
-              <a:t>2021-10-28</a:t>
+              <a:t>2021-10-29</a:t>
             </a:fld>
             <a:endParaRPr lang="ko-KR" altLang="en-US"/>
           </a:p>
@@ -3606,13 +3608,6 @@
               </a:rPr>
               <a:t>OT</a:t>
             </a:r>
-            <a:endParaRPr lang="en-US" altLang="ko-KR" sz="10000" smtClean="0">
-              <a:solidFill>
-                <a:schemeClr val="tx1"/>
-              </a:solidFill>
-              <a:latin typeface="1훈새마을운동 R" panose="02020603020101020101" pitchFamily="18" charset="-127"/>
-              <a:ea typeface="1훈새마을운동 R" panose="02020603020101020101" pitchFamily="18" charset="-127"/>
-            </a:endParaRPr>
           </a:p>
         </p:txBody>
       </p:sp>
@@ -21900,6 +21895,65 @@
           <a:lstStyle/>
           <a:p>
             <a:r>
+              <a:rPr lang="en-US" altLang="ko-KR" smtClean="0">
+                <a:solidFill>
+                  <a:schemeClr val="tx1"/>
+                </a:solidFill>
+                <a:latin typeface="1훈새마을운동 R" panose="02020603020101020101" pitchFamily="18" charset="-127"/>
+                <a:ea typeface="1훈새마을운동 R" panose="02020603020101020101" pitchFamily="18" charset="-127"/>
+              </a:rPr>
+              <a:t>[ </a:t>
+            </a:r>
+            <a:r>
+              <a:rPr lang="en-US" altLang="ko-KR" smtClean="0">
+                <a:solidFill>
+                  <a:schemeClr val="tx1"/>
+                </a:solidFill>
+                <a:latin typeface="1훈새마을운동 R" panose="02020603020101020101" pitchFamily="18" charset="-127"/>
+                <a:ea typeface="1훈새마을운동 R" panose="02020603020101020101" pitchFamily="18" charset="-127"/>
+              </a:rPr>
+              <a:t>java </a:t>
+            </a:r>
+            <a:r>
+              <a:rPr lang="ko-KR" altLang="en-US" smtClean="0">
+                <a:solidFill>
+                  <a:schemeClr val="tx1"/>
+                </a:solidFill>
+                <a:latin typeface="1훈새마을운동 R" panose="02020603020101020101" pitchFamily="18" charset="-127"/>
+                <a:ea typeface="1훈새마을운동 R" panose="02020603020101020101" pitchFamily="18" charset="-127"/>
+              </a:rPr>
+              <a:t>설치 및 세팅 </a:t>
+            </a:r>
+            <a:r>
+              <a:rPr lang="en-US" altLang="ko-KR" smtClean="0">
+                <a:solidFill>
+                  <a:schemeClr val="tx1"/>
+                </a:solidFill>
+                <a:latin typeface="1훈새마을운동 R" panose="02020603020101020101" pitchFamily="18" charset="-127"/>
+                <a:ea typeface="1훈새마을운동 R" panose="02020603020101020101" pitchFamily="18" charset="-127"/>
+              </a:rPr>
+              <a:t>]</a:t>
+            </a:r>
+            <a:endParaRPr lang="en-US" altLang="ko-KR" smtClean="0">
+              <a:solidFill>
+                <a:schemeClr val="tx1"/>
+              </a:solidFill>
+              <a:latin typeface="1훈새마을운동 R" panose="02020603020101020101" pitchFamily="18" charset="-127"/>
+              <a:ea typeface="1훈새마을운동 R" panose="02020603020101020101" pitchFamily="18" charset="-127"/>
+            </a:endParaRPr>
+          </a:p>
+          <a:p>
+            <a:r>
+              <a:rPr lang="en-US" altLang="ko-KR" smtClean="0">
+                <a:solidFill>
+                  <a:schemeClr val="tx1"/>
+                </a:solidFill>
+                <a:latin typeface="1훈새마을운동 R" panose="02020603020101020101" pitchFamily="18" charset="-127"/>
+                <a:ea typeface="1훈새마을운동 R" panose="02020603020101020101" pitchFamily="18" charset="-127"/>
+              </a:rPr>
+              <a:t>1</a:t>
+            </a:r>
+            <a:r>
               <a:rPr lang="en-US" altLang="ko-KR">
                 <a:solidFill>
                   <a:schemeClr val="tx1"/>
@@ -21907,7 +21961,7 @@
                 <a:latin typeface="1훈새마을운동 R" panose="02020603020101020101" pitchFamily="18" charset="-127"/>
                 <a:ea typeface="1훈새마을운동 R" panose="02020603020101020101" pitchFamily="18" charset="-127"/>
               </a:rPr>
-              <a:t>1. javafx </a:t>
+              <a:t>. javafx </a:t>
             </a:r>
             <a:r>
               <a:rPr lang="ko-KR" altLang="en-US">
@@ -22021,8 +22075,34 @@
                 <a:latin typeface="1훈새마을운동 R" panose="02020603020101020101" pitchFamily="18" charset="-127"/>
                 <a:ea typeface="1훈새마을운동 R" panose="02020603020101020101" pitchFamily="18" charset="-127"/>
               </a:rPr>
-              <a:t>이클립스 재시작</a:t>
-            </a:r>
+              <a:t>이클립스 </a:t>
+            </a:r>
+            <a:r>
+              <a:rPr lang="ko-KR" altLang="en-US" smtClean="0">
+                <a:solidFill>
+                  <a:schemeClr val="tx1"/>
+                </a:solidFill>
+                <a:latin typeface="1훈새마을운동 R" panose="02020603020101020101" pitchFamily="18" charset="-127"/>
+                <a:ea typeface="1훈새마을운동 R" panose="02020603020101020101" pitchFamily="18" charset="-127"/>
+              </a:rPr>
+              <a:t>재시작</a:t>
+            </a:r>
+            <a:endParaRPr lang="en-US" altLang="ko-KR" smtClean="0">
+              <a:solidFill>
+                <a:schemeClr val="tx1"/>
+              </a:solidFill>
+              <a:latin typeface="1훈새마을운동 R" panose="02020603020101020101" pitchFamily="18" charset="-127"/>
+              <a:ea typeface="1훈새마을운동 R" panose="02020603020101020101" pitchFamily="18" charset="-127"/>
+            </a:endParaRPr>
+          </a:p>
+          <a:p>
+            <a:endParaRPr lang="ko-KR" altLang="en-US">
+              <a:solidFill>
+                <a:schemeClr val="tx1"/>
+              </a:solidFill>
+              <a:latin typeface="1훈새마을운동 R" panose="02020603020101020101" pitchFamily="18" charset="-127"/>
+              <a:ea typeface="1훈새마을운동 R" panose="02020603020101020101" pitchFamily="18" charset="-127"/>
+            </a:endParaRPr>
           </a:p>
           <a:p>
             <a:r>
@@ -22033,7 +22113,17 @@
                 <a:latin typeface="1훈새마을운동 R" panose="02020603020101020101" pitchFamily="18" charset="-127"/>
                 <a:ea typeface="1훈새마을운동 R" panose="02020603020101020101" pitchFamily="18" charset="-127"/>
               </a:rPr>
-              <a:t>2.  javafx </a:t>
+              <a:t>2. </a:t>
+            </a:r>
+            <a:r>
+              <a:rPr lang="en-US" altLang="ko-KR" smtClean="0">
+                <a:solidFill>
+                  <a:schemeClr val="tx1"/>
+                </a:solidFill>
+                <a:latin typeface="1훈새마을운동 R" panose="02020603020101020101" pitchFamily="18" charset="-127"/>
+                <a:ea typeface="1훈새마을운동 R" panose="02020603020101020101" pitchFamily="18" charset="-127"/>
+              </a:rPr>
+              <a:t>javafx </a:t>
             </a:r>
             <a:r>
               <a:rPr lang="ko-KR" altLang="en-US">
@@ -22391,7 +22481,39 @@
           <a:lstStyle/>
           <a:p>
             <a:r>
-              <a:rPr lang="ko-KR" altLang="en-US">
+              <a:rPr lang="en-US" altLang="ko-KR" smtClean="0">
+                <a:solidFill>
+                  <a:schemeClr val="tx1"/>
+                </a:solidFill>
+                <a:latin typeface="1훈새마을운동 R" panose="02020603020101020101" pitchFamily="18" charset="-127"/>
+                <a:ea typeface="1훈새마을운동 R" panose="02020603020101020101" pitchFamily="18" charset="-127"/>
+              </a:rPr>
+              <a:t>[ javafx </a:t>
+            </a:r>
+            <a:r>
+              <a:rPr lang="ko-KR" altLang="en-US" smtClean="0">
+                <a:solidFill>
+                  <a:schemeClr val="tx1"/>
+                </a:solidFill>
+                <a:latin typeface="1훈새마을운동 R" panose="02020603020101020101" pitchFamily="18" charset="-127"/>
+                <a:ea typeface="1훈새마을운동 R" panose="02020603020101020101" pitchFamily="18" charset="-127"/>
+              </a:rPr>
+              <a:t>실행 </a:t>
+            </a:r>
+            <a:r>
+              <a:rPr lang="en-US" altLang="ko-KR" smtClean="0">
+                <a:solidFill>
+                  <a:schemeClr val="tx1"/>
+                </a:solidFill>
+                <a:latin typeface="1훈새마을운동 R" panose="02020603020101020101" pitchFamily="18" charset="-127"/>
+                <a:ea typeface="1훈새마을운동 R" panose="02020603020101020101" pitchFamily="18" charset="-127"/>
+              </a:rPr>
+              <a:t>] </a:t>
+            </a:r>
+          </a:p>
+          <a:p>
+            <a:r>
+              <a:rPr lang="ko-KR" altLang="en-US" smtClean="0">
                 <a:solidFill>
                   <a:schemeClr val="tx1"/>
                 </a:solidFill>
@@ -22503,7 +22625,17 @@
                 <a:latin typeface="1훈새마을운동 R" panose="02020603020101020101" pitchFamily="18" charset="-127"/>
                 <a:ea typeface="1훈새마을운동 R" panose="02020603020101020101" pitchFamily="18" charset="-127"/>
               </a:rPr>
-              <a:t>1.Application </a:t>
+              <a:t>1</a:t>
+            </a:r>
+            <a:r>
+              <a:rPr lang="en-US" altLang="ko-KR" smtClean="0">
+                <a:solidFill>
+                  <a:schemeClr val="tx1"/>
+                </a:solidFill>
+                <a:latin typeface="1훈새마을운동 R" panose="02020603020101020101" pitchFamily="18" charset="-127"/>
+                <a:ea typeface="1훈새마을운동 R" panose="02020603020101020101" pitchFamily="18" charset="-127"/>
+              </a:rPr>
+              <a:t>. Application </a:t>
             </a:r>
             <a:r>
               <a:rPr lang="ko-KR" altLang="en-US">
@@ -23571,6 +23703,875 @@
       </p:par>
     </p:tnLst>
   </p:timing>
+</p:sld>
+</file>
+
+<file path=ppt/slides/slide26.xml><?xml version="1.0" encoding="utf-8"?>
+<p:sld xmlns:a="http://schemas.openxmlformats.org/drawingml/2006/main" xmlns:r="http://schemas.openxmlformats.org/officeDocument/2006/relationships" xmlns:p="http://schemas.openxmlformats.org/presentationml/2006/main">
+  <p:cSld>
+    <p:spTree>
+      <p:nvGrpSpPr>
+        <p:cNvPr id="1" name=""/>
+        <p:cNvGrpSpPr/>
+        <p:nvPr/>
+      </p:nvGrpSpPr>
+      <p:grpSpPr>
+        <a:xfrm>
+          <a:off x="0" y="0"/>
+          <a:ext cx="0" cy="0"/>
+          <a:chOff x="0" y="0"/>
+          <a:chExt cx="0" cy="0"/>
+        </a:xfrm>
+      </p:grpSpPr>
+      <p:sp>
+        <p:nvSpPr>
+          <p:cNvPr id="4" name="직사각형 3"/>
+          <p:cNvSpPr/>
+          <p:nvPr/>
+        </p:nvSpPr>
+        <p:spPr>
+          <a:xfrm>
+            <a:off x="173052" y="188639"/>
+            <a:ext cx="9676492" cy="6408713"/>
+          </a:xfrm>
+          <a:prstGeom prst="rect">
+            <a:avLst/>
+          </a:prstGeom>
+          <a:noFill/>
+        </p:spPr>
+        <p:style>
+          <a:lnRef idx="2">
+            <a:schemeClr val="accent6"/>
+          </a:lnRef>
+          <a:fillRef idx="1">
+            <a:schemeClr val="lt1"/>
+          </a:fillRef>
+          <a:effectRef idx="0">
+            <a:schemeClr val="accent6"/>
+          </a:effectRef>
+          <a:fontRef idx="minor">
+            <a:schemeClr val="dk1"/>
+          </a:fontRef>
+        </p:style>
+        <p:txBody>
+          <a:bodyPr rtlCol="0" anchor="t"/>
+          <a:lstStyle/>
+          <a:p>
+            <a:r>
+              <a:rPr lang="en-US" altLang="ko-KR" smtClean="0">
+                <a:solidFill>
+                  <a:schemeClr val="tx1"/>
+                </a:solidFill>
+                <a:latin typeface="1훈새마을운동 R" panose="02020603020101020101" pitchFamily="18" charset="-127"/>
+                <a:ea typeface="1훈새마을운동 R" panose="02020603020101020101" pitchFamily="18" charset="-127"/>
+              </a:rPr>
+              <a:t>* fxml  :</a:t>
+            </a:r>
+            <a:r>
+              <a:rPr lang="ko-KR" altLang="en-US">
+                <a:solidFill>
+                  <a:schemeClr val="tx1"/>
+                </a:solidFill>
+                <a:latin typeface="1훈새마을운동 R" panose="02020603020101020101" pitchFamily="18" charset="-127"/>
+                <a:ea typeface="1훈새마을운동 R" panose="02020603020101020101" pitchFamily="18" charset="-127"/>
+              </a:rPr>
+              <a:t> </a:t>
+            </a:r>
+            <a:r>
+              <a:rPr lang="ko-KR" altLang="en-US" smtClean="0">
+                <a:solidFill>
+                  <a:schemeClr val="tx1"/>
+                </a:solidFill>
+                <a:latin typeface="1훈새마을운동 R" panose="02020603020101020101" pitchFamily="18" charset="-127"/>
+                <a:ea typeface="1훈새마을운동 R" panose="02020603020101020101" pitchFamily="18" charset="-127"/>
+              </a:rPr>
+              <a:t>씬빌더 만든 파일  </a:t>
+            </a:r>
+            <a:r>
+              <a:rPr lang="en-US" altLang="ko-KR" smtClean="0">
+                <a:solidFill>
+                  <a:schemeClr val="tx1"/>
+                </a:solidFill>
+                <a:latin typeface="1훈새마을운동 R" panose="02020603020101020101" pitchFamily="18" charset="-127"/>
+                <a:ea typeface="1훈새마을운동 R" panose="02020603020101020101" pitchFamily="18" charset="-127"/>
+              </a:rPr>
+              <a:t>[ login.fxml  / signup.fxml ] </a:t>
+            </a:r>
+          </a:p>
+          <a:p>
+            <a:r>
+              <a:rPr lang="en-US" altLang="ko-KR" smtClean="0">
+                <a:solidFill>
+                  <a:schemeClr val="tx1"/>
+                </a:solidFill>
+                <a:latin typeface="1훈새마을운동 R" panose="02020603020101020101" pitchFamily="18" charset="-127"/>
+                <a:ea typeface="1훈새마을운동 R" panose="02020603020101020101" pitchFamily="18" charset="-127"/>
+              </a:rPr>
+              <a:t>* Controller</a:t>
+            </a:r>
+            <a:r>
+              <a:rPr lang="ko-KR" altLang="en-US" smtClean="0">
+                <a:solidFill>
+                  <a:schemeClr val="tx1"/>
+                </a:solidFill>
+                <a:latin typeface="1훈새마을운동 R" panose="02020603020101020101" pitchFamily="18" charset="-127"/>
+                <a:ea typeface="1훈새마을운동 R" panose="02020603020101020101" pitchFamily="18" charset="-127"/>
+              </a:rPr>
+              <a:t> </a:t>
+            </a:r>
+            <a:r>
+              <a:rPr lang="en-US" altLang="ko-KR" smtClean="0">
+                <a:solidFill>
+                  <a:schemeClr val="tx1"/>
+                </a:solidFill>
+                <a:latin typeface="1훈새마을운동 R" panose="02020603020101020101" pitchFamily="18" charset="-127"/>
+                <a:ea typeface="1훈새마을운동 R" panose="02020603020101020101" pitchFamily="18" charset="-127"/>
+              </a:rPr>
+              <a:t>: </a:t>
+            </a:r>
+            <a:r>
+              <a:rPr lang="ko-KR" altLang="en-US" smtClean="0">
+                <a:solidFill>
+                  <a:schemeClr val="tx1"/>
+                </a:solidFill>
+                <a:latin typeface="1훈새마을운동 R" panose="02020603020101020101" pitchFamily="18" charset="-127"/>
+                <a:ea typeface="1훈새마을운동 R" panose="02020603020101020101" pitchFamily="18" charset="-127"/>
+              </a:rPr>
+              <a:t>자바에서 만든 파일 </a:t>
+            </a:r>
+            <a:r>
+              <a:rPr lang="en-US" altLang="ko-KR" smtClean="0">
+                <a:solidFill>
+                  <a:schemeClr val="tx1"/>
+                </a:solidFill>
+                <a:latin typeface="1훈새마을운동 R" panose="02020603020101020101" pitchFamily="18" charset="-127"/>
+                <a:ea typeface="1훈새마을운동 R" panose="02020603020101020101" pitchFamily="18" charset="-127"/>
+              </a:rPr>
+              <a:t>[ LoginController / SignupController ] </a:t>
+            </a:r>
+          </a:p>
+          <a:p>
+            <a:r>
+              <a:rPr lang="en-US" altLang="ko-KR" smtClean="0">
+                <a:solidFill>
+                  <a:schemeClr val="tx1"/>
+                </a:solidFill>
+                <a:latin typeface="1훈새마을운동 R" panose="02020603020101020101" pitchFamily="18" charset="-127"/>
+                <a:ea typeface="1훈새마을운동 R" panose="02020603020101020101" pitchFamily="18" charset="-127"/>
+              </a:rPr>
+              <a:t>	1. fx:id </a:t>
+            </a:r>
+            <a:r>
+              <a:rPr lang="ko-KR" altLang="en-US" smtClean="0">
+                <a:solidFill>
+                  <a:schemeClr val="tx1"/>
+                </a:solidFill>
+                <a:latin typeface="1훈새마을운동 R" panose="02020603020101020101" pitchFamily="18" charset="-127"/>
+                <a:ea typeface="1훈새마을운동 R" panose="02020603020101020101" pitchFamily="18" charset="-127"/>
+              </a:rPr>
+              <a:t>정하기 </a:t>
+            </a:r>
+            <a:endParaRPr lang="en-US" altLang="ko-KR" smtClean="0">
+              <a:solidFill>
+                <a:schemeClr val="tx1"/>
+              </a:solidFill>
+              <a:latin typeface="1훈새마을운동 R" panose="02020603020101020101" pitchFamily="18" charset="-127"/>
+              <a:ea typeface="1훈새마을운동 R" panose="02020603020101020101" pitchFamily="18" charset="-127"/>
+            </a:endParaRPr>
+          </a:p>
+          <a:p>
+            <a:r>
+              <a:rPr lang="en-US" altLang="ko-KR">
+                <a:solidFill>
+                  <a:schemeClr val="tx1"/>
+                </a:solidFill>
+                <a:latin typeface="1훈새마을운동 R" panose="02020603020101020101" pitchFamily="18" charset="-127"/>
+                <a:ea typeface="1훈새마을운동 R" panose="02020603020101020101" pitchFamily="18" charset="-127"/>
+              </a:rPr>
+              <a:t>	</a:t>
+            </a:r>
+            <a:r>
+              <a:rPr lang="en-US" altLang="ko-KR" smtClean="0">
+                <a:solidFill>
+                  <a:schemeClr val="tx1"/>
+                </a:solidFill>
+                <a:latin typeface="1훈새마을운동 R" panose="02020603020101020101" pitchFamily="18" charset="-127"/>
+                <a:ea typeface="1훈새마을운동 R" panose="02020603020101020101" pitchFamily="18" charset="-127"/>
+              </a:rPr>
+              <a:t>	* </a:t>
+            </a:r>
+            <a:r>
+              <a:rPr lang="ko-KR" altLang="en-US" smtClean="0">
+                <a:solidFill>
+                  <a:schemeClr val="tx1"/>
+                </a:solidFill>
+                <a:latin typeface="1훈새마을운동 R" panose="02020603020101020101" pitchFamily="18" charset="-127"/>
+                <a:ea typeface="1훈새마을운동 R" panose="02020603020101020101" pitchFamily="18" charset="-127"/>
+              </a:rPr>
+              <a:t>씬빌더 각 컨테이너 혹은 컨트롤에 이름과 메소드명</a:t>
+            </a:r>
+            <a:r>
+              <a:rPr lang="en-US" altLang="ko-KR" smtClean="0">
+                <a:solidFill>
+                  <a:schemeClr val="tx1"/>
+                </a:solidFill>
+                <a:latin typeface="1훈새마을운동 R" panose="02020603020101020101" pitchFamily="18" charset="-127"/>
+                <a:ea typeface="1훈새마을운동 R" panose="02020603020101020101" pitchFamily="18" charset="-127"/>
+              </a:rPr>
+              <a:t>[</a:t>
+            </a:r>
+            <a:r>
+              <a:rPr lang="ko-KR" altLang="en-US" smtClean="0">
+                <a:solidFill>
+                  <a:schemeClr val="tx1"/>
+                </a:solidFill>
+                <a:latin typeface="1훈새마을운동 R" panose="02020603020101020101" pitchFamily="18" charset="-127"/>
+                <a:ea typeface="1훈새마을운동 R" panose="02020603020101020101" pitchFamily="18" charset="-127"/>
+              </a:rPr>
+              <a:t>액션</a:t>
+            </a:r>
+            <a:r>
+              <a:rPr lang="en-US" altLang="ko-KR" smtClean="0">
+                <a:solidFill>
+                  <a:schemeClr val="tx1"/>
+                </a:solidFill>
+                <a:latin typeface="1훈새마을운동 R" panose="02020603020101020101" pitchFamily="18" charset="-127"/>
+                <a:ea typeface="1훈새마을운동 R" panose="02020603020101020101" pitchFamily="18" charset="-127"/>
+              </a:rPr>
+              <a:t>]</a:t>
+            </a:r>
+            <a:r>
+              <a:rPr lang="ko-KR" altLang="en-US" smtClean="0">
+                <a:solidFill>
+                  <a:schemeClr val="tx1"/>
+                </a:solidFill>
+                <a:latin typeface="1훈새마을운동 R" panose="02020603020101020101" pitchFamily="18" charset="-127"/>
+                <a:ea typeface="1훈새마을운동 R" panose="02020603020101020101" pitchFamily="18" charset="-127"/>
+              </a:rPr>
+              <a:t> </a:t>
+            </a:r>
+            <a:endParaRPr lang="en-US" altLang="ko-KR" smtClean="0">
+              <a:solidFill>
+                <a:schemeClr val="tx1"/>
+              </a:solidFill>
+              <a:latin typeface="1훈새마을운동 R" panose="02020603020101020101" pitchFamily="18" charset="-127"/>
+              <a:ea typeface="1훈새마을운동 R" panose="02020603020101020101" pitchFamily="18" charset="-127"/>
+            </a:endParaRPr>
+          </a:p>
+          <a:p>
+            <a:endParaRPr lang="en-US" altLang="ko-KR">
+              <a:solidFill>
+                <a:schemeClr val="tx1"/>
+              </a:solidFill>
+              <a:latin typeface="1훈새마을운동 R" panose="02020603020101020101" pitchFamily="18" charset="-127"/>
+              <a:ea typeface="1훈새마을운동 R" panose="02020603020101020101" pitchFamily="18" charset="-127"/>
+            </a:endParaRPr>
+          </a:p>
+          <a:p>
+            <a:endParaRPr lang="en-US" altLang="ko-KR" smtClean="0">
+              <a:solidFill>
+                <a:schemeClr val="tx1"/>
+              </a:solidFill>
+              <a:latin typeface="1훈새마을운동 R" panose="02020603020101020101" pitchFamily="18" charset="-127"/>
+              <a:ea typeface="1훈새마을운동 R" panose="02020603020101020101" pitchFamily="18" charset="-127"/>
+            </a:endParaRPr>
+          </a:p>
+          <a:p>
+            <a:endParaRPr lang="en-US" altLang="ko-KR">
+              <a:solidFill>
+                <a:schemeClr val="tx1"/>
+              </a:solidFill>
+              <a:latin typeface="1훈새마을운동 R" panose="02020603020101020101" pitchFamily="18" charset="-127"/>
+              <a:ea typeface="1훈새마을운동 R" panose="02020603020101020101" pitchFamily="18" charset="-127"/>
+            </a:endParaRPr>
+          </a:p>
+          <a:p>
+            <a:endParaRPr lang="en-US" altLang="ko-KR" smtClean="0">
+              <a:solidFill>
+                <a:schemeClr val="tx1"/>
+              </a:solidFill>
+              <a:latin typeface="1훈새마을운동 R" panose="02020603020101020101" pitchFamily="18" charset="-127"/>
+              <a:ea typeface="1훈새마을운동 R" panose="02020603020101020101" pitchFamily="18" charset="-127"/>
+            </a:endParaRPr>
+          </a:p>
+          <a:p>
+            <a:endParaRPr lang="en-US" altLang="ko-KR">
+              <a:solidFill>
+                <a:schemeClr val="tx1"/>
+              </a:solidFill>
+              <a:latin typeface="1훈새마을운동 R" panose="02020603020101020101" pitchFamily="18" charset="-127"/>
+              <a:ea typeface="1훈새마을운동 R" panose="02020603020101020101" pitchFamily="18" charset="-127"/>
+            </a:endParaRPr>
+          </a:p>
+          <a:p>
+            <a:endParaRPr lang="en-US" altLang="ko-KR" smtClean="0">
+              <a:solidFill>
+                <a:schemeClr val="tx1"/>
+              </a:solidFill>
+              <a:latin typeface="1훈새마을운동 R" panose="02020603020101020101" pitchFamily="18" charset="-127"/>
+              <a:ea typeface="1훈새마을운동 R" panose="02020603020101020101" pitchFamily="18" charset="-127"/>
+            </a:endParaRPr>
+          </a:p>
+          <a:p>
+            <a:endParaRPr lang="en-US" altLang="ko-KR" smtClean="0">
+              <a:solidFill>
+                <a:schemeClr val="tx1"/>
+              </a:solidFill>
+              <a:latin typeface="1훈새마을운동 R" panose="02020603020101020101" pitchFamily="18" charset="-127"/>
+              <a:ea typeface="1훈새마을운동 R" panose="02020603020101020101" pitchFamily="18" charset="-127"/>
+            </a:endParaRPr>
+          </a:p>
+          <a:p>
+            <a:endParaRPr lang="en-US" altLang="ko-KR" smtClean="0">
+              <a:solidFill>
+                <a:schemeClr val="tx1"/>
+              </a:solidFill>
+              <a:latin typeface="1훈새마을운동 R" panose="02020603020101020101" pitchFamily="18" charset="-127"/>
+              <a:ea typeface="1훈새마을운동 R" panose="02020603020101020101" pitchFamily="18" charset="-127"/>
+            </a:endParaRPr>
+          </a:p>
+          <a:p>
+            <a:r>
+              <a:rPr lang="en-US" altLang="ko-KR">
+                <a:solidFill>
+                  <a:schemeClr val="tx1"/>
+                </a:solidFill>
+                <a:latin typeface="1훈새마을운동 R" panose="02020603020101020101" pitchFamily="18" charset="-127"/>
+                <a:ea typeface="1훈새마을운동 R" panose="02020603020101020101" pitchFamily="18" charset="-127"/>
+              </a:rPr>
+              <a:t>	</a:t>
+            </a:r>
+            <a:r>
+              <a:rPr lang="en-US" altLang="ko-KR" smtClean="0">
+                <a:solidFill>
+                  <a:schemeClr val="tx1"/>
+                </a:solidFill>
+                <a:latin typeface="1훈새마을운동 R" panose="02020603020101020101" pitchFamily="18" charset="-127"/>
+                <a:ea typeface="1훈새마을운동 R" panose="02020603020101020101" pitchFamily="18" charset="-127"/>
+              </a:rPr>
+              <a:t>2. </a:t>
+            </a:r>
+            <a:r>
+              <a:rPr lang="en-US" altLang="ko-KR">
+                <a:solidFill>
+                  <a:schemeClr val="tx1"/>
+                </a:solidFill>
+                <a:latin typeface="1훈새마을운동 R" panose="02020603020101020101" pitchFamily="18" charset="-127"/>
+                <a:ea typeface="1훈새마을운동 R" panose="02020603020101020101" pitchFamily="18" charset="-127"/>
+              </a:rPr>
+              <a:t>fxml</a:t>
+            </a:r>
+            <a:r>
+              <a:rPr lang="ko-KR" altLang="en-US">
+                <a:solidFill>
+                  <a:schemeClr val="tx1"/>
+                </a:solidFill>
+                <a:latin typeface="1훈새마을운동 R" panose="02020603020101020101" pitchFamily="18" charset="-127"/>
+                <a:ea typeface="1훈새마을운동 R" panose="02020603020101020101" pitchFamily="18" charset="-127"/>
+              </a:rPr>
+              <a:t>과 </a:t>
+            </a:r>
+            <a:r>
+              <a:rPr lang="en-US" altLang="ko-KR">
+                <a:solidFill>
+                  <a:schemeClr val="tx1"/>
+                </a:solidFill>
+                <a:latin typeface="1훈새마을운동 R" panose="02020603020101020101" pitchFamily="18" charset="-127"/>
+                <a:ea typeface="1훈새마을운동 R" panose="02020603020101020101" pitchFamily="18" charset="-127"/>
+              </a:rPr>
+              <a:t>controller </a:t>
+            </a:r>
+            <a:r>
+              <a:rPr lang="ko-KR" altLang="en-US">
+                <a:solidFill>
+                  <a:schemeClr val="tx1"/>
+                </a:solidFill>
+                <a:latin typeface="1훈새마을운동 R" panose="02020603020101020101" pitchFamily="18" charset="-127"/>
+                <a:ea typeface="1훈새마을운동 R" panose="02020603020101020101" pitchFamily="18" charset="-127"/>
+              </a:rPr>
+              <a:t>연결 </a:t>
+            </a:r>
+            <a:endParaRPr lang="en-US" altLang="ko-KR">
+              <a:solidFill>
+                <a:schemeClr val="tx1"/>
+              </a:solidFill>
+              <a:latin typeface="1훈새마을운동 R" panose="02020603020101020101" pitchFamily="18" charset="-127"/>
+              <a:ea typeface="1훈새마을운동 R" panose="02020603020101020101" pitchFamily="18" charset="-127"/>
+            </a:endParaRPr>
+          </a:p>
+          <a:p>
+            <a:r>
+              <a:rPr lang="en-US" altLang="ko-KR">
+                <a:solidFill>
+                  <a:schemeClr val="tx1"/>
+                </a:solidFill>
+                <a:latin typeface="1훈새마을운동 R" panose="02020603020101020101" pitchFamily="18" charset="-127"/>
+                <a:ea typeface="1훈새마을운동 R" panose="02020603020101020101" pitchFamily="18" charset="-127"/>
+              </a:rPr>
+              <a:t>	</a:t>
+            </a:r>
+            <a:r>
+              <a:rPr lang="en-US" altLang="ko-KR" smtClean="0">
+                <a:solidFill>
+                  <a:schemeClr val="tx1"/>
+                </a:solidFill>
+                <a:latin typeface="1훈새마을운동 R" panose="02020603020101020101" pitchFamily="18" charset="-127"/>
+                <a:ea typeface="1훈새마을운동 R" panose="02020603020101020101" pitchFamily="18" charset="-127"/>
+              </a:rPr>
+              <a:t>	* fxml </a:t>
+            </a:r>
+            <a:r>
+              <a:rPr lang="ko-KR" altLang="en-US">
+                <a:solidFill>
+                  <a:schemeClr val="tx1"/>
+                </a:solidFill>
+                <a:latin typeface="1훈새마을운동 R" panose="02020603020101020101" pitchFamily="18" charset="-127"/>
+                <a:ea typeface="1훈새마을운동 R" panose="02020603020101020101" pitchFamily="18" charset="-127"/>
+              </a:rPr>
+              <a:t>파일내 첫번째 </a:t>
+            </a:r>
+            <a:r>
+              <a:rPr lang="ko-KR" altLang="en-US" smtClean="0">
+                <a:solidFill>
+                  <a:schemeClr val="tx1"/>
+                </a:solidFill>
+                <a:latin typeface="1훈새마을운동 R" panose="02020603020101020101" pitchFamily="18" charset="-127"/>
+                <a:ea typeface="1훈새마을운동 R" panose="02020603020101020101" pitchFamily="18" charset="-127"/>
+              </a:rPr>
+              <a:t>줄에 </a:t>
+            </a:r>
+            <a:r>
+              <a:rPr lang="en-US" altLang="ko-KR" smtClean="0">
+                <a:solidFill>
+                  <a:schemeClr val="tx1"/>
+                </a:solidFill>
+                <a:latin typeface="1훈새마을운동 R" panose="02020603020101020101" pitchFamily="18" charset="-127"/>
+                <a:ea typeface="1훈새마을운동 R" panose="02020603020101020101" pitchFamily="18" charset="-127"/>
+              </a:rPr>
+              <a:t>fx:controller</a:t>
+            </a:r>
+            <a:r>
+              <a:rPr lang="en-US" altLang="ko-KR">
+                <a:solidFill>
+                  <a:schemeClr val="tx1"/>
+                </a:solidFill>
+                <a:latin typeface="1훈새마을운동 R" panose="02020603020101020101" pitchFamily="18" charset="-127"/>
+                <a:ea typeface="1훈새마을운동 R" panose="02020603020101020101" pitchFamily="18" charset="-127"/>
+              </a:rPr>
+              <a:t>="</a:t>
+            </a:r>
+            <a:r>
+              <a:rPr lang="ko-KR" altLang="en-US">
+                <a:solidFill>
+                  <a:schemeClr val="tx1"/>
+                </a:solidFill>
+                <a:latin typeface="1훈새마을운동 R" panose="02020603020101020101" pitchFamily="18" charset="-127"/>
+                <a:ea typeface="1훈새마을운동 R" panose="02020603020101020101" pitchFamily="18" charset="-127"/>
+              </a:rPr>
+              <a:t>패키지명</a:t>
+            </a:r>
+            <a:r>
+              <a:rPr lang="en-US" altLang="ko-KR">
+                <a:solidFill>
+                  <a:schemeClr val="tx1"/>
+                </a:solidFill>
+                <a:latin typeface="1훈새마을운동 R" panose="02020603020101020101" pitchFamily="18" charset="-127"/>
+                <a:ea typeface="1훈새마을운동 R" panose="02020603020101020101" pitchFamily="18" charset="-127"/>
+              </a:rPr>
+              <a:t>.</a:t>
+            </a:r>
+            <a:r>
+              <a:rPr lang="ko-KR" altLang="en-US">
+                <a:solidFill>
+                  <a:schemeClr val="tx1"/>
+                </a:solidFill>
+                <a:latin typeface="1훈새마을운동 R" panose="02020603020101020101" pitchFamily="18" charset="-127"/>
+                <a:ea typeface="1훈새마을운동 R" panose="02020603020101020101" pitchFamily="18" charset="-127"/>
+              </a:rPr>
+              <a:t>컨트롤명</a:t>
+            </a:r>
+            <a:r>
+              <a:rPr lang="en-US" altLang="ko-KR">
+                <a:solidFill>
+                  <a:schemeClr val="tx1"/>
+                </a:solidFill>
+                <a:latin typeface="1훈새마을운동 R" panose="02020603020101020101" pitchFamily="18" charset="-127"/>
+                <a:ea typeface="1훈새마을운동 R" panose="02020603020101020101" pitchFamily="18" charset="-127"/>
+              </a:rPr>
+              <a:t>"</a:t>
+            </a:r>
+          </a:p>
+          <a:p>
+            <a:r>
+              <a:rPr lang="en-US" altLang="ko-KR" smtClean="0">
+                <a:solidFill>
+                  <a:schemeClr val="tx1"/>
+                </a:solidFill>
+                <a:latin typeface="1훈새마을운동 R" panose="02020603020101020101" pitchFamily="18" charset="-127"/>
+                <a:ea typeface="1훈새마을운동 R" panose="02020603020101020101" pitchFamily="18" charset="-127"/>
+              </a:rPr>
+              <a:t>	</a:t>
+            </a:r>
+            <a:endParaRPr lang="en-US" altLang="ko-KR">
+              <a:solidFill>
+                <a:schemeClr val="tx1"/>
+              </a:solidFill>
+              <a:latin typeface="1훈새마을운동 R" panose="02020603020101020101" pitchFamily="18" charset="-127"/>
+              <a:ea typeface="1훈새마을운동 R" panose="02020603020101020101" pitchFamily="18" charset="-127"/>
+            </a:endParaRPr>
+          </a:p>
+          <a:p>
+            <a:r>
+              <a:rPr lang="en-US" altLang="ko-KR" smtClean="0">
+                <a:solidFill>
+                  <a:schemeClr val="tx1"/>
+                </a:solidFill>
+                <a:latin typeface="1훈새마을운동 R" panose="02020603020101020101" pitchFamily="18" charset="-127"/>
+                <a:ea typeface="1훈새마을운동 R" panose="02020603020101020101" pitchFamily="18" charset="-127"/>
+              </a:rPr>
+              <a:t>	</a:t>
+            </a:r>
+          </a:p>
+        </p:txBody>
+      </p:sp>
+      <p:pic>
+        <p:nvPicPr>
+          <p:cNvPr id="1026" name="Picture 2"/>
+          <p:cNvPicPr>
+            <a:picLocks noChangeAspect="1" noChangeArrowheads="1"/>
+          </p:cNvPicPr>
+          <p:nvPr/>
+        </p:nvPicPr>
+        <p:blipFill>
+          <a:blip r:embed="rId2">
+            <a:extLst>
+              <a:ext uri="{28A0092B-C50C-407E-A947-70E740481C1C}">
+                <a14:useLocalDpi xmlns:a14="http://schemas.microsoft.com/office/drawing/2010/main" val="0"/>
+              </a:ext>
+            </a:extLst>
+          </a:blip>
+          <a:srcRect/>
+          <a:stretch>
+            <a:fillRect/>
+          </a:stretch>
+        </p:blipFill>
+        <p:spPr bwMode="auto">
+          <a:xfrm>
+            <a:off x="2576736" y="1370044"/>
+            <a:ext cx="3611488" cy="2043663"/>
+          </a:xfrm>
+          <a:prstGeom prst="rect">
+            <a:avLst/>
+          </a:prstGeom>
+          <a:noFill/>
+          <a:ln w="9525">
+            <a:solidFill>
+              <a:schemeClr val="tx1"/>
+            </a:solidFill>
+            <a:miter lim="800000"/>
+            <a:headEnd/>
+            <a:tailEnd/>
+          </a:ln>
+          <a:extLst>
+            <a:ext uri="{909E8E84-426E-40DD-AFC4-6F175D3DCCD1}">
+              <a14:hiddenFill xmlns:a14="http://schemas.microsoft.com/office/drawing/2010/main">
+                <a:solidFill>
+                  <a:schemeClr val="accent1"/>
+                </a:solidFill>
+              </a14:hiddenFill>
+            </a:ext>
+          </a:extLst>
+        </p:spPr>
+      </p:pic>
+    </p:spTree>
+    <p:extLst>
+      <p:ext uri="{BB962C8B-B14F-4D97-AF65-F5344CB8AC3E}">
+        <p14:creationId xmlns:p14="http://schemas.microsoft.com/office/powerpoint/2010/main" val="3138864018"/>
+      </p:ext>
+    </p:extLst>
+  </p:cSld>
+  <p:clrMapOvr>
+    <a:masterClrMapping/>
+  </p:clrMapOvr>
+</p:sld>
+</file>
+
+<file path=ppt/slides/slide27.xml><?xml version="1.0" encoding="utf-8"?>
+<p:sld xmlns:a="http://schemas.openxmlformats.org/drawingml/2006/main" xmlns:r="http://schemas.openxmlformats.org/officeDocument/2006/relationships" xmlns:p="http://schemas.openxmlformats.org/presentationml/2006/main">
+  <p:cSld>
+    <p:spTree>
+      <p:nvGrpSpPr>
+        <p:cNvPr id="1" name=""/>
+        <p:cNvGrpSpPr/>
+        <p:nvPr/>
+      </p:nvGrpSpPr>
+      <p:grpSpPr>
+        <a:xfrm>
+          <a:off x="0" y="0"/>
+          <a:ext cx="0" cy="0"/>
+          <a:chOff x="0" y="0"/>
+          <a:chExt cx="0" cy="0"/>
+        </a:xfrm>
+      </p:grpSpPr>
+      <p:sp>
+        <p:nvSpPr>
+          <p:cNvPr id="4" name="직사각형 3"/>
+          <p:cNvSpPr/>
+          <p:nvPr/>
+        </p:nvSpPr>
+        <p:spPr>
+          <a:xfrm>
+            <a:off x="173052" y="188639"/>
+            <a:ext cx="9676492" cy="6408713"/>
+          </a:xfrm>
+          <a:prstGeom prst="rect">
+            <a:avLst/>
+          </a:prstGeom>
+          <a:noFill/>
+        </p:spPr>
+        <p:style>
+          <a:lnRef idx="2">
+            <a:schemeClr val="accent6"/>
+          </a:lnRef>
+          <a:fillRef idx="1">
+            <a:schemeClr val="lt1"/>
+          </a:fillRef>
+          <a:effectRef idx="0">
+            <a:schemeClr val="accent6"/>
+          </a:effectRef>
+          <a:fontRef idx="minor">
+            <a:schemeClr val="dk1"/>
+          </a:fontRef>
+        </p:style>
+        <p:txBody>
+          <a:bodyPr rtlCol="0" anchor="t"/>
+          <a:lstStyle/>
+          <a:p>
+            <a:r>
+              <a:rPr lang="en-US" altLang="ko-KR" smtClean="0">
+                <a:solidFill>
+                  <a:schemeClr val="tx1"/>
+                </a:solidFill>
+                <a:latin typeface="1훈떡볶이 R" panose="02020603020101020101" pitchFamily="18" charset="-127"/>
+                <a:ea typeface="1훈떡볶이 R" panose="02020603020101020101" pitchFamily="18" charset="-127"/>
+              </a:rPr>
+              <a:t>*</a:t>
+            </a:r>
+            <a:r>
+              <a:rPr lang="en-US" altLang="ko-KR" smtClean="0">
+                <a:solidFill>
+                  <a:schemeClr val="tx1"/>
+                </a:solidFill>
+                <a:latin typeface="1훈떡볶이 R" panose="02020603020101020101" pitchFamily="18" charset="-127"/>
+                <a:ea typeface="1훈떡볶이 R" panose="02020603020101020101" pitchFamily="18" charset="-127"/>
+              </a:rPr>
+              <a:t>Javafx </a:t>
+            </a:r>
+            <a:r>
+              <a:rPr lang="ko-KR" altLang="en-US" smtClean="0">
+                <a:solidFill>
+                  <a:schemeClr val="tx1"/>
+                </a:solidFill>
+                <a:latin typeface="1훈떡볶이 R" panose="02020603020101020101" pitchFamily="18" charset="-127"/>
+                <a:ea typeface="1훈떡볶이 R" panose="02020603020101020101" pitchFamily="18" charset="-127"/>
+              </a:rPr>
+              <a:t>클래스 </a:t>
+            </a:r>
+            <a:endParaRPr lang="en-US" altLang="ko-KR" smtClean="0">
+              <a:solidFill>
+                <a:schemeClr val="tx1"/>
+              </a:solidFill>
+              <a:latin typeface="1훈떡볶이 R" panose="02020603020101020101" pitchFamily="18" charset="-127"/>
+              <a:ea typeface="1훈떡볶이 R" panose="02020603020101020101" pitchFamily="18" charset="-127"/>
+            </a:endParaRPr>
+          </a:p>
+          <a:p>
+            <a:r>
+              <a:rPr lang="en-US" altLang="ko-KR" smtClean="0">
+                <a:solidFill>
+                  <a:schemeClr val="tx1"/>
+                </a:solidFill>
+                <a:latin typeface="1훈떡볶이 R" panose="02020603020101020101" pitchFamily="18" charset="-127"/>
+                <a:ea typeface="1훈떡볶이 R" panose="02020603020101020101" pitchFamily="18" charset="-127"/>
+              </a:rPr>
+              <a:t>	1. </a:t>
+            </a:r>
+            <a:r>
+              <a:rPr lang="en-US" altLang="ko-KR" smtClean="0">
+                <a:latin typeface="1훈떡볶이 R" panose="02020603020101020101" pitchFamily="18" charset="-127"/>
+                <a:ea typeface="1훈떡볶이 R" panose="02020603020101020101" pitchFamily="18" charset="-127"/>
+              </a:rPr>
+              <a:t>Application</a:t>
+            </a:r>
+          </a:p>
+          <a:p>
+            <a:r>
+              <a:rPr lang="en-US" altLang="ko-KR">
+                <a:solidFill>
+                  <a:schemeClr val="tx1"/>
+                </a:solidFill>
+                <a:latin typeface="1훈떡볶이 R" panose="02020603020101020101" pitchFamily="18" charset="-127"/>
+                <a:ea typeface="1훈떡볶이 R" panose="02020603020101020101" pitchFamily="18" charset="-127"/>
+              </a:rPr>
+              <a:t>	</a:t>
+            </a:r>
+            <a:r>
+              <a:rPr lang="en-US" altLang="ko-KR" smtClean="0">
+                <a:solidFill>
+                  <a:schemeClr val="tx1"/>
+                </a:solidFill>
+                <a:latin typeface="1훈떡볶이 R" panose="02020603020101020101" pitchFamily="18" charset="-127"/>
+                <a:ea typeface="1훈떡볶이 R" panose="02020603020101020101" pitchFamily="18" charset="-127"/>
+              </a:rPr>
+              <a:t>2. </a:t>
+            </a:r>
+            <a:r>
+              <a:rPr lang="en-US" altLang="ko-KR" smtClean="0">
+                <a:latin typeface="1훈떡볶이 R" panose="02020603020101020101" pitchFamily="18" charset="-127"/>
+                <a:ea typeface="1훈떡볶이 R" panose="02020603020101020101" pitchFamily="18" charset="-127"/>
+              </a:rPr>
+              <a:t>Stage</a:t>
+            </a:r>
+          </a:p>
+          <a:p>
+            <a:r>
+              <a:rPr lang="en-US" altLang="ko-KR">
+                <a:solidFill>
+                  <a:schemeClr val="tx1"/>
+                </a:solidFill>
+                <a:latin typeface="1훈떡볶이 R" panose="02020603020101020101" pitchFamily="18" charset="-127"/>
+                <a:ea typeface="1훈떡볶이 R" panose="02020603020101020101" pitchFamily="18" charset="-127"/>
+              </a:rPr>
+              <a:t>	</a:t>
+            </a:r>
+            <a:r>
+              <a:rPr lang="en-US" altLang="ko-KR" smtClean="0">
+                <a:solidFill>
+                  <a:schemeClr val="tx1"/>
+                </a:solidFill>
+                <a:latin typeface="1훈떡볶이 R" panose="02020603020101020101" pitchFamily="18" charset="-127"/>
+                <a:ea typeface="1훈떡볶이 R" panose="02020603020101020101" pitchFamily="18" charset="-127"/>
+              </a:rPr>
+              <a:t>3. Parent</a:t>
+            </a:r>
+          </a:p>
+          <a:p>
+            <a:r>
+              <a:rPr lang="en-US" altLang="ko-KR" smtClean="0">
+                <a:solidFill>
+                  <a:schemeClr val="tx1"/>
+                </a:solidFill>
+                <a:latin typeface="1훈떡볶이 R" panose="02020603020101020101" pitchFamily="18" charset="-127"/>
+                <a:ea typeface="1훈떡볶이 R" panose="02020603020101020101" pitchFamily="18" charset="-127"/>
+              </a:rPr>
+              <a:t>	</a:t>
+            </a:r>
+          </a:p>
+          <a:p>
+            <a:r>
+              <a:rPr lang="en-US" altLang="ko-KR">
+                <a:solidFill>
+                  <a:schemeClr val="tx1"/>
+                </a:solidFill>
+                <a:latin typeface="1훈떡볶이 R" panose="02020603020101020101" pitchFamily="18" charset="-127"/>
+                <a:ea typeface="1훈떡볶이 R" panose="02020603020101020101" pitchFamily="18" charset="-127"/>
+              </a:rPr>
+              <a:t>	</a:t>
+            </a:r>
+            <a:r>
+              <a:rPr lang="en-US" altLang="ko-KR" smtClean="0">
+                <a:latin typeface="1훈떡볶이 R" panose="02020603020101020101" pitchFamily="18" charset="-127"/>
+                <a:ea typeface="1훈떡볶이 R" panose="02020603020101020101" pitchFamily="18" charset="-127"/>
+              </a:rPr>
+              <a:t>Parent </a:t>
+            </a:r>
+            <a:r>
+              <a:rPr lang="en-US" altLang="ko-KR" u="sng" smtClean="0">
+                <a:latin typeface="1훈떡볶이 R" panose="02020603020101020101" pitchFamily="18" charset="-127"/>
+                <a:ea typeface="1훈떡볶이 R" panose="02020603020101020101" pitchFamily="18" charset="-127"/>
+              </a:rPr>
+              <a:t>parent </a:t>
+            </a:r>
+            <a:r>
+              <a:rPr lang="en-US" altLang="ko-KR" u="sng">
+                <a:latin typeface="1훈떡볶이 R" panose="02020603020101020101" pitchFamily="18" charset="-127"/>
+                <a:ea typeface="1훈떡볶이 R" panose="02020603020101020101" pitchFamily="18" charset="-127"/>
+              </a:rPr>
+              <a:t>= FXMLLoader.</a:t>
+            </a:r>
+            <a:r>
+              <a:rPr lang="en-US" altLang="ko-KR" i="1" u="sng">
+                <a:latin typeface="1훈떡볶이 R" panose="02020603020101020101" pitchFamily="18" charset="-127"/>
+                <a:ea typeface="1훈떡볶이 R" panose="02020603020101020101" pitchFamily="18" charset="-127"/>
+              </a:rPr>
+              <a:t>load(getClass().getResource("/fxml/login.fxml"));</a:t>
+            </a:r>
+          </a:p>
+          <a:p>
+            <a:r>
+              <a:rPr lang="en-US" altLang="ko-KR" smtClean="0">
+                <a:solidFill>
+                  <a:schemeClr val="tx1"/>
+                </a:solidFill>
+                <a:latin typeface="1훈새마을운동 R" panose="02020603020101020101" pitchFamily="18" charset="-127"/>
+                <a:ea typeface="1훈새마을운동 R" panose="02020603020101020101" pitchFamily="18" charset="-127"/>
+              </a:rPr>
+              <a:t>	</a:t>
+            </a:r>
+          </a:p>
+          <a:p>
+            <a:r>
+              <a:rPr lang="en-US" altLang="ko-KR">
+                <a:solidFill>
+                  <a:schemeClr val="tx1"/>
+                </a:solidFill>
+                <a:latin typeface="1훈새마을운동 R" panose="02020603020101020101" pitchFamily="18" charset="-127"/>
+                <a:ea typeface="1훈새마을운동 R" panose="02020603020101020101" pitchFamily="18" charset="-127"/>
+              </a:rPr>
+              <a:t>	</a:t>
+            </a:r>
+            <a:r>
+              <a:rPr lang="en-US" altLang="ko-KR" smtClean="0">
+                <a:solidFill>
+                  <a:schemeClr val="tx1"/>
+                </a:solidFill>
+                <a:latin typeface="1훈새마을운동 R" panose="02020603020101020101" pitchFamily="18" charset="-127"/>
+                <a:ea typeface="1훈새마을운동 R" panose="02020603020101020101" pitchFamily="18" charset="-127"/>
+              </a:rPr>
+              <a:t>	</a:t>
+            </a:r>
+            <a:endParaRPr lang="en-US" altLang="ko-KR">
+              <a:solidFill>
+                <a:schemeClr val="tx1"/>
+              </a:solidFill>
+              <a:latin typeface="1훈새마을운동 R" panose="02020603020101020101" pitchFamily="18" charset="-127"/>
+              <a:ea typeface="1훈새마을운동 R" panose="02020603020101020101" pitchFamily="18" charset="-127"/>
+            </a:endParaRPr>
+          </a:p>
+          <a:p>
+            <a:r>
+              <a:rPr lang="en-US" altLang="ko-KR" smtClean="0">
+                <a:solidFill>
+                  <a:schemeClr val="tx1"/>
+                </a:solidFill>
+                <a:latin typeface="1훈새마을운동 R" panose="02020603020101020101" pitchFamily="18" charset="-127"/>
+                <a:ea typeface="1훈새마을운동 R" panose="02020603020101020101" pitchFamily="18" charset="-127"/>
+              </a:rPr>
+              <a:t>	</a:t>
+            </a:r>
+          </a:p>
+        </p:txBody>
+      </p:sp>
+    </p:spTree>
+    <p:extLst>
+      <p:ext uri="{BB962C8B-B14F-4D97-AF65-F5344CB8AC3E}">
+        <p14:creationId xmlns:p14="http://schemas.microsoft.com/office/powerpoint/2010/main" val="2017641383"/>
+      </p:ext>
+    </p:extLst>
+  </p:cSld>
+  <p:clrMapOvr>
+    <a:masterClrMapping/>
+  </p:clrMapOvr>
 </p:sld>
 </file>
 

--- a/java1/src/정리함/JAVA정리.pptx
+++ b/java1/src/정리함/JAVA정리.pptx
@@ -21902,17 +21902,7 @@
                 <a:latin typeface="1훈새마을운동 R" panose="02020603020101020101" pitchFamily="18" charset="-127"/>
                 <a:ea typeface="1훈새마을운동 R" panose="02020603020101020101" pitchFamily="18" charset="-127"/>
               </a:rPr>
-              <a:t>[ </a:t>
-            </a:r>
-            <a:r>
-              <a:rPr lang="en-US" altLang="ko-KR" smtClean="0">
-                <a:solidFill>
-                  <a:schemeClr val="tx1"/>
-                </a:solidFill>
-                <a:latin typeface="1훈새마을운동 R" panose="02020603020101020101" pitchFamily="18" charset="-127"/>
-                <a:ea typeface="1훈새마을운동 R" panose="02020603020101020101" pitchFamily="18" charset="-127"/>
-              </a:rPr>
-              <a:t>java </a:t>
+              <a:t>[ java </a:t>
             </a:r>
             <a:r>
               <a:rPr lang="ko-KR" altLang="en-US" smtClean="0">
@@ -21934,13 +21924,6 @@
               </a:rPr>
               <a:t>]</a:t>
             </a:r>
-            <a:endParaRPr lang="en-US" altLang="ko-KR" smtClean="0">
-              <a:solidFill>
-                <a:schemeClr val="tx1"/>
-              </a:solidFill>
-              <a:latin typeface="1훈새마을운동 R" panose="02020603020101020101" pitchFamily="18" charset="-127"/>
-              <a:ea typeface="1훈새마을운동 R" panose="02020603020101020101" pitchFamily="18" charset="-127"/>
-            </a:endParaRPr>
           </a:p>
           <a:p>
             <a:r>
@@ -24355,17 +24338,7 @@
                 <a:latin typeface="1훈떡볶이 R" panose="02020603020101020101" pitchFamily="18" charset="-127"/>
                 <a:ea typeface="1훈떡볶이 R" panose="02020603020101020101" pitchFamily="18" charset="-127"/>
               </a:rPr>
-              <a:t>*</a:t>
-            </a:r>
-            <a:r>
-              <a:rPr lang="en-US" altLang="ko-KR" smtClean="0">
-                <a:solidFill>
-                  <a:schemeClr val="tx1"/>
-                </a:solidFill>
-                <a:latin typeface="1훈떡볶이 R" panose="02020603020101020101" pitchFamily="18" charset="-127"/>
-                <a:ea typeface="1훈떡볶이 R" panose="02020603020101020101" pitchFamily="18" charset="-127"/>
-              </a:rPr>
-              <a:t>Javafx </a:t>
+              <a:t>*Javafx </a:t>
             </a:r>
             <a:r>
               <a:rPr lang="ko-KR" altLang="en-US" smtClean="0">
@@ -24407,9 +24380,6 @@
           <a:p>
             <a:r>
               <a:rPr lang="en-US" altLang="ko-KR">
-                <a:solidFill>
-                  <a:schemeClr val="tx1"/>
-                </a:solidFill>
                 <a:latin typeface="1훈떡볶이 R" panose="02020603020101020101" pitchFamily="18" charset="-127"/>
                 <a:ea typeface="1훈떡볶이 R" panose="02020603020101020101" pitchFamily="18" charset="-127"/>
               </a:rPr>
@@ -24423,53 +24393,128 @@
                 <a:latin typeface="1훈떡볶이 R" panose="02020603020101020101" pitchFamily="18" charset="-127"/>
                 <a:ea typeface="1훈떡볶이 R" panose="02020603020101020101" pitchFamily="18" charset="-127"/>
               </a:rPr>
-              <a:t>2. </a:t>
-            </a:r>
-            <a:r>
-              <a:rPr lang="en-US" altLang="ko-KR" smtClean="0">
+              <a:t>2</a:t>
+            </a:r>
+            <a:r>
+              <a:rPr lang="en-US" altLang="ko-KR" smtClean="0">
+                <a:solidFill>
+                  <a:schemeClr val="tx1"/>
+                </a:solidFill>
                 <a:latin typeface="1훈떡볶이 R" panose="02020603020101020101" pitchFamily="18" charset="-127"/>
                 <a:ea typeface="1훈떡볶이 R" panose="02020603020101020101" pitchFamily="18" charset="-127"/>
               </a:rPr>
-              <a:t>Stage</a:t>
-            </a:r>
-          </a:p>
-          <a:p>
-            <a:r>
-              <a:rPr lang="en-US" altLang="ko-KR">
-                <a:solidFill>
-                  <a:schemeClr val="tx1"/>
-                </a:solidFill>
+              <a:t>. </a:t>
+            </a:r>
+            <a:r>
+              <a:rPr lang="en-US" altLang="ko-KR" smtClean="0">
                 <a:latin typeface="1훈떡볶이 R" panose="02020603020101020101" pitchFamily="18" charset="-127"/>
                 <a:ea typeface="1훈떡볶이 R" panose="02020603020101020101" pitchFamily="18" charset="-127"/>
               </a:rPr>
-              <a:t>	</a:t>
-            </a:r>
-            <a:r>
-              <a:rPr lang="en-US" altLang="ko-KR" smtClean="0">
-                <a:solidFill>
-                  <a:schemeClr val="tx1"/>
-                </a:solidFill>
+              <a:t>Stage</a:t>
+            </a:r>
+          </a:p>
+          <a:p>
+            <a:r>
+              <a:rPr lang="en-US" altLang="ko-KR">
                 <a:latin typeface="1훈떡볶이 R" panose="02020603020101020101" pitchFamily="18" charset="-127"/>
                 <a:ea typeface="1훈떡볶이 R" panose="02020603020101020101" pitchFamily="18" charset="-127"/>
               </a:rPr>
-              <a:t>3. Parent</a:t>
-            </a:r>
-          </a:p>
-          <a:p>
-            <a:r>
-              <a:rPr lang="en-US" altLang="ko-KR" smtClean="0">
-                <a:solidFill>
-                  <a:schemeClr val="tx1"/>
-                </a:solidFill>
+              <a:t>	</a:t>
+            </a:r>
+            <a:r>
+              <a:rPr lang="en-US" altLang="ko-KR" smtClean="0">
                 <a:latin typeface="1훈떡볶이 R" panose="02020603020101020101" pitchFamily="18" charset="-127"/>
                 <a:ea typeface="1훈떡볶이 R" panose="02020603020101020101" pitchFamily="18" charset="-127"/>
               </a:rPr>
               <a:t>	</a:t>
             </a:r>
-          </a:p>
-          <a:p>
             <a:r>
               <a:rPr lang="en-US" altLang="ko-KR">
+                <a:latin typeface="1훈떡볶이 R" panose="02020603020101020101" pitchFamily="18" charset="-127"/>
+                <a:ea typeface="1훈떡볶이 R" panose="02020603020101020101" pitchFamily="18" charset="-127"/>
+              </a:rPr>
+              <a:t>1. stage.show()</a:t>
+            </a:r>
+          </a:p>
+          <a:p>
+            <a:r>
+              <a:rPr lang="en-US" altLang="ko-KR">
+                <a:latin typeface="1훈떡볶이 R" panose="02020603020101020101" pitchFamily="18" charset="-127"/>
+                <a:ea typeface="1훈떡볶이 R" panose="02020603020101020101" pitchFamily="18" charset="-127"/>
+              </a:rPr>
+              <a:t>		2. </a:t>
+            </a:r>
+            <a:r>
+              <a:rPr lang="en-US" altLang="ko-KR">
+                <a:latin typeface="1훈떡볶이 R" panose="02020603020101020101" pitchFamily="18" charset="-127"/>
+                <a:ea typeface="1훈떡볶이 R" panose="02020603020101020101" pitchFamily="18" charset="-127"/>
+              </a:rPr>
+              <a:t>stage.setScene(scene</a:t>
+            </a:r>
+            <a:r>
+              <a:rPr lang="en-US" altLang="ko-KR" smtClean="0">
+                <a:latin typeface="1훈떡볶이 R" panose="02020603020101020101" pitchFamily="18" charset="-127"/>
+                <a:ea typeface="1훈떡볶이 R" panose="02020603020101020101" pitchFamily="18" charset="-127"/>
+              </a:rPr>
+              <a:t>);</a:t>
+            </a:r>
+            <a:endParaRPr lang="en-US" altLang="ko-KR" smtClean="0">
+              <a:latin typeface="1훈떡볶이 R" panose="02020603020101020101" pitchFamily="18" charset="-127"/>
+              <a:ea typeface="1훈떡볶이 R" panose="02020603020101020101" pitchFamily="18" charset="-127"/>
+            </a:endParaRPr>
+          </a:p>
+          <a:p>
+            <a:r>
+              <a:rPr lang="en-US" altLang="ko-KR">
+                <a:solidFill>
+                  <a:schemeClr val="tx1"/>
+                </a:solidFill>
+                <a:latin typeface="1훈떡볶이 R" panose="02020603020101020101" pitchFamily="18" charset="-127"/>
+                <a:ea typeface="1훈떡볶이 R" panose="02020603020101020101" pitchFamily="18" charset="-127"/>
+              </a:rPr>
+              <a:t>	</a:t>
+            </a:r>
+            <a:r>
+              <a:rPr lang="en-US" altLang="ko-KR" smtClean="0">
+                <a:solidFill>
+                  <a:schemeClr val="tx1"/>
+                </a:solidFill>
+                <a:latin typeface="1훈떡볶이 R" panose="02020603020101020101" pitchFamily="18" charset="-127"/>
+                <a:ea typeface="1훈떡볶이 R" panose="02020603020101020101" pitchFamily="18" charset="-127"/>
+              </a:rPr>
+              <a:t>3. </a:t>
+            </a:r>
+            <a:r>
+              <a:rPr lang="en-US" altLang="ko-KR" smtClean="0">
+                <a:solidFill>
+                  <a:schemeClr val="tx1"/>
+                </a:solidFill>
+                <a:latin typeface="1훈떡볶이 R" panose="02020603020101020101" pitchFamily="18" charset="-127"/>
+                <a:ea typeface="1훈떡볶이 R" panose="02020603020101020101" pitchFamily="18" charset="-127"/>
+              </a:rPr>
+              <a:t>Parent</a:t>
+            </a:r>
+            <a:endParaRPr lang="en-US" altLang="ko-KR" smtClean="0">
+              <a:solidFill>
+                <a:schemeClr val="tx1"/>
+              </a:solidFill>
+              <a:latin typeface="1훈떡볶이 R" panose="02020603020101020101" pitchFamily="18" charset="-127"/>
+              <a:ea typeface="1훈떡볶이 R" panose="02020603020101020101" pitchFamily="18" charset="-127"/>
+            </a:endParaRPr>
+          </a:p>
+          <a:p>
+            <a:r>
+              <a:rPr lang="en-US" altLang="ko-KR">
+                <a:solidFill>
+                  <a:schemeClr val="tx1"/>
+                </a:solidFill>
+                <a:latin typeface="1훈떡볶이 R" panose="02020603020101020101" pitchFamily="18" charset="-127"/>
+                <a:ea typeface="1훈떡볶이 R" panose="02020603020101020101" pitchFamily="18" charset="-127"/>
+              </a:rPr>
+              <a:t>	</a:t>
+            </a:r>
+            <a:r>
+              <a:rPr lang="en-US" altLang="ko-KR" smtClean="0">
                 <a:solidFill>
                   <a:schemeClr val="tx1"/>
                 </a:solidFill>
@@ -24504,20 +24549,102 @@
                 <a:latin typeface="1훈떡볶이 R" panose="02020603020101020101" pitchFamily="18" charset="-127"/>
                 <a:ea typeface="1훈떡볶이 R" panose="02020603020101020101" pitchFamily="18" charset="-127"/>
               </a:rPr>
-              <a:t>load(getClass().getResource("/fxml/login.fxml"));</a:t>
-            </a:r>
-          </a:p>
-          <a:p>
-            <a:r>
-              <a:rPr lang="en-US" altLang="ko-KR" smtClean="0">
-                <a:solidFill>
-                  <a:schemeClr val="tx1"/>
-                </a:solidFill>
-                <a:latin typeface="1훈새마을운동 R" panose="02020603020101020101" pitchFamily="18" charset="-127"/>
-                <a:ea typeface="1훈새마을운동 R" panose="02020603020101020101" pitchFamily="18" charset="-127"/>
+              <a:t>load(getClass().getResource</a:t>
+            </a:r>
+            <a:r>
+              <a:rPr lang="en-US" altLang="ko-KR" i="1" u="sng" smtClean="0">
+                <a:latin typeface="1훈떡볶이 R" panose="02020603020101020101" pitchFamily="18" charset="-127"/>
+                <a:ea typeface="1훈떡볶이 R" panose="02020603020101020101" pitchFamily="18" charset="-127"/>
+              </a:rPr>
+              <a:t>(“</a:t>
+            </a:r>
+            <a:r>
+              <a:rPr lang="en-US" altLang="ko-KR" i="1" u="sng" smtClean="0">
+                <a:latin typeface="1훈떡볶이 R" panose="02020603020101020101" pitchFamily="18" charset="-127"/>
+                <a:ea typeface="1훈떡볶이 R" panose="02020603020101020101" pitchFamily="18" charset="-127"/>
+              </a:rPr>
+              <a:t>fxml</a:t>
+            </a:r>
+            <a:r>
+              <a:rPr lang="ko-KR" altLang="en-US" i="1" u="sng" smtClean="0">
+                <a:latin typeface="1훈떡볶이 R" panose="02020603020101020101" pitchFamily="18" charset="-127"/>
+                <a:ea typeface="1훈떡볶이 R" panose="02020603020101020101" pitchFamily="18" charset="-127"/>
+              </a:rPr>
+              <a:t>파일경로</a:t>
+            </a:r>
+            <a:r>
+              <a:rPr lang="en-US" altLang="ko-KR" i="1" u="sng" smtClean="0">
+                <a:latin typeface="1훈떡볶이 R" panose="02020603020101020101" pitchFamily="18" charset="-127"/>
+                <a:ea typeface="1훈떡볶이 R" panose="02020603020101020101" pitchFamily="18" charset="-127"/>
+              </a:rPr>
+              <a:t>"));</a:t>
+            </a:r>
+          </a:p>
+          <a:p>
+            <a:r>
+              <a:rPr lang="en-US" altLang="ko-KR" i="1">
+                <a:latin typeface="1훈떡볶이 R" panose="02020603020101020101" pitchFamily="18" charset="-127"/>
+                <a:ea typeface="1훈떡볶이 R" panose="02020603020101020101" pitchFamily="18" charset="-127"/>
               </a:rPr>
               <a:t>	</a:t>
             </a:r>
+            <a:r>
+              <a:rPr lang="en-US" altLang="ko-KR" i="1" smtClean="0">
+                <a:latin typeface="1훈떡볶이 R" panose="02020603020101020101" pitchFamily="18" charset="-127"/>
+                <a:ea typeface="1훈떡볶이 R" panose="02020603020101020101" pitchFamily="18" charset="-127"/>
+              </a:rPr>
+              <a:t>4.</a:t>
+            </a:r>
+            <a:r>
+              <a:rPr lang="en-US" altLang="ko-KR">
+                <a:latin typeface="1훈떡볶이 R" panose="02020603020101020101" pitchFamily="18" charset="-127"/>
+                <a:ea typeface="1훈떡볶이 R" panose="02020603020101020101" pitchFamily="18" charset="-127"/>
+              </a:rPr>
+              <a:t> </a:t>
+            </a:r>
+            <a:r>
+              <a:rPr lang="en-US" altLang="ko-KR" smtClean="0">
+                <a:latin typeface="1훈떡볶이 R" panose="02020603020101020101" pitchFamily="18" charset="-127"/>
+                <a:ea typeface="1훈떡볶이 R" panose="02020603020101020101" pitchFamily="18" charset="-127"/>
+              </a:rPr>
+              <a:t>Scene</a:t>
+            </a:r>
+          </a:p>
+          <a:p>
+            <a:r>
+              <a:rPr lang="en-US" altLang="ko-KR">
+                <a:solidFill>
+                  <a:schemeClr val="tx1"/>
+                </a:solidFill>
+                <a:latin typeface="1훈떡볶이 R" panose="02020603020101020101" pitchFamily="18" charset="-127"/>
+                <a:ea typeface="1훈떡볶이 R" panose="02020603020101020101" pitchFamily="18" charset="-127"/>
+              </a:rPr>
+              <a:t>	</a:t>
+            </a:r>
+            <a:r>
+              <a:rPr lang="en-US" altLang="ko-KR" smtClean="0">
+                <a:solidFill>
+                  <a:schemeClr val="tx1"/>
+                </a:solidFill>
+                <a:latin typeface="1훈떡볶이 R" panose="02020603020101020101" pitchFamily="18" charset="-127"/>
+                <a:ea typeface="1훈떡볶이 R" panose="02020603020101020101" pitchFamily="18" charset="-127"/>
+              </a:rPr>
+              <a:t>	</a:t>
+            </a:r>
+            <a:r>
+              <a:rPr lang="nn-NO" altLang="ko-KR">
+                <a:latin typeface="1훈떡볶이 R" panose="02020603020101020101" pitchFamily="18" charset="-127"/>
+                <a:ea typeface="1훈떡볶이 R" panose="02020603020101020101" pitchFamily="18" charset="-127"/>
+              </a:rPr>
+              <a:t>Scene scene = new Scene( parent );</a:t>
+            </a:r>
+            <a:endParaRPr lang="en-US" altLang="ko-KR" smtClean="0">
+              <a:solidFill>
+                <a:schemeClr val="tx1"/>
+              </a:solidFill>
+              <a:latin typeface="1훈떡볶이 R" panose="02020603020101020101" pitchFamily="18" charset="-127"/>
+              <a:ea typeface="1훈떡볶이 R" panose="02020603020101020101" pitchFamily="18" charset="-127"/>
+            </a:endParaRPr>
           </a:p>
           <a:p>
             <a:r>
@@ -24562,6 +24689,55 @@
           </a:p>
         </p:txBody>
       </p:sp>
+      <p:pic>
+        <p:nvPicPr>
+          <p:cNvPr id="1026" name="Picture 2"/>
+          <p:cNvPicPr>
+            <a:picLocks noChangeAspect="1" noChangeArrowheads="1"/>
+          </p:cNvPicPr>
+          <p:nvPr/>
+        </p:nvPicPr>
+        <p:blipFill>
+          <a:blip r:embed="rId2">
+            <a:extLst>
+              <a:ext uri="{28A0092B-C50C-407E-A947-70E740481C1C}">
+                <a14:useLocalDpi xmlns:a14="http://schemas.microsoft.com/office/drawing/2010/main" val="0"/>
+              </a:ext>
+            </a:extLst>
+          </a:blip>
+          <a:srcRect/>
+          <a:stretch>
+            <a:fillRect/>
+          </a:stretch>
+        </p:blipFill>
+        <p:spPr bwMode="auto">
+          <a:xfrm>
+            <a:off x="5011298" y="2996952"/>
+            <a:ext cx="4742608" cy="3376216"/>
+          </a:xfrm>
+          <a:prstGeom prst="rect">
+            <a:avLst/>
+          </a:prstGeom>
+          <a:noFill/>
+          <a:ln w="9525">
+            <a:solidFill>
+              <a:schemeClr val="tx1"/>
+            </a:solidFill>
+            <a:miter lim="800000"/>
+            <a:headEnd/>
+            <a:tailEnd/>
+          </a:ln>
+          <a:extLst>
+            <a:ext uri="{909E8E84-426E-40DD-AFC4-6F175D3DCCD1}">
+              <a14:hiddenFill xmlns:a14="http://schemas.microsoft.com/office/drawing/2010/main">
+                <a:solidFill>
+                  <a:schemeClr val="accent1"/>
+                </a:solidFill>
+              </a14:hiddenFill>
+            </a:ext>
+          </a:extLst>
+        </p:spPr>
+      </p:pic>
     </p:spTree>
     <p:extLst>
       <p:ext uri="{BB962C8B-B14F-4D97-AF65-F5344CB8AC3E}">

--- a/java1/src/정리함/JAVA정리.pptx
+++ b/java1/src/정리함/JAVA정리.pptx
@@ -231,7 +231,7 @@
           <a:p>
             <a:fld id="{6B9FE7A6-2D33-4782-874A-A2DEBAC3A7CB}" type="datetimeFigureOut">
               <a:rPr lang="ko-KR" altLang="en-US" smtClean="0"/>
-              <a:t>2021-11-01</a:t>
+              <a:t>2021-11-02</a:t>
             </a:fld>
             <a:endParaRPr lang="ko-KR" altLang="en-US"/>
           </a:p>
@@ -764,7 +764,7 @@
           <a:p>
             <a:fld id="{83921F6A-BA09-41D7-82B2-313B2D910A95}" type="datetimeFigureOut">
               <a:rPr lang="ko-KR" altLang="en-US" smtClean="0"/>
-              <a:t>2021-11-01</a:t>
+              <a:t>2021-11-02</a:t>
             </a:fld>
             <a:endParaRPr lang="ko-KR" altLang="en-US"/>
           </a:p>
@@ -934,7 +934,7 @@
           <a:p>
             <a:fld id="{83921F6A-BA09-41D7-82B2-313B2D910A95}" type="datetimeFigureOut">
               <a:rPr lang="ko-KR" altLang="en-US" smtClean="0"/>
-              <a:t>2021-11-01</a:t>
+              <a:t>2021-11-02</a:t>
             </a:fld>
             <a:endParaRPr lang="ko-KR" altLang="en-US"/>
           </a:p>
@@ -1114,7 +1114,7 @@
           <a:p>
             <a:fld id="{83921F6A-BA09-41D7-82B2-313B2D910A95}" type="datetimeFigureOut">
               <a:rPr lang="ko-KR" altLang="en-US" smtClean="0"/>
-              <a:t>2021-11-01</a:t>
+              <a:t>2021-11-02</a:t>
             </a:fld>
             <a:endParaRPr lang="ko-KR" altLang="en-US"/>
           </a:p>
@@ -1284,7 +1284,7 @@
           <a:p>
             <a:fld id="{83921F6A-BA09-41D7-82B2-313B2D910A95}" type="datetimeFigureOut">
               <a:rPr lang="ko-KR" altLang="en-US" smtClean="0"/>
-              <a:t>2021-11-01</a:t>
+              <a:t>2021-11-02</a:t>
             </a:fld>
             <a:endParaRPr lang="ko-KR" altLang="en-US"/>
           </a:p>
@@ -1530,7 +1530,7 @@
           <a:p>
             <a:fld id="{83921F6A-BA09-41D7-82B2-313B2D910A95}" type="datetimeFigureOut">
               <a:rPr lang="ko-KR" altLang="en-US" smtClean="0"/>
-              <a:t>2021-11-01</a:t>
+              <a:t>2021-11-02</a:t>
             </a:fld>
             <a:endParaRPr lang="ko-KR" altLang="en-US"/>
           </a:p>
@@ -1818,7 +1818,7 @@
           <a:p>
             <a:fld id="{83921F6A-BA09-41D7-82B2-313B2D910A95}" type="datetimeFigureOut">
               <a:rPr lang="ko-KR" altLang="en-US" smtClean="0"/>
-              <a:t>2021-11-01</a:t>
+              <a:t>2021-11-02</a:t>
             </a:fld>
             <a:endParaRPr lang="ko-KR" altLang="en-US"/>
           </a:p>
@@ -2245,7 +2245,7 @@
           <a:p>
             <a:fld id="{83921F6A-BA09-41D7-82B2-313B2D910A95}" type="datetimeFigureOut">
               <a:rPr lang="ko-KR" altLang="en-US" smtClean="0"/>
-              <a:t>2021-11-01</a:t>
+              <a:t>2021-11-02</a:t>
             </a:fld>
             <a:endParaRPr lang="ko-KR" altLang="en-US"/>
           </a:p>
@@ -2363,7 +2363,7 @@
           <a:p>
             <a:fld id="{83921F6A-BA09-41D7-82B2-313B2D910A95}" type="datetimeFigureOut">
               <a:rPr lang="ko-KR" altLang="en-US" smtClean="0"/>
-              <a:t>2021-11-01</a:t>
+              <a:t>2021-11-02</a:t>
             </a:fld>
             <a:endParaRPr lang="ko-KR" altLang="en-US"/>
           </a:p>
@@ -2458,7 +2458,7 @@
           <a:p>
             <a:fld id="{83921F6A-BA09-41D7-82B2-313B2D910A95}" type="datetimeFigureOut">
               <a:rPr lang="ko-KR" altLang="en-US" smtClean="0"/>
-              <a:t>2021-11-01</a:t>
+              <a:t>2021-11-02</a:t>
             </a:fld>
             <a:endParaRPr lang="ko-KR" altLang="en-US"/>
           </a:p>
@@ -2735,7 +2735,7 @@
           <a:p>
             <a:fld id="{83921F6A-BA09-41D7-82B2-313B2D910A95}" type="datetimeFigureOut">
               <a:rPr lang="ko-KR" altLang="en-US" smtClean="0"/>
-              <a:t>2021-11-01</a:t>
+              <a:t>2021-11-02</a:t>
             </a:fld>
             <a:endParaRPr lang="ko-KR" altLang="en-US"/>
           </a:p>
@@ -2988,7 +2988,7 @@
           <a:p>
             <a:fld id="{83921F6A-BA09-41D7-82B2-313B2D910A95}" type="datetimeFigureOut">
               <a:rPr lang="ko-KR" altLang="en-US" smtClean="0"/>
-              <a:t>2021-11-01</a:t>
+              <a:t>2021-11-02</a:t>
             </a:fld>
             <a:endParaRPr lang="ko-KR" altLang="en-US"/>
           </a:p>
@@ -3201,7 +3201,7 @@
           <a:p>
             <a:fld id="{83921F6A-BA09-41D7-82B2-313B2D910A95}" type="datetimeFigureOut">
               <a:rPr lang="ko-KR" altLang="en-US" smtClean="0"/>
-              <a:t>2021-11-01</a:t>
+              <a:t>2021-11-02</a:t>
             </a:fld>
             <a:endParaRPr lang="ko-KR" altLang="en-US"/>
           </a:p>
@@ -3829,14 +3829,7 @@
                 <a:latin typeface="1훈새마을운동 R" panose="02020603020101020101" pitchFamily="18" charset="-127"/>
                 <a:ea typeface="1훈새마을운동 R" panose="02020603020101020101" pitchFamily="18" charset="-127"/>
               </a:rPr>
-              <a:t>10</a:t>
-            </a:r>
-            <a:r>
-              <a:rPr lang="en-US" altLang="ko-KR" smtClean="0">
-                <a:latin typeface="1훈새마을운동 R" panose="02020603020101020101" pitchFamily="18" charset="-127"/>
-                <a:ea typeface="1훈새마을운동 R" panose="02020603020101020101" pitchFamily="18" charset="-127"/>
-              </a:rPr>
-              <a:t>. </a:t>
+              <a:t>10. </a:t>
             </a:r>
             <a:r>
               <a:rPr lang="en-US" altLang="ko-KR">
@@ -31989,8 +31982,52 @@
                 <a:latin typeface="1훈새마을운동 R" panose="02020603020101020101" pitchFamily="18" charset="-127"/>
                 <a:ea typeface="1훈새마을운동 R" panose="02020603020101020101" pitchFamily="18" charset="-127"/>
               </a:rPr>
-              <a:t>Scene scene = new Scene( parent );</a:t>
-            </a:r>
+              <a:t>Scene scene = new Scene( parent </a:t>
+            </a:r>
+            <a:r>
+              <a:rPr lang="nn-NO" altLang="ko-KR" smtClean="0">
+                <a:latin typeface="1훈새마을운동 R" panose="02020603020101020101" pitchFamily="18" charset="-127"/>
+                <a:ea typeface="1훈새마을운동 R" panose="02020603020101020101" pitchFamily="18" charset="-127"/>
+              </a:rPr>
+              <a:t>);</a:t>
+            </a:r>
+          </a:p>
+          <a:p>
+            <a:r>
+              <a:rPr lang="nn-NO" altLang="ko-KR">
+                <a:solidFill>
+                  <a:schemeClr val="tx1"/>
+                </a:solidFill>
+                <a:latin typeface="1훈새마을운동 R" panose="02020603020101020101" pitchFamily="18" charset="-127"/>
+                <a:ea typeface="1훈새마을운동 R" panose="02020603020101020101" pitchFamily="18" charset="-127"/>
+              </a:rPr>
+              <a:t>	</a:t>
+            </a:r>
+            <a:r>
+              <a:rPr lang="nn-NO" altLang="ko-KR" smtClean="0">
+                <a:solidFill>
+                  <a:schemeClr val="tx1"/>
+                </a:solidFill>
+                <a:latin typeface="1훈새마을운동 R" panose="02020603020101020101" pitchFamily="18" charset="-127"/>
+                <a:ea typeface="1훈새마을운동 R" panose="02020603020101020101" pitchFamily="18" charset="-127"/>
+              </a:rPr>
+              <a:t>5. </a:t>
+            </a:r>
+            <a:r>
+              <a:rPr lang="en-US" altLang="ko-KR" smtClean="0"/>
+              <a:t>Alert</a:t>
+            </a:r>
+          </a:p>
+          <a:p>
+            <a:endParaRPr lang="en-US" altLang="ko-KR">
+              <a:solidFill>
+                <a:schemeClr val="tx1"/>
+              </a:solidFill>
+              <a:latin typeface="1훈새마을운동 R" panose="02020603020101020101" pitchFamily="18" charset="-127"/>
+              <a:ea typeface="1훈새마을운동 R" panose="02020603020101020101" pitchFamily="18" charset="-127"/>
+            </a:endParaRPr>
+          </a:p>
+          <a:p>
             <a:endParaRPr lang="en-US" altLang="ko-KR" smtClean="0">
               <a:solidFill>
                 <a:schemeClr val="tx1"/>
@@ -32166,13 +32203,6 @@
               </a:rPr>
               <a:t>DataBase</a:t>
             </a:r>
-            <a:endParaRPr lang="en-US" altLang="ko-KR" sz="10000" smtClean="0">
-              <a:solidFill>
-                <a:schemeClr val="tx1"/>
-              </a:solidFill>
-              <a:latin typeface="1훈새마을운동 R" panose="02020603020101020101" pitchFamily="18" charset="-127"/>
-              <a:ea typeface="1훈새마을운동 R" panose="02020603020101020101" pitchFamily="18" charset="-127"/>
-            </a:endParaRPr>
           </a:p>
         </p:txBody>
       </p:sp>
@@ -32533,17 +32563,7 @@
                 <a:latin typeface="1훈새마을운동 R" panose="02020603020101020101" pitchFamily="18" charset="-127"/>
                 <a:ea typeface="1훈새마을운동 R" panose="02020603020101020101" pitchFamily="18" charset="-127"/>
               </a:rPr>
-              <a:t>		1. Platform Independent (Architecture Independent), ZIP Archive	</a:t>
-            </a:r>
-            <a:r>
-              <a:rPr lang="en-US" altLang="ko-KR">
-                <a:solidFill>
-                  <a:schemeClr val="tx1"/>
-                </a:solidFill>
-                <a:latin typeface="1훈새마을운동 R" panose="02020603020101020101" pitchFamily="18" charset="-127"/>
-                <a:ea typeface="1훈새마을운동 R" panose="02020603020101020101" pitchFamily="18" charset="-127"/>
-              </a:rPr>
-              <a:t>4.8M</a:t>
+              <a:t>		1. Platform Independent (Architecture Independent), ZIP Archive	4.8M</a:t>
             </a:r>
             <a:r>
               <a:rPr lang="ko-KR" altLang="en-US" smtClean="0">
@@ -32640,14 +32660,7 @@
                 <a:latin typeface="1훈새마을운동 R" panose="02020603020101020101" pitchFamily="18" charset="-127"/>
                 <a:ea typeface="1훈새마을운동 R" panose="02020603020101020101" pitchFamily="18" charset="-127"/>
               </a:rPr>
-              <a:t>. </a:t>
-            </a:r>
-            <a:r>
-              <a:rPr lang="en-US" altLang="ko-KR">
-                <a:latin typeface="1훈새마을운동 R" panose="02020603020101020101" pitchFamily="18" charset="-127"/>
-                <a:ea typeface="1훈새마을운동 R" panose="02020603020101020101" pitchFamily="18" charset="-127"/>
-              </a:rPr>
-              <a:t>DB </a:t>
+              <a:t>. DB </a:t>
             </a:r>
             <a:r>
               <a:rPr lang="en-US" altLang="ko-KR" smtClean="0">
@@ -32682,14 +32695,7 @@
                 <a:latin typeface="1훈새마을운동 R" panose="02020603020101020101" pitchFamily="18" charset="-127"/>
                 <a:ea typeface="1훈새마을운동 R" panose="02020603020101020101" pitchFamily="18" charset="-127"/>
               </a:rPr>
-              <a:t>con = DriverManager.getConnection</a:t>
-            </a:r>
-            <a:r>
-              <a:rPr lang="en-US" altLang="ko-KR">
-                <a:latin typeface="1훈새마을운동 R" panose="02020603020101020101" pitchFamily="18" charset="-127"/>
-                <a:ea typeface="1훈새마을운동 R" panose="02020603020101020101" pitchFamily="18" charset="-127"/>
-              </a:rPr>
-              <a:t>( </a:t>
+              <a:t>con = DriverManager.getConnection( </a:t>
             </a:r>
             <a:r>
               <a:rPr lang="en-US" altLang="ko-KR" smtClean="0">
@@ -32862,17 +32868,7 @@
                 <a:latin typeface="1훈새마을운동 R" panose="02020603020101020101" pitchFamily="18" charset="-127"/>
                 <a:ea typeface="1훈새마을운동 R" panose="02020603020101020101" pitchFamily="18" charset="-127"/>
               </a:rPr>
-              <a:t>://localhost:3307/javafx?serverTimezome=UTC" ,"root" , </a:t>
-            </a:r>
-            <a:r>
-              <a:rPr lang="en-US" altLang="ko-KR">
-                <a:solidFill>
-                  <a:schemeClr val="tx1"/>
-                </a:solidFill>
-                <a:latin typeface="1훈새마을운동 R" panose="02020603020101020101" pitchFamily="18" charset="-127"/>
-                <a:ea typeface="1훈새마을운동 R" panose="02020603020101020101" pitchFamily="18" charset="-127"/>
-              </a:rPr>
-              <a:t>"</a:t>
+              <a:t>://localhost:3307/javafx?serverTimezome=UTC" ,"root" , "</a:t>
             </a:r>
             <a:r>
               <a:rPr lang="en-US" altLang="ko-KR" smtClean="0">
@@ -33485,14 +33481,7 @@
                 <a:latin typeface="1훈새마을운동 R" panose="02020603020101020101" pitchFamily="18" charset="-127"/>
                 <a:ea typeface="1훈새마을운동 R" panose="02020603020101020101" pitchFamily="18" charset="-127"/>
               </a:rPr>
-              <a:t>Data </a:t>
-            </a:r>
-            <a:r>
-              <a:rPr lang="en-US" altLang="ko-KR">
-                <a:latin typeface="1훈새마을운동 R" panose="02020603020101020101" pitchFamily="18" charset="-127"/>
-                <a:ea typeface="1훈새마을운동 R" panose="02020603020101020101" pitchFamily="18" charset="-127"/>
-              </a:rPr>
-              <a:t>Transfer </a:t>
+              <a:t>Data Transfer </a:t>
             </a:r>
             <a:r>
               <a:rPr lang="en-US" altLang="ko-KR" smtClean="0">
@@ -33547,14 +33536,7 @@
                 <a:latin typeface="1훈새마을운동 R" panose="02020603020101020101" pitchFamily="18" charset="-127"/>
                 <a:ea typeface="1훈새마을운동 R" panose="02020603020101020101" pitchFamily="18" charset="-127"/>
               </a:rPr>
-              <a:t>Data </a:t>
-            </a:r>
-            <a:r>
-              <a:rPr lang="en-US" altLang="ko-KR">
-                <a:latin typeface="1훈새마을운동 R" panose="02020603020101020101" pitchFamily="18" charset="-127"/>
-                <a:ea typeface="1훈새마을운동 R" panose="02020603020101020101" pitchFamily="18" charset="-127"/>
-              </a:rPr>
-              <a:t>Access </a:t>
+              <a:t>Data Access </a:t>
             </a:r>
             <a:r>
               <a:rPr lang="en-US" altLang="ko-KR" smtClean="0">
@@ -33865,17 +33847,7 @@
                 <a:latin typeface="1훈새마을운동 R" panose="02020603020101020101" pitchFamily="18" charset="-127"/>
                 <a:ea typeface="1훈새마을운동 R" panose="02020603020101020101" pitchFamily="18" charset="-127"/>
               </a:rPr>
-              <a:t>	</a:t>
-            </a:r>
-            <a:r>
-              <a:rPr lang="en-US" altLang="ko-KR" smtClean="0">
-                <a:solidFill>
-                  <a:schemeClr val="tx1"/>
-                </a:solidFill>
-                <a:latin typeface="1훈새마을운동 R" panose="02020603020101020101" pitchFamily="18" charset="-127"/>
-                <a:ea typeface="1훈새마을운동 R" panose="02020603020101020101" pitchFamily="18" charset="-127"/>
-              </a:rPr>
-              <a:t>	SQL </a:t>
+              <a:t>		SQL </a:t>
             </a:r>
             <a:r>
               <a:rPr lang="ko-KR" altLang="en-US" smtClean="0">
@@ -33925,17 +33897,7 @@
                 <a:latin typeface="1훈새마을운동 R" panose="02020603020101020101" pitchFamily="18" charset="-127"/>
                 <a:ea typeface="1훈새마을운동 R" panose="02020603020101020101" pitchFamily="18" charset="-127"/>
               </a:rPr>
-              <a:t> 연결 </a:t>
-            </a:r>
-            <a:r>
-              <a:rPr lang="ko-KR" altLang="en-US" smtClean="0">
-                <a:solidFill>
-                  <a:schemeClr val="tx1"/>
-                </a:solidFill>
-                <a:latin typeface="1훈새마을운동 R" panose="02020603020101020101" pitchFamily="18" charset="-127"/>
-                <a:ea typeface="1훈새마을운동 R" panose="02020603020101020101" pitchFamily="18" charset="-127"/>
-              </a:rPr>
-              <a:t>인터페이스</a:t>
+              <a:t> 연결 인터페이스</a:t>
             </a:r>
             <a:endParaRPr lang="en-US" altLang="ko-KR" smtClean="0">
               <a:solidFill>
@@ -33964,17 +33926,7 @@
                 <a:latin typeface="1훈새마을운동 R" panose="02020603020101020101" pitchFamily="18" charset="-127"/>
                 <a:ea typeface="1훈새마을운동 R" panose="02020603020101020101" pitchFamily="18" charset="-127"/>
               </a:rPr>
-              <a:t>	</a:t>
-            </a:r>
-            <a:r>
-              <a:rPr lang="en-US" altLang="ko-KR" smtClean="0">
-                <a:solidFill>
-                  <a:schemeClr val="tx1"/>
-                </a:solidFill>
-                <a:latin typeface="1훈새마을운동 R" panose="02020603020101020101" pitchFamily="18" charset="-127"/>
-                <a:ea typeface="1훈새마을운동 R" panose="02020603020101020101" pitchFamily="18" charset="-127"/>
-              </a:rPr>
-              <a:t>.next : </a:t>
+              <a:t>	.next : </a:t>
             </a:r>
             <a:r>
               <a:rPr lang="ko-KR" altLang="en-US" smtClean="0">
@@ -34539,13 +34491,6 @@
               </a:rPr>
               <a:t>	</a:t>
             </a:r>
-            <a:endParaRPr lang="en-US" altLang="ko-KR" smtClean="0">
-              <a:solidFill>
-                <a:schemeClr val="tx1"/>
-              </a:solidFill>
-              <a:latin typeface="1훈새마을운동 R" panose="02020603020101020101" pitchFamily="18" charset="-127"/>
-              <a:ea typeface="1훈새마을운동 R" panose="02020603020101020101" pitchFamily="18" charset="-127"/>
-            </a:endParaRPr>
           </a:p>
           <a:p>
             <a:r>
@@ -34788,17 +34733,7 @@
                 <a:latin typeface="1훈새마을운동 R" panose="02020603020101020101" pitchFamily="18" charset="-127"/>
                 <a:ea typeface="1훈새마을운동 R" panose="02020603020101020101" pitchFamily="18" charset="-127"/>
               </a:rPr>
-              <a:t>	</a:t>
-            </a:r>
-            <a:r>
-              <a:rPr lang="en-US" altLang="ko-KR" smtClean="0">
-                <a:solidFill>
-                  <a:schemeClr val="tx1"/>
-                </a:solidFill>
-                <a:latin typeface="1훈새마을운동 R" panose="02020603020101020101" pitchFamily="18" charset="-127"/>
-                <a:ea typeface="1훈새마을운동 R" panose="02020603020101020101" pitchFamily="18" charset="-127"/>
-              </a:rPr>
-              <a:t>DDL [ </a:t>
+              <a:t>	DDL [ </a:t>
             </a:r>
             <a:r>
               <a:rPr lang="ko-KR" altLang="en-US" smtClean="0">
@@ -35286,17 +35221,7 @@
                 <a:latin typeface="1훈새마을운동 R" panose="02020603020101020101" pitchFamily="18" charset="-127"/>
                 <a:ea typeface="1훈새마을운동 R" panose="02020603020101020101" pitchFamily="18" charset="-127"/>
               </a:rPr>
-              <a:t>: </a:t>
-            </a:r>
-            <a:r>
-              <a:rPr lang="en-US" altLang="ko-KR" smtClean="0">
-                <a:solidFill>
-                  <a:schemeClr val="tx1"/>
-                </a:solidFill>
-                <a:latin typeface="1훈새마을운동 R" panose="02020603020101020101" pitchFamily="18" charset="-127"/>
-                <a:ea typeface="1훈새마을운동 R" panose="02020603020101020101" pitchFamily="18" charset="-127"/>
-              </a:rPr>
-              <a:t>select * from</a:t>
+              <a:t>: select * from</a:t>
             </a:r>
             <a:r>
               <a:rPr lang="ko-KR" altLang="en-US">
@@ -35409,38 +35334,6 @@
             </a:r>
           </a:p>
           <a:p>
-            <a:r>
-              <a:rPr lang="en-US" altLang="ko-KR" smtClean="0">
-                <a:solidFill>
-                  <a:schemeClr val="tx1"/>
-                </a:solidFill>
-                <a:latin typeface="1훈새마을운동 R" panose="02020603020101020101" pitchFamily="18" charset="-127"/>
-                <a:ea typeface="1훈새마을운동 R" panose="02020603020101020101" pitchFamily="18" charset="-127"/>
-              </a:rPr>
-              <a:t>		3. </a:t>
-            </a:r>
-            <a:r>
-              <a:rPr lang="ko-KR" altLang="en-US" smtClean="0">
-                <a:solidFill>
-                  <a:schemeClr val="tx1"/>
-                </a:solidFill>
-                <a:latin typeface="1훈새마을운동 R" panose="02020603020101020101" pitchFamily="18" charset="-127"/>
-                <a:ea typeface="1훈새마을운동 R" panose="02020603020101020101" pitchFamily="18" charset="-127"/>
-              </a:rPr>
-              <a:t>삭제 </a:t>
-            </a:r>
-            <a:r>
-              <a:rPr lang="en-US" altLang="ko-KR" smtClean="0">
-                <a:solidFill>
-                  <a:schemeClr val="tx1"/>
-                </a:solidFill>
-                <a:latin typeface="1훈새마을운동 R" panose="02020603020101020101" pitchFamily="18" charset="-127"/>
-                <a:ea typeface="1훈새마을운동 R" panose="02020603020101020101" pitchFamily="18" charset="-127"/>
-              </a:rPr>
-              <a:t>: delete</a:t>
-            </a:r>
-          </a:p>
-          <a:p>
             <a:endParaRPr lang="en-US" altLang="ko-KR" smtClean="0">
               <a:solidFill>
                 <a:schemeClr val="tx1"/>
@@ -35458,6 +35351,114 @@
                 <a:latin typeface="1훈새마을운동 R" panose="02020603020101020101" pitchFamily="18" charset="-127"/>
                 <a:ea typeface="1훈새마을운동 R" panose="02020603020101020101" pitchFamily="18" charset="-127"/>
               </a:rPr>
+              <a:t>		3. </a:t>
+            </a:r>
+            <a:r>
+              <a:rPr lang="ko-KR" altLang="en-US" smtClean="0">
+                <a:solidFill>
+                  <a:schemeClr val="tx1"/>
+                </a:solidFill>
+                <a:latin typeface="1훈새마을운동 R" panose="02020603020101020101" pitchFamily="18" charset="-127"/>
+                <a:ea typeface="1훈새마을운동 R" panose="02020603020101020101" pitchFamily="18" charset="-127"/>
+              </a:rPr>
+              <a:t>삭제 </a:t>
+            </a:r>
+            <a:r>
+              <a:rPr lang="en-US" altLang="ko-KR" smtClean="0">
+                <a:solidFill>
+                  <a:schemeClr val="tx1"/>
+                </a:solidFill>
+                <a:latin typeface="1훈새마을운동 R" panose="02020603020101020101" pitchFamily="18" charset="-127"/>
+                <a:ea typeface="1훈새마을운동 R" panose="02020603020101020101" pitchFamily="18" charset="-127"/>
+              </a:rPr>
+              <a:t>: </a:t>
+            </a:r>
+            <a:r>
+              <a:rPr lang="en-US" altLang="ko-KR" smtClean="0">
+                <a:solidFill>
+                  <a:schemeClr val="tx1"/>
+                </a:solidFill>
+                <a:latin typeface="1훈새마을운동 R" panose="02020603020101020101" pitchFamily="18" charset="-127"/>
+                <a:ea typeface="1훈새마을운동 R" panose="02020603020101020101" pitchFamily="18" charset="-127"/>
+              </a:rPr>
+              <a:t>delete from </a:t>
+            </a:r>
+            <a:r>
+              <a:rPr lang="ko-KR" altLang="en-US" smtClean="0">
+                <a:solidFill>
+                  <a:schemeClr val="tx1"/>
+                </a:solidFill>
+                <a:latin typeface="1훈새마을운동 R" panose="02020603020101020101" pitchFamily="18" charset="-127"/>
+                <a:ea typeface="1훈새마을운동 R" panose="02020603020101020101" pitchFamily="18" charset="-127"/>
+              </a:rPr>
+              <a:t>테이블명 </a:t>
+            </a:r>
+            <a:r>
+              <a:rPr lang="en-US" altLang="ko-KR" smtClean="0">
+                <a:solidFill>
+                  <a:schemeClr val="tx1"/>
+                </a:solidFill>
+                <a:latin typeface="1훈새마을운동 R" panose="02020603020101020101" pitchFamily="18" charset="-127"/>
+                <a:ea typeface="1훈새마을운동 R" panose="02020603020101020101" pitchFamily="18" charset="-127"/>
+              </a:rPr>
+              <a:t>where</a:t>
+            </a:r>
+            <a:r>
+              <a:rPr lang="ko-KR" altLang="en-US">
+                <a:solidFill>
+                  <a:schemeClr val="tx1"/>
+                </a:solidFill>
+                <a:latin typeface="1훈새마을운동 R" panose="02020603020101020101" pitchFamily="18" charset="-127"/>
+                <a:ea typeface="1훈새마을운동 R" panose="02020603020101020101" pitchFamily="18" charset="-127"/>
+              </a:rPr>
+              <a:t> </a:t>
+            </a:r>
+            <a:r>
+              <a:rPr lang="ko-KR" altLang="en-US" smtClean="0">
+                <a:solidFill>
+                  <a:schemeClr val="tx1"/>
+                </a:solidFill>
+                <a:latin typeface="1훈새마을운동 R" panose="02020603020101020101" pitchFamily="18" charset="-127"/>
+                <a:ea typeface="1훈새마을운동 R" panose="02020603020101020101" pitchFamily="18" charset="-127"/>
+              </a:rPr>
+              <a:t>조건 </a:t>
+            </a:r>
+            <a:endParaRPr lang="en-US" altLang="ko-KR" smtClean="0">
+              <a:solidFill>
+                <a:schemeClr val="tx1"/>
+              </a:solidFill>
+              <a:latin typeface="1훈새마을운동 R" panose="02020603020101020101" pitchFamily="18" charset="-127"/>
+              <a:ea typeface="1훈새마을운동 R" panose="02020603020101020101" pitchFamily="18" charset="-127"/>
+            </a:endParaRPr>
+          </a:p>
+          <a:p>
+            <a:r>
+              <a:rPr lang="en-US" altLang="ko-KR" smtClean="0">
+                <a:solidFill>
+                  <a:schemeClr val="tx1"/>
+                </a:solidFill>
+                <a:latin typeface="1훈새마을운동 R" panose="02020603020101020101" pitchFamily="18" charset="-127"/>
+                <a:ea typeface="1훈새마을운동 R" panose="02020603020101020101" pitchFamily="18" charset="-127"/>
+              </a:rPr>
+              <a:t>			</a:t>
+            </a:r>
+            <a:endParaRPr lang="en-US" altLang="ko-KR" smtClean="0">
+              <a:solidFill>
+                <a:schemeClr val="tx1"/>
+              </a:solidFill>
+              <a:latin typeface="1훈새마을운동 R" panose="02020603020101020101" pitchFamily="18" charset="-127"/>
+              <a:ea typeface="1훈새마을운동 R" panose="02020603020101020101" pitchFamily="18" charset="-127"/>
+            </a:endParaRPr>
+          </a:p>
+          <a:p>
+            <a:r>
+              <a:rPr lang="en-US" altLang="ko-KR" smtClean="0">
+                <a:solidFill>
+                  <a:schemeClr val="tx1"/>
+                </a:solidFill>
+                <a:latin typeface="1훈새마을운동 R" panose="02020603020101020101" pitchFamily="18" charset="-127"/>
+                <a:ea typeface="1훈새마을운동 R" panose="02020603020101020101" pitchFamily="18" charset="-127"/>
+              </a:rPr>
               <a:t>		4. </a:t>
             </a:r>
             <a:r>
@@ -35667,13 +35668,6 @@
               </a:rPr>
               <a:t>]</a:t>
             </a:r>
-            <a:endParaRPr lang="en-US" altLang="ko-KR" smtClean="0">
-              <a:solidFill>
-                <a:schemeClr val="tx1"/>
-              </a:solidFill>
-              <a:latin typeface="1훈새마을운동 R" panose="02020603020101020101" pitchFamily="18" charset="-127"/>
-              <a:ea typeface="1훈새마을운동 R" panose="02020603020101020101" pitchFamily="18" charset="-127"/>
-            </a:endParaRPr>
           </a:p>
           <a:p>
             <a:r>
@@ -35686,13 +35680,6 @@
               </a:rPr>
               <a:t>	</a:t>
             </a:r>
-            <a:endParaRPr lang="en-US" altLang="ko-KR" smtClean="0">
-              <a:solidFill>
-                <a:schemeClr val="tx1"/>
-              </a:solidFill>
-              <a:latin typeface="1훈새마을운동 R" panose="02020603020101020101" pitchFamily="18" charset="-127"/>
-              <a:ea typeface="1훈새마을운동 R" panose="02020603020101020101" pitchFamily="18" charset="-127"/>
-            </a:endParaRPr>
           </a:p>
           <a:p>
             <a:r>

--- a/java1/src/정리함/JAVA정리.pptx
+++ b/java1/src/정리함/JAVA정리.pptx
@@ -5,7 +5,7 @@
     <p:sldMasterId id="2147483648" r:id="rId1"/>
   </p:sldMasterIdLst>
   <p:notesMasterIdLst>
-    <p:notesMasterId r:id="rId42"/>
+    <p:notesMasterId r:id="rId45"/>
   </p:notesMasterIdLst>
   <p:sldIdLst>
     <p:sldId id="275" r:id="rId2"/>
@@ -42,12 +42,15 @@
     <p:sldId id="270" r:id="rId33"/>
     <p:sldId id="281" r:id="rId34"/>
     <p:sldId id="282" r:id="rId35"/>
-    <p:sldId id="298" r:id="rId36"/>
-    <p:sldId id="289" r:id="rId37"/>
-    <p:sldId id="292" r:id="rId38"/>
-    <p:sldId id="291" r:id="rId39"/>
-    <p:sldId id="287" r:id="rId40"/>
-    <p:sldId id="288" r:id="rId41"/>
+    <p:sldId id="301" r:id="rId36"/>
+    <p:sldId id="300" r:id="rId37"/>
+    <p:sldId id="298" r:id="rId38"/>
+    <p:sldId id="289" r:id="rId39"/>
+    <p:sldId id="292" r:id="rId40"/>
+    <p:sldId id="291" r:id="rId41"/>
+    <p:sldId id="287" r:id="rId42"/>
+    <p:sldId id="288" r:id="rId43"/>
+    <p:sldId id="299" r:id="rId44"/>
   </p:sldIdLst>
   <p:sldSz cx="9906000" cy="6858000" type="A4"/>
   <p:notesSz cx="6858000" cy="9144000"/>
@@ -231,7 +234,7 @@
           <a:p>
             <a:fld id="{6B9FE7A6-2D33-4782-874A-A2DEBAC3A7CB}" type="datetimeFigureOut">
               <a:rPr lang="ko-KR" altLang="en-US" smtClean="0"/>
-              <a:t>2021-11-02</a:t>
+              <a:t>2021-11-03</a:t>
             </a:fld>
             <a:endParaRPr lang="ko-KR" altLang="en-US"/>
           </a:p>
@@ -764,7 +767,7 @@
           <a:p>
             <a:fld id="{83921F6A-BA09-41D7-82B2-313B2D910A95}" type="datetimeFigureOut">
               <a:rPr lang="ko-KR" altLang="en-US" smtClean="0"/>
-              <a:t>2021-11-02</a:t>
+              <a:t>2021-11-03</a:t>
             </a:fld>
             <a:endParaRPr lang="ko-KR" altLang="en-US"/>
           </a:p>
@@ -934,7 +937,7 @@
           <a:p>
             <a:fld id="{83921F6A-BA09-41D7-82B2-313B2D910A95}" type="datetimeFigureOut">
               <a:rPr lang="ko-KR" altLang="en-US" smtClean="0"/>
-              <a:t>2021-11-02</a:t>
+              <a:t>2021-11-03</a:t>
             </a:fld>
             <a:endParaRPr lang="ko-KR" altLang="en-US"/>
           </a:p>
@@ -1114,7 +1117,7 @@
           <a:p>
             <a:fld id="{83921F6A-BA09-41D7-82B2-313B2D910A95}" type="datetimeFigureOut">
               <a:rPr lang="ko-KR" altLang="en-US" smtClean="0"/>
-              <a:t>2021-11-02</a:t>
+              <a:t>2021-11-03</a:t>
             </a:fld>
             <a:endParaRPr lang="ko-KR" altLang="en-US"/>
           </a:p>
@@ -1284,7 +1287,7 @@
           <a:p>
             <a:fld id="{83921F6A-BA09-41D7-82B2-313B2D910A95}" type="datetimeFigureOut">
               <a:rPr lang="ko-KR" altLang="en-US" smtClean="0"/>
-              <a:t>2021-11-02</a:t>
+              <a:t>2021-11-03</a:t>
             </a:fld>
             <a:endParaRPr lang="ko-KR" altLang="en-US"/>
           </a:p>
@@ -1530,7 +1533,7 @@
           <a:p>
             <a:fld id="{83921F6A-BA09-41D7-82B2-313B2D910A95}" type="datetimeFigureOut">
               <a:rPr lang="ko-KR" altLang="en-US" smtClean="0"/>
-              <a:t>2021-11-02</a:t>
+              <a:t>2021-11-03</a:t>
             </a:fld>
             <a:endParaRPr lang="ko-KR" altLang="en-US"/>
           </a:p>
@@ -1818,7 +1821,7 @@
           <a:p>
             <a:fld id="{83921F6A-BA09-41D7-82B2-313B2D910A95}" type="datetimeFigureOut">
               <a:rPr lang="ko-KR" altLang="en-US" smtClean="0"/>
-              <a:t>2021-11-02</a:t>
+              <a:t>2021-11-03</a:t>
             </a:fld>
             <a:endParaRPr lang="ko-KR" altLang="en-US"/>
           </a:p>
@@ -2245,7 +2248,7 @@
           <a:p>
             <a:fld id="{83921F6A-BA09-41D7-82B2-313B2D910A95}" type="datetimeFigureOut">
               <a:rPr lang="ko-KR" altLang="en-US" smtClean="0"/>
-              <a:t>2021-11-02</a:t>
+              <a:t>2021-11-03</a:t>
             </a:fld>
             <a:endParaRPr lang="ko-KR" altLang="en-US"/>
           </a:p>
@@ -2363,7 +2366,7 @@
           <a:p>
             <a:fld id="{83921F6A-BA09-41D7-82B2-313B2D910A95}" type="datetimeFigureOut">
               <a:rPr lang="ko-KR" altLang="en-US" smtClean="0"/>
-              <a:t>2021-11-02</a:t>
+              <a:t>2021-11-03</a:t>
             </a:fld>
             <a:endParaRPr lang="ko-KR" altLang="en-US"/>
           </a:p>
@@ -2458,7 +2461,7 @@
           <a:p>
             <a:fld id="{83921F6A-BA09-41D7-82B2-313B2D910A95}" type="datetimeFigureOut">
               <a:rPr lang="ko-KR" altLang="en-US" smtClean="0"/>
-              <a:t>2021-11-02</a:t>
+              <a:t>2021-11-03</a:t>
             </a:fld>
             <a:endParaRPr lang="ko-KR" altLang="en-US"/>
           </a:p>
@@ -2735,7 +2738,7 @@
           <a:p>
             <a:fld id="{83921F6A-BA09-41D7-82B2-313B2D910A95}" type="datetimeFigureOut">
               <a:rPr lang="ko-KR" altLang="en-US" smtClean="0"/>
-              <a:t>2021-11-02</a:t>
+              <a:t>2021-11-03</a:t>
             </a:fld>
             <a:endParaRPr lang="ko-KR" altLang="en-US"/>
           </a:p>
@@ -2988,7 +2991,7 @@
           <a:p>
             <a:fld id="{83921F6A-BA09-41D7-82B2-313B2D910A95}" type="datetimeFigureOut">
               <a:rPr lang="ko-KR" altLang="en-US" smtClean="0"/>
-              <a:t>2021-11-02</a:t>
+              <a:t>2021-11-03</a:t>
             </a:fld>
             <a:endParaRPr lang="ko-KR" altLang="en-US"/>
           </a:p>
@@ -3201,7 +3204,7 @@
           <a:p>
             <a:fld id="{83921F6A-BA09-41D7-82B2-313B2D910A95}" type="datetimeFigureOut">
               <a:rPr lang="ko-KR" altLang="en-US" smtClean="0"/>
-              <a:t>2021-11-02</a:t>
+              <a:t>2021-11-03</a:t>
             </a:fld>
             <a:endParaRPr lang="ko-KR" altLang="en-US"/>
           </a:p>
@@ -32166,8 +32169,8 @@
         </p:nvSpPr>
         <p:spPr>
           <a:xfrm>
-            <a:off x="2000672" y="2060848"/>
-            <a:ext cx="5904656" cy="1800200"/>
+            <a:off x="173052" y="188639"/>
+            <a:ext cx="9676492" cy="6408713"/>
           </a:xfrm>
           <a:prstGeom prst="rect">
             <a:avLst/>
@@ -32192,16 +32195,686 @@
           <a:bodyPr rtlCol="0" anchor="t"/>
           <a:lstStyle/>
           <a:p>
-            <a:pPr algn="ctr"/>
-            <a:r>
-              <a:rPr lang="en-US" altLang="ko-KR" sz="10000" smtClean="0">
-                <a:solidFill>
-                  <a:schemeClr val="tx1"/>
-                </a:solidFill>
-                <a:latin typeface="1훈새마을운동 R" panose="02020603020101020101" pitchFamily="18" charset="-127"/>
-                <a:ea typeface="1훈새마을운동 R" panose="02020603020101020101" pitchFamily="18" charset="-127"/>
-              </a:rPr>
-              <a:t>DataBase</a:t>
+            <a:r>
+              <a:rPr lang="en-US" altLang="ko-KR" smtClean="0">
+                <a:solidFill>
+                  <a:schemeClr val="tx1"/>
+                </a:solidFill>
+                <a:latin typeface="1훈새마을운동 R" panose="02020603020101020101" pitchFamily="18" charset="-127"/>
+                <a:ea typeface="1훈새마을운동 R" panose="02020603020101020101" pitchFamily="18" charset="-127"/>
+              </a:rPr>
+              <a:t>*</a:t>
+            </a:r>
+            <a:r>
+              <a:rPr lang="ko-KR" altLang="en-US" smtClean="0">
+                <a:solidFill>
+                  <a:schemeClr val="tx1"/>
+                </a:solidFill>
+                <a:latin typeface="1훈새마을운동 R" panose="02020603020101020101" pitchFamily="18" charset="-127"/>
+                <a:ea typeface="1훈새마을운동 R" panose="02020603020101020101" pitchFamily="18" charset="-127"/>
+              </a:rPr>
+              <a:t>화면전환 </a:t>
+            </a:r>
+            <a:endParaRPr lang="en-US" altLang="ko-KR" smtClean="0">
+              <a:solidFill>
+                <a:schemeClr val="tx1"/>
+              </a:solidFill>
+              <a:latin typeface="1훈새마을운동 R" panose="02020603020101020101" pitchFamily="18" charset="-127"/>
+              <a:ea typeface="1훈새마을운동 R" panose="02020603020101020101" pitchFamily="18" charset="-127"/>
+            </a:endParaRPr>
+          </a:p>
+          <a:p>
+            <a:r>
+              <a:rPr lang="en-US" altLang="ko-KR">
+                <a:solidFill>
+                  <a:schemeClr val="tx1"/>
+                </a:solidFill>
+                <a:latin typeface="1훈새마을운동 R" panose="02020603020101020101" pitchFamily="18" charset="-127"/>
+                <a:ea typeface="1훈새마을운동 R" panose="02020603020101020101" pitchFamily="18" charset="-127"/>
+              </a:rPr>
+              <a:t>	</a:t>
+            </a:r>
+            <a:r>
+              <a:rPr lang="en-US" altLang="ko-KR" smtClean="0">
+                <a:solidFill>
+                  <a:schemeClr val="tx1"/>
+                </a:solidFill>
+                <a:latin typeface="1훈새마을운동 R" panose="02020603020101020101" pitchFamily="18" charset="-127"/>
+                <a:ea typeface="1훈새마을운동 R" panose="02020603020101020101" pitchFamily="18" charset="-127"/>
+              </a:rPr>
+              <a:t>1. </a:t>
+            </a:r>
+            <a:r>
+              <a:rPr lang="ko-KR" altLang="en-US" smtClean="0">
+                <a:solidFill>
+                  <a:schemeClr val="tx1"/>
+                </a:solidFill>
+                <a:latin typeface="1훈새마을운동 R" panose="02020603020101020101" pitchFamily="18" charset="-127"/>
+                <a:ea typeface="1훈새마을운동 R" panose="02020603020101020101" pitchFamily="18" charset="-127"/>
+              </a:rPr>
+              <a:t>로드페이지 메소드 </a:t>
+            </a:r>
+            <a:endParaRPr lang="en-US" altLang="ko-KR" smtClean="0">
+              <a:solidFill>
+                <a:schemeClr val="tx1"/>
+              </a:solidFill>
+              <a:latin typeface="1훈새마을운동 R" panose="02020603020101020101" pitchFamily="18" charset="-127"/>
+              <a:ea typeface="1훈새마을운동 R" panose="02020603020101020101" pitchFamily="18" charset="-127"/>
+            </a:endParaRPr>
+          </a:p>
+          <a:p>
+            <a:r>
+              <a:rPr lang="en-US" altLang="ko-KR">
+                <a:solidFill>
+                  <a:schemeClr val="tx1"/>
+                </a:solidFill>
+                <a:latin typeface="1훈새마을운동 R" panose="02020603020101020101" pitchFamily="18" charset="-127"/>
+                <a:ea typeface="1훈새마을운동 R" panose="02020603020101020101" pitchFamily="18" charset="-127"/>
+              </a:rPr>
+              <a:t>	</a:t>
+            </a:r>
+            <a:r>
+              <a:rPr lang="en-US" altLang="ko-KR" sz="1400"/>
+              <a:t> </a:t>
+            </a:r>
+            <a:r>
+              <a:rPr lang="en-US" altLang="ko-KR" sz="1400" smtClean="0">
+                <a:latin typeface="1훈새마을운동 R" panose="02020603020101020101" pitchFamily="18" charset="-127"/>
+                <a:ea typeface="1훈새마을운동 R" panose="02020603020101020101" pitchFamily="18" charset="-127"/>
+              </a:rPr>
+              <a:t>public </a:t>
+            </a:r>
+            <a:r>
+              <a:rPr lang="en-US" altLang="ko-KR" sz="1400">
+                <a:latin typeface="1훈새마을운동 R" panose="02020603020101020101" pitchFamily="18" charset="-127"/>
+                <a:ea typeface="1훈새마을운동 R" panose="02020603020101020101" pitchFamily="18" charset="-127"/>
+              </a:rPr>
+              <a:t>void loadpage( String page ) {</a:t>
+            </a:r>
+          </a:p>
+          <a:p>
+            <a:pPr lvl="2"/>
+            <a:r>
+              <a:rPr lang="en-US" altLang="ko-KR" sz="1400">
+                <a:latin typeface="1훈새마을운동 R" panose="02020603020101020101" pitchFamily="18" charset="-127"/>
+                <a:ea typeface="1훈새마을운동 R" panose="02020603020101020101" pitchFamily="18" charset="-127"/>
+              </a:rPr>
+              <a:t>    </a:t>
+            </a:r>
+            <a:r>
+              <a:rPr lang="en-US" altLang="ko-KR" sz="1400" smtClean="0">
+                <a:latin typeface="1훈새마을운동 R" panose="02020603020101020101" pitchFamily="18" charset="-127"/>
+                <a:ea typeface="1훈새마을운동 R" panose="02020603020101020101" pitchFamily="18" charset="-127"/>
+              </a:rPr>
+              <a:t>	try </a:t>
+            </a:r>
+            <a:r>
+              <a:rPr lang="en-US" altLang="ko-KR" sz="1400">
+                <a:latin typeface="1훈새마을운동 R" panose="02020603020101020101" pitchFamily="18" charset="-127"/>
+                <a:ea typeface="1훈새마을운동 R" panose="02020603020101020101" pitchFamily="18" charset="-127"/>
+              </a:rPr>
+              <a:t>{</a:t>
+            </a:r>
+          </a:p>
+          <a:p>
+            <a:pPr lvl="2"/>
+            <a:r>
+              <a:rPr lang="en-US" altLang="ko-KR" sz="1400">
+                <a:latin typeface="1훈새마을운동 R" panose="02020603020101020101" pitchFamily="18" charset="-127"/>
+                <a:ea typeface="1훈새마을운동 R" panose="02020603020101020101" pitchFamily="18" charset="-127"/>
+              </a:rPr>
+              <a:t>   </a:t>
+            </a:r>
+            <a:r>
+              <a:rPr lang="en-US" altLang="ko-KR" sz="1400" smtClean="0">
+                <a:latin typeface="1훈새마을운동 R" panose="02020603020101020101" pitchFamily="18" charset="-127"/>
+                <a:ea typeface="1훈새마을운동 R" panose="02020603020101020101" pitchFamily="18" charset="-127"/>
+              </a:rPr>
+              <a:t>		Parent </a:t>
+            </a:r>
+            <a:r>
+              <a:rPr lang="en-US" altLang="ko-KR" sz="1400">
+                <a:latin typeface="1훈새마을운동 R" panose="02020603020101020101" pitchFamily="18" charset="-127"/>
+                <a:ea typeface="1훈새마을운동 R" panose="02020603020101020101" pitchFamily="18" charset="-127"/>
+              </a:rPr>
+              <a:t>parent </a:t>
+            </a:r>
+            <a:r>
+              <a:rPr lang="en-US" altLang="ko-KR" sz="1400">
+                <a:latin typeface="1훈새마을운동 R" panose="02020603020101020101" pitchFamily="18" charset="-127"/>
+                <a:ea typeface="1훈새마을운동 R" panose="02020603020101020101" pitchFamily="18" charset="-127"/>
+              </a:rPr>
+              <a:t>= </a:t>
+            </a:r>
+            <a:r>
+              <a:rPr lang="en-US" altLang="ko-KR" sz="1400" smtClean="0">
+                <a:latin typeface="1훈새마을운동 R" panose="02020603020101020101" pitchFamily="18" charset="-127"/>
+                <a:ea typeface="1훈새마을운동 R" panose="02020603020101020101" pitchFamily="18" charset="-127"/>
+              </a:rPr>
+              <a:t>FXMLLoader.load( getClass</a:t>
+            </a:r>
+            <a:r>
+              <a:rPr lang="en-US" altLang="ko-KR" sz="1400">
+                <a:latin typeface="1훈새마을운동 R" panose="02020603020101020101" pitchFamily="18" charset="-127"/>
+                <a:ea typeface="1훈새마을운동 R" panose="02020603020101020101" pitchFamily="18" charset="-127"/>
+              </a:rPr>
+              <a:t>().getResource("/fxml/"+page+".fxml"));</a:t>
+            </a:r>
+          </a:p>
+          <a:p>
+            <a:pPr lvl="2"/>
+            <a:r>
+              <a:rPr lang="en-US" altLang="ko-KR" sz="1400">
+                <a:latin typeface="1훈새마을운동 R" panose="02020603020101020101" pitchFamily="18" charset="-127"/>
+                <a:ea typeface="1훈새마을운동 R" panose="02020603020101020101" pitchFamily="18" charset="-127"/>
+              </a:rPr>
+              <a:t>    </a:t>
+            </a:r>
+            <a:r>
+              <a:rPr lang="en-US" altLang="ko-KR" sz="1400" smtClean="0">
+                <a:latin typeface="1훈새마을운동 R" panose="02020603020101020101" pitchFamily="18" charset="-127"/>
+                <a:ea typeface="1훈새마을운동 R" panose="02020603020101020101" pitchFamily="18" charset="-127"/>
+              </a:rPr>
+              <a:t>		mainpageborderpane.setCenter(parent</a:t>
+            </a:r>
+            <a:r>
+              <a:rPr lang="en-US" altLang="ko-KR" sz="1400">
+                <a:latin typeface="1훈새마을운동 R" panose="02020603020101020101" pitchFamily="18" charset="-127"/>
+                <a:ea typeface="1훈새마을운동 R" panose="02020603020101020101" pitchFamily="18" charset="-127"/>
+              </a:rPr>
+              <a:t>);</a:t>
+            </a:r>
+          </a:p>
+          <a:p>
+            <a:pPr lvl="2"/>
+            <a:r>
+              <a:rPr lang="ko-KR" altLang="en-US" sz="1400">
+                <a:latin typeface="1훈새마을운동 R" panose="02020603020101020101" pitchFamily="18" charset="-127"/>
+                <a:ea typeface="1훈새마을운동 R" panose="02020603020101020101" pitchFamily="18" charset="-127"/>
+              </a:rPr>
+              <a:t>    </a:t>
+            </a:r>
+            <a:r>
+              <a:rPr lang="en-US" altLang="ko-KR" sz="1400" smtClean="0">
+                <a:latin typeface="1훈새마을운동 R" panose="02020603020101020101" pitchFamily="18" charset="-127"/>
+                <a:ea typeface="1훈새마을운동 R" panose="02020603020101020101" pitchFamily="18" charset="-127"/>
+              </a:rPr>
+              <a:t>	}</a:t>
+            </a:r>
+            <a:endParaRPr lang="en-US" altLang="ko-KR" sz="1400">
+              <a:latin typeface="1훈새마을운동 R" panose="02020603020101020101" pitchFamily="18" charset="-127"/>
+              <a:ea typeface="1훈새마을운동 R" panose="02020603020101020101" pitchFamily="18" charset="-127"/>
+            </a:endParaRPr>
+          </a:p>
+          <a:p>
+            <a:pPr lvl="2"/>
+            <a:r>
+              <a:rPr lang="en-US" altLang="ko-KR" sz="1400">
+                <a:latin typeface="1훈새마을운동 R" panose="02020603020101020101" pitchFamily="18" charset="-127"/>
+                <a:ea typeface="1훈새마을운동 R" panose="02020603020101020101" pitchFamily="18" charset="-127"/>
+              </a:rPr>
+              <a:t>    </a:t>
+            </a:r>
+            <a:r>
+              <a:rPr lang="en-US" altLang="ko-KR" sz="1400" smtClean="0">
+                <a:latin typeface="1훈새마을운동 R" panose="02020603020101020101" pitchFamily="18" charset="-127"/>
+                <a:ea typeface="1훈새마을운동 R" panose="02020603020101020101" pitchFamily="18" charset="-127"/>
+              </a:rPr>
+              <a:t>	catch </a:t>
+            </a:r>
+            <a:r>
+              <a:rPr lang="en-US" altLang="ko-KR" sz="1400">
+                <a:latin typeface="1훈새마을운동 R" panose="02020603020101020101" pitchFamily="18" charset="-127"/>
+                <a:ea typeface="1훈새마을운동 R" panose="02020603020101020101" pitchFamily="18" charset="-127"/>
+              </a:rPr>
+              <a:t>(Exception e) {}</a:t>
+            </a:r>
+          </a:p>
+          <a:p>
+            <a:pPr lvl="2"/>
+            <a:r>
+              <a:rPr lang="ko-KR" altLang="en-US" sz="1400">
+                <a:latin typeface="1훈새마을운동 R" panose="02020603020101020101" pitchFamily="18" charset="-127"/>
+                <a:ea typeface="1훈새마을운동 R" panose="02020603020101020101" pitchFamily="18" charset="-127"/>
+              </a:rPr>
+              <a:t>    </a:t>
+            </a:r>
+            <a:r>
+              <a:rPr lang="en-US" altLang="ko-KR" sz="1400" smtClean="0">
+                <a:latin typeface="1훈새마을운동 R" panose="02020603020101020101" pitchFamily="18" charset="-127"/>
+                <a:ea typeface="1훈새마을운동 R" panose="02020603020101020101" pitchFamily="18" charset="-127"/>
+              </a:rPr>
+              <a:t>	}	</a:t>
+            </a:r>
+            <a:r>
+              <a:rPr lang="en-US" altLang="ko-KR" sz="1000" smtClean="0">
+                <a:latin typeface="1훈새마을운동 R" panose="02020603020101020101" pitchFamily="18" charset="-127"/>
+                <a:ea typeface="1훈새마을운동 R" panose="02020603020101020101" pitchFamily="18" charset="-127"/>
+              </a:rPr>
+              <a:t>	</a:t>
+            </a:r>
+          </a:p>
+          <a:p>
+            <a:pPr lvl="2"/>
+            <a:endParaRPr lang="en-US" altLang="ko-KR" sz="1000">
+              <a:latin typeface="1훈새마을운동 R" panose="02020603020101020101" pitchFamily="18" charset="-127"/>
+              <a:ea typeface="1훈새마을운동 R" panose="02020603020101020101" pitchFamily="18" charset="-127"/>
+            </a:endParaRPr>
+          </a:p>
+          <a:p>
+            <a:pPr lvl="2"/>
+            <a:r>
+              <a:rPr lang="en-US" altLang="ko-KR" smtClean="0">
+                <a:latin typeface="1훈새마을운동 R" panose="02020603020101020101" pitchFamily="18" charset="-127"/>
+                <a:ea typeface="1훈새마을운동 R" panose="02020603020101020101" pitchFamily="18" charset="-127"/>
+              </a:rPr>
+              <a:t>2. </a:t>
+            </a:r>
+            <a:r>
+              <a:rPr lang="ko-KR" altLang="en-US" smtClean="0">
+                <a:latin typeface="1훈새마을운동 R" panose="02020603020101020101" pitchFamily="18" charset="-127"/>
+                <a:ea typeface="1훈새마을운동 R" panose="02020603020101020101" pitchFamily="18" charset="-127"/>
+              </a:rPr>
+              <a:t>다른 페이지에서 로드페이지 메소드 호출 </a:t>
+            </a:r>
+            <a:endParaRPr lang="en-US" altLang="ko-KR" smtClean="0">
+              <a:latin typeface="1훈새마을운동 R" panose="02020603020101020101" pitchFamily="18" charset="-127"/>
+              <a:ea typeface="1훈새마을운동 R" panose="02020603020101020101" pitchFamily="18" charset="-127"/>
+            </a:endParaRPr>
+          </a:p>
+          <a:p>
+            <a:pPr lvl="1"/>
+            <a:r>
+              <a:rPr lang="en-US" altLang="ko-KR" sz="1000">
+                <a:latin typeface="1훈새마을운동 R" panose="02020603020101020101" pitchFamily="18" charset="-127"/>
+                <a:ea typeface="1훈새마을운동 R" panose="02020603020101020101" pitchFamily="18" charset="-127"/>
+              </a:rPr>
+              <a:t>	</a:t>
+            </a:r>
+            <a:r>
+              <a:rPr lang="en-US" altLang="ko-KR" sz="1000">
+                <a:latin typeface="1훈새마을운동 R" panose="02020603020101020101" pitchFamily="18" charset="-127"/>
+                <a:ea typeface="1훈새마을운동 R" panose="02020603020101020101" pitchFamily="18" charset="-127"/>
+              </a:rPr>
+              <a:t>	</a:t>
+            </a:r>
+            <a:r>
+              <a:rPr lang="en-US" altLang="ko-KR" sz="1400" smtClean="0">
+                <a:latin typeface="1훈새마을운동 R" panose="02020603020101020101" pitchFamily="18" charset="-127"/>
+                <a:ea typeface="1훈새마을운동 R" panose="02020603020101020101" pitchFamily="18" charset="-127"/>
+              </a:rPr>
+              <a:t>1. </a:t>
+            </a:r>
+            <a:r>
+              <a:rPr lang="ko-KR" altLang="en-US" sz="1400" smtClean="0">
+                <a:latin typeface="1훈새마을운동 R" panose="02020603020101020101" pitchFamily="18" charset="-127"/>
+                <a:ea typeface="1훈새마을운동 R" panose="02020603020101020101" pitchFamily="18" charset="-127"/>
+              </a:rPr>
+              <a:t>현재 클래스를 객체화 </a:t>
+            </a:r>
+            <a:endParaRPr lang="en-US" altLang="ko-KR" sz="1400">
+              <a:latin typeface="1훈새마을운동 R" panose="02020603020101020101" pitchFamily="18" charset="-127"/>
+              <a:ea typeface="1훈새마을운동 R" panose="02020603020101020101" pitchFamily="18" charset="-127"/>
+            </a:endParaRPr>
+          </a:p>
+          <a:p>
+            <a:pPr lvl="3"/>
+            <a:r>
+              <a:rPr lang="en-US" altLang="ko-KR" sz="1400" smtClean="0">
+                <a:latin typeface="1훈새마을운동 R" panose="02020603020101020101" pitchFamily="18" charset="-127"/>
+                <a:ea typeface="1훈새마을운동 R" panose="02020603020101020101" pitchFamily="18" charset="-127"/>
+              </a:rPr>
+              <a:t>	public </a:t>
+            </a:r>
+            <a:r>
+              <a:rPr lang="en-US" altLang="ko-KR" sz="1400">
+                <a:latin typeface="1훈새마을운동 R" panose="02020603020101020101" pitchFamily="18" charset="-127"/>
+                <a:ea typeface="1훈새마을운동 R" panose="02020603020101020101" pitchFamily="18" charset="-127"/>
+              </a:rPr>
+              <a:t>static MainpageController </a:t>
+            </a:r>
+            <a:r>
+              <a:rPr lang="en-US" altLang="ko-KR" sz="1400">
+                <a:latin typeface="1훈새마을운동 R" panose="02020603020101020101" pitchFamily="18" charset="-127"/>
+                <a:ea typeface="1훈새마을운동 R" panose="02020603020101020101" pitchFamily="18" charset="-127"/>
+              </a:rPr>
+              <a:t>instance</a:t>
+            </a:r>
+            <a:r>
+              <a:rPr lang="en-US" altLang="ko-KR" sz="1400" smtClean="0">
+                <a:latin typeface="1훈새마을운동 R" panose="02020603020101020101" pitchFamily="18" charset="-127"/>
+                <a:ea typeface="1훈새마을운동 R" panose="02020603020101020101" pitchFamily="18" charset="-127"/>
+              </a:rPr>
+              <a:t>;    //</a:t>
+            </a:r>
+            <a:r>
+              <a:rPr lang="ko-KR" altLang="en-US" sz="1400">
+                <a:latin typeface="1훈새마을운동 R" panose="02020603020101020101" pitchFamily="18" charset="-127"/>
+                <a:ea typeface="1훈새마을운동 R" panose="02020603020101020101" pitchFamily="18" charset="-127"/>
+              </a:rPr>
+              <a:t> </a:t>
+            </a:r>
+            <a:r>
+              <a:rPr lang="ko-KR" altLang="en-US" sz="1400" smtClean="0">
+                <a:latin typeface="1훈새마을운동 R" panose="02020603020101020101" pitchFamily="18" charset="-127"/>
+                <a:ea typeface="1훈새마을운동 R" panose="02020603020101020101" pitchFamily="18" charset="-127"/>
+              </a:rPr>
+              <a:t>변수 선언 </a:t>
+            </a:r>
+            <a:endParaRPr lang="en-US" altLang="ko-KR" sz="1400">
+              <a:latin typeface="1훈새마을운동 R" panose="02020603020101020101" pitchFamily="18" charset="-127"/>
+              <a:ea typeface="1훈새마을운동 R" panose="02020603020101020101" pitchFamily="18" charset="-127"/>
+            </a:endParaRPr>
+          </a:p>
+          <a:p>
+            <a:pPr lvl="3"/>
+            <a:r>
+              <a:rPr lang="en-US" altLang="ko-KR" sz="1400" smtClean="0">
+                <a:latin typeface="1훈새마을운동 R" panose="02020603020101020101" pitchFamily="18" charset="-127"/>
+                <a:ea typeface="1훈새마을운동 R" panose="02020603020101020101" pitchFamily="18" charset="-127"/>
+              </a:rPr>
+              <a:t>	public </a:t>
+            </a:r>
+            <a:r>
+              <a:rPr lang="en-US" altLang="ko-KR" sz="1400">
+                <a:latin typeface="1훈새마을운동 R" panose="02020603020101020101" pitchFamily="18" charset="-127"/>
+                <a:ea typeface="1훈새마을운동 R" panose="02020603020101020101" pitchFamily="18" charset="-127"/>
+              </a:rPr>
+              <a:t>MainpageController</a:t>
+            </a:r>
+            <a:r>
+              <a:rPr lang="en-US" altLang="ko-KR" sz="1400">
+                <a:latin typeface="1훈새마을운동 R" panose="02020603020101020101" pitchFamily="18" charset="-127"/>
+                <a:ea typeface="1훈새마을운동 R" panose="02020603020101020101" pitchFamily="18" charset="-127"/>
+              </a:rPr>
+              <a:t>() </a:t>
+            </a:r>
+            <a:r>
+              <a:rPr lang="en-US" altLang="ko-KR" sz="1400" smtClean="0">
+                <a:latin typeface="1훈새마을운동 R" panose="02020603020101020101" pitchFamily="18" charset="-127"/>
+                <a:ea typeface="1훈새마을운동 R" panose="02020603020101020101" pitchFamily="18" charset="-127"/>
+              </a:rPr>
+              <a:t>{ // </a:t>
+            </a:r>
+            <a:r>
+              <a:rPr lang="ko-KR" altLang="en-US" sz="1400" smtClean="0">
+                <a:latin typeface="1훈새마을운동 R" panose="02020603020101020101" pitchFamily="18" charset="-127"/>
+                <a:ea typeface="1훈새마을운동 R" panose="02020603020101020101" pitchFamily="18" charset="-127"/>
+              </a:rPr>
+              <a:t>생성자 </a:t>
+            </a:r>
+            <a:endParaRPr lang="en-US" altLang="ko-KR" sz="1400">
+              <a:latin typeface="1훈새마을운동 R" panose="02020603020101020101" pitchFamily="18" charset="-127"/>
+              <a:ea typeface="1훈새마을운동 R" panose="02020603020101020101" pitchFamily="18" charset="-127"/>
+            </a:endParaRPr>
+          </a:p>
+          <a:p>
+            <a:pPr lvl="4"/>
+            <a:r>
+              <a:rPr lang="en-US" altLang="ko-KR" sz="1400" smtClean="0">
+                <a:latin typeface="1훈새마을운동 R" panose="02020603020101020101" pitchFamily="18" charset="-127"/>
+                <a:ea typeface="1훈새마을운동 R" panose="02020603020101020101" pitchFamily="18" charset="-127"/>
+              </a:rPr>
+              <a:t>	instance</a:t>
+            </a:r>
+            <a:r>
+              <a:rPr lang="ko-KR" altLang="en-US" sz="1400" smtClean="0">
+                <a:latin typeface="1훈새마을운동 R" panose="02020603020101020101" pitchFamily="18" charset="-127"/>
+                <a:ea typeface="1훈새마을운동 R" panose="02020603020101020101" pitchFamily="18" charset="-127"/>
+              </a:rPr>
+              <a:t> </a:t>
+            </a:r>
+            <a:r>
+              <a:rPr lang="en-US" altLang="ko-KR" sz="1400">
+                <a:latin typeface="1훈새마을운동 R" panose="02020603020101020101" pitchFamily="18" charset="-127"/>
+                <a:ea typeface="1훈새마을운동 R" panose="02020603020101020101" pitchFamily="18" charset="-127"/>
+              </a:rPr>
+              <a:t>= </a:t>
+            </a:r>
+            <a:r>
+              <a:rPr lang="en-US" altLang="ko-KR" sz="1400" smtClean="0">
+                <a:latin typeface="1훈새마을운동 R" panose="02020603020101020101" pitchFamily="18" charset="-127"/>
+                <a:ea typeface="1훈새마을운동 R" panose="02020603020101020101" pitchFamily="18" charset="-127"/>
+              </a:rPr>
+              <a:t>this;  // this : </a:t>
+            </a:r>
+            <a:r>
+              <a:rPr lang="ko-KR" altLang="en-US" sz="1400" smtClean="0">
+                <a:latin typeface="1훈새마을운동 R" panose="02020603020101020101" pitchFamily="18" charset="-127"/>
+                <a:ea typeface="1훈새마을운동 R" panose="02020603020101020101" pitchFamily="18" charset="-127"/>
+              </a:rPr>
+              <a:t>현 클래스의 전체 메모리</a:t>
+            </a:r>
+            <a:endParaRPr lang="en-US" altLang="ko-KR" sz="1400" smtClean="0">
+              <a:latin typeface="1훈새마을운동 R" panose="02020603020101020101" pitchFamily="18" charset="-127"/>
+              <a:ea typeface="1훈새마을운동 R" panose="02020603020101020101" pitchFamily="18" charset="-127"/>
+            </a:endParaRPr>
+          </a:p>
+          <a:p>
+            <a:pPr lvl="3"/>
+            <a:r>
+              <a:rPr lang="en-US" altLang="ko-KR" sz="1400" smtClean="0">
+                <a:latin typeface="1훈새마을운동 R" panose="02020603020101020101" pitchFamily="18" charset="-127"/>
+                <a:ea typeface="1훈새마을운동 R" panose="02020603020101020101" pitchFamily="18" charset="-127"/>
+              </a:rPr>
+              <a:t>	}</a:t>
+            </a:r>
+            <a:endParaRPr lang="en-US" altLang="ko-KR" sz="1400">
+              <a:latin typeface="1훈새마을운동 R" panose="02020603020101020101" pitchFamily="18" charset="-127"/>
+              <a:ea typeface="1훈새마을운동 R" panose="02020603020101020101" pitchFamily="18" charset="-127"/>
+            </a:endParaRPr>
+          </a:p>
+          <a:p>
+            <a:pPr lvl="3"/>
+            <a:r>
+              <a:rPr lang="en-US" altLang="ko-KR" sz="1400" smtClean="0">
+                <a:latin typeface="1훈새마을운동 R" panose="02020603020101020101" pitchFamily="18" charset="-127"/>
+                <a:ea typeface="1훈새마을운동 R" panose="02020603020101020101" pitchFamily="18" charset="-127"/>
+              </a:rPr>
+              <a:t>	public </a:t>
+            </a:r>
+            <a:r>
+              <a:rPr lang="en-US" altLang="ko-KR" sz="1400">
+                <a:latin typeface="1훈새마을운동 R" panose="02020603020101020101" pitchFamily="18" charset="-127"/>
+                <a:ea typeface="1훈새마을운동 R" panose="02020603020101020101" pitchFamily="18" charset="-127"/>
+              </a:rPr>
+              <a:t>static MainpageController getinstance</a:t>
+            </a:r>
+            <a:r>
+              <a:rPr lang="en-US" altLang="ko-KR" sz="1400">
+                <a:latin typeface="1훈새마을운동 R" panose="02020603020101020101" pitchFamily="18" charset="-127"/>
+                <a:ea typeface="1훈새마을운동 R" panose="02020603020101020101" pitchFamily="18" charset="-127"/>
+              </a:rPr>
+              <a:t>() </a:t>
+            </a:r>
+            <a:r>
+              <a:rPr lang="en-US" altLang="ko-KR" sz="1400" smtClean="0">
+                <a:latin typeface="1훈새마을운동 R" panose="02020603020101020101" pitchFamily="18" charset="-127"/>
+                <a:ea typeface="1훈새마을운동 R" panose="02020603020101020101" pitchFamily="18" charset="-127"/>
+              </a:rPr>
+              <a:t>{ // </a:t>
+            </a:r>
+            <a:r>
+              <a:rPr lang="ko-KR" altLang="en-US" sz="1400" smtClean="0">
+                <a:latin typeface="1훈새마을운동 R" panose="02020603020101020101" pitchFamily="18" charset="-127"/>
+                <a:ea typeface="1훈새마을운동 R" panose="02020603020101020101" pitchFamily="18" charset="-127"/>
+              </a:rPr>
+              <a:t>인스턴스 반환 메소드 </a:t>
+            </a:r>
+            <a:endParaRPr lang="en-US" altLang="ko-KR" sz="1400">
+              <a:latin typeface="1훈새마을운동 R" panose="02020603020101020101" pitchFamily="18" charset="-127"/>
+              <a:ea typeface="1훈새마을운동 R" panose="02020603020101020101" pitchFamily="18" charset="-127"/>
+            </a:endParaRPr>
+          </a:p>
+          <a:p>
+            <a:pPr lvl="3"/>
+            <a:r>
+              <a:rPr lang="en-US" altLang="ko-KR" sz="1400">
+                <a:latin typeface="1훈새마을운동 R" panose="02020603020101020101" pitchFamily="18" charset="-127"/>
+                <a:ea typeface="1훈새마을운동 R" panose="02020603020101020101" pitchFamily="18" charset="-127"/>
+              </a:rPr>
+              <a:t>    </a:t>
+            </a:r>
+            <a:r>
+              <a:rPr lang="en-US" altLang="ko-KR" sz="1400" smtClean="0">
+                <a:latin typeface="1훈새마을운동 R" panose="02020603020101020101" pitchFamily="18" charset="-127"/>
+                <a:ea typeface="1훈새마을운동 R" panose="02020603020101020101" pitchFamily="18" charset="-127"/>
+              </a:rPr>
+              <a:t>		return </a:t>
+            </a:r>
+            <a:r>
+              <a:rPr lang="en-US" altLang="ko-KR" sz="1400">
+                <a:latin typeface="1훈새마을운동 R" panose="02020603020101020101" pitchFamily="18" charset="-127"/>
+                <a:ea typeface="1훈새마을운동 R" panose="02020603020101020101" pitchFamily="18" charset="-127"/>
+              </a:rPr>
+              <a:t>instance;</a:t>
+            </a:r>
+          </a:p>
+          <a:p>
+            <a:pPr lvl="3"/>
+            <a:r>
+              <a:rPr lang="ko-KR" altLang="en-US" sz="1400">
+                <a:latin typeface="1훈새마을운동 R" panose="02020603020101020101" pitchFamily="18" charset="-127"/>
+                <a:ea typeface="1훈새마을운동 R" panose="02020603020101020101" pitchFamily="18" charset="-127"/>
+              </a:rPr>
+              <a:t> </a:t>
+            </a:r>
+            <a:r>
+              <a:rPr lang="en-US" altLang="ko-KR" sz="1400" smtClean="0">
+                <a:latin typeface="1훈새마을운동 R" panose="02020603020101020101" pitchFamily="18" charset="-127"/>
+                <a:ea typeface="1훈새마을운동 R" panose="02020603020101020101" pitchFamily="18" charset="-127"/>
+              </a:rPr>
+              <a:t>	}</a:t>
+            </a:r>
+          </a:p>
+          <a:p>
+            <a:pPr lvl="3"/>
+            <a:endParaRPr lang="en-US" altLang="ko-KR" sz="1400" smtClean="0">
+              <a:latin typeface="1훈새마을운동 R" panose="02020603020101020101" pitchFamily="18" charset="-127"/>
+              <a:ea typeface="1훈새마을운동 R" panose="02020603020101020101" pitchFamily="18" charset="-127"/>
+            </a:endParaRPr>
+          </a:p>
+          <a:p>
+            <a:pPr lvl="2"/>
+            <a:r>
+              <a:rPr lang="en-US" altLang="ko-KR" smtClean="0">
+                <a:latin typeface="1훈새마을운동 R" panose="02020603020101020101" pitchFamily="18" charset="-127"/>
+                <a:ea typeface="1훈새마을운동 R" panose="02020603020101020101" pitchFamily="18" charset="-127"/>
+              </a:rPr>
+              <a:t>3. </a:t>
+            </a:r>
+            <a:r>
+              <a:rPr lang="ko-KR" altLang="en-US" smtClean="0">
+                <a:latin typeface="1훈새마을운동 R" panose="02020603020101020101" pitchFamily="18" charset="-127"/>
+                <a:ea typeface="1훈새마을운동 R" panose="02020603020101020101" pitchFamily="18" charset="-127"/>
+              </a:rPr>
+              <a:t>다른 페이지에서 메소드 호출 </a:t>
+            </a:r>
+            <a:endParaRPr lang="en-US" altLang="ko-KR" smtClean="0">
+              <a:latin typeface="1훈새마을운동 R" panose="02020603020101020101" pitchFamily="18" charset="-127"/>
+              <a:ea typeface="1훈새마을운동 R" panose="02020603020101020101" pitchFamily="18" charset="-127"/>
+            </a:endParaRPr>
+          </a:p>
+          <a:p>
+            <a:pPr lvl="3"/>
+            <a:r>
+              <a:rPr lang="en-US" altLang="ko-KR" sz="1400" smtClean="0">
+                <a:latin typeface="1훈새마을운동 R" panose="02020603020101020101" pitchFamily="18" charset="-127"/>
+                <a:ea typeface="1훈새마을운동 R" panose="02020603020101020101" pitchFamily="18" charset="-127"/>
+              </a:rPr>
+              <a:t>1. MainpageController.getinstance</a:t>
+            </a:r>
+            <a:r>
+              <a:rPr lang="en-US" altLang="ko-KR" sz="1400">
+                <a:latin typeface="1훈새마을운동 R" panose="02020603020101020101" pitchFamily="18" charset="-127"/>
+                <a:ea typeface="1훈새마을운동 R" panose="02020603020101020101" pitchFamily="18" charset="-127"/>
+              </a:rPr>
+              <a:t>().</a:t>
+            </a:r>
+            <a:r>
+              <a:rPr lang="en-US" altLang="ko-KR" sz="1400">
+                <a:latin typeface="1훈새마을운동 R" panose="02020603020101020101" pitchFamily="18" charset="-127"/>
+                <a:ea typeface="1훈새마을운동 R" panose="02020603020101020101" pitchFamily="18" charset="-127"/>
+              </a:rPr>
+              <a:t>loadpage</a:t>
+            </a:r>
+            <a:r>
+              <a:rPr lang="en-US" altLang="ko-KR" sz="1400" smtClean="0">
+                <a:latin typeface="1훈새마을운동 R" panose="02020603020101020101" pitchFamily="18" charset="-127"/>
+                <a:ea typeface="1훈새마을운동 R" panose="02020603020101020101" pitchFamily="18" charset="-127"/>
+              </a:rPr>
+              <a:t>("  fxml</a:t>
+            </a:r>
+            <a:r>
+              <a:rPr lang="ko-KR" altLang="en-US" sz="1400" smtClean="0">
+                <a:latin typeface="1훈새마을운동 R" panose="02020603020101020101" pitchFamily="18" charset="-127"/>
+                <a:ea typeface="1훈새마을운동 R" panose="02020603020101020101" pitchFamily="18" charset="-127"/>
+              </a:rPr>
+              <a:t>이름 </a:t>
+            </a:r>
+            <a:r>
+              <a:rPr lang="en-US" altLang="ko-KR" sz="1400" smtClean="0">
+                <a:latin typeface="1훈새마을운동 R" panose="02020603020101020101" pitchFamily="18" charset="-127"/>
+                <a:ea typeface="1훈새마을운동 R" panose="02020603020101020101" pitchFamily="18" charset="-127"/>
+              </a:rPr>
+              <a:t>");</a:t>
+            </a:r>
+          </a:p>
+          <a:p>
+            <a:pPr lvl="3"/>
+            <a:endParaRPr lang="en-US" altLang="ko-KR" sz="1000">
+              <a:latin typeface="1훈새마을운동 R" panose="02020603020101020101" pitchFamily="18" charset="-127"/>
+              <a:ea typeface="1훈새마을운동 R" panose="02020603020101020101" pitchFamily="18" charset="-127"/>
+            </a:endParaRPr>
+          </a:p>
+          <a:p>
+            <a:endParaRPr lang="en-US" altLang="ko-KR" smtClean="0">
+              <a:solidFill>
+                <a:schemeClr val="tx1"/>
+              </a:solidFill>
+              <a:latin typeface="1훈새마을운동 R" panose="02020603020101020101" pitchFamily="18" charset="-127"/>
+              <a:ea typeface="1훈새마을운동 R" panose="02020603020101020101" pitchFamily="18" charset="-127"/>
+            </a:endParaRPr>
+          </a:p>
+          <a:p>
+            <a:r>
+              <a:rPr lang="en-US" altLang="ko-KR">
+                <a:solidFill>
+                  <a:schemeClr val="tx1"/>
+                </a:solidFill>
+                <a:latin typeface="1훈새마을운동 R" panose="02020603020101020101" pitchFamily="18" charset="-127"/>
+                <a:ea typeface="1훈새마을운동 R" panose="02020603020101020101" pitchFamily="18" charset="-127"/>
+              </a:rPr>
+              <a:t>	</a:t>
+            </a:r>
+            <a:r>
+              <a:rPr lang="en-US" altLang="ko-KR" smtClean="0">
+                <a:solidFill>
+                  <a:schemeClr val="tx1"/>
+                </a:solidFill>
+                <a:latin typeface="1훈새마을운동 R" panose="02020603020101020101" pitchFamily="18" charset="-127"/>
+                <a:ea typeface="1훈새마을운동 R" panose="02020603020101020101" pitchFamily="18" charset="-127"/>
+              </a:rPr>
+              <a:t>	</a:t>
+            </a:r>
+            <a:endParaRPr lang="en-US" altLang="ko-KR">
+              <a:solidFill>
+                <a:schemeClr val="tx1"/>
+              </a:solidFill>
+              <a:latin typeface="1훈새마을운동 R" panose="02020603020101020101" pitchFamily="18" charset="-127"/>
+              <a:ea typeface="1훈새마을운동 R" panose="02020603020101020101" pitchFamily="18" charset="-127"/>
+            </a:endParaRPr>
+          </a:p>
+          <a:p>
+            <a:r>
+              <a:rPr lang="en-US" altLang="ko-KR" smtClean="0">
+                <a:solidFill>
+                  <a:schemeClr val="tx1"/>
+                </a:solidFill>
+                <a:latin typeface="1훈새마을운동 R" panose="02020603020101020101" pitchFamily="18" charset="-127"/>
+                <a:ea typeface="1훈새마을운동 R" panose="02020603020101020101" pitchFamily="18" charset="-127"/>
+              </a:rPr>
+              <a:t>	</a:t>
             </a:r>
           </a:p>
         </p:txBody>
@@ -32209,20 +32882,13 @@
     </p:spTree>
     <p:extLst>
       <p:ext uri="{BB962C8B-B14F-4D97-AF65-F5344CB8AC3E}">
-        <p14:creationId xmlns:p14="http://schemas.microsoft.com/office/powerpoint/2010/main" val="3486996563"/>
+        <p14:creationId xmlns:p14="http://schemas.microsoft.com/office/powerpoint/2010/main" val="2387113867"/>
       </p:ext>
     </p:extLst>
   </p:cSld>
   <p:clrMapOvr>
     <a:masterClrMapping/>
   </p:clrMapOvr>
-  <p:timing>
-    <p:tnLst>
-      <p:par>
-        <p:cTn id="1" dur="indefinite" restart="never" nodeType="tmRoot"/>
-      </p:par>
-    </p:tnLst>
-  </p:timing>
 </p:sld>
 </file>
 
@@ -32295,45 +32961,478 @@
                 <a:latin typeface="1훈새마을운동 R" panose="02020603020101020101" pitchFamily="18" charset="-127"/>
                 <a:ea typeface="1훈새마을운동 R" panose="02020603020101020101" pitchFamily="18" charset="-127"/>
               </a:rPr>
-              <a:t>설치 </a:t>
-            </a:r>
-            <a:r>
-              <a:rPr lang="en-US" altLang="ko-KR">
-                <a:solidFill>
-                  <a:schemeClr val="tx1"/>
-                </a:solidFill>
-                <a:latin typeface="1훈새마을운동 R" panose="02020603020101020101" pitchFamily="18" charset="-127"/>
-                <a:ea typeface="1훈새마을운동 R" panose="02020603020101020101" pitchFamily="18" charset="-127"/>
-              </a:rPr>
-              <a:t>: https://dev.mysql.com/downloads/</a:t>
-            </a:r>
-          </a:p>
-          <a:p>
-            <a:r>
-              <a:rPr lang="en-US" altLang="ko-KR">
-                <a:solidFill>
-                  <a:schemeClr val="tx1"/>
-                </a:solidFill>
-                <a:latin typeface="1훈새마을운동 R" panose="02020603020101020101" pitchFamily="18" charset="-127"/>
-                <a:ea typeface="1훈새마을운동 R" panose="02020603020101020101" pitchFamily="18" charset="-127"/>
-              </a:rPr>
-              <a:t>	1. MySQL Installer for Windows [ MYSQL </a:t>
+              <a:t>테이블뷰 </a:t>
+            </a:r>
+            <a:endParaRPr lang="en-US" altLang="ko-KR" smtClean="0">
+              <a:solidFill>
+                <a:schemeClr val="tx1"/>
+              </a:solidFill>
+              <a:latin typeface="1훈새마을운동 R" panose="02020603020101020101" pitchFamily="18" charset="-127"/>
+              <a:ea typeface="1훈새마을운동 R" panose="02020603020101020101" pitchFamily="18" charset="-127"/>
+            </a:endParaRPr>
+          </a:p>
+          <a:p>
+            <a:r>
+              <a:rPr lang="en-US" altLang="ko-KR" smtClean="0">
+                <a:solidFill>
+                  <a:schemeClr val="tx1"/>
+                </a:solidFill>
+                <a:latin typeface="1훈새마을운동 R" panose="02020603020101020101" pitchFamily="18" charset="-127"/>
+                <a:ea typeface="1훈새마을운동 R" panose="02020603020101020101" pitchFamily="18" charset="-127"/>
+              </a:rPr>
+              <a:t>*</a:t>
+            </a:r>
+            <a:r>
+              <a:rPr lang="en-US" altLang="ko-KR" smtClean="0">
+                <a:latin typeface="1훈새마을운동 R" panose="02020603020101020101" pitchFamily="18" charset="-127"/>
+                <a:ea typeface="1훈새마을운동 R" panose="02020603020101020101" pitchFamily="18" charset="-127"/>
+              </a:rPr>
+              <a:t>ObservableList : javafx </a:t>
+            </a:r>
+            <a:r>
+              <a:rPr lang="ko-KR" altLang="en-US" smtClean="0">
+                <a:latin typeface="1훈새마을운동 R" panose="02020603020101020101" pitchFamily="18" charset="-127"/>
+                <a:ea typeface="1훈새마을운동 R" panose="02020603020101020101" pitchFamily="18" charset="-127"/>
+              </a:rPr>
+              <a:t>사용하는 컬렉션프레임워크</a:t>
+            </a:r>
+            <a:endParaRPr lang="en-US" altLang="ko-KR" smtClean="0">
+              <a:latin typeface="1훈새마을운동 R" panose="02020603020101020101" pitchFamily="18" charset="-127"/>
+              <a:ea typeface="1훈새마을운동 R" panose="02020603020101020101" pitchFamily="18" charset="-127"/>
+            </a:endParaRPr>
+          </a:p>
+          <a:p>
+            <a:r>
+              <a:rPr lang="en-US" altLang="ko-KR">
+                <a:solidFill>
+                  <a:schemeClr val="tx1"/>
+                </a:solidFill>
+                <a:latin typeface="1훈새마을운동 R" panose="02020603020101020101" pitchFamily="18" charset="-127"/>
+                <a:ea typeface="1훈새마을운동 R" panose="02020603020101020101" pitchFamily="18" charset="-127"/>
+              </a:rPr>
+              <a:t>	</a:t>
+            </a:r>
+            <a:r>
+              <a:rPr lang="en-US" altLang="ko-KR" smtClean="0">
+                <a:solidFill>
+                  <a:schemeClr val="tx1"/>
+                </a:solidFill>
+                <a:latin typeface="1훈새마을운동 R" panose="02020603020101020101" pitchFamily="18" charset="-127"/>
+                <a:ea typeface="1훈새마을운동 R" panose="02020603020101020101" pitchFamily="18" charset="-127"/>
+              </a:rPr>
+              <a:t>* 1. </a:t>
+            </a:r>
+            <a:r>
+              <a:rPr lang="ko-KR" altLang="en-US" smtClean="0">
+                <a:solidFill>
+                  <a:schemeClr val="tx1"/>
+                </a:solidFill>
+                <a:latin typeface="1훈새마을운동 R" panose="02020603020101020101" pitchFamily="18" charset="-127"/>
+                <a:ea typeface="1훈새마을운동 R" panose="02020603020101020101" pitchFamily="18" charset="-127"/>
+              </a:rPr>
+              <a:t>테이블에 리스트 세팅 </a:t>
+            </a:r>
+            <a:r>
+              <a:rPr lang="en-US" altLang="ko-KR" smtClean="0">
+                <a:solidFill>
+                  <a:schemeClr val="tx1"/>
+                </a:solidFill>
+                <a:latin typeface="1훈새마을운동 R" panose="02020603020101020101" pitchFamily="18" charset="-127"/>
+                <a:ea typeface="1훈새마을운동 R" panose="02020603020101020101" pitchFamily="18" charset="-127"/>
+              </a:rPr>
+              <a:t>: Tableview </a:t>
+            </a:r>
+            <a:r>
+              <a:rPr lang="ko-KR" altLang="en-US" smtClean="0">
+                <a:solidFill>
+                  <a:schemeClr val="tx1"/>
+                </a:solidFill>
+                <a:latin typeface="1훈새마을운동 R" panose="02020603020101020101" pitchFamily="18" charset="-127"/>
+                <a:ea typeface="1훈새마을운동 R" panose="02020603020101020101" pitchFamily="18" charset="-127"/>
+              </a:rPr>
+              <a:t>에 리스트를 넣을때 </a:t>
+            </a:r>
+            <a:r>
+              <a:rPr lang="en-US" altLang="ko-KR" smtClean="0">
+                <a:latin typeface="1훈새마을운동 R" panose="02020603020101020101" pitchFamily="18" charset="-127"/>
+                <a:ea typeface="1훈새마을운동 R" panose="02020603020101020101" pitchFamily="18" charset="-127"/>
+              </a:rPr>
+              <a:t>setItems( ObservableList  ) </a:t>
+            </a:r>
+          </a:p>
+          <a:p>
+            <a:r>
+              <a:rPr lang="en-US" altLang="ko-KR">
+                <a:solidFill>
+                  <a:schemeClr val="tx1"/>
+                </a:solidFill>
+                <a:latin typeface="1훈새마을운동 R" panose="02020603020101020101" pitchFamily="18" charset="-127"/>
+                <a:ea typeface="1훈새마을운동 R" panose="02020603020101020101" pitchFamily="18" charset="-127"/>
+              </a:rPr>
+              <a:t>	</a:t>
+            </a:r>
+            <a:r>
+              <a:rPr lang="en-US" altLang="ko-KR" smtClean="0">
+                <a:solidFill>
+                  <a:schemeClr val="tx1"/>
+                </a:solidFill>
+                <a:latin typeface="1훈새마을운동 R" panose="02020603020101020101" pitchFamily="18" charset="-127"/>
+                <a:ea typeface="1훈새마을운동 R" panose="02020603020101020101" pitchFamily="18" charset="-127"/>
+              </a:rPr>
+              <a:t>* 2. </a:t>
+            </a:r>
+            <a:r>
+              <a:rPr lang="ko-KR" altLang="en-US" smtClean="0">
+                <a:solidFill>
+                  <a:schemeClr val="tx1"/>
+                </a:solidFill>
+                <a:latin typeface="1훈새마을운동 R" panose="02020603020101020101" pitchFamily="18" charset="-127"/>
+                <a:ea typeface="1훈새마을운동 R" panose="02020603020101020101" pitchFamily="18" charset="-127"/>
+              </a:rPr>
+              <a:t>테이블 필드에 리스트내 객체 세팅 </a:t>
+            </a:r>
+            <a:endParaRPr lang="en-US" altLang="ko-KR" smtClean="0">
+              <a:solidFill>
+                <a:schemeClr val="tx1"/>
+              </a:solidFill>
+              <a:latin typeface="1훈새마을운동 R" panose="02020603020101020101" pitchFamily="18" charset="-127"/>
+              <a:ea typeface="1훈새마을운동 R" panose="02020603020101020101" pitchFamily="18" charset="-127"/>
+            </a:endParaRPr>
+          </a:p>
+          <a:p>
+            <a:r>
+              <a:rPr lang="en-US" altLang="ko-KR">
+                <a:solidFill>
+                  <a:schemeClr val="tx1"/>
+                </a:solidFill>
+                <a:latin typeface="1훈새마을운동 R" panose="02020603020101020101" pitchFamily="18" charset="-127"/>
+                <a:ea typeface="1훈새마을운동 R" panose="02020603020101020101" pitchFamily="18" charset="-127"/>
+              </a:rPr>
+              <a:t>	</a:t>
+            </a:r>
+            <a:r>
+              <a:rPr lang="en-US" altLang="ko-KR" smtClean="0">
+                <a:solidFill>
+                  <a:schemeClr val="tx1"/>
+                </a:solidFill>
+                <a:latin typeface="1훈새마을운동 R" panose="02020603020101020101" pitchFamily="18" charset="-127"/>
+                <a:ea typeface="1훈새마을운동 R" panose="02020603020101020101" pitchFamily="18" charset="-127"/>
+              </a:rPr>
+              <a:t>	1. </a:t>
+            </a:r>
+            <a:r>
+              <a:rPr lang="ko-KR" altLang="en-US" smtClean="0">
+                <a:solidFill>
+                  <a:schemeClr val="tx1"/>
+                </a:solidFill>
+                <a:latin typeface="1훈새마을운동 R" panose="02020603020101020101" pitchFamily="18" charset="-127"/>
+                <a:ea typeface="1훈새마을운동 R" panose="02020603020101020101" pitchFamily="18" charset="-127"/>
+              </a:rPr>
+              <a:t>테이블내 열 가져오기 </a:t>
+            </a:r>
+            <a:endParaRPr lang="en-US" altLang="ko-KR" smtClean="0">
+              <a:solidFill>
+                <a:schemeClr val="tx1"/>
+              </a:solidFill>
+              <a:latin typeface="1훈새마을운동 R" panose="02020603020101020101" pitchFamily="18" charset="-127"/>
+              <a:ea typeface="1훈새마을운동 R" panose="02020603020101020101" pitchFamily="18" charset="-127"/>
+            </a:endParaRPr>
+          </a:p>
+          <a:p>
+            <a:r>
+              <a:rPr lang="en-US" altLang="ko-KR">
+                <a:solidFill>
+                  <a:schemeClr val="tx1"/>
+                </a:solidFill>
+                <a:latin typeface="1훈새마을운동 R" panose="02020603020101020101" pitchFamily="18" charset="-127"/>
+                <a:ea typeface="1훈새마을운동 R" panose="02020603020101020101" pitchFamily="18" charset="-127"/>
+              </a:rPr>
+              <a:t>	</a:t>
+            </a:r>
+            <a:r>
+              <a:rPr lang="en-US" altLang="ko-KR" smtClean="0">
+                <a:solidFill>
+                  <a:schemeClr val="tx1"/>
+                </a:solidFill>
+                <a:latin typeface="1훈새마을운동 R" panose="02020603020101020101" pitchFamily="18" charset="-127"/>
+                <a:ea typeface="1훈새마을운동 R" panose="02020603020101020101" pitchFamily="18" charset="-127"/>
+              </a:rPr>
+              <a:t>		</a:t>
+            </a:r>
+            <a:r>
+              <a:rPr lang="en-US" altLang="ko-KR">
+                <a:latin typeface="1훈새마을운동 R" panose="02020603020101020101" pitchFamily="18" charset="-127"/>
+                <a:ea typeface="1훈새마을운동 R" panose="02020603020101020101" pitchFamily="18" charset="-127"/>
+              </a:rPr>
+              <a:t> </a:t>
+            </a:r>
+            <a:r>
+              <a:rPr lang="en-US" altLang="ko-KR">
+                <a:latin typeface="1훈새마을운동 R" panose="02020603020101020101" pitchFamily="18" charset="-127"/>
+                <a:ea typeface="1훈새마을운동 R" panose="02020603020101020101" pitchFamily="18" charset="-127"/>
+              </a:rPr>
+              <a:t>TableColumn </a:t>
+            </a:r>
+            <a:r>
+              <a:rPr lang="ko-KR" altLang="en-US" smtClean="0">
+                <a:latin typeface="1훈새마을운동 R" panose="02020603020101020101" pitchFamily="18" charset="-127"/>
+                <a:ea typeface="1훈새마을운동 R" panose="02020603020101020101" pitchFamily="18" charset="-127"/>
+              </a:rPr>
+              <a:t>열이름</a:t>
+            </a:r>
+            <a:r>
+              <a:rPr lang="en-US" altLang="ko-KR" smtClean="0">
+                <a:latin typeface="1훈새마을운동 R" panose="02020603020101020101" pitchFamily="18" charset="-127"/>
+                <a:ea typeface="1훈새마을운동 R" panose="02020603020101020101" pitchFamily="18" charset="-127"/>
+              </a:rPr>
+              <a:t> </a:t>
+            </a:r>
+            <a:r>
+              <a:rPr lang="en-US" altLang="ko-KR">
+                <a:latin typeface="1훈새마을운동 R" panose="02020603020101020101" pitchFamily="18" charset="-127"/>
+                <a:ea typeface="1훈새마을운동 R" panose="02020603020101020101" pitchFamily="18" charset="-127"/>
+              </a:rPr>
+              <a:t>= </a:t>
+            </a:r>
+            <a:r>
+              <a:rPr lang="ko-KR" altLang="en-US" smtClean="0">
+                <a:latin typeface="1훈새마을운동 R" panose="02020603020101020101" pitchFamily="18" charset="-127"/>
+                <a:ea typeface="1훈새마을운동 R" panose="02020603020101020101" pitchFamily="18" charset="-127"/>
+              </a:rPr>
+              <a:t>테이블뷰이름</a:t>
+            </a:r>
+            <a:r>
+              <a:rPr lang="en-US" altLang="ko-KR" smtClean="0">
+                <a:latin typeface="1훈새마을운동 R" panose="02020603020101020101" pitchFamily="18" charset="-127"/>
+                <a:ea typeface="1훈새마을운동 R" panose="02020603020101020101" pitchFamily="18" charset="-127"/>
+              </a:rPr>
+              <a:t>.</a:t>
+            </a:r>
+            <a:r>
+              <a:rPr lang="en-US" altLang="ko-KR">
+                <a:latin typeface="1훈새마을운동 R" panose="02020603020101020101" pitchFamily="18" charset="-127"/>
+                <a:ea typeface="1훈새마을운동 R" panose="02020603020101020101" pitchFamily="18" charset="-127"/>
+              </a:rPr>
+              <a:t>getColumns().</a:t>
+            </a:r>
+            <a:r>
+              <a:rPr lang="en-US" altLang="ko-KR">
+                <a:latin typeface="1훈새마을운동 R" panose="02020603020101020101" pitchFamily="18" charset="-127"/>
+                <a:ea typeface="1훈새마을운동 R" panose="02020603020101020101" pitchFamily="18" charset="-127"/>
+              </a:rPr>
+              <a:t>get</a:t>
+            </a:r>
+            <a:r>
+              <a:rPr lang="en-US" altLang="ko-KR" smtClean="0">
+                <a:latin typeface="1훈새마을운동 R" panose="02020603020101020101" pitchFamily="18" charset="-127"/>
+                <a:ea typeface="1훈새마을운동 R" panose="02020603020101020101" pitchFamily="18" charset="-127"/>
+              </a:rPr>
+              <a:t>( </a:t>
             </a:r>
             <a:r>
               <a:rPr lang="ko-KR" altLang="en-US">
-                <a:solidFill>
-                  <a:schemeClr val="tx1"/>
-                </a:solidFill>
-                <a:latin typeface="1훈새마을운동 R" panose="02020603020101020101" pitchFamily="18" charset="-127"/>
-                <a:ea typeface="1훈새마을운동 R" panose="02020603020101020101" pitchFamily="18" charset="-127"/>
-              </a:rPr>
-              <a:t>서버와 관련 소프트웨어 제공 </a:t>
-            </a:r>
-            <a:r>
-              <a:rPr lang="en-US" altLang="ko-KR">
-                <a:solidFill>
-                  <a:schemeClr val="tx1"/>
-                </a:solidFill>
+                <a:latin typeface="1훈새마을운동 R" panose="02020603020101020101" pitchFamily="18" charset="-127"/>
+                <a:ea typeface="1훈새마을운동 R" panose="02020603020101020101" pitchFamily="18" charset="-127"/>
+              </a:rPr>
+              <a:t>열</a:t>
+            </a:r>
+            <a:r>
+              <a:rPr lang="ko-KR" altLang="en-US" smtClean="0">
+                <a:latin typeface="1훈새마을운동 R" panose="02020603020101020101" pitchFamily="18" charset="-127"/>
+                <a:ea typeface="1훈새마을운동 R" panose="02020603020101020101" pitchFamily="18" charset="-127"/>
+              </a:rPr>
+              <a:t>번호 </a:t>
+            </a:r>
+            <a:r>
+              <a:rPr lang="en-US" altLang="ko-KR" smtClean="0">
+                <a:latin typeface="1훈새마을운동 R" panose="02020603020101020101" pitchFamily="18" charset="-127"/>
+                <a:ea typeface="1훈새마을운동 R" panose="02020603020101020101" pitchFamily="18" charset="-127"/>
+              </a:rPr>
+              <a:t>);</a:t>
+            </a:r>
+          </a:p>
+          <a:p>
+            <a:r>
+              <a:rPr lang="en-US" altLang="ko-KR">
+                <a:solidFill>
+                  <a:schemeClr val="tx1"/>
+                </a:solidFill>
+                <a:latin typeface="1훈새마을운동 R" panose="02020603020101020101" pitchFamily="18" charset="-127"/>
+                <a:ea typeface="1훈새마을운동 R" panose="02020603020101020101" pitchFamily="18" charset="-127"/>
+              </a:rPr>
+              <a:t>	</a:t>
+            </a:r>
+            <a:r>
+              <a:rPr lang="en-US" altLang="ko-KR" smtClean="0">
+                <a:solidFill>
+                  <a:schemeClr val="tx1"/>
+                </a:solidFill>
+                <a:latin typeface="1훈새마을운동 R" panose="02020603020101020101" pitchFamily="18" charset="-127"/>
+                <a:ea typeface="1훈새마을운동 R" panose="02020603020101020101" pitchFamily="18" charset="-127"/>
+              </a:rPr>
+              <a:t>	2. </a:t>
+            </a:r>
+            <a:r>
+              <a:rPr lang="ko-KR" altLang="en-US" smtClean="0">
+                <a:solidFill>
+                  <a:schemeClr val="tx1"/>
+                </a:solidFill>
+                <a:latin typeface="1훈새마을운동 R" panose="02020603020101020101" pitchFamily="18" charset="-127"/>
+                <a:ea typeface="1훈새마을운동 R" panose="02020603020101020101" pitchFamily="18" charset="-127"/>
+              </a:rPr>
+              <a:t>해당 열 에 객체값 넣기 </a:t>
+            </a:r>
+            <a:endParaRPr lang="en-US" altLang="ko-KR" smtClean="0">
+              <a:solidFill>
+                <a:schemeClr val="tx1"/>
+              </a:solidFill>
+              <a:latin typeface="1훈새마을운동 R" panose="02020603020101020101" pitchFamily="18" charset="-127"/>
+              <a:ea typeface="1훈새마을운동 R" panose="02020603020101020101" pitchFamily="18" charset="-127"/>
+            </a:endParaRPr>
+          </a:p>
+          <a:p>
+            <a:r>
+              <a:rPr lang="en-US" altLang="ko-KR">
+                <a:solidFill>
+                  <a:schemeClr val="tx1"/>
+                </a:solidFill>
+                <a:latin typeface="1훈새마을운동 R" panose="02020603020101020101" pitchFamily="18" charset="-127"/>
+                <a:ea typeface="1훈새마을운동 R" panose="02020603020101020101" pitchFamily="18" charset="-127"/>
+              </a:rPr>
+              <a:t>	</a:t>
+            </a:r>
+            <a:r>
+              <a:rPr lang="en-US" altLang="ko-KR" smtClean="0">
+                <a:solidFill>
+                  <a:schemeClr val="tx1"/>
+                </a:solidFill>
+                <a:latin typeface="1훈새마을운동 R" panose="02020603020101020101" pitchFamily="18" charset="-127"/>
+                <a:ea typeface="1훈새마을운동 R" panose="02020603020101020101" pitchFamily="18" charset="-127"/>
+              </a:rPr>
+              <a:t>		</a:t>
+            </a:r>
+            <a:r>
+              <a:rPr lang="en-US" altLang="ko-KR">
+                <a:latin typeface="1훈새마을운동 R" panose="02020603020101020101" pitchFamily="18" charset="-127"/>
+                <a:ea typeface="1훈새마을운동 R" panose="02020603020101020101" pitchFamily="18" charset="-127"/>
+              </a:rPr>
+              <a:t> </a:t>
+            </a:r>
+            <a:r>
+              <a:rPr lang="ko-KR" altLang="en-US" smtClean="0">
+                <a:latin typeface="1훈새마을운동 R" panose="02020603020101020101" pitchFamily="18" charset="-127"/>
+                <a:ea typeface="1훈새마을운동 R" panose="02020603020101020101" pitchFamily="18" charset="-127"/>
+              </a:rPr>
+              <a:t>열이름</a:t>
+            </a:r>
+            <a:r>
+              <a:rPr lang="en-US" altLang="ko-KR" smtClean="0">
+                <a:latin typeface="1훈새마을운동 R" panose="02020603020101020101" pitchFamily="18" charset="-127"/>
+                <a:ea typeface="1훈새마을운동 R" panose="02020603020101020101" pitchFamily="18" charset="-127"/>
+              </a:rPr>
+              <a:t>.</a:t>
+            </a:r>
+            <a:r>
+              <a:rPr lang="en-US" altLang="ko-KR">
+                <a:latin typeface="1훈새마을운동 R" panose="02020603020101020101" pitchFamily="18" charset="-127"/>
+                <a:ea typeface="1훈새마을운동 R" panose="02020603020101020101" pitchFamily="18" charset="-127"/>
+              </a:rPr>
+              <a:t>setCellValueFactory( new </a:t>
+            </a:r>
+            <a:r>
+              <a:rPr lang="en-US" altLang="ko-KR">
+                <a:latin typeface="1훈새마을운동 R" panose="02020603020101020101" pitchFamily="18" charset="-127"/>
+                <a:ea typeface="1훈새마을운동 R" panose="02020603020101020101" pitchFamily="18" charset="-127"/>
+              </a:rPr>
+              <a:t>PropertyValueFactory</a:t>
+            </a:r>
+            <a:r>
+              <a:rPr lang="en-US" altLang="ko-KR" smtClean="0">
+                <a:latin typeface="1훈새마을운동 R" panose="02020603020101020101" pitchFamily="18" charset="-127"/>
+                <a:ea typeface="1훈새마을운동 R" panose="02020603020101020101" pitchFamily="18" charset="-127"/>
+              </a:rPr>
+              <a:t>&lt;&gt;(＂</a:t>
+            </a:r>
+            <a:r>
+              <a:rPr lang="ko-KR" altLang="en-US" smtClean="0">
+                <a:latin typeface="1훈새마을운동 R" panose="02020603020101020101" pitchFamily="18" charset="-127"/>
+                <a:ea typeface="1훈새마을운동 R" panose="02020603020101020101" pitchFamily="18" charset="-127"/>
+              </a:rPr>
+              <a:t>필드명 </a:t>
+            </a:r>
+            <a:r>
+              <a:rPr lang="en-US" altLang="ko-KR" smtClean="0">
+                <a:latin typeface="1훈새마을운동 R" panose="02020603020101020101" pitchFamily="18" charset="-127"/>
+                <a:ea typeface="1훈새마을운동 R" panose="02020603020101020101" pitchFamily="18" charset="-127"/>
+              </a:rPr>
+              <a:t>") );</a:t>
+            </a:r>
+          </a:p>
+          <a:p>
+            <a:r>
+              <a:rPr lang="en-US" altLang="ko-KR">
+                <a:latin typeface="1훈새마을운동 R" panose="02020603020101020101" pitchFamily="18" charset="-127"/>
+                <a:ea typeface="1훈새마을운동 R" panose="02020603020101020101" pitchFamily="18" charset="-127"/>
+              </a:rPr>
+              <a:t>	</a:t>
+            </a:r>
+            <a:r>
+              <a:rPr lang="en-US" altLang="ko-KR" smtClean="0">
+                <a:latin typeface="1훈새마을운동 R" panose="02020603020101020101" pitchFamily="18" charset="-127"/>
+                <a:ea typeface="1훈새마을운동 R" panose="02020603020101020101" pitchFamily="18" charset="-127"/>
+              </a:rPr>
+              <a:t>		* </a:t>
+            </a:r>
+            <a:r>
+              <a:rPr lang="ko-KR" altLang="en-US" smtClean="0">
+                <a:latin typeface="1훈새마을운동 R" panose="02020603020101020101" pitchFamily="18" charset="-127"/>
+                <a:ea typeface="1훈새마을운동 R" panose="02020603020101020101" pitchFamily="18" charset="-127"/>
+              </a:rPr>
+              <a:t>리스트내 연결된 클래스내 필드와 필드명과 동일 </a:t>
+            </a:r>
+            <a:endParaRPr lang="en-US" altLang="ko-KR" smtClean="0">
+              <a:latin typeface="1훈새마을운동 R" panose="02020603020101020101" pitchFamily="18" charset="-127"/>
+              <a:ea typeface="1훈새마을운동 R" panose="02020603020101020101" pitchFamily="18" charset="-127"/>
+            </a:endParaRPr>
+          </a:p>
+          <a:p>
+            <a:r>
+              <a:rPr lang="en-US" altLang="ko-KR" smtClean="0">
+                <a:latin typeface="1훈새마을운동 R" panose="02020603020101020101" pitchFamily="18" charset="-127"/>
+                <a:ea typeface="1훈새마을운동 R" panose="02020603020101020101" pitchFamily="18" charset="-127"/>
+              </a:rPr>
+              <a:t>*</a:t>
+            </a:r>
+            <a:r>
+              <a:rPr lang="ko-KR" altLang="en-US" smtClean="0">
+                <a:latin typeface="1훈새마을운동 R" panose="02020603020101020101" pitchFamily="18" charset="-127"/>
+                <a:ea typeface="1훈새마을운동 R" panose="02020603020101020101" pitchFamily="18" charset="-127"/>
+              </a:rPr>
+              <a:t>테이블뷰 클릭한 아이템</a:t>
+            </a:r>
+            <a:r>
+              <a:rPr lang="en-US" altLang="ko-KR" smtClean="0">
+                <a:latin typeface="1훈새마을운동 R" panose="02020603020101020101" pitchFamily="18" charset="-127"/>
+                <a:ea typeface="1훈새마을운동 R" panose="02020603020101020101" pitchFamily="18" charset="-127"/>
+              </a:rPr>
+              <a:t>[</a:t>
+            </a:r>
+            <a:r>
+              <a:rPr lang="ko-KR" altLang="en-US">
+                <a:latin typeface="1훈새마을운동 R" panose="02020603020101020101" pitchFamily="18" charset="-127"/>
+                <a:ea typeface="1훈새마을운동 R" panose="02020603020101020101" pitchFamily="18" charset="-127"/>
+              </a:rPr>
+              <a:t> </a:t>
+            </a:r>
+            <a:r>
+              <a:rPr lang="ko-KR" altLang="en-US" smtClean="0">
+                <a:latin typeface="1훈새마을운동 R" panose="02020603020101020101" pitchFamily="18" charset="-127"/>
+                <a:ea typeface="1훈새마을운동 R" panose="02020603020101020101" pitchFamily="18" charset="-127"/>
+              </a:rPr>
+              <a:t>객체 </a:t>
+            </a:r>
+            <a:r>
+              <a:rPr lang="en-US" altLang="ko-KR" smtClean="0">
                 <a:latin typeface="1훈새마을운동 R" panose="02020603020101020101" pitchFamily="18" charset="-127"/>
                 <a:ea typeface="1훈새마을운동 R" panose="02020603020101020101" pitchFamily="18" charset="-127"/>
               </a:rPr>
@@ -32342,116 +33441,79 @@
           </a:p>
           <a:p>
             <a:r>
-              <a:rPr lang="en-US" altLang="ko-KR">
-                <a:solidFill>
-                  <a:schemeClr val="tx1"/>
-                </a:solidFill>
-                <a:latin typeface="1훈새마을운동 R" panose="02020603020101020101" pitchFamily="18" charset="-127"/>
-                <a:ea typeface="1훈새마을운동 R" panose="02020603020101020101" pitchFamily="18" charset="-127"/>
-              </a:rPr>
-              <a:t>		1. Windows (x86, 32-bit), MSI Installer     			470.0M</a:t>
-            </a:r>
-          </a:p>
-          <a:p>
-            <a:r>
-              <a:rPr lang="en-US" altLang="ko-KR">
-                <a:solidFill>
-                  <a:schemeClr val="tx1"/>
-                </a:solidFill>
-                <a:latin typeface="1훈새마을운동 R" panose="02020603020101020101" pitchFamily="18" charset="-127"/>
-                <a:ea typeface="1훈새마을운동 R" panose="02020603020101020101" pitchFamily="18" charset="-127"/>
-              </a:rPr>
-              <a:t>			1. MySQL Server 8.0.27 x64	[ MYSQL </a:t>
-            </a:r>
-            <a:r>
-              <a:rPr lang="ko-KR" altLang="en-US">
-                <a:solidFill>
-                  <a:schemeClr val="tx1"/>
-                </a:solidFill>
-                <a:latin typeface="1훈새마을운동 R" panose="02020603020101020101" pitchFamily="18" charset="-127"/>
-                <a:ea typeface="1훈새마을운동 R" panose="02020603020101020101" pitchFamily="18" charset="-127"/>
-              </a:rPr>
-              <a:t>서버 </a:t>
-            </a:r>
-            <a:r>
-              <a:rPr lang="en-US" altLang="ko-KR">
-                <a:solidFill>
-                  <a:schemeClr val="tx1"/>
-                </a:solidFill>
-                <a:latin typeface="1훈새마을운동 R" panose="02020603020101020101" pitchFamily="18" charset="-127"/>
-                <a:ea typeface="1훈새마을운동 R" panose="02020603020101020101" pitchFamily="18" charset="-127"/>
-              </a:rPr>
-              <a:t>] </a:t>
-            </a:r>
-          </a:p>
-          <a:p>
-            <a:r>
-              <a:rPr lang="en-US" altLang="ko-KR">
-                <a:solidFill>
-                  <a:schemeClr val="tx1"/>
-                </a:solidFill>
-                <a:latin typeface="1훈새마을운동 R" panose="02020603020101020101" pitchFamily="18" charset="-127"/>
-                <a:ea typeface="1훈새마을운동 R" panose="02020603020101020101" pitchFamily="18" charset="-127"/>
-              </a:rPr>
-              <a:t>				</a:t>
-            </a:r>
-            <a:r>
-              <a:rPr lang="en-US" altLang="ko-KR" b="1">
-                <a:solidFill>
-                  <a:srgbClr val="FF0000"/>
-                </a:solidFill>
-                <a:latin typeface="1훈새마을운동 R" panose="02020603020101020101" pitchFamily="18" charset="-127"/>
-                <a:ea typeface="1훈새마을운동 R" panose="02020603020101020101" pitchFamily="18" charset="-127"/>
-              </a:rPr>
-              <a:t>port , password </a:t>
-            </a:r>
-            <a:r>
-              <a:rPr lang="ko-KR" altLang="en-US" b="1">
-                <a:solidFill>
-                  <a:srgbClr val="FF0000"/>
-                </a:solidFill>
-                <a:latin typeface="1훈새마을운동 R" panose="02020603020101020101" pitchFamily="18" charset="-127"/>
-                <a:ea typeface="1훈새마을운동 R" panose="02020603020101020101" pitchFamily="18" charset="-127"/>
-              </a:rPr>
-              <a:t>기억 </a:t>
-            </a:r>
-          </a:p>
-          <a:p>
-            <a:r>
-              <a:rPr lang="ko-KR" altLang="en-US">
-                <a:solidFill>
-                  <a:schemeClr val="tx1"/>
-                </a:solidFill>
-                <a:latin typeface="1훈새마을운동 R" panose="02020603020101020101" pitchFamily="18" charset="-127"/>
-                <a:ea typeface="1훈새마을운동 R" panose="02020603020101020101" pitchFamily="18" charset="-127"/>
-              </a:rPr>
-              <a:t>			</a:t>
-            </a:r>
-            <a:r>
-              <a:rPr lang="en-US" altLang="ko-KR">
-                <a:solidFill>
-                  <a:schemeClr val="tx1"/>
-                </a:solidFill>
-                <a:latin typeface="1훈새마을운동 R" panose="02020603020101020101" pitchFamily="18" charset="-127"/>
-                <a:ea typeface="1훈새마을운동 R" panose="02020603020101020101" pitchFamily="18" charset="-127"/>
-              </a:rPr>
-              <a:t>2. MySQL Workbench 8.0.27	[ MYSQL </a:t>
-            </a:r>
-            <a:r>
-              <a:rPr lang="ko-KR" altLang="en-US">
-                <a:solidFill>
-                  <a:schemeClr val="tx1"/>
-                </a:solidFill>
-                <a:latin typeface="1훈새마을운동 R" panose="02020603020101020101" pitchFamily="18" charset="-127"/>
-                <a:ea typeface="1훈새마을운동 R" panose="02020603020101020101" pitchFamily="18" charset="-127"/>
-              </a:rPr>
-              <a:t>관리 소프트웨어 </a:t>
-            </a:r>
-            <a:r>
-              <a:rPr lang="en-US" altLang="ko-KR">
-                <a:solidFill>
-                  <a:schemeClr val="tx1"/>
-                </a:solidFill>
+              <a:rPr lang="en-US" altLang="ko-KR" smtClean="0">
+                <a:latin typeface="1훈새마을운동 R" panose="02020603020101020101" pitchFamily="18" charset="-127"/>
+                <a:ea typeface="1훈새마을운동 R" panose="02020603020101020101" pitchFamily="18" charset="-127"/>
+              </a:rPr>
+              <a:t>	1. </a:t>
+            </a:r>
+            <a:r>
+              <a:rPr lang="ko-KR" altLang="en-US" smtClean="0">
+                <a:latin typeface="1훈새마을운동 R" panose="02020603020101020101" pitchFamily="18" charset="-127"/>
+                <a:ea typeface="1훈새마을운동 R" panose="02020603020101020101" pitchFamily="18" charset="-127"/>
+              </a:rPr>
+              <a:t>테이블뷰이름</a:t>
+            </a:r>
+            <a:r>
+              <a:rPr lang="en-US" altLang="ko-KR" smtClean="0">
+                <a:latin typeface="1훈새마을운동 R" panose="02020603020101020101" pitchFamily="18" charset="-127"/>
+                <a:ea typeface="1훈새마을운동 R" panose="02020603020101020101" pitchFamily="18" charset="-127"/>
+              </a:rPr>
+              <a:t>.getSelectionModel</a:t>
+            </a:r>
+            <a:r>
+              <a:rPr lang="en-US" altLang="ko-KR">
+                <a:latin typeface="1훈새마을운동 R" panose="02020603020101020101" pitchFamily="18" charset="-127"/>
+                <a:ea typeface="1훈새마을운동 R" panose="02020603020101020101" pitchFamily="18" charset="-127"/>
+              </a:rPr>
+              <a:t>().</a:t>
+            </a:r>
+            <a:r>
+              <a:rPr lang="en-US" altLang="ko-KR">
+                <a:latin typeface="1훈새마을운동 R" panose="02020603020101020101" pitchFamily="18" charset="-127"/>
+                <a:ea typeface="1훈새마을운동 R" panose="02020603020101020101" pitchFamily="18" charset="-127"/>
+              </a:rPr>
+              <a:t>getSelectedItem</a:t>
+            </a:r>
+            <a:r>
+              <a:rPr lang="en-US" altLang="ko-KR" smtClean="0">
+                <a:latin typeface="1훈새마을운동 R" panose="02020603020101020101" pitchFamily="18" charset="-127"/>
+                <a:ea typeface="1훈새마을운동 R" panose="02020603020101020101" pitchFamily="18" charset="-127"/>
+              </a:rPr>
+              <a:t>();</a:t>
+            </a:r>
+          </a:p>
+          <a:p>
+            <a:r>
+              <a:rPr lang="en-US" altLang="ko-KR" smtClean="0">
+                <a:latin typeface="1훈새마을운동 R" panose="02020603020101020101" pitchFamily="18" charset="-127"/>
+                <a:ea typeface="1훈새마을운동 R" panose="02020603020101020101" pitchFamily="18" charset="-127"/>
+              </a:rPr>
+              <a:t>		* </a:t>
+            </a:r>
+            <a:r>
+              <a:rPr lang="ko-KR" altLang="en-US" smtClean="0">
+                <a:latin typeface="1훈새마을운동 R" panose="02020603020101020101" pitchFamily="18" charset="-127"/>
+                <a:ea typeface="1훈새마을운동 R" panose="02020603020101020101" pitchFamily="18" charset="-127"/>
+              </a:rPr>
+              <a:t>테이블뷰에서 클릭한 모델의 아이템 </a:t>
+            </a:r>
+            <a:r>
+              <a:rPr lang="en-US" altLang="ko-KR" smtClean="0">
+                <a:latin typeface="1훈새마을운동 R" panose="02020603020101020101" pitchFamily="18" charset="-127"/>
+                <a:ea typeface="1훈새마을운동 R" panose="02020603020101020101" pitchFamily="18" charset="-127"/>
+              </a:rPr>
+              <a:t>[ </a:t>
+            </a:r>
+            <a:r>
+              <a:rPr lang="ko-KR" altLang="en-US" smtClean="0">
+                <a:latin typeface="1훈새마을운동 R" panose="02020603020101020101" pitchFamily="18" charset="-127"/>
+                <a:ea typeface="1훈새마을운동 R" panose="02020603020101020101" pitchFamily="18" charset="-127"/>
+              </a:rPr>
+              <a:t>객체 </a:t>
+            </a:r>
+            <a:r>
+              <a:rPr lang="en-US" altLang="ko-KR" smtClean="0">
                 <a:latin typeface="1훈새마을운동 R" panose="02020603020101020101" pitchFamily="18" charset="-127"/>
                 <a:ea typeface="1훈새마을운동 R" panose="02020603020101020101" pitchFamily="18" charset="-127"/>
               </a:rPr>
@@ -32460,121 +33522,20 @@
           </a:p>
           <a:p>
             <a:r>
-              <a:rPr lang="en-US" altLang="ko-KR">
-                <a:solidFill>
-                  <a:schemeClr val="tx1"/>
-                </a:solidFill>
-                <a:latin typeface="1훈새마을운동 R" panose="02020603020101020101" pitchFamily="18" charset="-127"/>
-                <a:ea typeface="1훈새마을운동 R" panose="02020603020101020101" pitchFamily="18" charset="-127"/>
-              </a:rPr>
-              <a:t>			3. Connector/J 8.0.27	[ MYSQL JAVA </a:t>
-            </a:r>
-            <a:r>
-              <a:rPr lang="ko-KR" altLang="en-US">
-                <a:solidFill>
-                  <a:schemeClr val="tx1"/>
-                </a:solidFill>
-                <a:latin typeface="1훈새마을운동 R" panose="02020603020101020101" pitchFamily="18" charset="-127"/>
-                <a:ea typeface="1훈새마을운동 R" panose="02020603020101020101" pitchFamily="18" charset="-127"/>
-              </a:rPr>
-              <a:t>연동 드라이브 </a:t>
-            </a:r>
-            <a:r>
-              <a:rPr lang="en-US" altLang="ko-KR">
-                <a:solidFill>
-                  <a:schemeClr val="tx1"/>
-                </a:solidFill>
-                <a:latin typeface="1훈새마을운동 R" panose="02020603020101020101" pitchFamily="18" charset="-127"/>
-                <a:ea typeface="1훈새마을운동 R" panose="02020603020101020101" pitchFamily="18" charset="-127"/>
-              </a:rPr>
-              <a:t>] </a:t>
-            </a:r>
-          </a:p>
-          <a:p>
-            <a:r>
-              <a:rPr lang="en-US" altLang="ko-KR">
-                <a:solidFill>
-                  <a:schemeClr val="tx1"/>
-                </a:solidFill>
-                <a:latin typeface="1훈새마을운동 R" panose="02020603020101020101" pitchFamily="18" charset="-127"/>
-                <a:ea typeface="1훈새마을운동 R" panose="02020603020101020101" pitchFamily="18" charset="-127"/>
-              </a:rPr>
-              <a:t>			</a:t>
-            </a:r>
-          </a:p>
-          <a:p>
-            <a:r>
-              <a:rPr lang="en-US" altLang="ko-KR">
-                <a:solidFill>
-                  <a:schemeClr val="tx1"/>
-                </a:solidFill>
-                <a:latin typeface="1훈새마을운동 R" panose="02020603020101020101" pitchFamily="18" charset="-127"/>
-                <a:ea typeface="1훈새마을운동 R" panose="02020603020101020101" pitchFamily="18" charset="-127"/>
-              </a:rPr>
-              <a:t>	2. Connector/J [ MYSQL </a:t>
-            </a:r>
-            <a:r>
-              <a:rPr lang="ko-KR" altLang="en-US">
-                <a:solidFill>
-                  <a:schemeClr val="tx1"/>
-                </a:solidFill>
-                <a:latin typeface="1훈새마을운동 R" panose="02020603020101020101" pitchFamily="18" charset="-127"/>
-                <a:ea typeface="1훈새마을운동 R" panose="02020603020101020101" pitchFamily="18" charset="-127"/>
-              </a:rPr>
-              <a:t>과 </a:t>
-            </a:r>
-            <a:r>
-              <a:rPr lang="en-US" altLang="ko-KR">
-                <a:solidFill>
-                  <a:schemeClr val="tx1"/>
-                </a:solidFill>
-                <a:latin typeface="1훈새마을운동 R" panose="02020603020101020101" pitchFamily="18" charset="-127"/>
-                <a:ea typeface="1훈새마을운동 R" panose="02020603020101020101" pitchFamily="18" charset="-127"/>
-              </a:rPr>
-              <a:t>JAVA </a:t>
-            </a:r>
-            <a:r>
-              <a:rPr lang="ko-KR" altLang="en-US">
-                <a:solidFill>
-                  <a:schemeClr val="tx1"/>
-                </a:solidFill>
-                <a:latin typeface="1훈새마을운동 R" panose="02020603020101020101" pitchFamily="18" charset="-127"/>
-                <a:ea typeface="1훈새마을운동 R" panose="02020603020101020101" pitchFamily="18" charset="-127"/>
-              </a:rPr>
-              <a:t>연결해주는 라이브러리 </a:t>
-            </a:r>
-            <a:r>
-              <a:rPr lang="en-US" altLang="ko-KR">
-                <a:solidFill>
-                  <a:schemeClr val="tx1"/>
-                </a:solidFill>
-                <a:latin typeface="1훈새마을운동 R" panose="02020603020101020101" pitchFamily="18" charset="-127"/>
-                <a:ea typeface="1훈새마을운동 R" panose="02020603020101020101" pitchFamily="18" charset="-127"/>
-              </a:rPr>
-              <a:t>]</a:t>
-            </a:r>
-          </a:p>
-          <a:p>
-            <a:r>
-              <a:rPr lang="en-US" altLang="ko-KR">
-                <a:solidFill>
-                  <a:schemeClr val="tx1"/>
-                </a:solidFill>
-                <a:latin typeface="1훈새마을운동 R" panose="02020603020101020101" pitchFamily="18" charset="-127"/>
-                <a:ea typeface="1훈새마을운동 R" panose="02020603020101020101" pitchFamily="18" charset="-127"/>
-              </a:rPr>
-              <a:t>		1. Platform Independent (Architecture Independent), ZIP Archive	4.8M</a:t>
-            </a:r>
-            <a:r>
-              <a:rPr lang="ko-KR" altLang="en-US" smtClean="0">
-                <a:solidFill>
-                  <a:schemeClr val="tx1"/>
-                </a:solidFill>
-                <a:latin typeface="1훈새마을운동 R" panose="02020603020101020101" pitchFamily="18" charset="-127"/>
-                <a:ea typeface="1훈새마을운동 R" panose="02020603020101020101" pitchFamily="18" charset="-127"/>
-              </a:rPr>
-              <a:t> </a:t>
-            </a:r>
+              <a:rPr lang="en-US" altLang="ko-KR" smtClean="0">
+                <a:latin typeface="1훈새마을운동 R" panose="02020603020101020101" pitchFamily="18" charset="-127"/>
+                <a:ea typeface="1훈새마을운동 R" panose="02020603020101020101" pitchFamily="18" charset="-127"/>
+              </a:rPr>
+              <a:t>		</a:t>
+            </a:r>
+          </a:p>
+          <a:p>
+            <a:endParaRPr lang="en-US" altLang="ko-KR" smtClean="0">
+              <a:latin typeface="1훈새마을운동 R" panose="02020603020101020101" pitchFamily="18" charset="-127"/>
+              <a:ea typeface="1훈새마을운동 R" panose="02020603020101020101" pitchFamily="18" charset="-127"/>
+            </a:endParaRPr>
+          </a:p>
+          <a:p>
             <a:endParaRPr lang="en-US" altLang="ko-KR">
               <a:solidFill>
                 <a:schemeClr val="tx1"/>
@@ -32584,26 +33545,6 @@
             </a:endParaRPr>
           </a:p>
           <a:p>
-            <a:r>
-              <a:rPr lang="en-US" altLang="ko-KR" smtClean="0">
-                <a:solidFill>
-                  <a:schemeClr val="tx1"/>
-                </a:solidFill>
-                <a:latin typeface="1훈새마을운동 R" panose="02020603020101020101" pitchFamily="18" charset="-127"/>
-                <a:ea typeface="1훈새마을운동 R" panose="02020603020101020101" pitchFamily="18" charset="-127"/>
-              </a:rPr>
-              <a:t>*DB - JAVA</a:t>
-            </a:r>
-            <a:r>
-              <a:rPr lang="ko-KR" altLang="en-US" smtClean="0">
-                <a:solidFill>
-                  <a:schemeClr val="tx1"/>
-                </a:solidFill>
-                <a:latin typeface="1훈새마을운동 R" panose="02020603020101020101" pitchFamily="18" charset="-127"/>
-                <a:ea typeface="1훈새마을운동 R" panose="02020603020101020101" pitchFamily="18" charset="-127"/>
-              </a:rPr>
-              <a:t>연동 </a:t>
-            </a:r>
             <a:endParaRPr lang="en-US" altLang="ko-KR" smtClean="0">
               <a:solidFill>
                 <a:schemeClr val="tx1"/>
@@ -32613,100 +33554,26 @@
             </a:endParaRPr>
           </a:p>
           <a:p>
-            <a:pPr lvl="2"/>
-            <a:r>
-              <a:rPr lang="en-US" altLang="ko-KR" smtClean="0">
-                <a:latin typeface="1훈새마을운동 R" panose="02020603020101020101" pitchFamily="18" charset="-127"/>
-                <a:ea typeface="1훈새마을운동 R" panose="02020603020101020101" pitchFamily="18" charset="-127"/>
-              </a:rPr>
-              <a:t>1.mysql </a:t>
-            </a:r>
-            <a:r>
-              <a:rPr lang="ko-KR" altLang="en-US">
-                <a:latin typeface="1훈새마을운동 R" panose="02020603020101020101" pitchFamily="18" charset="-127"/>
-                <a:ea typeface="1훈새마을운동 R" panose="02020603020101020101" pitchFamily="18" charset="-127"/>
-              </a:rPr>
-              <a:t>드라이브 확인</a:t>
-            </a:r>
-          </a:p>
-          <a:p>
-            <a:pPr lvl="2"/>
-            <a:r>
-              <a:rPr lang="en-US" altLang="ko-KR" smtClean="0">
-                <a:latin typeface="1훈새마을운동 R" panose="02020603020101020101" pitchFamily="18" charset="-127"/>
-                <a:ea typeface="1훈새마을운동 R" panose="02020603020101020101" pitchFamily="18" charset="-127"/>
-              </a:rPr>
-              <a:t>	Class.forName</a:t>
-            </a:r>
-            <a:r>
-              <a:rPr lang="en-US" altLang="ko-KR">
-                <a:latin typeface="1훈새마을운동 R" panose="02020603020101020101" pitchFamily="18" charset="-127"/>
-                <a:ea typeface="1훈새마을운동 R" panose="02020603020101020101" pitchFamily="18" charset="-127"/>
-              </a:rPr>
-              <a:t>("com.mysql.cj.jdbc.Driver");</a:t>
-            </a:r>
-          </a:p>
-          <a:p>
-            <a:pPr lvl="2"/>
-            <a:r>
-              <a:rPr lang="en-US" altLang="ko-KR" smtClean="0">
-                <a:latin typeface="1훈새마을운동 R" panose="02020603020101020101" pitchFamily="18" charset="-127"/>
-                <a:ea typeface="1훈새마을운동 R" panose="02020603020101020101" pitchFamily="18" charset="-127"/>
-              </a:rPr>
-              <a:t>2</a:t>
-            </a:r>
-            <a:r>
-              <a:rPr lang="en-US" altLang="ko-KR">
-                <a:latin typeface="1훈새마을운동 R" panose="02020603020101020101" pitchFamily="18" charset="-127"/>
-                <a:ea typeface="1훈새마을운동 R" panose="02020603020101020101" pitchFamily="18" charset="-127"/>
-              </a:rPr>
-              <a:t>. DB </a:t>
-            </a:r>
-            <a:r>
-              <a:rPr lang="en-US" altLang="ko-KR" smtClean="0">
-                <a:latin typeface="1훈새마을운동 R" panose="02020603020101020101" pitchFamily="18" charset="-127"/>
-                <a:ea typeface="1훈새마을운동 R" panose="02020603020101020101" pitchFamily="18" charset="-127"/>
-              </a:rPr>
-              <a:t>URL </a:t>
-            </a:r>
-            <a:r>
-              <a:rPr lang="ko-KR" altLang="en-US" smtClean="0">
-                <a:latin typeface="1훈새마을운동 R" panose="02020603020101020101" pitchFamily="18" charset="-127"/>
-                <a:ea typeface="1훈새마을운동 R" panose="02020603020101020101" pitchFamily="18" charset="-127"/>
-              </a:rPr>
-              <a:t>연동 </a:t>
-            </a:r>
-            <a:endParaRPr lang="ko-KR" altLang="en-US">
-              <a:latin typeface="1훈새마을운동 R" panose="02020603020101020101" pitchFamily="18" charset="-127"/>
-              <a:ea typeface="1훈새마을운동 R" panose="02020603020101020101" pitchFamily="18" charset="-127"/>
-            </a:endParaRPr>
-          </a:p>
-          <a:p>
-            <a:pPr lvl="2"/>
-            <a:r>
-              <a:rPr lang="en-US" altLang="ko-KR" smtClean="0">
-                <a:latin typeface="1훈새마을운동 R" panose="02020603020101020101" pitchFamily="18" charset="-127"/>
-                <a:ea typeface="1훈새마을운동 R" panose="02020603020101020101" pitchFamily="18" charset="-127"/>
-              </a:rPr>
-              <a:t>	Connection </a:t>
-            </a:r>
-            <a:r>
-              <a:rPr lang="en-US" altLang="ko-KR">
-                <a:latin typeface="1훈새마을운동 R" panose="02020603020101020101" pitchFamily="18" charset="-127"/>
-                <a:ea typeface="1훈새마을운동 R" panose="02020603020101020101" pitchFamily="18" charset="-127"/>
-              </a:rPr>
-              <a:t>con = DriverManager.getConnection( </a:t>
-            </a:r>
-            <a:r>
-              <a:rPr lang="en-US" altLang="ko-KR" smtClean="0">
-                <a:latin typeface="1훈새마을운동 R" panose="02020603020101020101" pitchFamily="18" charset="-127"/>
-                <a:ea typeface="1훈새마을운동 R" panose="02020603020101020101" pitchFamily="18" charset="-127"/>
-              </a:rPr>
-              <a:t>DBURL , DBID , DBPW );</a:t>
-            </a:r>
-          </a:p>
-          <a:p>
-            <a:pPr lvl="2"/>
+            <a:r>
+              <a:rPr lang="en-US" altLang="ko-KR">
+                <a:solidFill>
+                  <a:schemeClr val="tx1"/>
+                </a:solidFill>
+                <a:latin typeface="1훈새마을운동 R" panose="02020603020101020101" pitchFamily="18" charset="-127"/>
+                <a:ea typeface="1훈새마을운동 R" panose="02020603020101020101" pitchFamily="18" charset="-127"/>
+              </a:rPr>
+              <a:t>	</a:t>
+            </a:r>
+            <a:r>
+              <a:rPr lang="en-US" altLang="ko-KR" smtClean="0">
+                <a:solidFill>
+                  <a:schemeClr val="tx1"/>
+                </a:solidFill>
+                <a:latin typeface="1훈새마을운동 R" panose="02020603020101020101" pitchFamily="18" charset="-127"/>
+                <a:ea typeface="1훈새마을운동 R" panose="02020603020101020101" pitchFamily="18" charset="-127"/>
+              </a:rPr>
+              <a:t>	</a:t>
+            </a:r>
             <a:endParaRPr lang="en-US" altLang="ko-KR">
               <a:solidFill>
                 <a:schemeClr val="tx1"/>
@@ -32716,280 +33583,23 @@
             </a:endParaRPr>
           </a:p>
           <a:p>
-            <a:pPr lvl="2"/>
-            <a:r>
-              <a:rPr lang="en-US" altLang="ko-KR" smtClean="0">
-                <a:solidFill>
-                  <a:schemeClr val="tx1"/>
-                </a:solidFill>
-                <a:latin typeface="1훈새마을운동 R" panose="02020603020101020101" pitchFamily="18" charset="-127"/>
-                <a:ea typeface="1훈새마을운동 R" panose="02020603020101020101" pitchFamily="18" charset="-127"/>
-              </a:rPr>
-              <a:t>DBURL : jdbc:mysql</a:t>
-            </a:r>
-            <a:r>
-              <a:rPr lang="en-US" altLang="ko-KR">
-                <a:solidFill>
-                  <a:schemeClr val="tx1"/>
-                </a:solidFill>
-                <a:latin typeface="1훈새마을운동 R" panose="02020603020101020101" pitchFamily="18" charset="-127"/>
-                <a:ea typeface="1훈새마을운동 R" panose="02020603020101020101" pitchFamily="18" charset="-127"/>
-              </a:rPr>
-              <a:t>://IP</a:t>
-            </a:r>
-            <a:r>
-              <a:rPr lang="ko-KR" altLang="en-US">
-                <a:solidFill>
-                  <a:schemeClr val="tx1"/>
-                </a:solidFill>
-                <a:latin typeface="1훈새마을운동 R" panose="02020603020101020101" pitchFamily="18" charset="-127"/>
-                <a:ea typeface="1훈새마을운동 R" panose="02020603020101020101" pitchFamily="18" charset="-127"/>
-              </a:rPr>
-              <a:t>주소</a:t>
-            </a:r>
-            <a:r>
-              <a:rPr lang="en-US" altLang="ko-KR">
-                <a:solidFill>
-                  <a:schemeClr val="tx1"/>
-                </a:solidFill>
-                <a:latin typeface="1훈새마을운동 R" panose="02020603020101020101" pitchFamily="18" charset="-127"/>
-                <a:ea typeface="1훈새마을운동 R" panose="02020603020101020101" pitchFamily="18" charset="-127"/>
-              </a:rPr>
-              <a:t>:PORT/DB</a:t>
-            </a:r>
-            <a:r>
-              <a:rPr lang="ko-KR" altLang="en-US">
-                <a:solidFill>
-                  <a:schemeClr val="tx1"/>
-                </a:solidFill>
-                <a:latin typeface="1훈새마을운동 R" panose="02020603020101020101" pitchFamily="18" charset="-127"/>
-                <a:ea typeface="1훈새마을운동 R" panose="02020603020101020101" pitchFamily="18" charset="-127"/>
-              </a:rPr>
-              <a:t>명</a:t>
-            </a:r>
-            <a:r>
-              <a:rPr lang="en-US" altLang="ko-KR">
-                <a:solidFill>
-                  <a:schemeClr val="tx1"/>
-                </a:solidFill>
-                <a:latin typeface="1훈새마을운동 R" panose="02020603020101020101" pitchFamily="18" charset="-127"/>
-                <a:ea typeface="1훈새마을운동 R" panose="02020603020101020101" pitchFamily="18" charset="-127"/>
-              </a:rPr>
-              <a:t>?</a:t>
-            </a:r>
-            <a:r>
-              <a:rPr lang="ko-KR" altLang="en-US">
-                <a:solidFill>
-                  <a:schemeClr val="tx1"/>
-                </a:solidFill>
-                <a:latin typeface="1훈새마을운동 R" panose="02020603020101020101" pitchFamily="18" charset="-127"/>
-                <a:ea typeface="1훈새마을운동 R" panose="02020603020101020101" pitchFamily="18" charset="-127"/>
-              </a:rPr>
-              <a:t>시간대</a:t>
-            </a:r>
-            <a:r>
-              <a:rPr lang="en-US" altLang="ko-KR">
-                <a:solidFill>
-                  <a:schemeClr val="tx1"/>
-                </a:solidFill>
-                <a:latin typeface="1훈새마을운동 R" panose="02020603020101020101" pitchFamily="18" charset="-127"/>
-                <a:ea typeface="1훈새마을운동 R" panose="02020603020101020101" pitchFamily="18" charset="-127"/>
-              </a:rPr>
-              <a:t>" ,"DB</a:t>
-            </a:r>
-            <a:r>
-              <a:rPr lang="ko-KR" altLang="en-US">
-                <a:solidFill>
-                  <a:schemeClr val="tx1"/>
-                </a:solidFill>
-                <a:latin typeface="1훈새마을운동 R" panose="02020603020101020101" pitchFamily="18" charset="-127"/>
-                <a:ea typeface="1훈새마을운동 R" panose="02020603020101020101" pitchFamily="18" charset="-127"/>
-              </a:rPr>
-              <a:t>계정명</a:t>
-            </a:r>
-            <a:r>
-              <a:rPr lang="en-US" altLang="ko-KR">
-                <a:solidFill>
-                  <a:schemeClr val="tx1"/>
-                </a:solidFill>
-                <a:latin typeface="1훈새마을운동 R" panose="02020603020101020101" pitchFamily="18" charset="-127"/>
-                <a:ea typeface="1훈새마을운동 R" panose="02020603020101020101" pitchFamily="18" charset="-127"/>
-              </a:rPr>
-              <a:t>" , "DB</a:t>
-            </a:r>
-            <a:r>
-              <a:rPr lang="ko-KR" altLang="en-US">
-                <a:solidFill>
-                  <a:schemeClr val="tx1"/>
-                </a:solidFill>
-                <a:latin typeface="1훈새마을운동 R" panose="02020603020101020101" pitchFamily="18" charset="-127"/>
-                <a:ea typeface="1훈새마을운동 R" panose="02020603020101020101" pitchFamily="18" charset="-127"/>
-              </a:rPr>
-              <a:t>비밀번호</a:t>
-            </a:r>
-            <a:r>
-              <a:rPr lang="en-US" altLang="ko-KR">
-                <a:solidFill>
-                  <a:schemeClr val="tx1"/>
-                </a:solidFill>
-                <a:latin typeface="1훈새마을운동 R" panose="02020603020101020101" pitchFamily="18" charset="-127"/>
-                <a:ea typeface="1훈새마을운동 R" panose="02020603020101020101" pitchFamily="18" charset="-127"/>
-              </a:rPr>
-              <a:t>");</a:t>
-            </a:r>
-          </a:p>
-          <a:p>
-            <a:pPr lvl="2"/>
-            <a:r>
-              <a:rPr lang="ko-KR" altLang="en-US" smtClean="0">
-                <a:solidFill>
-                  <a:schemeClr val="tx1"/>
-                </a:solidFill>
-                <a:latin typeface="1훈새마을운동 R" panose="02020603020101020101" pitchFamily="18" charset="-127"/>
-                <a:ea typeface="1훈새마을운동 R" panose="02020603020101020101" pitchFamily="18" charset="-127"/>
-              </a:rPr>
-              <a:t>예 </a:t>
-            </a:r>
-            <a:r>
-              <a:rPr lang="en-US" altLang="ko-KR" smtClean="0">
-                <a:solidFill>
-                  <a:schemeClr val="tx1"/>
-                </a:solidFill>
-                <a:latin typeface="1훈새마을운동 R" panose="02020603020101020101" pitchFamily="18" charset="-127"/>
-                <a:ea typeface="1훈새마을운동 R" panose="02020603020101020101" pitchFamily="18" charset="-127"/>
-              </a:rPr>
-              <a:t>) "jdbc:mysql</a:t>
-            </a:r>
-            <a:r>
-              <a:rPr lang="en-US" altLang="ko-KR">
-                <a:solidFill>
-                  <a:schemeClr val="tx1"/>
-                </a:solidFill>
-                <a:latin typeface="1훈새마을운동 R" panose="02020603020101020101" pitchFamily="18" charset="-127"/>
-                <a:ea typeface="1훈새마을운동 R" panose="02020603020101020101" pitchFamily="18" charset="-127"/>
-              </a:rPr>
-              <a:t>://localhost:3307/javafx?serverTimezome=UTC" ,"root" , "</a:t>
-            </a:r>
-            <a:r>
-              <a:rPr lang="en-US" altLang="ko-KR" smtClean="0">
-                <a:solidFill>
-                  <a:schemeClr val="tx1"/>
-                </a:solidFill>
-                <a:latin typeface="1훈새마을운동 R" panose="02020603020101020101" pitchFamily="18" charset="-127"/>
-                <a:ea typeface="1훈새마을운동 R" panose="02020603020101020101" pitchFamily="18" charset="-127"/>
-              </a:rPr>
-              <a:t>1234“</a:t>
-            </a:r>
-          </a:p>
-          <a:p>
-            <a:pPr lvl="2"/>
-            <a:endParaRPr lang="en-US" altLang="ko-KR" smtClean="0">
-              <a:solidFill>
-                <a:schemeClr val="tx1"/>
-              </a:solidFill>
-              <a:latin typeface="1훈새마을운동 R" panose="02020603020101020101" pitchFamily="18" charset="-127"/>
-              <a:ea typeface="1훈새마을운동 R" panose="02020603020101020101" pitchFamily="18" charset="-127"/>
-            </a:endParaRPr>
-          </a:p>
-          <a:p>
-            <a:r>
-              <a:rPr lang="en-US" altLang="ko-KR" smtClean="0">
-                <a:solidFill>
-                  <a:schemeClr val="tx1"/>
-                </a:solidFill>
-                <a:latin typeface="1훈새마을운동 R" panose="02020603020101020101" pitchFamily="18" charset="-127"/>
-                <a:ea typeface="1훈새마을운동 R" panose="02020603020101020101" pitchFamily="18" charset="-127"/>
-              </a:rPr>
-              <a:t>*JDBC</a:t>
-            </a:r>
-          </a:p>
-          <a:p>
-            <a:r>
-              <a:rPr lang="en-US" altLang="ko-KR" smtClean="0">
-                <a:solidFill>
-                  <a:schemeClr val="tx1"/>
-                </a:solidFill>
-                <a:latin typeface="1훈새마을운동 R" panose="02020603020101020101" pitchFamily="18" charset="-127"/>
-                <a:ea typeface="1훈새마을운동 R" panose="02020603020101020101" pitchFamily="18" charset="-127"/>
-              </a:rPr>
-              <a:t>	* JAVA</a:t>
-            </a:r>
-            <a:r>
-              <a:rPr lang="ko-KR" altLang="en-US" smtClean="0">
-                <a:solidFill>
-                  <a:schemeClr val="tx1"/>
-                </a:solidFill>
-                <a:latin typeface="1훈새마을운동 R" panose="02020603020101020101" pitchFamily="18" charset="-127"/>
-                <a:ea typeface="1훈새마을운동 R" panose="02020603020101020101" pitchFamily="18" charset="-127"/>
-              </a:rPr>
-              <a:t>에서 </a:t>
-            </a:r>
-            <a:r>
-              <a:rPr lang="en-US" altLang="ko-KR" smtClean="0">
-                <a:solidFill>
-                  <a:schemeClr val="tx1"/>
-                </a:solidFill>
-                <a:latin typeface="1훈새마을운동 R" panose="02020603020101020101" pitchFamily="18" charset="-127"/>
-                <a:ea typeface="1훈새마을운동 R" panose="02020603020101020101" pitchFamily="18" charset="-127"/>
-              </a:rPr>
-              <a:t>DATABASE </a:t>
-            </a:r>
-            <a:r>
-              <a:rPr lang="ko-KR" altLang="en-US" smtClean="0">
-                <a:solidFill>
-                  <a:schemeClr val="tx1"/>
-                </a:solidFill>
-                <a:latin typeface="1훈새마을운동 R" panose="02020603020101020101" pitchFamily="18" charset="-127"/>
-                <a:ea typeface="1훈새마을운동 R" panose="02020603020101020101" pitchFamily="18" charset="-127"/>
-              </a:rPr>
-              <a:t>접속할수 있도록 자바 </a:t>
-            </a:r>
-            <a:r>
-              <a:rPr lang="en-US" altLang="ko-KR" smtClean="0">
-                <a:solidFill>
-                  <a:schemeClr val="tx1"/>
-                </a:solidFill>
-                <a:latin typeface="1훈새마을운동 R" panose="02020603020101020101" pitchFamily="18" charset="-127"/>
-                <a:ea typeface="1훈새마을운동 R" panose="02020603020101020101" pitchFamily="18" charset="-127"/>
-              </a:rPr>
-              <a:t>API [ java.sql </a:t>
-            </a:r>
-            <a:r>
-              <a:rPr lang="ko-KR" altLang="en-US" smtClean="0">
-                <a:solidFill>
-                  <a:schemeClr val="tx1"/>
-                </a:solidFill>
-                <a:latin typeface="1훈새마을운동 R" panose="02020603020101020101" pitchFamily="18" charset="-127"/>
-                <a:ea typeface="1훈새마을운동 R" panose="02020603020101020101" pitchFamily="18" charset="-127"/>
-              </a:rPr>
-              <a:t>라이브러리</a:t>
-            </a:r>
-            <a:r>
-              <a:rPr lang="en-US" altLang="ko-KR" smtClean="0">
-                <a:solidFill>
-                  <a:schemeClr val="tx1"/>
-                </a:solidFill>
-                <a:latin typeface="1훈새마을운동 R" panose="02020603020101020101" pitchFamily="18" charset="-127"/>
-                <a:ea typeface="1훈새마을운동 R" panose="02020603020101020101" pitchFamily="18" charset="-127"/>
-              </a:rPr>
-              <a:t> ]</a:t>
-            </a:r>
-          </a:p>
-          <a:p>
-            <a:endParaRPr lang="en-US" altLang="ko-KR">
-              <a:solidFill>
-                <a:schemeClr val="tx1"/>
-              </a:solidFill>
-              <a:latin typeface="1훈새마을운동 R" panose="02020603020101020101" pitchFamily="18" charset="-127"/>
-              <a:ea typeface="1훈새마을운동 R" panose="02020603020101020101" pitchFamily="18" charset="-127"/>
-            </a:endParaRPr>
+            <a:r>
+              <a:rPr lang="en-US" altLang="ko-KR" smtClean="0">
+                <a:solidFill>
+                  <a:schemeClr val="tx1"/>
+                </a:solidFill>
+                <a:latin typeface="1훈새마을운동 R" panose="02020603020101020101" pitchFamily="18" charset="-127"/>
+                <a:ea typeface="1훈새마을운동 R" panose="02020603020101020101" pitchFamily="18" charset="-127"/>
+              </a:rPr>
+              <a:t>	</a:t>
+            </a:r>
           </a:p>
         </p:txBody>
       </p:sp>
     </p:spTree>
     <p:extLst>
       <p:ext uri="{BB962C8B-B14F-4D97-AF65-F5344CB8AC3E}">
-        <p14:creationId xmlns:p14="http://schemas.microsoft.com/office/powerpoint/2010/main" val="3732454975"/>
+        <p14:creationId xmlns:p14="http://schemas.microsoft.com/office/powerpoint/2010/main" val="975348584"/>
       </p:ext>
     </p:extLst>
   </p:cSld>
@@ -33018,14 +33628,14 @@
       </p:grpSpPr>
       <p:sp>
         <p:nvSpPr>
-          <p:cNvPr id="5" name="직사각형 4"/>
+          <p:cNvPr id="4" name="직사각형 3"/>
           <p:cNvSpPr/>
           <p:nvPr/>
         </p:nvSpPr>
         <p:spPr>
           <a:xfrm>
-            <a:off x="173052" y="188639"/>
-            <a:ext cx="9676492" cy="6408713"/>
+            <a:off x="2000672" y="2060848"/>
+            <a:ext cx="5904656" cy="1800200"/>
           </a:xfrm>
           <a:prstGeom prst="rect">
             <a:avLst/>
@@ -33050,548 +33660,37 @@
           <a:bodyPr rtlCol="0" anchor="t"/>
           <a:lstStyle/>
           <a:p>
-            <a:r>
-              <a:rPr lang="en-US" altLang="ko-KR" smtClean="0">
-                <a:solidFill>
-                  <a:schemeClr val="tx1"/>
-                </a:solidFill>
-                <a:latin typeface="1훈새마을운동 R" panose="02020603020101020101" pitchFamily="18" charset="-127"/>
-                <a:ea typeface="1훈새마을운동 R" panose="02020603020101020101" pitchFamily="18" charset="-127"/>
-              </a:rPr>
-              <a:t>*CRUD [ </a:t>
-            </a:r>
-            <a:r>
-              <a:rPr lang="ko-KR" altLang="en-US" smtClean="0">
-                <a:solidFill>
-                  <a:schemeClr val="tx1"/>
-                </a:solidFill>
-                <a:latin typeface="1훈새마을운동 R" panose="02020603020101020101" pitchFamily="18" charset="-127"/>
-                <a:ea typeface="1훈새마을운동 R" panose="02020603020101020101" pitchFamily="18" charset="-127"/>
-              </a:rPr>
-              <a:t>생성 </a:t>
-            </a:r>
-            <a:r>
-              <a:rPr lang="en-US" altLang="ko-KR" smtClean="0">
-                <a:solidFill>
-                  <a:schemeClr val="tx1"/>
-                </a:solidFill>
-                <a:latin typeface="1훈새마을운동 R" panose="02020603020101020101" pitchFamily="18" charset="-127"/>
-                <a:ea typeface="1훈새마을운동 R" panose="02020603020101020101" pitchFamily="18" charset="-127"/>
-              </a:rPr>
-              <a:t>, </a:t>
-            </a:r>
-            <a:r>
-              <a:rPr lang="ko-KR" altLang="en-US" smtClean="0">
-                <a:solidFill>
-                  <a:schemeClr val="tx1"/>
-                </a:solidFill>
-                <a:latin typeface="1훈새마을운동 R" panose="02020603020101020101" pitchFamily="18" charset="-127"/>
-                <a:ea typeface="1훈새마을운동 R" panose="02020603020101020101" pitchFamily="18" charset="-127"/>
-              </a:rPr>
-              <a:t>읽기 </a:t>
-            </a:r>
-            <a:r>
-              <a:rPr lang="en-US" altLang="ko-KR" smtClean="0">
-                <a:solidFill>
-                  <a:schemeClr val="tx1"/>
-                </a:solidFill>
-                <a:latin typeface="1훈새마을운동 R" panose="02020603020101020101" pitchFamily="18" charset="-127"/>
-                <a:ea typeface="1훈새마을운동 R" panose="02020603020101020101" pitchFamily="18" charset="-127"/>
-              </a:rPr>
-              <a:t>, </a:t>
-            </a:r>
-            <a:r>
-              <a:rPr lang="ko-KR" altLang="en-US" smtClean="0">
-                <a:solidFill>
-                  <a:schemeClr val="tx1"/>
-                </a:solidFill>
-                <a:latin typeface="1훈새마을운동 R" panose="02020603020101020101" pitchFamily="18" charset="-127"/>
-                <a:ea typeface="1훈새마을운동 R" panose="02020603020101020101" pitchFamily="18" charset="-127"/>
-              </a:rPr>
-              <a:t>수정 </a:t>
-            </a:r>
-            <a:r>
-              <a:rPr lang="en-US" altLang="ko-KR" smtClean="0">
-                <a:solidFill>
-                  <a:schemeClr val="tx1"/>
-                </a:solidFill>
-                <a:latin typeface="1훈새마을운동 R" panose="02020603020101020101" pitchFamily="18" charset="-127"/>
-                <a:ea typeface="1훈새마을운동 R" panose="02020603020101020101" pitchFamily="18" charset="-127"/>
-              </a:rPr>
-              <a:t>, </a:t>
-            </a:r>
-            <a:r>
-              <a:rPr lang="ko-KR" altLang="en-US" smtClean="0">
-                <a:solidFill>
-                  <a:schemeClr val="tx1"/>
-                </a:solidFill>
-                <a:latin typeface="1훈새마을운동 R" panose="02020603020101020101" pitchFamily="18" charset="-127"/>
-                <a:ea typeface="1훈새마을운동 R" panose="02020603020101020101" pitchFamily="18" charset="-127"/>
-              </a:rPr>
-              <a:t>삭제 </a:t>
-            </a:r>
-            <a:r>
-              <a:rPr lang="en-US" altLang="ko-KR" smtClean="0">
-                <a:solidFill>
-                  <a:schemeClr val="tx1"/>
-                </a:solidFill>
-                <a:latin typeface="1훈새마을운동 R" panose="02020603020101020101" pitchFamily="18" charset="-127"/>
-                <a:ea typeface="1훈새마을운동 R" panose="02020603020101020101" pitchFamily="18" charset="-127"/>
-              </a:rPr>
-              <a:t>]</a:t>
-            </a:r>
-          </a:p>
-          <a:p>
-            <a:endParaRPr lang="en-US" altLang="ko-KR">
-              <a:solidFill>
-                <a:schemeClr val="tx1"/>
-              </a:solidFill>
-              <a:latin typeface="1훈새마을운동 R" panose="02020603020101020101" pitchFamily="18" charset="-127"/>
-              <a:ea typeface="1훈새마을운동 R" panose="02020603020101020101" pitchFamily="18" charset="-127"/>
-            </a:endParaRPr>
-          </a:p>
-          <a:p>
-            <a:r>
-              <a:rPr lang="en-US" altLang="ko-KR" smtClean="0">
-                <a:solidFill>
-                  <a:schemeClr val="tx1"/>
-                </a:solidFill>
-                <a:latin typeface="1훈새마을운동 R" panose="02020603020101020101" pitchFamily="18" charset="-127"/>
-                <a:ea typeface="1훈새마을운동 R" panose="02020603020101020101" pitchFamily="18" charset="-127"/>
-              </a:rPr>
-              <a:t>*MVC [ Model , View , Controller ] </a:t>
-            </a:r>
-          </a:p>
-          <a:p>
-            <a:r>
-              <a:rPr lang="en-US" altLang="ko-KR" smtClean="0">
-                <a:solidFill>
-                  <a:schemeClr val="tx1"/>
-                </a:solidFill>
-                <a:latin typeface="1훈새마을운동 R" panose="02020603020101020101" pitchFamily="18" charset="-127"/>
-                <a:ea typeface="1훈새마을운동 R" panose="02020603020101020101" pitchFamily="18" charset="-127"/>
-              </a:rPr>
-              <a:t>	1. Model : </a:t>
-            </a:r>
-            <a:r>
-              <a:rPr lang="ko-KR" altLang="en-US" smtClean="0">
-                <a:solidFill>
-                  <a:schemeClr val="tx1"/>
-                </a:solidFill>
-                <a:latin typeface="1훈새마을운동 R" panose="02020603020101020101" pitchFamily="18" charset="-127"/>
-                <a:ea typeface="1훈새마을운동 R" panose="02020603020101020101" pitchFamily="18" charset="-127"/>
-              </a:rPr>
-              <a:t>데이터</a:t>
-            </a:r>
-            <a:endParaRPr lang="en-US" altLang="ko-KR" smtClean="0">
-              <a:solidFill>
-                <a:schemeClr val="tx1"/>
-              </a:solidFill>
-              <a:latin typeface="1훈새마을운동 R" panose="02020603020101020101" pitchFamily="18" charset="-127"/>
-              <a:ea typeface="1훈새마을운동 R" panose="02020603020101020101" pitchFamily="18" charset="-127"/>
-            </a:endParaRPr>
-          </a:p>
-          <a:p>
-            <a:r>
-              <a:rPr lang="en-US" altLang="ko-KR">
-                <a:solidFill>
-                  <a:schemeClr val="tx1"/>
-                </a:solidFill>
-                <a:latin typeface="1훈새마을운동 R" panose="02020603020101020101" pitchFamily="18" charset="-127"/>
-                <a:ea typeface="1훈새마을운동 R" panose="02020603020101020101" pitchFamily="18" charset="-127"/>
-              </a:rPr>
-              <a:t>	</a:t>
-            </a:r>
-            <a:r>
-              <a:rPr lang="en-US" altLang="ko-KR" smtClean="0">
-                <a:solidFill>
-                  <a:schemeClr val="tx1"/>
-                </a:solidFill>
-                <a:latin typeface="1훈새마을운동 R" panose="02020603020101020101" pitchFamily="18" charset="-127"/>
-                <a:ea typeface="1훈새마을운동 R" panose="02020603020101020101" pitchFamily="18" charset="-127"/>
-              </a:rPr>
-              <a:t>2. View : </a:t>
-            </a:r>
-            <a:r>
-              <a:rPr lang="ko-KR" altLang="en-US" smtClean="0">
-                <a:solidFill>
-                  <a:schemeClr val="tx1"/>
-                </a:solidFill>
-                <a:latin typeface="1훈새마을운동 R" panose="02020603020101020101" pitchFamily="18" charset="-127"/>
-                <a:ea typeface="1훈새마을운동 R" panose="02020603020101020101" pitchFamily="18" charset="-127"/>
-              </a:rPr>
-              <a:t>프론트엔드 </a:t>
-            </a:r>
-            <a:r>
-              <a:rPr lang="en-US" altLang="ko-KR" smtClean="0">
-                <a:solidFill>
-                  <a:schemeClr val="tx1"/>
-                </a:solidFill>
-                <a:latin typeface="1훈새마을운동 R" panose="02020603020101020101" pitchFamily="18" charset="-127"/>
-                <a:ea typeface="1훈새마을운동 R" panose="02020603020101020101" pitchFamily="18" charset="-127"/>
-              </a:rPr>
-              <a:t>[ </a:t>
-            </a:r>
-            <a:r>
-              <a:rPr lang="ko-KR" altLang="en-US" smtClean="0">
-                <a:solidFill>
-                  <a:schemeClr val="tx1"/>
-                </a:solidFill>
-                <a:latin typeface="1훈새마을운동 R" panose="02020603020101020101" pitchFamily="18" charset="-127"/>
-                <a:ea typeface="1훈새마을운동 R" panose="02020603020101020101" pitchFamily="18" charset="-127"/>
-              </a:rPr>
-              <a:t>씬빌더</a:t>
-            </a:r>
-            <a:r>
-              <a:rPr lang="en-US" altLang="ko-KR">
-                <a:solidFill>
-                  <a:schemeClr val="tx1"/>
-                </a:solidFill>
-                <a:latin typeface="1훈새마을운동 R" panose="02020603020101020101" pitchFamily="18" charset="-127"/>
-                <a:ea typeface="1훈새마을운동 R" panose="02020603020101020101" pitchFamily="18" charset="-127"/>
-              </a:rPr>
-              <a:t> </a:t>
-            </a:r>
-            <a:r>
-              <a:rPr lang="en-US" altLang="ko-KR" smtClean="0">
-                <a:solidFill>
-                  <a:schemeClr val="tx1"/>
-                </a:solidFill>
-                <a:latin typeface="1훈새마을운동 R" panose="02020603020101020101" pitchFamily="18" charset="-127"/>
-                <a:ea typeface="1훈새마을운동 R" panose="02020603020101020101" pitchFamily="18" charset="-127"/>
-              </a:rPr>
-              <a:t>(fxml) , html ]</a:t>
-            </a:r>
-          </a:p>
-          <a:p>
-            <a:r>
-              <a:rPr lang="en-US" altLang="ko-KR">
-                <a:solidFill>
-                  <a:schemeClr val="tx1"/>
-                </a:solidFill>
-                <a:latin typeface="1훈새마을운동 R" panose="02020603020101020101" pitchFamily="18" charset="-127"/>
-                <a:ea typeface="1훈새마을운동 R" panose="02020603020101020101" pitchFamily="18" charset="-127"/>
-              </a:rPr>
-              <a:t>	</a:t>
-            </a:r>
-            <a:r>
-              <a:rPr lang="en-US" altLang="ko-KR" smtClean="0">
-                <a:solidFill>
-                  <a:schemeClr val="tx1"/>
-                </a:solidFill>
-                <a:latin typeface="1훈새마을운동 R" panose="02020603020101020101" pitchFamily="18" charset="-127"/>
-                <a:ea typeface="1훈새마을운동 R" panose="02020603020101020101" pitchFamily="18" charset="-127"/>
-              </a:rPr>
-              <a:t>3. Controller : java</a:t>
-            </a:r>
-            <a:r>
-              <a:rPr lang="ko-KR" altLang="en-US" smtClean="0">
-                <a:solidFill>
-                  <a:schemeClr val="tx1"/>
-                </a:solidFill>
-                <a:latin typeface="1훈새마을운동 R" panose="02020603020101020101" pitchFamily="18" charset="-127"/>
-                <a:ea typeface="1훈새마을운동 R" panose="02020603020101020101" pitchFamily="18" charset="-127"/>
-              </a:rPr>
-              <a:t>파일</a:t>
-            </a:r>
-            <a:r>
-              <a:rPr lang="en-US" altLang="ko-KR" smtClean="0">
-                <a:solidFill>
-                  <a:schemeClr val="tx1"/>
-                </a:solidFill>
-                <a:latin typeface="1훈새마을운동 R" panose="02020603020101020101" pitchFamily="18" charset="-127"/>
-                <a:ea typeface="1훈새마을운동 R" panose="02020603020101020101" pitchFamily="18" charset="-127"/>
-              </a:rPr>
-              <a:t>[</a:t>
-            </a:r>
-            <a:r>
-              <a:rPr lang="ko-KR" altLang="en-US" smtClean="0">
-                <a:solidFill>
-                  <a:schemeClr val="tx1"/>
-                </a:solidFill>
-                <a:latin typeface="1훈새마을운동 R" panose="02020603020101020101" pitchFamily="18" charset="-127"/>
-                <a:ea typeface="1훈새마을운동 R" panose="02020603020101020101" pitchFamily="18" charset="-127"/>
-              </a:rPr>
-              <a:t>클래스</a:t>
-            </a:r>
-            <a:r>
-              <a:rPr lang="en-US" altLang="ko-KR" smtClean="0">
-                <a:solidFill>
-                  <a:schemeClr val="tx1"/>
-                </a:solidFill>
-                <a:latin typeface="1훈새마을운동 R" panose="02020603020101020101" pitchFamily="18" charset="-127"/>
-                <a:ea typeface="1훈새마을운동 R" panose="02020603020101020101" pitchFamily="18" charset="-127"/>
-              </a:rPr>
-              <a:t>]</a:t>
-            </a:r>
-            <a:endParaRPr lang="en-US" altLang="ko-KR">
-              <a:solidFill>
-                <a:schemeClr val="tx1"/>
-              </a:solidFill>
-              <a:latin typeface="1훈새마을운동 R" panose="02020603020101020101" pitchFamily="18" charset="-127"/>
-              <a:ea typeface="1훈새마을운동 R" panose="02020603020101020101" pitchFamily="18" charset="-127"/>
-            </a:endParaRPr>
-          </a:p>
-          <a:p>
-            <a:r>
-              <a:rPr lang="en-US" altLang="ko-KR" smtClean="0">
-                <a:solidFill>
-                  <a:schemeClr val="tx1"/>
-                </a:solidFill>
-                <a:latin typeface="1훈새마을운동 R" panose="02020603020101020101" pitchFamily="18" charset="-127"/>
-                <a:ea typeface="1훈새마을운동 R" panose="02020603020101020101" pitchFamily="18" charset="-127"/>
-              </a:rPr>
-              <a:t>	</a:t>
-            </a:r>
-            <a:r>
-              <a:rPr lang="ko-KR" altLang="en-US" smtClean="0">
-                <a:solidFill>
-                  <a:schemeClr val="tx1"/>
-                </a:solidFill>
-                <a:latin typeface="1훈새마을운동 R" panose="02020603020101020101" pitchFamily="18" charset="-127"/>
-                <a:ea typeface="1훈새마을운동 R" panose="02020603020101020101" pitchFamily="18" charset="-127"/>
-              </a:rPr>
-              <a:t>삽입 </a:t>
-            </a:r>
-            <a:r>
-              <a:rPr lang="en-US" altLang="ko-KR" smtClean="0">
-                <a:solidFill>
-                  <a:schemeClr val="tx1"/>
-                </a:solidFill>
-                <a:latin typeface="1훈새마을운동 R" panose="02020603020101020101" pitchFamily="18" charset="-127"/>
-                <a:ea typeface="1훈새마을운동 R" panose="02020603020101020101" pitchFamily="18" charset="-127"/>
-              </a:rPr>
-              <a:t>: View --dto--&gt; Controller  --dto--&gt;  Model  --dao-&gt; DB</a:t>
-            </a:r>
-          </a:p>
-          <a:p>
-            <a:r>
-              <a:rPr lang="en-US" altLang="ko-KR" smtClean="0">
-                <a:solidFill>
-                  <a:schemeClr val="tx1"/>
-                </a:solidFill>
-                <a:latin typeface="1훈새마을운동 R" panose="02020603020101020101" pitchFamily="18" charset="-127"/>
-                <a:ea typeface="1훈새마을운동 R" panose="02020603020101020101" pitchFamily="18" charset="-127"/>
-              </a:rPr>
-              <a:t>	</a:t>
-            </a:r>
-            <a:r>
-              <a:rPr lang="ko-KR" altLang="en-US" smtClean="0">
-                <a:solidFill>
-                  <a:schemeClr val="tx1"/>
-                </a:solidFill>
-                <a:latin typeface="1훈새마을운동 R" panose="02020603020101020101" pitchFamily="18" charset="-127"/>
-                <a:ea typeface="1훈새마을운동 R" panose="02020603020101020101" pitchFamily="18" charset="-127"/>
-              </a:rPr>
-              <a:t>조회 </a:t>
-            </a:r>
-            <a:r>
-              <a:rPr lang="en-US" altLang="ko-KR" smtClean="0">
-                <a:solidFill>
-                  <a:schemeClr val="tx1"/>
-                </a:solidFill>
-                <a:latin typeface="1훈새마을운동 R" panose="02020603020101020101" pitchFamily="18" charset="-127"/>
-                <a:ea typeface="1훈새마을운동 R" panose="02020603020101020101" pitchFamily="18" charset="-127"/>
-              </a:rPr>
-              <a:t>: </a:t>
-            </a:r>
-            <a:r>
-              <a:rPr lang="en-US" altLang="ko-KR">
-                <a:solidFill>
-                  <a:schemeClr val="tx1"/>
-                </a:solidFill>
-                <a:latin typeface="1훈새마을운동 R" panose="02020603020101020101" pitchFamily="18" charset="-127"/>
-                <a:ea typeface="1훈새마을운동 R" panose="02020603020101020101" pitchFamily="18" charset="-127"/>
-              </a:rPr>
-              <a:t>View </a:t>
-            </a:r>
-            <a:r>
-              <a:rPr lang="en-US" altLang="ko-KR" smtClean="0">
-                <a:solidFill>
-                  <a:schemeClr val="tx1"/>
-                </a:solidFill>
-                <a:latin typeface="1훈새마을운동 R" panose="02020603020101020101" pitchFamily="18" charset="-127"/>
-                <a:ea typeface="1훈새마을운동 R" panose="02020603020101020101" pitchFamily="18" charset="-127"/>
-              </a:rPr>
-              <a:t>&lt;--dto-- </a:t>
-            </a:r>
-            <a:r>
-              <a:rPr lang="en-US" altLang="ko-KR">
-                <a:solidFill>
-                  <a:schemeClr val="tx1"/>
-                </a:solidFill>
-                <a:latin typeface="1훈새마을운동 R" panose="02020603020101020101" pitchFamily="18" charset="-127"/>
-                <a:ea typeface="1훈새마을운동 R" panose="02020603020101020101" pitchFamily="18" charset="-127"/>
-              </a:rPr>
-              <a:t>Controller  </a:t>
-            </a:r>
-            <a:r>
-              <a:rPr lang="en-US" altLang="ko-KR" smtClean="0">
-                <a:solidFill>
-                  <a:schemeClr val="tx1"/>
-                </a:solidFill>
-                <a:latin typeface="1훈새마을운동 R" panose="02020603020101020101" pitchFamily="18" charset="-127"/>
-                <a:ea typeface="1훈새마을운동 R" panose="02020603020101020101" pitchFamily="18" charset="-127"/>
-              </a:rPr>
-              <a:t>&lt;--dto-- Model  &lt;--dao-- DB</a:t>
-            </a:r>
-          </a:p>
-          <a:p>
-            <a:endParaRPr lang="en-US" altLang="ko-KR" smtClean="0">
-              <a:solidFill>
-                <a:schemeClr val="tx1"/>
-              </a:solidFill>
-              <a:latin typeface="1훈새마을운동 R" panose="02020603020101020101" pitchFamily="18" charset="-127"/>
-              <a:ea typeface="1훈새마을운동 R" panose="02020603020101020101" pitchFamily="18" charset="-127"/>
-            </a:endParaRPr>
-          </a:p>
-          <a:p>
-            <a:r>
-              <a:rPr lang="en-US" altLang="ko-KR" smtClean="0">
-                <a:solidFill>
-                  <a:schemeClr val="tx1"/>
-                </a:solidFill>
-                <a:latin typeface="1훈새마을운동 R" panose="02020603020101020101" pitchFamily="18" charset="-127"/>
-                <a:ea typeface="1훈새마을운동 R" panose="02020603020101020101" pitchFamily="18" charset="-127"/>
-              </a:rPr>
-              <a:t>*DTO : </a:t>
-            </a:r>
-            <a:r>
-              <a:rPr lang="ko-KR" altLang="en-US" smtClean="0">
-                <a:solidFill>
-                  <a:schemeClr val="tx1"/>
-                </a:solidFill>
-                <a:latin typeface="1훈새마을운동 R" panose="02020603020101020101" pitchFamily="18" charset="-127"/>
-                <a:ea typeface="1훈새마을운동 R" panose="02020603020101020101" pitchFamily="18" charset="-127"/>
-              </a:rPr>
-              <a:t>데이터 이동 객체 </a:t>
-            </a:r>
-            <a:r>
-              <a:rPr lang="en-US" altLang="ko-KR" smtClean="0">
-                <a:solidFill>
-                  <a:schemeClr val="tx1"/>
-                </a:solidFill>
-                <a:latin typeface="1훈새마을운동 R" panose="02020603020101020101" pitchFamily="18" charset="-127"/>
-                <a:ea typeface="1훈새마을운동 R" panose="02020603020101020101" pitchFamily="18" charset="-127"/>
-              </a:rPr>
-              <a:t>[</a:t>
-            </a:r>
-            <a:r>
-              <a:rPr lang="en-US" altLang="ko-KR">
-                <a:latin typeface="1훈새마을운동 R" panose="02020603020101020101" pitchFamily="18" charset="-127"/>
-                <a:ea typeface="1훈새마을운동 R" panose="02020603020101020101" pitchFamily="18" charset="-127"/>
-              </a:rPr>
-              <a:t>Data Transfer </a:t>
-            </a:r>
-            <a:r>
-              <a:rPr lang="en-US" altLang="ko-KR" smtClean="0">
-                <a:latin typeface="1훈새마을운동 R" panose="02020603020101020101" pitchFamily="18" charset="-127"/>
-                <a:ea typeface="1훈새마을운동 R" panose="02020603020101020101" pitchFamily="18" charset="-127"/>
-              </a:rPr>
-              <a:t>Object ] </a:t>
-            </a:r>
-          </a:p>
-          <a:p>
-            <a:endParaRPr lang="en-US" altLang="ko-KR">
-              <a:solidFill>
-                <a:schemeClr val="tx1"/>
-              </a:solidFill>
-              <a:latin typeface="1훈새마을운동 R" panose="02020603020101020101" pitchFamily="18" charset="-127"/>
-              <a:ea typeface="1훈새마을운동 R" panose="02020603020101020101" pitchFamily="18" charset="-127"/>
-            </a:endParaRPr>
-          </a:p>
-          <a:p>
-            <a:r>
-              <a:rPr lang="en-US" altLang="ko-KR" smtClean="0">
-                <a:solidFill>
-                  <a:schemeClr val="tx1"/>
-                </a:solidFill>
-                <a:latin typeface="1훈새마을운동 R" panose="02020603020101020101" pitchFamily="18" charset="-127"/>
-                <a:ea typeface="1훈새마을운동 R" panose="02020603020101020101" pitchFamily="18" charset="-127"/>
-              </a:rPr>
-              <a:t>*DAO : </a:t>
-            </a:r>
-            <a:r>
-              <a:rPr lang="ko-KR" altLang="en-US" smtClean="0">
-                <a:solidFill>
-                  <a:schemeClr val="tx1"/>
-                </a:solidFill>
-                <a:latin typeface="1훈새마을운동 R" panose="02020603020101020101" pitchFamily="18" charset="-127"/>
-                <a:ea typeface="1훈새마을운동 R" panose="02020603020101020101" pitchFamily="18" charset="-127"/>
-              </a:rPr>
-              <a:t>데이터베이스 기능 조작 객체 </a:t>
-            </a:r>
-            <a:r>
-              <a:rPr lang="en-US" altLang="ko-KR" smtClean="0">
-                <a:solidFill>
-                  <a:schemeClr val="tx1"/>
-                </a:solidFill>
-                <a:latin typeface="1훈새마을운동 R" panose="02020603020101020101" pitchFamily="18" charset="-127"/>
-                <a:ea typeface="1훈새마을운동 R" panose="02020603020101020101" pitchFamily="18" charset="-127"/>
-              </a:rPr>
-              <a:t>[</a:t>
-            </a:r>
-            <a:r>
-              <a:rPr lang="en-US" altLang="ko-KR">
-                <a:latin typeface="1훈새마을운동 R" panose="02020603020101020101" pitchFamily="18" charset="-127"/>
-                <a:ea typeface="1훈새마을운동 R" panose="02020603020101020101" pitchFamily="18" charset="-127"/>
-              </a:rPr>
-              <a:t>Data Access </a:t>
-            </a:r>
-            <a:r>
-              <a:rPr lang="en-US" altLang="ko-KR" smtClean="0">
-                <a:latin typeface="1훈새마을운동 R" panose="02020603020101020101" pitchFamily="18" charset="-127"/>
-                <a:ea typeface="1훈새마을운동 R" panose="02020603020101020101" pitchFamily="18" charset="-127"/>
-              </a:rPr>
-              <a:t>Object ] </a:t>
-            </a:r>
-            <a:endParaRPr lang="en-US" altLang="ko-KR" smtClean="0">
-              <a:solidFill>
-                <a:schemeClr val="tx1"/>
-              </a:solidFill>
-              <a:latin typeface="1훈새마을운동 R" panose="02020603020101020101" pitchFamily="18" charset="-127"/>
-              <a:ea typeface="1훈새마을운동 R" panose="02020603020101020101" pitchFamily="18" charset="-127"/>
-            </a:endParaRPr>
-          </a:p>
-          <a:p>
-            <a:endParaRPr lang="en-US" altLang="ko-KR">
-              <a:solidFill>
-                <a:schemeClr val="tx1"/>
-              </a:solidFill>
-              <a:latin typeface="1훈새마을운동 R" panose="02020603020101020101" pitchFamily="18" charset="-127"/>
-              <a:ea typeface="1훈새마을운동 R" panose="02020603020101020101" pitchFamily="18" charset="-127"/>
-            </a:endParaRPr>
-          </a:p>
-          <a:p>
-            <a:endParaRPr lang="en-US" altLang="ko-KR">
-              <a:solidFill>
-                <a:schemeClr val="tx1"/>
-              </a:solidFill>
-              <a:latin typeface="1훈새마을운동 R" panose="02020603020101020101" pitchFamily="18" charset="-127"/>
-              <a:ea typeface="1훈새마을운동 R" panose="02020603020101020101" pitchFamily="18" charset="-127"/>
-            </a:endParaRPr>
-          </a:p>
-          <a:p>
-            <a:endParaRPr lang="en-US" altLang="ko-KR">
-              <a:solidFill>
-                <a:schemeClr val="tx1"/>
-              </a:solidFill>
-              <a:latin typeface="1훈새마을운동 R" panose="02020603020101020101" pitchFamily="18" charset="-127"/>
-              <a:ea typeface="1훈새마을운동 R" panose="02020603020101020101" pitchFamily="18" charset="-127"/>
-            </a:endParaRPr>
+            <a:pPr algn="ctr"/>
+            <a:r>
+              <a:rPr lang="en-US" altLang="ko-KR" sz="10000" smtClean="0">
+                <a:solidFill>
+                  <a:schemeClr val="tx1"/>
+                </a:solidFill>
+                <a:latin typeface="1훈새마을운동 R" panose="02020603020101020101" pitchFamily="18" charset="-127"/>
+                <a:ea typeface="1훈새마을운동 R" panose="02020603020101020101" pitchFamily="18" charset="-127"/>
+              </a:rPr>
+              <a:t>DataBase</a:t>
+            </a:r>
           </a:p>
         </p:txBody>
       </p:sp>
     </p:spTree>
     <p:extLst>
       <p:ext uri="{BB962C8B-B14F-4D97-AF65-F5344CB8AC3E}">
-        <p14:creationId xmlns:p14="http://schemas.microsoft.com/office/powerpoint/2010/main" val="681057412"/>
+        <p14:creationId xmlns:p14="http://schemas.microsoft.com/office/powerpoint/2010/main" val="3486996563"/>
       </p:ext>
     </p:extLst>
   </p:cSld>
   <p:clrMapOvr>
     <a:masterClrMapping/>
   </p:clrMapOvr>
+  <p:timing>
+    <p:tnLst>
+      <p:par>
+        <p:cTn id="1" dur="indefinite" restart="never" nodeType="tmRoot"/>
+      </p:par>
+    </p:tnLst>
+  </p:timing>
 </p:sld>
 </file>
 
@@ -33664,7 +33763,314 @@
                 <a:latin typeface="1훈새마을운동 R" panose="02020603020101020101" pitchFamily="18" charset="-127"/>
                 <a:ea typeface="1훈새마을운동 R" panose="02020603020101020101" pitchFamily="18" charset="-127"/>
               </a:rPr>
-              <a:t>주요 인터페이스</a:t>
+              <a:t>설치 </a:t>
+            </a:r>
+            <a:r>
+              <a:rPr lang="en-US" altLang="ko-KR">
+                <a:solidFill>
+                  <a:schemeClr val="tx1"/>
+                </a:solidFill>
+                <a:latin typeface="1훈새마을운동 R" panose="02020603020101020101" pitchFamily="18" charset="-127"/>
+                <a:ea typeface="1훈새마을운동 R" panose="02020603020101020101" pitchFamily="18" charset="-127"/>
+              </a:rPr>
+              <a:t>: https://dev.mysql.com/downloads/</a:t>
+            </a:r>
+          </a:p>
+          <a:p>
+            <a:r>
+              <a:rPr lang="en-US" altLang="ko-KR">
+                <a:solidFill>
+                  <a:schemeClr val="tx1"/>
+                </a:solidFill>
+                <a:latin typeface="1훈새마을운동 R" panose="02020603020101020101" pitchFamily="18" charset="-127"/>
+                <a:ea typeface="1훈새마을운동 R" panose="02020603020101020101" pitchFamily="18" charset="-127"/>
+              </a:rPr>
+              <a:t>	1. MySQL Installer for Windows [ MYSQL </a:t>
+            </a:r>
+            <a:r>
+              <a:rPr lang="ko-KR" altLang="en-US">
+                <a:solidFill>
+                  <a:schemeClr val="tx1"/>
+                </a:solidFill>
+                <a:latin typeface="1훈새마을운동 R" panose="02020603020101020101" pitchFamily="18" charset="-127"/>
+                <a:ea typeface="1훈새마을운동 R" panose="02020603020101020101" pitchFamily="18" charset="-127"/>
+              </a:rPr>
+              <a:t>서버와 관련 소프트웨어 제공 </a:t>
+            </a:r>
+            <a:r>
+              <a:rPr lang="en-US" altLang="ko-KR">
+                <a:solidFill>
+                  <a:schemeClr val="tx1"/>
+                </a:solidFill>
+                <a:latin typeface="1훈새마을운동 R" panose="02020603020101020101" pitchFamily="18" charset="-127"/>
+                <a:ea typeface="1훈새마을운동 R" panose="02020603020101020101" pitchFamily="18" charset="-127"/>
+              </a:rPr>
+              <a:t>]</a:t>
+            </a:r>
+          </a:p>
+          <a:p>
+            <a:r>
+              <a:rPr lang="en-US" altLang="ko-KR">
+                <a:solidFill>
+                  <a:schemeClr val="tx1"/>
+                </a:solidFill>
+                <a:latin typeface="1훈새마을운동 R" panose="02020603020101020101" pitchFamily="18" charset="-127"/>
+                <a:ea typeface="1훈새마을운동 R" panose="02020603020101020101" pitchFamily="18" charset="-127"/>
+              </a:rPr>
+              <a:t>		1. Windows (x86, 32-bit), MSI Installer     			470.0M</a:t>
+            </a:r>
+          </a:p>
+          <a:p>
+            <a:r>
+              <a:rPr lang="en-US" altLang="ko-KR">
+                <a:solidFill>
+                  <a:schemeClr val="tx1"/>
+                </a:solidFill>
+                <a:latin typeface="1훈새마을운동 R" panose="02020603020101020101" pitchFamily="18" charset="-127"/>
+                <a:ea typeface="1훈새마을운동 R" panose="02020603020101020101" pitchFamily="18" charset="-127"/>
+              </a:rPr>
+              <a:t>			1. MySQL Server 8.0.27 x64	[ MYSQL </a:t>
+            </a:r>
+            <a:r>
+              <a:rPr lang="ko-KR" altLang="en-US">
+                <a:solidFill>
+                  <a:schemeClr val="tx1"/>
+                </a:solidFill>
+                <a:latin typeface="1훈새마을운동 R" panose="02020603020101020101" pitchFamily="18" charset="-127"/>
+                <a:ea typeface="1훈새마을운동 R" panose="02020603020101020101" pitchFamily="18" charset="-127"/>
+              </a:rPr>
+              <a:t>서버 </a:t>
+            </a:r>
+            <a:r>
+              <a:rPr lang="en-US" altLang="ko-KR">
+                <a:solidFill>
+                  <a:schemeClr val="tx1"/>
+                </a:solidFill>
+                <a:latin typeface="1훈새마을운동 R" panose="02020603020101020101" pitchFamily="18" charset="-127"/>
+                <a:ea typeface="1훈새마을운동 R" panose="02020603020101020101" pitchFamily="18" charset="-127"/>
+              </a:rPr>
+              <a:t>] </a:t>
+            </a:r>
+          </a:p>
+          <a:p>
+            <a:r>
+              <a:rPr lang="en-US" altLang="ko-KR">
+                <a:solidFill>
+                  <a:schemeClr val="tx1"/>
+                </a:solidFill>
+                <a:latin typeface="1훈새마을운동 R" panose="02020603020101020101" pitchFamily="18" charset="-127"/>
+                <a:ea typeface="1훈새마을운동 R" panose="02020603020101020101" pitchFamily="18" charset="-127"/>
+              </a:rPr>
+              <a:t>				</a:t>
+            </a:r>
+            <a:r>
+              <a:rPr lang="en-US" altLang="ko-KR" b="1">
+                <a:solidFill>
+                  <a:srgbClr val="FF0000"/>
+                </a:solidFill>
+                <a:latin typeface="1훈새마을운동 R" panose="02020603020101020101" pitchFamily="18" charset="-127"/>
+                <a:ea typeface="1훈새마을운동 R" panose="02020603020101020101" pitchFamily="18" charset="-127"/>
+              </a:rPr>
+              <a:t>port , password </a:t>
+            </a:r>
+            <a:r>
+              <a:rPr lang="ko-KR" altLang="en-US" b="1">
+                <a:solidFill>
+                  <a:srgbClr val="FF0000"/>
+                </a:solidFill>
+                <a:latin typeface="1훈새마을운동 R" panose="02020603020101020101" pitchFamily="18" charset="-127"/>
+                <a:ea typeface="1훈새마을운동 R" panose="02020603020101020101" pitchFamily="18" charset="-127"/>
+              </a:rPr>
+              <a:t>기억 </a:t>
+            </a:r>
+          </a:p>
+          <a:p>
+            <a:r>
+              <a:rPr lang="ko-KR" altLang="en-US">
+                <a:solidFill>
+                  <a:schemeClr val="tx1"/>
+                </a:solidFill>
+                <a:latin typeface="1훈새마을운동 R" panose="02020603020101020101" pitchFamily="18" charset="-127"/>
+                <a:ea typeface="1훈새마을운동 R" panose="02020603020101020101" pitchFamily="18" charset="-127"/>
+              </a:rPr>
+              <a:t>			</a:t>
+            </a:r>
+            <a:r>
+              <a:rPr lang="en-US" altLang="ko-KR">
+                <a:solidFill>
+                  <a:schemeClr val="tx1"/>
+                </a:solidFill>
+                <a:latin typeface="1훈새마을운동 R" panose="02020603020101020101" pitchFamily="18" charset="-127"/>
+                <a:ea typeface="1훈새마을운동 R" panose="02020603020101020101" pitchFamily="18" charset="-127"/>
+              </a:rPr>
+              <a:t>2. MySQL Workbench 8.0.27	[ MYSQL </a:t>
+            </a:r>
+            <a:r>
+              <a:rPr lang="ko-KR" altLang="en-US">
+                <a:solidFill>
+                  <a:schemeClr val="tx1"/>
+                </a:solidFill>
+                <a:latin typeface="1훈새마을운동 R" panose="02020603020101020101" pitchFamily="18" charset="-127"/>
+                <a:ea typeface="1훈새마을운동 R" panose="02020603020101020101" pitchFamily="18" charset="-127"/>
+              </a:rPr>
+              <a:t>관리 소프트웨어 </a:t>
+            </a:r>
+            <a:r>
+              <a:rPr lang="en-US" altLang="ko-KR">
+                <a:solidFill>
+                  <a:schemeClr val="tx1"/>
+                </a:solidFill>
+                <a:latin typeface="1훈새마을운동 R" panose="02020603020101020101" pitchFamily="18" charset="-127"/>
+                <a:ea typeface="1훈새마을운동 R" panose="02020603020101020101" pitchFamily="18" charset="-127"/>
+              </a:rPr>
+              <a:t>]</a:t>
+            </a:r>
+          </a:p>
+          <a:p>
+            <a:r>
+              <a:rPr lang="en-US" altLang="ko-KR">
+                <a:solidFill>
+                  <a:schemeClr val="tx1"/>
+                </a:solidFill>
+                <a:latin typeface="1훈새마을운동 R" panose="02020603020101020101" pitchFamily="18" charset="-127"/>
+                <a:ea typeface="1훈새마을운동 R" panose="02020603020101020101" pitchFamily="18" charset="-127"/>
+              </a:rPr>
+              <a:t>			3. Connector/J 8.0.27	[ MYSQL JAVA </a:t>
+            </a:r>
+            <a:r>
+              <a:rPr lang="ko-KR" altLang="en-US">
+                <a:solidFill>
+                  <a:schemeClr val="tx1"/>
+                </a:solidFill>
+                <a:latin typeface="1훈새마을운동 R" panose="02020603020101020101" pitchFamily="18" charset="-127"/>
+                <a:ea typeface="1훈새마을운동 R" panose="02020603020101020101" pitchFamily="18" charset="-127"/>
+              </a:rPr>
+              <a:t>연동 드라이브 </a:t>
+            </a:r>
+            <a:r>
+              <a:rPr lang="en-US" altLang="ko-KR">
+                <a:solidFill>
+                  <a:schemeClr val="tx1"/>
+                </a:solidFill>
+                <a:latin typeface="1훈새마을운동 R" panose="02020603020101020101" pitchFamily="18" charset="-127"/>
+                <a:ea typeface="1훈새마을운동 R" panose="02020603020101020101" pitchFamily="18" charset="-127"/>
+              </a:rPr>
+              <a:t>] </a:t>
+            </a:r>
+          </a:p>
+          <a:p>
+            <a:r>
+              <a:rPr lang="en-US" altLang="ko-KR">
+                <a:solidFill>
+                  <a:schemeClr val="tx1"/>
+                </a:solidFill>
+                <a:latin typeface="1훈새마을운동 R" panose="02020603020101020101" pitchFamily="18" charset="-127"/>
+                <a:ea typeface="1훈새마을운동 R" panose="02020603020101020101" pitchFamily="18" charset="-127"/>
+              </a:rPr>
+              <a:t>			</a:t>
+            </a:r>
+          </a:p>
+          <a:p>
+            <a:r>
+              <a:rPr lang="en-US" altLang="ko-KR">
+                <a:solidFill>
+                  <a:schemeClr val="tx1"/>
+                </a:solidFill>
+                <a:latin typeface="1훈새마을운동 R" panose="02020603020101020101" pitchFamily="18" charset="-127"/>
+                <a:ea typeface="1훈새마을운동 R" panose="02020603020101020101" pitchFamily="18" charset="-127"/>
+              </a:rPr>
+              <a:t>	2. Connector/J [ MYSQL </a:t>
+            </a:r>
+            <a:r>
+              <a:rPr lang="ko-KR" altLang="en-US">
+                <a:solidFill>
+                  <a:schemeClr val="tx1"/>
+                </a:solidFill>
+                <a:latin typeface="1훈새마을운동 R" panose="02020603020101020101" pitchFamily="18" charset="-127"/>
+                <a:ea typeface="1훈새마을운동 R" panose="02020603020101020101" pitchFamily="18" charset="-127"/>
+              </a:rPr>
+              <a:t>과 </a:t>
+            </a:r>
+            <a:r>
+              <a:rPr lang="en-US" altLang="ko-KR">
+                <a:solidFill>
+                  <a:schemeClr val="tx1"/>
+                </a:solidFill>
+                <a:latin typeface="1훈새마을운동 R" panose="02020603020101020101" pitchFamily="18" charset="-127"/>
+                <a:ea typeface="1훈새마을운동 R" panose="02020603020101020101" pitchFamily="18" charset="-127"/>
+              </a:rPr>
+              <a:t>JAVA </a:t>
+            </a:r>
+            <a:r>
+              <a:rPr lang="ko-KR" altLang="en-US">
+                <a:solidFill>
+                  <a:schemeClr val="tx1"/>
+                </a:solidFill>
+                <a:latin typeface="1훈새마을운동 R" panose="02020603020101020101" pitchFamily="18" charset="-127"/>
+                <a:ea typeface="1훈새마을운동 R" panose="02020603020101020101" pitchFamily="18" charset="-127"/>
+              </a:rPr>
+              <a:t>연결해주는 라이브러리 </a:t>
+            </a:r>
+            <a:r>
+              <a:rPr lang="en-US" altLang="ko-KR">
+                <a:solidFill>
+                  <a:schemeClr val="tx1"/>
+                </a:solidFill>
+                <a:latin typeface="1훈새마을운동 R" panose="02020603020101020101" pitchFamily="18" charset="-127"/>
+                <a:ea typeface="1훈새마을운동 R" panose="02020603020101020101" pitchFamily="18" charset="-127"/>
+              </a:rPr>
+              <a:t>]</a:t>
+            </a:r>
+          </a:p>
+          <a:p>
+            <a:r>
+              <a:rPr lang="en-US" altLang="ko-KR">
+                <a:solidFill>
+                  <a:schemeClr val="tx1"/>
+                </a:solidFill>
+                <a:latin typeface="1훈새마을운동 R" panose="02020603020101020101" pitchFamily="18" charset="-127"/>
+                <a:ea typeface="1훈새마을운동 R" panose="02020603020101020101" pitchFamily="18" charset="-127"/>
+              </a:rPr>
+              <a:t>		1. Platform Independent (Architecture Independent), ZIP Archive	4.8M</a:t>
+            </a:r>
+            <a:r>
+              <a:rPr lang="ko-KR" altLang="en-US" smtClean="0">
+                <a:solidFill>
+                  <a:schemeClr val="tx1"/>
+                </a:solidFill>
+                <a:latin typeface="1훈새마을운동 R" panose="02020603020101020101" pitchFamily="18" charset="-127"/>
+                <a:ea typeface="1훈새마을운동 R" panose="02020603020101020101" pitchFamily="18" charset="-127"/>
+              </a:rPr>
+              <a:t> </a:t>
+            </a:r>
+            <a:endParaRPr lang="en-US" altLang="ko-KR">
+              <a:solidFill>
+                <a:schemeClr val="tx1"/>
+              </a:solidFill>
+              <a:latin typeface="1훈새마을운동 R" panose="02020603020101020101" pitchFamily="18" charset="-127"/>
+              <a:ea typeface="1훈새마을운동 R" panose="02020603020101020101" pitchFamily="18" charset="-127"/>
+            </a:endParaRPr>
+          </a:p>
+          <a:p>
+            <a:r>
+              <a:rPr lang="en-US" altLang="ko-KR" smtClean="0">
+                <a:solidFill>
+                  <a:schemeClr val="tx1"/>
+                </a:solidFill>
+                <a:latin typeface="1훈새마을운동 R" panose="02020603020101020101" pitchFamily="18" charset="-127"/>
+                <a:ea typeface="1훈새마을운동 R" panose="02020603020101020101" pitchFamily="18" charset="-127"/>
+              </a:rPr>
+              <a:t>*DB - JAVA</a:t>
+            </a:r>
+            <a:r>
+              <a:rPr lang="ko-KR" altLang="en-US" smtClean="0">
+                <a:solidFill>
+                  <a:schemeClr val="tx1"/>
+                </a:solidFill>
+                <a:latin typeface="1훈새마을운동 R" panose="02020603020101020101" pitchFamily="18" charset="-127"/>
+                <a:ea typeface="1훈새마을운동 R" panose="02020603020101020101" pitchFamily="18" charset="-127"/>
+              </a:rPr>
+              <a:t>연동 </a:t>
             </a:r>
             <a:endParaRPr lang="en-US" altLang="ko-KR" smtClean="0">
               <a:solidFill>
@@ -33675,230 +34081,276 @@
             </a:endParaRPr>
           </a:p>
           <a:p>
-            <a:r>
-              <a:rPr lang="ko-KR" altLang="en-US" smtClean="0">
-                <a:solidFill>
-                  <a:schemeClr val="tx1"/>
-                </a:solidFill>
-                <a:latin typeface="1훈새마을운동 R" panose="02020603020101020101" pitchFamily="18" charset="-127"/>
-                <a:ea typeface="1훈새마을운동 R" panose="02020603020101020101" pitchFamily="18" charset="-127"/>
-              </a:rPr>
-              <a:t> </a:t>
-            </a:r>
-            <a:r>
-              <a:rPr lang="en-US" altLang="ko-KR" smtClean="0">
-                <a:solidFill>
-                  <a:schemeClr val="tx1"/>
-                </a:solidFill>
-                <a:latin typeface="1훈새마을운동 R" panose="02020603020101020101" pitchFamily="18" charset="-127"/>
-                <a:ea typeface="1훈새마을운동 R" panose="02020603020101020101" pitchFamily="18" charset="-127"/>
-              </a:rPr>
-              <a:t>	1. </a:t>
-            </a:r>
-            <a:r>
-              <a:rPr lang="en-US" altLang="ko-KR" smtClean="0">
-                <a:latin typeface="1훈새마을운동 R" panose="02020603020101020101" pitchFamily="18" charset="-127"/>
-                <a:ea typeface="1훈새마을운동 R" panose="02020603020101020101" pitchFamily="18" charset="-127"/>
-              </a:rPr>
-              <a:t>Connection		DB </a:t>
-            </a:r>
-            <a:r>
-              <a:rPr lang="ko-KR" altLang="en-US" smtClean="0">
-                <a:latin typeface="1훈새마을운동 R" panose="02020603020101020101" pitchFamily="18" charset="-127"/>
-                <a:ea typeface="1훈새마을운동 R" panose="02020603020101020101" pitchFamily="18" charset="-127"/>
-              </a:rPr>
-              <a:t>연결 인터페이스 </a:t>
-            </a:r>
-            <a:endParaRPr lang="en-US" altLang="ko-KR" smtClean="0">
+            <a:pPr lvl="2"/>
+            <a:r>
+              <a:rPr lang="en-US" altLang="ko-KR" smtClean="0">
+                <a:latin typeface="1훈새마을운동 R" panose="02020603020101020101" pitchFamily="18" charset="-127"/>
+                <a:ea typeface="1훈새마을운동 R" panose="02020603020101020101" pitchFamily="18" charset="-127"/>
+              </a:rPr>
+              <a:t>1.mysql </a:t>
+            </a:r>
+            <a:r>
+              <a:rPr lang="ko-KR" altLang="en-US">
+                <a:latin typeface="1훈새마을운동 R" panose="02020603020101020101" pitchFamily="18" charset="-127"/>
+                <a:ea typeface="1훈새마을운동 R" panose="02020603020101020101" pitchFamily="18" charset="-127"/>
+              </a:rPr>
+              <a:t>드라이브 확인</a:t>
+            </a:r>
+          </a:p>
+          <a:p>
+            <a:pPr lvl="2"/>
+            <a:r>
+              <a:rPr lang="en-US" altLang="ko-KR" smtClean="0">
+                <a:latin typeface="1훈새마을운동 R" panose="02020603020101020101" pitchFamily="18" charset="-127"/>
+                <a:ea typeface="1훈새마을운동 R" panose="02020603020101020101" pitchFamily="18" charset="-127"/>
+              </a:rPr>
+              <a:t>	Class.forName</a:t>
+            </a:r>
+            <a:r>
+              <a:rPr lang="en-US" altLang="ko-KR">
+                <a:latin typeface="1훈새마을운동 R" panose="02020603020101020101" pitchFamily="18" charset="-127"/>
+                <a:ea typeface="1훈새마을운동 R" panose="02020603020101020101" pitchFamily="18" charset="-127"/>
+              </a:rPr>
+              <a:t>("com.mysql.cj.jdbc.Driver");</a:t>
+            </a:r>
+          </a:p>
+          <a:p>
+            <a:pPr lvl="2"/>
+            <a:r>
+              <a:rPr lang="en-US" altLang="ko-KR" smtClean="0">
+                <a:latin typeface="1훈새마을운동 R" panose="02020603020101020101" pitchFamily="18" charset="-127"/>
+                <a:ea typeface="1훈새마을운동 R" panose="02020603020101020101" pitchFamily="18" charset="-127"/>
+              </a:rPr>
+              <a:t>2</a:t>
+            </a:r>
+            <a:r>
+              <a:rPr lang="en-US" altLang="ko-KR">
+                <a:latin typeface="1훈새마을운동 R" panose="02020603020101020101" pitchFamily="18" charset="-127"/>
+                <a:ea typeface="1훈새마을운동 R" panose="02020603020101020101" pitchFamily="18" charset="-127"/>
+              </a:rPr>
+              <a:t>. DB </a:t>
+            </a:r>
+            <a:r>
+              <a:rPr lang="en-US" altLang="ko-KR" smtClean="0">
+                <a:latin typeface="1훈새마을운동 R" panose="02020603020101020101" pitchFamily="18" charset="-127"/>
+                <a:ea typeface="1훈새마을운동 R" panose="02020603020101020101" pitchFamily="18" charset="-127"/>
+              </a:rPr>
+              <a:t>URL </a:t>
+            </a:r>
+            <a:r>
+              <a:rPr lang="ko-KR" altLang="en-US" smtClean="0">
+                <a:latin typeface="1훈새마을운동 R" panose="02020603020101020101" pitchFamily="18" charset="-127"/>
+                <a:ea typeface="1훈새마을운동 R" panose="02020603020101020101" pitchFamily="18" charset="-127"/>
+              </a:rPr>
+              <a:t>연동 </a:t>
+            </a:r>
+            <a:endParaRPr lang="ko-KR" altLang="en-US">
               <a:latin typeface="1훈새마을운동 R" panose="02020603020101020101" pitchFamily="18" charset="-127"/>
               <a:ea typeface="1훈새마을운동 R" panose="02020603020101020101" pitchFamily="18" charset="-127"/>
             </a:endParaRPr>
           </a:p>
           <a:p>
-            <a:r>
-              <a:rPr lang="en-US" altLang="ko-KR">
-                <a:latin typeface="1훈새마을운동 R" panose="02020603020101020101" pitchFamily="18" charset="-127"/>
-                <a:ea typeface="1훈새마을운동 R" panose="02020603020101020101" pitchFamily="18" charset="-127"/>
-              </a:rPr>
-              <a:t>	</a:t>
-            </a:r>
-            <a:r>
-              <a:rPr lang="en-US" altLang="ko-KR" smtClean="0">
-                <a:latin typeface="1훈새마을운동 R" panose="02020603020101020101" pitchFamily="18" charset="-127"/>
-                <a:ea typeface="1훈새마을운동 R" panose="02020603020101020101" pitchFamily="18" charset="-127"/>
-              </a:rPr>
-              <a:t>	* DriverManager.getConnection(  )</a:t>
-            </a:r>
-          </a:p>
-          <a:p>
-            <a:r>
-              <a:rPr lang="en-US" altLang="ko-KR">
-                <a:solidFill>
-                  <a:schemeClr val="tx1"/>
-                </a:solidFill>
-                <a:latin typeface="1훈새마을운동 R" panose="02020603020101020101" pitchFamily="18" charset="-127"/>
-                <a:ea typeface="1훈새마을운동 R" panose="02020603020101020101" pitchFamily="18" charset="-127"/>
-              </a:rPr>
-              <a:t>	</a:t>
-            </a:r>
-            <a:r>
-              <a:rPr lang="en-US" altLang="ko-KR" smtClean="0">
-                <a:solidFill>
-                  <a:schemeClr val="tx1"/>
-                </a:solidFill>
-                <a:latin typeface="1훈새마을운동 R" panose="02020603020101020101" pitchFamily="18" charset="-127"/>
-                <a:ea typeface="1훈새마을운동 R" panose="02020603020101020101" pitchFamily="18" charset="-127"/>
-              </a:rPr>
-              <a:t>2. </a:t>
-            </a:r>
-            <a:r>
-              <a:rPr lang="en-US" altLang="ko-KR" smtClean="0">
-                <a:latin typeface="1훈새마을운동 R" panose="02020603020101020101" pitchFamily="18" charset="-127"/>
-                <a:ea typeface="1훈새마을운동 R" panose="02020603020101020101" pitchFamily="18" charset="-127"/>
-              </a:rPr>
-              <a:t>PreparedStatement	SQL </a:t>
-            </a:r>
-            <a:r>
-              <a:rPr lang="ko-KR" altLang="en-US" smtClean="0">
-                <a:latin typeface="1훈새마을운동 R" panose="02020603020101020101" pitchFamily="18" charset="-127"/>
-                <a:ea typeface="1훈새마을운동 R" panose="02020603020101020101" pitchFamily="18" charset="-127"/>
-              </a:rPr>
-              <a:t>연결 조</a:t>
-            </a:r>
-            <a:r>
-              <a:rPr lang="ko-KR" altLang="en-US">
-                <a:latin typeface="1훈새마을운동 R" panose="02020603020101020101" pitchFamily="18" charset="-127"/>
-                <a:ea typeface="1훈새마을운동 R" panose="02020603020101020101" pitchFamily="18" charset="-127"/>
-              </a:rPr>
-              <a:t>작</a:t>
-            </a:r>
-            <a:r>
-              <a:rPr lang="ko-KR" altLang="en-US" smtClean="0">
-                <a:latin typeface="1훈새마을운동 R" panose="02020603020101020101" pitchFamily="18" charset="-127"/>
-                <a:ea typeface="1훈새마을운동 R" panose="02020603020101020101" pitchFamily="18" charset="-127"/>
-              </a:rPr>
-              <a:t> 인터페이스 </a:t>
-            </a:r>
-            <a:endParaRPr lang="en-US" altLang="ko-KR" smtClean="0">
+            <a:pPr lvl="2"/>
+            <a:r>
+              <a:rPr lang="en-US" altLang="ko-KR" smtClean="0">
+                <a:latin typeface="1훈새마을운동 R" panose="02020603020101020101" pitchFamily="18" charset="-127"/>
+                <a:ea typeface="1훈새마을운동 R" panose="02020603020101020101" pitchFamily="18" charset="-127"/>
+              </a:rPr>
+              <a:t>	Connection </a:t>
+            </a:r>
+            <a:r>
+              <a:rPr lang="en-US" altLang="ko-KR">
+                <a:latin typeface="1훈새마을운동 R" panose="02020603020101020101" pitchFamily="18" charset="-127"/>
+                <a:ea typeface="1훈새마을운동 R" panose="02020603020101020101" pitchFamily="18" charset="-127"/>
+              </a:rPr>
+              <a:t>con = DriverManager.getConnection( </a:t>
+            </a:r>
+            <a:r>
+              <a:rPr lang="en-US" altLang="ko-KR" smtClean="0">
+                <a:latin typeface="1훈새마을운동 R" panose="02020603020101020101" pitchFamily="18" charset="-127"/>
+                <a:ea typeface="1훈새마을운동 R" panose="02020603020101020101" pitchFamily="18" charset="-127"/>
+              </a:rPr>
+              <a:t>DBURL , DBID , DBPW );</a:t>
+            </a:r>
+          </a:p>
+          <a:p>
+            <a:pPr lvl="2"/>
+            <a:endParaRPr lang="en-US" altLang="ko-KR">
+              <a:solidFill>
+                <a:schemeClr val="tx1"/>
+              </a:solidFill>
               <a:latin typeface="1훈새마을운동 R" panose="02020603020101020101" pitchFamily="18" charset="-127"/>
               <a:ea typeface="1훈새마을운동 R" panose="02020603020101020101" pitchFamily="18" charset="-127"/>
             </a:endParaRPr>
           </a:p>
           <a:p>
-            <a:r>
-              <a:rPr lang="en-US" altLang="ko-KR">
-                <a:latin typeface="1훈새마을운동 R" panose="02020603020101020101" pitchFamily="18" charset="-127"/>
-                <a:ea typeface="1훈새마을운동 R" panose="02020603020101020101" pitchFamily="18" charset="-127"/>
-              </a:rPr>
-              <a:t>	</a:t>
-            </a:r>
-            <a:r>
-              <a:rPr lang="en-US" altLang="ko-KR" smtClean="0">
-                <a:latin typeface="1훈새마을운동 R" panose="02020603020101020101" pitchFamily="18" charset="-127"/>
-                <a:ea typeface="1훈새마을운동 R" panose="02020603020101020101" pitchFamily="18" charset="-127"/>
-              </a:rPr>
-              <a:t>	* ? </a:t>
-            </a:r>
-            <a:r>
-              <a:rPr lang="ko-KR" altLang="en-US" smtClean="0">
-                <a:latin typeface="1훈새마을운동 R" panose="02020603020101020101" pitchFamily="18" charset="-127"/>
-                <a:ea typeface="1훈새마을운동 R" panose="02020603020101020101" pitchFamily="18" charset="-127"/>
-              </a:rPr>
-              <a:t>에 데이터 넣기 </a:t>
-            </a:r>
-            <a:endParaRPr lang="en-US" altLang="ko-KR" smtClean="0">
-              <a:latin typeface="1훈새마을운동 R" panose="02020603020101020101" pitchFamily="18" charset="-127"/>
-              <a:ea typeface="1훈새마을운동 R" panose="02020603020101020101" pitchFamily="18" charset="-127"/>
-            </a:endParaRPr>
-          </a:p>
-          <a:p>
-            <a:r>
-              <a:rPr lang="en-US" altLang="ko-KR">
-                <a:solidFill>
-                  <a:schemeClr val="tx1"/>
-                </a:solidFill>
-                <a:latin typeface="1훈새마을운동 R" panose="02020603020101020101" pitchFamily="18" charset="-127"/>
-                <a:ea typeface="1훈새마을운동 R" panose="02020603020101020101" pitchFamily="18" charset="-127"/>
-              </a:rPr>
-              <a:t>	</a:t>
-            </a:r>
-            <a:r>
-              <a:rPr lang="en-US" altLang="ko-KR" smtClean="0">
-                <a:solidFill>
-                  <a:schemeClr val="tx1"/>
-                </a:solidFill>
-                <a:latin typeface="1훈새마을운동 R" panose="02020603020101020101" pitchFamily="18" charset="-127"/>
-                <a:ea typeface="1훈새마을운동 R" panose="02020603020101020101" pitchFamily="18" charset="-127"/>
-              </a:rPr>
-              <a:t>3. </a:t>
-            </a:r>
-            <a:r>
-              <a:rPr lang="en-US" altLang="ko-KR">
-                <a:latin typeface="1훈새마을운동 R" panose="02020603020101020101" pitchFamily="18" charset="-127"/>
-                <a:ea typeface="1훈새마을운동 R" panose="02020603020101020101" pitchFamily="18" charset="-127"/>
-              </a:rPr>
-              <a:t>ResultSet</a:t>
-            </a:r>
-            <a:r>
-              <a:rPr lang="en-US" altLang="ko-KR" smtClean="0">
-                <a:solidFill>
-                  <a:schemeClr val="tx1"/>
-                </a:solidFill>
-                <a:latin typeface="1훈새마을운동 R" panose="02020603020101020101" pitchFamily="18" charset="-127"/>
-                <a:ea typeface="1훈새마을운동 R" panose="02020603020101020101" pitchFamily="18" charset="-127"/>
-              </a:rPr>
-              <a:t>		SQL </a:t>
-            </a:r>
-            <a:r>
-              <a:rPr lang="ko-KR" altLang="en-US" smtClean="0">
-                <a:solidFill>
-                  <a:schemeClr val="tx1"/>
-                </a:solidFill>
-                <a:latin typeface="1훈새마을운동 R" panose="02020603020101020101" pitchFamily="18" charset="-127"/>
-                <a:ea typeface="1훈새마을운동 R" panose="02020603020101020101" pitchFamily="18" charset="-127"/>
-              </a:rPr>
-              <a:t>결과</a:t>
-            </a:r>
-            <a:r>
-              <a:rPr lang="en-US" altLang="ko-KR" smtClean="0">
-                <a:solidFill>
-                  <a:schemeClr val="tx1"/>
-                </a:solidFill>
-                <a:latin typeface="1훈새마을운동 R" panose="02020603020101020101" pitchFamily="18" charset="-127"/>
-                <a:ea typeface="1훈새마을운동 R" panose="02020603020101020101" pitchFamily="18" charset="-127"/>
-              </a:rPr>
-              <a:t>[</a:t>
-            </a:r>
-            <a:r>
-              <a:rPr lang="ko-KR" altLang="en-US" smtClean="0">
-                <a:solidFill>
-                  <a:schemeClr val="tx1"/>
-                </a:solidFill>
-                <a:latin typeface="1훈새마을운동 R" panose="02020603020101020101" pitchFamily="18" charset="-127"/>
-                <a:ea typeface="1훈새마을운동 R" panose="02020603020101020101" pitchFamily="18" charset="-127"/>
-              </a:rPr>
-              <a:t>쿼리</a:t>
-            </a:r>
-            <a:r>
-              <a:rPr lang="en-US" altLang="ko-KR" smtClean="0">
-                <a:solidFill>
-                  <a:schemeClr val="tx1"/>
-                </a:solidFill>
-                <a:latin typeface="1훈새마을운동 R" panose="02020603020101020101" pitchFamily="18" charset="-127"/>
-                <a:ea typeface="1훈새마을운동 R" panose="02020603020101020101" pitchFamily="18" charset="-127"/>
-              </a:rPr>
-              <a:t>] </a:t>
-            </a:r>
-            <a:r>
-              <a:rPr lang="ko-KR" altLang="en-US" smtClean="0">
-                <a:solidFill>
-                  <a:schemeClr val="tx1"/>
-                </a:solidFill>
-                <a:latin typeface="1훈새마을운동 R" panose="02020603020101020101" pitchFamily="18" charset="-127"/>
-                <a:ea typeface="1훈새마을운동 R" panose="02020603020101020101" pitchFamily="18" charset="-127"/>
-              </a:rPr>
-              <a:t> 연결 인터페이스</a:t>
-            </a:r>
+            <a:pPr lvl="2"/>
+            <a:r>
+              <a:rPr lang="en-US" altLang="ko-KR" smtClean="0">
+                <a:solidFill>
+                  <a:schemeClr val="tx1"/>
+                </a:solidFill>
+                <a:latin typeface="1훈새마을운동 R" panose="02020603020101020101" pitchFamily="18" charset="-127"/>
+                <a:ea typeface="1훈새마을운동 R" panose="02020603020101020101" pitchFamily="18" charset="-127"/>
+              </a:rPr>
+              <a:t>DBURL : jdbc:mysql</a:t>
+            </a:r>
+            <a:r>
+              <a:rPr lang="en-US" altLang="ko-KR">
+                <a:solidFill>
+                  <a:schemeClr val="tx1"/>
+                </a:solidFill>
+                <a:latin typeface="1훈새마을운동 R" panose="02020603020101020101" pitchFamily="18" charset="-127"/>
+                <a:ea typeface="1훈새마을운동 R" panose="02020603020101020101" pitchFamily="18" charset="-127"/>
+              </a:rPr>
+              <a:t>://IP</a:t>
+            </a:r>
+            <a:r>
+              <a:rPr lang="ko-KR" altLang="en-US">
+                <a:solidFill>
+                  <a:schemeClr val="tx1"/>
+                </a:solidFill>
+                <a:latin typeface="1훈새마을운동 R" panose="02020603020101020101" pitchFamily="18" charset="-127"/>
+                <a:ea typeface="1훈새마을운동 R" panose="02020603020101020101" pitchFamily="18" charset="-127"/>
+              </a:rPr>
+              <a:t>주소</a:t>
+            </a:r>
+            <a:r>
+              <a:rPr lang="en-US" altLang="ko-KR">
+                <a:solidFill>
+                  <a:schemeClr val="tx1"/>
+                </a:solidFill>
+                <a:latin typeface="1훈새마을운동 R" panose="02020603020101020101" pitchFamily="18" charset="-127"/>
+                <a:ea typeface="1훈새마을운동 R" panose="02020603020101020101" pitchFamily="18" charset="-127"/>
+              </a:rPr>
+              <a:t>:PORT/DB</a:t>
+            </a:r>
+            <a:r>
+              <a:rPr lang="ko-KR" altLang="en-US">
+                <a:solidFill>
+                  <a:schemeClr val="tx1"/>
+                </a:solidFill>
+                <a:latin typeface="1훈새마을운동 R" panose="02020603020101020101" pitchFamily="18" charset="-127"/>
+                <a:ea typeface="1훈새마을운동 R" panose="02020603020101020101" pitchFamily="18" charset="-127"/>
+              </a:rPr>
+              <a:t>명</a:t>
+            </a:r>
+            <a:r>
+              <a:rPr lang="en-US" altLang="ko-KR">
+                <a:solidFill>
+                  <a:schemeClr val="tx1"/>
+                </a:solidFill>
+                <a:latin typeface="1훈새마을운동 R" panose="02020603020101020101" pitchFamily="18" charset="-127"/>
+                <a:ea typeface="1훈새마을운동 R" panose="02020603020101020101" pitchFamily="18" charset="-127"/>
+              </a:rPr>
+              <a:t>?</a:t>
+            </a:r>
+            <a:r>
+              <a:rPr lang="ko-KR" altLang="en-US">
+                <a:solidFill>
+                  <a:schemeClr val="tx1"/>
+                </a:solidFill>
+                <a:latin typeface="1훈새마을운동 R" panose="02020603020101020101" pitchFamily="18" charset="-127"/>
+                <a:ea typeface="1훈새마을운동 R" panose="02020603020101020101" pitchFamily="18" charset="-127"/>
+              </a:rPr>
+              <a:t>시간대</a:t>
+            </a:r>
+            <a:r>
+              <a:rPr lang="en-US" altLang="ko-KR">
+                <a:solidFill>
+                  <a:schemeClr val="tx1"/>
+                </a:solidFill>
+                <a:latin typeface="1훈새마을운동 R" panose="02020603020101020101" pitchFamily="18" charset="-127"/>
+                <a:ea typeface="1훈새마을운동 R" panose="02020603020101020101" pitchFamily="18" charset="-127"/>
+              </a:rPr>
+              <a:t>" ,"DB</a:t>
+            </a:r>
+            <a:r>
+              <a:rPr lang="ko-KR" altLang="en-US">
+                <a:solidFill>
+                  <a:schemeClr val="tx1"/>
+                </a:solidFill>
+                <a:latin typeface="1훈새마을운동 R" panose="02020603020101020101" pitchFamily="18" charset="-127"/>
+                <a:ea typeface="1훈새마을운동 R" panose="02020603020101020101" pitchFamily="18" charset="-127"/>
+              </a:rPr>
+              <a:t>계정명</a:t>
+            </a:r>
+            <a:r>
+              <a:rPr lang="en-US" altLang="ko-KR">
+                <a:solidFill>
+                  <a:schemeClr val="tx1"/>
+                </a:solidFill>
+                <a:latin typeface="1훈새마을운동 R" panose="02020603020101020101" pitchFamily="18" charset="-127"/>
+                <a:ea typeface="1훈새마을운동 R" panose="02020603020101020101" pitchFamily="18" charset="-127"/>
+              </a:rPr>
+              <a:t>" , "DB</a:t>
+            </a:r>
+            <a:r>
+              <a:rPr lang="ko-KR" altLang="en-US">
+                <a:solidFill>
+                  <a:schemeClr val="tx1"/>
+                </a:solidFill>
+                <a:latin typeface="1훈새마을운동 R" panose="02020603020101020101" pitchFamily="18" charset="-127"/>
+                <a:ea typeface="1훈새마을운동 R" panose="02020603020101020101" pitchFamily="18" charset="-127"/>
+              </a:rPr>
+              <a:t>비밀번호</a:t>
+            </a:r>
+            <a:r>
+              <a:rPr lang="en-US" altLang="ko-KR">
+                <a:solidFill>
+                  <a:schemeClr val="tx1"/>
+                </a:solidFill>
+                <a:latin typeface="1훈새마을운동 R" panose="02020603020101020101" pitchFamily="18" charset="-127"/>
+                <a:ea typeface="1훈새마을운동 R" panose="02020603020101020101" pitchFamily="18" charset="-127"/>
+              </a:rPr>
+              <a:t>");</a:t>
+            </a:r>
+          </a:p>
+          <a:p>
+            <a:pPr lvl="2"/>
+            <a:r>
+              <a:rPr lang="ko-KR" altLang="en-US" smtClean="0">
+                <a:solidFill>
+                  <a:schemeClr val="tx1"/>
+                </a:solidFill>
+                <a:latin typeface="1훈새마을운동 R" panose="02020603020101020101" pitchFamily="18" charset="-127"/>
+                <a:ea typeface="1훈새마을운동 R" panose="02020603020101020101" pitchFamily="18" charset="-127"/>
+              </a:rPr>
+              <a:t>예 </a:t>
+            </a:r>
+            <a:r>
+              <a:rPr lang="en-US" altLang="ko-KR" smtClean="0">
+                <a:solidFill>
+                  <a:schemeClr val="tx1"/>
+                </a:solidFill>
+                <a:latin typeface="1훈새마을운동 R" panose="02020603020101020101" pitchFamily="18" charset="-127"/>
+                <a:ea typeface="1훈새마을운동 R" panose="02020603020101020101" pitchFamily="18" charset="-127"/>
+              </a:rPr>
+              <a:t>) "jdbc:mysql</a:t>
+            </a:r>
+            <a:r>
+              <a:rPr lang="en-US" altLang="ko-KR">
+                <a:solidFill>
+                  <a:schemeClr val="tx1"/>
+                </a:solidFill>
+                <a:latin typeface="1훈새마을운동 R" panose="02020603020101020101" pitchFamily="18" charset="-127"/>
+                <a:ea typeface="1훈새마을운동 R" panose="02020603020101020101" pitchFamily="18" charset="-127"/>
+              </a:rPr>
+              <a:t>://localhost:3307/javafx?serverTimezome=UTC" ,"root" , "</a:t>
+            </a:r>
+            <a:r>
+              <a:rPr lang="en-US" altLang="ko-KR" smtClean="0">
+                <a:solidFill>
+                  <a:schemeClr val="tx1"/>
+                </a:solidFill>
+                <a:latin typeface="1훈새마을운동 R" panose="02020603020101020101" pitchFamily="18" charset="-127"/>
+                <a:ea typeface="1훈새마을운동 R" panose="02020603020101020101" pitchFamily="18" charset="-127"/>
+              </a:rPr>
+              <a:t>1234“</a:t>
+            </a:r>
+          </a:p>
+          <a:p>
+            <a:pPr lvl="2"/>
             <a:endParaRPr lang="en-US" altLang="ko-KR" smtClean="0">
               <a:solidFill>
                 <a:schemeClr val="tx1"/>
@@ -33909,36 +34361,90 @@
           </a:p>
           <a:p>
             <a:r>
-              <a:rPr lang="en-US" altLang="ko-KR">
-                <a:solidFill>
-                  <a:schemeClr val="tx1"/>
-                </a:solidFill>
-                <a:latin typeface="1훈새마을운동 R" panose="02020603020101020101" pitchFamily="18" charset="-127"/>
-                <a:ea typeface="1훈새마을운동 R" panose="02020603020101020101" pitchFamily="18" charset="-127"/>
-              </a:rPr>
-              <a:t>	</a:t>
-            </a:r>
-            <a:r>
-              <a:rPr lang="en-US" altLang="ko-KR" smtClean="0">
-                <a:solidFill>
-                  <a:schemeClr val="tx1"/>
-                </a:solidFill>
-                <a:latin typeface="1훈새마을운동 R" panose="02020603020101020101" pitchFamily="18" charset="-127"/>
-                <a:ea typeface="1훈새마을운동 R" panose="02020603020101020101" pitchFamily="18" charset="-127"/>
-              </a:rPr>
-              <a:t>	.next : </a:t>
-            </a:r>
-            <a:r>
-              <a:rPr lang="ko-KR" altLang="en-US" smtClean="0">
-                <a:solidFill>
-                  <a:schemeClr val="tx1"/>
-                </a:solidFill>
-                <a:latin typeface="1훈새마을운동 R" panose="02020603020101020101" pitchFamily="18" charset="-127"/>
-                <a:ea typeface="1훈새마을운동 R" panose="02020603020101020101" pitchFamily="18" charset="-127"/>
-              </a:rPr>
-              <a:t>쿼리 결과의 다음 레코드 가져오기 </a:t>
-            </a:r>
-            <a:endParaRPr lang="en-US" altLang="ko-KR" smtClean="0">
+              <a:rPr lang="en-US" altLang="ko-KR" smtClean="0">
+                <a:solidFill>
+                  <a:schemeClr val="tx1"/>
+                </a:solidFill>
+                <a:latin typeface="1훈새마을운동 R" panose="02020603020101020101" pitchFamily="18" charset="-127"/>
+                <a:ea typeface="1훈새마을운동 R" panose="02020603020101020101" pitchFamily="18" charset="-127"/>
+              </a:rPr>
+              <a:t>*JDBC</a:t>
+            </a:r>
+          </a:p>
+          <a:p>
+            <a:r>
+              <a:rPr lang="en-US" altLang="ko-KR" smtClean="0">
+                <a:solidFill>
+                  <a:schemeClr val="tx1"/>
+                </a:solidFill>
+                <a:latin typeface="1훈새마을운동 R" panose="02020603020101020101" pitchFamily="18" charset="-127"/>
+                <a:ea typeface="1훈새마을운동 R" panose="02020603020101020101" pitchFamily="18" charset="-127"/>
+              </a:rPr>
+              <a:t>	* JAVA</a:t>
+            </a:r>
+            <a:r>
+              <a:rPr lang="ko-KR" altLang="en-US" smtClean="0">
+                <a:solidFill>
+                  <a:schemeClr val="tx1"/>
+                </a:solidFill>
+                <a:latin typeface="1훈새마을운동 R" panose="02020603020101020101" pitchFamily="18" charset="-127"/>
+                <a:ea typeface="1훈새마을운동 R" panose="02020603020101020101" pitchFamily="18" charset="-127"/>
+              </a:rPr>
+              <a:t>에서 </a:t>
+            </a:r>
+            <a:r>
+              <a:rPr lang="en-US" altLang="ko-KR" smtClean="0">
+                <a:solidFill>
+                  <a:schemeClr val="tx1"/>
+                </a:solidFill>
+                <a:latin typeface="1훈새마을운동 R" panose="02020603020101020101" pitchFamily="18" charset="-127"/>
+                <a:ea typeface="1훈새마을운동 R" panose="02020603020101020101" pitchFamily="18" charset="-127"/>
+              </a:rPr>
+              <a:t>DATABASE </a:t>
+            </a:r>
+            <a:r>
+              <a:rPr lang="ko-KR" altLang="en-US" smtClean="0">
+                <a:solidFill>
+                  <a:schemeClr val="tx1"/>
+                </a:solidFill>
+                <a:latin typeface="1훈새마을운동 R" panose="02020603020101020101" pitchFamily="18" charset="-127"/>
+                <a:ea typeface="1훈새마을운동 R" panose="02020603020101020101" pitchFamily="18" charset="-127"/>
+              </a:rPr>
+              <a:t>접속할수 있도록 자바 </a:t>
+            </a:r>
+            <a:r>
+              <a:rPr lang="en-US" altLang="ko-KR" smtClean="0">
+                <a:solidFill>
+                  <a:schemeClr val="tx1"/>
+                </a:solidFill>
+                <a:latin typeface="1훈새마을운동 R" panose="02020603020101020101" pitchFamily="18" charset="-127"/>
+                <a:ea typeface="1훈새마을운동 R" panose="02020603020101020101" pitchFamily="18" charset="-127"/>
+              </a:rPr>
+              <a:t>API [ java.sql </a:t>
+            </a:r>
+            <a:r>
+              <a:rPr lang="ko-KR" altLang="en-US" smtClean="0">
+                <a:solidFill>
+                  <a:schemeClr val="tx1"/>
+                </a:solidFill>
+                <a:latin typeface="1훈새마을운동 R" panose="02020603020101020101" pitchFamily="18" charset="-127"/>
+                <a:ea typeface="1훈새마을운동 R" panose="02020603020101020101" pitchFamily="18" charset="-127"/>
+              </a:rPr>
+              <a:t>라이브러리</a:t>
+            </a:r>
+            <a:r>
+              <a:rPr lang="en-US" altLang="ko-KR" smtClean="0">
+                <a:solidFill>
+                  <a:schemeClr val="tx1"/>
+                </a:solidFill>
+                <a:latin typeface="1훈새마을운동 R" panose="02020603020101020101" pitchFamily="18" charset="-127"/>
+                <a:ea typeface="1훈새마을운동 R" panose="02020603020101020101" pitchFamily="18" charset="-127"/>
+              </a:rPr>
+              <a:t> ]</a:t>
+            </a:r>
+          </a:p>
+          <a:p>
+            <a:endParaRPr lang="en-US" altLang="ko-KR">
               <a:solidFill>
                 <a:schemeClr val="tx1"/>
               </a:solidFill>
@@ -33946,72 +34452,12 @@
               <a:ea typeface="1훈새마을운동 R" panose="02020603020101020101" pitchFamily="18" charset="-127"/>
             </a:endParaRPr>
           </a:p>
-          <a:p>
-            <a:r>
-              <a:rPr lang="en-US" altLang="ko-KR" smtClean="0">
-                <a:solidFill>
-                  <a:schemeClr val="tx1"/>
-                </a:solidFill>
-                <a:latin typeface="1훈새마을운동 R" panose="02020603020101020101" pitchFamily="18" charset="-127"/>
-                <a:ea typeface="1훈새마을운동 R" panose="02020603020101020101" pitchFamily="18" charset="-127"/>
-              </a:rPr>
-              <a:t>		</a:t>
-            </a:r>
-            <a:r>
-              <a:rPr lang="en-US" altLang="ko-KR">
-                <a:latin typeface="1훈새마을운동 R" panose="02020603020101020101" pitchFamily="18" charset="-127"/>
-                <a:ea typeface="1훈새마을운동 R" panose="02020603020101020101" pitchFamily="18" charset="-127"/>
-              </a:rPr>
-              <a:t>.</a:t>
-            </a:r>
-            <a:r>
-              <a:rPr lang="en-US" altLang="ko-KR" smtClean="0">
-                <a:latin typeface="1훈새마을운동 R" panose="02020603020101020101" pitchFamily="18" charset="-127"/>
-                <a:ea typeface="1훈새마을운동 R" panose="02020603020101020101" pitchFamily="18" charset="-127"/>
-              </a:rPr>
-              <a:t>get</a:t>
-            </a:r>
-            <a:r>
-              <a:rPr lang="ko-KR" altLang="en-US" smtClean="0">
-                <a:latin typeface="1훈새마을운동 R" panose="02020603020101020101" pitchFamily="18" charset="-127"/>
-                <a:ea typeface="1훈새마을운동 R" panose="02020603020101020101" pitchFamily="18" charset="-127"/>
-              </a:rPr>
-              <a:t>자료형</a:t>
-            </a:r>
-            <a:r>
-              <a:rPr lang="en-US" altLang="ko-KR" smtClean="0">
-                <a:latin typeface="1훈새마을운동 R" panose="02020603020101020101" pitchFamily="18" charset="-127"/>
-                <a:ea typeface="1훈새마을운동 R" panose="02020603020101020101" pitchFamily="18" charset="-127"/>
-              </a:rPr>
-              <a:t> : </a:t>
-            </a:r>
-            <a:r>
-              <a:rPr lang="ko-KR" altLang="en-US" smtClean="0">
-                <a:latin typeface="1훈새마을운동 R" panose="02020603020101020101" pitchFamily="18" charset="-127"/>
-                <a:ea typeface="1훈새마을운동 R" panose="02020603020101020101" pitchFamily="18" charset="-127"/>
-              </a:rPr>
-              <a:t>현재 레코드의 필드 가져오기 </a:t>
-            </a:r>
-            <a:endParaRPr lang="en-US" altLang="ko-KR" smtClean="0">
-              <a:latin typeface="1훈새마을운동 R" panose="02020603020101020101" pitchFamily="18" charset="-127"/>
-              <a:ea typeface="1훈새마을운동 R" panose="02020603020101020101" pitchFamily="18" charset="-127"/>
-            </a:endParaRPr>
-          </a:p>
-          <a:p>
-            <a:endParaRPr lang="en-US" altLang="ko-KR" smtClean="0">
-              <a:solidFill>
-                <a:schemeClr val="tx1"/>
-              </a:solidFill>
-              <a:latin typeface="1훈새마을운동 R" panose="02020603020101020101" pitchFamily="18" charset="-127"/>
-              <a:ea typeface="1훈새마을운동 R" panose="02020603020101020101" pitchFamily="18" charset="-127"/>
-            </a:endParaRPr>
-          </a:p>
         </p:txBody>
       </p:sp>
     </p:spTree>
     <p:extLst>
       <p:ext uri="{BB962C8B-B14F-4D97-AF65-F5344CB8AC3E}">
-        <p14:creationId xmlns:p14="http://schemas.microsoft.com/office/powerpoint/2010/main" val="3218972104"/>
+        <p14:creationId xmlns:p14="http://schemas.microsoft.com/office/powerpoint/2010/main" val="3732454975"/>
       </p:ext>
     </p:extLst>
   </p:cSld>
@@ -34040,7 +34486,7 @@
       </p:grpSpPr>
       <p:sp>
         <p:nvSpPr>
-          <p:cNvPr id="4" name="직사각형 3"/>
+          <p:cNvPr id="5" name="직사각형 4"/>
           <p:cNvSpPr/>
           <p:nvPr/>
         </p:nvSpPr>
@@ -34080,69 +34526,130 @@
                 <a:latin typeface="1훈새마을운동 R" panose="02020603020101020101" pitchFamily="18" charset="-127"/>
                 <a:ea typeface="1훈새마을운동 R" panose="02020603020101020101" pitchFamily="18" charset="-127"/>
               </a:rPr>
-              <a:t>*Database </a:t>
-            </a:r>
-          </a:p>
-          <a:p>
-            <a:r>
-              <a:rPr lang="en-US" altLang="ko-KR">
-                <a:solidFill>
-                  <a:schemeClr val="tx1"/>
-                </a:solidFill>
-                <a:latin typeface="1훈새마을운동 R" panose="02020603020101020101" pitchFamily="18" charset="-127"/>
-                <a:ea typeface="1훈새마을운동 R" panose="02020603020101020101" pitchFamily="18" charset="-127"/>
-              </a:rPr>
-              <a:t>	</a:t>
-            </a:r>
-            <a:r>
-              <a:rPr lang="en-US" altLang="ko-KR" smtClean="0">
-                <a:solidFill>
-                  <a:schemeClr val="tx1"/>
-                </a:solidFill>
-                <a:latin typeface="1훈새마을운동 R" panose="02020603020101020101" pitchFamily="18" charset="-127"/>
-                <a:ea typeface="1훈새마을운동 R" panose="02020603020101020101" pitchFamily="18" charset="-127"/>
-              </a:rPr>
-              <a:t>*</a:t>
-            </a:r>
-            <a:r>
-              <a:rPr lang="ko-KR" altLang="en-US" smtClean="0">
-                <a:solidFill>
-                  <a:schemeClr val="tx1"/>
-                </a:solidFill>
-                <a:latin typeface="1훈새마을운동 R" panose="02020603020101020101" pitchFamily="18" charset="-127"/>
-                <a:ea typeface="1훈새마을운동 R" panose="02020603020101020101" pitchFamily="18" charset="-127"/>
-              </a:rPr>
-              <a:t>데이터집합 </a:t>
-            </a:r>
-            <a:r>
-              <a:rPr lang="en-US" altLang="ko-KR" smtClean="0">
-                <a:solidFill>
-                  <a:schemeClr val="tx1"/>
-                </a:solidFill>
-                <a:latin typeface="1훈새마을운동 R" panose="02020603020101020101" pitchFamily="18" charset="-127"/>
-                <a:ea typeface="1훈새마을운동 R" panose="02020603020101020101" pitchFamily="18" charset="-127"/>
-              </a:rPr>
-              <a:t>-&gt;</a:t>
-            </a:r>
-            <a:r>
-              <a:rPr lang="ko-KR" altLang="en-US">
-                <a:solidFill>
-                  <a:schemeClr val="tx1"/>
-                </a:solidFill>
-                <a:latin typeface="1훈새마을운동 R" panose="02020603020101020101" pitchFamily="18" charset="-127"/>
-                <a:ea typeface="1훈새마을운동 R" panose="02020603020101020101" pitchFamily="18" charset="-127"/>
-              </a:rPr>
-              <a:t> </a:t>
-            </a:r>
-            <a:r>
-              <a:rPr lang="ko-KR" altLang="en-US" smtClean="0">
-                <a:solidFill>
-                  <a:schemeClr val="tx1"/>
-                </a:solidFill>
-                <a:latin typeface="1훈새마을운동 R" panose="02020603020101020101" pitchFamily="18" charset="-127"/>
-                <a:ea typeface="1훈새마을운동 R" panose="02020603020101020101" pitchFamily="18" charset="-127"/>
-              </a:rPr>
-              <a:t>테이블 관리</a:t>
+              <a:t>*CRUD [ </a:t>
+            </a:r>
+            <a:r>
+              <a:rPr lang="ko-KR" altLang="en-US" smtClean="0">
+                <a:solidFill>
+                  <a:schemeClr val="tx1"/>
+                </a:solidFill>
+                <a:latin typeface="1훈새마을운동 R" panose="02020603020101020101" pitchFamily="18" charset="-127"/>
+                <a:ea typeface="1훈새마을운동 R" panose="02020603020101020101" pitchFamily="18" charset="-127"/>
+              </a:rPr>
+              <a:t>생성 </a:t>
+            </a:r>
+            <a:r>
+              <a:rPr lang="en-US" altLang="ko-KR" smtClean="0">
+                <a:solidFill>
+                  <a:schemeClr val="tx1"/>
+                </a:solidFill>
+                <a:latin typeface="1훈새마을운동 R" panose="02020603020101020101" pitchFamily="18" charset="-127"/>
+                <a:ea typeface="1훈새마을운동 R" panose="02020603020101020101" pitchFamily="18" charset="-127"/>
+              </a:rPr>
+              <a:t>, </a:t>
+            </a:r>
+            <a:r>
+              <a:rPr lang="ko-KR" altLang="en-US" smtClean="0">
+                <a:solidFill>
+                  <a:schemeClr val="tx1"/>
+                </a:solidFill>
+                <a:latin typeface="1훈새마을운동 R" panose="02020603020101020101" pitchFamily="18" charset="-127"/>
+                <a:ea typeface="1훈새마을운동 R" panose="02020603020101020101" pitchFamily="18" charset="-127"/>
+              </a:rPr>
+              <a:t>읽기 </a:t>
+            </a:r>
+            <a:r>
+              <a:rPr lang="en-US" altLang="ko-KR" smtClean="0">
+                <a:solidFill>
+                  <a:schemeClr val="tx1"/>
+                </a:solidFill>
+                <a:latin typeface="1훈새마을운동 R" panose="02020603020101020101" pitchFamily="18" charset="-127"/>
+                <a:ea typeface="1훈새마을운동 R" panose="02020603020101020101" pitchFamily="18" charset="-127"/>
+              </a:rPr>
+              <a:t>, </a:t>
+            </a:r>
+            <a:r>
+              <a:rPr lang="ko-KR" altLang="en-US" smtClean="0">
+                <a:solidFill>
+                  <a:schemeClr val="tx1"/>
+                </a:solidFill>
+                <a:latin typeface="1훈새마을운동 R" panose="02020603020101020101" pitchFamily="18" charset="-127"/>
+                <a:ea typeface="1훈새마을운동 R" panose="02020603020101020101" pitchFamily="18" charset="-127"/>
+              </a:rPr>
+              <a:t>수정 </a:t>
+            </a:r>
+            <a:r>
+              <a:rPr lang="en-US" altLang="ko-KR" smtClean="0">
+                <a:solidFill>
+                  <a:schemeClr val="tx1"/>
+                </a:solidFill>
+                <a:latin typeface="1훈새마을운동 R" panose="02020603020101020101" pitchFamily="18" charset="-127"/>
+                <a:ea typeface="1훈새마을운동 R" panose="02020603020101020101" pitchFamily="18" charset="-127"/>
+              </a:rPr>
+              <a:t>, </a:t>
+            </a:r>
+            <a:r>
+              <a:rPr lang="ko-KR" altLang="en-US" smtClean="0">
+                <a:solidFill>
+                  <a:schemeClr val="tx1"/>
+                </a:solidFill>
+                <a:latin typeface="1훈새마을운동 R" panose="02020603020101020101" pitchFamily="18" charset="-127"/>
+                <a:ea typeface="1훈새마을운동 R" panose="02020603020101020101" pitchFamily="18" charset="-127"/>
+              </a:rPr>
+              <a:t>삭제 </a:t>
+            </a:r>
+            <a:r>
+              <a:rPr lang="en-US" altLang="ko-KR" smtClean="0">
+                <a:solidFill>
+                  <a:schemeClr val="tx1"/>
+                </a:solidFill>
+                <a:latin typeface="1훈새마을운동 R" panose="02020603020101020101" pitchFamily="18" charset="-127"/>
+                <a:ea typeface="1훈새마을운동 R" panose="02020603020101020101" pitchFamily="18" charset="-127"/>
+              </a:rPr>
+              <a:t>]</a:t>
+            </a:r>
+          </a:p>
+          <a:p>
+            <a:endParaRPr lang="en-US" altLang="ko-KR">
+              <a:solidFill>
+                <a:schemeClr val="tx1"/>
+              </a:solidFill>
+              <a:latin typeface="1훈새마을운동 R" panose="02020603020101020101" pitchFamily="18" charset="-127"/>
+              <a:ea typeface="1훈새마을운동 R" panose="02020603020101020101" pitchFamily="18" charset="-127"/>
+            </a:endParaRPr>
+          </a:p>
+          <a:p>
+            <a:r>
+              <a:rPr lang="en-US" altLang="ko-KR" smtClean="0">
+                <a:solidFill>
+                  <a:schemeClr val="tx1"/>
+                </a:solidFill>
+                <a:latin typeface="1훈새마을운동 R" panose="02020603020101020101" pitchFamily="18" charset="-127"/>
+                <a:ea typeface="1훈새마을운동 R" panose="02020603020101020101" pitchFamily="18" charset="-127"/>
+              </a:rPr>
+              <a:t>*MVC [ Model , View , Controller ] </a:t>
+            </a:r>
+          </a:p>
+          <a:p>
+            <a:r>
+              <a:rPr lang="en-US" altLang="ko-KR" smtClean="0">
+                <a:solidFill>
+                  <a:schemeClr val="tx1"/>
+                </a:solidFill>
+                <a:latin typeface="1훈새마을운동 R" panose="02020603020101020101" pitchFamily="18" charset="-127"/>
+                <a:ea typeface="1훈새마을운동 R" panose="02020603020101020101" pitchFamily="18" charset="-127"/>
+              </a:rPr>
+              <a:t>	1. Model : </a:t>
+            </a:r>
+            <a:r>
+              <a:rPr lang="ko-KR" altLang="en-US" smtClean="0">
+                <a:solidFill>
+                  <a:schemeClr val="tx1"/>
+                </a:solidFill>
+                <a:latin typeface="1훈새마을운동 R" panose="02020603020101020101" pitchFamily="18" charset="-127"/>
+                <a:ea typeface="1훈새마을운동 R" panose="02020603020101020101" pitchFamily="18" charset="-127"/>
+              </a:rPr>
+              <a:t>데이터</a:t>
             </a:r>
             <a:endParaRPr lang="en-US" altLang="ko-KR" smtClean="0">
               <a:solidFill>
@@ -34153,6 +34660,138 @@
             </a:endParaRPr>
           </a:p>
           <a:p>
+            <a:r>
+              <a:rPr lang="en-US" altLang="ko-KR">
+                <a:solidFill>
+                  <a:schemeClr val="tx1"/>
+                </a:solidFill>
+                <a:latin typeface="1훈새마을운동 R" panose="02020603020101020101" pitchFamily="18" charset="-127"/>
+                <a:ea typeface="1훈새마을운동 R" panose="02020603020101020101" pitchFamily="18" charset="-127"/>
+              </a:rPr>
+              <a:t>	</a:t>
+            </a:r>
+            <a:r>
+              <a:rPr lang="en-US" altLang="ko-KR" smtClean="0">
+                <a:solidFill>
+                  <a:schemeClr val="tx1"/>
+                </a:solidFill>
+                <a:latin typeface="1훈새마을운동 R" panose="02020603020101020101" pitchFamily="18" charset="-127"/>
+                <a:ea typeface="1훈새마을운동 R" panose="02020603020101020101" pitchFamily="18" charset="-127"/>
+              </a:rPr>
+              <a:t>2. View : </a:t>
+            </a:r>
+            <a:r>
+              <a:rPr lang="ko-KR" altLang="en-US" smtClean="0">
+                <a:solidFill>
+                  <a:schemeClr val="tx1"/>
+                </a:solidFill>
+                <a:latin typeface="1훈새마을운동 R" panose="02020603020101020101" pitchFamily="18" charset="-127"/>
+                <a:ea typeface="1훈새마을운동 R" panose="02020603020101020101" pitchFamily="18" charset="-127"/>
+              </a:rPr>
+              <a:t>프론트엔드 </a:t>
+            </a:r>
+            <a:r>
+              <a:rPr lang="en-US" altLang="ko-KR" smtClean="0">
+                <a:solidFill>
+                  <a:schemeClr val="tx1"/>
+                </a:solidFill>
+                <a:latin typeface="1훈새마을운동 R" panose="02020603020101020101" pitchFamily="18" charset="-127"/>
+                <a:ea typeface="1훈새마을운동 R" panose="02020603020101020101" pitchFamily="18" charset="-127"/>
+              </a:rPr>
+              <a:t>[ </a:t>
+            </a:r>
+            <a:r>
+              <a:rPr lang="ko-KR" altLang="en-US" smtClean="0">
+                <a:solidFill>
+                  <a:schemeClr val="tx1"/>
+                </a:solidFill>
+                <a:latin typeface="1훈새마을운동 R" panose="02020603020101020101" pitchFamily="18" charset="-127"/>
+                <a:ea typeface="1훈새마을운동 R" panose="02020603020101020101" pitchFamily="18" charset="-127"/>
+              </a:rPr>
+              <a:t>씬빌더</a:t>
+            </a:r>
+            <a:r>
+              <a:rPr lang="en-US" altLang="ko-KR">
+                <a:solidFill>
+                  <a:schemeClr val="tx1"/>
+                </a:solidFill>
+                <a:latin typeface="1훈새마을운동 R" panose="02020603020101020101" pitchFamily="18" charset="-127"/>
+                <a:ea typeface="1훈새마을운동 R" panose="02020603020101020101" pitchFamily="18" charset="-127"/>
+              </a:rPr>
+              <a:t> </a:t>
+            </a:r>
+            <a:r>
+              <a:rPr lang="en-US" altLang="ko-KR" smtClean="0">
+                <a:solidFill>
+                  <a:schemeClr val="tx1"/>
+                </a:solidFill>
+                <a:latin typeface="1훈새마을운동 R" panose="02020603020101020101" pitchFamily="18" charset="-127"/>
+                <a:ea typeface="1훈새마을운동 R" panose="02020603020101020101" pitchFamily="18" charset="-127"/>
+              </a:rPr>
+              <a:t>(fxml) , html ]</a:t>
+            </a:r>
+          </a:p>
+          <a:p>
+            <a:r>
+              <a:rPr lang="en-US" altLang="ko-KR">
+                <a:solidFill>
+                  <a:schemeClr val="tx1"/>
+                </a:solidFill>
+                <a:latin typeface="1훈새마을운동 R" panose="02020603020101020101" pitchFamily="18" charset="-127"/>
+                <a:ea typeface="1훈새마을운동 R" panose="02020603020101020101" pitchFamily="18" charset="-127"/>
+              </a:rPr>
+              <a:t>	</a:t>
+            </a:r>
+            <a:r>
+              <a:rPr lang="en-US" altLang="ko-KR" smtClean="0">
+                <a:solidFill>
+                  <a:schemeClr val="tx1"/>
+                </a:solidFill>
+                <a:latin typeface="1훈새마을운동 R" panose="02020603020101020101" pitchFamily="18" charset="-127"/>
+                <a:ea typeface="1훈새마을운동 R" panose="02020603020101020101" pitchFamily="18" charset="-127"/>
+              </a:rPr>
+              <a:t>3. Controller : java</a:t>
+            </a:r>
+            <a:r>
+              <a:rPr lang="ko-KR" altLang="en-US" smtClean="0">
+                <a:solidFill>
+                  <a:schemeClr val="tx1"/>
+                </a:solidFill>
+                <a:latin typeface="1훈새마을운동 R" panose="02020603020101020101" pitchFamily="18" charset="-127"/>
+                <a:ea typeface="1훈새마을운동 R" panose="02020603020101020101" pitchFamily="18" charset="-127"/>
+              </a:rPr>
+              <a:t>파일</a:t>
+            </a:r>
+            <a:r>
+              <a:rPr lang="en-US" altLang="ko-KR" smtClean="0">
+                <a:solidFill>
+                  <a:schemeClr val="tx1"/>
+                </a:solidFill>
+                <a:latin typeface="1훈새마을운동 R" panose="02020603020101020101" pitchFamily="18" charset="-127"/>
+                <a:ea typeface="1훈새마을운동 R" panose="02020603020101020101" pitchFamily="18" charset="-127"/>
+              </a:rPr>
+              <a:t>[</a:t>
+            </a:r>
+            <a:r>
+              <a:rPr lang="ko-KR" altLang="en-US" smtClean="0">
+                <a:solidFill>
+                  <a:schemeClr val="tx1"/>
+                </a:solidFill>
+                <a:latin typeface="1훈새마을운동 R" panose="02020603020101020101" pitchFamily="18" charset="-127"/>
+                <a:ea typeface="1훈새마을운동 R" panose="02020603020101020101" pitchFamily="18" charset="-127"/>
+              </a:rPr>
+              <a:t>클래스</a:t>
+            </a:r>
+            <a:r>
+              <a:rPr lang="en-US" altLang="ko-KR" smtClean="0">
+                <a:solidFill>
+                  <a:schemeClr val="tx1"/>
+                </a:solidFill>
+                <a:latin typeface="1훈새마을운동 R" panose="02020603020101020101" pitchFamily="18" charset="-127"/>
+                <a:ea typeface="1훈새마을운동 R" panose="02020603020101020101" pitchFamily="18" charset="-127"/>
+              </a:rPr>
+              <a:t>]</a:t>
+            </a:r>
             <a:endParaRPr lang="en-US" altLang="ko-KR">
               <a:solidFill>
                 <a:schemeClr val="tx1"/>
@@ -34170,18 +34809,102 @@
                 <a:latin typeface="1훈새마을운동 R" panose="02020603020101020101" pitchFamily="18" charset="-127"/>
                 <a:ea typeface="1훈새마을운동 R" panose="02020603020101020101" pitchFamily="18" charset="-127"/>
               </a:rPr>
-              <a:t>*</a:t>
-            </a:r>
-            <a:r>
-              <a:rPr lang="ko-KR" altLang="en-US" smtClean="0">
-                <a:solidFill>
-                  <a:schemeClr val="tx1"/>
-                </a:solidFill>
-                <a:latin typeface="1훈새마을운동 R" panose="02020603020101020101" pitchFamily="18" charset="-127"/>
-                <a:ea typeface="1훈새마을운동 R" panose="02020603020101020101" pitchFamily="18" charset="-127"/>
-              </a:rPr>
-              <a:t>용어 </a:t>
-            </a:r>
+              <a:t>	</a:t>
+            </a:r>
+            <a:r>
+              <a:rPr lang="ko-KR" altLang="en-US" smtClean="0">
+                <a:solidFill>
+                  <a:schemeClr val="tx1"/>
+                </a:solidFill>
+                <a:latin typeface="1훈새마을운동 R" panose="02020603020101020101" pitchFamily="18" charset="-127"/>
+                <a:ea typeface="1훈새마을운동 R" panose="02020603020101020101" pitchFamily="18" charset="-127"/>
+              </a:rPr>
+              <a:t>삽입 </a:t>
+            </a:r>
+            <a:r>
+              <a:rPr lang="en-US" altLang="ko-KR" smtClean="0">
+                <a:solidFill>
+                  <a:schemeClr val="tx1"/>
+                </a:solidFill>
+                <a:latin typeface="1훈새마을운동 R" panose="02020603020101020101" pitchFamily="18" charset="-127"/>
+                <a:ea typeface="1훈새마을운동 R" panose="02020603020101020101" pitchFamily="18" charset="-127"/>
+              </a:rPr>
+              <a:t>: View --dto--&gt; Controller  --dto--&gt;  Model  --dao-&gt; DB</a:t>
+            </a:r>
+          </a:p>
+          <a:p>
+            <a:r>
+              <a:rPr lang="en-US" altLang="ko-KR" smtClean="0">
+                <a:solidFill>
+                  <a:schemeClr val="tx1"/>
+                </a:solidFill>
+                <a:latin typeface="1훈새마을운동 R" panose="02020603020101020101" pitchFamily="18" charset="-127"/>
+                <a:ea typeface="1훈새마을운동 R" panose="02020603020101020101" pitchFamily="18" charset="-127"/>
+              </a:rPr>
+              <a:t>	</a:t>
+            </a:r>
+            <a:r>
+              <a:rPr lang="ko-KR" altLang="en-US" smtClean="0">
+                <a:solidFill>
+                  <a:schemeClr val="tx1"/>
+                </a:solidFill>
+                <a:latin typeface="1훈새마을운동 R" panose="02020603020101020101" pitchFamily="18" charset="-127"/>
+                <a:ea typeface="1훈새마을운동 R" panose="02020603020101020101" pitchFamily="18" charset="-127"/>
+              </a:rPr>
+              <a:t>조회 </a:t>
+            </a:r>
+            <a:r>
+              <a:rPr lang="en-US" altLang="ko-KR" smtClean="0">
+                <a:solidFill>
+                  <a:schemeClr val="tx1"/>
+                </a:solidFill>
+                <a:latin typeface="1훈새마을운동 R" panose="02020603020101020101" pitchFamily="18" charset="-127"/>
+                <a:ea typeface="1훈새마을운동 R" panose="02020603020101020101" pitchFamily="18" charset="-127"/>
+              </a:rPr>
+              <a:t>: </a:t>
+            </a:r>
+            <a:r>
+              <a:rPr lang="en-US" altLang="ko-KR">
+                <a:solidFill>
+                  <a:schemeClr val="tx1"/>
+                </a:solidFill>
+                <a:latin typeface="1훈새마을운동 R" panose="02020603020101020101" pitchFamily="18" charset="-127"/>
+                <a:ea typeface="1훈새마을운동 R" panose="02020603020101020101" pitchFamily="18" charset="-127"/>
+              </a:rPr>
+              <a:t>View </a:t>
+            </a:r>
+            <a:r>
+              <a:rPr lang="en-US" altLang="ko-KR" smtClean="0">
+                <a:solidFill>
+                  <a:schemeClr val="tx1"/>
+                </a:solidFill>
+                <a:latin typeface="1훈새마을운동 R" panose="02020603020101020101" pitchFamily="18" charset="-127"/>
+                <a:ea typeface="1훈새마을운동 R" panose="02020603020101020101" pitchFamily="18" charset="-127"/>
+              </a:rPr>
+              <a:t>&lt;--dto-- </a:t>
+            </a:r>
+            <a:r>
+              <a:rPr lang="en-US" altLang="ko-KR">
+                <a:solidFill>
+                  <a:schemeClr val="tx1"/>
+                </a:solidFill>
+                <a:latin typeface="1훈새마을운동 R" panose="02020603020101020101" pitchFamily="18" charset="-127"/>
+                <a:ea typeface="1훈새마을운동 R" panose="02020603020101020101" pitchFamily="18" charset="-127"/>
+              </a:rPr>
+              <a:t>Controller  </a:t>
+            </a:r>
+            <a:r>
+              <a:rPr lang="en-US" altLang="ko-KR" smtClean="0">
+                <a:solidFill>
+                  <a:schemeClr val="tx1"/>
+                </a:solidFill>
+                <a:latin typeface="1훈새마을운동 R" panose="02020603020101020101" pitchFamily="18" charset="-127"/>
+                <a:ea typeface="1훈새마을운동 R" panose="02020603020101020101" pitchFamily="18" charset="-127"/>
+              </a:rPr>
+              <a:t>&lt;--dto-- Model  &lt;--dao-- DB</a:t>
+            </a:r>
+          </a:p>
+          <a:p>
             <a:endParaRPr lang="en-US" altLang="ko-KR" smtClean="0">
               <a:solidFill>
                 <a:schemeClr val="tx1"/>
@@ -34192,166 +34915,103 @@
           </a:p>
           <a:p>
             <a:r>
-              <a:rPr lang="en-US" altLang="ko-KR">
-                <a:solidFill>
-                  <a:schemeClr val="tx1"/>
-                </a:solidFill>
-                <a:latin typeface="1훈새마을운동 R" panose="02020603020101020101" pitchFamily="18" charset="-127"/>
-                <a:ea typeface="1훈새마을운동 R" panose="02020603020101020101" pitchFamily="18" charset="-127"/>
-              </a:rPr>
-              <a:t>	</a:t>
-            </a:r>
-            <a:r>
-              <a:rPr lang="ko-KR" altLang="en-US" smtClean="0">
-                <a:solidFill>
-                  <a:schemeClr val="tx1"/>
-                </a:solidFill>
-                <a:latin typeface="1훈새마을운동 R" panose="02020603020101020101" pitchFamily="18" charset="-127"/>
-                <a:ea typeface="1훈새마을운동 R" panose="02020603020101020101" pitchFamily="18" charset="-127"/>
-              </a:rPr>
-              <a:t>표 </a:t>
-            </a:r>
-            <a:r>
-              <a:rPr lang="en-US" altLang="ko-KR" smtClean="0">
-                <a:solidFill>
-                  <a:schemeClr val="tx1"/>
-                </a:solidFill>
-                <a:latin typeface="1훈새마을운동 R" panose="02020603020101020101" pitchFamily="18" charset="-127"/>
-                <a:ea typeface="1훈새마을운동 R" panose="02020603020101020101" pitchFamily="18" charset="-127"/>
-              </a:rPr>
-              <a:t>= </a:t>
-            </a:r>
-            <a:r>
-              <a:rPr lang="ko-KR" altLang="en-US" smtClean="0">
-                <a:solidFill>
-                  <a:schemeClr val="tx1"/>
-                </a:solidFill>
-                <a:latin typeface="1훈새마을운동 R" panose="02020603020101020101" pitchFamily="18" charset="-127"/>
-                <a:ea typeface="1훈새마을운동 R" panose="02020603020101020101" pitchFamily="18" charset="-127"/>
-              </a:rPr>
-              <a:t>테이</a:t>
-            </a:r>
-            <a:r>
-              <a:rPr lang="ko-KR" altLang="en-US">
-                <a:solidFill>
-                  <a:schemeClr val="tx1"/>
-                </a:solidFill>
-                <a:latin typeface="1훈새마을운동 R" panose="02020603020101020101" pitchFamily="18" charset="-127"/>
-                <a:ea typeface="1훈새마을운동 R" panose="02020603020101020101" pitchFamily="18" charset="-127"/>
-              </a:rPr>
-              <a:t>블</a:t>
-            </a:r>
-            <a:r>
-              <a:rPr lang="en-US" altLang="ko-KR" smtClean="0">
-                <a:solidFill>
-                  <a:schemeClr val="tx1"/>
-                </a:solidFill>
-                <a:latin typeface="1훈새마을운동 R" panose="02020603020101020101" pitchFamily="18" charset="-127"/>
-                <a:ea typeface="1훈새마을운동 R" panose="02020603020101020101" pitchFamily="18" charset="-127"/>
-              </a:rPr>
-              <a:t> </a:t>
-            </a:r>
-          </a:p>
-          <a:p>
-            <a:r>
-              <a:rPr lang="en-US" altLang="ko-KR">
-                <a:solidFill>
-                  <a:schemeClr val="tx1"/>
-                </a:solidFill>
-                <a:latin typeface="1훈새마을운동 R" panose="02020603020101020101" pitchFamily="18" charset="-127"/>
-                <a:ea typeface="1훈새마을운동 R" panose="02020603020101020101" pitchFamily="18" charset="-127"/>
-              </a:rPr>
-              <a:t>	</a:t>
-            </a:r>
-            <a:r>
-              <a:rPr lang="ko-KR" altLang="en-US" smtClean="0">
-                <a:solidFill>
-                  <a:schemeClr val="tx1"/>
-                </a:solidFill>
-                <a:latin typeface="1훈새마을운동 R" panose="02020603020101020101" pitchFamily="18" charset="-127"/>
-                <a:ea typeface="1훈새마을운동 R" panose="02020603020101020101" pitchFamily="18" charset="-127"/>
-              </a:rPr>
-              <a:t>세로</a:t>
-            </a:r>
-            <a:r>
-              <a:rPr lang="en-US" altLang="ko-KR" smtClean="0">
-                <a:solidFill>
-                  <a:schemeClr val="tx1"/>
-                </a:solidFill>
-                <a:latin typeface="1훈새마을운동 R" panose="02020603020101020101" pitchFamily="18" charset="-127"/>
-                <a:ea typeface="1훈새마을운동 R" panose="02020603020101020101" pitchFamily="18" charset="-127"/>
-              </a:rPr>
-              <a:t>(</a:t>
-            </a:r>
-            <a:r>
-              <a:rPr lang="ko-KR" altLang="en-US" smtClean="0">
-                <a:solidFill>
-                  <a:schemeClr val="tx1"/>
-                </a:solidFill>
-                <a:latin typeface="1훈새마을운동 R" panose="02020603020101020101" pitchFamily="18" charset="-127"/>
-                <a:ea typeface="1훈새마을운동 R" panose="02020603020101020101" pitchFamily="18" charset="-127"/>
-              </a:rPr>
-              <a:t>열</a:t>
-            </a:r>
-            <a:r>
-              <a:rPr lang="en-US" altLang="ko-KR" smtClean="0">
-                <a:solidFill>
-                  <a:schemeClr val="tx1"/>
-                </a:solidFill>
-                <a:latin typeface="1훈새마을운동 R" panose="02020603020101020101" pitchFamily="18" charset="-127"/>
-                <a:ea typeface="1훈새마을운동 R" panose="02020603020101020101" pitchFamily="18" charset="-127"/>
-              </a:rPr>
-              <a:t>)</a:t>
-            </a:r>
-            <a:r>
-              <a:rPr lang="ko-KR" altLang="en-US" smtClean="0">
-                <a:solidFill>
-                  <a:schemeClr val="tx1"/>
-                </a:solidFill>
-                <a:latin typeface="1훈새마을운동 R" panose="02020603020101020101" pitchFamily="18" charset="-127"/>
-                <a:ea typeface="1훈새마을운동 R" panose="02020603020101020101" pitchFamily="18" charset="-127"/>
-              </a:rPr>
-              <a:t> </a:t>
-            </a:r>
-            <a:r>
-              <a:rPr lang="en-US" altLang="ko-KR" smtClean="0">
-                <a:solidFill>
-                  <a:schemeClr val="tx1"/>
-                </a:solidFill>
-                <a:latin typeface="1훈새마을운동 R" panose="02020603020101020101" pitchFamily="18" charset="-127"/>
-                <a:ea typeface="1훈새마을운동 R" panose="02020603020101020101" pitchFamily="18" charset="-127"/>
-              </a:rPr>
-              <a:t> = </a:t>
-            </a:r>
-            <a:r>
-              <a:rPr lang="ko-KR" altLang="en-US" smtClean="0">
-                <a:solidFill>
-                  <a:schemeClr val="tx1"/>
-                </a:solidFill>
-                <a:latin typeface="1훈새마을운동 R" panose="02020603020101020101" pitchFamily="18" charset="-127"/>
-                <a:ea typeface="1훈새마을운동 R" panose="02020603020101020101" pitchFamily="18" charset="-127"/>
-              </a:rPr>
-              <a:t>필드 </a:t>
-            </a:r>
-            <a:r>
-              <a:rPr lang="en-US" altLang="ko-KR" smtClean="0">
-                <a:solidFill>
-                  <a:schemeClr val="tx1"/>
-                </a:solidFill>
-                <a:latin typeface="1훈새마을운동 R" panose="02020603020101020101" pitchFamily="18" charset="-127"/>
-                <a:ea typeface="1훈새마을운동 R" panose="02020603020101020101" pitchFamily="18" charset="-127"/>
-              </a:rPr>
-              <a:t>, </a:t>
-            </a:r>
-            <a:r>
-              <a:rPr lang="ko-KR" altLang="en-US" smtClean="0">
-                <a:solidFill>
-                  <a:schemeClr val="tx1"/>
-                </a:solidFill>
-                <a:latin typeface="1훈새마을운동 R" panose="02020603020101020101" pitchFamily="18" charset="-127"/>
-                <a:ea typeface="1훈새마을운동 R" panose="02020603020101020101" pitchFamily="18" charset="-127"/>
-              </a:rPr>
-              <a:t>속성 </a:t>
+              <a:rPr lang="en-US" altLang="ko-KR" smtClean="0">
+                <a:solidFill>
+                  <a:schemeClr val="tx1"/>
+                </a:solidFill>
+                <a:latin typeface="1훈새마을운동 R" panose="02020603020101020101" pitchFamily="18" charset="-127"/>
+                <a:ea typeface="1훈새마을운동 R" panose="02020603020101020101" pitchFamily="18" charset="-127"/>
+              </a:rPr>
+              <a:t>*DTO : </a:t>
+            </a:r>
+            <a:r>
+              <a:rPr lang="ko-KR" altLang="en-US" smtClean="0">
+                <a:solidFill>
+                  <a:schemeClr val="tx1"/>
+                </a:solidFill>
+                <a:latin typeface="1훈새마을운동 R" panose="02020603020101020101" pitchFamily="18" charset="-127"/>
+                <a:ea typeface="1훈새마을운동 R" panose="02020603020101020101" pitchFamily="18" charset="-127"/>
+              </a:rPr>
+              <a:t>데이터 이동 객체 </a:t>
+            </a:r>
+            <a:r>
+              <a:rPr lang="en-US" altLang="ko-KR" smtClean="0">
+                <a:solidFill>
+                  <a:schemeClr val="tx1"/>
+                </a:solidFill>
+                <a:latin typeface="1훈새마을운동 R" panose="02020603020101020101" pitchFamily="18" charset="-127"/>
+                <a:ea typeface="1훈새마을운동 R" panose="02020603020101020101" pitchFamily="18" charset="-127"/>
+              </a:rPr>
+              <a:t>[</a:t>
+            </a:r>
+            <a:r>
+              <a:rPr lang="en-US" altLang="ko-KR">
+                <a:latin typeface="1훈새마을운동 R" panose="02020603020101020101" pitchFamily="18" charset="-127"/>
+                <a:ea typeface="1훈새마을운동 R" panose="02020603020101020101" pitchFamily="18" charset="-127"/>
+              </a:rPr>
+              <a:t>Data Transfer </a:t>
+            </a:r>
+            <a:r>
+              <a:rPr lang="en-US" altLang="ko-KR" smtClean="0">
+                <a:latin typeface="1훈새마을운동 R" panose="02020603020101020101" pitchFamily="18" charset="-127"/>
+                <a:ea typeface="1훈새마을운동 R" panose="02020603020101020101" pitchFamily="18" charset="-127"/>
+              </a:rPr>
+              <a:t>Object ] </a:t>
+            </a:r>
+          </a:p>
+          <a:p>
+            <a:endParaRPr lang="en-US" altLang="ko-KR">
+              <a:solidFill>
+                <a:schemeClr val="tx1"/>
+              </a:solidFill>
+              <a:latin typeface="1훈새마을운동 R" panose="02020603020101020101" pitchFamily="18" charset="-127"/>
+              <a:ea typeface="1훈새마을운동 R" panose="02020603020101020101" pitchFamily="18" charset="-127"/>
+            </a:endParaRPr>
+          </a:p>
+          <a:p>
+            <a:r>
+              <a:rPr lang="en-US" altLang="ko-KR" smtClean="0">
+                <a:solidFill>
+                  <a:schemeClr val="tx1"/>
+                </a:solidFill>
+                <a:latin typeface="1훈새마을운동 R" panose="02020603020101020101" pitchFamily="18" charset="-127"/>
+                <a:ea typeface="1훈새마을운동 R" panose="02020603020101020101" pitchFamily="18" charset="-127"/>
+              </a:rPr>
+              <a:t>*DAO : </a:t>
+            </a:r>
+            <a:r>
+              <a:rPr lang="ko-KR" altLang="en-US" smtClean="0">
+                <a:solidFill>
+                  <a:schemeClr val="tx1"/>
+                </a:solidFill>
+                <a:latin typeface="1훈새마을운동 R" panose="02020603020101020101" pitchFamily="18" charset="-127"/>
+                <a:ea typeface="1훈새마을운동 R" panose="02020603020101020101" pitchFamily="18" charset="-127"/>
+              </a:rPr>
+              <a:t>데이터베이스 기능 조작 객체 </a:t>
+            </a:r>
+            <a:r>
+              <a:rPr lang="en-US" altLang="ko-KR" smtClean="0">
+                <a:solidFill>
+                  <a:schemeClr val="tx1"/>
+                </a:solidFill>
+                <a:latin typeface="1훈새마을운동 R" panose="02020603020101020101" pitchFamily="18" charset="-127"/>
+                <a:ea typeface="1훈새마을운동 R" panose="02020603020101020101" pitchFamily="18" charset="-127"/>
+              </a:rPr>
+              <a:t>[</a:t>
+            </a:r>
+            <a:r>
+              <a:rPr lang="en-US" altLang="ko-KR">
+                <a:latin typeface="1훈새마을운동 R" panose="02020603020101020101" pitchFamily="18" charset="-127"/>
+                <a:ea typeface="1훈새마을운동 R" panose="02020603020101020101" pitchFamily="18" charset="-127"/>
+              </a:rPr>
+              <a:t>Data Access </a:t>
+            </a:r>
+            <a:r>
+              <a:rPr lang="en-US" altLang="ko-KR" smtClean="0">
+                <a:latin typeface="1훈새마을운동 R" panose="02020603020101020101" pitchFamily="18" charset="-127"/>
+                <a:ea typeface="1훈새마을운동 R" panose="02020603020101020101" pitchFamily="18" charset="-127"/>
+              </a:rPr>
+              <a:t>Object ] </a:t>
             </a:r>
             <a:endParaRPr lang="en-US" altLang="ko-KR" smtClean="0">
               <a:solidFill>
@@ -34362,117 +35022,7 @@
             </a:endParaRPr>
           </a:p>
           <a:p>
-            <a:r>
-              <a:rPr lang="en-US" altLang="ko-KR">
-                <a:solidFill>
-                  <a:schemeClr val="tx1"/>
-                </a:solidFill>
-                <a:latin typeface="1훈새마을운동 R" panose="02020603020101020101" pitchFamily="18" charset="-127"/>
-                <a:ea typeface="1훈새마을운동 R" panose="02020603020101020101" pitchFamily="18" charset="-127"/>
-              </a:rPr>
-              <a:t>	</a:t>
-            </a:r>
-            <a:r>
-              <a:rPr lang="ko-KR" altLang="en-US" smtClean="0">
-                <a:solidFill>
-                  <a:schemeClr val="tx1"/>
-                </a:solidFill>
-                <a:latin typeface="1훈새마을운동 R" panose="02020603020101020101" pitchFamily="18" charset="-127"/>
-                <a:ea typeface="1훈새마을운동 R" panose="02020603020101020101" pitchFamily="18" charset="-127"/>
-              </a:rPr>
-              <a:t>가로</a:t>
-            </a:r>
-            <a:r>
-              <a:rPr lang="en-US" altLang="ko-KR" smtClean="0">
-                <a:solidFill>
-                  <a:schemeClr val="tx1"/>
-                </a:solidFill>
-                <a:latin typeface="1훈새마을운동 R" panose="02020603020101020101" pitchFamily="18" charset="-127"/>
-                <a:ea typeface="1훈새마을운동 R" panose="02020603020101020101" pitchFamily="18" charset="-127"/>
-              </a:rPr>
-              <a:t>(</a:t>
-            </a:r>
-            <a:r>
-              <a:rPr lang="ko-KR" altLang="en-US" smtClean="0">
-                <a:solidFill>
-                  <a:schemeClr val="tx1"/>
-                </a:solidFill>
-                <a:latin typeface="1훈새마을운동 R" panose="02020603020101020101" pitchFamily="18" charset="-127"/>
-                <a:ea typeface="1훈새마을운동 R" panose="02020603020101020101" pitchFamily="18" charset="-127"/>
-              </a:rPr>
-              <a:t>행</a:t>
-            </a:r>
-            <a:r>
-              <a:rPr lang="en-US" altLang="ko-KR" smtClean="0">
-                <a:solidFill>
-                  <a:schemeClr val="tx1"/>
-                </a:solidFill>
-                <a:latin typeface="1훈새마을운동 R" panose="02020603020101020101" pitchFamily="18" charset="-127"/>
-                <a:ea typeface="1훈새마을운동 R" panose="02020603020101020101" pitchFamily="18" charset="-127"/>
-              </a:rPr>
-              <a:t>)</a:t>
-            </a:r>
-            <a:r>
-              <a:rPr lang="ko-KR" altLang="en-US" smtClean="0">
-                <a:solidFill>
-                  <a:schemeClr val="tx1"/>
-                </a:solidFill>
-                <a:latin typeface="1훈새마을운동 R" panose="02020603020101020101" pitchFamily="18" charset="-127"/>
-                <a:ea typeface="1훈새마을운동 R" panose="02020603020101020101" pitchFamily="18" charset="-127"/>
-              </a:rPr>
-              <a:t> </a:t>
-            </a:r>
-            <a:r>
-              <a:rPr lang="en-US" altLang="ko-KR" smtClean="0">
-                <a:solidFill>
-                  <a:schemeClr val="tx1"/>
-                </a:solidFill>
-                <a:latin typeface="1훈새마을운동 R" panose="02020603020101020101" pitchFamily="18" charset="-127"/>
-                <a:ea typeface="1훈새마을운동 R" panose="02020603020101020101" pitchFamily="18" charset="-127"/>
-              </a:rPr>
-              <a:t>= </a:t>
-            </a:r>
-            <a:r>
-              <a:rPr lang="ko-KR" altLang="en-US" smtClean="0">
-                <a:solidFill>
-                  <a:schemeClr val="tx1"/>
-                </a:solidFill>
-                <a:latin typeface="1훈새마을운동 R" panose="02020603020101020101" pitchFamily="18" charset="-127"/>
-                <a:ea typeface="1훈새마을운동 R" panose="02020603020101020101" pitchFamily="18" charset="-127"/>
-              </a:rPr>
-              <a:t>레코드 </a:t>
-            </a:r>
-            <a:r>
-              <a:rPr lang="en-US" altLang="ko-KR" smtClean="0">
-                <a:solidFill>
-                  <a:schemeClr val="tx1"/>
-                </a:solidFill>
-                <a:latin typeface="1훈새마을운동 R" panose="02020603020101020101" pitchFamily="18" charset="-127"/>
-                <a:ea typeface="1훈새마을운동 R" panose="02020603020101020101" pitchFamily="18" charset="-127"/>
-              </a:rPr>
-              <a:t>, </a:t>
-            </a:r>
-            <a:r>
-              <a:rPr lang="ko-KR" altLang="en-US" smtClean="0">
-                <a:solidFill>
-                  <a:schemeClr val="tx1"/>
-                </a:solidFill>
-                <a:latin typeface="1훈새마을운동 R" panose="02020603020101020101" pitchFamily="18" charset="-127"/>
-                <a:ea typeface="1훈새마을운동 R" panose="02020603020101020101" pitchFamily="18" charset="-127"/>
-              </a:rPr>
-              <a:t>튜</a:t>
-            </a:r>
-            <a:r>
-              <a:rPr lang="ko-KR" altLang="en-US">
-                <a:solidFill>
-                  <a:schemeClr val="tx1"/>
-                </a:solidFill>
-                <a:latin typeface="1훈새마을운동 R" panose="02020603020101020101" pitchFamily="18" charset="-127"/>
-                <a:ea typeface="1훈새마을운동 R" panose="02020603020101020101" pitchFamily="18" charset="-127"/>
-              </a:rPr>
-              <a:t>플</a:t>
-            </a:r>
-            <a:endParaRPr lang="en-US" altLang="ko-KR" smtClean="0">
+            <a:endParaRPr lang="en-US" altLang="ko-KR">
               <a:solidFill>
                 <a:schemeClr val="tx1"/>
               </a:solidFill>
@@ -34481,76 +35031,29 @@
             </a:endParaRPr>
           </a:p>
           <a:p>
-            <a:r>
-              <a:rPr lang="en-US" altLang="ko-KR" smtClean="0">
-                <a:solidFill>
-                  <a:schemeClr val="tx1"/>
-                </a:solidFill>
-                <a:latin typeface="1훈새마을운동 R" panose="02020603020101020101" pitchFamily="18" charset="-127"/>
-                <a:ea typeface="1훈새마을운동 R" panose="02020603020101020101" pitchFamily="18" charset="-127"/>
-              </a:rPr>
-              <a:t>	</a:t>
-            </a:r>
-          </a:p>
-          <a:p>
-            <a:r>
-              <a:rPr lang="en-US" altLang="ko-KR" smtClean="0">
-                <a:solidFill>
-                  <a:schemeClr val="tx1"/>
-                </a:solidFill>
-                <a:latin typeface="1훈새마을운동 R" panose="02020603020101020101" pitchFamily="18" charset="-127"/>
-                <a:ea typeface="1훈새마을운동 R" panose="02020603020101020101" pitchFamily="18" charset="-127"/>
-              </a:rPr>
-              <a:t>	</a:t>
-            </a:r>
+            <a:endParaRPr lang="en-US" altLang="ko-KR">
+              <a:solidFill>
+                <a:schemeClr val="tx1"/>
+              </a:solidFill>
+              <a:latin typeface="1훈새마을운동 R" panose="02020603020101020101" pitchFamily="18" charset="-127"/>
+              <a:ea typeface="1훈새마을운동 R" panose="02020603020101020101" pitchFamily="18" charset="-127"/>
+            </a:endParaRPr>
+          </a:p>
+          <a:p>
+            <a:endParaRPr lang="en-US" altLang="ko-KR">
+              <a:solidFill>
+                <a:schemeClr val="tx1"/>
+              </a:solidFill>
+              <a:latin typeface="1훈새마을운동 R" panose="02020603020101020101" pitchFamily="18" charset="-127"/>
+              <a:ea typeface="1훈새마을운동 R" panose="02020603020101020101" pitchFamily="18" charset="-127"/>
+            </a:endParaRPr>
           </a:p>
         </p:txBody>
       </p:sp>
-      <p:pic>
-        <p:nvPicPr>
-          <p:cNvPr id="1026" name="Picture 2" descr="데이터베이스] 용어 정리"/>
-          <p:cNvPicPr>
-            <a:picLocks noChangeAspect="1" noChangeArrowheads="1"/>
-          </p:cNvPicPr>
-          <p:nvPr/>
-        </p:nvPicPr>
-        <p:blipFill>
-          <a:blip r:embed="rId2">
-            <a:extLst>
-              <a:ext uri="{28A0092B-C50C-407E-A947-70E740481C1C}">
-                <a14:useLocalDpi xmlns:a14="http://schemas.microsoft.com/office/drawing/2010/main" val="0"/>
-              </a:ext>
-            </a:extLst>
-          </a:blip>
-          <a:srcRect/>
-          <a:stretch>
-            <a:fillRect/>
-          </a:stretch>
-        </p:blipFill>
-        <p:spPr bwMode="auto">
-          <a:xfrm>
-            <a:off x="3944888" y="209112"/>
-            <a:ext cx="4320480" cy="2118090"/>
-          </a:xfrm>
-          <a:prstGeom prst="rect">
-            <a:avLst/>
-          </a:prstGeom>
-          <a:noFill/>
-          <a:extLst>
-            <a:ext uri="{909E8E84-426E-40DD-AFC4-6F175D3DCCD1}">
-              <a14:hiddenFill xmlns:a14="http://schemas.microsoft.com/office/drawing/2010/main">
-                <a:solidFill>
-                  <a:srgbClr val="FFFFFF"/>
-                </a:solidFill>
-              </a14:hiddenFill>
-            </a:ext>
-          </a:extLst>
-        </p:spPr>
-      </p:pic>
     </p:spTree>
     <p:extLst>
       <p:ext uri="{BB962C8B-B14F-4D97-AF65-F5344CB8AC3E}">
-        <p14:creationId xmlns:p14="http://schemas.microsoft.com/office/powerpoint/2010/main" val="4049022657"/>
+        <p14:creationId xmlns:p14="http://schemas.microsoft.com/office/powerpoint/2010/main" val="681057412"/>
       </p:ext>
     </p:extLst>
   </p:cSld>
@@ -34704,17 +35207,17 @@
                 <a:latin typeface="1훈새마을운동 R" panose="02020603020101020101" pitchFamily="18" charset="-127"/>
                 <a:ea typeface="1훈새마을운동 R" panose="02020603020101020101" pitchFamily="18" charset="-127"/>
               </a:rPr>
-              <a:t>*SQL : </a:t>
-            </a:r>
-            <a:r>
-              <a:rPr lang="ko-KR" altLang="en-US" smtClean="0">
-                <a:solidFill>
-                  <a:schemeClr val="tx1"/>
-                </a:solidFill>
-                <a:latin typeface="1훈새마을운동 R" panose="02020603020101020101" pitchFamily="18" charset="-127"/>
-                <a:ea typeface="1훈새마을운동 R" panose="02020603020101020101" pitchFamily="18" charset="-127"/>
-              </a:rPr>
-              <a:t>데이터베이스 관리 언어</a:t>
+              <a:t>*</a:t>
+            </a:r>
+            <a:r>
+              <a:rPr lang="ko-KR" altLang="en-US" smtClean="0">
+                <a:solidFill>
+                  <a:schemeClr val="tx1"/>
+                </a:solidFill>
+                <a:latin typeface="1훈새마을운동 R" panose="02020603020101020101" pitchFamily="18" charset="-127"/>
+                <a:ea typeface="1훈새마을운동 R" panose="02020603020101020101" pitchFamily="18" charset="-127"/>
+              </a:rPr>
+              <a:t>주요 인터페이스</a:t>
             </a:r>
             <a:endParaRPr lang="en-US" altLang="ko-KR" smtClean="0">
               <a:solidFill>
@@ -34726,365 +35229,279 @@
           </a:p>
           <a:p>
             <a:r>
-              <a:rPr lang="en-US" altLang="ko-KR" smtClean="0">
-                <a:solidFill>
-                  <a:schemeClr val="tx1"/>
-                </a:solidFill>
-                <a:latin typeface="1훈새마을운동 R" panose="02020603020101020101" pitchFamily="18" charset="-127"/>
-                <a:ea typeface="1훈새마을운동 R" panose="02020603020101020101" pitchFamily="18" charset="-127"/>
-              </a:rPr>
-              <a:t>	DDL [ </a:t>
-            </a:r>
-            <a:r>
-              <a:rPr lang="ko-KR" altLang="en-US" smtClean="0">
-                <a:solidFill>
-                  <a:schemeClr val="tx1"/>
-                </a:solidFill>
-                <a:latin typeface="1훈새마을운동 R" panose="02020603020101020101" pitchFamily="18" charset="-127"/>
-                <a:ea typeface="1훈새마을운동 R" panose="02020603020101020101" pitchFamily="18" charset="-127"/>
-              </a:rPr>
-              <a:t>정의어 </a:t>
-            </a:r>
-            <a:r>
-              <a:rPr lang="en-US" altLang="ko-KR" smtClean="0">
-                <a:solidFill>
-                  <a:schemeClr val="tx1"/>
-                </a:solidFill>
-                <a:latin typeface="1훈새마을운동 R" panose="02020603020101020101" pitchFamily="18" charset="-127"/>
-                <a:ea typeface="1훈새마을운동 R" panose="02020603020101020101" pitchFamily="18" charset="-127"/>
-              </a:rPr>
-              <a:t>]</a:t>
-            </a:r>
-          </a:p>
-          <a:p>
-            <a:r>
-              <a:rPr lang="en-US" altLang="ko-KR" smtClean="0">
-                <a:solidFill>
-                  <a:schemeClr val="tx1"/>
-                </a:solidFill>
-                <a:latin typeface="1훈새마을운동 R" panose="02020603020101020101" pitchFamily="18" charset="-127"/>
-                <a:ea typeface="1훈새마을운동 R" panose="02020603020101020101" pitchFamily="18" charset="-127"/>
-              </a:rPr>
-              <a:t>	DML [ </a:t>
-            </a:r>
-            <a:r>
-              <a:rPr lang="ko-KR" altLang="en-US" smtClean="0">
-                <a:solidFill>
-                  <a:schemeClr val="tx1"/>
-                </a:solidFill>
-                <a:latin typeface="1훈새마을운동 R" panose="02020603020101020101" pitchFamily="18" charset="-127"/>
-                <a:ea typeface="1훈새마을운동 R" panose="02020603020101020101" pitchFamily="18" charset="-127"/>
-              </a:rPr>
-              <a:t>조작어 </a:t>
-            </a:r>
-            <a:r>
-              <a:rPr lang="en-US" altLang="ko-KR" smtClean="0">
-                <a:solidFill>
-                  <a:schemeClr val="tx1"/>
-                </a:solidFill>
-                <a:latin typeface="1훈새마을운동 R" panose="02020603020101020101" pitchFamily="18" charset="-127"/>
-                <a:ea typeface="1훈새마을운동 R" panose="02020603020101020101" pitchFamily="18" charset="-127"/>
-              </a:rPr>
-              <a:t>]</a:t>
-            </a:r>
-          </a:p>
-          <a:p>
-            <a:r>
-              <a:rPr lang="en-US" altLang="ko-KR" smtClean="0">
-                <a:solidFill>
-                  <a:schemeClr val="tx1"/>
-                </a:solidFill>
-                <a:latin typeface="1훈새마을운동 R" panose="02020603020101020101" pitchFamily="18" charset="-127"/>
-                <a:ea typeface="1훈새마을운동 R" panose="02020603020101020101" pitchFamily="18" charset="-127"/>
-              </a:rPr>
-              <a:t>		1. </a:t>
-            </a:r>
-            <a:r>
-              <a:rPr lang="ko-KR" altLang="en-US" smtClean="0">
-                <a:solidFill>
-                  <a:schemeClr val="tx1"/>
-                </a:solidFill>
-                <a:latin typeface="1훈새마을운동 R" panose="02020603020101020101" pitchFamily="18" charset="-127"/>
-                <a:ea typeface="1훈새마을운동 R" panose="02020603020101020101" pitchFamily="18" charset="-127"/>
-              </a:rPr>
-              <a:t>삽입 </a:t>
-            </a:r>
-            <a:r>
-              <a:rPr lang="en-US" altLang="ko-KR" smtClean="0">
-                <a:solidFill>
-                  <a:schemeClr val="tx1"/>
-                </a:solidFill>
-                <a:latin typeface="1훈새마을운동 R" panose="02020603020101020101" pitchFamily="18" charset="-127"/>
-                <a:ea typeface="1훈새마을운동 R" panose="02020603020101020101" pitchFamily="18" charset="-127"/>
-              </a:rPr>
-              <a:t>: insert into </a:t>
-            </a:r>
-            <a:r>
-              <a:rPr lang="ko-KR" altLang="en-US" smtClean="0">
-                <a:solidFill>
-                  <a:schemeClr val="tx1"/>
-                </a:solidFill>
-                <a:latin typeface="1훈새마을운동 R" panose="02020603020101020101" pitchFamily="18" charset="-127"/>
-                <a:ea typeface="1훈새마을운동 R" panose="02020603020101020101" pitchFamily="18" charset="-127"/>
-              </a:rPr>
-              <a:t>테이블명</a:t>
-            </a:r>
-            <a:r>
-              <a:rPr lang="en-US" altLang="ko-KR" smtClean="0">
-                <a:solidFill>
-                  <a:schemeClr val="tx1"/>
-                </a:solidFill>
-                <a:latin typeface="1훈새마을운동 R" panose="02020603020101020101" pitchFamily="18" charset="-127"/>
-                <a:ea typeface="1훈새마을운동 R" panose="02020603020101020101" pitchFamily="18" charset="-127"/>
-              </a:rPr>
-              <a:t>( </a:t>
-            </a:r>
-            <a:r>
-              <a:rPr lang="ko-KR" altLang="en-US" smtClean="0">
-                <a:solidFill>
-                  <a:schemeClr val="tx1"/>
-                </a:solidFill>
-                <a:latin typeface="1훈새마을운동 R" panose="02020603020101020101" pitchFamily="18" charset="-127"/>
-                <a:ea typeface="1훈새마을운동 R" panose="02020603020101020101" pitchFamily="18" charset="-127"/>
-              </a:rPr>
-              <a:t>필드</a:t>
-            </a:r>
-            <a:r>
-              <a:rPr lang="en-US" altLang="ko-KR" smtClean="0">
-                <a:solidFill>
-                  <a:schemeClr val="tx1"/>
-                </a:solidFill>
-                <a:latin typeface="1훈새마을운동 R" panose="02020603020101020101" pitchFamily="18" charset="-127"/>
-                <a:ea typeface="1훈새마을운동 R" panose="02020603020101020101" pitchFamily="18" charset="-127"/>
-              </a:rPr>
-              <a:t>1 , </a:t>
-            </a:r>
-            <a:r>
-              <a:rPr lang="ko-KR" altLang="en-US" smtClean="0">
-                <a:solidFill>
-                  <a:schemeClr val="tx1"/>
-                </a:solidFill>
-                <a:latin typeface="1훈새마을운동 R" panose="02020603020101020101" pitchFamily="18" charset="-127"/>
-                <a:ea typeface="1훈새마을운동 R" panose="02020603020101020101" pitchFamily="18" charset="-127"/>
-              </a:rPr>
-              <a:t>필드</a:t>
-            </a:r>
-            <a:r>
-              <a:rPr lang="en-US" altLang="ko-KR" smtClean="0">
-                <a:solidFill>
-                  <a:schemeClr val="tx1"/>
-                </a:solidFill>
-                <a:latin typeface="1훈새마을운동 R" panose="02020603020101020101" pitchFamily="18" charset="-127"/>
-                <a:ea typeface="1훈새마을운동 R" panose="02020603020101020101" pitchFamily="18" charset="-127"/>
-              </a:rPr>
-              <a:t>2 ) values( </a:t>
-            </a:r>
-            <a:r>
-              <a:rPr lang="ko-KR" altLang="en-US" smtClean="0">
-                <a:solidFill>
-                  <a:schemeClr val="tx1"/>
-                </a:solidFill>
-                <a:latin typeface="1훈새마을운동 R" panose="02020603020101020101" pitchFamily="18" charset="-127"/>
-                <a:ea typeface="1훈새마을운동 R" panose="02020603020101020101" pitchFamily="18" charset="-127"/>
-              </a:rPr>
-              <a:t>값</a:t>
-            </a:r>
-            <a:r>
-              <a:rPr lang="en-US" altLang="ko-KR" smtClean="0">
-                <a:solidFill>
-                  <a:schemeClr val="tx1"/>
-                </a:solidFill>
-                <a:latin typeface="1훈새마을운동 R" panose="02020603020101020101" pitchFamily="18" charset="-127"/>
-                <a:ea typeface="1훈새마을운동 R" panose="02020603020101020101" pitchFamily="18" charset="-127"/>
-              </a:rPr>
-              <a:t>1 , </a:t>
-            </a:r>
-            <a:r>
-              <a:rPr lang="ko-KR" altLang="en-US" smtClean="0">
-                <a:solidFill>
-                  <a:schemeClr val="tx1"/>
-                </a:solidFill>
-                <a:latin typeface="1훈새마을운동 R" panose="02020603020101020101" pitchFamily="18" charset="-127"/>
-                <a:ea typeface="1훈새마을운동 R" panose="02020603020101020101" pitchFamily="18" charset="-127"/>
-              </a:rPr>
-              <a:t>값</a:t>
-            </a:r>
-            <a:r>
-              <a:rPr lang="en-US" altLang="ko-KR" smtClean="0">
-                <a:solidFill>
-                  <a:schemeClr val="tx1"/>
-                </a:solidFill>
-                <a:latin typeface="1훈새마을운동 R" panose="02020603020101020101" pitchFamily="18" charset="-127"/>
-                <a:ea typeface="1훈새마을운동 R" panose="02020603020101020101" pitchFamily="18" charset="-127"/>
-              </a:rPr>
-              <a:t>2 )</a:t>
-            </a:r>
-          </a:p>
-          <a:p>
-            <a:r>
-              <a:rPr lang="en-US" altLang="ko-KR" smtClean="0">
-                <a:solidFill>
-                  <a:schemeClr val="tx1"/>
-                </a:solidFill>
-                <a:latin typeface="1훈새마을운동 R" panose="02020603020101020101" pitchFamily="18" charset="-127"/>
-                <a:ea typeface="1훈새마을운동 R" panose="02020603020101020101" pitchFamily="18" charset="-127"/>
-              </a:rPr>
-              <a:t>			* </a:t>
-            </a:r>
-            <a:r>
-              <a:rPr lang="ko-KR" altLang="en-US" smtClean="0">
-                <a:solidFill>
-                  <a:schemeClr val="tx1"/>
-                </a:solidFill>
-                <a:latin typeface="1훈새마을운동 R" panose="02020603020101020101" pitchFamily="18" charset="-127"/>
-                <a:ea typeface="1훈새마을운동 R" panose="02020603020101020101" pitchFamily="18" charset="-127"/>
-              </a:rPr>
-              <a:t>모든필드 삽입 </a:t>
-            </a:r>
-            <a:r>
-              <a:rPr lang="en-US" altLang="ko-KR" smtClean="0">
-                <a:solidFill>
-                  <a:schemeClr val="tx1"/>
-                </a:solidFill>
-                <a:latin typeface="1훈새마을운동 R" panose="02020603020101020101" pitchFamily="18" charset="-127"/>
-                <a:ea typeface="1훈새마을운동 R" panose="02020603020101020101" pitchFamily="18" charset="-127"/>
-              </a:rPr>
-              <a:t>: insert into </a:t>
-            </a:r>
-            <a:r>
-              <a:rPr lang="ko-KR" altLang="en-US" smtClean="0">
-                <a:solidFill>
-                  <a:schemeClr val="tx1"/>
-                </a:solidFill>
-                <a:latin typeface="1훈새마을운동 R" panose="02020603020101020101" pitchFamily="18" charset="-127"/>
-                <a:ea typeface="1훈새마을운동 R" panose="02020603020101020101" pitchFamily="18" charset="-127"/>
-              </a:rPr>
-              <a:t>테이블명 </a:t>
-            </a:r>
-            <a:r>
-              <a:rPr lang="en-US" altLang="ko-KR" smtClean="0">
-                <a:solidFill>
-                  <a:schemeClr val="tx1"/>
-                </a:solidFill>
-                <a:latin typeface="1훈새마을운동 R" panose="02020603020101020101" pitchFamily="18" charset="-127"/>
-                <a:ea typeface="1훈새마을운동 R" panose="02020603020101020101" pitchFamily="18" charset="-127"/>
-              </a:rPr>
-              <a:t>values( </a:t>
-            </a:r>
-            <a:r>
-              <a:rPr lang="ko-KR" altLang="en-US" smtClean="0">
-                <a:solidFill>
-                  <a:schemeClr val="tx1"/>
-                </a:solidFill>
-                <a:latin typeface="1훈새마을운동 R" panose="02020603020101020101" pitchFamily="18" charset="-127"/>
-                <a:ea typeface="1훈새마을운동 R" panose="02020603020101020101" pitchFamily="18" charset="-127"/>
-              </a:rPr>
-              <a:t>값</a:t>
-            </a:r>
-            <a:r>
-              <a:rPr lang="en-US" altLang="ko-KR" smtClean="0">
-                <a:solidFill>
-                  <a:schemeClr val="tx1"/>
-                </a:solidFill>
-                <a:latin typeface="1훈새마을운동 R" panose="02020603020101020101" pitchFamily="18" charset="-127"/>
-                <a:ea typeface="1훈새마을운동 R" panose="02020603020101020101" pitchFamily="18" charset="-127"/>
-              </a:rPr>
-              <a:t>1 , </a:t>
-            </a:r>
-            <a:r>
-              <a:rPr lang="ko-KR" altLang="en-US" smtClean="0">
-                <a:solidFill>
-                  <a:schemeClr val="tx1"/>
-                </a:solidFill>
-                <a:latin typeface="1훈새마을운동 R" panose="02020603020101020101" pitchFamily="18" charset="-127"/>
-                <a:ea typeface="1훈새마을운동 R" panose="02020603020101020101" pitchFamily="18" charset="-127"/>
-              </a:rPr>
-              <a:t>값</a:t>
-            </a:r>
-            <a:r>
-              <a:rPr lang="en-US" altLang="ko-KR" smtClean="0">
-                <a:solidFill>
-                  <a:schemeClr val="tx1"/>
-                </a:solidFill>
-                <a:latin typeface="1훈새마을운동 R" panose="02020603020101020101" pitchFamily="18" charset="-127"/>
-                <a:ea typeface="1훈새마을운동 R" panose="02020603020101020101" pitchFamily="18" charset="-127"/>
-              </a:rPr>
-              <a:t>2 , </a:t>
-            </a:r>
-            <a:r>
-              <a:rPr lang="ko-KR" altLang="en-US" smtClean="0">
-                <a:solidFill>
-                  <a:schemeClr val="tx1"/>
-                </a:solidFill>
-                <a:latin typeface="1훈새마을운동 R" panose="02020603020101020101" pitchFamily="18" charset="-127"/>
-                <a:ea typeface="1훈새마을운동 R" panose="02020603020101020101" pitchFamily="18" charset="-127"/>
-              </a:rPr>
-              <a:t>값</a:t>
-            </a:r>
-            <a:r>
-              <a:rPr lang="en-US" altLang="ko-KR" smtClean="0">
-                <a:solidFill>
-                  <a:schemeClr val="tx1"/>
-                </a:solidFill>
-                <a:latin typeface="1훈새마을운동 R" panose="02020603020101020101" pitchFamily="18" charset="-127"/>
-                <a:ea typeface="1훈새마을운동 R" panose="02020603020101020101" pitchFamily="18" charset="-127"/>
-              </a:rPr>
-              <a:t>3 )</a:t>
-            </a:r>
-          </a:p>
-          <a:p>
-            <a:r>
-              <a:rPr lang="en-US" altLang="ko-KR" smtClean="0">
-                <a:solidFill>
-                  <a:schemeClr val="tx1"/>
-                </a:solidFill>
-                <a:latin typeface="1훈새마을운동 R" panose="02020603020101020101" pitchFamily="18" charset="-127"/>
-                <a:ea typeface="1훈새마을운동 R" panose="02020603020101020101" pitchFamily="18" charset="-127"/>
-              </a:rPr>
-              <a:t>			* </a:t>
-            </a:r>
-            <a:r>
-              <a:rPr lang="ko-KR" altLang="en-US" smtClean="0">
-                <a:solidFill>
-                  <a:schemeClr val="tx1"/>
-                </a:solidFill>
-                <a:latin typeface="1훈새마을운동 R" panose="02020603020101020101" pitchFamily="18" charset="-127"/>
-                <a:ea typeface="1훈새마을운동 R" panose="02020603020101020101" pitchFamily="18" charset="-127"/>
-              </a:rPr>
-              <a:t>모든필드 삽입시 </a:t>
-            </a:r>
-            <a:r>
-              <a:rPr lang="en-US" altLang="ko-KR" smtClean="0">
-                <a:solidFill>
-                  <a:schemeClr val="tx1"/>
-                </a:solidFill>
-                <a:latin typeface="1훈새마을운동 R" panose="02020603020101020101" pitchFamily="18" charset="-127"/>
-                <a:ea typeface="1훈새마을운동 R" panose="02020603020101020101" pitchFamily="18" charset="-127"/>
-              </a:rPr>
-              <a:t>: </a:t>
-            </a:r>
-            <a:r>
-              <a:rPr lang="ko-KR" altLang="en-US" smtClean="0">
-                <a:solidFill>
-                  <a:schemeClr val="tx1"/>
-                </a:solidFill>
-                <a:latin typeface="1훈새마을운동 R" panose="02020603020101020101" pitchFamily="18" charset="-127"/>
-                <a:ea typeface="1훈새마을운동 R" panose="02020603020101020101" pitchFamily="18" charset="-127"/>
-              </a:rPr>
-              <a:t>필드명 생략 </a:t>
-            </a:r>
-            <a:r>
-              <a:rPr lang="en-US" altLang="ko-KR" smtClean="0">
-                <a:solidFill>
-                  <a:schemeClr val="tx1"/>
-                </a:solidFill>
-                <a:latin typeface="1훈새마을운동 R" panose="02020603020101020101" pitchFamily="18" charset="-127"/>
-                <a:ea typeface="1훈새마을운동 R" panose="02020603020101020101" pitchFamily="18" charset="-127"/>
-              </a:rPr>
-              <a:t>  </a:t>
-            </a:r>
-          </a:p>
-          <a:p>
+              <a:rPr lang="ko-KR" altLang="en-US" smtClean="0">
+                <a:solidFill>
+                  <a:schemeClr val="tx1"/>
+                </a:solidFill>
+                <a:latin typeface="1훈새마을운동 R" panose="02020603020101020101" pitchFamily="18" charset="-127"/>
+                <a:ea typeface="1훈새마을운동 R" panose="02020603020101020101" pitchFamily="18" charset="-127"/>
+              </a:rPr>
+              <a:t> </a:t>
+            </a:r>
+            <a:r>
+              <a:rPr lang="en-US" altLang="ko-KR" smtClean="0">
+                <a:solidFill>
+                  <a:schemeClr val="tx1"/>
+                </a:solidFill>
+                <a:latin typeface="1훈새마을운동 R" panose="02020603020101020101" pitchFamily="18" charset="-127"/>
+                <a:ea typeface="1훈새마을운동 R" panose="02020603020101020101" pitchFamily="18" charset="-127"/>
+              </a:rPr>
+              <a:t>	1. </a:t>
+            </a:r>
+            <a:r>
+              <a:rPr lang="en-US" altLang="ko-KR" smtClean="0">
+                <a:latin typeface="1훈새마을운동 R" panose="02020603020101020101" pitchFamily="18" charset="-127"/>
+                <a:ea typeface="1훈새마을운동 R" panose="02020603020101020101" pitchFamily="18" charset="-127"/>
+              </a:rPr>
+              <a:t>Connection		DB </a:t>
+            </a:r>
+            <a:r>
+              <a:rPr lang="ko-KR" altLang="en-US" smtClean="0">
+                <a:latin typeface="1훈새마을운동 R" panose="02020603020101020101" pitchFamily="18" charset="-127"/>
+                <a:ea typeface="1훈새마을운동 R" panose="02020603020101020101" pitchFamily="18" charset="-127"/>
+              </a:rPr>
+              <a:t>연결 인터페이스 </a:t>
+            </a:r>
+            <a:endParaRPr lang="en-US" altLang="ko-KR" smtClean="0">
+              <a:latin typeface="1훈새마을운동 R" panose="02020603020101020101" pitchFamily="18" charset="-127"/>
+              <a:ea typeface="1훈새마을운동 R" panose="02020603020101020101" pitchFamily="18" charset="-127"/>
+            </a:endParaRPr>
+          </a:p>
+          <a:p>
+            <a:r>
+              <a:rPr lang="en-US" altLang="ko-KR">
+                <a:latin typeface="1훈새마을운동 R" panose="02020603020101020101" pitchFamily="18" charset="-127"/>
+                <a:ea typeface="1훈새마을운동 R" panose="02020603020101020101" pitchFamily="18" charset="-127"/>
+              </a:rPr>
+              <a:t>	</a:t>
+            </a:r>
+            <a:r>
+              <a:rPr lang="en-US" altLang="ko-KR" smtClean="0">
+                <a:latin typeface="1훈새마을운동 R" panose="02020603020101020101" pitchFamily="18" charset="-127"/>
+                <a:ea typeface="1훈새마을운동 R" panose="02020603020101020101" pitchFamily="18" charset="-127"/>
+              </a:rPr>
+              <a:t>	* DriverManager.getConnection(  )</a:t>
+            </a:r>
+          </a:p>
+          <a:p>
+            <a:r>
+              <a:rPr lang="en-US" altLang="ko-KR">
+                <a:solidFill>
+                  <a:schemeClr val="tx1"/>
+                </a:solidFill>
+                <a:latin typeface="1훈새마을운동 R" panose="02020603020101020101" pitchFamily="18" charset="-127"/>
+                <a:ea typeface="1훈새마을운동 R" panose="02020603020101020101" pitchFamily="18" charset="-127"/>
+              </a:rPr>
+              <a:t>	</a:t>
+            </a:r>
+            <a:r>
+              <a:rPr lang="en-US" altLang="ko-KR" smtClean="0">
+                <a:solidFill>
+                  <a:schemeClr val="tx1"/>
+                </a:solidFill>
+                <a:latin typeface="1훈새마을운동 R" panose="02020603020101020101" pitchFamily="18" charset="-127"/>
+                <a:ea typeface="1훈새마을운동 R" panose="02020603020101020101" pitchFamily="18" charset="-127"/>
+              </a:rPr>
+              <a:t>2. </a:t>
+            </a:r>
+            <a:r>
+              <a:rPr lang="en-US" altLang="ko-KR" smtClean="0">
+                <a:latin typeface="1훈새마을운동 R" panose="02020603020101020101" pitchFamily="18" charset="-127"/>
+                <a:ea typeface="1훈새마을운동 R" panose="02020603020101020101" pitchFamily="18" charset="-127"/>
+              </a:rPr>
+              <a:t>PreparedStatement	SQL </a:t>
+            </a:r>
+            <a:r>
+              <a:rPr lang="ko-KR" altLang="en-US" smtClean="0">
+                <a:latin typeface="1훈새마을운동 R" panose="02020603020101020101" pitchFamily="18" charset="-127"/>
+                <a:ea typeface="1훈새마을운동 R" panose="02020603020101020101" pitchFamily="18" charset="-127"/>
+              </a:rPr>
+              <a:t>연결 조</a:t>
+            </a:r>
+            <a:r>
+              <a:rPr lang="ko-KR" altLang="en-US">
+                <a:latin typeface="1훈새마을운동 R" panose="02020603020101020101" pitchFamily="18" charset="-127"/>
+                <a:ea typeface="1훈새마을운동 R" panose="02020603020101020101" pitchFamily="18" charset="-127"/>
+              </a:rPr>
+              <a:t>작</a:t>
+            </a:r>
+            <a:r>
+              <a:rPr lang="ko-KR" altLang="en-US" smtClean="0">
+                <a:latin typeface="1훈새마을운동 R" panose="02020603020101020101" pitchFamily="18" charset="-127"/>
+                <a:ea typeface="1훈새마을운동 R" panose="02020603020101020101" pitchFamily="18" charset="-127"/>
+              </a:rPr>
+              <a:t> 인터페이스 </a:t>
+            </a:r>
+            <a:endParaRPr lang="en-US" altLang="ko-KR" smtClean="0">
+              <a:latin typeface="1훈새마을운동 R" panose="02020603020101020101" pitchFamily="18" charset="-127"/>
+              <a:ea typeface="1훈새마을운동 R" panose="02020603020101020101" pitchFamily="18" charset="-127"/>
+            </a:endParaRPr>
+          </a:p>
+          <a:p>
+            <a:r>
+              <a:rPr lang="en-US" altLang="ko-KR">
+                <a:latin typeface="1훈새마을운동 R" panose="02020603020101020101" pitchFamily="18" charset="-127"/>
+                <a:ea typeface="1훈새마을운동 R" panose="02020603020101020101" pitchFamily="18" charset="-127"/>
+              </a:rPr>
+              <a:t>	</a:t>
+            </a:r>
+            <a:r>
+              <a:rPr lang="en-US" altLang="ko-KR" smtClean="0">
+                <a:latin typeface="1훈새마을운동 R" panose="02020603020101020101" pitchFamily="18" charset="-127"/>
+                <a:ea typeface="1훈새마을운동 R" panose="02020603020101020101" pitchFamily="18" charset="-127"/>
+              </a:rPr>
+              <a:t>	* ? </a:t>
+            </a:r>
+            <a:r>
+              <a:rPr lang="ko-KR" altLang="en-US" smtClean="0">
+                <a:latin typeface="1훈새마을운동 R" panose="02020603020101020101" pitchFamily="18" charset="-127"/>
+                <a:ea typeface="1훈새마을운동 R" panose="02020603020101020101" pitchFamily="18" charset="-127"/>
+              </a:rPr>
+              <a:t>에 데이터 </a:t>
+            </a:r>
+            <a:r>
+              <a:rPr lang="ko-KR" altLang="en-US" smtClean="0">
+                <a:latin typeface="1훈새마을운동 R" panose="02020603020101020101" pitchFamily="18" charset="-127"/>
+                <a:ea typeface="1훈새마을운동 R" panose="02020603020101020101" pitchFamily="18" charset="-127"/>
+              </a:rPr>
+              <a:t>넣기</a:t>
+            </a:r>
+            <a:endParaRPr lang="en-US" altLang="ko-KR">
+              <a:latin typeface="1훈새마을운동 R" panose="02020603020101020101" pitchFamily="18" charset="-127"/>
+              <a:ea typeface="1훈새마을운동 R" panose="02020603020101020101" pitchFamily="18" charset="-127"/>
+            </a:endParaRPr>
+          </a:p>
+          <a:p>
+            <a:r>
+              <a:rPr lang="en-US" altLang="ko-KR" smtClean="0">
+                <a:latin typeface="1훈새마을운동 R" panose="02020603020101020101" pitchFamily="18" charset="-127"/>
+                <a:ea typeface="1훈새마을운동 R" panose="02020603020101020101" pitchFamily="18" charset="-127"/>
+              </a:rPr>
+              <a:t>		* </a:t>
+            </a:r>
+            <a:r>
+              <a:rPr lang="en-US" altLang="ko-KR" smtClean="0">
+                <a:latin typeface="1훈새마을운동 R" panose="02020603020101020101" pitchFamily="18" charset="-127"/>
+                <a:ea typeface="1훈새마을운동 R" panose="02020603020101020101" pitchFamily="18" charset="-127"/>
+              </a:rPr>
+              <a:t>preparedStatement.executeQuery(); 		: Select</a:t>
+            </a:r>
+          </a:p>
+          <a:p>
+            <a:r>
+              <a:rPr lang="en-US" altLang="ko-KR">
+                <a:latin typeface="1훈새마을운동 R" panose="02020603020101020101" pitchFamily="18" charset="-127"/>
+                <a:ea typeface="1훈새마을운동 R" panose="02020603020101020101" pitchFamily="18" charset="-127"/>
+              </a:rPr>
+              <a:t>	</a:t>
+            </a:r>
+            <a:r>
+              <a:rPr lang="en-US" altLang="ko-KR" smtClean="0">
+                <a:latin typeface="1훈새마을운동 R" panose="02020603020101020101" pitchFamily="18" charset="-127"/>
+                <a:ea typeface="1훈새마을운동 R" panose="02020603020101020101" pitchFamily="18" charset="-127"/>
+              </a:rPr>
+              <a:t>	* </a:t>
+            </a:r>
+            <a:r>
+              <a:rPr lang="en-US" altLang="ko-KR" smtClean="0">
+                <a:latin typeface="1훈새마을운동 R" panose="02020603020101020101" pitchFamily="18" charset="-127"/>
+                <a:ea typeface="1훈새마을운동 R" panose="02020603020101020101" pitchFamily="18" charset="-127"/>
+              </a:rPr>
+              <a:t>preparedStatement.executeUpdate(); 		: insert , update , delete</a:t>
+            </a:r>
+            <a:endParaRPr lang="en-US" altLang="ko-KR" smtClean="0">
+              <a:latin typeface="1훈새마을운동 R" panose="02020603020101020101" pitchFamily="18" charset="-127"/>
+              <a:ea typeface="1훈새마을운동 R" panose="02020603020101020101" pitchFamily="18" charset="-127"/>
+            </a:endParaRPr>
+          </a:p>
+          <a:p>
+            <a:r>
+              <a:rPr lang="en-US" altLang="ko-KR">
+                <a:solidFill>
+                  <a:schemeClr val="tx1"/>
+                </a:solidFill>
+                <a:latin typeface="1훈새마을운동 R" panose="02020603020101020101" pitchFamily="18" charset="-127"/>
+                <a:ea typeface="1훈새마을운동 R" panose="02020603020101020101" pitchFamily="18" charset="-127"/>
+              </a:rPr>
+              <a:t>	</a:t>
+            </a:r>
+            <a:r>
+              <a:rPr lang="en-US" altLang="ko-KR" smtClean="0">
+                <a:solidFill>
+                  <a:schemeClr val="tx1"/>
+                </a:solidFill>
+                <a:latin typeface="1훈새마을운동 R" panose="02020603020101020101" pitchFamily="18" charset="-127"/>
+                <a:ea typeface="1훈새마을운동 R" panose="02020603020101020101" pitchFamily="18" charset="-127"/>
+              </a:rPr>
+              <a:t>3. </a:t>
+            </a:r>
+            <a:r>
+              <a:rPr lang="en-US" altLang="ko-KR">
+                <a:latin typeface="1훈새마을운동 R" panose="02020603020101020101" pitchFamily="18" charset="-127"/>
+                <a:ea typeface="1훈새마을운동 R" panose="02020603020101020101" pitchFamily="18" charset="-127"/>
+              </a:rPr>
+              <a:t>ResultSet</a:t>
+            </a:r>
+            <a:r>
+              <a:rPr lang="en-US" altLang="ko-KR" smtClean="0">
+                <a:solidFill>
+                  <a:schemeClr val="tx1"/>
+                </a:solidFill>
+                <a:latin typeface="1훈새마을운동 R" panose="02020603020101020101" pitchFamily="18" charset="-127"/>
+                <a:ea typeface="1훈새마을운동 R" panose="02020603020101020101" pitchFamily="18" charset="-127"/>
+              </a:rPr>
+              <a:t>		SQL </a:t>
+            </a:r>
+            <a:r>
+              <a:rPr lang="ko-KR" altLang="en-US" smtClean="0">
+                <a:solidFill>
+                  <a:schemeClr val="tx1"/>
+                </a:solidFill>
+                <a:latin typeface="1훈새마을운동 R" panose="02020603020101020101" pitchFamily="18" charset="-127"/>
+                <a:ea typeface="1훈새마을운동 R" panose="02020603020101020101" pitchFamily="18" charset="-127"/>
+              </a:rPr>
+              <a:t>결과</a:t>
+            </a:r>
+            <a:r>
+              <a:rPr lang="en-US" altLang="ko-KR" smtClean="0">
+                <a:solidFill>
+                  <a:schemeClr val="tx1"/>
+                </a:solidFill>
+                <a:latin typeface="1훈새마을운동 R" panose="02020603020101020101" pitchFamily="18" charset="-127"/>
+                <a:ea typeface="1훈새마을운동 R" panose="02020603020101020101" pitchFamily="18" charset="-127"/>
+              </a:rPr>
+              <a:t>[</a:t>
+            </a:r>
+            <a:r>
+              <a:rPr lang="ko-KR" altLang="en-US" smtClean="0">
+                <a:solidFill>
+                  <a:schemeClr val="tx1"/>
+                </a:solidFill>
+                <a:latin typeface="1훈새마을운동 R" panose="02020603020101020101" pitchFamily="18" charset="-127"/>
+                <a:ea typeface="1훈새마을운동 R" panose="02020603020101020101" pitchFamily="18" charset="-127"/>
+              </a:rPr>
+              <a:t>쿼리</a:t>
+            </a:r>
+            <a:r>
+              <a:rPr lang="en-US" altLang="ko-KR" smtClean="0">
+                <a:solidFill>
+                  <a:schemeClr val="tx1"/>
+                </a:solidFill>
+                <a:latin typeface="1훈새마을운동 R" panose="02020603020101020101" pitchFamily="18" charset="-127"/>
+                <a:ea typeface="1훈새마을운동 R" panose="02020603020101020101" pitchFamily="18" charset="-127"/>
+              </a:rPr>
+              <a:t>] </a:t>
+            </a:r>
+            <a:r>
+              <a:rPr lang="ko-KR" altLang="en-US" smtClean="0">
+                <a:solidFill>
+                  <a:schemeClr val="tx1"/>
+                </a:solidFill>
+                <a:latin typeface="1훈새마을운동 R" panose="02020603020101020101" pitchFamily="18" charset="-127"/>
+                <a:ea typeface="1훈새마을운동 R" panose="02020603020101020101" pitchFamily="18" charset="-127"/>
+              </a:rPr>
+              <a:t> 연결 인터페이스</a:t>
+            </a:r>
             <a:endParaRPr lang="en-US" altLang="ko-KR" smtClean="0">
               <a:solidFill>
                 <a:schemeClr val="tx1"/>
@@ -35095,94 +35512,34 @@
           </a:p>
           <a:p>
             <a:r>
-              <a:rPr lang="en-US" altLang="ko-KR" smtClean="0">
-                <a:solidFill>
-                  <a:schemeClr val="tx1"/>
-                </a:solidFill>
-                <a:latin typeface="1훈새마을운동 R" panose="02020603020101020101" pitchFamily="18" charset="-127"/>
-                <a:ea typeface="1훈새마을운동 R" panose="02020603020101020101" pitchFamily="18" charset="-127"/>
-              </a:rPr>
-              <a:t>		2. </a:t>
-            </a:r>
-            <a:r>
-              <a:rPr lang="ko-KR" altLang="en-US" smtClean="0">
-                <a:solidFill>
-                  <a:schemeClr val="tx1"/>
-                </a:solidFill>
-                <a:latin typeface="1훈새마을운동 R" panose="02020603020101020101" pitchFamily="18" charset="-127"/>
-                <a:ea typeface="1훈새마을운동 R" panose="02020603020101020101" pitchFamily="18" charset="-127"/>
-              </a:rPr>
-              <a:t>검색 </a:t>
-            </a:r>
-            <a:r>
-              <a:rPr lang="en-US" altLang="ko-KR" smtClean="0">
-                <a:solidFill>
-                  <a:schemeClr val="tx1"/>
-                </a:solidFill>
-                <a:latin typeface="1훈새마을운동 R" panose="02020603020101020101" pitchFamily="18" charset="-127"/>
-                <a:ea typeface="1훈새마을운동 R" panose="02020603020101020101" pitchFamily="18" charset="-127"/>
-              </a:rPr>
-              <a:t>: select </a:t>
-            </a:r>
-            <a:r>
-              <a:rPr lang="ko-KR" altLang="en-US" smtClean="0">
-                <a:solidFill>
-                  <a:schemeClr val="tx1"/>
-                </a:solidFill>
-                <a:latin typeface="1훈새마을운동 R" panose="02020603020101020101" pitchFamily="18" charset="-127"/>
-                <a:ea typeface="1훈새마을운동 R" panose="02020603020101020101" pitchFamily="18" charset="-127"/>
-              </a:rPr>
-              <a:t>필드명 </a:t>
-            </a:r>
-            <a:r>
-              <a:rPr lang="en-US" altLang="ko-KR" smtClean="0">
-                <a:solidFill>
-                  <a:schemeClr val="tx1"/>
-                </a:solidFill>
-                <a:latin typeface="1훈새마을운동 R" panose="02020603020101020101" pitchFamily="18" charset="-127"/>
-                <a:ea typeface="1훈새마을운동 R" panose="02020603020101020101" pitchFamily="18" charset="-127"/>
-              </a:rPr>
-              <a:t>from </a:t>
-            </a:r>
-            <a:r>
-              <a:rPr lang="ko-KR" altLang="en-US" smtClean="0">
-                <a:solidFill>
-                  <a:schemeClr val="tx1"/>
-                </a:solidFill>
-                <a:latin typeface="1훈새마을운동 R" panose="02020603020101020101" pitchFamily="18" charset="-127"/>
-                <a:ea typeface="1훈새마을운동 R" panose="02020603020101020101" pitchFamily="18" charset="-127"/>
-              </a:rPr>
-              <a:t>테이블명</a:t>
-            </a:r>
-            <a:r>
-              <a:rPr lang="en-US" altLang="ko-KR">
-                <a:solidFill>
-                  <a:schemeClr val="tx1"/>
-                </a:solidFill>
-                <a:latin typeface="1훈새마을운동 R" panose="02020603020101020101" pitchFamily="18" charset="-127"/>
-                <a:ea typeface="1훈새마을운동 R" panose="02020603020101020101" pitchFamily="18" charset="-127"/>
-              </a:rPr>
-              <a:t> </a:t>
-            </a:r>
-            <a:r>
-              <a:rPr lang="en-US" altLang="ko-KR" smtClean="0">
-                <a:solidFill>
-                  <a:schemeClr val="tx1"/>
-                </a:solidFill>
-                <a:latin typeface="1훈새마을운동 R" panose="02020603020101020101" pitchFamily="18" charset="-127"/>
-                <a:ea typeface="1훈새마을운동 R" panose="02020603020101020101" pitchFamily="18" charset="-127"/>
-              </a:rPr>
-              <a:t>where </a:t>
-            </a:r>
-            <a:r>
-              <a:rPr lang="ko-KR" altLang="en-US" smtClean="0">
-                <a:solidFill>
-                  <a:schemeClr val="tx1"/>
-                </a:solidFill>
-                <a:latin typeface="1훈새마을운동 R" panose="02020603020101020101" pitchFamily="18" charset="-127"/>
-                <a:ea typeface="1훈새마을운동 R" panose="02020603020101020101" pitchFamily="18" charset="-127"/>
-              </a:rPr>
-              <a:t>조건 </a:t>
+              <a:rPr lang="en-US" altLang="ko-KR">
+                <a:solidFill>
+                  <a:schemeClr val="tx1"/>
+                </a:solidFill>
+                <a:latin typeface="1훈새마을운동 R" panose="02020603020101020101" pitchFamily="18" charset="-127"/>
+                <a:ea typeface="1훈새마을운동 R" panose="02020603020101020101" pitchFamily="18" charset="-127"/>
+              </a:rPr>
+              <a:t>	</a:t>
+            </a:r>
+            <a:r>
+              <a:rPr lang="en-US" altLang="ko-KR" smtClean="0">
+                <a:solidFill>
+                  <a:schemeClr val="tx1"/>
+                </a:solidFill>
+                <a:latin typeface="1훈새마을운동 R" panose="02020603020101020101" pitchFamily="18" charset="-127"/>
+                <a:ea typeface="1훈새마을운동 R" panose="02020603020101020101" pitchFamily="18" charset="-127"/>
+              </a:rPr>
+              <a:t>	.next : </a:t>
+            </a:r>
+            <a:r>
+              <a:rPr lang="ko-KR" altLang="en-US" smtClean="0">
+                <a:solidFill>
+                  <a:schemeClr val="tx1"/>
+                </a:solidFill>
+                <a:latin typeface="1훈새마을운동 R" panose="02020603020101020101" pitchFamily="18" charset="-127"/>
+                <a:ea typeface="1훈새마을운동 R" panose="02020603020101020101" pitchFamily="18" charset="-127"/>
+              </a:rPr>
+              <a:t>쿼리 결과의 다음 레코드 가져오기 </a:t>
             </a:r>
             <a:endParaRPr lang="en-US" altLang="ko-KR" smtClean="0">
               <a:solidFill>
@@ -35201,68 +35558,49 @@
                 <a:latin typeface="1훈새마을운동 R" panose="02020603020101020101" pitchFamily="18" charset="-127"/>
                 <a:ea typeface="1훈새마을운동 R" panose="02020603020101020101" pitchFamily="18" charset="-127"/>
               </a:rPr>
-              <a:t>			* </a:t>
-            </a:r>
-            <a:r>
-              <a:rPr lang="ko-KR" altLang="en-US" smtClean="0">
-                <a:solidFill>
-                  <a:schemeClr val="tx1"/>
-                </a:solidFill>
-                <a:latin typeface="1훈새마을운동 R" panose="02020603020101020101" pitchFamily="18" charset="-127"/>
-                <a:ea typeface="1훈새마을운동 R" panose="02020603020101020101" pitchFamily="18" charset="-127"/>
-              </a:rPr>
-              <a:t>모든필드 검색 </a:t>
-            </a:r>
-            <a:r>
-              <a:rPr lang="en-US" altLang="ko-KR" smtClean="0">
-                <a:solidFill>
-                  <a:schemeClr val="tx1"/>
-                </a:solidFill>
-                <a:latin typeface="1훈새마을운동 R" panose="02020603020101020101" pitchFamily="18" charset="-127"/>
-                <a:ea typeface="1훈새마을운동 R" panose="02020603020101020101" pitchFamily="18" charset="-127"/>
-              </a:rPr>
-              <a:t>: select * from</a:t>
-            </a:r>
-            <a:r>
-              <a:rPr lang="ko-KR" altLang="en-US">
-                <a:solidFill>
-                  <a:schemeClr val="tx1"/>
-                </a:solidFill>
-                <a:latin typeface="1훈새마을운동 R" panose="02020603020101020101" pitchFamily="18" charset="-127"/>
-                <a:ea typeface="1훈새마을운동 R" panose="02020603020101020101" pitchFamily="18" charset="-127"/>
-              </a:rPr>
-              <a:t> </a:t>
-            </a:r>
-            <a:r>
-              <a:rPr lang="ko-KR" altLang="en-US" smtClean="0">
-                <a:solidFill>
-                  <a:schemeClr val="tx1"/>
-                </a:solidFill>
-                <a:latin typeface="1훈새마을운동 R" panose="02020603020101020101" pitchFamily="18" charset="-127"/>
-                <a:ea typeface="1훈새마을운동 R" panose="02020603020101020101" pitchFamily="18" charset="-127"/>
-              </a:rPr>
-              <a:t>테이블명 </a:t>
-            </a:r>
-            <a:r>
-              <a:rPr lang="en-US" altLang="ko-KR" smtClean="0">
-                <a:solidFill>
-                  <a:schemeClr val="tx1"/>
-                </a:solidFill>
-                <a:latin typeface="1훈새마을운동 R" panose="02020603020101020101" pitchFamily="18" charset="-127"/>
-                <a:ea typeface="1훈새마을운동 R" panose="02020603020101020101" pitchFamily="18" charset="-127"/>
-              </a:rPr>
-              <a:t>where </a:t>
-            </a:r>
-            <a:r>
-              <a:rPr lang="ko-KR" altLang="en-US" smtClean="0">
-                <a:solidFill>
-                  <a:schemeClr val="tx1"/>
-                </a:solidFill>
-                <a:latin typeface="1훈새마을운동 R" panose="02020603020101020101" pitchFamily="18" charset="-127"/>
-                <a:ea typeface="1훈새마을운동 R" panose="02020603020101020101" pitchFamily="18" charset="-127"/>
-              </a:rPr>
-              <a:t>조건 </a:t>
-            </a:r>
+              <a:t>		</a:t>
+            </a:r>
+            <a:r>
+              <a:rPr lang="en-US" altLang="ko-KR">
+                <a:latin typeface="1훈새마을운동 R" panose="02020603020101020101" pitchFamily="18" charset="-127"/>
+                <a:ea typeface="1훈새마을운동 R" panose="02020603020101020101" pitchFamily="18" charset="-127"/>
+              </a:rPr>
+              <a:t>.</a:t>
+            </a:r>
+            <a:r>
+              <a:rPr lang="en-US" altLang="ko-KR" smtClean="0">
+                <a:latin typeface="1훈새마을운동 R" panose="02020603020101020101" pitchFamily="18" charset="-127"/>
+                <a:ea typeface="1훈새마을운동 R" panose="02020603020101020101" pitchFamily="18" charset="-127"/>
+              </a:rPr>
+              <a:t>get</a:t>
+            </a:r>
+            <a:r>
+              <a:rPr lang="ko-KR" altLang="en-US" smtClean="0">
+                <a:latin typeface="1훈새마을운동 R" panose="02020603020101020101" pitchFamily="18" charset="-127"/>
+                <a:ea typeface="1훈새마을운동 R" panose="02020603020101020101" pitchFamily="18" charset="-127"/>
+              </a:rPr>
+              <a:t>자료형</a:t>
+            </a:r>
+            <a:r>
+              <a:rPr lang="en-US" altLang="ko-KR" smtClean="0">
+                <a:latin typeface="1훈새마을운동 R" panose="02020603020101020101" pitchFamily="18" charset="-127"/>
+                <a:ea typeface="1훈새마을운동 R" panose="02020603020101020101" pitchFamily="18" charset="-127"/>
+              </a:rPr>
+              <a:t> : </a:t>
+            </a:r>
+            <a:r>
+              <a:rPr lang="ko-KR" altLang="en-US" smtClean="0">
+                <a:latin typeface="1훈새마을운동 R" panose="02020603020101020101" pitchFamily="18" charset="-127"/>
+                <a:ea typeface="1훈새마을운동 R" panose="02020603020101020101" pitchFamily="18" charset="-127"/>
+              </a:rPr>
+              <a:t>현재 레코드의 필드 가져오기 </a:t>
+            </a:r>
+            <a:endParaRPr lang="en-US" altLang="ko-KR" smtClean="0">
+              <a:latin typeface="1훈새마을운동 R" panose="02020603020101020101" pitchFamily="18" charset="-127"/>
+              <a:ea typeface="1훈새마을운동 R" panose="02020603020101020101" pitchFamily="18" charset="-127"/>
+            </a:endParaRPr>
+          </a:p>
+          <a:p>
             <a:endParaRPr lang="en-US" altLang="ko-KR" smtClean="0">
               <a:solidFill>
                 <a:schemeClr val="tx1"/>
@@ -35271,6 +35609,83 @@
               <a:ea typeface="1훈새마을운동 R" panose="02020603020101020101" pitchFamily="18" charset="-127"/>
             </a:endParaRPr>
           </a:p>
+        </p:txBody>
+      </p:sp>
+    </p:spTree>
+    <p:extLst>
+      <p:ext uri="{BB962C8B-B14F-4D97-AF65-F5344CB8AC3E}">
+        <p14:creationId xmlns:p14="http://schemas.microsoft.com/office/powerpoint/2010/main" val="3218972104"/>
+      </p:ext>
+    </p:extLst>
+  </p:cSld>
+  <p:clrMapOvr>
+    <a:masterClrMapping/>
+  </p:clrMapOvr>
+</p:sld>
+</file>
+
+<file path=ppt/slides/slide41.xml><?xml version="1.0" encoding="utf-8"?>
+<p:sld xmlns:a="http://schemas.openxmlformats.org/drawingml/2006/main" xmlns:r="http://schemas.openxmlformats.org/officeDocument/2006/relationships" xmlns:p="http://schemas.openxmlformats.org/presentationml/2006/main">
+  <p:cSld>
+    <p:spTree>
+      <p:nvGrpSpPr>
+        <p:cNvPr id="1" name=""/>
+        <p:cNvGrpSpPr/>
+        <p:nvPr/>
+      </p:nvGrpSpPr>
+      <p:grpSpPr>
+        <a:xfrm>
+          <a:off x="0" y="0"/>
+          <a:ext cx="0" cy="0"/>
+          <a:chOff x="0" y="0"/>
+          <a:chExt cx="0" cy="0"/>
+        </a:xfrm>
+      </p:grpSpPr>
+      <p:sp>
+        <p:nvSpPr>
+          <p:cNvPr id="4" name="직사각형 3"/>
+          <p:cNvSpPr/>
+          <p:nvPr/>
+        </p:nvSpPr>
+        <p:spPr>
+          <a:xfrm>
+            <a:off x="173052" y="188639"/>
+            <a:ext cx="9676492" cy="6408713"/>
+          </a:xfrm>
+          <a:prstGeom prst="rect">
+            <a:avLst/>
+          </a:prstGeom>
+          <a:noFill/>
+        </p:spPr>
+        <p:style>
+          <a:lnRef idx="2">
+            <a:schemeClr val="accent6"/>
+          </a:lnRef>
+          <a:fillRef idx="1">
+            <a:schemeClr val="lt1"/>
+          </a:fillRef>
+          <a:effectRef idx="0">
+            <a:schemeClr val="accent6"/>
+          </a:effectRef>
+          <a:fontRef idx="minor">
+            <a:schemeClr val="dk1"/>
+          </a:fontRef>
+        </p:style>
+        <p:txBody>
+          <a:bodyPr rtlCol="0" anchor="t"/>
+          <a:lstStyle/>
+          <a:p>
+            <a:r>
+              <a:rPr lang="en-US" altLang="ko-KR" smtClean="0">
+                <a:solidFill>
+                  <a:schemeClr val="tx1"/>
+                </a:solidFill>
+                <a:latin typeface="1훈새마을운동 R" panose="02020603020101020101" pitchFamily="18" charset="-127"/>
+                <a:ea typeface="1훈새마을운동 R" panose="02020603020101020101" pitchFamily="18" charset="-127"/>
+              </a:rPr>
+              <a:t>*Database </a:t>
+            </a:r>
+          </a:p>
           <a:p>
             <a:r>
               <a:rPr lang="en-US" altLang="ko-KR">
@@ -35290,50 +35705,48 @@
                 <a:latin typeface="1훈새마을운동 R" panose="02020603020101020101" pitchFamily="18" charset="-127"/>
                 <a:ea typeface="1훈새마을운동 R" panose="02020603020101020101" pitchFamily="18" charset="-127"/>
               </a:rPr>
-              <a:t>		* </a:t>
-            </a:r>
-            <a:r>
-              <a:rPr lang="ko-KR" altLang="en-US" smtClean="0">
-                <a:solidFill>
-                  <a:schemeClr val="tx1"/>
-                </a:solidFill>
-                <a:latin typeface="1훈새마을운동 R" panose="02020603020101020101" pitchFamily="18" charset="-127"/>
-                <a:ea typeface="1훈새마을운동 R" panose="02020603020101020101" pitchFamily="18" charset="-127"/>
-              </a:rPr>
-              <a:t>모든필드 검색시 </a:t>
-            </a:r>
-            <a:r>
-              <a:rPr lang="en-US" altLang="ko-KR" smtClean="0">
-                <a:solidFill>
-                  <a:schemeClr val="tx1"/>
-                </a:solidFill>
-                <a:latin typeface="1훈새마을운동 R" panose="02020603020101020101" pitchFamily="18" charset="-127"/>
-                <a:ea typeface="1훈새마을운동 R" panose="02020603020101020101" pitchFamily="18" charset="-127"/>
-              </a:rPr>
-              <a:t>: *( </a:t>
-            </a:r>
-            <a:r>
-              <a:rPr lang="ko-KR" altLang="en-US" smtClean="0">
-                <a:solidFill>
-                  <a:schemeClr val="tx1"/>
-                </a:solidFill>
-                <a:latin typeface="1훈새마을운동 R" panose="02020603020101020101" pitchFamily="18" charset="-127"/>
-                <a:ea typeface="1훈새마을운동 R" panose="02020603020101020101" pitchFamily="18" charset="-127"/>
-              </a:rPr>
-              <a:t>와일드카드 </a:t>
-            </a:r>
-            <a:r>
-              <a:rPr lang="en-US" altLang="ko-KR" smtClean="0">
-                <a:solidFill>
-                  <a:schemeClr val="tx1"/>
-                </a:solidFill>
-                <a:latin typeface="1훈새마을운동 R" panose="02020603020101020101" pitchFamily="18" charset="-127"/>
-                <a:ea typeface="1훈새마을운동 R" panose="02020603020101020101" pitchFamily="18" charset="-127"/>
-              </a:rPr>
-              <a:t>)</a:t>
-            </a:r>
-          </a:p>
-          <a:p>
+              <a:t>*</a:t>
+            </a:r>
+            <a:r>
+              <a:rPr lang="ko-KR" altLang="en-US" smtClean="0">
+                <a:solidFill>
+                  <a:schemeClr val="tx1"/>
+                </a:solidFill>
+                <a:latin typeface="1훈새마을운동 R" panose="02020603020101020101" pitchFamily="18" charset="-127"/>
+                <a:ea typeface="1훈새마을운동 R" panose="02020603020101020101" pitchFamily="18" charset="-127"/>
+              </a:rPr>
+              <a:t>데이터집합 </a:t>
+            </a:r>
+            <a:r>
+              <a:rPr lang="en-US" altLang="ko-KR" smtClean="0">
+                <a:solidFill>
+                  <a:schemeClr val="tx1"/>
+                </a:solidFill>
+                <a:latin typeface="1훈새마을운동 R" panose="02020603020101020101" pitchFamily="18" charset="-127"/>
+                <a:ea typeface="1훈새마을운동 R" panose="02020603020101020101" pitchFamily="18" charset="-127"/>
+              </a:rPr>
+              <a:t>-&gt;</a:t>
+            </a:r>
+            <a:r>
+              <a:rPr lang="ko-KR" altLang="en-US">
+                <a:solidFill>
+                  <a:schemeClr val="tx1"/>
+                </a:solidFill>
+                <a:latin typeface="1훈새마을운동 R" panose="02020603020101020101" pitchFamily="18" charset="-127"/>
+                <a:ea typeface="1훈새마을운동 R" panose="02020603020101020101" pitchFamily="18" charset="-127"/>
+              </a:rPr>
+              <a:t> </a:t>
+            </a:r>
+            <a:r>
+              <a:rPr lang="ko-KR" altLang="en-US" smtClean="0">
+                <a:solidFill>
+                  <a:schemeClr val="tx1"/>
+                </a:solidFill>
+                <a:latin typeface="1훈새마을운동 R" panose="02020603020101020101" pitchFamily="18" charset="-127"/>
+                <a:ea typeface="1훈새마을운동 R" panose="02020603020101020101" pitchFamily="18" charset="-127"/>
+              </a:rPr>
+              <a:t>테이블 관리</a:t>
+            </a:r>
             <a:endParaRPr lang="en-US" altLang="ko-KR" smtClean="0">
               <a:solidFill>
                 <a:schemeClr val="tx1"/>
@@ -35343,85 +35756,34 @@
             </a:endParaRPr>
           </a:p>
           <a:p>
-            <a:r>
-              <a:rPr lang="en-US" altLang="ko-KR" smtClean="0">
-                <a:solidFill>
-                  <a:schemeClr val="tx1"/>
-                </a:solidFill>
-                <a:latin typeface="1훈새마을운동 R" panose="02020603020101020101" pitchFamily="18" charset="-127"/>
-                <a:ea typeface="1훈새마을운동 R" panose="02020603020101020101" pitchFamily="18" charset="-127"/>
-              </a:rPr>
-              <a:t>		3. </a:t>
-            </a:r>
-            <a:r>
-              <a:rPr lang="ko-KR" altLang="en-US" smtClean="0">
-                <a:solidFill>
-                  <a:schemeClr val="tx1"/>
-                </a:solidFill>
-                <a:latin typeface="1훈새마을운동 R" panose="02020603020101020101" pitchFamily="18" charset="-127"/>
-                <a:ea typeface="1훈새마을운동 R" panose="02020603020101020101" pitchFamily="18" charset="-127"/>
-              </a:rPr>
-              <a:t>삭제 </a:t>
-            </a:r>
-            <a:r>
-              <a:rPr lang="en-US" altLang="ko-KR" smtClean="0">
-                <a:solidFill>
-                  <a:schemeClr val="tx1"/>
-                </a:solidFill>
-                <a:latin typeface="1훈새마을운동 R" panose="02020603020101020101" pitchFamily="18" charset="-127"/>
-                <a:ea typeface="1훈새마을운동 R" panose="02020603020101020101" pitchFamily="18" charset="-127"/>
-              </a:rPr>
-              <a:t>: </a:t>
-            </a:r>
-            <a:r>
-              <a:rPr lang="en-US" altLang="ko-KR" smtClean="0">
-                <a:solidFill>
-                  <a:schemeClr val="tx1"/>
-                </a:solidFill>
-                <a:latin typeface="1훈새마을운동 R" panose="02020603020101020101" pitchFamily="18" charset="-127"/>
-                <a:ea typeface="1훈새마을운동 R" panose="02020603020101020101" pitchFamily="18" charset="-127"/>
-              </a:rPr>
-              <a:t>delete from </a:t>
-            </a:r>
-            <a:r>
-              <a:rPr lang="ko-KR" altLang="en-US" smtClean="0">
-                <a:solidFill>
-                  <a:schemeClr val="tx1"/>
-                </a:solidFill>
-                <a:latin typeface="1훈새마을운동 R" panose="02020603020101020101" pitchFamily="18" charset="-127"/>
-                <a:ea typeface="1훈새마을운동 R" panose="02020603020101020101" pitchFamily="18" charset="-127"/>
-              </a:rPr>
-              <a:t>테이블명 </a:t>
-            </a:r>
-            <a:r>
-              <a:rPr lang="en-US" altLang="ko-KR" smtClean="0">
-                <a:solidFill>
-                  <a:schemeClr val="tx1"/>
-                </a:solidFill>
-                <a:latin typeface="1훈새마을운동 R" panose="02020603020101020101" pitchFamily="18" charset="-127"/>
-                <a:ea typeface="1훈새마을운동 R" panose="02020603020101020101" pitchFamily="18" charset="-127"/>
-              </a:rPr>
-              <a:t>where</a:t>
-            </a:r>
-            <a:r>
-              <a:rPr lang="ko-KR" altLang="en-US">
-                <a:solidFill>
-                  <a:schemeClr val="tx1"/>
-                </a:solidFill>
-                <a:latin typeface="1훈새마을운동 R" panose="02020603020101020101" pitchFamily="18" charset="-127"/>
-                <a:ea typeface="1훈새마을운동 R" panose="02020603020101020101" pitchFamily="18" charset="-127"/>
-              </a:rPr>
-              <a:t> </a:t>
-            </a:r>
-            <a:r>
-              <a:rPr lang="ko-KR" altLang="en-US" smtClean="0">
-                <a:solidFill>
-                  <a:schemeClr val="tx1"/>
-                </a:solidFill>
-                <a:latin typeface="1훈새마을운동 R" panose="02020603020101020101" pitchFamily="18" charset="-127"/>
-                <a:ea typeface="1훈새마을운동 R" panose="02020603020101020101" pitchFamily="18" charset="-127"/>
-              </a:rPr>
-              <a:t>조건 </a:t>
+            <a:endParaRPr lang="en-US" altLang="ko-KR">
+              <a:solidFill>
+                <a:schemeClr val="tx1"/>
+              </a:solidFill>
+              <a:latin typeface="1훈새마을운동 R" panose="02020603020101020101" pitchFamily="18" charset="-127"/>
+              <a:ea typeface="1훈새마을운동 R" panose="02020603020101020101" pitchFamily="18" charset="-127"/>
+            </a:endParaRPr>
+          </a:p>
+          <a:p>
+            <a:r>
+              <a:rPr lang="en-US" altLang="ko-KR" smtClean="0">
+                <a:solidFill>
+                  <a:schemeClr val="tx1"/>
+                </a:solidFill>
+                <a:latin typeface="1훈새마을운동 R" panose="02020603020101020101" pitchFamily="18" charset="-127"/>
+                <a:ea typeface="1훈새마을운동 R" panose="02020603020101020101" pitchFamily="18" charset="-127"/>
+              </a:rPr>
+              <a:t>*</a:t>
+            </a:r>
+            <a:r>
+              <a:rPr lang="ko-KR" altLang="en-US" smtClean="0">
+                <a:solidFill>
+                  <a:schemeClr val="tx1"/>
+                </a:solidFill>
+                <a:latin typeface="1훈새마을운동 R" panose="02020603020101020101" pitchFamily="18" charset="-127"/>
+                <a:ea typeface="1훈새마을운동 R" panose="02020603020101020101" pitchFamily="18" charset="-127"/>
+              </a:rPr>
+              <a:t>용어 </a:t>
             </a:r>
             <a:endParaRPr lang="en-US" altLang="ko-KR" smtClean="0">
               <a:solidFill>
@@ -35433,14 +35795,166 @@
           </a:p>
           <a:p>
             <a:r>
-              <a:rPr lang="en-US" altLang="ko-KR" smtClean="0">
-                <a:solidFill>
-                  <a:schemeClr val="tx1"/>
-                </a:solidFill>
-                <a:latin typeface="1훈새마을운동 R" panose="02020603020101020101" pitchFamily="18" charset="-127"/>
-                <a:ea typeface="1훈새마을운동 R" panose="02020603020101020101" pitchFamily="18" charset="-127"/>
-              </a:rPr>
-              <a:t>			</a:t>
+              <a:rPr lang="en-US" altLang="ko-KR">
+                <a:solidFill>
+                  <a:schemeClr val="tx1"/>
+                </a:solidFill>
+                <a:latin typeface="1훈새마을운동 R" panose="02020603020101020101" pitchFamily="18" charset="-127"/>
+                <a:ea typeface="1훈새마을운동 R" panose="02020603020101020101" pitchFamily="18" charset="-127"/>
+              </a:rPr>
+              <a:t>	</a:t>
+            </a:r>
+            <a:r>
+              <a:rPr lang="ko-KR" altLang="en-US" smtClean="0">
+                <a:solidFill>
+                  <a:schemeClr val="tx1"/>
+                </a:solidFill>
+                <a:latin typeface="1훈새마을운동 R" panose="02020603020101020101" pitchFamily="18" charset="-127"/>
+                <a:ea typeface="1훈새마을운동 R" panose="02020603020101020101" pitchFamily="18" charset="-127"/>
+              </a:rPr>
+              <a:t>표 </a:t>
+            </a:r>
+            <a:r>
+              <a:rPr lang="en-US" altLang="ko-KR" smtClean="0">
+                <a:solidFill>
+                  <a:schemeClr val="tx1"/>
+                </a:solidFill>
+                <a:latin typeface="1훈새마을운동 R" panose="02020603020101020101" pitchFamily="18" charset="-127"/>
+                <a:ea typeface="1훈새마을운동 R" panose="02020603020101020101" pitchFamily="18" charset="-127"/>
+              </a:rPr>
+              <a:t>= </a:t>
+            </a:r>
+            <a:r>
+              <a:rPr lang="ko-KR" altLang="en-US" smtClean="0">
+                <a:solidFill>
+                  <a:schemeClr val="tx1"/>
+                </a:solidFill>
+                <a:latin typeface="1훈새마을운동 R" panose="02020603020101020101" pitchFamily="18" charset="-127"/>
+                <a:ea typeface="1훈새마을운동 R" panose="02020603020101020101" pitchFamily="18" charset="-127"/>
+              </a:rPr>
+              <a:t>테이</a:t>
+            </a:r>
+            <a:r>
+              <a:rPr lang="ko-KR" altLang="en-US">
+                <a:solidFill>
+                  <a:schemeClr val="tx1"/>
+                </a:solidFill>
+                <a:latin typeface="1훈새마을운동 R" panose="02020603020101020101" pitchFamily="18" charset="-127"/>
+                <a:ea typeface="1훈새마을운동 R" panose="02020603020101020101" pitchFamily="18" charset="-127"/>
+              </a:rPr>
+              <a:t>블</a:t>
+            </a:r>
+            <a:r>
+              <a:rPr lang="en-US" altLang="ko-KR" smtClean="0">
+                <a:solidFill>
+                  <a:schemeClr val="tx1"/>
+                </a:solidFill>
+                <a:latin typeface="1훈새마을운동 R" panose="02020603020101020101" pitchFamily="18" charset="-127"/>
+                <a:ea typeface="1훈새마을운동 R" panose="02020603020101020101" pitchFamily="18" charset="-127"/>
+              </a:rPr>
+              <a:t> </a:t>
+            </a:r>
+          </a:p>
+          <a:p>
+            <a:r>
+              <a:rPr lang="en-US" altLang="ko-KR">
+                <a:solidFill>
+                  <a:schemeClr val="tx1"/>
+                </a:solidFill>
+                <a:latin typeface="1훈새마을운동 R" panose="02020603020101020101" pitchFamily="18" charset="-127"/>
+                <a:ea typeface="1훈새마을운동 R" panose="02020603020101020101" pitchFamily="18" charset="-127"/>
+              </a:rPr>
+              <a:t>	</a:t>
+            </a:r>
+            <a:r>
+              <a:rPr lang="ko-KR" altLang="en-US" smtClean="0">
+                <a:solidFill>
+                  <a:schemeClr val="tx1"/>
+                </a:solidFill>
+                <a:latin typeface="1훈새마을운동 R" panose="02020603020101020101" pitchFamily="18" charset="-127"/>
+                <a:ea typeface="1훈새마을운동 R" panose="02020603020101020101" pitchFamily="18" charset="-127"/>
+              </a:rPr>
+              <a:t>세로</a:t>
+            </a:r>
+            <a:r>
+              <a:rPr lang="en-US" altLang="ko-KR" smtClean="0">
+                <a:solidFill>
+                  <a:schemeClr val="tx1"/>
+                </a:solidFill>
+                <a:latin typeface="1훈새마을운동 R" panose="02020603020101020101" pitchFamily="18" charset="-127"/>
+                <a:ea typeface="1훈새마을운동 R" panose="02020603020101020101" pitchFamily="18" charset="-127"/>
+              </a:rPr>
+              <a:t>(</a:t>
+            </a:r>
+            <a:r>
+              <a:rPr lang="ko-KR" altLang="en-US" smtClean="0">
+                <a:solidFill>
+                  <a:schemeClr val="tx1"/>
+                </a:solidFill>
+                <a:latin typeface="1훈새마을운동 R" panose="02020603020101020101" pitchFamily="18" charset="-127"/>
+                <a:ea typeface="1훈새마을운동 R" panose="02020603020101020101" pitchFamily="18" charset="-127"/>
+              </a:rPr>
+              <a:t>열</a:t>
+            </a:r>
+            <a:r>
+              <a:rPr lang="en-US" altLang="ko-KR" smtClean="0">
+                <a:solidFill>
+                  <a:schemeClr val="tx1"/>
+                </a:solidFill>
+                <a:latin typeface="1훈새마을운동 R" panose="02020603020101020101" pitchFamily="18" charset="-127"/>
+                <a:ea typeface="1훈새마을운동 R" panose="02020603020101020101" pitchFamily="18" charset="-127"/>
+              </a:rPr>
+              <a:t>)</a:t>
+            </a:r>
+            <a:r>
+              <a:rPr lang="ko-KR" altLang="en-US" smtClean="0">
+                <a:solidFill>
+                  <a:schemeClr val="tx1"/>
+                </a:solidFill>
+                <a:latin typeface="1훈새마을운동 R" panose="02020603020101020101" pitchFamily="18" charset="-127"/>
+                <a:ea typeface="1훈새마을운동 R" panose="02020603020101020101" pitchFamily="18" charset="-127"/>
+              </a:rPr>
+              <a:t> </a:t>
+            </a:r>
+            <a:r>
+              <a:rPr lang="en-US" altLang="ko-KR" smtClean="0">
+                <a:solidFill>
+                  <a:schemeClr val="tx1"/>
+                </a:solidFill>
+                <a:latin typeface="1훈새마을운동 R" panose="02020603020101020101" pitchFamily="18" charset="-127"/>
+                <a:ea typeface="1훈새마을운동 R" panose="02020603020101020101" pitchFamily="18" charset="-127"/>
+              </a:rPr>
+              <a:t> = </a:t>
+            </a:r>
+            <a:r>
+              <a:rPr lang="ko-KR" altLang="en-US" smtClean="0">
+                <a:solidFill>
+                  <a:schemeClr val="tx1"/>
+                </a:solidFill>
+                <a:latin typeface="1훈새마을운동 R" panose="02020603020101020101" pitchFamily="18" charset="-127"/>
+                <a:ea typeface="1훈새마을운동 R" panose="02020603020101020101" pitchFamily="18" charset="-127"/>
+              </a:rPr>
+              <a:t>필드 </a:t>
+            </a:r>
+            <a:r>
+              <a:rPr lang="en-US" altLang="ko-KR" smtClean="0">
+                <a:solidFill>
+                  <a:schemeClr val="tx1"/>
+                </a:solidFill>
+                <a:latin typeface="1훈새마을운동 R" panose="02020603020101020101" pitchFamily="18" charset="-127"/>
+                <a:ea typeface="1훈새마을운동 R" panose="02020603020101020101" pitchFamily="18" charset="-127"/>
+              </a:rPr>
+              <a:t>, </a:t>
+            </a:r>
+            <a:r>
+              <a:rPr lang="ko-KR" altLang="en-US" smtClean="0">
+                <a:solidFill>
+                  <a:schemeClr val="tx1"/>
+                </a:solidFill>
+                <a:latin typeface="1훈새마을운동 R" panose="02020603020101020101" pitchFamily="18" charset="-127"/>
+                <a:ea typeface="1훈새마을운동 R" panose="02020603020101020101" pitchFamily="18" charset="-127"/>
+              </a:rPr>
+              <a:t>속성 </a:t>
             </a:r>
             <a:endParaRPr lang="en-US" altLang="ko-KR" smtClean="0">
               <a:solidFill>
@@ -35452,37 +35966,749 @@
           </a:p>
           <a:p>
             <a:r>
-              <a:rPr lang="en-US" altLang="ko-KR" smtClean="0">
-                <a:solidFill>
-                  <a:schemeClr val="tx1"/>
-                </a:solidFill>
-                <a:latin typeface="1훈새마을운동 R" panose="02020603020101020101" pitchFamily="18" charset="-127"/>
-                <a:ea typeface="1훈새마을운동 R" panose="02020603020101020101" pitchFamily="18" charset="-127"/>
-              </a:rPr>
-              <a:t>		4. </a:t>
-            </a:r>
-            <a:r>
-              <a:rPr lang="ko-KR" altLang="en-US" smtClean="0">
-                <a:solidFill>
-                  <a:schemeClr val="tx1"/>
-                </a:solidFill>
-                <a:latin typeface="1훈새마을운동 R" panose="02020603020101020101" pitchFamily="18" charset="-127"/>
-                <a:ea typeface="1훈새마을운동 R" panose="02020603020101020101" pitchFamily="18" charset="-127"/>
-              </a:rPr>
-              <a:t>수정 </a:t>
-            </a:r>
-            <a:r>
-              <a:rPr lang="en-US" altLang="ko-KR" smtClean="0">
-                <a:solidFill>
-                  <a:schemeClr val="tx1"/>
-                </a:solidFill>
-                <a:latin typeface="1훈새마을운동 R" panose="02020603020101020101" pitchFamily="18" charset="-127"/>
-                <a:ea typeface="1훈새마을운동 R" panose="02020603020101020101" pitchFamily="18" charset="-127"/>
-              </a:rPr>
-              <a:t>: update </a:t>
-            </a:r>
-          </a:p>
-          <a:p>
+              <a:rPr lang="en-US" altLang="ko-KR">
+                <a:solidFill>
+                  <a:schemeClr val="tx1"/>
+                </a:solidFill>
+                <a:latin typeface="1훈새마을운동 R" panose="02020603020101020101" pitchFamily="18" charset="-127"/>
+                <a:ea typeface="1훈새마을운동 R" panose="02020603020101020101" pitchFamily="18" charset="-127"/>
+              </a:rPr>
+              <a:t>	</a:t>
+            </a:r>
+            <a:r>
+              <a:rPr lang="ko-KR" altLang="en-US" smtClean="0">
+                <a:solidFill>
+                  <a:schemeClr val="tx1"/>
+                </a:solidFill>
+                <a:latin typeface="1훈새마을운동 R" panose="02020603020101020101" pitchFamily="18" charset="-127"/>
+                <a:ea typeface="1훈새마을운동 R" panose="02020603020101020101" pitchFamily="18" charset="-127"/>
+              </a:rPr>
+              <a:t>가로</a:t>
+            </a:r>
+            <a:r>
+              <a:rPr lang="en-US" altLang="ko-KR" smtClean="0">
+                <a:solidFill>
+                  <a:schemeClr val="tx1"/>
+                </a:solidFill>
+                <a:latin typeface="1훈새마을운동 R" panose="02020603020101020101" pitchFamily="18" charset="-127"/>
+                <a:ea typeface="1훈새마을운동 R" panose="02020603020101020101" pitchFamily="18" charset="-127"/>
+              </a:rPr>
+              <a:t>(</a:t>
+            </a:r>
+            <a:r>
+              <a:rPr lang="ko-KR" altLang="en-US" smtClean="0">
+                <a:solidFill>
+                  <a:schemeClr val="tx1"/>
+                </a:solidFill>
+                <a:latin typeface="1훈새마을운동 R" panose="02020603020101020101" pitchFamily="18" charset="-127"/>
+                <a:ea typeface="1훈새마을운동 R" panose="02020603020101020101" pitchFamily="18" charset="-127"/>
+              </a:rPr>
+              <a:t>행</a:t>
+            </a:r>
+            <a:r>
+              <a:rPr lang="en-US" altLang="ko-KR" smtClean="0">
+                <a:solidFill>
+                  <a:schemeClr val="tx1"/>
+                </a:solidFill>
+                <a:latin typeface="1훈새마을운동 R" panose="02020603020101020101" pitchFamily="18" charset="-127"/>
+                <a:ea typeface="1훈새마을운동 R" panose="02020603020101020101" pitchFamily="18" charset="-127"/>
+              </a:rPr>
+              <a:t>)</a:t>
+            </a:r>
+            <a:r>
+              <a:rPr lang="ko-KR" altLang="en-US" smtClean="0">
+                <a:solidFill>
+                  <a:schemeClr val="tx1"/>
+                </a:solidFill>
+                <a:latin typeface="1훈새마을운동 R" panose="02020603020101020101" pitchFamily="18" charset="-127"/>
+                <a:ea typeface="1훈새마을운동 R" panose="02020603020101020101" pitchFamily="18" charset="-127"/>
+              </a:rPr>
+              <a:t> </a:t>
+            </a:r>
+            <a:r>
+              <a:rPr lang="en-US" altLang="ko-KR" smtClean="0">
+                <a:solidFill>
+                  <a:schemeClr val="tx1"/>
+                </a:solidFill>
+                <a:latin typeface="1훈새마을운동 R" panose="02020603020101020101" pitchFamily="18" charset="-127"/>
+                <a:ea typeface="1훈새마을운동 R" panose="02020603020101020101" pitchFamily="18" charset="-127"/>
+              </a:rPr>
+              <a:t>= </a:t>
+            </a:r>
+            <a:r>
+              <a:rPr lang="ko-KR" altLang="en-US" smtClean="0">
+                <a:solidFill>
+                  <a:schemeClr val="tx1"/>
+                </a:solidFill>
+                <a:latin typeface="1훈새마을운동 R" panose="02020603020101020101" pitchFamily="18" charset="-127"/>
+                <a:ea typeface="1훈새마을운동 R" panose="02020603020101020101" pitchFamily="18" charset="-127"/>
+              </a:rPr>
+              <a:t>레코드 </a:t>
+            </a:r>
+            <a:r>
+              <a:rPr lang="en-US" altLang="ko-KR" smtClean="0">
+                <a:solidFill>
+                  <a:schemeClr val="tx1"/>
+                </a:solidFill>
+                <a:latin typeface="1훈새마을운동 R" panose="02020603020101020101" pitchFamily="18" charset="-127"/>
+                <a:ea typeface="1훈새마을운동 R" panose="02020603020101020101" pitchFamily="18" charset="-127"/>
+              </a:rPr>
+              <a:t>, </a:t>
+            </a:r>
+            <a:r>
+              <a:rPr lang="ko-KR" altLang="en-US" smtClean="0">
+                <a:solidFill>
+                  <a:schemeClr val="tx1"/>
+                </a:solidFill>
+                <a:latin typeface="1훈새마을운동 R" panose="02020603020101020101" pitchFamily="18" charset="-127"/>
+                <a:ea typeface="1훈새마을운동 R" panose="02020603020101020101" pitchFamily="18" charset="-127"/>
+              </a:rPr>
+              <a:t>튜플</a:t>
+            </a:r>
+            <a:endParaRPr lang="en-US" altLang="ko-KR" smtClean="0">
+              <a:solidFill>
+                <a:schemeClr val="tx1"/>
+              </a:solidFill>
+              <a:latin typeface="1훈새마을운동 R" panose="02020603020101020101" pitchFamily="18" charset="-127"/>
+              <a:ea typeface="1훈새마을운동 R" panose="02020603020101020101" pitchFamily="18" charset="-127"/>
+            </a:endParaRPr>
+          </a:p>
+          <a:p>
+            <a:r>
+              <a:rPr lang="en-US" altLang="ko-KR" smtClean="0">
+                <a:solidFill>
+                  <a:schemeClr val="tx1"/>
+                </a:solidFill>
+                <a:latin typeface="1훈새마을운동 R" panose="02020603020101020101" pitchFamily="18" charset="-127"/>
+                <a:ea typeface="1훈새마을운동 R" panose="02020603020101020101" pitchFamily="18" charset="-127"/>
+              </a:rPr>
+              <a:t>*</a:t>
+            </a:r>
+            <a:r>
+              <a:rPr lang="ko-KR" altLang="en-US" smtClean="0">
+                <a:solidFill>
+                  <a:schemeClr val="tx1"/>
+                </a:solidFill>
+                <a:latin typeface="1훈새마을운동 R" panose="02020603020101020101" pitchFamily="18" charset="-127"/>
+                <a:ea typeface="1훈새마을운동 R" panose="02020603020101020101" pitchFamily="18" charset="-127"/>
+              </a:rPr>
+              <a:t>자료형 </a:t>
+            </a:r>
+            <a:endParaRPr lang="en-US" altLang="ko-KR" smtClean="0">
+              <a:solidFill>
+                <a:schemeClr val="tx1"/>
+              </a:solidFill>
+              <a:latin typeface="1훈새마을운동 R" panose="02020603020101020101" pitchFamily="18" charset="-127"/>
+              <a:ea typeface="1훈새마을운동 R" panose="02020603020101020101" pitchFamily="18" charset="-127"/>
+            </a:endParaRPr>
+          </a:p>
+          <a:p>
+            <a:r>
+              <a:rPr lang="en-US" altLang="ko-KR">
+                <a:solidFill>
+                  <a:schemeClr val="tx1"/>
+                </a:solidFill>
+                <a:latin typeface="1훈새마을운동 R" panose="02020603020101020101" pitchFamily="18" charset="-127"/>
+                <a:ea typeface="1훈새마을운동 R" panose="02020603020101020101" pitchFamily="18" charset="-127"/>
+              </a:rPr>
+              <a:t>	</a:t>
+            </a:r>
+            <a:r>
+              <a:rPr lang="en-US" altLang="ko-KR" smtClean="0">
+                <a:solidFill>
+                  <a:schemeClr val="tx1"/>
+                </a:solidFill>
+                <a:latin typeface="1훈새마을운동 R" panose="02020603020101020101" pitchFamily="18" charset="-127"/>
+                <a:ea typeface="1훈새마을운동 R" panose="02020603020101020101" pitchFamily="18" charset="-127"/>
+              </a:rPr>
+              <a:t>1. int 			: </a:t>
+            </a:r>
+            <a:r>
+              <a:rPr lang="ko-KR" altLang="en-US" smtClean="0">
+                <a:solidFill>
+                  <a:schemeClr val="tx1"/>
+                </a:solidFill>
+                <a:latin typeface="1훈새마을운동 R" panose="02020603020101020101" pitchFamily="18" charset="-127"/>
+                <a:ea typeface="1훈새마을운동 R" panose="02020603020101020101" pitchFamily="18" charset="-127"/>
+              </a:rPr>
+              <a:t>정수형 </a:t>
+            </a:r>
+            <a:r>
+              <a:rPr lang="en-US" altLang="ko-KR" smtClean="0">
+                <a:solidFill>
+                  <a:schemeClr val="tx1"/>
+                </a:solidFill>
+                <a:latin typeface="1훈새마을운동 R" panose="02020603020101020101" pitchFamily="18" charset="-127"/>
+                <a:ea typeface="1훈새마을운동 R" panose="02020603020101020101" pitchFamily="18" charset="-127"/>
+              </a:rPr>
+              <a:t>[ 4</a:t>
+            </a:r>
+            <a:r>
+              <a:rPr lang="ko-KR" altLang="en-US" smtClean="0">
+                <a:solidFill>
+                  <a:schemeClr val="tx1"/>
+                </a:solidFill>
+                <a:latin typeface="1훈새마을운동 R" panose="02020603020101020101" pitchFamily="18" charset="-127"/>
+                <a:ea typeface="1훈새마을운동 R" panose="02020603020101020101" pitchFamily="18" charset="-127"/>
+              </a:rPr>
+              <a:t>바이트 </a:t>
+            </a:r>
+            <a:r>
+              <a:rPr lang="en-US" altLang="ko-KR" smtClean="0">
+                <a:solidFill>
+                  <a:schemeClr val="tx1"/>
+                </a:solidFill>
+                <a:latin typeface="1훈새마을운동 R" panose="02020603020101020101" pitchFamily="18" charset="-127"/>
+                <a:ea typeface="1훈새마을운동 R" panose="02020603020101020101" pitchFamily="18" charset="-127"/>
+              </a:rPr>
+              <a:t>]</a:t>
+            </a:r>
+            <a:r>
+              <a:rPr lang="ko-KR" altLang="en-US" smtClean="0">
+                <a:solidFill>
+                  <a:schemeClr val="tx1"/>
+                </a:solidFill>
+                <a:latin typeface="1훈새마을운동 R" panose="02020603020101020101" pitchFamily="18" charset="-127"/>
+                <a:ea typeface="1훈새마을운동 R" panose="02020603020101020101" pitchFamily="18" charset="-127"/>
+              </a:rPr>
+              <a:t> </a:t>
+            </a:r>
+            <a:endParaRPr lang="en-US" altLang="ko-KR" smtClean="0">
+              <a:solidFill>
+                <a:schemeClr val="tx1"/>
+              </a:solidFill>
+              <a:latin typeface="1훈새마을운동 R" panose="02020603020101020101" pitchFamily="18" charset="-127"/>
+              <a:ea typeface="1훈새마을운동 R" panose="02020603020101020101" pitchFamily="18" charset="-127"/>
+            </a:endParaRPr>
+          </a:p>
+          <a:p>
+            <a:r>
+              <a:rPr lang="en-US" altLang="ko-KR">
+                <a:solidFill>
+                  <a:schemeClr val="tx1"/>
+                </a:solidFill>
+                <a:latin typeface="1훈새마을운동 R" panose="02020603020101020101" pitchFamily="18" charset="-127"/>
+                <a:ea typeface="1훈새마을운동 R" panose="02020603020101020101" pitchFamily="18" charset="-127"/>
+              </a:rPr>
+              <a:t>	</a:t>
+            </a:r>
+            <a:r>
+              <a:rPr lang="en-US" altLang="ko-KR" smtClean="0">
+                <a:solidFill>
+                  <a:schemeClr val="tx1"/>
+                </a:solidFill>
+                <a:latin typeface="1훈새마을운동 R" panose="02020603020101020101" pitchFamily="18" charset="-127"/>
+                <a:ea typeface="1훈새마을운동 R" panose="02020603020101020101" pitchFamily="18" charset="-127"/>
+              </a:rPr>
+              <a:t>2. varchar(</a:t>
+            </a:r>
+            <a:r>
+              <a:rPr lang="ko-KR" altLang="en-US" smtClean="0">
+                <a:solidFill>
+                  <a:schemeClr val="tx1"/>
+                </a:solidFill>
+                <a:latin typeface="1훈새마을운동 R" panose="02020603020101020101" pitchFamily="18" charset="-127"/>
+                <a:ea typeface="1훈새마을운동 R" panose="02020603020101020101" pitchFamily="18" charset="-127"/>
+              </a:rPr>
+              <a:t>문자길이</a:t>
+            </a:r>
+            <a:r>
+              <a:rPr lang="en-US" altLang="ko-KR" smtClean="0">
+                <a:solidFill>
+                  <a:schemeClr val="tx1"/>
+                </a:solidFill>
+                <a:latin typeface="1훈새마을운동 R" panose="02020603020101020101" pitchFamily="18" charset="-127"/>
+                <a:ea typeface="1훈새마을운동 R" panose="02020603020101020101" pitchFamily="18" charset="-127"/>
+              </a:rPr>
+              <a:t>)	: </a:t>
+            </a:r>
+            <a:r>
+              <a:rPr lang="ko-KR" altLang="en-US" smtClean="0">
+                <a:solidFill>
+                  <a:schemeClr val="tx1"/>
+                </a:solidFill>
+                <a:latin typeface="1훈새마을운동 R" panose="02020603020101020101" pitchFamily="18" charset="-127"/>
+                <a:ea typeface="1훈새마을운동 R" panose="02020603020101020101" pitchFamily="18" charset="-127"/>
+              </a:rPr>
+              <a:t>문자형 </a:t>
+            </a:r>
+            <a:r>
+              <a:rPr lang="en-US" altLang="ko-KR" smtClean="0">
+                <a:solidFill>
+                  <a:schemeClr val="tx1"/>
+                </a:solidFill>
+                <a:latin typeface="1훈새마을운동 R" panose="02020603020101020101" pitchFamily="18" charset="-127"/>
+                <a:ea typeface="1훈새마을운동 R" panose="02020603020101020101" pitchFamily="18" charset="-127"/>
+              </a:rPr>
+              <a:t>[ </a:t>
+            </a:r>
+            <a:r>
+              <a:rPr lang="ko-KR" altLang="en-US" smtClean="0">
+                <a:solidFill>
+                  <a:schemeClr val="tx1"/>
+                </a:solidFill>
+                <a:latin typeface="1훈새마을운동 R" panose="02020603020101020101" pitchFamily="18" charset="-127"/>
+                <a:ea typeface="1훈새마을운동 R" panose="02020603020101020101" pitchFamily="18" charset="-127"/>
+              </a:rPr>
+              <a:t>가변길이 </a:t>
+            </a:r>
+            <a:r>
+              <a:rPr lang="en-US" altLang="ko-KR" smtClean="0">
+                <a:solidFill>
+                  <a:schemeClr val="tx1"/>
+                </a:solidFill>
+                <a:latin typeface="1훈새마을운동 R" panose="02020603020101020101" pitchFamily="18" charset="-127"/>
+                <a:ea typeface="1훈새마을운동 R" panose="02020603020101020101" pitchFamily="18" charset="-127"/>
+              </a:rPr>
+              <a:t>]</a:t>
+            </a:r>
+          </a:p>
+          <a:p>
+            <a:r>
+              <a:rPr lang="en-US" altLang="ko-KR">
+                <a:solidFill>
+                  <a:schemeClr val="tx1"/>
+                </a:solidFill>
+                <a:latin typeface="1훈새마을운동 R" panose="02020603020101020101" pitchFamily="18" charset="-127"/>
+                <a:ea typeface="1훈새마을운동 R" panose="02020603020101020101" pitchFamily="18" charset="-127"/>
+              </a:rPr>
+              <a:t>	</a:t>
+            </a:r>
+            <a:r>
+              <a:rPr lang="en-US" altLang="ko-KR" smtClean="0">
+                <a:solidFill>
+                  <a:schemeClr val="tx1"/>
+                </a:solidFill>
+                <a:latin typeface="1훈새마을운동 R" panose="02020603020101020101" pitchFamily="18" charset="-127"/>
+                <a:ea typeface="1훈새마을운동 R" panose="02020603020101020101" pitchFamily="18" charset="-127"/>
+              </a:rPr>
+              <a:t>3. timestamp		: </a:t>
+            </a:r>
+            <a:r>
+              <a:rPr lang="ko-KR" altLang="en-US" smtClean="0">
+                <a:solidFill>
+                  <a:schemeClr val="tx1"/>
+                </a:solidFill>
+                <a:latin typeface="1훈새마을운동 R" panose="02020603020101020101" pitchFamily="18" charset="-127"/>
+                <a:ea typeface="1훈새마을운동 R" panose="02020603020101020101" pitchFamily="18" charset="-127"/>
+              </a:rPr>
+              <a:t>날짜</a:t>
+            </a:r>
+            <a:r>
+              <a:rPr lang="en-US" altLang="ko-KR" smtClean="0">
+                <a:solidFill>
+                  <a:schemeClr val="tx1"/>
+                </a:solidFill>
+                <a:latin typeface="1훈새마을운동 R" panose="02020603020101020101" pitchFamily="18" charset="-127"/>
+                <a:ea typeface="1훈새마을운동 R" panose="02020603020101020101" pitchFamily="18" charset="-127"/>
+              </a:rPr>
+              <a:t>/</a:t>
+            </a:r>
+            <a:r>
+              <a:rPr lang="ko-KR" altLang="en-US" smtClean="0">
+                <a:solidFill>
+                  <a:schemeClr val="tx1"/>
+                </a:solidFill>
+                <a:latin typeface="1훈새마을운동 R" panose="02020603020101020101" pitchFamily="18" charset="-127"/>
+                <a:ea typeface="1훈새마을운동 R" panose="02020603020101020101" pitchFamily="18" charset="-127"/>
+              </a:rPr>
+              <a:t>시간</a:t>
+            </a:r>
+            <a:endParaRPr lang="en-US" altLang="ko-KR" smtClean="0">
+              <a:solidFill>
+                <a:schemeClr val="tx1"/>
+              </a:solidFill>
+              <a:latin typeface="1훈새마을운동 R" panose="02020603020101020101" pitchFamily="18" charset="-127"/>
+              <a:ea typeface="1훈새마을운동 R" panose="02020603020101020101" pitchFamily="18" charset="-127"/>
+            </a:endParaRPr>
+          </a:p>
+          <a:p>
+            <a:r>
+              <a:rPr lang="en-US" altLang="ko-KR">
+                <a:solidFill>
+                  <a:schemeClr val="tx1"/>
+                </a:solidFill>
+                <a:latin typeface="1훈새마을운동 R" panose="02020603020101020101" pitchFamily="18" charset="-127"/>
+                <a:ea typeface="1훈새마을운동 R" panose="02020603020101020101" pitchFamily="18" charset="-127"/>
+              </a:rPr>
+              <a:t>	</a:t>
+            </a:r>
+            <a:endParaRPr lang="en-US" altLang="ko-KR" smtClean="0">
+              <a:solidFill>
+                <a:schemeClr val="tx1"/>
+              </a:solidFill>
+              <a:latin typeface="1훈새마을운동 R" panose="02020603020101020101" pitchFamily="18" charset="-127"/>
+              <a:ea typeface="1훈새마을운동 R" panose="02020603020101020101" pitchFamily="18" charset="-127"/>
+            </a:endParaRPr>
+          </a:p>
+          <a:p>
+            <a:r>
+              <a:rPr lang="en-US" altLang="ko-KR" smtClean="0">
+                <a:solidFill>
+                  <a:schemeClr val="tx1"/>
+                </a:solidFill>
+                <a:latin typeface="1훈새마을운동 R" panose="02020603020101020101" pitchFamily="18" charset="-127"/>
+                <a:ea typeface="1훈새마을운동 R" panose="02020603020101020101" pitchFamily="18" charset="-127"/>
+              </a:rPr>
+              <a:t>*</a:t>
+            </a:r>
+            <a:r>
+              <a:rPr lang="ko-KR" altLang="en-US" smtClean="0">
+                <a:solidFill>
+                  <a:schemeClr val="tx1"/>
+                </a:solidFill>
+                <a:latin typeface="1훈새마을운동 R" panose="02020603020101020101" pitchFamily="18" charset="-127"/>
+                <a:ea typeface="1훈새마을운동 R" panose="02020603020101020101" pitchFamily="18" charset="-127"/>
+              </a:rPr>
+              <a:t>속성 </a:t>
+            </a:r>
+            <a:endParaRPr lang="en-US" altLang="ko-KR" smtClean="0">
+              <a:solidFill>
+                <a:schemeClr val="tx1"/>
+              </a:solidFill>
+              <a:latin typeface="1훈새마을운동 R" panose="02020603020101020101" pitchFamily="18" charset="-127"/>
+              <a:ea typeface="1훈새마을운동 R" panose="02020603020101020101" pitchFamily="18" charset="-127"/>
+            </a:endParaRPr>
+          </a:p>
+          <a:p>
+            <a:r>
+              <a:rPr lang="en-US" altLang="ko-KR">
+                <a:solidFill>
+                  <a:schemeClr val="tx1"/>
+                </a:solidFill>
+                <a:latin typeface="1훈새마을운동 R" panose="02020603020101020101" pitchFamily="18" charset="-127"/>
+                <a:ea typeface="1훈새마을운동 R" panose="02020603020101020101" pitchFamily="18" charset="-127"/>
+              </a:rPr>
+              <a:t>	</a:t>
+            </a:r>
+            <a:r>
+              <a:rPr lang="en-US" altLang="ko-KR" smtClean="0">
+                <a:solidFill>
+                  <a:schemeClr val="tx1"/>
+                </a:solidFill>
+                <a:latin typeface="1훈새마을운동 R" panose="02020603020101020101" pitchFamily="18" charset="-127"/>
+                <a:ea typeface="1훈새마을운동 R" panose="02020603020101020101" pitchFamily="18" charset="-127"/>
+              </a:rPr>
+              <a:t>1. </a:t>
+            </a:r>
+            <a:r>
+              <a:rPr lang="en-US" altLang="ko-KR">
+                <a:solidFill>
+                  <a:schemeClr val="tx1"/>
+                </a:solidFill>
+                <a:latin typeface="1훈새마을운동 R" panose="02020603020101020101" pitchFamily="18" charset="-127"/>
+                <a:ea typeface="1훈새마을운동 R" panose="02020603020101020101" pitchFamily="18" charset="-127"/>
+              </a:rPr>
+              <a:t>primary key </a:t>
+            </a:r>
+            <a:r>
+              <a:rPr lang="en-US" altLang="ko-KR">
+                <a:solidFill>
+                  <a:schemeClr val="tx1"/>
+                </a:solidFill>
+                <a:latin typeface="1훈새마을운동 R" panose="02020603020101020101" pitchFamily="18" charset="-127"/>
+                <a:ea typeface="1훈새마을운동 R" panose="02020603020101020101" pitchFamily="18" charset="-127"/>
+              </a:rPr>
+              <a:t>	</a:t>
+            </a:r>
+            <a:r>
+              <a:rPr lang="en-US" altLang="ko-KR" smtClean="0">
+                <a:solidFill>
+                  <a:schemeClr val="tx1"/>
+                </a:solidFill>
+                <a:latin typeface="1훈새마을운동 R" panose="02020603020101020101" pitchFamily="18" charset="-127"/>
+                <a:ea typeface="1훈새마을운동 R" panose="02020603020101020101" pitchFamily="18" charset="-127"/>
+              </a:rPr>
+              <a:t>: </a:t>
+            </a:r>
+            <a:r>
+              <a:rPr lang="ko-KR" altLang="en-US" smtClean="0">
+                <a:solidFill>
+                  <a:schemeClr val="tx1"/>
+                </a:solidFill>
+                <a:latin typeface="1훈새마을운동 R" panose="02020603020101020101" pitchFamily="18" charset="-127"/>
+                <a:ea typeface="1훈새마을운동 R" panose="02020603020101020101" pitchFamily="18" charset="-127"/>
+              </a:rPr>
+              <a:t>기본키 </a:t>
+            </a:r>
+            <a:endParaRPr lang="en-US" altLang="ko-KR" smtClean="0">
+              <a:solidFill>
+                <a:schemeClr val="tx1"/>
+              </a:solidFill>
+              <a:latin typeface="1훈새마을운동 R" panose="02020603020101020101" pitchFamily="18" charset="-127"/>
+              <a:ea typeface="1훈새마을운동 R" panose="02020603020101020101" pitchFamily="18" charset="-127"/>
+            </a:endParaRPr>
+          </a:p>
+          <a:p>
+            <a:r>
+              <a:rPr lang="en-US" altLang="ko-KR">
+                <a:solidFill>
+                  <a:schemeClr val="tx1"/>
+                </a:solidFill>
+                <a:latin typeface="1훈새마을운동 R" panose="02020603020101020101" pitchFamily="18" charset="-127"/>
+                <a:ea typeface="1훈새마을운동 R" panose="02020603020101020101" pitchFamily="18" charset="-127"/>
+              </a:rPr>
+              <a:t>	</a:t>
+            </a:r>
+            <a:r>
+              <a:rPr lang="en-US" altLang="ko-KR" smtClean="0">
+                <a:solidFill>
+                  <a:schemeClr val="tx1"/>
+                </a:solidFill>
+                <a:latin typeface="1훈새마을운동 R" panose="02020603020101020101" pitchFamily="18" charset="-127"/>
+                <a:ea typeface="1훈새마을운동 R" panose="02020603020101020101" pitchFamily="18" charset="-127"/>
+              </a:rPr>
+              <a:t>2. auto_increment	: </a:t>
+            </a:r>
+            <a:r>
+              <a:rPr lang="ko-KR" altLang="en-US" smtClean="0">
+                <a:solidFill>
+                  <a:schemeClr val="tx1"/>
+                </a:solidFill>
+                <a:latin typeface="1훈새마을운동 R" panose="02020603020101020101" pitchFamily="18" charset="-127"/>
+                <a:ea typeface="1훈새마을운동 R" panose="02020603020101020101" pitchFamily="18" charset="-127"/>
+              </a:rPr>
+              <a:t>자동번호 주입</a:t>
+            </a:r>
+            <a:endParaRPr lang="en-US" altLang="ko-KR" smtClean="0">
+              <a:solidFill>
+                <a:schemeClr val="tx1"/>
+              </a:solidFill>
+              <a:latin typeface="1훈새마을운동 R" panose="02020603020101020101" pitchFamily="18" charset="-127"/>
+              <a:ea typeface="1훈새마을운동 R" panose="02020603020101020101" pitchFamily="18" charset="-127"/>
+            </a:endParaRPr>
+          </a:p>
+          <a:p>
+            <a:r>
+              <a:rPr lang="en-US" altLang="ko-KR">
+                <a:solidFill>
+                  <a:schemeClr val="tx1"/>
+                </a:solidFill>
+                <a:latin typeface="1훈새마을운동 R" panose="02020603020101020101" pitchFamily="18" charset="-127"/>
+                <a:ea typeface="1훈새마을운동 R" panose="02020603020101020101" pitchFamily="18" charset="-127"/>
+              </a:rPr>
+              <a:t>	</a:t>
+            </a:r>
+            <a:r>
+              <a:rPr lang="en-US" altLang="ko-KR" smtClean="0">
+                <a:solidFill>
+                  <a:schemeClr val="tx1"/>
+                </a:solidFill>
+                <a:latin typeface="1훈새마을운동 R" panose="02020603020101020101" pitchFamily="18" charset="-127"/>
+                <a:ea typeface="1훈새마을운동 R" panose="02020603020101020101" pitchFamily="18" charset="-127"/>
+              </a:rPr>
+              <a:t>3. </a:t>
+            </a:r>
+            <a:r>
+              <a:rPr lang="en-US" altLang="ko-KR">
+                <a:solidFill>
+                  <a:schemeClr val="tx1"/>
+                </a:solidFill>
+                <a:latin typeface="1훈새마을운동 R" panose="02020603020101020101" pitchFamily="18" charset="-127"/>
+                <a:ea typeface="1훈새마을운동 R" panose="02020603020101020101" pitchFamily="18" charset="-127"/>
+              </a:rPr>
+              <a:t>not </a:t>
+            </a:r>
+            <a:r>
+              <a:rPr lang="en-US" altLang="ko-KR">
+                <a:solidFill>
+                  <a:schemeClr val="tx1"/>
+                </a:solidFill>
+                <a:latin typeface="1훈새마을운동 R" panose="02020603020101020101" pitchFamily="18" charset="-127"/>
+                <a:ea typeface="1훈새마을운동 R" panose="02020603020101020101" pitchFamily="18" charset="-127"/>
+              </a:rPr>
+              <a:t>null </a:t>
+            </a:r>
+            <a:r>
+              <a:rPr lang="en-US" altLang="ko-KR" smtClean="0">
+                <a:solidFill>
+                  <a:schemeClr val="tx1"/>
+                </a:solidFill>
+                <a:latin typeface="1훈새마을운동 R" panose="02020603020101020101" pitchFamily="18" charset="-127"/>
+                <a:ea typeface="1훈새마을운동 R" panose="02020603020101020101" pitchFamily="18" charset="-127"/>
+              </a:rPr>
+              <a:t>	: null</a:t>
+            </a:r>
+            <a:r>
+              <a:rPr lang="ko-KR" altLang="en-US" smtClean="0">
+                <a:solidFill>
+                  <a:schemeClr val="tx1"/>
+                </a:solidFill>
+                <a:latin typeface="1훈새마을운동 R" panose="02020603020101020101" pitchFamily="18" charset="-127"/>
+                <a:ea typeface="1훈새마을운동 R" panose="02020603020101020101" pitchFamily="18" charset="-127"/>
+              </a:rPr>
+              <a:t>값 제외 </a:t>
+            </a:r>
+            <a:r>
+              <a:rPr lang="en-US" altLang="ko-KR" smtClean="0">
+                <a:solidFill>
+                  <a:schemeClr val="tx1"/>
+                </a:solidFill>
+                <a:latin typeface="1훈새마을운동 R" panose="02020603020101020101" pitchFamily="18" charset="-127"/>
+                <a:ea typeface="1훈새마을운동 R" panose="02020603020101020101" pitchFamily="18" charset="-127"/>
+              </a:rPr>
+              <a:t>[ null </a:t>
+            </a:r>
+            <a:r>
+              <a:rPr lang="ko-KR" altLang="en-US" smtClean="0">
+                <a:solidFill>
+                  <a:schemeClr val="tx1"/>
+                </a:solidFill>
+                <a:latin typeface="1훈새마을운동 R" panose="02020603020101020101" pitchFamily="18" charset="-127"/>
+                <a:ea typeface="1훈새마을운동 R" panose="02020603020101020101" pitchFamily="18" charset="-127"/>
+              </a:rPr>
+              <a:t>일경우 오류 발생 </a:t>
+            </a:r>
+            <a:r>
+              <a:rPr lang="en-US" altLang="ko-KR" smtClean="0">
+                <a:solidFill>
+                  <a:schemeClr val="tx1"/>
+                </a:solidFill>
+                <a:latin typeface="1훈새마을운동 R" panose="02020603020101020101" pitchFamily="18" charset="-127"/>
+                <a:ea typeface="1훈새마을운동 R" panose="02020603020101020101" pitchFamily="18" charset="-127"/>
+              </a:rPr>
+              <a:t>] </a:t>
+            </a:r>
+          </a:p>
+          <a:p>
+            <a:r>
+              <a:rPr lang="en-US" altLang="ko-KR">
+                <a:solidFill>
+                  <a:schemeClr val="tx1"/>
+                </a:solidFill>
+                <a:latin typeface="1훈새마을운동 R" panose="02020603020101020101" pitchFamily="18" charset="-127"/>
+                <a:ea typeface="1훈새마을운동 R" panose="02020603020101020101" pitchFamily="18" charset="-127"/>
+              </a:rPr>
+              <a:t>	</a:t>
+            </a:r>
+            <a:r>
+              <a:rPr lang="en-US" altLang="ko-KR">
+                <a:solidFill>
+                  <a:schemeClr val="tx1"/>
+                </a:solidFill>
+                <a:latin typeface="1훈새마을운동 R" panose="02020603020101020101" pitchFamily="18" charset="-127"/>
+                <a:ea typeface="1훈새마을운동 R" panose="02020603020101020101" pitchFamily="18" charset="-127"/>
+              </a:rPr>
+              <a:t>4. </a:t>
+            </a:r>
+            <a:r>
+              <a:rPr lang="en-US" altLang="ko-KR">
+                <a:solidFill>
+                  <a:schemeClr val="tx1"/>
+                </a:solidFill>
+                <a:latin typeface="1훈새마을운동 R" panose="02020603020101020101" pitchFamily="18" charset="-127"/>
+                <a:ea typeface="1훈새마을운동 R" panose="02020603020101020101" pitchFamily="18" charset="-127"/>
+              </a:rPr>
+              <a:t>default </a:t>
+            </a:r>
+            <a:r>
+              <a:rPr lang="en-US" altLang="ko-KR" smtClean="0">
+                <a:solidFill>
+                  <a:schemeClr val="tx1"/>
+                </a:solidFill>
+                <a:latin typeface="1훈새마을운동 R" panose="02020603020101020101" pitchFamily="18" charset="-127"/>
+                <a:ea typeface="1훈새마을운동 R" panose="02020603020101020101" pitchFamily="18" charset="-127"/>
+              </a:rPr>
+              <a:t>	: </a:t>
+            </a:r>
+            <a:r>
+              <a:rPr lang="ko-KR" altLang="en-US" smtClean="0">
+                <a:solidFill>
+                  <a:schemeClr val="tx1"/>
+                </a:solidFill>
+                <a:latin typeface="1훈새마을운동 R" panose="02020603020101020101" pitchFamily="18" charset="-127"/>
+                <a:ea typeface="1훈새마을운동 R" panose="02020603020101020101" pitchFamily="18" charset="-127"/>
+              </a:rPr>
+              <a:t>자동 초기값 주입</a:t>
+            </a:r>
+            <a:endParaRPr lang="en-US" altLang="ko-KR" smtClean="0">
+              <a:solidFill>
+                <a:schemeClr val="tx1"/>
+              </a:solidFill>
+              <a:latin typeface="1훈새마을운동 R" panose="02020603020101020101" pitchFamily="18" charset="-127"/>
+              <a:ea typeface="1훈새마을운동 R" panose="02020603020101020101" pitchFamily="18" charset="-127"/>
+            </a:endParaRPr>
+          </a:p>
+          <a:p>
+            <a:r>
+              <a:rPr lang="en-US" altLang="ko-KR" smtClean="0">
+                <a:solidFill>
+                  <a:schemeClr val="tx1"/>
+                </a:solidFill>
+                <a:latin typeface="1훈새마을운동 R" panose="02020603020101020101" pitchFamily="18" charset="-127"/>
+                <a:ea typeface="1훈새마을운동 R" panose="02020603020101020101" pitchFamily="18" charset="-127"/>
+              </a:rPr>
+              <a:t>*</a:t>
+            </a:r>
+            <a:r>
+              <a:rPr lang="ko-KR" altLang="en-US" smtClean="0">
+                <a:solidFill>
+                  <a:schemeClr val="tx1"/>
+                </a:solidFill>
+                <a:latin typeface="1훈새마을운동 R" panose="02020603020101020101" pitchFamily="18" charset="-127"/>
+                <a:ea typeface="1훈새마을운동 R" panose="02020603020101020101" pitchFamily="18" charset="-127"/>
+              </a:rPr>
+              <a:t>함수</a:t>
+            </a:r>
+            <a:endParaRPr lang="en-US" altLang="ko-KR" smtClean="0">
+              <a:solidFill>
+                <a:schemeClr val="tx1"/>
+              </a:solidFill>
+              <a:latin typeface="1훈새마을운동 R" panose="02020603020101020101" pitchFamily="18" charset="-127"/>
+              <a:ea typeface="1훈새마을운동 R" panose="02020603020101020101" pitchFamily="18" charset="-127"/>
+            </a:endParaRPr>
+          </a:p>
+          <a:p>
+            <a:r>
+              <a:rPr lang="en-US" altLang="ko-KR">
+                <a:solidFill>
+                  <a:schemeClr val="tx1"/>
+                </a:solidFill>
+                <a:latin typeface="1훈새마을운동 R" panose="02020603020101020101" pitchFamily="18" charset="-127"/>
+                <a:ea typeface="1훈새마을운동 R" panose="02020603020101020101" pitchFamily="18" charset="-127"/>
+              </a:rPr>
+              <a:t>	</a:t>
+            </a:r>
+            <a:r>
+              <a:rPr lang="en-US" altLang="ko-KR" smtClean="0">
+                <a:solidFill>
+                  <a:schemeClr val="tx1"/>
+                </a:solidFill>
+                <a:latin typeface="1훈새마을운동 R" panose="02020603020101020101" pitchFamily="18" charset="-127"/>
+                <a:ea typeface="1훈새마을운동 R" panose="02020603020101020101" pitchFamily="18" charset="-127"/>
+              </a:rPr>
+              <a:t>1. now()  : </a:t>
+            </a:r>
+            <a:r>
+              <a:rPr lang="ko-KR" altLang="en-US" smtClean="0">
+                <a:solidFill>
+                  <a:schemeClr val="tx1"/>
+                </a:solidFill>
+                <a:latin typeface="1훈새마을운동 R" panose="02020603020101020101" pitchFamily="18" charset="-127"/>
+                <a:ea typeface="1훈새마을운동 R" panose="02020603020101020101" pitchFamily="18" charset="-127"/>
+              </a:rPr>
+              <a:t>시스템 날짜</a:t>
+            </a:r>
+            <a:r>
+              <a:rPr lang="en-US" altLang="ko-KR" smtClean="0">
+                <a:solidFill>
+                  <a:schemeClr val="tx1"/>
+                </a:solidFill>
+                <a:latin typeface="1훈새마을운동 R" panose="02020603020101020101" pitchFamily="18" charset="-127"/>
+                <a:ea typeface="1훈새마을운동 R" panose="02020603020101020101" pitchFamily="18" charset="-127"/>
+              </a:rPr>
+              <a:t>/</a:t>
+            </a:r>
+            <a:r>
+              <a:rPr lang="ko-KR" altLang="en-US" smtClean="0">
+                <a:solidFill>
+                  <a:schemeClr val="tx1"/>
+                </a:solidFill>
+                <a:latin typeface="1훈새마을운동 R" panose="02020603020101020101" pitchFamily="18" charset="-127"/>
+                <a:ea typeface="1훈새마을운동 R" panose="02020603020101020101" pitchFamily="18" charset="-127"/>
+              </a:rPr>
+              <a:t>시간 함수 </a:t>
+            </a:r>
             <a:endParaRPr lang="en-US" altLang="ko-KR">
               <a:solidFill>
                 <a:schemeClr val="tx1"/>
@@ -35493,24 +36719,14 @@
           </a:p>
           <a:p>
             <a:r>
-              <a:rPr lang="en-US" altLang="ko-KR" smtClean="0">
-                <a:solidFill>
-                  <a:schemeClr val="tx1"/>
-                </a:solidFill>
-                <a:latin typeface="1훈새마을운동 R" panose="02020603020101020101" pitchFamily="18" charset="-127"/>
-                <a:ea typeface="1훈새마을운동 R" panose="02020603020101020101" pitchFamily="18" charset="-127"/>
-              </a:rPr>
-              <a:t>		* </a:t>
-            </a:r>
-            <a:r>
-              <a:rPr lang="ko-KR" altLang="en-US" smtClean="0">
-                <a:solidFill>
-                  <a:schemeClr val="tx1"/>
-                </a:solidFill>
-                <a:latin typeface="1훈새마을운동 R" panose="02020603020101020101" pitchFamily="18" charset="-127"/>
-                <a:ea typeface="1훈새마을운동 R" panose="02020603020101020101" pitchFamily="18" charset="-127"/>
-              </a:rPr>
-              <a:t>키워드 </a:t>
+              <a:rPr lang="en-US" altLang="ko-KR">
+                <a:solidFill>
+                  <a:schemeClr val="tx1"/>
+                </a:solidFill>
+                <a:latin typeface="1훈새마을운동 R" panose="02020603020101020101" pitchFamily="18" charset="-127"/>
+                <a:ea typeface="1훈새마을운동 R" panose="02020603020101020101" pitchFamily="18" charset="-127"/>
+              </a:rPr>
+              <a:t>	</a:t>
             </a:r>
             <a:endParaRPr lang="en-US" altLang="ko-KR" smtClean="0">
               <a:solidFill>
@@ -35531,26 +36747,6 @@
               </a:rPr>
               <a:t>	</a:t>
             </a:r>
-            <a:r>
-              <a:rPr lang="en-US" altLang="ko-KR" smtClean="0">
-                <a:solidFill>
-                  <a:schemeClr val="tx1"/>
-                </a:solidFill>
-                <a:latin typeface="1훈새마을운동 R" panose="02020603020101020101" pitchFamily="18" charset="-127"/>
-                <a:ea typeface="1훈새마을운동 R" panose="02020603020101020101" pitchFamily="18" charset="-127"/>
-              </a:rPr>
-              <a:t>		1. where : </a:t>
-            </a:r>
-            <a:r>
-              <a:rPr lang="ko-KR" altLang="en-US" smtClean="0">
-                <a:solidFill>
-                  <a:schemeClr val="tx1"/>
-                </a:solidFill>
-                <a:latin typeface="1훈새마을운동 R" panose="02020603020101020101" pitchFamily="18" charset="-127"/>
-                <a:ea typeface="1훈새마을운동 R" panose="02020603020101020101" pitchFamily="18" charset="-127"/>
-              </a:rPr>
-              <a:t>조건 </a:t>
-            </a:r>
             <a:endParaRPr lang="en-US" altLang="ko-KR" smtClean="0">
               <a:solidFill>
                 <a:schemeClr val="tx1"/>
@@ -35561,7 +36757,7 @@
           </a:p>
           <a:p>
             <a:r>
-              <a:rPr lang="en-US" altLang="ko-KR">
+              <a:rPr lang="en-US" altLang="ko-KR" smtClean="0">
                 <a:solidFill>
                   <a:schemeClr val="tx1"/>
                 </a:solidFill>
@@ -35570,25 +36766,145 @@
               </a:rPr>
               <a:t>	</a:t>
             </a:r>
-            <a:r>
-              <a:rPr lang="en-US" altLang="ko-KR" smtClean="0">
-                <a:solidFill>
-                  <a:schemeClr val="tx1"/>
-                </a:solidFill>
-                <a:latin typeface="1훈새마을운동 R" panose="02020603020101020101" pitchFamily="18" charset="-127"/>
-                <a:ea typeface="1훈새마을운동 R" panose="02020603020101020101" pitchFamily="18" charset="-127"/>
-              </a:rPr>
-              <a:t>			1. and : </a:t>
-            </a:r>
-            <a:r>
-              <a:rPr lang="ko-KR" altLang="en-US" smtClean="0">
-                <a:solidFill>
-                  <a:schemeClr val="tx1"/>
-                </a:solidFill>
-                <a:latin typeface="1훈새마을운동 R" panose="02020603020101020101" pitchFamily="18" charset="-127"/>
-                <a:ea typeface="1훈새마을운동 R" panose="02020603020101020101" pitchFamily="18" charset="-127"/>
-              </a:rPr>
-              <a:t>이면서 면서 이고 모두 그리고 </a:t>
+          </a:p>
+          <a:p>
+            <a:r>
+              <a:rPr lang="en-US" altLang="ko-KR" smtClean="0">
+                <a:solidFill>
+                  <a:schemeClr val="tx1"/>
+                </a:solidFill>
+                <a:latin typeface="1훈새마을운동 R" panose="02020603020101020101" pitchFamily="18" charset="-127"/>
+                <a:ea typeface="1훈새마을운동 R" panose="02020603020101020101" pitchFamily="18" charset="-127"/>
+              </a:rPr>
+              <a:t>	</a:t>
+            </a:r>
+          </a:p>
+        </p:txBody>
+      </p:sp>
+      <p:pic>
+        <p:nvPicPr>
+          <p:cNvPr id="1026" name="Picture 2" descr="데이터베이스] 용어 정리"/>
+          <p:cNvPicPr>
+            <a:picLocks noChangeAspect="1" noChangeArrowheads="1"/>
+          </p:cNvPicPr>
+          <p:nvPr/>
+        </p:nvPicPr>
+        <p:blipFill>
+          <a:blip r:embed="rId2">
+            <a:extLst>
+              <a:ext uri="{28A0092B-C50C-407E-A947-70E740481C1C}">
+                <a14:useLocalDpi xmlns:a14="http://schemas.microsoft.com/office/drawing/2010/main" val="0"/>
+              </a:ext>
+            </a:extLst>
+          </a:blip>
+          <a:srcRect/>
+          <a:stretch>
+            <a:fillRect/>
+          </a:stretch>
+        </p:blipFill>
+        <p:spPr bwMode="auto">
+          <a:xfrm>
+            <a:off x="3944888" y="209112"/>
+            <a:ext cx="4320480" cy="2118090"/>
+          </a:xfrm>
+          <a:prstGeom prst="rect">
+            <a:avLst/>
+          </a:prstGeom>
+          <a:noFill/>
+          <a:extLst>
+            <a:ext uri="{909E8E84-426E-40DD-AFC4-6F175D3DCCD1}">
+              <a14:hiddenFill xmlns:a14="http://schemas.microsoft.com/office/drawing/2010/main">
+                <a:solidFill>
+                  <a:srgbClr val="FFFFFF"/>
+                </a:solidFill>
+              </a14:hiddenFill>
+            </a:ext>
+          </a:extLst>
+        </p:spPr>
+      </p:pic>
+    </p:spTree>
+    <p:extLst>
+      <p:ext uri="{BB962C8B-B14F-4D97-AF65-F5344CB8AC3E}">
+        <p14:creationId xmlns:p14="http://schemas.microsoft.com/office/powerpoint/2010/main" val="4049022657"/>
+      </p:ext>
+    </p:extLst>
+  </p:cSld>
+  <p:clrMapOvr>
+    <a:masterClrMapping/>
+  </p:clrMapOvr>
+</p:sld>
+</file>
+
+<file path=ppt/slides/slide42.xml><?xml version="1.0" encoding="utf-8"?>
+<p:sld xmlns:a="http://schemas.openxmlformats.org/drawingml/2006/main" xmlns:r="http://schemas.openxmlformats.org/officeDocument/2006/relationships" xmlns:p="http://schemas.openxmlformats.org/presentationml/2006/main">
+  <p:cSld>
+    <p:spTree>
+      <p:nvGrpSpPr>
+        <p:cNvPr id="1" name=""/>
+        <p:cNvGrpSpPr/>
+        <p:nvPr/>
+      </p:nvGrpSpPr>
+      <p:grpSpPr>
+        <a:xfrm>
+          <a:off x="0" y="0"/>
+          <a:ext cx="0" cy="0"/>
+          <a:chOff x="0" y="0"/>
+          <a:chExt cx="0" cy="0"/>
+        </a:xfrm>
+      </p:grpSpPr>
+      <p:sp>
+        <p:nvSpPr>
+          <p:cNvPr id="4" name="직사각형 3"/>
+          <p:cNvSpPr/>
+          <p:nvPr/>
+        </p:nvSpPr>
+        <p:spPr>
+          <a:xfrm>
+            <a:off x="173052" y="188639"/>
+            <a:ext cx="9676492" cy="6408713"/>
+          </a:xfrm>
+          <a:prstGeom prst="rect">
+            <a:avLst/>
+          </a:prstGeom>
+          <a:noFill/>
+        </p:spPr>
+        <p:style>
+          <a:lnRef idx="2">
+            <a:schemeClr val="accent6"/>
+          </a:lnRef>
+          <a:fillRef idx="1">
+            <a:schemeClr val="lt1"/>
+          </a:fillRef>
+          <a:effectRef idx="0">
+            <a:schemeClr val="accent6"/>
+          </a:effectRef>
+          <a:fontRef idx="minor">
+            <a:schemeClr val="dk1"/>
+          </a:fontRef>
+        </p:style>
+        <p:txBody>
+          <a:bodyPr rtlCol="0" anchor="t"/>
+          <a:lstStyle/>
+          <a:p>
+            <a:r>
+              <a:rPr lang="en-US" altLang="ko-KR" smtClean="0">
+                <a:solidFill>
+                  <a:schemeClr val="tx1"/>
+                </a:solidFill>
+                <a:latin typeface="1훈새마을운동 R" panose="02020603020101020101" pitchFamily="18" charset="-127"/>
+                <a:ea typeface="1훈새마을운동 R" panose="02020603020101020101" pitchFamily="18" charset="-127"/>
+              </a:rPr>
+              <a:t>*SQL : </a:t>
+            </a:r>
+            <a:r>
+              <a:rPr lang="ko-KR" altLang="en-US" smtClean="0">
+                <a:solidFill>
+                  <a:schemeClr val="tx1"/>
+                </a:solidFill>
+                <a:latin typeface="1훈새마을운동 R" panose="02020603020101020101" pitchFamily="18" charset="-127"/>
+                <a:ea typeface="1훈새마을운동 R" panose="02020603020101020101" pitchFamily="18" charset="-127"/>
+              </a:rPr>
+              <a:t>데이터베이스 관리 언어</a:t>
             </a:r>
             <a:endParaRPr lang="en-US" altLang="ko-KR" smtClean="0">
               <a:solidFill>
@@ -35600,6 +36916,38 @@
           </a:p>
           <a:p>
             <a:r>
+              <a:rPr lang="en-US" altLang="ko-KR" smtClean="0">
+                <a:solidFill>
+                  <a:schemeClr val="tx1"/>
+                </a:solidFill>
+                <a:latin typeface="1훈새마을운동 R" panose="02020603020101020101" pitchFamily="18" charset="-127"/>
+                <a:ea typeface="1훈새마을운동 R" panose="02020603020101020101" pitchFamily="18" charset="-127"/>
+              </a:rPr>
+              <a:t>	DDL [ </a:t>
+            </a:r>
+            <a:r>
+              <a:rPr lang="ko-KR" altLang="en-US" smtClean="0">
+                <a:solidFill>
+                  <a:schemeClr val="tx1"/>
+                </a:solidFill>
+                <a:latin typeface="1훈새마을운동 R" panose="02020603020101020101" pitchFamily="18" charset="-127"/>
+                <a:ea typeface="1훈새마을운동 R" panose="02020603020101020101" pitchFamily="18" charset="-127"/>
+              </a:rPr>
+              <a:t>정의어 </a:t>
+            </a:r>
+            <a:r>
+              <a:rPr lang="en-US" altLang="ko-KR" smtClean="0">
+                <a:solidFill>
+                  <a:schemeClr val="tx1"/>
+                </a:solidFill>
+                <a:latin typeface="1훈새마을운동 R" panose="02020603020101020101" pitchFamily="18" charset="-127"/>
+                <a:ea typeface="1훈새마을운동 R" panose="02020603020101020101" pitchFamily="18" charset="-127"/>
+              </a:rPr>
+              <a:t>]</a:t>
+            </a:r>
+          </a:p>
+          <a:p>
+            <a:r>
               <a:rPr lang="en-US" altLang="ko-KR">
                 <a:solidFill>
                   <a:schemeClr val="tx1"/>
@@ -35617,17 +36965,17 @@
                 <a:latin typeface="1훈새마을운동 R" panose="02020603020101020101" pitchFamily="18" charset="-127"/>
                 <a:ea typeface="1훈새마을운동 R" panose="02020603020101020101" pitchFamily="18" charset="-127"/>
               </a:rPr>
-              <a:t>			2. or : </a:t>
-            </a:r>
-            <a:r>
-              <a:rPr lang="ko-KR" altLang="en-US" smtClean="0">
-                <a:solidFill>
-                  <a:schemeClr val="tx1"/>
-                </a:solidFill>
-                <a:latin typeface="1훈새마을운동 R" panose="02020603020101020101" pitchFamily="18" charset="-127"/>
-                <a:ea typeface="1훈새마을운동 R" panose="02020603020101020101" pitchFamily="18" charset="-127"/>
-              </a:rPr>
-              <a:t>이거나 거나 하나라도</a:t>
+              <a:t>	1. Create : </a:t>
+            </a:r>
+            <a:r>
+              <a:rPr lang="ko-KR" altLang="en-US" smtClean="0">
+                <a:solidFill>
+                  <a:schemeClr val="tx1"/>
+                </a:solidFill>
+                <a:latin typeface="1훈새마을운동 R" panose="02020603020101020101" pitchFamily="18" charset="-127"/>
+                <a:ea typeface="1훈새마을운동 R" panose="02020603020101020101" pitchFamily="18" charset="-127"/>
+              </a:rPr>
+              <a:t>생성 </a:t>
             </a:r>
             <a:endParaRPr lang="en-US" altLang="ko-KR" smtClean="0">
               <a:solidFill>
@@ -35646,28 +36994,327 @@
                 <a:latin typeface="1훈새마을운동 R" panose="02020603020101020101" pitchFamily="18" charset="-127"/>
                 <a:ea typeface="1훈새마을운동 R" panose="02020603020101020101" pitchFamily="18" charset="-127"/>
               </a:rPr>
-              <a:t>	DCL [ </a:t>
-            </a:r>
-            <a:r>
-              <a:rPr lang="ko-KR" altLang="en-US" smtClean="0">
-                <a:solidFill>
-                  <a:schemeClr val="tx1"/>
-                </a:solidFill>
-                <a:latin typeface="1훈새마을운동 R" panose="02020603020101020101" pitchFamily="18" charset="-127"/>
-                <a:ea typeface="1훈새마을운동 R" panose="02020603020101020101" pitchFamily="18" charset="-127"/>
-              </a:rPr>
-              <a:t>제어어 </a:t>
-            </a:r>
-            <a:r>
-              <a:rPr lang="en-US" altLang="ko-KR" smtClean="0">
-                <a:solidFill>
-                  <a:schemeClr val="tx1"/>
-                </a:solidFill>
-                <a:latin typeface="1훈새마을운동 R" panose="02020603020101020101" pitchFamily="18" charset="-127"/>
-                <a:ea typeface="1훈새마을운동 R" panose="02020603020101020101" pitchFamily="18" charset="-127"/>
-              </a:rPr>
-              <a:t>]</a:t>
-            </a:r>
+              <a:t>			</a:t>
+            </a:r>
+            <a:r>
+              <a:rPr lang="en-US" altLang="ko-KR" smtClean="0">
+                <a:solidFill>
+                  <a:schemeClr val="tx1"/>
+                </a:solidFill>
+                <a:latin typeface="1훈새마을운동 R" panose="02020603020101020101" pitchFamily="18" charset="-127"/>
+                <a:ea typeface="1훈새마을운동 R" panose="02020603020101020101" pitchFamily="18" charset="-127"/>
+              </a:rPr>
+              <a:t>DB : create database db</a:t>
+            </a:r>
+            <a:r>
+              <a:rPr lang="ko-KR" altLang="en-US" smtClean="0">
+                <a:solidFill>
+                  <a:schemeClr val="tx1"/>
+                </a:solidFill>
+                <a:latin typeface="1훈새마을운동 R" panose="02020603020101020101" pitchFamily="18" charset="-127"/>
+                <a:ea typeface="1훈새마을운동 R" panose="02020603020101020101" pitchFamily="18" charset="-127"/>
+              </a:rPr>
+              <a:t>명 </a:t>
+            </a:r>
+            <a:endParaRPr lang="en-US" altLang="ko-KR" smtClean="0">
+              <a:solidFill>
+                <a:schemeClr val="tx1"/>
+              </a:solidFill>
+              <a:latin typeface="1훈새마을운동 R" panose="02020603020101020101" pitchFamily="18" charset="-127"/>
+              <a:ea typeface="1훈새마을운동 R" panose="02020603020101020101" pitchFamily="18" charset="-127"/>
+            </a:endParaRPr>
+          </a:p>
+          <a:p>
+            <a:r>
+              <a:rPr lang="en-US" altLang="ko-KR" smtClean="0">
+                <a:solidFill>
+                  <a:schemeClr val="tx1"/>
+                </a:solidFill>
+                <a:latin typeface="1훈새마을운동 R" panose="02020603020101020101" pitchFamily="18" charset="-127"/>
+                <a:ea typeface="1훈새마을운동 R" panose="02020603020101020101" pitchFamily="18" charset="-127"/>
+              </a:rPr>
+              <a:t>			Table : create table db</a:t>
+            </a:r>
+            <a:r>
+              <a:rPr lang="ko-KR" altLang="en-US" smtClean="0">
+                <a:solidFill>
+                  <a:schemeClr val="tx1"/>
+                </a:solidFill>
+                <a:latin typeface="1훈새마을운동 R" panose="02020603020101020101" pitchFamily="18" charset="-127"/>
+                <a:ea typeface="1훈새마을운동 R" panose="02020603020101020101" pitchFamily="18" charset="-127"/>
+              </a:rPr>
+              <a:t>명</a:t>
+            </a:r>
+            <a:r>
+              <a:rPr lang="en-US" altLang="ko-KR" smtClean="0">
+                <a:solidFill>
+                  <a:schemeClr val="tx1"/>
+                </a:solidFill>
+                <a:latin typeface="1훈새마을운동 R" panose="02020603020101020101" pitchFamily="18" charset="-127"/>
+                <a:ea typeface="1훈새마을운동 R" panose="02020603020101020101" pitchFamily="18" charset="-127"/>
+              </a:rPr>
+              <a:t>.</a:t>
+            </a:r>
+            <a:r>
+              <a:rPr lang="ko-KR" altLang="en-US" smtClean="0">
+                <a:solidFill>
+                  <a:schemeClr val="tx1"/>
+                </a:solidFill>
+                <a:latin typeface="1훈새마을운동 R" panose="02020603020101020101" pitchFamily="18" charset="-127"/>
+                <a:ea typeface="1훈새마을운동 R" panose="02020603020101020101" pitchFamily="18" charset="-127"/>
+              </a:rPr>
+              <a:t>테이블명</a:t>
+            </a:r>
+            <a:r>
+              <a:rPr lang="en-US" altLang="ko-KR" smtClean="0">
+                <a:solidFill>
+                  <a:schemeClr val="tx1"/>
+                </a:solidFill>
+                <a:latin typeface="1훈새마을운동 R" panose="02020603020101020101" pitchFamily="18" charset="-127"/>
+                <a:ea typeface="1훈새마을운동 R" panose="02020603020101020101" pitchFamily="18" charset="-127"/>
+              </a:rPr>
+              <a:t>(        </a:t>
+            </a:r>
+          </a:p>
+          <a:p>
+            <a:endParaRPr lang="en-US" altLang="ko-KR">
+              <a:solidFill>
+                <a:schemeClr val="tx1"/>
+              </a:solidFill>
+              <a:latin typeface="1훈새마을운동 R" panose="02020603020101020101" pitchFamily="18" charset="-127"/>
+              <a:ea typeface="1훈새마을운동 R" panose="02020603020101020101" pitchFamily="18" charset="-127"/>
+            </a:endParaRPr>
+          </a:p>
+          <a:p>
+            <a:r>
+              <a:rPr lang="en-US" altLang="ko-KR" smtClean="0">
+                <a:solidFill>
+                  <a:schemeClr val="tx1"/>
+                </a:solidFill>
+                <a:latin typeface="1훈새마을운동 R" panose="02020603020101020101" pitchFamily="18" charset="-127"/>
+                <a:ea typeface="1훈새마을운동 R" panose="02020603020101020101" pitchFamily="18" charset="-127"/>
+              </a:rPr>
+              <a:t>				</a:t>
+            </a:r>
+            <a:r>
+              <a:rPr lang="ko-KR" altLang="en-US" smtClean="0">
+                <a:solidFill>
+                  <a:schemeClr val="tx1"/>
+                </a:solidFill>
+                <a:latin typeface="1훈새마을운동 R" panose="02020603020101020101" pitchFamily="18" charset="-127"/>
+                <a:ea typeface="1훈새마을운동 R" panose="02020603020101020101" pitchFamily="18" charset="-127"/>
+              </a:rPr>
+              <a:t>필드명 자료형 속성 </a:t>
+            </a:r>
+            <a:r>
+              <a:rPr lang="en-US" altLang="ko-KR" smtClean="0">
+                <a:solidFill>
+                  <a:schemeClr val="tx1"/>
+                </a:solidFill>
+                <a:latin typeface="1훈새마을운동 R" panose="02020603020101020101" pitchFamily="18" charset="-127"/>
+                <a:ea typeface="1훈새마을운동 R" panose="02020603020101020101" pitchFamily="18" charset="-127"/>
+              </a:rPr>
+              <a:t>,</a:t>
+            </a:r>
+          </a:p>
+          <a:p>
+            <a:r>
+              <a:rPr lang="en-US" altLang="ko-KR">
+                <a:solidFill>
+                  <a:schemeClr val="tx1"/>
+                </a:solidFill>
+                <a:latin typeface="1훈새마을운동 R" panose="02020603020101020101" pitchFamily="18" charset="-127"/>
+                <a:ea typeface="1훈새마을운동 R" panose="02020603020101020101" pitchFamily="18" charset="-127"/>
+              </a:rPr>
+              <a:t>	</a:t>
+            </a:r>
+            <a:r>
+              <a:rPr lang="en-US" altLang="ko-KR" smtClean="0">
+                <a:solidFill>
+                  <a:schemeClr val="tx1"/>
+                </a:solidFill>
+                <a:latin typeface="1훈새마을운동 R" panose="02020603020101020101" pitchFamily="18" charset="-127"/>
+                <a:ea typeface="1훈새마을운동 R" panose="02020603020101020101" pitchFamily="18" charset="-127"/>
+              </a:rPr>
+              <a:t>			</a:t>
+            </a:r>
+            <a:r>
+              <a:rPr lang="ko-KR" altLang="en-US" smtClean="0">
+                <a:solidFill>
+                  <a:schemeClr val="tx1"/>
+                </a:solidFill>
+                <a:latin typeface="1훈새마을운동 R" panose="02020603020101020101" pitchFamily="18" charset="-127"/>
+                <a:ea typeface="1훈새마을운동 R" panose="02020603020101020101" pitchFamily="18" charset="-127"/>
+              </a:rPr>
+              <a:t>필드명</a:t>
+            </a:r>
+            <a:r>
+              <a:rPr lang="en-US" altLang="ko-KR" smtClean="0">
+                <a:solidFill>
+                  <a:schemeClr val="tx1"/>
+                </a:solidFill>
+                <a:latin typeface="1훈새마을운동 R" panose="02020603020101020101" pitchFamily="18" charset="-127"/>
+                <a:ea typeface="1훈새마을운동 R" panose="02020603020101020101" pitchFamily="18" charset="-127"/>
+              </a:rPr>
+              <a:t>2 </a:t>
+            </a:r>
+            <a:r>
+              <a:rPr lang="ko-KR" altLang="en-US" smtClean="0">
+                <a:solidFill>
+                  <a:schemeClr val="tx1"/>
+                </a:solidFill>
+                <a:latin typeface="1훈새마을운동 R" panose="02020603020101020101" pitchFamily="18" charset="-127"/>
+                <a:ea typeface="1훈새마을운동 R" panose="02020603020101020101" pitchFamily="18" charset="-127"/>
+              </a:rPr>
+              <a:t>자료형 속성 </a:t>
+            </a:r>
+            <a:endParaRPr lang="en-US" altLang="ko-KR" smtClean="0">
+              <a:solidFill>
+                <a:schemeClr val="tx1"/>
+              </a:solidFill>
+              <a:latin typeface="1훈새마을운동 R" panose="02020603020101020101" pitchFamily="18" charset="-127"/>
+              <a:ea typeface="1훈새마을운동 R" panose="02020603020101020101" pitchFamily="18" charset="-127"/>
+            </a:endParaRPr>
+          </a:p>
+          <a:p>
+            <a:r>
+              <a:rPr lang="en-US" altLang="ko-KR">
+                <a:solidFill>
+                  <a:schemeClr val="tx1"/>
+                </a:solidFill>
+                <a:latin typeface="1훈새마을운동 R" panose="02020603020101020101" pitchFamily="18" charset="-127"/>
+                <a:ea typeface="1훈새마을운동 R" panose="02020603020101020101" pitchFamily="18" charset="-127"/>
+              </a:rPr>
+              <a:t>	</a:t>
+            </a:r>
+            <a:r>
+              <a:rPr lang="en-US" altLang="ko-KR" smtClean="0">
+                <a:solidFill>
+                  <a:schemeClr val="tx1"/>
+                </a:solidFill>
+                <a:latin typeface="1훈새마을운동 R" panose="02020603020101020101" pitchFamily="18" charset="-127"/>
+                <a:ea typeface="1훈새마을운동 R" panose="02020603020101020101" pitchFamily="18" charset="-127"/>
+              </a:rPr>
+              <a:t>		</a:t>
+            </a:r>
+            <a:r>
+              <a:rPr lang="en-US" altLang="ko-KR" smtClean="0">
+                <a:solidFill>
+                  <a:schemeClr val="tx1"/>
+                </a:solidFill>
+                <a:latin typeface="1훈새마을운동 R" panose="02020603020101020101" pitchFamily="18" charset="-127"/>
+                <a:ea typeface="1훈새마을운동 R" panose="02020603020101020101" pitchFamily="18" charset="-127"/>
+              </a:rPr>
+              <a:t>)</a:t>
+            </a:r>
+          </a:p>
+          <a:p>
+            <a:endParaRPr lang="en-US" altLang="ko-KR">
+              <a:solidFill>
+                <a:schemeClr val="tx1"/>
+              </a:solidFill>
+              <a:latin typeface="1훈새마을운동 R" panose="02020603020101020101" pitchFamily="18" charset="-127"/>
+              <a:ea typeface="1훈새마을운동 R" panose="02020603020101020101" pitchFamily="18" charset="-127"/>
+            </a:endParaRPr>
+          </a:p>
+          <a:p>
+            <a:r>
+              <a:rPr lang="en-US" altLang="ko-KR" smtClean="0">
+                <a:solidFill>
+                  <a:schemeClr val="tx1"/>
+                </a:solidFill>
+                <a:latin typeface="1훈새마을운동 R" panose="02020603020101020101" pitchFamily="18" charset="-127"/>
+                <a:ea typeface="1훈새마을운동 R" panose="02020603020101020101" pitchFamily="18" charset="-127"/>
+              </a:rPr>
+              <a:t>		2. Drop : </a:t>
+            </a:r>
+            <a:r>
+              <a:rPr lang="ko-KR" altLang="en-US" smtClean="0">
+                <a:solidFill>
+                  <a:schemeClr val="tx1"/>
+                </a:solidFill>
+                <a:latin typeface="1훈새마을운동 R" panose="02020603020101020101" pitchFamily="18" charset="-127"/>
+                <a:ea typeface="1훈새마을운동 R" panose="02020603020101020101" pitchFamily="18" charset="-127"/>
+              </a:rPr>
+              <a:t>삭제 </a:t>
+            </a:r>
+            <a:endParaRPr lang="en-US" altLang="ko-KR" smtClean="0">
+              <a:solidFill>
+                <a:schemeClr val="tx1"/>
+              </a:solidFill>
+              <a:latin typeface="1훈새마을운동 R" panose="02020603020101020101" pitchFamily="18" charset="-127"/>
+              <a:ea typeface="1훈새마을운동 R" panose="02020603020101020101" pitchFamily="18" charset="-127"/>
+            </a:endParaRPr>
+          </a:p>
+          <a:p>
+            <a:r>
+              <a:rPr lang="en-US" altLang="ko-KR">
+                <a:solidFill>
+                  <a:schemeClr val="tx1"/>
+                </a:solidFill>
+                <a:latin typeface="1훈새마을운동 R" panose="02020603020101020101" pitchFamily="18" charset="-127"/>
+                <a:ea typeface="1훈새마을운동 R" panose="02020603020101020101" pitchFamily="18" charset="-127"/>
+              </a:rPr>
+              <a:t>	</a:t>
+            </a:r>
+            <a:r>
+              <a:rPr lang="en-US" altLang="ko-KR" smtClean="0">
+                <a:solidFill>
+                  <a:schemeClr val="tx1"/>
+                </a:solidFill>
+                <a:latin typeface="1훈새마을운동 R" panose="02020603020101020101" pitchFamily="18" charset="-127"/>
+                <a:ea typeface="1훈새마을운동 R" panose="02020603020101020101" pitchFamily="18" charset="-127"/>
+              </a:rPr>
+              <a:t>	</a:t>
+            </a:r>
+          </a:p>
+          <a:p>
+            <a:r>
+              <a:rPr lang="en-US" altLang="ko-KR">
+                <a:solidFill>
+                  <a:schemeClr val="tx1"/>
+                </a:solidFill>
+                <a:latin typeface="1훈새마을운동 R" panose="02020603020101020101" pitchFamily="18" charset="-127"/>
+                <a:ea typeface="1훈새마을운동 R" panose="02020603020101020101" pitchFamily="18" charset="-127"/>
+              </a:rPr>
+              <a:t>	</a:t>
+            </a:r>
+            <a:r>
+              <a:rPr lang="en-US" altLang="ko-KR" smtClean="0">
+                <a:solidFill>
+                  <a:schemeClr val="tx1"/>
+                </a:solidFill>
+                <a:latin typeface="1훈새마을운동 R" panose="02020603020101020101" pitchFamily="18" charset="-127"/>
+                <a:ea typeface="1훈새마을운동 R" panose="02020603020101020101" pitchFamily="18" charset="-127"/>
+              </a:rPr>
+              <a:t>	3. Alter : </a:t>
+            </a:r>
+            <a:r>
+              <a:rPr lang="ko-KR" altLang="en-US" smtClean="0">
+                <a:solidFill>
+                  <a:schemeClr val="tx1"/>
+                </a:solidFill>
+                <a:latin typeface="1훈새마을운동 R" panose="02020603020101020101" pitchFamily="18" charset="-127"/>
+                <a:ea typeface="1훈새마을운동 R" panose="02020603020101020101" pitchFamily="18" charset="-127"/>
+              </a:rPr>
+              <a:t>수정 </a:t>
+            </a:r>
+            <a:endParaRPr lang="en-US" altLang="ko-KR" smtClean="0">
+              <a:solidFill>
+                <a:schemeClr val="tx1"/>
+              </a:solidFill>
+              <a:latin typeface="1훈새마을운동 R" panose="02020603020101020101" pitchFamily="18" charset="-127"/>
+              <a:ea typeface="1훈새마을운동 R" panose="02020603020101020101" pitchFamily="18" charset="-127"/>
+            </a:endParaRPr>
+          </a:p>
+          <a:p>
+            <a:endParaRPr lang="en-US" altLang="ko-KR" smtClean="0">
+              <a:solidFill>
+                <a:schemeClr val="tx1"/>
+              </a:solidFill>
+              <a:latin typeface="1훈새마을운동 R" panose="02020603020101020101" pitchFamily="18" charset="-127"/>
+              <a:ea typeface="1훈새마을운동 R" panose="02020603020101020101" pitchFamily="18" charset="-127"/>
+            </a:endParaRPr>
           </a:p>
           <a:p>
             <a:r>
@@ -35699,6 +37346,1126 @@
     <p:extLst>
       <p:ext uri="{BB962C8B-B14F-4D97-AF65-F5344CB8AC3E}">
         <p14:creationId xmlns:p14="http://schemas.microsoft.com/office/powerpoint/2010/main" val="3754068247"/>
+      </p:ext>
+    </p:extLst>
+  </p:cSld>
+  <p:clrMapOvr>
+    <a:masterClrMapping/>
+  </p:clrMapOvr>
+</p:sld>
+</file>
+
+<file path=ppt/slides/slide43.xml><?xml version="1.0" encoding="utf-8"?>
+<p:sld xmlns:a="http://schemas.openxmlformats.org/drawingml/2006/main" xmlns:r="http://schemas.openxmlformats.org/officeDocument/2006/relationships" xmlns:p="http://schemas.openxmlformats.org/presentationml/2006/main">
+  <p:cSld>
+    <p:spTree>
+      <p:nvGrpSpPr>
+        <p:cNvPr id="1" name=""/>
+        <p:cNvGrpSpPr/>
+        <p:nvPr/>
+      </p:nvGrpSpPr>
+      <p:grpSpPr>
+        <a:xfrm>
+          <a:off x="0" y="0"/>
+          <a:ext cx="0" cy="0"/>
+          <a:chOff x="0" y="0"/>
+          <a:chExt cx="0" cy="0"/>
+        </a:xfrm>
+      </p:grpSpPr>
+      <p:sp>
+        <p:nvSpPr>
+          <p:cNvPr id="4" name="직사각형 3"/>
+          <p:cNvSpPr/>
+          <p:nvPr/>
+        </p:nvSpPr>
+        <p:spPr>
+          <a:xfrm>
+            <a:off x="173052" y="188639"/>
+            <a:ext cx="9676492" cy="6408713"/>
+          </a:xfrm>
+          <a:prstGeom prst="rect">
+            <a:avLst/>
+          </a:prstGeom>
+          <a:noFill/>
+        </p:spPr>
+        <p:style>
+          <a:lnRef idx="2">
+            <a:schemeClr val="accent6"/>
+          </a:lnRef>
+          <a:fillRef idx="1">
+            <a:schemeClr val="lt1"/>
+          </a:fillRef>
+          <a:effectRef idx="0">
+            <a:schemeClr val="accent6"/>
+          </a:effectRef>
+          <a:fontRef idx="minor">
+            <a:schemeClr val="dk1"/>
+          </a:fontRef>
+        </p:style>
+        <p:txBody>
+          <a:bodyPr rtlCol="0" anchor="t"/>
+          <a:lstStyle/>
+          <a:p>
+            <a:r>
+              <a:rPr lang="en-US" altLang="ko-KR" smtClean="0">
+                <a:solidFill>
+                  <a:schemeClr val="tx1"/>
+                </a:solidFill>
+                <a:latin typeface="1훈새마을운동 R" panose="02020603020101020101" pitchFamily="18" charset="-127"/>
+                <a:ea typeface="1훈새마을운동 R" panose="02020603020101020101" pitchFamily="18" charset="-127"/>
+              </a:rPr>
+              <a:t>*SQL : </a:t>
+            </a:r>
+            <a:r>
+              <a:rPr lang="ko-KR" altLang="en-US" smtClean="0">
+                <a:solidFill>
+                  <a:schemeClr val="tx1"/>
+                </a:solidFill>
+                <a:latin typeface="1훈새마을운동 R" panose="02020603020101020101" pitchFamily="18" charset="-127"/>
+                <a:ea typeface="1훈새마을운동 R" panose="02020603020101020101" pitchFamily="18" charset="-127"/>
+              </a:rPr>
+              <a:t>데이터베이스 관리 언어</a:t>
+            </a:r>
+            <a:endParaRPr lang="en-US" altLang="ko-KR" smtClean="0">
+              <a:solidFill>
+                <a:schemeClr val="tx1"/>
+              </a:solidFill>
+              <a:latin typeface="1훈새마을운동 R" panose="02020603020101020101" pitchFamily="18" charset="-127"/>
+              <a:ea typeface="1훈새마을운동 R" panose="02020603020101020101" pitchFamily="18" charset="-127"/>
+            </a:endParaRPr>
+          </a:p>
+          <a:p>
+            <a:r>
+              <a:rPr lang="en-US" altLang="ko-KR" smtClean="0">
+                <a:solidFill>
+                  <a:schemeClr val="tx1"/>
+                </a:solidFill>
+                <a:latin typeface="1훈새마을운동 R" panose="02020603020101020101" pitchFamily="18" charset="-127"/>
+                <a:ea typeface="1훈새마을운동 R" panose="02020603020101020101" pitchFamily="18" charset="-127"/>
+              </a:rPr>
+              <a:t>	DML [ </a:t>
+            </a:r>
+            <a:r>
+              <a:rPr lang="ko-KR" altLang="en-US" smtClean="0">
+                <a:solidFill>
+                  <a:schemeClr val="tx1"/>
+                </a:solidFill>
+                <a:latin typeface="1훈새마을운동 R" panose="02020603020101020101" pitchFamily="18" charset="-127"/>
+                <a:ea typeface="1훈새마을운동 R" panose="02020603020101020101" pitchFamily="18" charset="-127"/>
+              </a:rPr>
+              <a:t>조작어 </a:t>
+            </a:r>
+            <a:r>
+              <a:rPr lang="en-US" altLang="ko-KR" smtClean="0">
+                <a:solidFill>
+                  <a:schemeClr val="tx1"/>
+                </a:solidFill>
+                <a:latin typeface="1훈새마을운동 R" panose="02020603020101020101" pitchFamily="18" charset="-127"/>
+                <a:ea typeface="1훈새마을운동 R" panose="02020603020101020101" pitchFamily="18" charset="-127"/>
+              </a:rPr>
+              <a:t>]</a:t>
+            </a:r>
+          </a:p>
+          <a:p>
+            <a:r>
+              <a:rPr lang="en-US" altLang="ko-KR" smtClean="0">
+                <a:solidFill>
+                  <a:schemeClr val="tx1"/>
+                </a:solidFill>
+                <a:latin typeface="1훈새마을운동 R" panose="02020603020101020101" pitchFamily="18" charset="-127"/>
+                <a:ea typeface="1훈새마을운동 R" panose="02020603020101020101" pitchFamily="18" charset="-127"/>
+              </a:rPr>
+              <a:t>		1. </a:t>
+            </a:r>
+            <a:r>
+              <a:rPr lang="ko-KR" altLang="en-US" smtClean="0">
+                <a:solidFill>
+                  <a:schemeClr val="tx1"/>
+                </a:solidFill>
+                <a:latin typeface="1훈새마을운동 R" panose="02020603020101020101" pitchFamily="18" charset="-127"/>
+                <a:ea typeface="1훈새마을운동 R" panose="02020603020101020101" pitchFamily="18" charset="-127"/>
+              </a:rPr>
+              <a:t>삽입 </a:t>
+            </a:r>
+            <a:r>
+              <a:rPr lang="en-US" altLang="ko-KR" smtClean="0">
+                <a:solidFill>
+                  <a:schemeClr val="tx1"/>
+                </a:solidFill>
+                <a:latin typeface="1훈새마을운동 R" panose="02020603020101020101" pitchFamily="18" charset="-127"/>
+                <a:ea typeface="1훈새마을운동 R" panose="02020603020101020101" pitchFamily="18" charset="-127"/>
+              </a:rPr>
+              <a:t>: insert into </a:t>
+            </a:r>
+            <a:r>
+              <a:rPr lang="ko-KR" altLang="en-US" smtClean="0">
+                <a:solidFill>
+                  <a:schemeClr val="tx1"/>
+                </a:solidFill>
+                <a:latin typeface="1훈새마을운동 R" panose="02020603020101020101" pitchFamily="18" charset="-127"/>
+                <a:ea typeface="1훈새마을운동 R" panose="02020603020101020101" pitchFamily="18" charset="-127"/>
+              </a:rPr>
+              <a:t>테이블명</a:t>
+            </a:r>
+            <a:r>
+              <a:rPr lang="en-US" altLang="ko-KR" smtClean="0">
+                <a:solidFill>
+                  <a:schemeClr val="tx1"/>
+                </a:solidFill>
+                <a:latin typeface="1훈새마을운동 R" panose="02020603020101020101" pitchFamily="18" charset="-127"/>
+                <a:ea typeface="1훈새마을운동 R" panose="02020603020101020101" pitchFamily="18" charset="-127"/>
+              </a:rPr>
+              <a:t>( </a:t>
+            </a:r>
+            <a:r>
+              <a:rPr lang="ko-KR" altLang="en-US" smtClean="0">
+                <a:solidFill>
+                  <a:schemeClr val="tx1"/>
+                </a:solidFill>
+                <a:latin typeface="1훈새마을운동 R" panose="02020603020101020101" pitchFamily="18" charset="-127"/>
+                <a:ea typeface="1훈새마을운동 R" panose="02020603020101020101" pitchFamily="18" charset="-127"/>
+              </a:rPr>
+              <a:t>필드</a:t>
+            </a:r>
+            <a:r>
+              <a:rPr lang="en-US" altLang="ko-KR" smtClean="0">
+                <a:solidFill>
+                  <a:schemeClr val="tx1"/>
+                </a:solidFill>
+                <a:latin typeface="1훈새마을운동 R" panose="02020603020101020101" pitchFamily="18" charset="-127"/>
+                <a:ea typeface="1훈새마을운동 R" panose="02020603020101020101" pitchFamily="18" charset="-127"/>
+              </a:rPr>
+              <a:t>1 , </a:t>
+            </a:r>
+            <a:r>
+              <a:rPr lang="ko-KR" altLang="en-US" smtClean="0">
+                <a:solidFill>
+                  <a:schemeClr val="tx1"/>
+                </a:solidFill>
+                <a:latin typeface="1훈새마을운동 R" panose="02020603020101020101" pitchFamily="18" charset="-127"/>
+                <a:ea typeface="1훈새마을운동 R" panose="02020603020101020101" pitchFamily="18" charset="-127"/>
+              </a:rPr>
+              <a:t>필드</a:t>
+            </a:r>
+            <a:r>
+              <a:rPr lang="en-US" altLang="ko-KR" smtClean="0">
+                <a:solidFill>
+                  <a:schemeClr val="tx1"/>
+                </a:solidFill>
+                <a:latin typeface="1훈새마을운동 R" panose="02020603020101020101" pitchFamily="18" charset="-127"/>
+                <a:ea typeface="1훈새마을운동 R" panose="02020603020101020101" pitchFamily="18" charset="-127"/>
+              </a:rPr>
+              <a:t>2 ) values( </a:t>
+            </a:r>
+            <a:r>
+              <a:rPr lang="ko-KR" altLang="en-US" smtClean="0">
+                <a:solidFill>
+                  <a:schemeClr val="tx1"/>
+                </a:solidFill>
+                <a:latin typeface="1훈새마을운동 R" panose="02020603020101020101" pitchFamily="18" charset="-127"/>
+                <a:ea typeface="1훈새마을운동 R" panose="02020603020101020101" pitchFamily="18" charset="-127"/>
+              </a:rPr>
+              <a:t>값</a:t>
+            </a:r>
+            <a:r>
+              <a:rPr lang="en-US" altLang="ko-KR" smtClean="0">
+                <a:solidFill>
+                  <a:schemeClr val="tx1"/>
+                </a:solidFill>
+                <a:latin typeface="1훈새마을운동 R" panose="02020603020101020101" pitchFamily="18" charset="-127"/>
+                <a:ea typeface="1훈새마을운동 R" panose="02020603020101020101" pitchFamily="18" charset="-127"/>
+              </a:rPr>
+              <a:t>1 , </a:t>
+            </a:r>
+            <a:r>
+              <a:rPr lang="ko-KR" altLang="en-US" smtClean="0">
+                <a:solidFill>
+                  <a:schemeClr val="tx1"/>
+                </a:solidFill>
+                <a:latin typeface="1훈새마을운동 R" panose="02020603020101020101" pitchFamily="18" charset="-127"/>
+                <a:ea typeface="1훈새마을운동 R" panose="02020603020101020101" pitchFamily="18" charset="-127"/>
+              </a:rPr>
+              <a:t>값</a:t>
+            </a:r>
+            <a:r>
+              <a:rPr lang="en-US" altLang="ko-KR" smtClean="0">
+                <a:solidFill>
+                  <a:schemeClr val="tx1"/>
+                </a:solidFill>
+                <a:latin typeface="1훈새마을운동 R" panose="02020603020101020101" pitchFamily="18" charset="-127"/>
+                <a:ea typeface="1훈새마을운동 R" panose="02020603020101020101" pitchFamily="18" charset="-127"/>
+              </a:rPr>
+              <a:t>2 )</a:t>
+            </a:r>
+          </a:p>
+          <a:p>
+            <a:r>
+              <a:rPr lang="en-US" altLang="ko-KR" smtClean="0">
+                <a:solidFill>
+                  <a:schemeClr val="tx1"/>
+                </a:solidFill>
+                <a:latin typeface="1훈새마을운동 R" panose="02020603020101020101" pitchFamily="18" charset="-127"/>
+                <a:ea typeface="1훈새마을운동 R" panose="02020603020101020101" pitchFamily="18" charset="-127"/>
+              </a:rPr>
+              <a:t>			* </a:t>
+            </a:r>
+            <a:r>
+              <a:rPr lang="ko-KR" altLang="en-US" smtClean="0">
+                <a:solidFill>
+                  <a:schemeClr val="tx1"/>
+                </a:solidFill>
+                <a:latin typeface="1훈새마을운동 R" panose="02020603020101020101" pitchFamily="18" charset="-127"/>
+                <a:ea typeface="1훈새마을운동 R" panose="02020603020101020101" pitchFamily="18" charset="-127"/>
+              </a:rPr>
+              <a:t>모든필드 삽입 </a:t>
+            </a:r>
+            <a:r>
+              <a:rPr lang="en-US" altLang="ko-KR" smtClean="0">
+                <a:solidFill>
+                  <a:schemeClr val="tx1"/>
+                </a:solidFill>
+                <a:latin typeface="1훈새마을운동 R" panose="02020603020101020101" pitchFamily="18" charset="-127"/>
+                <a:ea typeface="1훈새마을운동 R" panose="02020603020101020101" pitchFamily="18" charset="-127"/>
+              </a:rPr>
+              <a:t>: insert into </a:t>
+            </a:r>
+            <a:r>
+              <a:rPr lang="ko-KR" altLang="en-US" smtClean="0">
+                <a:solidFill>
+                  <a:schemeClr val="tx1"/>
+                </a:solidFill>
+                <a:latin typeface="1훈새마을운동 R" panose="02020603020101020101" pitchFamily="18" charset="-127"/>
+                <a:ea typeface="1훈새마을운동 R" panose="02020603020101020101" pitchFamily="18" charset="-127"/>
+              </a:rPr>
+              <a:t>테이블명 </a:t>
+            </a:r>
+            <a:r>
+              <a:rPr lang="en-US" altLang="ko-KR" smtClean="0">
+                <a:solidFill>
+                  <a:schemeClr val="tx1"/>
+                </a:solidFill>
+                <a:latin typeface="1훈새마을운동 R" panose="02020603020101020101" pitchFamily="18" charset="-127"/>
+                <a:ea typeface="1훈새마을운동 R" panose="02020603020101020101" pitchFamily="18" charset="-127"/>
+              </a:rPr>
+              <a:t>values( </a:t>
+            </a:r>
+            <a:r>
+              <a:rPr lang="ko-KR" altLang="en-US" smtClean="0">
+                <a:solidFill>
+                  <a:schemeClr val="tx1"/>
+                </a:solidFill>
+                <a:latin typeface="1훈새마을운동 R" panose="02020603020101020101" pitchFamily="18" charset="-127"/>
+                <a:ea typeface="1훈새마을운동 R" panose="02020603020101020101" pitchFamily="18" charset="-127"/>
+              </a:rPr>
+              <a:t>값</a:t>
+            </a:r>
+            <a:r>
+              <a:rPr lang="en-US" altLang="ko-KR" smtClean="0">
+                <a:solidFill>
+                  <a:schemeClr val="tx1"/>
+                </a:solidFill>
+                <a:latin typeface="1훈새마을운동 R" panose="02020603020101020101" pitchFamily="18" charset="-127"/>
+                <a:ea typeface="1훈새마을운동 R" panose="02020603020101020101" pitchFamily="18" charset="-127"/>
+              </a:rPr>
+              <a:t>1 , </a:t>
+            </a:r>
+            <a:r>
+              <a:rPr lang="ko-KR" altLang="en-US" smtClean="0">
+                <a:solidFill>
+                  <a:schemeClr val="tx1"/>
+                </a:solidFill>
+                <a:latin typeface="1훈새마을운동 R" panose="02020603020101020101" pitchFamily="18" charset="-127"/>
+                <a:ea typeface="1훈새마을운동 R" panose="02020603020101020101" pitchFamily="18" charset="-127"/>
+              </a:rPr>
+              <a:t>값</a:t>
+            </a:r>
+            <a:r>
+              <a:rPr lang="en-US" altLang="ko-KR" smtClean="0">
+                <a:solidFill>
+                  <a:schemeClr val="tx1"/>
+                </a:solidFill>
+                <a:latin typeface="1훈새마을운동 R" panose="02020603020101020101" pitchFamily="18" charset="-127"/>
+                <a:ea typeface="1훈새마을운동 R" panose="02020603020101020101" pitchFamily="18" charset="-127"/>
+              </a:rPr>
+              <a:t>2 , </a:t>
+            </a:r>
+            <a:r>
+              <a:rPr lang="ko-KR" altLang="en-US" smtClean="0">
+                <a:solidFill>
+                  <a:schemeClr val="tx1"/>
+                </a:solidFill>
+                <a:latin typeface="1훈새마을운동 R" panose="02020603020101020101" pitchFamily="18" charset="-127"/>
+                <a:ea typeface="1훈새마을운동 R" panose="02020603020101020101" pitchFamily="18" charset="-127"/>
+              </a:rPr>
+              <a:t>값</a:t>
+            </a:r>
+            <a:r>
+              <a:rPr lang="en-US" altLang="ko-KR" smtClean="0">
+                <a:solidFill>
+                  <a:schemeClr val="tx1"/>
+                </a:solidFill>
+                <a:latin typeface="1훈새마을운동 R" panose="02020603020101020101" pitchFamily="18" charset="-127"/>
+                <a:ea typeface="1훈새마을운동 R" panose="02020603020101020101" pitchFamily="18" charset="-127"/>
+              </a:rPr>
+              <a:t>3 )</a:t>
+            </a:r>
+          </a:p>
+          <a:p>
+            <a:r>
+              <a:rPr lang="en-US" altLang="ko-KR" smtClean="0">
+                <a:solidFill>
+                  <a:schemeClr val="tx1"/>
+                </a:solidFill>
+                <a:latin typeface="1훈새마을운동 R" panose="02020603020101020101" pitchFamily="18" charset="-127"/>
+                <a:ea typeface="1훈새마을운동 R" panose="02020603020101020101" pitchFamily="18" charset="-127"/>
+              </a:rPr>
+              <a:t>			* </a:t>
+            </a:r>
+            <a:r>
+              <a:rPr lang="ko-KR" altLang="en-US" smtClean="0">
+                <a:solidFill>
+                  <a:schemeClr val="tx1"/>
+                </a:solidFill>
+                <a:latin typeface="1훈새마을운동 R" panose="02020603020101020101" pitchFamily="18" charset="-127"/>
+                <a:ea typeface="1훈새마을운동 R" panose="02020603020101020101" pitchFamily="18" charset="-127"/>
+              </a:rPr>
+              <a:t>모든필드 삽입시 </a:t>
+            </a:r>
+            <a:r>
+              <a:rPr lang="en-US" altLang="ko-KR" smtClean="0">
+                <a:solidFill>
+                  <a:schemeClr val="tx1"/>
+                </a:solidFill>
+                <a:latin typeface="1훈새마을운동 R" panose="02020603020101020101" pitchFamily="18" charset="-127"/>
+                <a:ea typeface="1훈새마을운동 R" panose="02020603020101020101" pitchFamily="18" charset="-127"/>
+              </a:rPr>
+              <a:t>: </a:t>
+            </a:r>
+            <a:r>
+              <a:rPr lang="ko-KR" altLang="en-US" smtClean="0">
+                <a:solidFill>
+                  <a:schemeClr val="tx1"/>
+                </a:solidFill>
+                <a:latin typeface="1훈새마을운동 R" panose="02020603020101020101" pitchFamily="18" charset="-127"/>
+                <a:ea typeface="1훈새마을운동 R" panose="02020603020101020101" pitchFamily="18" charset="-127"/>
+              </a:rPr>
+              <a:t>필드명 생략 </a:t>
+            </a:r>
+            <a:r>
+              <a:rPr lang="en-US" altLang="ko-KR" smtClean="0">
+                <a:solidFill>
+                  <a:schemeClr val="tx1"/>
+                </a:solidFill>
+                <a:latin typeface="1훈새마을운동 R" panose="02020603020101020101" pitchFamily="18" charset="-127"/>
+                <a:ea typeface="1훈새마을운동 R" panose="02020603020101020101" pitchFamily="18" charset="-127"/>
+              </a:rPr>
+              <a:t>  </a:t>
+            </a:r>
+          </a:p>
+          <a:p>
+            <a:endParaRPr lang="en-US" altLang="ko-KR" smtClean="0">
+              <a:solidFill>
+                <a:schemeClr val="tx1"/>
+              </a:solidFill>
+              <a:latin typeface="1훈새마을운동 R" panose="02020603020101020101" pitchFamily="18" charset="-127"/>
+              <a:ea typeface="1훈새마을운동 R" panose="02020603020101020101" pitchFamily="18" charset="-127"/>
+            </a:endParaRPr>
+          </a:p>
+          <a:p>
+            <a:r>
+              <a:rPr lang="en-US" altLang="ko-KR" smtClean="0">
+                <a:solidFill>
+                  <a:schemeClr val="tx1"/>
+                </a:solidFill>
+                <a:latin typeface="1훈새마을운동 R" panose="02020603020101020101" pitchFamily="18" charset="-127"/>
+                <a:ea typeface="1훈새마을운동 R" panose="02020603020101020101" pitchFamily="18" charset="-127"/>
+              </a:rPr>
+              <a:t>		2. </a:t>
+            </a:r>
+            <a:r>
+              <a:rPr lang="ko-KR" altLang="en-US" smtClean="0">
+                <a:solidFill>
+                  <a:schemeClr val="tx1"/>
+                </a:solidFill>
+                <a:latin typeface="1훈새마을운동 R" panose="02020603020101020101" pitchFamily="18" charset="-127"/>
+                <a:ea typeface="1훈새마을운동 R" panose="02020603020101020101" pitchFamily="18" charset="-127"/>
+              </a:rPr>
+              <a:t>검색 </a:t>
+            </a:r>
+            <a:r>
+              <a:rPr lang="en-US" altLang="ko-KR" smtClean="0">
+                <a:solidFill>
+                  <a:schemeClr val="tx1"/>
+                </a:solidFill>
+                <a:latin typeface="1훈새마을운동 R" panose="02020603020101020101" pitchFamily="18" charset="-127"/>
+                <a:ea typeface="1훈새마을운동 R" panose="02020603020101020101" pitchFamily="18" charset="-127"/>
+              </a:rPr>
+              <a:t>: select </a:t>
+            </a:r>
+            <a:r>
+              <a:rPr lang="ko-KR" altLang="en-US" smtClean="0">
+                <a:solidFill>
+                  <a:schemeClr val="tx1"/>
+                </a:solidFill>
+                <a:latin typeface="1훈새마을운동 R" panose="02020603020101020101" pitchFamily="18" charset="-127"/>
+                <a:ea typeface="1훈새마을운동 R" panose="02020603020101020101" pitchFamily="18" charset="-127"/>
+              </a:rPr>
+              <a:t>필드명 </a:t>
+            </a:r>
+            <a:r>
+              <a:rPr lang="en-US" altLang="ko-KR" smtClean="0">
+                <a:solidFill>
+                  <a:schemeClr val="tx1"/>
+                </a:solidFill>
+                <a:latin typeface="1훈새마을운동 R" panose="02020603020101020101" pitchFamily="18" charset="-127"/>
+                <a:ea typeface="1훈새마을운동 R" panose="02020603020101020101" pitchFamily="18" charset="-127"/>
+              </a:rPr>
+              <a:t>from </a:t>
+            </a:r>
+            <a:r>
+              <a:rPr lang="ko-KR" altLang="en-US" smtClean="0">
+                <a:solidFill>
+                  <a:schemeClr val="tx1"/>
+                </a:solidFill>
+                <a:latin typeface="1훈새마을운동 R" panose="02020603020101020101" pitchFamily="18" charset="-127"/>
+                <a:ea typeface="1훈새마을운동 R" panose="02020603020101020101" pitchFamily="18" charset="-127"/>
+              </a:rPr>
+              <a:t>테이블명</a:t>
+            </a:r>
+            <a:r>
+              <a:rPr lang="en-US" altLang="ko-KR">
+                <a:solidFill>
+                  <a:schemeClr val="tx1"/>
+                </a:solidFill>
+                <a:latin typeface="1훈새마을운동 R" panose="02020603020101020101" pitchFamily="18" charset="-127"/>
+                <a:ea typeface="1훈새마을운동 R" panose="02020603020101020101" pitchFamily="18" charset="-127"/>
+              </a:rPr>
+              <a:t> </a:t>
+            </a:r>
+            <a:r>
+              <a:rPr lang="en-US" altLang="ko-KR" smtClean="0">
+                <a:solidFill>
+                  <a:schemeClr val="tx1"/>
+                </a:solidFill>
+                <a:latin typeface="1훈새마을운동 R" panose="02020603020101020101" pitchFamily="18" charset="-127"/>
+                <a:ea typeface="1훈새마을운동 R" panose="02020603020101020101" pitchFamily="18" charset="-127"/>
+              </a:rPr>
+              <a:t>where </a:t>
+            </a:r>
+            <a:r>
+              <a:rPr lang="ko-KR" altLang="en-US" smtClean="0">
+                <a:solidFill>
+                  <a:schemeClr val="tx1"/>
+                </a:solidFill>
+                <a:latin typeface="1훈새마을운동 R" panose="02020603020101020101" pitchFamily="18" charset="-127"/>
+                <a:ea typeface="1훈새마을운동 R" panose="02020603020101020101" pitchFamily="18" charset="-127"/>
+              </a:rPr>
+              <a:t>조건 </a:t>
+            </a:r>
+            <a:endParaRPr lang="en-US" altLang="ko-KR" smtClean="0">
+              <a:solidFill>
+                <a:schemeClr val="tx1"/>
+              </a:solidFill>
+              <a:latin typeface="1훈새마을운동 R" panose="02020603020101020101" pitchFamily="18" charset="-127"/>
+              <a:ea typeface="1훈새마을운동 R" panose="02020603020101020101" pitchFamily="18" charset="-127"/>
+            </a:endParaRPr>
+          </a:p>
+          <a:p>
+            <a:r>
+              <a:rPr lang="en-US" altLang="ko-KR" smtClean="0">
+                <a:solidFill>
+                  <a:schemeClr val="tx1"/>
+                </a:solidFill>
+                <a:latin typeface="1훈새마을운동 R" panose="02020603020101020101" pitchFamily="18" charset="-127"/>
+                <a:ea typeface="1훈새마을운동 R" panose="02020603020101020101" pitchFamily="18" charset="-127"/>
+              </a:rPr>
+              <a:t>			* </a:t>
+            </a:r>
+            <a:r>
+              <a:rPr lang="ko-KR" altLang="en-US" smtClean="0">
+                <a:solidFill>
+                  <a:schemeClr val="tx1"/>
+                </a:solidFill>
+                <a:latin typeface="1훈새마을운동 R" panose="02020603020101020101" pitchFamily="18" charset="-127"/>
+                <a:ea typeface="1훈새마을운동 R" panose="02020603020101020101" pitchFamily="18" charset="-127"/>
+              </a:rPr>
+              <a:t>모든필드 검색 </a:t>
+            </a:r>
+            <a:r>
+              <a:rPr lang="en-US" altLang="ko-KR" smtClean="0">
+                <a:solidFill>
+                  <a:schemeClr val="tx1"/>
+                </a:solidFill>
+                <a:latin typeface="1훈새마을운동 R" panose="02020603020101020101" pitchFamily="18" charset="-127"/>
+                <a:ea typeface="1훈새마을운동 R" panose="02020603020101020101" pitchFamily="18" charset="-127"/>
+              </a:rPr>
+              <a:t>: select * from</a:t>
+            </a:r>
+            <a:r>
+              <a:rPr lang="ko-KR" altLang="en-US">
+                <a:solidFill>
+                  <a:schemeClr val="tx1"/>
+                </a:solidFill>
+                <a:latin typeface="1훈새마을운동 R" panose="02020603020101020101" pitchFamily="18" charset="-127"/>
+                <a:ea typeface="1훈새마을운동 R" panose="02020603020101020101" pitchFamily="18" charset="-127"/>
+              </a:rPr>
+              <a:t> </a:t>
+            </a:r>
+            <a:r>
+              <a:rPr lang="ko-KR" altLang="en-US" smtClean="0">
+                <a:solidFill>
+                  <a:schemeClr val="tx1"/>
+                </a:solidFill>
+                <a:latin typeface="1훈새마을운동 R" panose="02020603020101020101" pitchFamily="18" charset="-127"/>
+                <a:ea typeface="1훈새마을운동 R" panose="02020603020101020101" pitchFamily="18" charset="-127"/>
+              </a:rPr>
+              <a:t>테이블명 </a:t>
+            </a:r>
+            <a:r>
+              <a:rPr lang="en-US" altLang="ko-KR" smtClean="0">
+                <a:solidFill>
+                  <a:schemeClr val="tx1"/>
+                </a:solidFill>
+                <a:latin typeface="1훈새마을운동 R" panose="02020603020101020101" pitchFamily="18" charset="-127"/>
+                <a:ea typeface="1훈새마을운동 R" panose="02020603020101020101" pitchFamily="18" charset="-127"/>
+              </a:rPr>
+              <a:t>where </a:t>
+            </a:r>
+            <a:r>
+              <a:rPr lang="ko-KR" altLang="en-US" smtClean="0">
+                <a:solidFill>
+                  <a:schemeClr val="tx1"/>
+                </a:solidFill>
+                <a:latin typeface="1훈새마을운동 R" panose="02020603020101020101" pitchFamily="18" charset="-127"/>
+                <a:ea typeface="1훈새마을운동 R" panose="02020603020101020101" pitchFamily="18" charset="-127"/>
+              </a:rPr>
+              <a:t>조건 </a:t>
+            </a:r>
+            <a:endParaRPr lang="en-US" altLang="ko-KR" smtClean="0">
+              <a:solidFill>
+                <a:schemeClr val="tx1"/>
+              </a:solidFill>
+              <a:latin typeface="1훈새마을운동 R" panose="02020603020101020101" pitchFamily="18" charset="-127"/>
+              <a:ea typeface="1훈새마을운동 R" panose="02020603020101020101" pitchFamily="18" charset="-127"/>
+            </a:endParaRPr>
+          </a:p>
+          <a:p>
+            <a:r>
+              <a:rPr lang="en-US" altLang="ko-KR">
+                <a:solidFill>
+                  <a:schemeClr val="tx1"/>
+                </a:solidFill>
+                <a:latin typeface="1훈새마을운동 R" panose="02020603020101020101" pitchFamily="18" charset="-127"/>
+                <a:ea typeface="1훈새마을운동 R" panose="02020603020101020101" pitchFamily="18" charset="-127"/>
+              </a:rPr>
+              <a:t>	</a:t>
+            </a:r>
+            <a:r>
+              <a:rPr lang="en-US" altLang="ko-KR" smtClean="0">
+                <a:solidFill>
+                  <a:schemeClr val="tx1"/>
+                </a:solidFill>
+                <a:latin typeface="1훈새마을운동 R" panose="02020603020101020101" pitchFamily="18" charset="-127"/>
+                <a:ea typeface="1훈새마을운동 R" panose="02020603020101020101" pitchFamily="18" charset="-127"/>
+              </a:rPr>
+              <a:t>		* </a:t>
+            </a:r>
+            <a:r>
+              <a:rPr lang="ko-KR" altLang="en-US" smtClean="0">
+                <a:solidFill>
+                  <a:schemeClr val="tx1"/>
+                </a:solidFill>
+                <a:latin typeface="1훈새마을운동 R" panose="02020603020101020101" pitchFamily="18" charset="-127"/>
+                <a:ea typeface="1훈새마을운동 R" panose="02020603020101020101" pitchFamily="18" charset="-127"/>
+              </a:rPr>
+              <a:t>모든필드 검색시 </a:t>
+            </a:r>
+            <a:r>
+              <a:rPr lang="en-US" altLang="ko-KR" smtClean="0">
+                <a:solidFill>
+                  <a:schemeClr val="tx1"/>
+                </a:solidFill>
+                <a:latin typeface="1훈새마을운동 R" panose="02020603020101020101" pitchFamily="18" charset="-127"/>
+                <a:ea typeface="1훈새마을운동 R" panose="02020603020101020101" pitchFamily="18" charset="-127"/>
+              </a:rPr>
+              <a:t>: *( </a:t>
+            </a:r>
+            <a:r>
+              <a:rPr lang="ko-KR" altLang="en-US" smtClean="0">
+                <a:solidFill>
+                  <a:schemeClr val="tx1"/>
+                </a:solidFill>
+                <a:latin typeface="1훈새마을운동 R" panose="02020603020101020101" pitchFamily="18" charset="-127"/>
+                <a:ea typeface="1훈새마을운동 R" panose="02020603020101020101" pitchFamily="18" charset="-127"/>
+              </a:rPr>
+              <a:t>와일드카드 </a:t>
+            </a:r>
+            <a:r>
+              <a:rPr lang="en-US" altLang="ko-KR" smtClean="0">
+                <a:solidFill>
+                  <a:schemeClr val="tx1"/>
+                </a:solidFill>
+                <a:latin typeface="1훈새마을운동 R" panose="02020603020101020101" pitchFamily="18" charset="-127"/>
+                <a:ea typeface="1훈새마을운동 R" panose="02020603020101020101" pitchFamily="18" charset="-127"/>
+              </a:rPr>
+              <a:t>)</a:t>
+            </a:r>
+          </a:p>
+          <a:p>
+            <a:endParaRPr lang="en-US" altLang="ko-KR" smtClean="0">
+              <a:solidFill>
+                <a:schemeClr val="tx1"/>
+              </a:solidFill>
+              <a:latin typeface="1훈새마을운동 R" panose="02020603020101020101" pitchFamily="18" charset="-127"/>
+              <a:ea typeface="1훈새마을운동 R" panose="02020603020101020101" pitchFamily="18" charset="-127"/>
+            </a:endParaRPr>
+          </a:p>
+          <a:p>
+            <a:r>
+              <a:rPr lang="en-US" altLang="ko-KR" smtClean="0">
+                <a:solidFill>
+                  <a:schemeClr val="tx1"/>
+                </a:solidFill>
+                <a:latin typeface="1훈새마을운동 R" panose="02020603020101020101" pitchFamily="18" charset="-127"/>
+                <a:ea typeface="1훈새마을운동 R" panose="02020603020101020101" pitchFamily="18" charset="-127"/>
+              </a:rPr>
+              <a:t>		3. </a:t>
+            </a:r>
+            <a:r>
+              <a:rPr lang="ko-KR" altLang="en-US" smtClean="0">
+                <a:solidFill>
+                  <a:schemeClr val="tx1"/>
+                </a:solidFill>
+                <a:latin typeface="1훈새마을운동 R" panose="02020603020101020101" pitchFamily="18" charset="-127"/>
+                <a:ea typeface="1훈새마을운동 R" panose="02020603020101020101" pitchFamily="18" charset="-127"/>
+              </a:rPr>
+              <a:t>삭제 </a:t>
+            </a:r>
+            <a:r>
+              <a:rPr lang="en-US" altLang="ko-KR" smtClean="0">
+                <a:solidFill>
+                  <a:schemeClr val="tx1"/>
+                </a:solidFill>
+                <a:latin typeface="1훈새마을운동 R" panose="02020603020101020101" pitchFamily="18" charset="-127"/>
+                <a:ea typeface="1훈새마을운동 R" panose="02020603020101020101" pitchFamily="18" charset="-127"/>
+              </a:rPr>
+              <a:t>: delete from </a:t>
+            </a:r>
+            <a:r>
+              <a:rPr lang="ko-KR" altLang="en-US" smtClean="0">
+                <a:solidFill>
+                  <a:schemeClr val="tx1"/>
+                </a:solidFill>
+                <a:latin typeface="1훈새마을운동 R" panose="02020603020101020101" pitchFamily="18" charset="-127"/>
+                <a:ea typeface="1훈새마을운동 R" panose="02020603020101020101" pitchFamily="18" charset="-127"/>
+              </a:rPr>
+              <a:t>테이블명 </a:t>
+            </a:r>
+            <a:r>
+              <a:rPr lang="en-US" altLang="ko-KR" smtClean="0">
+                <a:solidFill>
+                  <a:schemeClr val="tx1"/>
+                </a:solidFill>
+                <a:latin typeface="1훈새마을운동 R" panose="02020603020101020101" pitchFamily="18" charset="-127"/>
+                <a:ea typeface="1훈새마을운동 R" panose="02020603020101020101" pitchFamily="18" charset="-127"/>
+              </a:rPr>
+              <a:t>where</a:t>
+            </a:r>
+            <a:r>
+              <a:rPr lang="ko-KR" altLang="en-US">
+                <a:solidFill>
+                  <a:schemeClr val="tx1"/>
+                </a:solidFill>
+                <a:latin typeface="1훈새마을운동 R" panose="02020603020101020101" pitchFamily="18" charset="-127"/>
+                <a:ea typeface="1훈새마을운동 R" panose="02020603020101020101" pitchFamily="18" charset="-127"/>
+              </a:rPr>
+              <a:t> </a:t>
+            </a:r>
+            <a:r>
+              <a:rPr lang="ko-KR" altLang="en-US" smtClean="0">
+                <a:solidFill>
+                  <a:schemeClr val="tx1"/>
+                </a:solidFill>
+                <a:latin typeface="1훈새마을운동 R" panose="02020603020101020101" pitchFamily="18" charset="-127"/>
+                <a:ea typeface="1훈새마을운동 R" panose="02020603020101020101" pitchFamily="18" charset="-127"/>
+              </a:rPr>
+              <a:t>조건 </a:t>
+            </a:r>
+            <a:endParaRPr lang="en-US" altLang="ko-KR" smtClean="0">
+              <a:solidFill>
+                <a:schemeClr val="tx1"/>
+              </a:solidFill>
+              <a:latin typeface="1훈새마을운동 R" panose="02020603020101020101" pitchFamily="18" charset="-127"/>
+              <a:ea typeface="1훈새마을운동 R" panose="02020603020101020101" pitchFamily="18" charset="-127"/>
+            </a:endParaRPr>
+          </a:p>
+          <a:p>
+            <a:r>
+              <a:rPr lang="en-US" altLang="ko-KR" smtClean="0">
+                <a:solidFill>
+                  <a:schemeClr val="tx1"/>
+                </a:solidFill>
+                <a:latin typeface="1훈새마을운동 R" panose="02020603020101020101" pitchFamily="18" charset="-127"/>
+                <a:ea typeface="1훈새마을운동 R" panose="02020603020101020101" pitchFamily="18" charset="-127"/>
+              </a:rPr>
+              <a:t>			</a:t>
+            </a:r>
+          </a:p>
+          <a:p>
+            <a:r>
+              <a:rPr lang="en-US" altLang="ko-KR" smtClean="0">
+                <a:solidFill>
+                  <a:schemeClr val="tx1"/>
+                </a:solidFill>
+                <a:latin typeface="1훈새마을운동 R" panose="02020603020101020101" pitchFamily="18" charset="-127"/>
+                <a:ea typeface="1훈새마을운동 R" panose="02020603020101020101" pitchFamily="18" charset="-127"/>
+              </a:rPr>
+              <a:t>		4. </a:t>
+            </a:r>
+            <a:r>
+              <a:rPr lang="ko-KR" altLang="en-US" smtClean="0">
+                <a:solidFill>
+                  <a:schemeClr val="tx1"/>
+                </a:solidFill>
+                <a:latin typeface="1훈새마을운동 R" panose="02020603020101020101" pitchFamily="18" charset="-127"/>
+                <a:ea typeface="1훈새마을운동 R" panose="02020603020101020101" pitchFamily="18" charset="-127"/>
+              </a:rPr>
+              <a:t>수정 </a:t>
+            </a:r>
+            <a:r>
+              <a:rPr lang="en-US" altLang="ko-KR" smtClean="0">
+                <a:solidFill>
+                  <a:schemeClr val="tx1"/>
+                </a:solidFill>
+                <a:latin typeface="1훈새마을운동 R" panose="02020603020101020101" pitchFamily="18" charset="-127"/>
+                <a:ea typeface="1훈새마을운동 R" panose="02020603020101020101" pitchFamily="18" charset="-127"/>
+              </a:rPr>
+              <a:t>: update </a:t>
+            </a:r>
+            <a:r>
+              <a:rPr lang="ko-KR" altLang="en-US" smtClean="0">
+                <a:solidFill>
+                  <a:schemeClr val="tx1"/>
+                </a:solidFill>
+                <a:latin typeface="1훈새마을운동 R" panose="02020603020101020101" pitchFamily="18" charset="-127"/>
+                <a:ea typeface="1훈새마을운동 R" panose="02020603020101020101" pitchFamily="18" charset="-127"/>
+              </a:rPr>
+              <a:t>테이블명 </a:t>
+            </a:r>
+            <a:r>
+              <a:rPr lang="en-US" altLang="ko-KR" smtClean="0">
+                <a:solidFill>
+                  <a:schemeClr val="tx1"/>
+                </a:solidFill>
+                <a:latin typeface="1훈새마을운동 R" panose="02020603020101020101" pitchFamily="18" charset="-127"/>
+                <a:ea typeface="1훈새마을운동 R" panose="02020603020101020101" pitchFamily="18" charset="-127"/>
+              </a:rPr>
+              <a:t>set </a:t>
+            </a:r>
+            <a:r>
+              <a:rPr lang="ko-KR" altLang="en-US" smtClean="0">
+                <a:solidFill>
+                  <a:schemeClr val="tx1"/>
+                </a:solidFill>
+                <a:latin typeface="1훈새마을운동 R" panose="02020603020101020101" pitchFamily="18" charset="-127"/>
+                <a:ea typeface="1훈새마을운동 R" panose="02020603020101020101" pitchFamily="18" charset="-127"/>
+              </a:rPr>
+              <a:t>변경필드 </a:t>
+            </a:r>
+            <a:r>
+              <a:rPr lang="en-US" altLang="ko-KR" smtClean="0">
+                <a:solidFill>
+                  <a:schemeClr val="tx1"/>
+                </a:solidFill>
+                <a:latin typeface="1훈새마을운동 R" panose="02020603020101020101" pitchFamily="18" charset="-127"/>
+                <a:ea typeface="1훈새마을운동 R" panose="02020603020101020101" pitchFamily="18" charset="-127"/>
+              </a:rPr>
+              <a:t>= </a:t>
+            </a:r>
+            <a:r>
+              <a:rPr lang="ko-KR" altLang="en-US" smtClean="0">
+                <a:solidFill>
+                  <a:schemeClr val="tx1"/>
+                </a:solidFill>
+                <a:latin typeface="1훈새마을운동 R" panose="02020603020101020101" pitchFamily="18" charset="-127"/>
+                <a:ea typeface="1훈새마을운동 R" panose="02020603020101020101" pitchFamily="18" charset="-127"/>
+              </a:rPr>
+              <a:t>값 </a:t>
+            </a:r>
+            <a:r>
+              <a:rPr lang="en-US" altLang="ko-KR" smtClean="0">
+                <a:solidFill>
+                  <a:schemeClr val="tx1"/>
+                </a:solidFill>
+                <a:latin typeface="1훈새마을운동 R" panose="02020603020101020101" pitchFamily="18" charset="-127"/>
+                <a:ea typeface="1훈새마을운동 R" panose="02020603020101020101" pitchFamily="18" charset="-127"/>
+              </a:rPr>
+              <a:t>, </a:t>
+            </a:r>
+            <a:r>
+              <a:rPr lang="ko-KR" altLang="en-US" smtClean="0">
+                <a:solidFill>
+                  <a:schemeClr val="tx1"/>
+                </a:solidFill>
+                <a:latin typeface="1훈새마을운동 R" panose="02020603020101020101" pitchFamily="18" charset="-127"/>
+                <a:ea typeface="1훈새마을운동 R" panose="02020603020101020101" pitchFamily="18" charset="-127"/>
+              </a:rPr>
+              <a:t>변경필드</a:t>
+            </a:r>
+            <a:r>
+              <a:rPr lang="en-US" altLang="ko-KR" smtClean="0">
+                <a:solidFill>
+                  <a:schemeClr val="tx1"/>
+                </a:solidFill>
+                <a:latin typeface="1훈새마을운동 R" panose="02020603020101020101" pitchFamily="18" charset="-127"/>
+                <a:ea typeface="1훈새마을운동 R" panose="02020603020101020101" pitchFamily="18" charset="-127"/>
+              </a:rPr>
+              <a:t>2</a:t>
+            </a:r>
+            <a:r>
+              <a:rPr lang="ko-KR" altLang="en-US" smtClean="0">
+                <a:solidFill>
+                  <a:schemeClr val="tx1"/>
+                </a:solidFill>
+                <a:latin typeface="1훈새마을운동 R" panose="02020603020101020101" pitchFamily="18" charset="-127"/>
+                <a:ea typeface="1훈새마을운동 R" panose="02020603020101020101" pitchFamily="18" charset="-127"/>
+              </a:rPr>
+              <a:t> </a:t>
+            </a:r>
+            <a:r>
+              <a:rPr lang="en-US" altLang="ko-KR" smtClean="0">
+                <a:solidFill>
+                  <a:schemeClr val="tx1"/>
+                </a:solidFill>
+                <a:latin typeface="1훈새마을운동 R" panose="02020603020101020101" pitchFamily="18" charset="-127"/>
+                <a:ea typeface="1훈새마을운동 R" panose="02020603020101020101" pitchFamily="18" charset="-127"/>
+              </a:rPr>
+              <a:t>= </a:t>
+            </a:r>
+            <a:r>
+              <a:rPr lang="ko-KR" altLang="en-US" smtClean="0">
+                <a:solidFill>
+                  <a:schemeClr val="tx1"/>
+                </a:solidFill>
+                <a:latin typeface="1훈새마을운동 R" panose="02020603020101020101" pitchFamily="18" charset="-127"/>
+                <a:ea typeface="1훈새마을운동 R" panose="02020603020101020101" pitchFamily="18" charset="-127"/>
+              </a:rPr>
+              <a:t>값</a:t>
+            </a:r>
+            <a:r>
+              <a:rPr lang="en-US" altLang="ko-KR" smtClean="0">
+                <a:solidFill>
+                  <a:schemeClr val="tx1"/>
+                </a:solidFill>
+                <a:latin typeface="1훈새마을운동 R" panose="02020603020101020101" pitchFamily="18" charset="-127"/>
+                <a:ea typeface="1훈새마을운동 R" panose="02020603020101020101" pitchFamily="18" charset="-127"/>
+              </a:rPr>
+              <a:t>2 where </a:t>
+            </a:r>
+            <a:r>
+              <a:rPr lang="ko-KR" altLang="en-US" smtClean="0">
+                <a:solidFill>
+                  <a:schemeClr val="tx1"/>
+                </a:solidFill>
+                <a:latin typeface="1훈새마을운동 R" panose="02020603020101020101" pitchFamily="18" charset="-127"/>
+                <a:ea typeface="1훈새마을운동 R" panose="02020603020101020101" pitchFamily="18" charset="-127"/>
+              </a:rPr>
+              <a:t>조건</a:t>
+            </a:r>
+            <a:endParaRPr lang="en-US" altLang="ko-KR" smtClean="0">
+              <a:solidFill>
+                <a:schemeClr val="tx1"/>
+              </a:solidFill>
+              <a:latin typeface="1훈새마을운동 R" panose="02020603020101020101" pitchFamily="18" charset="-127"/>
+              <a:ea typeface="1훈새마을운동 R" panose="02020603020101020101" pitchFamily="18" charset="-127"/>
+            </a:endParaRPr>
+          </a:p>
+          <a:p>
+            <a:endParaRPr lang="en-US" altLang="ko-KR">
+              <a:solidFill>
+                <a:schemeClr val="tx1"/>
+              </a:solidFill>
+              <a:latin typeface="1훈새마을운동 R" panose="02020603020101020101" pitchFamily="18" charset="-127"/>
+              <a:ea typeface="1훈새마을운동 R" panose="02020603020101020101" pitchFamily="18" charset="-127"/>
+            </a:endParaRPr>
+          </a:p>
+          <a:p>
+            <a:r>
+              <a:rPr lang="en-US" altLang="ko-KR" smtClean="0">
+                <a:solidFill>
+                  <a:schemeClr val="tx1"/>
+                </a:solidFill>
+                <a:latin typeface="1훈새마을운동 R" panose="02020603020101020101" pitchFamily="18" charset="-127"/>
+                <a:ea typeface="1훈새마을운동 R" panose="02020603020101020101" pitchFamily="18" charset="-127"/>
+              </a:rPr>
+              <a:t>		* </a:t>
+            </a:r>
+            <a:r>
+              <a:rPr lang="ko-KR" altLang="en-US" smtClean="0">
+                <a:solidFill>
+                  <a:schemeClr val="tx1"/>
+                </a:solidFill>
+                <a:latin typeface="1훈새마을운동 R" panose="02020603020101020101" pitchFamily="18" charset="-127"/>
+                <a:ea typeface="1훈새마을운동 R" panose="02020603020101020101" pitchFamily="18" charset="-127"/>
+              </a:rPr>
+              <a:t>키워드 </a:t>
+            </a:r>
+            <a:endParaRPr lang="en-US" altLang="ko-KR" smtClean="0">
+              <a:solidFill>
+                <a:schemeClr val="tx1"/>
+              </a:solidFill>
+              <a:latin typeface="1훈새마을운동 R" panose="02020603020101020101" pitchFamily="18" charset="-127"/>
+              <a:ea typeface="1훈새마을운동 R" panose="02020603020101020101" pitchFamily="18" charset="-127"/>
+            </a:endParaRPr>
+          </a:p>
+          <a:p>
+            <a:r>
+              <a:rPr lang="en-US" altLang="ko-KR">
+                <a:solidFill>
+                  <a:schemeClr val="tx1"/>
+                </a:solidFill>
+                <a:latin typeface="1훈새마을운동 R" panose="02020603020101020101" pitchFamily="18" charset="-127"/>
+                <a:ea typeface="1훈새마을운동 R" panose="02020603020101020101" pitchFamily="18" charset="-127"/>
+              </a:rPr>
+              <a:t>	</a:t>
+            </a:r>
+            <a:r>
+              <a:rPr lang="en-US" altLang="ko-KR" smtClean="0">
+                <a:solidFill>
+                  <a:schemeClr val="tx1"/>
+                </a:solidFill>
+                <a:latin typeface="1훈새마을운동 R" panose="02020603020101020101" pitchFamily="18" charset="-127"/>
+                <a:ea typeface="1훈새마을운동 R" panose="02020603020101020101" pitchFamily="18" charset="-127"/>
+              </a:rPr>
+              <a:t>		1. where : </a:t>
+            </a:r>
+            <a:r>
+              <a:rPr lang="ko-KR" altLang="en-US" smtClean="0">
+                <a:solidFill>
+                  <a:schemeClr val="tx1"/>
+                </a:solidFill>
+                <a:latin typeface="1훈새마을운동 R" panose="02020603020101020101" pitchFamily="18" charset="-127"/>
+                <a:ea typeface="1훈새마을운동 R" panose="02020603020101020101" pitchFamily="18" charset="-127"/>
+              </a:rPr>
+              <a:t>조건 </a:t>
+            </a:r>
+            <a:endParaRPr lang="en-US" altLang="ko-KR" smtClean="0">
+              <a:solidFill>
+                <a:schemeClr val="tx1"/>
+              </a:solidFill>
+              <a:latin typeface="1훈새마을운동 R" panose="02020603020101020101" pitchFamily="18" charset="-127"/>
+              <a:ea typeface="1훈새마을운동 R" panose="02020603020101020101" pitchFamily="18" charset="-127"/>
+            </a:endParaRPr>
+          </a:p>
+          <a:p>
+            <a:r>
+              <a:rPr lang="en-US" altLang="ko-KR">
+                <a:solidFill>
+                  <a:schemeClr val="tx1"/>
+                </a:solidFill>
+                <a:latin typeface="1훈새마을운동 R" panose="02020603020101020101" pitchFamily="18" charset="-127"/>
+                <a:ea typeface="1훈새마을운동 R" panose="02020603020101020101" pitchFamily="18" charset="-127"/>
+              </a:rPr>
+              <a:t>	</a:t>
+            </a:r>
+            <a:r>
+              <a:rPr lang="en-US" altLang="ko-KR" smtClean="0">
+                <a:solidFill>
+                  <a:schemeClr val="tx1"/>
+                </a:solidFill>
+                <a:latin typeface="1훈새마을운동 R" panose="02020603020101020101" pitchFamily="18" charset="-127"/>
+                <a:ea typeface="1훈새마을운동 R" panose="02020603020101020101" pitchFamily="18" charset="-127"/>
+              </a:rPr>
+              <a:t>			1. and : </a:t>
+            </a:r>
+            <a:r>
+              <a:rPr lang="ko-KR" altLang="en-US" smtClean="0">
+                <a:solidFill>
+                  <a:schemeClr val="tx1"/>
+                </a:solidFill>
+                <a:latin typeface="1훈새마을운동 R" panose="02020603020101020101" pitchFamily="18" charset="-127"/>
+                <a:ea typeface="1훈새마을운동 R" panose="02020603020101020101" pitchFamily="18" charset="-127"/>
+              </a:rPr>
+              <a:t>이면서 면서 이고 모두 그리고 </a:t>
+            </a:r>
+            <a:endParaRPr lang="en-US" altLang="ko-KR" smtClean="0">
+              <a:solidFill>
+                <a:schemeClr val="tx1"/>
+              </a:solidFill>
+              <a:latin typeface="1훈새마을운동 R" panose="02020603020101020101" pitchFamily="18" charset="-127"/>
+              <a:ea typeface="1훈새마을운동 R" panose="02020603020101020101" pitchFamily="18" charset="-127"/>
+            </a:endParaRPr>
+          </a:p>
+          <a:p>
+            <a:r>
+              <a:rPr lang="en-US" altLang="ko-KR">
+                <a:solidFill>
+                  <a:schemeClr val="tx1"/>
+                </a:solidFill>
+                <a:latin typeface="1훈새마을운동 R" panose="02020603020101020101" pitchFamily="18" charset="-127"/>
+                <a:ea typeface="1훈새마을운동 R" panose="02020603020101020101" pitchFamily="18" charset="-127"/>
+              </a:rPr>
+              <a:t>	</a:t>
+            </a:r>
+            <a:r>
+              <a:rPr lang="en-US" altLang="ko-KR" smtClean="0">
+                <a:solidFill>
+                  <a:schemeClr val="tx1"/>
+                </a:solidFill>
+                <a:latin typeface="1훈새마을운동 R" panose="02020603020101020101" pitchFamily="18" charset="-127"/>
+                <a:ea typeface="1훈새마을운동 R" panose="02020603020101020101" pitchFamily="18" charset="-127"/>
+              </a:rPr>
+              <a:t>			2. or : </a:t>
+            </a:r>
+            <a:r>
+              <a:rPr lang="ko-KR" altLang="en-US" smtClean="0">
+                <a:solidFill>
+                  <a:schemeClr val="tx1"/>
+                </a:solidFill>
+                <a:latin typeface="1훈새마을운동 R" panose="02020603020101020101" pitchFamily="18" charset="-127"/>
+                <a:ea typeface="1훈새마을운동 R" panose="02020603020101020101" pitchFamily="18" charset="-127"/>
+              </a:rPr>
+              <a:t>이거나 거나 </a:t>
+            </a:r>
+            <a:r>
+              <a:rPr lang="ko-KR" altLang="en-US" smtClean="0">
+                <a:solidFill>
+                  <a:schemeClr val="tx1"/>
+                </a:solidFill>
+                <a:latin typeface="1훈새마을운동 R" panose="02020603020101020101" pitchFamily="18" charset="-127"/>
+                <a:ea typeface="1훈새마을운동 R" panose="02020603020101020101" pitchFamily="18" charset="-127"/>
+              </a:rPr>
+              <a:t>하나라도</a:t>
+            </a:r>
+            <a:r>
+              <a:rPr lang="en-US" altLang="ko-KR" smtClean="0">
+                <a:solidFill>
+                  <a:schemeClr val="tx1"/>
+                </a:solidFill>
+                <a:latin typeface="1훈새마을운동 R" panose="02020603020101020101" pitchFamily="18" charset="-127"/>
+                <a:ea typeface="1훈새마을운동 R" panose="02020603020101020101" pitchFamily="18" charset="-127"/>
+              </a:rPr>
+              <a:t>	</a:t>
+            </a:r>
+          </a:p>
+          <a:p>
+            <a:r>
+              <a:rPr lang="en-US" altLang="ko-KR" smtClean="0">
+                <a:solidFill>
+                  <a:schemeClr val="tx1"/>
+                </a:solidFill>
+                <a:latin typeface="1훈새마을운동 R" panose="02020603020101020101" pitchFamily="18" charset="-127"/>
+                <a:ea typeface="1훈새마을운동 R" panose="02020603020101020101" pitchFamily="18" charset="-127"/>
+              </a:rPr>
+              <a:t>	</a:t>
+            </a:r>
+          </a:p>
+        </p:txBody>
+      </p:sp>
+    </p:spTree>
+    <p:extLst>
+      <p:ext uri="{BB962C8B-B14F-4D97-AF65-F5344CB8AC3E}">
+        <p14:creationId xmlns:p14="http://schemas.microsoft.com/office/powerpoint/2010/main" val="2130201069"/>
       </p:ext>
     </p:extLst>
   </p:cSld>

--- a/java1/src/정리함/JAVA정리.pptx
+++ b/java1/src/정리함/JAVA정리.pptx
@@ -5,7 +5,7 @@
     <p:sldMasterId id="2147483648" r:id="rId1"/>
   </p:sldMasterIdLst>
   <p:notesMasterIdLst>
-    <p:notesMasterId r:id="rId45"/>
+    <p:notesMasterId r:id="rId48"/>
   </p:notesMasterIdLst>
   <p:sldIdLst>
     <p:sldId id="275" r:id="rId2"/>
@@ -44,13 +44,16 @@
     <p:sldId id="282" r:id="rId35"/>
     <p:sldId id="301" r:id="rId36"/>
     <p:sldId id="300" r:id="rId37"/>
-    <p:sldId id="298" r:id="rId38"/>
-    <p:sldId id="289" r:id="rId39"/>
-    <p:sldId id="292" r:id="rId40"/>
-    <p:sldId id="291" r:id="rId41"/>
-    <p:sldId id="287" r:id="rId42"/>
-    <p:sldId id="288" r:id="rId43"/>
-    <p:sldId id="299" r:id="rId44"/>
+    <p:sldId id="304" r:id="rId38"/>
+    <p:sldId id="298" r:id="rId39"/>
+    <p:sldId id="289" r:id="rId40"/>
+    <p:sldId id="303" r:id="rId41"/>
+    <p:sldId id="292" r:id="rId42"/>
+    <p:sldId id="291" r:id="rId43"/>
+    <p:sldId id="287" r:id="rId44"/>
+    <p:sldId id="288" r:id="rId45"/>
+    <p:sldId id="299" r:id="rId46"/>
+    <p:sldId id="306" r:id="rId47"/>
   </p:sldIdLst>
   <p:sldSz cx="9906000" cy="6858000" type="A4"/>
   <p:notesSz cx="6858000" cy="9144000"/>
@@ -234,7 +237,7 @@
           <a:p>
             <a:fld id="{6B9FE7A6-2D33-4782-874A-A2DEBAC3A7CB}" type="datetimeFigureOut">
               <a:rPr lang="ko-KR" altLang="en-US" smtClean="0"/>
-              <a:t>2021-11-03</a:t>
+              <a:t>2021-11-05</a:t>
             </a:fld>
             <a:endParaRPr lang="ko-KR" altLang="en-US"/>
           </a:p>
@@ -767,7 +770,7 @@
           <a:p>
             <a:fld id="{83921F6A-BA09-41D7-82B2-313B2D910A95}" type="datetimeFigureOut">
               <a:rPr lang="ko-KR" altLang="en-US" smtClean="0"/>
-              <a:t>2021-11-03</a:t>
+              <a:t>2021-11-05</a:t>
             </a:fld>
             <a:endParaRPr lang="ko-KR" altLang="en-US"/>
           </a:p>
@@ -937,7 +940,7 @@
           <a:p>
             <a:fld id="{83921F6A-BA09-41D7-82B2-313B2D910A95}" type="datetimeFigureOut">
               <a:rPr lang="ko-KR" altLang="en-US" smtClean="0"/>
-              <a:t>2021-11-03</a:t>
+              <a:t>2021-11-05</a:t>
             </a:fld>
             <a:endParaRPr lang="ko-KR" altLang="en-US"/>
           </a:p>
@@ -1117,7 +1120,7 @@
           <a:p>
             <a:fld id="{83921F6A-BA09-41D7-82B2-313B2D910A95}" type="datetimeFigureOut">
               <a:rPr lang="ko-KR" altLang="en-US" smtClean="0"/>
-              <a:t>2021-11-03</a:t>
+              <a:t>2021-11-05</a:t>
             </a:fld>
             <a:endParaRPr lang="ko-KR" altLang="en-US"/>
           </a:p>
@@ -1287,7 +1290,7 @@
           <a:p>
             <a:fld id="{83921F6A-BA09-41D7-82B2-313B2D910A95}" type="datetimeFigureOut">
               <a:rPr lang="ko-KR" altLang="en-US" smtClean="0"/>
-              <a:t>2021-11-03</a:t>
+              <a:t>2021-11-05</a:t>
             </a:fld>
             <a:endParaRPr lang="ko-KR" altLang="en-US"/>
           </a:p>
@@ -1533,7 +1536,7 @@
           <a:p>
             <a:fld id="{83921F6A-BA09-41D7-82B2-313B2D910A95}" type="datetimeFigureOut">
               <a:rPr lang="ko-KR" altLang="en-US" smtClean="0"/>
-              <a:t>2021-11-03</a:t>
+              <a:t>2021-11-05</a:t>
             </a:fld>
             <a:endParaRPr lang="ko-KR" altLang="en-US"/>
           </a:p>
@@ -1821,7 +1824,7 @@
           <a:p>
             <a:fld id="{83921F6A-BA09-41D7-82B2-313B2D910A95}" type="datetimeFigureOut">
               <a:rPr lang="ko-KR" altLang="en-US" smtClean="0"/>
-              <a:t>2021-11-03</a:t>
+              <a:t>2021-11-05</a:t>
             </a:fld>
             <a:endParaRPr lang="ko-KR" altLang="en-US"/>
           </a:p>
@@ -2248,7 +2251,7 @@
           <a:p>
             <a:fld id="{83921F6A-BA09-41D7-82B2-313B2D910A95}" type="datetimeFigureOut">
               <a:rPr lang="ko-KR" altLang="en-US" smtClean="0"/>
-              <a:t>2021-11-03</a:t>
+              <a:t>2021-11-05</a:t>
             </a:fld>
             <a:endParaRPr lang="ko-KR" altLang="en-US"/>
           </a:p>
@@ -2366,7 +2369,7 @@
           <a:p>
             <a:fld id="{83921F6A-BA09-41D7-82B2-313B2D910A95}" type="datetimeFigureOut">
               <a:rPr lang="ko-KR" altLang="en-US" smtClean="0"/>
-              <a:t>2021-11-03</a:t>
+              <a:t>2021-11-05</a:t>
             </a:fld>
             <a:endParaRPr lang="ko-KR" altLang="en-US"/>
           </a:p>
@@ -2461,7 +2464,7 @@
           <a:p>
             <a:fld id="{83921F6A-BA09-41D7-82B2-313B2D910A95}" type="datetimeFigureOut">
               <a:rPr lang="ko-KR" altLang="en-US" smtClean="0"/>
-              <a:t>2021-11-03</a:t>
+              <a:t>2021-11-05</a:t>
             </a:fld>
             <a:endParaRPr lang="ko-KR" altLang="en-US"/>
           </a:p>
@@ -2738,7 +2741,7 @@
           <a:p>
             <a:fld id="{83921F6A-BA09-41D7-82B2-313B2D910A95}" type="datetimeFigureOut">
               <a:rPr lang="ko-KR" altLang="en-US" smtClean="0"/>
-              <a:t>2021-11-03</a:t>
+              <a:t>2021-11-05</a:t>
             </a:fld>
             <a:endParaRPr lang="ko-KR" altLang="en-US"/>
           </a:p>
@@ -2991,7 +2994,7 @@
           <a:p>
             <a:fld id="{83921F6A-BA09-41D7-82B2-313B2D910A95}" type="datetimeFigureOut">
               <a:rPr lang="ko-KR" altLang="en-US" smtClean="0"/>
-              <a:t>2021-11-03</a:t>
+              <a:t>2021-11-05</a:t>
             </a:fld>
             <a:endParaRPr lang="ko-KR" altLang="en-US"/>
           </a:p>
@@ -3204,7 +3207,7 @@
           <a:p>
             <a:fld id="{83921F6A-BA09-41D7-82B2-313B2D910A95}" type="datetimeFigureOut">
               <a:rPr lang="ko-KR" altLang="en-US" smtClean="0"/>
-              <a:t>2021-11-03</a:t>
+              <a:t>2021-11-05</a:t>
             </a:fld>
             <a:endParaRPr lang="ko-KR" altLang="en-US"/>
           </a:p>
@@ -32337,14 +32340,7 @@
                 <a:latin typeface="1훈새마을운동 R" panose="02020603020101020101" pitchFamily="18" charset="-127"/>
                 <a:ea typeface="1훈새마을운동 R" panose="02020603020101020101" pitchFamily="18" charset="-127"/>
               </a:rPr>
-              <a:t>parent </a:t>
-            </a:r>
-            <a:r>
-              <a:rPr lang="en-US" altLang="ko-KR" sz="1400">
-                <a:latin typeface="1훈새마을운동 R" panose="02020603020101020101" pitchFamily="18" charset="-127"/>
-                <a:ea typeface="1훈새마을운동 R" panose="02020603020101020101" pitchFamily="18" charset="-127"/>
-              </a:rPr>
-              <a:t>= </a:t>
+              <a:t>parent = </a:t>
             </a:r>
             <a:r>
               <a:rPr lang="en-US" altLang="ko-KR" sz="1400" smtClean="0">
@@ -32489,14 +32485,7 @@
                 <a:latin typeface="1훈새마을운동 R" panose="02020603020101020101" pitchFamily="18" charset="-127"/>
                 <a:ea typeface="1훈새마을운동 R" panose="02020603020101020101" pitchFamily="18" charset="-127"/>
               </a:rPr>
-              <a:t>	</a:t>
-            </a:r>
-            <a:r>
-              <a:rPr lang="en-US" altLang="ko-KR" sz="1000">
-                <a:latin typeface="1훈새마을운동 R" panose="02020603020101020101" pitchFamily="18" charset="-127"/>
-                <a:ea typeface="1훈새마을운동 R" panose="02020603020101020101" pitchFamily="18" charset="-127"/>
-              </a:rPr>
-              <a:t>	</a:t>
+              <a:t>		</a:t>
             </a:r>
             <a:r>
               <a:rPr lang="en-US" altLang="ko-KR" sz="1400" smtClean="0">
@@ -32531,14 +32520,7 @@
                 <a:latin typeface="1훈새마을운동 R" panose="02020603020101020101" pitchFamily="18" charset="-127"/>
                 <a:ea typeface="1훈새마을운동 R" panose="02020603020101020101" pitchFamily="18" charset="-127"/>
               </a:rPr>
-              <a:t>static MainpageController </a:t>
-            </a:r>
-            <a:r>
-              <a:rPr lang="en-US" altLang="ko-KR" sz="1400">
-                <a:latin typeface="1훈새마을운동 R" panose="02020603020101020101" pitchFamily="18" charset="-127"/>
-                <a:ea typeface="1훈새마을운동 R" panose="02020603020101020101" pitchFamily="18" charset="-127"/>
-              </a:rPr>
-              <a:t>instance</a:t>
+              <a:t>static MainpageController instance</a:t>
             </a:r>
             <a:r>
               <a:rPr lang="en-US" altLang="ko-KR" sz="1400" smtClean="0">
@@ -32580,14 +32562,7 @@
                 <a:latin typeface="1훈새마을운동 R" panose="02020603020101020101" pitchFamily="18" charset="-127"/>
                 <a:ea typeface="1훈새마을운동 R" panose="02020603020101020101" pitchFamily="18" charset="-127"/>
               </a:rPr>
-              <a:t>MainpageController</a:t>
-            </a:r>
-            <a:r>
-              <a:rPr lang="en-US" altLang="ko-KR" sz="1400">
-                <a:latin typeface="1훈새마을운동 R" panose="02020603020101020101" pitchFamily="18" charset="-127"/>
-                <a:ea typeface="1훈새마을운동 R" panose="02020603020101020101" pitchFamily="18" charset="-127"/>
-              </a:rPr>
-              <a:t>() </a:t>
+              <a:t>MainpageController() </a:t>
             </a:r>
             <a:r>
               <a:rPr lang="en-US" altLang="ko-KR" sz="1400" smtClean="0">
@@ -32678,14 +32653,7 @@
                 <a:latin typeface="1훈새마을운동 R" panose="02020603020101020101" pitchFamily="18" charset="-127"/>
                 <a:ea typeface="1훈새마을운동 R" panose="02020603020101020101" pitchFamily="18" charset="-127"/>
               </a:rPr>
-              <a:t>static MainpageController getinstance</a:t>
-            </a:r>
-            <a:r>
-              <a:rPr lang="en-US" altLang="ko-KR" sz="1400">
-                <a:latin typeface="1훈새마을운동 R" panose="02020603020101020101" pitchFamily="18" charset="-127"/>
-                <a:ea typeface="1훈새마을운동 R" panose="02020603020101020101" pitchFamily="18" charset="-127"/>
-              </a:rPr>
-              <a:t>() </a:t>
+              <a:t>static MainpageController getinstance() </a:t>
             </a:r>
             <a:r>
               <a:rPr lang="en-US" altLang="ko-KR" sz="1400" smtClean="0">
@@ -32789,14 +32757,7 @@
                 <a:latin typeface="1훈새마을운동 R" panose="02020603020101020101" pitchFamily="18" charset="-127"/>
                 <a:ea typeface="1훈새마을운동 R" panose="02020603020101020101" pitchFamily="18" charset="-127"/>
               </a:rPr>
-              <a:t>().</a:t>
-            </a:r>
-            <a:r>
-              <a:rPr lang="en-US" altLang="ko-KR" sz="1400">
-                <a:latin typeface="1훈새마을운동 R" panose="02020603020101020101" pitchFamily="18" charset="-127"/>
-                <a:ea typeface="1훈새마을운동 R" panose="02020603020101020101" pitchFamily="18" charset="-127"/>
-              </a:rPr>
-              <a:t>loadpage</a:t>
+              <a:t>().loadpage</a:t>
             </a:r>
             <a:r>
               <a:rPr lang="en-US" altLang="ko-KR" sz="1400" smtClean="0">
@@ -33164,6 +33125,20 @@
                 <a:latin typeface="1훈새마을운동 R" panose="02020603020101020101" pitchFamily="18" charset="-127"/>
                 <a:ea typeface="1훈새마을운동 R" panose="02020603020101020101" pitchFamily="18" charset="-127"/>
               </a:rPr>
+              <a:t> TableColumn </a:t>
+            </a:r>
+            <a:r>
+              <a:rPr lang="ko-KR" altLang="en-US" smtClean="0">
+                <a:latin typeface="1훈새마을운동 R" panose="02020603020101020101" pitchFamily="18" charset="-127"/>
+                <a:ea typeface="1훈새마을운동 R" panose="02020603020101020101" pitchFamily="18" charset="-127"/>
+              </a:rPr>
+              <a:t>열이름</a:t>
+            </a:r>
+            <a:r>
+              <a:rPr lang="en-US" altLang="ko-KR" smtClean="0">
+                <a:latin typeface="1훈새마을운동 R" panose="02020603020101020101" pitchFamily="18" charset="-127"/>
+                <a:ea typeface="1훈새마을운동 R" panose="02020603020101020101" pitchFamily="18" charset="-127"/>
+              </a:rPr>
               <a:t> </a:t>
             </a:r>
             <a:r>
@@ -33171,27 +33146,6 @@
                 <a:latin typeface="1훈새마을운동 R" panose="02020603020101020101" pitchFamily="18" charset="-127"/>
                 <a:ea typeface="1훈새마을운동 R" panose="02020603020101020101" pitchFamily="18" charset="-127"/>
               </a:rPr>
-              <a:t>TableColumn </a:t>
-            </a:r>
-            <a:r>
-              <a:rPr lang="ko-KR" altLang="en-US" smtClean="0">
-                <a:latin typeface="1훈새마을운동 R" panose="02020603020101020101" pitchFamily="18" charset="-127"/>
-                <a:ea typeface="1훈새마을운동 R" panose="02020603020101020101" pitchFamily="18" charset="-127"/>
-              </a:rPr>
-              <a:t>열이름</a:t>
-            </a:r>
-            <a:r>
-              <a:rPr lang="en-US" altLang="ko-KR" smtClean="0">
-                <a:latin typeface="1훈새마을운동 R" panose="02020603020101020101" pitchFamily="18" charset="-127"/>
-                <a:ea typeface="1훈새마을운동 R" panose="02020603020101020101" pitchFamily="18" charset="-127"/>
-              </a:rPr>
-              <a:t> </a:t>
-            </a:r>
-            <a:r>
-              <a:rPr lang="en-US" altLang="ko-KR">
-                <a:latin typeface="1훈새마을운동 R" panose="02020603020101020101" pitchFamily="18" charset="-127"/>
-                <a:ea typeface="1훈새마을운동 R" panose="02020603020101020101" pitchFamily="18" charset="-127"/>
-              </a:rPr>
               <a:t>= </a:t>
             </a:r>
             <a:r>
@@ -33213,14 +33167,7 @@
                 <a:latin typeface="1훈새마을운동 R" panose="02020603020101020101" pitchFamily="18" charset="-127"/>
                 <a:ea typeface="1훈새마을운동 R" panose="02020603020101020101" pitchFamily="18" charset="-127"/>
               </a:rPr>
-              <a:t>getColumns().</a:t>
-            </a:r>
-            <a:r>
-              <a:rPr lang="en-US" altLang="ko-KR">
-                <a:latin typeface="1훈새마을운동 R" panose="02020603020101020101" pitchFamily="18" charset="-127"/>
-                <a:ea typeface="1훈새마을운동 R" panose="02020603020101020101" pitchFamily="18" charset="-127"/>
-              </a:rPr>
-              <a:t>get</a:t>
+              <a:t>getColumns().get</a:t>
             </a:r>
             <a:r>
               <a:rPr lang="en-US" altLang="ko-KR" smtClean="0">
@@ -33337,14 +33284,7 @@
                 <a:latin typeface="1훈새마을운동 R" panose="02020603020101020101" pitchFamily="18" charset="-127"/>
                 <a:ea typeface="1훈새마을운동 R" panose="02020603020101020101" pitchFamily="18" charset="-127"/>
               </a:rPr>
-              <a:t>setCellValueFactory( new </a:t>
-            </a:r>
-            <a:r>
-              <a:rPr lang="en-US" altLang="ko-KR">
-                <a:latin typeface="1훈새마을운동 R" panose="02020603020101020101" pitchFamily="18" charset="-127"/>
-                <a:ea typeface="1훈새마을운동 R" panose="02020603020101020101" pitchFamily="18" charset="-127"/>
-              </a:rPr>
-              <a:t>PropertyValueFactory</a:t>
+              <a:t>setCellValueFactory( new PropertyValueFactory</a:t>
             </a:r>
             <a:r>
               <a:rPr lang="en-US" altLang="ko-KR" smtClean="0">
@@ -33466,14 +33406,7 @@
                 <a:latin typeface="1훈새마을운동 R" panose="02020603020101020101" pitchFamily="18" charset="-127"/>
                 <a:ea typeface="1훈새마을운동 R" panose="02020603020101020101" pitchFamily="18" charset="-127"/>
               </a:rPr>
-              <a:t>().</a:t>
-            </a:r>
-            <a:r>
-              <a:rPr lang="en-US" altLang="ko-KR">
-                <a:latin typeface="1훈새마을운동 R" panose="02020603020101020101" pitchFamily="18" charset="-127"/>
-                <a:ea typeface="1훈새마을운동 R" panose="02020603020101020101" pitchFamily="18" charset="-127"/>
-              </a:rPr>
-              <a:t>getSelectedItem</a:t>
+              <a:t>().getSelectedItem</a:t>
             </a:r>
             <a:r>
               <a:rPr lang="en-US" altLang="ko-KR" smtClean="0">
@@ -33610,6 +33543,785 @@
 </file>
 
 <file path=ppt/slides/slide37.xml><?xml version="1.0" encoding="utf-8"?>
+<p:sld xmlns:a="http://schemas.openxmlformats.org/drawingml/2006/main" xmlns:r="http://schemas.openxmlformats.org/officeDocument/2006/relationships" xmlns:p="http://schemas.openxmlformats.org/presentationml/2006/main">
+  <p:cSld>
+    <p:spTree>
+      <p:nvGrpSpPr>
+        <p:cNvPr id="1" name=""/>
+        <p:cNvGrpSpPr/>
+        <p:nvPr/>
+      </p:nvGrpSpPr>
+      <p:grpSpPr>
+        <a:xfrm>
+          <a:off x="0" y="0"/>
+          <a:ext cx="0" cy="0"/>
+          <a:chOff x="0" y="0"/>
+          <a:chExt cx="0" cy="0"/>
+        </a:xfrm>
+      </p:grpSpPr>
+      <p:sp>
+        <p:nvSpPr>
+          <p:cNvPr id="4" name="직사각형 3"/>
+          <p:cNvSpPr/>
+          <p:nvPr/>
+        </p:nvSpPr>
+        <p:spPr>
+          <a:xfrm>
+            <a:off x="173052" y="188639"/>
+            <a:ext cx="9676492" cy="6408713"/>
+          </a:xfrm>
+          <a:prstGeom prst="rect">
+            <a:avLst/>
+          </a:prstGeom>
+          <a:noFill/>
+        </p:spPr>
+        <p:style>
+          <a:lnRef idx="2">
+            <a:schemeClr val="accent6"/>
+          </a:lnRef>
+          <a:fillRef idx="1">
+            <a:schemeClr val="lt1"/>
+          </a:fillRef>
+          <a:effectRef idx="0">
+            <a:schemeClr val="accent6"/>
+          </a:effectRef>
+          <a:fontRef idx="minor">
+            <a:schemeClr val="dk1"/>
+          </a:fontRef>
+        </p:style>
+        <p:txBody>
+          <a:bodyPr rtlCol="0" anchor="t"/>
+          <a:lstStyle/>
+          <a:p>
+            <a:r>
+              <a:rPr lang="en-US" altLang="ko-KR" smtClean="0">
+                <a:solidFill>
+                  <a:schemeClr val="tx1"/>
+                </a:solidFill>
+                <a:latin typeface="1훈새마을운동 R" panose="02020603020101020101" pitchFamily="18" charset="-127"/>
+                <a:ea typeface="1훈새마을운동 R" panose="02020603020101020101" pitchFamily="18" charset="-127"/>
+              </a:rPr>
+              <a:t>*</a:t>
+            </a:r>
+            <a:r>
+              <a:rPr lang="ko-KR" altLang="en-US" smtClean="0">
+                <a:solidFill>
+                  <a:schemeClr val="tx1"/>
+                </a:solidFill>
+                <a:latin typeface="1훈새마을운동 R" panose="02020603020101020101" pitchFamily="18" charset="-127"/>
+                <a:ea typeface="1훈새마을운동 R" panose="02020603020101020101" pitchFamily="18" charset="-127"/>
+              </a:rPr>
+              <a:t>이미지 경로</a:t>
+            </a:r>
+            <a:endParaRPr lang="en-US" altLang="ko-KR" smtClean="0">
+              <a:solidFill>
+                <a:schemeClr val="tx1"/>
+              </a:solidFill>
+              <a:latin typeface="1훈새마을운동 R" panose="02020603020101020101" pitchFamily="18" charset="-127"/>
+              <a:ea typeface="1훈새마을운동 R" panose="02020603020101020101" pitchFamily="18" charset="-127"/>
+            </a:endParaRPr>
+          </a:p>
+          <a:p>
+            <a:endParaRPr lang="en-US" altLang="ko-KR" smtClean="0">
+              <a:solidFill>
+                <a:schemeClr val="tx1"/>
+              </a:solidFill>
+              <a:latin typeface="1훈새마을운동 R" panose="02020603020101020101" pitchFamily="18" charset="-127"/>
+              <a:ea typeface="1훈새마을운동 R" panose="02020603020101020101" pitchFamily="18" charset="-127"/>
+            </a:endParaRPr>
+          </a:p>
+          <a:p>
+            <a:r>
+              <a:rPr lang="en-US" altLang="ko-KR"/>
+              <a:t> </a:t>
+            </a:r>
+            <a:r>
+              <a:rPr lang="en-US" altLang="ko-KR">
+                <a:latin typeface="1훈새마을운동 R" panose="02020603020101020101" pitchFamily="18" charset="-127"/>
+                <a:ea typeface="1훈새마을운동 R" panose="02020603020101020101" pitchFamily="18" charset="-127"/>
+              </a:rPr>
+              <a:t>private Stage stage; </a:t>
+            </a:r>
+            <a:r>
+              <a:rPr lang="en-US" altLang="ko-KR">
+                <a:latin typeface="1훈새마을운동 R" panose="02020603020101020101" pitchFamily="18" charset="-127"/>
+                <a:ea typeface="1훈새마을운동 R" panose="02020603020101020101" pitchFamily="18" charset="-127"/>
+              </a:rPr>
+              <a:t>// </a:t>
+            </a:r>
+            <a:r>
+              <a:rPr lang="ko-KR" altLang="en-US" smtClean="0">
+                <a:latin typeface="1훈새마을운동 R" panose="02020603020101020101" pitchFamily="18" charset="-127"/>
+                <a:ea typeface="1훈새마을운동 R" panose="02020603020101020101" pitchFamily="18" charset="-127"/>
+              </a:rPr>
+              <a:t>스테이지 </a:t>
+            </a:r>
+            <a:endParaRPr lang="en-US" altLang="ko-KR" smtClean="0">
+              <a:latin typeface="1훈새마을운동 R" panose="02020603020101020101" pitchFamily="18" charset="-127"/>
+              <a:ea typeface="1훈새마을운동 R" panose="02020603020101020101" pitchFamily="18" charset="-127"/>
+            </a:endParaRPr>
+          </a:p>
+          <a:p>
+            <a:endParaRPr lang="en-US" altLang="ko-KR">
+              <a:solidFill>
+                <a:schemeClr val="tx1"/>
+              </a:solidFill>
+              <a:latin typeface="1훈새마을운동 R" panose="02020603020101020101" pitchFamily="18" charset="-127"/>
+              <a:ea typeface="1훈새마을운동 R" panose="02020603020101020101" pitchFamily="18" charset="-127"/>
+            </a:endParaRPr>
+          </a:p>
+          <a:p>
+            <a:r>
+              <a:rPr lang="en-US" altLang="ko-KR">
+                <a:latin typeface="1훈새마을운동 R" panose="02020603020101020101" pitchFamily="18" charset="-127"/>
+                <a:ea typeface="1훈새마을운동 R" panose="02020603020101020101" pitchFamily="18" charset="-127"/>
+              </a:rPr>
+              <a:t> void imgadd(ActionEvent event) {</a:t>
+            </a:r>
+          </a:p>
+          <a:p>
+            <a:r>
+              <a:rPr lang="ko-KR" altLang="en-US">
+                <a:latin typeface="1훈새마을운동 R" panose="02020603020101020101" pitchFamily="18" charset="-127"/>
+                <a:ea typeface="1훈새마을운동 R" panose="02020603020101020101" pitchFamily="18" charset="-127"/>
+              </a:rPr>
+              <a:t>    </a:t>
+            </a:r>
+            <a:r>
+              <a:rPr lang="en-US" altLang="ko-KR" smtClean="0">
+                <a:latin typeface="1훈새마을운동 R" panose="02020603020101020101" pitchFamily="18" charset="-127"/>
+                <a:ea typeface="1훈새마을운동 R" panose="02020603020101020101" pitchFamily="18" charset="-127"/>
+              </a:rPr>
+              <a:t>	FileChooser </a:t>
+            </a:r>
+            <a:r>
+              <a:rPr lang="en-US" altLang="ko-KR">
+                <a:latin typeface="1훈새마을운동 R" panose="02020603020101020101" pitchFamily="18" charset="-127"/>
+                <a:ea typeface="1훈새마을운동 R" panose="02020603020101020101" pitchFamily="18" charset="-127"/>
+              </a:rPr>
+              <a:t>fileChooser = new FileChooser</a:t>
+            </a:r>
+            <a:r>
+              <a:rPr lang="en-US" altLang="ko-KR">
+                <a:latin typeface="1훈새마을운동 R" panose="02020603020101020101" pitchFamily="18" charset="-127"/>
+                <a:ea typeface="1훈새마을운동 R" panose="02020603020101020101" pitchFamily="18" charset="-127"/>
+              </a:rPr>
+              <a:t>(); </a:t>
+            </a:r>
+            <a:r>
+              <a:rPr lang="en-US" altLang="ko-KR" smtClean="0">
+                <a:latin typeface="1훈새마을운동 R" panose="02020603020101020101" pitchFamily="18" charset="-127"/>
+                <a:ea typeface="1훈새마을운동 R" panose="02020603020101020101" pitchFamily="18" charset="-127"/>
+              </a:rPr>
+              <a:t>	// 1. </a:t>
+            </a:r>
+            <a:r>
+              <a:rPr lang="ko-KR" altLang="en-US" smtClean="0">
+                <a:latin typeface="1훈새마을운동 R" panose="02020603020101020101" pitchFamily="18" charset="-127"/>
+                <a:ea typeface="1훈새마을운동 R" panose="02020603020101020101" pitchFamily="18" charset="-127"/>
+              </a:rPr>
+              <a:t>파일선택 클래스 </a:t>
+            </a:r>
+            <a:endParaRPr lang="en-US" altLang="ko-KR" smtClean="0">
+              <a:latin typeface="1훈새마을운동 R" panose="02020603020101020101" pitchFamily="18" charset="-127"/>
+              <a:ea typeface="1훈새마을운동 R" panose="02020603020101020101" pitchFamily="18" charset="-127"/>
+            </a:endParaRPr>
+          </a:p>
+          <a:p>
+            <a:r>
+              <a:rPr lang="en-US" altLang="ko-KR">
+                <a:latin typeface="1훈새마을운동 R" panose="02020603020101020101" pitchFamily="18" charset="-127"/>
+                <a:ea typeface="1훈새마을운동 R" panose="02020603020101020101" pitchFamily="18" charset="-127"/>
+              </a:rPr>
+              <a:t>	</a:t>
+            </a:r>
+            <a:r>
+              <a:rPr lang="en-US" altLang="ko-KR" smtClean="0">
+                <a:latin typeface="1훈새마을운동 R" panose="02020603020101020101" pitchFamily="18" charset="-127"/>
+                <a:ea typeface="1훈새마을운동 R" panose="02020603020101020101" pitchFamily="18" charset="-127"/>
+              </a:rPr>
+              <a:t>// 2. </a:t>
+            </a:r>
+            <a:r>
+              <a:rPr lang="ko-KR" altLang="en-US" smtClean="0">
+                <a:latin typeface="1훈새마을운동 R" panose="02020603020101020101" pitchFamily="18" charset="-127"/>
+                <a:ea typeface="1훈새마을운동 R" panose="02020603020101020101" pitchFamily="18" charset="-127"/>
+              </a:rPr>
+              <a:t>파일선택 필터 설정</a:t>
+            </a:r>
+            <a:endParaRPr lang="en-US" altLang="ko-KR" smtClean="0">
+              <a:latin typeface="1훈새마을운동 R" panose="02020603020101020101" pitchFamily="18" charset="-127"/>
+              <a:ea typeface="1훈새마을운동 R" panose="02020603020101020101" pitchFamily="18" charset="-127"/>
+            </a:endParaRPr>
+          </a:p>
+          <a:p>
+            <a:r>
+              <a:rPr lang="en-US" altLang="ko-KR" smtClean="0">
+                <a:latin typeface="1훈새마을운동 R" panose="02020603020101020101" pitchFamily="18" charset="-127"/>
+                <a:ea typeface="1훈새마을운동 R" panose="02020603020101020101" pitchFamily="18" charset="-127"/>
+              </a:rPr>
+              <a:t>	fileChooser.getExtensionFilters</a:t>
+            </a:r>
+            <a:r>
+              <a:rPr lang="en-US" altLang="ko-KR">
+                <a:latin typeface="1훈새마을운동 R" panose="02020603020101020101" pitchFamily="18" charset="-127"/>
+                <a:ea typeface="1훈새마을운동 R" panose="02020603020101020101" pitchFamily="18" charset="-127"/>
+              </a:rPr>
+              <a:t>().</a:t>
+            </a:r>
+            <a:r>
+              <a:rPr lang="en-US" altLang="ko-KR" smtClean="0">
+                <a:latin typeface="1훈새마을운동 R" panose="02020603020101020101" pitchFamily="18" charset="-127"/>
+                <a:ea typeface="1훈새마을운동 R" panose="02020603020101020101" pitchFamily="18" charset="-127"/>
+              </a:rPr>
+              <a:t>add( </a:t>
+            </a:r>
+          </a:p>
+          <a:p>
+            <a:r>
+              <a:rPr lang="en-US" altLang="ko-KR">
+                <a:latin typeface="1훈새마을운동 R" panose="02020603020101020101" pitchFamily="18" charset="-127"/>
+                <a:ea typeface="1훈새마을운동 R" panose="02020603020101020101" pitchFamily="18" charset="-127"/>
+              </a:rPr>
+              <a:t>	</a:t>
+            </a:r>
+            <a:r>
+              <a:rPr lang="en-US" altLang="ko-KR" smtClean="0">
+                <a:latin typeface="1훈새마을운동 R" panose="02020603020101020101" pitchFamily="18" charset="-127"/>
+                <a:ea typeface="1훈새마을운동 R" panose="02020603020101020101" pitchFamily="18" charset="-127"/>
+              </a:rPr>
+              <a:t>	new </a:t>
+            </a:r>
+            <a:r>
+              <a:rPr lang="en-US" altLang="ko-KR">
+                <a:latin typeface="1훈새마을운동 R" panose="02020603020101020101" pitchFamily="18" charset="-127"/>
+                <a:ea typeface="1훈새마을운동 R" panose="02020603020101020101" pitchFamily="18" charset="-127"/>
+              </a:rPr>
+              <a:t>ExtensionFilter("</a:t>
+            </a:r>
+            <a:r>
+              <a:rPr lang="ko-KR" altLang="en-US">
+                <a:latin typeface="1훈새마을운동 R" panose="02020603020101020101" pitchFamily="18" charset="-127"/>
+                <a:ea typeface="1훈새마을운동 R" panose="02020603020101020101" pitchFamily="18" charset="-127"/>
+              </a:rPr>
+              <a:t>그림파일 </a:t>
+            </a:r>
+            <a:r>
+              <a:rPr lang="en-US" altLang="ko-KR">
+                <a:latin typeface="1훈새마을운동 R" panose="02020603020101020101" pitchFamily="18" charset="-127"/>
+                <a:ea typeface="1훈새마을운동 R" panose="02020603020101020101" pitchFamily="18" charset="-127"/>
+              </a:rPr>
+              <a:t>: Image File" </a:t>
+            </a:r>
+            <a:r>
+              <a:rPr lang="en-US" altLang="ko-KR">
+                <a:latin typeface="1훈새마을운동 R" panose="02020603020101020101" pitchFamily="18" charset="-127"/>
+                <a:ea typeface="1훈새마을운동 R" panose="02020603020101020101" pitchFamily="18" charset="-127"/>
+              </a:rPr>
+              <a:t>, </a:t>
+            </a:r>
+            <a:r>
+              <a:rPr lang="en-US" altLang="ko-KR" smtClean="0">
+                <a:latin typeface="1훈새마을운동 R" panose="02020603020101020101" pitchFamily="18" charset="-127"/>
+                <a:ea typeface="1훈새마을운동 R" panose="02020603020101020101" pitchFamily="18" charset="-127"/>
+              </a:rPr>
+              <a:t>"*</a:t>
+            </a:r>
+            <a:r>
+              <a:rPr lang="en-US" altLang="ko-KR">
+                <a:latin typeface="1훈새마을운동 R" panose="02020603020101020101" pitchFamily="18" charset="-127"/>
+                <a:ea typeface="1훈새마을운동 R" panose="02020603020101020101" pitchFamily="18" charset="-127"/>
+              </a:rPr>
+              <a:t>png</a:t>
+            </a:r>
+            <a:r>
+              <a:rPr lang="en-US" altLang="ko-KR" smtClean="0">
+                <a:latin typeface="1훈새마을운동 R" panose="02020603020101020101" pitchFamily="18" charset="-127"/>
+                <a:ea typeface="1훈새마을운동 R" panose="02020603020101020101" pitchFamily="18" charset="-127"/>
+              </a:rPr>
+              <a:t>" </a:t>
+            </a:r>
+            <a:r>
+              <a:rPr lang="en-US" altLang="ko-KR">
+                <a:latin typeface="1훈새마을운동 R" panose="02020603020101020101" pitchFamily="18" charset="-127"/>
+                <a:ea typeface="1훈새마을운동 R" panose="02020603020101020101" pitchFamily="18" charset="-127"/>
+              </a:rPr>
+              <a:t>, "*jpg" , "*gif" </a:t>
+            </a:r>
+            <a:r>
+              <a:rPr lang="en-US" altLang="ko-KR">
+                <a:latin typeface="1훈새마을운동 R" panose="02020603020101020101" pitchFamily="18" charset="-127"/>
+                <a:ea typeface="1훈새마을운동 R" panose="02020603020101020101" pitchFamily="18" charset="-127"/>
+              </a:rPr>
+              <a:t>) </a:t>
+            </a:r>
+            <a:r>
+              <a:rPr lang="en-US" altLang="ko-KR" smtClean="0">
+                <a:latin typeface="1훈새마을운동 R" panose="02020603020101020101" pitchFamily="18" charset="-127"/>
+                <a:ea typeface="1훈새마을운동 R" panose="02020603020101020101" pitchFamily="18" charset="-127"/>
+              </a:rPr>
+              <a:t>);</a:t>
+            </a:r>
+          </a:p>
+          <a:p>
+            <a:r>
+              <a:rPr lang="en-US" altLang="ko-KR" smtClean="0">
+                <a:latin typeface="1훈새마을운동 R" panose="02020603020101020101" pitchFamily="18" charset="-127"/>
+                <a:ea typeface="1훈새마을운동 R" panose="02020603020101020101" pitchFamily="18" charset="-127"/>
+              </a:rPr>
+              <a:t>	</a:t>
+            </a:r>
+            <a:endParaRPr lang="en-US" altLang="ko-KR">
+              <a:latin typeface="1훈새마을운동 R" panose="02020603020101020101" pitchFamily="18" charset="-127"/>
+              <a:ea typeface="1훈새마을운동 R" panose="02020603020101020101" pitchFamily="18" charset="-127"/>
+            </a:endParaRPr>
+          </a:p>
+          <a:p>
+            <a:r>
+              <a:rPr lang="en-US" altLang="ko-KR" smtClean="0">
+                <a:latin typeface="1훈새마을운동 R" panose="02020603020101020101" pitchFamily="18" charset="-127"/>
+                <a:ea typeface="1훈새마을운동 R" panose="02020603020101020101" pitchFamily="18" charset="-127"/>
+              </a:rPr>
+              <a:t>	File </a:t>
+            </a:r>
+            <a:r>
+              <a:rPr lang="en-US" altLang="ko-KR">
+                <a:latin typeface="1훈새마을운동 R" panose="02020603020101020101" pitchFamily="18" charset="-127"/>
+                <a:ea typeface="1훈새마을운동 R" panose="02020603020101020101" pitchFamily="18" charset="-127"/>
+              </a:rPr>
+              <a:t>file =  </a:t>
+            </a:r>
+            <a:r>
+              <a:rPr lang="en-US" altLang="ko-KR">
+                <a:latin typeface="1훈새마을운동 R" panose="02020603020101020101" pitchFamily="18" charset="-127"/>
+                <a:ea typeface="1훈새마을운동 R" panose="02020603020101020101" pitchFamily="18" charset="-127"/>
+              </a:rPr>
+              <a:t>fileChooser.showOpenDialog(stage</a:t>
+            </a:r>
+            <a:r>
+              <a:rPr lang="en-US" altLang="ko-KR" smtClean="0">
+                <a:latin typeface="1훈새마을운동 R" panose="02020603020101020101" pitchFamily="18" charset="-127"/>
+                <a:ea typeface="1훈새마을운동 R" panose="02020603020101020101" pitchFamily="18" charset="-127"/>
+              </a:rPr>
+              <a:t>);	// 3. </a:t>
+            </a:r>
+            <a:r>
+              <a:rPr lang="ko-KR" altLang="en-US" smtClean="0">
+                <a:latin typeface="1훈새마을운동 R" panose="02020603020101020101" pitchFamily="18" charset="-127"/>
+                <a:ea typeface="1훈새마을운동 R" panose="02020603020101020101" pitchFamily="18" charset="-127"/>
+              </a:rPr>
+              <a:t>파일선택을 해당 스테이지 열기</a:t>
+            </a:r>
+            <a:endParaRPr lang="en-US" altLang="ko-KR" smtClean="0">
+              <a:latin typeface="1훈새마을운동 R" panose="02020603020101020101" pitchFamily="18" charset="-127"/>
+              <a:ea typeface="1훈새마을운동 R" panose="02020603020101020101" pitchFamily="18" charset="-127"/>
+            </a:endParaRPr>
+          </a:p>
+          <a:p>
+            <a:r>
+              <a:rPr lang="en-US" altLang="ko-KR" smtClean="0">
+                <a:latin typeface="1훈새마을운동 R" panose="02020603020101020101" pitchFamily="18" charset="-127"/>
+                <a:ea typeface="1훈새마을운동 R" panose="02020603020101020101" pitchFamily="18" charset="-127"/>
+              </a:rPr>
+              <a:t>		// 4. </a:t>
+            </a:r>
+            <a:r>
+              <a:rPr lang="ko-KR" altLang="en-US" smtClean="0">
+                <a:latin typeface="1훈새마을운동 R" panose="02020603020101020101" pitchFamily="18" charset="-127"/>
+                <a:ea typeface="1훈새마을운동 R" panose="02020603020101020101" pitchFamily="18" charset="-127"/>
+              </a:rPr>
+              <a:t>파일선택된 경로를 </a:t>
+            </a:r>
+            <a:r>
+              <a:rPr lang="en-US" altLang="ko-KR" smtClean="0">
+                <a:latin typeface="1훈새마을운동 R" panose="02020603020101020101" pitchFamily="18" charset="-127"/>
+                <a:ea typeface="1훈새마을운동 R" panose="02020603020101020101" pitchFamily="18" charset="-127"/>
+              </a:rPr>
+              <a:t>file </a:t>
+            </a:r>
+            <a:r>
+              <a:rPr lang="ko-KR" altLang="en-US" smtClean="0">
+                <a:latin typeface="1훈새마을운동 R" panose="02020603020101020101" pitchFamily="18" charset="-127"/>
+                <a:ea typeface="1훈새마을운동 R" panose="02020603020101020101" pitchFamily="18" charset="-127"/>
+              </a:rPr>
+              <a:t>클래스에 저장 </a:t>
+            </a:r>
+            <a:endParaRPr lang="en-US" altLang="ko-KR" smtClean="0">
+              <a:latin typeface="1훈새마을운동 R" panose="02020603020101020101" pitchFamily="18" charset="-127"/>
+              <a:ea typeface="1훈새마을운동 R" panose="02020603020101020101" pitchFamily="18" charset="-127"/>
+            </a:endParaRPr>
+          </a:p>
+          <a:p>
+            <a:endParaRPr lang="en-US" altLang="ko-KR">
+              <a:latin typeface="1훈새마을운동 R" panose="02020603020101020101" pitchFamily="18" charset="-127"/>
+              <a:ea typeface="1훈새마을운동 R" panose="02020603020101020101" pitchFamily="18" charset="-127"/>
+            </a:endParaRPr>
+          </a:p>
+          <a:p>
+            <a:r>
+              <a:rPr lang="en-US" altLang="ko-KR" smtClean="0">
+                <a:latin typeface="1훈새마을운동 R" panose="02020603020101020101" pitchFamily="18" charset="-127"/>
+                <a:ea typeface="1훈새마을운동 R" panose="02020603020101020101" pitchFamily="18" charset="-127"/>
+              </a:rPr>
+              <a:t>	lblimgpath.setText</a:t>
+            </a:r>
+            <a:r>
+              <a:rPr lang="en-US" altLang="ko-KR">
+                <a:latin typeface="1훈새마을운동 R" panose="02020603020101020101" pitchFamily="18" charset="-127"/>
+                <a:ea typeface="1훈새마을운동 R" panose="02020603020101020101" pitchFamily="18" charset="-127"/>
+              </a:rPr>
+              <a:t>("</a:t>
+            </a:r>
+            <a:r>
+              <a:rPr lang="ko-KR" altLang="en-US">
+                <a:latin typeface="1훈새마을운동 R" panose="02020603020101020101" pitchFamily="18" charset="-127"/>
+                <a:ea typeface="1훈새마을운동 R" panose="02020603020101020101" pitchFamily="18" charset="-127"/>
+              </a:rPr>
+              <a:t>파일 경로 </a:t>
+            </a:r>
+            <a:r>
+              <a:rPr lang="en-US" altLang="ko-KR">
+                <a:latin typeface="1훈새마을운동 R" panose="02020603020101020101" pitchFamily="18" charset="-127"/>
+                <a:ea typeface="1훈새마을운동 R" panose="02020603020101020101" pitchFamily="18" charset="-127"/>
+              </a:rPr>
+              <a:t>: "</a:t>
+            </a:r>
+            <a:r>
+              <a:rPr lang="ko-KR" altLang="en-US">
+                <a:latin typeface="1훈새마을운동 R" panose="02020603020101020101" pitchFamily="18" charset="-127"/>
+                <a:ea typeface="1훈새마을운동 R" panose="02020603020101020101" pitchFamily="18" charset="-127"/>
+              </a:rPr>
+              <a:t> </a:t>
+            </a:r>
+            <a:r>
+              <a:rPr lang="en-US" altLang="ko-KR">
+                <a:latin typeface="1훈새마을운동 R" panose="02020603020101020101" pitchFamily="18" charset="-127"/>
+                <a:ea typeface="1훈새마을운동 R" panose="02020603020101020101" pitchFamily="18" charset="-127"/>
+              </a:rPr>
+              <a:t>+ file.getPath</a:t>
+            </a:r>
+            <a:r>
+              <a:rPr lang="en-US" altLang="ko-KR">
+                <a:latin typeface="1훈새마을운동 R" panose="02020603020101020101" pitchFamily="18" charset="-127"/>
+                <a:ea typeface="1훈새마을운동 R" panose="02020603020101020101" pitchFamily="18" charset="-127"/>
+              </a:rPr>
+              <a:t>() </a:t>
+            </a:r>
+            <a:r>
+              <a:rPr lang="en-US" altLang="ko-KR" smtClean="0">
+                <a:latin typeface="1훈새마을운동 R" panose="02020603020101020101" pitchFamily="18" charset="-127"/>
+                <a:ea typeface="1훈새마을운동 R" panose="02020603020101020101" pitchFamily="18" charset="-127"/>
+              </a:rPr>
+              <a:t>);	// 5. </a:t>
+            </a:r>
+            <a:r>
+              <a:rPr lang="ko-KR" altLang="en-US" smtClean="0">
+                <a:latin typeface="1훈새마을운동 R" panose="02020603020101020101" pitchFamily="18" charset="-127"/>
+                <a:ea typeface="1훈새마을운동 R" panose="02020603020101020101" pitchFamily="18" charset="-127"/>
+              </a:rPr>
+              <a:t>레이블에 경로 표시 </a:t>
+            </a:r>
+            <a:endParaRPr lang="en-US" altLang="ko-KR">
+              <a:latin typeface="1훈새마을운동 R" panose="02020603020101020101" pitchFamily="18" charset="-127"/>
+              <a:ea typeface="1훈새마을운동 R" panose="02020603020101020101" pitchFamily="18" charset="-127"/>
+            </a:endParaRPr>
+          </a:p>
+          <a:p>
+            <a:r>
+              <a:rPr lang="en-US" altLang="ko-KR" smtClean="0">
+                <a:latin typeface="1훈새마을운동 R" panose="02020603020101020101" pitchFamily="18" charset="-127"/>
+                <a:ea typeface="1훈새마을운동 R" panose="02020603020101020101" pitchFamily="18" charset="-127"/>
+              </a:rPr>
+              <a:t>	pimage </a:t>
+            </a:r>
+            <a:r>
+              <a:rPr lang="en-US" altLang="ko-KR">
+                <a:latin typeface="1훈새마을운동 R" panose="02020603020101020101" pitchFamily="18" charset="-127"/>
+                <a:ea typeface="1훈새마을운동 R" panose="02020603020101020101" pitchFamily="18" charset="-127"/>
+              </a:rPr>
+              <a:t>= file.toURI().toString</a:t>
+            </a:r>
+            <a:r>
+              <a:rPr lang="en-US" altLang="ko-KR">
+                <a:latin typeface="1훈새마을운동 R" panose="02020603020101020101" pitchFamily="18" charset="-127"/>
+                <a:ea typeface="1훈새마을운동 R" panose="02020603020101020101" pitchFamily="18" charset="-127"/>
+              </a:rPr>
+              <a:t>(); </a:t>
+            </a:r>
+            <a:r>
+              <a:rPr lang="en-US" altLang="ko-KR" smtClean="0">
+                <a:latin typeface="1훈새마을운동 R" panose="02020603020101020101" pitchFamily="18" charset="-127"/>
+                <a:ea typeface="1훈새마을운동 R" panose="02020603020101020101" pitchFamily="18" charset="-127"/>
+              </a:rPr>
+              <a:t>			// 6. </a:t>
+            </a:r>
+            <a:r>
+              <a:rPr lang="ko-KR" altLang="en-US" smtClean="0">
+                <a:latin typeface="1훈새마을운동 R" panose="02020603020101020101" pitchFamily="18" charset="-127"/>
+                <a:ea typeface="1훈새마을운동 R" panose="02020603020101020101" pitchFamily="18" charset="-127"/>
+              </a:rPr>
+              <a:t>실제</a:t>
+            </a:r>
+            <a:r>
+              <a:rPr lang="en-US" altLang="ko-KR" smtClean="0">
+                <a:latin typeface="1훈새마을운동 R" panose="02020603020101020101" pitchFamily="18" charset="-127"/>
+                <a:ea typeface="1훈새마을운동 R" panose="02020603020101020101" pitchFamily="18" charset="-127"/>
+              </a:rPr>
+              <a:t>[realpath] </a:t>
+            </a:r>
+            <a:r>
+              <a:rPr lang="ko-KR" altLang="en-US" smtClean="0">
+                <a:latin typeface="1훈새마을운동 R" panose="02020603020101020101" pitchFamily="18" charset="-127"/>
+                <a:ea typeface="1훈새마을운동 R" panose="02020603020101020101" pitchFamily="18" charset="-127"/>
+              </a:rPr>
+              <a:t>경로 변수 저장</a:t>
+            </a:r>
+            <a:endParaRPr lang="en-US" altLang="ko-KR" smtClean="0">
+              <a:latin typeface="1훈새마을운동 R" panose="02020603020101020101" pitchFamily="18" charset="-127"/>
+              <a:ea typeface="1훈새마을운동 R" panose="02020603020101020101" pitchFamily="18" charset="-127"/>
+            </a:endParaRPr>
+          </a:p>
+          <a:p>
+            <a:r>
+              <a:rPr lang="en-US" altLang="ko-KR" smtClean="0">
+                <a:latin typeface="1훈새마을운동 R" panose="02020603020101020101" pitchFamily="18" charset="-127"/>
+                <a:ea typeface="1훈새마을운동 R" panose="02020603020101020101" pitchFamily="18" charset="-127"/>
+              </a:rPr>
+              <a:t>	Image </a:t>
+            </a:r>
+            <a:r>
+              <a:rPr lang="en-US" altLang="ko-KR">
+                <a:latin typeface="1훈새마을운동 R" panose="02020603020101020101" pitchFamily="18" charset="-127"/>
+                <a:ea typeface="1훈새마을운동 R" panose="02020603020101020101" pitchFamily="18" charset="-127"/>
+              </a:rPr>
+              <a:t>image = new Image( </a:t>
+            </a:r>
+            <a:r>
+              <a:rPr lang="en-US" altLang="ko-KR">
+                <a:latin typeface="1훈새마을운동 R" panose="02020603020101020101" pitchFamily="18" charset="-127"/>
+                <a:ea typeface="1훈새마을운동 R" panose="02020603020101020101" pitchFamily="18" charset="-127"/>
+              </a:rPr>
+              <a:t>pimage </a:t>
+            </a:r>
+            <a:r>
+              <a:rPr lang="en-US" altLang="ko-KR" smtClean="0">
+                <a:latin typeface="1훈새마을운동 R" panose="02020603020101020101" pitchFamily="18" charset="-127"/>
+                <a:ea typeface="1훈새마을운동 R" panose="02020603020101020101" pitchFamily="18" charset="-127"/>
+              </a:rPr>
+              <a:t>);			// 7. </a:t>
+            </a:r>
+            <a:r>
+              <a:rPr lang="ko-KR" altLang="en-US" smtClean="0">
+                <a:latin typeface="1훈새마을운동 R" panose="02020603020101020101" pitchFamily="18" charset="-127"/>
+                <a:ea typeface="1훈새마을운동 R" panose="02020603020101020101" pitchFamily="18" charset="-127"/>
+              </a:rPr>
+              <a:t>이미지 클래스에 경로 설정</a:t>
+            </a:r>
+            <a:endParaRPr lang="en-US" altLang="ko-KR">
+              <a:latin typeface="1훈새마을운동 R" panose="02020603020101020101" pitchFamily="18" charset="-127"/>
+              <a:ea typeface="1훈새마을운동 R" panose="02020603020101020101" pitchFamily="18" charset="-127"/>
+            </a:endParaRPr>
+          </a:p>
+          <a:p>
+            <a:r>
+              <a:rPr lang="en-US" altLang="ko-KR">
+                <a:latin typeface="1훈새마을운동 R" panose="02020603020101020101" pitchFamily="18" charset="-127"/>
+                <a:ea typeface="1훈새마을운동 R" panose="02020603020101020101" pitchFamily="18" charset="-127"/>
+              </a:rPr>
+              <a:t>    </a:t>
+            </a:r>
+            <a:r>
+              <a:rPr lang="en-US" altLang="ko-KR" smtClean="0">
+                <a:latin typeface="1훈새마을운동 R" panose="02020603020101020101" pitchFamily="18" charset="-127"/>
+                <a:ea typeface="1훈새마을운동 R" panose="02020603020101020101" pitchFamily="18" charset="-127"/>
+              </a:rPr>
+              <a:t>	pimg.setImage(image);				// 8. </a:t>
+            </a:r>
+            <a:r>
+              <a:rPr lang="ko-KR" altLang="en-US" smtClean="0">
+                <a:latin typeface="1훈새마을운동 R" panose="02020603020101020101" pitchFamily="18" charset="-127"/>
+                <a:ea typeface="1훈새마을운동 R" panose="02020603020101020101" pitchFamily="18" charset="-127"/>
+              </a:rPr>
+              <a:t>이미지뷰에 이미지경로 설정</a:t>
+            </a:r>
+            <a:endParaRPr lang="en-US" altLang="ko-KR">
+              <a:latin typeface="1훈새마을운동 R" panose="02020603020101020101" pitchFamily="18" charset="-127"/>
+              <a:ea typeface="1훈새마을운동 R" panose="02020603020101020101" pitchFamily="18" charset="-127"/>
+            </a:endParaRPr>
+          </a:p>
+          <a:p>
+            <a:r>
+              <a:rPr lang="ko-KR" altLang="en-US">
+                <a:latin typeface="1훈새마을운동 R" panose="02020603020101020101" pitchFamily="18" charset="-127"/>
+                <a:ea typeface="1훈새마을운동 R" panose="02020603020101020101" pitchFamily="18" charset="-127"/>
+              </a:rPr>
+              <a:t> </a:t>
+            </a:r>
+            <a:r>
+              <a:rPr lang="en-US" altLang="ko-KR" smtClean="0">
+                <a:latin typeface="1훈새마을운동 R" panose="02020603020101020101" pitchFamily="18" charset="-127"/>
+                <a:ea typeface="1훈새마을운동 R" panose="02020603020101020101" pitchFamily="18" charset="-127"/>
+              </a:rPr>
+              <a:t>}</a:t>
+            </a:r>
+            <a:r>
+              <a:rPr lang="ko-KR" altLang="en-US" smtClean="0">
+                <a:solidFill>
+                  <a:schemeClr val="tx1"/>
+                </a:solidFill>
+                <a:latin typeface="1훈새마을운동 R" panose="02020603020101020101" pitchFamily="18" charset="-127"/>
+                <a:ea typeface="1훈새마을운동 R" panose="02020603020101020101" pitchFamily="18" charset="-127"/>
+              </a:rPr>
+              <a:t> </a:t>
+            </a:r>
+            <a:endParaRPr lang="en-US" altLang="ko-KR" smtClean="0">
+              <a:solidFill>
+                <a:schemeClr val="tx1"/>
+              </a:solidFill>
+              <a:latin typeface="1훈새마을운동 R" panose="02020603020101020101" pitchFamily="18" charset="-127"/>
+              <a:ea typeface="1훈새마을운동 R" panose="02020603020101020101" pitchFamily="18" charset="-127"/>
+            </a:endParaRPr>
+          </a:p>
+          <a:p>
+            <a:endParaRPr lang="en-US" altLang="ko-KR">
+              <a:solidFill>
+                <a:schemeClr val="tx1"/>
+              </a:solidFill>
+              <a:latin typeface="1훈새마을운동 R" panose="02020603020101020101" pitchFamily="18" charset="-127"/>
+              <a:ea typeface="1훈새마을운동 R" panose="02020603020101020101" pitchFamily="18" charset="-127"/>
+            </a:endParaRPr>
+          </a:p>
+          <a:p>
+            <a:r>
+              <a:rPr lang="en-US" altLang="ko-KR" smtClean="0">
+                <a:solidFill>
+                  <a:schemeClr val="tx1"/>
+                </a:solidFill>
+                <a:latin typeface="1훈새마을운동 R" panose="02020603020101020101" pitchFamily="18" charset="-127"/>
+                <a:ea typeface="1훈새마을운동 R" panose="02020603020101020101" pitchFamily="18" charset="-127"/>
+              </a:rPr>
+              <a:t>	* URL : \ </a:t>
+            </a:r>
+          </a:p>
+          <a:p>
+            <a:r>
+              <a:rPr lang="en-US" altLang="ko-KR">
+                <a:solidFill>
+                  <a:schemeClr val="tx1"/>
+                </a:solidFill>
+                <a:latin typeface="1훈새마을운동 R" panose="02020603020101020101" pitchFamily="18" charset="-127"/>
+                <a:ea typeface="1훈새마을운동 R" panose="02020603020101020101" pitchFamily="18" charset="-127"/>
+              </a:rPr>
+              <a:t>	</a:t>
+            </a:r>
+            <a:r>
+              <a:rPr lang="en-US" altLang="ko-KR" smtClean="0">
+                <a:solidFill>
+                  <a:schemeClr val="tx1"/>
+                </a:solidFill>
+                <a:latin typeface="1훈새마을운동 R" panose="02020603020101020101" pitchFamily="18" charset="-127"/>
+                <a:ea typeface="1훈새마을운동 R" panose="02020603020101020101" pitchFamily="18" charset="-127"/>
+              </a:rPr>
+              <a:t>* URI :  / </a:t>
+            </a:r>
+            <a:endParaRPr lang="en-US" altLang="ko-KR" smtClean="0">
+              <a:solidFill>
+                <a:schemeClr val="tx1"/>
+              </a:solidFill>
+              <a:latin typeface="1훈새마을운동 R" panose="02020603020101020101" pitchFamily="18" charset="-127"/>
+              <a:ea typeface="1훈새마을운동 R" panose="02020603020101020101" pitchFamily="18" charset="-127"/>
+            </a:endParaRPr>
+          </a:p>
+          <a:p>
+            <a:r>
+              <a:rPr lang="en-US" altLang="ko-KR" smtClean="0">
+                <a:latin typeface="1훈새마을운동 R" panose="02020603020101020101" pitchFamily="18" charset="-127"/>
+                <a:ea typeface="1훈새마을운동 R" panose="02020603020101020101" pitchFamily="18" charset="-127"/>
+              </a:rPr>
+              <a:t>		</a:t>
+            </a:r>
+          </a:p>
+          <a:p>
+            <a:endParaRPr lang="en-US" altLang="ko-KR" smtClean="0">
+              <a:latin typeface="1훈새마을운동 R" panose="02020603020101020101" pitchFamily="18" charset="-127"/>
+              <a:ea typeface="1훈새마을운동 R" panose="02020603020101020101" pitchFamily="18" charset="-127"/>
+            </a:endParaRPr>
+          </a:p>
+          <a:p>
+            <a:endParaRPr lang="en-US" altLang="ko-KR">
+              <a:solidFill>
+                <a:schemeClr val="tx1"/>
+              </a:solidFill>
+              <a:latin typeface="1훈새마을운동 R" panose="02020603020101020101" pitchFamily="18" charset="-127"/>
+              <a:ea typeface="1훈새마을운동 R" panose="02020603020101020101" pitchFamily="18" charset="-127"/>
+            </a:endParaRPr>
+          </a:p>
+          <a:p>
+            <a:endParaRPr lang="en-US" altLang="ko-KR" smtClean="0">
+              <a:solidFill>
+                <a:schemeClr val="tx1"/>
+              </a:solidFill>
+              <a:latin typeface="1훈새마을운동 R" panose="02020603020101020101" pitchFamily="18" charset="-127"/>
+              <a:ea typeface="1훈새마을운동 R" panose="02020603020101020101" pitchFamily="18" charset="-127"/>
+            </a:endParaRPr>
+          </a:p>
+          <a:p>
+            <a:r>
+              <a:rPr lang="en-US" altLang="ko-KR">
+                <a:solidFill>
+                  <a:schemeClr val="tx1"/>
+                </a:solidFill>
+                <a:latin typeface="1훈새마을운동 R" panose="02020603020101020101" pitchFamily="18" charset="-127"/>
+                <a:ea typeface="1훈새마을운동 R" panose="02020603020101020101" pitchFamily="18" charset="-127"/>
+              </a:rPr>
+              <a:t>	</a:t>
+            </a:r>
+            <a:r>
+              <a:rPr lang="en-US" altLang="ko-KR" smtClean="0">
+                <a:solidFill>
+                  <a:schemeClr val="tx1"/>
+                </a:solidFill>
+                <a:latin typeface="1훈새마을운동 R" panose="02020603020101020101" pitchFamily="18" charset="-127"/>
+                <a:ea typeface="1훈새마을운동 R" panose="02020603020101020101" pitchFamily="18" charset="-127"/>
+              </a:rPr>
+              <a:t>	</a:t>
+            </a:r>
+            <a:endParaRPr lang="en-US" altLang="ko-KR">
+              <a:solidFill>
+                <a:schemeClr val="tx1"/>
+              </a:solidFill>
+              <a:latin typeface="1훈새마을운동 R" panose="02020603020101020101" pitchFamily="18" charset="-127"/>
+              <a:ea typeface="1훈새마을운동 R" panose="02020603020101020101" pitchFamily="18" charset="-127"/>
+            </a:endParaRPr>
+          </a:p>
+          <a:p>
+            <a:r>
+              <a:rPr lang="en-US" altLang="ko-KR" smtClean="0">
+                <a:solidFill>
+                  <a:schemeClr val="tx1"/>
+                </a:solidFill>
+                <a:latin typeface="1훈새마을운동 R" panose="02020603020101020101" pitchFamily="18" charset="-127"/>
+                <a:ea typeface="1훈새마을운동 R" panose="02020603020101020101" pitchFamily="18" charset="-127"/>
+              </a:rPr>
+              <a:t>	</a:t>
+            </a:r>
+          </a:p>
+        </p:txBody>
+      </p:sp>
+    </p:spTree>
+    <p:extLst>
+      <p:ext uri="{BB962C8B-B14F-4D97-AF65-F5344CB8AC3E}">
+        <p14:creationId xmlns:p14="http://schemas.microsoft.com/office/powerpoint/2010/main" val="171091491"/>
+      </p:ext>
+    </p:extLst>
+  </p:cSld>
+  <p:clrMapOvr>
+    <a:masterClrMapping/>
+  </p:clrMapOvr>
+</p:sld>
+</file>
+
+<file path=ppt/slides/slide38.xml><?xml version="1.0" encoding="utf-8"?>
 <p:sld xmlns:a="http://schemas.openxmlformats.org/drawingml/2006/main" xmlns:r="http://schemas.openxmlformats.org/officeDocument/2006/relationships" xmlns:p="http://schemas.openxmlformats.org/presentationml/2006/main">
   <p:cSld>
     <p:spTree>
@@ -33694,7 +34406,7 @@
 </p:sld>
 </file>
 
-<file path=ppt/slides/slide38.xml><?xml version="1.0" encoding="utf-8"?>
+<file path=ppt/slides/slide39.xml><?xml version="1.0" encoding="utf-8"?>
 <p:sld xmlns:a="http://schemas.openxmlformats.org/drawingml/2006/main" xmlns:r="http://schemas.openxmlformats.org/officeDocument/2006/relationships" xmlns:p="http://schemas.openxmlformats.org/presentationml/2006/main">
   <p:cSld>
     <p:spTree>
@@ -34458,602 +35170,6 @@
     <p:extLst>
       <p:ext uri="{BB962C8B-B14F-4D97-AF65-F5344CB8AC3E}">
         <p14:creationId xmlns:p14="http://schemas.microsoft.com/office/powerpoint/2010/main" val="3732454975"/>
-      </p:ext>
-    </p:extLst>
-  </p:cSld>
-  <p:clrMapOvr>
-    <a:masterClrMapping/>
-  </p:clrMapOvr>
-</p:sld>
-</file>
-
-<file path=ppt/slides/slide39.xml><?xml version="1.0" encoding="utf-8"?>
-<p:sld xmlns:a="http://schemas.openxmlformats.org/drawingml/2006/main" xmlns:r="http://schemas.openxmlformats.org/officeDocument/2006/relationships" xmlns:p="http://schemas.openxmlformats.org/presentationml/2006/main">
-  <p:cSld>
-    <p:spTree>
-      <p:nvGrpSpPr>
-        <p:cNvPr id="1" name=""/>
-        <p:cNvGrpSpPr/>
-        <p:nvPr/>
-      </p:nvGrpSpPr>
-      <p:grpSpPr>
-        <a:xfrm>
-          <a:off x="0" y="0"/>
-          <a:ext cx="0" cy="0"/>
-          <a:chOff x="0" y="0"/>
-          <a:chExt cx="0" cy="0"/>
-        </a:xfrm>
-      </p:grpSpPr>
-      <p:sp>
-        <p:nvSpPr>
-          <p:cNvPr id="5" name="직사각형 4"/>
-          <p:cNvSpPr/>
-          <p:nvPr/>
-        </p:nvSpPr>
-        <p:spPr>
-          <a:xfrm>
-            <a:off x="173052" y="188639"/>
-            <a:ext cx="9676492" cy="6408713"/>
-          </a:xfrm>
-          <a:prstGeom prst="rect">
-            <a:avLst/>
-          </a:prstGeom>
-          <a:noFill/>
-        </p:spPr>
-        <p:style>
-          <a:lnRef idx="2">
-            <a:schemeClr val="accent6"/>
-          </a:lnRef>
-          <a:fillRef idx="1">
-            <a:schemeClr val="lt1"/>
-          </a:fillRef>
-          <a:effectRef idx="0">
-            <a:schemeClr val="accent6"/>
-          </a:effectRef>
-          <a:fontRef idx="minor">
-            <a:schemeClr val="dk1"/>
-          </a:fontRef>
-        </p:style>
-        <p:txBody>
-          <a:bodyPr rtlCol="0" anchor="t"/>
-          <a:lstStyle/>
-          <a:p>
-            <a:r>
-              <a:rPr lang="en-US" altLang="ko-KR" smtClean="0">
-                <a:solidFill>
-                  <a:schemeClr val="tx1"/>
-                </a:solidFill>
-                <a:latin typeface="1훈새마을운동 R" panose="02020603020101020101" pitchFamily="18" charset="-127"/>
-                <a:ea typeface="1훈새마을운동 R" panose="02020603020101020101" pitchFamily="18" charset="-127"/>
-              </a:rPr>
-              <a:t>*CRUD [ </a:t>
-            </a:r>
-            <a:r>
-              <a:rPr lang="ko-KR" altLang="en-US" smtClean="0">
-                <a:solidFill>
-                  <a:schemeClr val="tx1"/>
-                </a:solidFill>
-                <a:latin typeface="1훈새마을운동 R" panose="02020603020101020101" pitchFamily="18" charset="-127"/>
-                <a:ea typeface="1훈새마을운동 R" panose="02020603020101020101" pitchFamily="18" charset="-127"/>
-              </a:rPr>
-              <a:t>생성 </a:t>
-            </a:r>
-            <a:r>
-              <a:rPr lang="en-US" altLang="ko-KR" smtClean="0">
-                <a:solidFill>
-                  <a:schemeClr val="tx1"/>
-                </a:solidFill>
-                <a:latin typeface="1훈새마을운동 R" panose="02020603020101020101" pitchFamily="18" charset="-127"/>
-                <a:ea typeface="1훈새마을운동 R" panose="02020603020101020101" pitchFamily="18" charset="-127"/>
-              </a:rPr>
-              <a:t>, </a:t>
-            </a:r>
-            <a:r>
-              <a:rPr lang="ko-KR" altLang="en-US" smtClean="0">
-                <a:solidFill>
-                  <a:schemeClr val="tx1"/>
-                </a:solidFill>
-                <a:latin typeface="1훈새마을운동 R" panose="02020603020101020101" pitchFamily="18" charset="-127"/>
-                <a:ea typeface="1훈새마을운동 R" panose="02020603020101020101" pitchFamily="18" charset="-127"/>
-              </a:rPr>
-              <a:t>읽기 </a:t>
-            </a:r>
-            <a:r>
-              <a:rPr lang="en-US" altLang="ko-KR" smtClean="0">
-                <a:solidFill>
-                  <a:schemeClr val="tx1"/>
-                </a:solidFill>
-                <a:latin typeface="1훈새마을운동 R" panose="02020603020101020101" pitchFamily="18" charset="-127"/>
-                <a:ea typeface="1훈새마을운동 R" panose="02020603020101020101" pitchFamily="18" charset="-127"/>
-              </a:rPr>
-              <a:t>, </a:t>
-            </a:r>
-            <a:r>
-              <a:rPr lang="ko-KR" altLang="en-US" smtClean="0">
-                <a:solidFill>
-                  <a:schemeClr val="tx1"/>
-                </a:solidFill>
-                <a:latin typeface="1훈새마을운동 R" panose="02020603020101020101" pitchFamily="18" charset="-127"/>
-                <a:ea typeface="1훈새마을운동 R" panose="02020603020101020101" pitchFamily="18" charset="-127"/>
-              </a:rPr>
-              <a:t>수정 </a:t>
-            </a:r>
-            <a:r>
-              <a:rPr lang="en-US" altLang="ko-KR" smtClean="0">
-                <a:solidFill>
-                  <a:schemeClr val="tx1"/>
-                </a:solidFill>
-                <a:latin typeface="1훈새마을운동 R" panose="02020603020101020101" pitchFamily="18" charset="-127"/>
-                <a:ea typeface="1훈새마을운동 R" panose="02020603020101020101" pitchFamily="18" charset="-127"/>
-              </a:rPr>
-              <a:t>, </a:t>
-            </a:r>
-            <a:r>
-              <a:rPr lang="ko-KR" altLang="en-US" smtClean="0">
-                <a:solidFill>
-                  <a:schemeClr val="tx1"/>
-                </a:solidFill>
-                <a:latin typeface="1훈새마을운동 R" panose="02020603020101020101" pitchFamily="18" charset="-127"/>
-                <a:ea typeface="1훈새마을운동 R" panose="02020603020101020101" pitchFamily="18" charset="-127"/>
-              </a:rPr>
-              <a:t>삭제 </a:t>
-            </a:r>
-            <a:r>
-              <a:rPr lang="en-US" altLang="ko-KR" smtClean="0">
-                <a:solidFill>
-                  <a:schemeClr val="tx1"/>
-                </a:solidFill>
-                <a:latin typeface="1훈새마을운동 R" panose="02020603020101020101" pitchFamily="18" charset="-127"/>
-                <a:ea typeface="1훈새마을운동 R" panose="02020603020101020101" pitchFamily="18" charset="-127"/>
-              </a:rPr>
-              <a:t>]</a:t>
-            </a:r>
-          </a:p>
-          <a:p>
-            <a:endParaRPr lang="en-US" altLang="ko-KR">
-              <a:solidFill>
-                <a:schemeClr val="tx1"/>
-              </a:solidFill>
-              <a:latin typeface="1훈새마을운동 R" panose="02020603020101020101" pitchFamily="18" charset="-127"/>
-              <a:ea typeface="1훈새마을운동 R" panose="02020603020101020101" pitchFamily="18" charset="-127"/>
-            </a:endParaRPr>
-          </a:p>
-          <a:p>
-            <a:r>
-              <a:rPr lang="en-US" altLang="ko-KR" smtClean="0">
-                <a:solidFill>
-                  <a:schemeClr val="tx1"/>
-                </a:solidFill>
-                <a:latin typeface="1훈새마을운동 R" panose="02020603020101020101" pitchFamily="18" charset="-127"/>
-                <a:ea typeface="1훈새마을운동 R" panose="02020603020101020101" pitchFamily="18" charset="-127"/>
-              </a:rPr>
-              <a:t>*MVC [ Model , View , Controller ] </a:t>
-            </a:r>
-          </a:p>
-          <a:p>
-            <a:r>
-              <a:rPr lang="en-US" altLang="ko-KR" smtClean="0">
-                <a:solidFill>
-                  <a:schemeClr val="tx1"/>
-                </a:solidFill>
-                <a:latin typeface="1훈새마을운동 R" panose="02020603020101020101" pitchFamily="18" charset="-127"/>
-                <a:ea typeface="1훈새마을운동 R" panose="02020603020101020101" pitchFamily="18" charset="-127"/>
-              </a:rPr>
-              <a:t>	1. Model : </a:t>
-            </a:r>
-            <a:r>
-              <a:rPr lang="ko-KR" altLang="en-US" smtClean="0">
-                <a:solidFill>
-                  <a:schemeClr val="tx1"/>
-                </a:solidFill>
-                <a:latin typeface="1훈새마을운동 R" panose="02020603020101020101" pitchFamily="18" charset="-127"/>
-                <a:ea typeface="1훈새마을운동 R" panose="02020603020101020101" pitchFamily="18" charset="-127"/>
-              </a:rPr>
-              <a:t>데이터</a:t>
-            </a:r>
-            <a:endParaRPr lang="en-US" altLang="ko-KR" smtClean="0">
-              <a:solidFill>
-                <a:schemeClr val="tx1"/>
-              </a:solidFill>
-              <a:latin typeface="1훈새마을운동 R" panose="02020603020101020101" pitchFamily="18" charset="-127"/>
-              <a:ea typeface="1훈새마을운동 R" panose="02020603020101020101" pitchFamily="18" charset="-127"/>
-            </a:endParaRPr>
-          </a:p>
-          <a:p>
-            <a:r>
-              <a:rPr lang="en-US" altLang="ko-KR">
-                <a:solidFill>
-                  <a:schemeClr val="tx1"/>
-                </a:solidFill>
-                <a:latin typeface="1훈새마을운동 R" panose="02020603020101020101" pitchFamily="18" charset="-127"/>
-                <a:ea typeface="1훈새마을운동 R" panose="02020603020101020101" pitchFamily="18" charset="-127"/>
-              </a:rPr>
-              <a:t>	</a:t>
-            </a:r>
-            <a:r>
-              <a:rPr lang="en-US" altLang="ko-KR" smtClean="0">
-                <a:solidFill>
-                  <a:schemeClr val="tx1"/>
-                </a:solidFill>
-                <a:latin typeface="1훈새마을운동 R" panose="02020603020101020101" pitchFamily="18" charset="-127"/>
-                <a:ea typeface="1훈새마을운동 R" panose="02020603020101020101" pitchFamily="18" charset="-127"/>
-              </a:rPr>
-              <a:t>2. View : </a:t>
-            </a:r>
-            <a:r>
-              <a:rPr lang="ko-KR" altLang="en-US" smtClean="0">
-                <a:solidFill>
-                  <a:schemeClr val="tx1"/>
-                </a:solidFill>
-                <a:latin typeface="1훈새마을운동 R" panose="02020603020101020101" pitchFamily="18" charset="-127"/>
-                <a:ea typeface="1훈새마을운동 R" panose="02020603020101020101" pitchFamily="18" charset="-127"/>
-              </a:rPr>
-              <a:t>프론트엔드 </a:t>
-            </a:r>
-            <a:r>
-              <a:rPr lang="en-US" altLang="ko-KR" smtClean="0">
-                <a:solidFill>
-                  <a:schemeClr val="tx1"/>
-                </a:solidFill>
-                <a:latin typeface="1훈새마을운동 R" panose="02020603020101020101" pitchFamily="18" charset="-127"/>
-                <a:ea typeface="1훈새마을운동 R" panose="02020603020101020101" pitchFamily="18" charset="-127"/>
-              </a:rPr>
-              <a:t>[ </a:t>
-            </a:r>
-            <a:r>
-              <a:rPr lang="ko-KR" altLang="en-US" smtClean="0">
-                <a:solidFill>
-                  <a:schemeClr val="tx1"/>
-                </a:solidFill>
-                <a:latin typeface="1훈새마을운동 R" panose="02020603020101020101" pitchFamily="18" charset="-127"/>
-                <a:ea typeface="1훈새마을운동 R" panose="02020603020101020101" pitchFamily="18" charset="-127"/>
-              </a:rPr>
-              <a:t>씬빌더</a:t>
-            </a:r>
-            <a:r>
-              <a:rPr lang="en-US" altLang="ko-KR">
-                <a:solidFill>
-                  <a:schemeClr val="tx1"/>
-                </a:solidFill>
-                <a:latin typeface="1훈새마을운동 R" panose="02020603020101020101" pitchFamily="18" charset="-127"/>
-                <a:ea typeface="1훈새마을운동 R" panose="02020603020101020101" pitchFamily="18" charset="-127"/>
-              </a:rPr>
-              <a:t> </a:t>
-            </a:r>
-            <a:r>
-              <a:rPr lang="en-US" altLang="ko-KR" smtClean="0">
-                <a:solidFill>
-                  <a:schemeClr val="tx1"/>
-                </a:solidFill>
-                <a:latin typeface="1훈새마을운동 R" panose="02020603020101020101" pitchFamily="18" charset="-127"/>
-                <a:ea typeface="1훈새마을운동 R" panose="02020603020101020101" pitchFamily="18" charset="-127"/>
-              </a:rPr>
-              <a:t>(fxml) , html ]</a:t>
-            </a:r>
-          </a:p>
-          <a:p>
-            <a:r>
-              <a:rPr lang="en-US" altLang="ko-KR">
-                <a:solidFill>
-                  <a:schemeClr val="tx1"/>
-                </a:solidFill>
-                <a:latin typeface="1훈새마을운동 R" panose="02020603020101020101" pitchFamily="18" charset="-127"/>
-                <a:ea typeface="1훈새마을운동 R" panose="02020603020101020101" pitchFamily="18" charset="-127"/>
-              </a:rPr>
-              <a:t>	</a:t>
-            </a:r>
-            <a:r>
-              <a:rPr lang="en-US" altLang="ko-KR" smtClean="0">
-                <a:solidFill>
-                  <a:schemeClr val="tx1"/>
-                </a:solidFill>
-                <a:latin typeface="1훈새마을운동 R" panose="02020603020101020101" pitchFamily="18" charset="-127"/>
-                <a:ea typeface="1훈새마을운동 R" panose="02020603020101020101" pitchFamily="18" charset="-127"/>
-              </a:rPr>
-              <a:t>3. Controller : java</a:t>
-            </a:r>
-            <a:r>
-              <a:rPr lang="ko-KR" altLang="en-US" smtClean="0">
-                <a:solidFill>
-                  <a:schemeClr val="tx1"/>
-                </a:solidFill>
-                <a:latin typeface="1훈새마을운동 R" panose="02020603020101020101" pitchFamily="18" charset="-127"/>
-                <a:ea typeface="1훈새마을운동 R" panose="02020603020101020101" pitchFamily="18" charset="-127"/>
-              </a:rPr>
-              <a:t>파일</a:t>
-            </a:r>
-            <a:r>
-              <a:rPr lang="en-US" altLang="ko-KR" smtClean="0">
-                <a:solidFill>
-                  <a:schemeClr val="tx1"/>
-                </a:solidFill>
-                <a:latin typeface="1훈새마을운동 R" panose="02020603020101020101" pitchFamily="18" charset="-127"/>
-                <a:ea typeface="1훈새마을운동 R" panose="02020603020101020101" pitchFamily="18" charset="-127"/>
-              </a:rPr>
-              <a:t>[</a:t>
-            </a:r>
-            <a:r>
-              <a:rPr lang="ko-KR" altLang="en-US" smtClean="0">
-                <a:solidFill>
-                  <a:schemeClr val="tx1"/>
-                </a:solidFill>
-                <a:latin typeface="1훈새마을운동 R" panose="02020603020101020101" pitchFamily="18" charset="-127"/>
-                <a:ea typeface="1훈새마을운동 R" panose="02020603020101020101" pitchFamily="18" charset="-127"/>
-              </a:rPr>
-              <a:t>클래스</a:t>
-            </a:r>
-            <a:r>
-              <a:rPr lang="en-US" altLang="ko-KR" smtClean="0">
-                <a:solidFill>
-                  <a:schemeClr val="tx1"/>
-                </a:solidFill>
-                <a:latin typeface="1훈새마을운동 R" panose="02020603020101020101" pitchFamily="18" charset="-127"/>
-                <a:ea typeface="1훈새마을운동 R" panose="02020603020101020101" pitchFamily="18" charset="-127"/>
-              </a:rPr>
-              <a:t>]</a:t>
-            </a:r>
-            <a:endParaRPr lang="en-US" altLang="ko-KR">
-              <a:solidFill>
-                <a:schemeClr val="tx1"/>
-              </a:solidFill>
-              <a:latin typeface="1훈새마을운동 R" panose="02020603020101020101" pitchFamily="18" charset="-127"/>
-              <a:ea typeface="1훈새마을운동 R" panose="02020603020101020101" pitchFamily="18" charset="-127"/>
-            </a:endParaRPr>
-          </a:p>
-          <a:p>
-            <a:r>
-              <a:rPr lang="en-US" altLang="ko-KR" smtClean="0">
-                <a:solidFill>
-                  <a:schemeClr val="tx1"/>
-                </a:solidFill>
-                <a:latin typeface="1훈새마을운동 R" panose="02020603020101020101" pitchFamily="18" charset="-127"/>
-                <a:ea typeface="1훈새마을운동 R" panose="02020603020101020101" pitchFamily="18" charset="-127"/>
-              </a:rPr>
-              <a:t>	</a:t>
-            </a:r>
-            <a:r>
-              <a:rPr lang="ko-KR" altLang="en-US" smtClean="0">
-                <a:solidFill>
-                  <a:schemeClr val="tx1"/>
-                </a:solidFill>
-                <a:latin typeface="1훈새마을운동 R" panose="02020603020101020101" pitchFamily="18" charset="-127"/>
-                <a:ea typeface="1훈새마을운동 R" panose="02020603020101020101" pitchFamily="18" charset="-127"/>
-              </a:rPr>
-              <a:t>삽입 </a:t>
-            </a:r>
-            <a:r>
-              <a:rPr lang="en-US" altLang="ko-KR" smtClean="0">
-                <a:solidFill>
-                  <a:schemeClr val="tx1"/>
-                </a:solidFill>
-                <a:latin typeface="1훈새마을운동 R" panose="02020603020101020101" pitchFamily="18" charset="-127"/>
-                <a:ea typeface="1훈새마을운동 R" panose="02020603020101020101" pitchFamily="18" charset="-127"/>
-              </a:rPr>
-              <a:t>: View --dto--&gt; Controller  --dto--&gt;  Model  --dao-&gt; DB</a:t>
-            </a:r>
-          </a:p>
-          <a:p>
-            <a:r>
-              <a:rPr lang="en-US" altLang="ko-KR" smtClean="0">
-                <a:solidFill>
-                  <a:schemeClr val="tx1"/>
-                </a:solidFill>
-                <a:latin typeface="1훈새마을운동 R" panose="02020603020101020101" pitchFamily="18" charset="-127"/>
-                <a:ea typeface="1훈새마을운동 R" panose="02020603020101020101" pitchFamily="18" charset="-127"/>
-              </a:rPr>
-              <a:t>	</a:t>
-            </a:r>
-            <a:r>
-              <a:rPr lang="ko-KR" altLang="en-US" smtClean="0">
-                <a:solidFill>
-                  <a:schemeClr val="tx1"/>
-                </a:solidFill>
-                <a:latin typeface="1훈새마을운동 R" panose="02020603020101020101" pitchFamily="18" charset="-127"/>
-                <a:ea typeface="1훈새마을운동 R" panose="02020603020101020101" pitchFamily="18" charset="-127"/>
-              </a:rPr>
-              <a:t>조회 </a:t>
-            </a:r>
-            <a:r>
-              <a:rPr lang="en-US" altLang="ko-KR" smtClean="0">
-                <a:solidFill>
-                  <a:schemeClr val="tx1"/>
-                </a:solidFill>
-                <a:latin typeface="1훈새마을운동 R" panose="02020603020101020101" pitchFamily="18" charset="-127"/>
-                <a:ea typeface="1훈새마을운동 R" panose="02020603020101020101" pitchFamily="18" charset="-127"/>
-              </a:rPr>
-              <a:t>: </a:t>
-            </a:r>
-            <a:r>
-              <a:rPr lang="en-US" altLang="ko-KR">
-                <a:solidFill>
-                  <a:schemeClr val="tx1"/>
-                </a:solidFill>
-                <a:latin typeface="1훈새마을운동 R" panose="02020603020101020101" pitchFamily="18" charset="-127"/>
-                <a:ea typeface="1훈새마을운동 R" panose="02020603020101020101" pitchFamily="18" charset="-127"/>
-              </a:rPr>
-              <a:t>View </a:t>
-            </a:r>
-            <a:r>
-              <a:rPr lang="en-US" altLang="ko-KR" smtClean="0">
-                <a:solidFill>
-                  <a:schemeClr val="tx1"/>
-                </a:solidFill>
-                <a:latin typeface="1훈새마을운동 R" panose="02020603020101020101" pitchFamily="18" charset="-127"/>
-                <a:ea typeface="1훈새마을운동 R" panose="02020603020101020101" pitchFamily="18" charset="-127"/>
-              </a:rPr>
-              <a:t>&lt;--dto-- </a:t>
-            </a:r>
-            <a:r>
-              <a:rPr lang="en-US" altLang="ko-KR">
-                <a:solidFill>
-                  <a:schemeClr val="tx1"/>
-                </a:solidFill>
-                <a:latin typeface="1훈새마을운동 R" panose="02020603020101020101" pitchFamily="18" charset="-127"/>
-                <a:ea typeface="1훈새마을운동 R" panose="02020603020101020101" pitchFamily="18" charset="-127"/>
-              </a:rPr>
-              <a:t>Controller  </a:t>
-            </a:r>
-            <a:r>
-              <a:rPr lang="en-US" altLang="ko-KR" smtClean="0">
-                <a:solidFill>
-                  <a:schemeClr val="tx1"/>
-                </a:solidFill>
-                <a:latin typeface="1훈새마을운동 R" panose="02020603020101020101" pitchFamily="18" charset="-127"/>
-                <a:ea typeface="1훈새마을운동 R" panose="02020603020101020101" pitchFamily="18" charset="-127"/>
-              </a:rPr>
-              <a:t>&lt;--dto-- Model  &lt;--dao-- DB</a:t>
-            </a:r>
-          </a:p>
-          <a:p>
-            <a:endParaRPr lang="en-US" altLang="ko-KR" smtClean="0">
-              <a:solidFill>
-                <a:schemeClr val="tx1"/>
-              </a:solidFill>
-              <a:latin typeface="1훈새마을운동 R" panose="02020603020101020101" pitchFamily="18" charset="-127"/>
-              <a:ea typeface="1훈새마을운동 R" panose="02020603020101020101" pitchFamily="18" charset="-127"/>
-            </a:endParaRPr>
-          </a:p>
-          <a:p>
-            <a:r>
-              <a:rPr lang="en-US" altLang="ko-KR" smtClean="0">
-                <a:solidFill>
-                  <a:schemeClr val="tx1"/>
-                </a:solidFill>
-                <a:latin typeface="1훈새마을운동 R" panose="02020603020101020101" pitchFamily="18" charset="-127"/>
-                <a:ea typeface="1훈새마을운동 R" panose="02020603020101020101" pitchFamily="18" charset="-127"/>
-              </a:rPr>
-              <a:t>*DTO : </a:t>
-            </a:r>
-            <a:r>
-              <a:rPr lang="ko-KR" altLang="en-US" smtClean="0">
-                <a:solidFill>
-                  <a:schemeClr val="tx1"/>
-                </a:solidFill>
-                <a:latin typeface="1훈새마을운동 R" panose="02020603020101020101" pitchFamily="18" charset="-127"/>
-                <a:ea typeface="1훈새마을운동 R" panose="02020603020101020101" pitchFamily="18" charset="-127"/>
-              </a:rPr>
-              <a:t>데이터 이동 객체 </a:t>
-            </a:r>
-            <a:r>
-              <a:rPr lang="en-US" altLang="ko-KR" smtClean="0">
-                <a:solidFill>
-                  <a:schemeClr val="tx1"/>
-                </a:solidFill>
-                <a:latin typeface="1훈새마을운동 R" panose="02020603020101020101" pitchFamily="18" charset="-127"/>
-                <a:ea typeface="1훈새마을운동 R" panose="02020603020101020101" pitchFamily="18" charset="-127"/>
-              </a:rPr>
-              <a:t>[</a:t>
-            </a:r>
-            <a:r>
-              <a:rPr lang="en-US" altLang="ko-KR">
-                <a:latin typeface="1훈새마을운동 R" panose="02020603020101020101" pitchFamily="18" charset="-127"/>
-                <a:ea typeface="1훈새마을운동 R" panose="02020603020101020101" pitchFamily="18" charset="-127"/>
-              </a:rPr>
-              <a:t>Data Transfer </a:t>
-            </a:r>
-            <a:r>
-              <a:rPr lang="en-US" altLang="ko-KR" smtClean="0">
-                <a:latin typeface="1훈새마을운동 R" panose="02020603020101020101" pitchFamily="18" charset="-127"/>
-                <a:ea typeface="1훈새마을운동 R" panose="02020603020101020101" pitchFamily="18" charset="-127"/>
-              </a:rPr>
-              <a:t>Object ] </a:t>
-            </a:r>
-          </a:p>
-          <a:p>
-            <a:endParaRPr lang="en-US" altLang="ko-KR">
-              <a:solidFill>
-                <a:schemeClr val="tx1"/>
-              </a:solidFill>
-              <a:latin typeface="1훈새마을운동 R" panose="02020603020101020101" pitchFamily="18" charset="-127"/>
-              <a:ea typeface="1훈새마을운동 R" panose="02020603020101020101" pitchFamily="18" charset="-127"/>
-            </a:endParaRPr>
-          </a:p>
-          <a:p>
-            <a:r>
-              <a:rPr lang="en-US" altLang="ko-KR" smtClean="0">
-                <a:solidFill>
-                  <a:schemeClr val="tx1"/>
-                </a:solidFill>
-                <a:latin typeface="1훈새마을운동 R" panose="02020603020101020101" pitchFamily="18" charset="-127"/>
-                <a:ea typeface="1훈새마을운동 R" panose="02020603020101020101" pitchFamily="18" charset="-127"/>
-              </a:rPr>
-              <a:t>*DAO : </a:t>
-            </a:r>
-            <a:r>
-              <a:rPr lang="ko-KR" altLang="en-US" smtClean="0">
-                <a:solidFill>
-                  <a:schemeClr val="tx1"/>
-                </a:solidFill>
-                <a:latin typeface="1훈새마을운동 R" panose="02020603020101020101" pitchFamily="18" charset="-127"/>
-                <a:ea typeface="1훈새마을운동 R" panose="02020603020101020101" pitchFamily="18" charset="-127"/>
-              </a:rPr>
-              <a:t>데이터베이스 기능 조작 객체 </a:t>
-            </a:r>
-            <a:r>
-              <a:rPr lang="en-US" altLang="ko-KR" smtClean="0">
-                <a:solidFill>
-                  <a:schemeClr val="tx1"/>
-                </a:solidFill>
-                <a:latin typeface="1훈새마을운동 R" panose="02020603020101020101" pitchFamily="18" charset="-127"/>
-                <a:ea typeface="1훈새마을운동 R" panose="02020603020101020101" pitchFamily="18" charset="-127"/>
-              </a:rPr>
-              <a:t>[</a:t>
-            </a:r>
-            <a:r>
-              <a:rPr lang="en-US" altLang="ko-KR">
-                <a:latin typeface="1훈새마을운동 R" panose="02020603020101020101" pitchFamily="18" charset="-127"/>
-                <a:ea typeface="1훈새마을운동 R" panose="02020603020101020101" pitchFamily="18" charset="-127"/>
-              </a:rPr>
-              <a:t>Data Access </a:t>
-            </a:r>
-            <a:r>
-              <a:rPr lang="en-US" altLang="ko-KR" smtClean="0">
-                <a:latin typeface="1훈새마을운동 R" panose="02020603020101020101" pitchFamily="18" charset="-127"/>
-                <a:ea typeface="1훈새마을운동 R" panose="02020603020101020101" pitchFamily="18" charset="-127"/>
-              </a:rPr>
-              <a:t>Object ] </a:t>
-            </a:r>
-            <a:endParaRPr lang="en-US" altLang="ko-KR" smtClean="0">
-              <a:solidFill>
-                <a:schemeClr val="tx1"/>
-              </a:solidFill>
-              <a:latin typeface="1훈새마을운동 R" panose="02020603020101020101" pitchFamily="18" charset="-127"/>
-              <a:ea typeface="1훈새마을운동 R" panose="02020603020101020101" pitchFamily="18" charset="-127"/>
-            </a:endParaRPr>
-          </a:p>
-          <a:p>
-            <a:endParaRPr lang="en-US" altLang="ko-KR">
-              <a:solidFill>
-                <a:schemeClr val="tx1"/>
-              </a:solidFill>
-              <a:latin typeface="1훈새마을운동 R" panose="02020603020101020101" pitchFamily="18" charset="-127"/>
-              <a:ea typeface="1훈새마을운동 R" panose="02020603020101020101" pitchFamily="18" charset="-127"/>
-            </a:endParaRPr>
-          </a:p>
-          <a:p>
-            <a:endParaRPr lang="en-US" altLang="ko-KR">
-              <a:solidFill>
-                <a:schemeClr val="tx1"/>
-              </a:solidFill>
-              <a:latin typeface="1훈새마을운동 R" panose="02020603020101020101" pitchFamily="18" charset="-127"/>
-              <a:ea typeface="1훈새마을운동 R" panose="02020603020101020101" pitchFamily="18" charset="-127"/>
-            </a:endParaRPr>
-          </a:p>
-          <a:p>
-            <a:endParaRPr lang="en-US" altLang="ko-KR">
-              <a:solidFill>
-                <a:schemeClr val="tx1"/>
-              </a:solidFill>
-              <a:latin typeface="1훈새마을운동 R" panose="02020603020101020101" pitchFamily="18" charset="-127"/>
-              <a:ea typeface="1훈새마을운동 R" panose="02020603020101020101" pitchFamily="18" charset="-127"/>
-            </a:endParaRPr>
-          </a:p>
-        </p:txBody>
-      </p:sp>
-    </p:spTree>
-    <p:extLst>
-      <p:ext uri="{BB962C8B-B14F-4D97-AF65-F5344CB8AC3E}">
-        <p14:creationId xmlns:p14="http://schemas.microsoft.com/office/powerpoint/2010/main" val="681057412"/>
       </p:ext>
     </p:extLst>
   </p:cSld>
@@ -35207,19 +35323,367 @@
                 <a:latin typeface="1훈새마을운동 R" panose="02020603020101020101" pitchFamily="18" charset="-127"/>
                 <a:ea typeface="1훈새마을운동 R" panose="02020603020101020101" pitchFamily="18" charset="-127"/>
               </a:rPr>
-              <a:t>*</a:t>
-            </a:r>
-            <a:r>
-              <a:rPr lang="ko-KR" altLang="en-US" smtClean="0">
-                <a:solidFill>
-                  <a:schemeClr val="tx1"/>
-                </a:solidFill>
-                <a:latin typeface="1훈새마을운동 R" panose="02020603020101020101" pitchFamily="18" charset="-127"/>
-                <a:ea typeface="1훈새마을운동 R" panose="02020603020101020101" pitchFamily="18" charset="-127"/>
-              </a:rPr>
-              <a:t>주요 인터페이스</a:t>
-            </a:r>
-            <a:endParaRPr lang="en-US" altLang="ko-KR" smtClean="0">
+              <a:t>* Dao </a:t>
+            </a:r>
+            <a:r>
+              <a:rPr lang="ko-KR" altLang="en-US">
+                <a:solidFill>
+                  <a:schemeClr val="tx1"/>
+                </a:solidFill>
+                <a:latin typeface="1훈새마을운동 R" panose="02020603020101020101" pitchFamily="18" charset="-127"/>
+                <a:ea typeface="1훈새마을운동 R" panose="02020603020101020101" pitchFamily="18" charset="-127"/>
+              </a:rPr>
+              <a:t>인스턴스 </a:t>
+            </a:r>
+            <a:r>
+              <a:rPr lang="en-US" altLang="ko-KR">
+                <a:solidFill>
+                  <a:schemeClr val="tx1"/>
+                </a:solidFill>
+                <a:latin typeface="1훈새마을운동 R" panose="02020603020101020101" pitchFamily="18" charset="-127"/>
+                <a:ea typeface="1훈새마을운동 R" panose="02020603020101020101" pitchFamily="18" charset="-127"/>
+              </a:rPr>
+              <a:t>[ </a:t>
+            </a:r>
+            <a:r>
+              <a:rPr lang="ko-KR" altLang="en-US">
+                <a:solidFill>
+                  <a:schemeClr val="tx1"/>
+                </a:solidFill>
+                <a:latin typeface="1훈새마을운동 R" panose="02020603020101020101" pitchFamily="18" charset="-127"/>
+                <a:ea typeface="1훈새마을운동 R" panose="02020603020101020101" pitchFamily="18" charset="-127"/>
+              </a:rPr>
+              <a:t>해당 인스턴스 생성시 </a:t>
+            </a:r>
+            <a:r>
+              <a:rPr lang="en-US" altLang="ko-KR">
+                <a:solidFill>
+                  <a:schemeClr val="tx1"/>
+                </a:solidFill>
+                <a:latin typeface="1훈새마을운동 R" panose="02020603020101020101" pitchFamily="18" charset="-127"/>
+                <a:ea typeface="1훈새마을운동 R" panose="02020603020101020101" pitchFamily="18" charset="-127"/>
+              </a:rPr>
+              <a:t>DB</a:t>
+            </a:r>
+            <a:r>
+              <a:rPr lang="ko-KR" altLang="en-US">
+                <a:solidFill>
+                  <a:schemeClr val="tx1"/>
+                </a:solidFill>
+                <a:latin typeface="1훈새마을운동 R" panose="02020603020101020101" pitchFamily="18" charset="-127"/>
+                <a:ea typeface="1훈새마을운동 R" panose="02020603020101020101" pitchFamily="18" charset="-127"/>
+              </a:rPr>
+              <a:t>와 연결된 인스턴스 사용 </a:t>
+            </a:r>
+            <a:r>
+              <a:rPr lang="en-US" altLang="ko-KR">
+                <a:solidFill>
+                  <a:schemeClr val="tx1"/>
+                </a:solidFill>
+                <a:latin typeface="1훈새마을운동 R" panose="02020603020101020101" pitchFamily="18" charset="-127"/>
+                <a:ea typeface="1훈새마을운동 R" panose="02020603020101020101" pitchFamily="18" charset="-127"/>
+              </a:rPr>
+              <a:t>]</a:t>
+            </a:r>
+          </a:p>
+          <a:p>
+            <a:r>
+              <a:rPr lang="en-US" altLang="ko-KR" sz="1500" smtClean="0">
+                <a:solidFill>
+                  <a:schemeClr val="tx1"/>
+                </a:solidFill>
+                <a:latin typeface="1훈새마을운동 R" panose="02020603020101020101" pitchFamily="18" charset="-127"/>
+                <a:ea typeface="1훈새마을운동 R" panose="02020603020101020101" pitchFamily="18" charset="-127"/>
+              </a:rPr>
+              <a:t>	public </a:t>
+            </a:r>
+            <a:r>
+              <a:rPr lang="en-US" altLang="ko-KR" sz="1500">
+                <a:solidFill>
+                  <a:schemeClr val="tx1"/>
+                </a:solidFill>
+                <a:latin typeface="1훈새마을운동 R" panose="02020603020101020101" pitchFamily="18" charset="-127"/>
+                <a:ea typeface="1훈새마을운동 R" panose="02020603020101020101" pitchFamily="18" charset="-127"/>
+              </a:rPr>
+              <a:t>static ProductDao productDao = new ProductDao();</a:t>
+            </a:r>
+          </a:p>
+          <a:p>
+            <a:r>
+              <a:rPr lang="en-US" altLang="ko-KR" sz="1500">
+                <a:solidFill>
+                  <a:schemeClr val="tx1"/>
+                </a:solidFill>
+                <a:latin typeface="1훈새마을운동 R" panose="02020603020101020101" pitchFamily="18" charset="-127"/>
+                <a:ea typeface="1훈새마을운동 R" panose="02020603020101020101" pitchFamily="18" charset="-127"/>
+              </a:rPr>
+              <a:t>	</a:t>
+            </a:r>
+          </a:p>
+          <a:p>
+            <a:r>
+              <a:rPr lang="en-US" altLang="ko-KR" sz="1500">
+                <a:solidFill>
+                  <a:schemeClr val="tx1"/>
+                </a:solidFill>
+                <a:latin typeface="1훈새마을운동 R" panose="02020603020101020101" pitchFamily="18" charset="-127"/>
+                <a:ea typeface="1훈새마을운동 R" panose="02020603020101020101" pitchFamily="18" charset="-127"/>
+              </a:rPr>
+              <a:t>	</a:t>
+            </a:r>
+            <a:r>
+              <a:rPr lang="en-US" altLang="ko-KR" sz="1500" smtClean="0">
+                <a:solidFill>
+                  <a:schemeClr val="tx1"/>
+                </a:solidFill>
+                <a:latin typeface="1훈새마을운동 R" panose="02020603020101020101" pitchFamily="18" charset="-127"/>
+                <a:ea typeface="1훈새마을운동 R" panose="02020603020101020101" pitchFamily="18" charset="-127"/>
+              </a:rPr>
+              <a:t>public </a:t>
+            </a:r>
+            <a:r>
+              <a:rPr lang="en-US" altLang="ko-KR" sz="1500">
+                <a:solidFill>
+                  <a:schemeClr val="tx1"/>
+                </a:solidFill>
+                <a:latin typeface="1훈새마을운동 R" panose="02020603020101020101" pitchFamily="18" charset="-127"/>
+                <a:ea typeface="1훈새마을운동 R" panose="02020603020101020101" pitchFamily="18" charset="-127"/>
+              </a:rPr>
+              <a:t>ProductDao() {</a:t>
+            </a:r>
+          </a:p>
+          <a:p>
+            <a:r>
+              <a:rPr lang="en-US" altLang="ko-KR" sz="1500">
+                <a:solidFill>
+                  <a:schemeClr val="tx1"/>
+                </a:solidFill>
+                <a:latin typeface="1훈새마을운동 R" panose="02020603020101020101" pitchFamily="18" charset="-127"/>
+                <a:ea typeface="1훈새마을운동 R" panose="02020603020101020101" pitchFamily="18" charset="-127"/>
+              </a:rPr>
+              <a:t>	</a:t>
+            </a:r>
+            <a:r>
+              <a:rPr lang="en-US" altLang="ko-KR" sz="1500">
+                <a:solidFill>
+                  <a:schemeClr val="tx1"/>
+                </a:solidFill>
+                <a:latin typeface="1훈새마을운동 R" panose="02020603020101020101" pitchFamily="18" charset="-127"/>
+                <a:ea typeface="1훈새마을운동 R" panose="02020603020101020101" pitchFamily="18" charset="-127"/>
+              </a:rPr>
+              <a:t>	</a:t>
+            </a:r>
+            <a:r>
+              <a:rPr lang="en-US" altLang="ko-KR" sz="1500" smtClean="0">
+                <a:solidFill>
+                  <a:schemeClr val="tx1"/>
+                </a:solidFill>
+                <a:latin typeface="1훈새마을운동 R" panose="02020603020101020101" pitchFamily="18" charset="-127"/>
+                <a:ea typeface="1훈새마을운동 R" panose="02020603020101020101" pitchFamily="18" charset="-127"/>
+              </a:rPr>
+              <a:t>try </a:t>
+            </a:r>
+            <a:r>
+              <a:rPr lang="en-US" altLang="ko-KR" sz="1500">
+                <a:solidFill>
+                  <a:schemeClr val="tx1"/>
+                </a:solidFill>
+                <a:latin typeface="1훈새마을운동 R" panose="02020603020101020101" pitchFamily="18" charset="-127"/>
+                <a:ea typeface="1훈새마을운동 R" panose="02020603020101020101" pitchFamily="18" charset="-127"/>
+              </a:rPr>
+              <a:t>{</a:t>
+            </a:r>
+          </a:p>
+          <a:p>
+            <a:r>
+              <a:rPr lang="en-US" altLang="ko-KR" sz="1500">
+                <a:solidFill>
+                  <a:schemeClr val="tx1"/>
+                </a:solidFill>
+                <a:latin typeface="1훈새마을운동 R" panose="02020603020101020101" pitchFamily="18" charset="-127"/>
+                <a:ea typeface="1훈새마을운동 R" panose="02020603020101020101" pitchFamily="18" charset="-127"/>
+              </a:rPr>
+              <a:t>		</a:t>
+            </a:r>
+            <a:r>
+              <a:rPr lang="en-US" altLang="ko-KR" sz="1500">
+                <a:solidFill>
+                  <a:schemeClr val="tx1"/>
+                </a:solidFill>
+                <a:latin typeface="1훈새마을운동 R" panose="02020603020101020101" pitchFamily="18" charset="-127"/>
+                <a:ea typeface="1훈새마을운동 R" panose="02020603020101020101" pitchFamily="18" charset="-127"/>
+              </a:rPr>
+              <a:t>	</a:t>
+            </a:r>
+            <a:r>
+              <a:rPr lang="en-US" altLang="ko-KR" sz="1500" smtClean="0">
+                <a:solidFill>
+                  <a:schemeClr val="tx1"/>
+                </a:solidFill>
+                <a:latin typeface="1훈새마을운동 R" panose="02020603020101020101" pitchFamily="18" charset="-127"/>
+                <a:ea typeface="1훈새마을운동 R" panose="02020603020101020101" pitchFamily="18" charset="-127"/>
+              </a:rPr>
+              <a:t>Class.forName</a:t>
+            </a:r>
+            <a:r>
+              <a:rPr lang="en-US" altLang="ko-KR" sz="1500">
+                <a:solidFill>
+                  <a:schemeClr val="tx1"/>
+                </a:solidFill>
+                <a:latin typeface="1훈새마을운동 R" panose="02020603020101020101" pitchFamily="18" charset="-127"/>
+                <a:ea typeface="1훈새마을운동 R" panose="02020603020101020101" pitchFamily="18" charset="-127"/>
+              </a:rPr>
+              <a:t>("com.mysql.cj.jdbc.Driver");</a:t>
+            </a:r>
+          </a:p>
+          <a:p>
+            <a:r>
+              <a:rPr lang="en-US" altLang="ko-KR" sz="1500">
+                <a:solidFill>
+                  <a:schemeClr val="tx1"/>
+                </a:solidFill>
+                <a:latin typeface="1훈새마을운동 R" panose="02020603020101020101" pitchFamily="18" charset="-127"/>
+                <a:ea typeface="1훈새마을운동 R" panose="02020603020101020101" pitchFamily="18" charset="-127"/>
+              </a:rPr>
+              <a:t>		</a:t>
+            </a:r>
+            <a:r>
+              <a:rPr lang="en-US" altLang="ko-KR" sz="1500">
+                <a:solidFill>
+                  <a:schemeClr val="tx1"/>
+                </a:solidFill>
+                <a:latin typeface="1훈새마을운동 R" panose="02020603020101020101" pitchFamily="18" charset="-127"/>
+                <a:ea typeface="1훈새마을운동 R" panose="02020603020101020101" pitchFamily="18" charset="-127"/>
+              </a:rPr>
+              <a:t>	</a:t>
+            </a:r>
+            <a:r>
+              <a:rPr lang="en-US" altLang="ko-KR" sz="1500" smtClean="0">
+                <a:solidFill>
+                  <a:schemeClr val="tx1"/>
+                </a:solidFill>
+                <a:latin typeface="1훈새마을운동 R" panose="02020603020101020101" pitchFamily="18" charset="-127"/>
+                <a:ea typeface="1훈새마을운동 R" panose="02020603020101020101" pitchFamily="18" charset="-127"/>
+              </a:rPr>
+              <a:t>connection = DriverManager.getConnection(</a:t>
+            </a:r>
+          </a:p>
+          <a:p>
+            <a:r>
+              <a:rPr lang="en-US" altLang="ko-KR" sz="1500" smtClean="0">
+                <a:solidFill>
+                  <a:schemeClr val="tx1"/>
+                </a:solidFill>
+                <a:latin typeface="1훈새마을운동 R" panose="02020603020101020101" pitchFamily="18" charset="-127"/>
+                <a:ea typeface="1훈새마을운동 R" panose="02020603020101020101" pitchFamily="18" charset="-127"/>
+              </a:rPr>
+              <a:t>			"</a:t>
+            </a:r>
+            <a:r>
+              <a:rPr lang="en-US" altLang="ko-KR" sz="1500">
+                <a:solidFill>
+                  <a:schemeClr val="tx1"/>
+                </a:solidFill>
+                <a:latin typeface="1훈새마을운동 R" panose="02020603020101020101" pitchFamily="18" charset="-127"/>
+                <a:ea typeface="1훈새마을운동 R" panose="02020603020101020101" pitchFamily="18" charset="-127"/>
+              </a:rPr>
+              <a:t>jdbc:mysql://localhost:3307/javafx?serverTimezone=UTC" </a:t>
+            </a:r>
+            <a:r>
+              <a:rPr lang="en-US" altLang="ko-KR" sz="1500">
+                <a:solidFill>
+                  <a:schemeClr val="tx1"/>
+                </a:solidFill>
+                <a:latin typeface="1훈새마을운동 R" panose="02020603020101020101" pitchFamily="18" charset="-127"/>
+                <a:ea typeface="1훈새마을운동 R" panose="02020603020101020101" pitchFamily="18" charset="-127"/>
+              </a:rPr>
+              <a:t>, </a:t>
+            </a:r>
+            <a:r>
+              <a:rPr lang="en-US" altLang="ko-KR" sz="1500" smtClean="0">
+                <a:solidFill>
+                  <a:schemeClr val="tx1"/>
+                </a:solidFill>
+                <a:latin typeface="1훈새마을운동 R" panose="02020603020101020101" pitchFamily="18" charset="-127"/>
+                <a:ea typeface="1훈새마을운동 R" panose="02020603020101020101" pitchFamily="18" charset="-127"/>
+              </a:rPr>
+              <a:t>"</a:t>
+            </a:r>
+            <a:r>
+              <a:rPr lang="en-US" altLang="ko-KR" sz="1500">
+                <a:solidFill>
+                  <a:schemeClr val="tx1"/>
+                </a:solidFill>
+                <a:latin typeface="1훈새마을운동 R" panose="02020603020101020101" pitchFamily="18" charset="-127"/>
+                <a:ea typeface="1훈새마을운동 R" panose="02020603020101020101" pitchFamily="18" charset="-127"/>
+              </a:rPr>
+              <a:t>root" , "1234");</a:t>
+            </a:r>
+          </a:p>
+          <a:p>
+            <a:r>
+              <a:rPr lang="en-US" altLang="ko-KR" sz="1500">
+                <a:solidFill>
+                  <a:schemeClr val="tx1"/>
+                </a:solidFill>
+                <a:latin typeface="1훈새마을운동 R" panose="02020603020101020101" pitchFamily="18" charset="-127"/>
+                <a:ea typeface="1훈새마을운동 R" panose="02020603020101020101" pitchFamily="18" charset="-127"/>
+              </a:rPr>
+              <a:t>	</a:t>
+            </a:r>
+            <a:r>
+              <a:rPr lang="en-US" altLang="ko-KR" sz="1500">
+                <a:solidFill>
+                  <a:schemeClr val="tx1"/>
+                </a:solidFill>
+                <a:latin typeface="1훈새마을운동 R" panose="02020603020101020101" pitchFamily="18" charset="-127"/>
+                <a:ea typeface="1훈새마을운동 R" panose="02020603020101020101" pitchFamily="18" charset="-127"/>
+              </a:rPr>
+              <a:t>	</a:t>
+            </a:r>
+            <a:r>
+              <a:rPr lang="en-US" altLang="ko-KR" sz="1500" smtClean="0">
+                <a:solidFill>
+                  <a:schemeClr val="tx1"/>
+                </a:solidFill>
+                <a:latin typeface="1훈새마을운동 R" panose="02020603020101020101" pitchFamily="18" charset="-127"/>
+                <a:ea typeface="1훈새마을운동 R" panose="02020603020101020101" pitchFamily="18" charset="-127"/>
+              </a:rPr>
+              <a:t>}</a:t>
+            </a:r>
+            <a:r>
+              <a:rPr lang="en-US" altLang="ko-KR" sz="1500">
+                <a:solidFill>
+                  <a:schemeClr val="tx1"/>
+                </a:solidFill>
+                <a:latin typeface="1훈새마을운동 R" panose="02020603020101020101" pitchFamily="18" charset="-127"/>
+                <a:ea typeface="1훈새마을운동 R" panose="02020603020101020101" pitchFamily="18" charset="-127"/>
+              </a:rPr>
+              <a:t>catch (Exception e) {}</a:t>
+            </a:r>
+          </a:p>
+          <a:p>
+            <a:r>
+              <a:rPr lang="en-US" altLang="ko-KR" sz="1500">
+                <a:solidFill>
+                  <a:schemeClr val="tx1"/>
+                </a:solidFill>
+                <a:latin typeface="1훈새마을운동 R" panose="02020603020101020101" pitchFamily="18" charset="-127"/>
+                <a:ea typeface="1훈새마을운동 R" panose="02020603020101020101" pitchFamily="18" charset="-127"/>
+              </a:rPr>
+              <a:t>	</a:t>
+            </a:r>
+            <a:r>
+              <a:rPr lang="en-US" altLang="ko-KR" sz="1500" smtClean="0">
+                <a:solidFill>
+                  <a:schemeClr val="tx1"/>
+                </a:solidFill>
+                <a:latin typeface="1훈새마을운동 R" panose="02020603020101020101" pitchFamily="18" charset="-127"/>
+                <a:ea typeface="1훈새마을운동 R" panose="02020603020101020101" pitchFamily="18" charset="-127"/>
+              </a:rPr>
+              <a:t>}</a:t>
+            </a:r>
+            <a:endParaRPr lang="en-US" altLang="ko-KR" sz="1500">
               <a:solidFill>
                 <a:schemeClr val="tx1"/>
               </a:solidFill>
@@ -35228,281 +35692,7 @@
             </a:endParaRPr>
           </a:p>
           <a:p>
-            <a:r>
-              <a:rPr lang="ko-KR" altLang="en-US" smtClean="0">
-                <a:solidFill>
-                  <a:schemeClr val="tx1"/>
-                </a:solidFill>
-                <a:latin typeface="1훈새마을운동 R" panose="02020603020101020101" pitchFamily="18" charset="-127"/>
-                <a:ea typeface="1훈새마을운동 R" panose="02020603020101020101" pitchFamily="18" charset="-127"/>
-              </a:rPr>
-              <a:t> </a:t>
-            </a:r>
-            <a:r>
-              <a:rPr lang="en-US" altLang="ko-KR" smtClean="0">
-                <a:solidFill>
-                  <a:schemeClr val="tx1"/>
-                </a:solidFill>
-                <a:latin typeface="1훈새마을운동 R" panose="02020603020101020101" pitchFamily="18" charset="-127"/>
-                <a:ea typeface="1훈새마을운동 R" panose="02020603020101020101" pitchFamily="18" charset="-127"/>
-              </a:rPr>
-              <a:t>	1. </a:t>
-            </a:r>
-            <a:r>
-              <a:rPr lang="en-US" altLang="ko-KR" smtClean="0">
-                <a:latin typeface="1훈새마을운동 R" panose="02020603020101020101" pitchFamily="18" charset="-127"/>
-                <a:ea typeface="1훈새마을운동 R" panose="02020603020101020101" pitchFamily="18" charset="-127"/>
-              </a:rPr>
-              <a:t>Connection		DB </a:t>
-            </a:r>
-            <a:r>
-              <a:rPr lang="ko-KR" altLang="en-US" smtClean="0">
-                <a:latin typeface="1훈새마을운동 R" panose="02020603020101020101" pitchFamily="18" charset="-127"/>
-                <a:ea typeface="1훈새마을운동 R" panose="02020603020101020101" pitchFamily="18" charset="-127"/>
-              </a:rPr>
-              <a:t>연결 인터페이스 </a:t>
-            </a:r>
-            <a:endParaRPr lang="en-US" altLang="ko-KR" smtClean="0">
-              <a:latin typeface="1훈새마을운동 R" panose="02020603020101020101" pitchFamily="18" charset="-127"/>
-              <a:ea typeface="1훈새마을운동 R" panose="02020603020101020101" pitchFamily="18" charset="-127"/>
-            </a:endParaRPr>
-          </a:p>
-          <a:p>
-            <a:r>
-              <a:rPr lang="en-US" altLang="ko-KR">
-                <a:latin typeface="1훈새마을운동 R" panose="02020603020101020101" pitchFamily="18" charset="-127"/>
-                <a:ea typeface="1훈새마을운동 R" panose="02020603020101020101" pitchFamily="18" charset="-127"/>
-              </a:rPr>
-              <a:t>	</a:t>
-            </a:r>
-            <a:r>
-              <a:rPr lang="en-US" altLang="ko-KR" smtClean="0">
-                <a:latin typeface="1훈새마을운동 R" panose="02020603020101020101" pitchFamily="18" charset="-127"/>
-                <a:ea typeface="1훈새마을운동 R" panose="02020603020101020101" pitchFamily="18" charset="-127"/>
-              </a:rPr>
-              <a:t>	* DriverManager.getConnection(  )</a:t>
-            </a:r>
-          </a:p>
-          <a:p>
-            <a:r>
-              <a:rPr lang="en-US" altLang="ko-KR">
-                <a:solidFill>
-                  <a:schemeClr val="tx1"/>
-                </a:solidFill>
-                <a:latin typeface="1훈새마을운동 R" panose="02020603020101020101" pitchFamily="18" charset="-127"/>
-                <a:ea typeface="1훈새마을운동 R" panose="02020603020101020101" pitchFamily="18" charset="-127"/>
-              </a:rPr>
-              <a:t>	</a:t>
-            </a:r>
-            <a:r>
-              <a:rPr lang="en-US" altLang="ko-KR" smtClean="0">
-                <a:solidFill>
-                  <a:schemeClr val="tx1"/>
-                </a:solidFill>
-                <a:latin typeface="1훈새마을운동 R" panose="02020603020101020101" pitchFamily="18" charset="-127"/>
-                <a:ea typeface="1훈새마을운동 R" panose="02020603020101020101" pitchFamily="18" charset="-127"/>
-              </a:rPr>
-              <a:t>2. </a:t>
-            </a:r>
-            <a:r>
-              <a:rPr lang="en-US" altLang="ko-KR" smtClean="0">
-                <a:latin typeface="1훈새마을운동 R" panose="02020603020101020101" pitchFamily="18" charset="-127"/>
-                <a:ea typeface="1훈새마을운동 R" panose="02020603020101020101" pitchFamily="18" charset="-127"/>
-              </a:rPr>
-              <a:t>PreparedStatement	SQL </a:t>
-            </a:r>
-            <a:r>
-              <a:rPr lang="ko-KR" altLang="en-US" smtClean="0">
-                <a:latin typeface="1훈새마을운동 R" panose="02020603020101020101" pitchFamily="18" charset="-127"/>
-                <a:ea typeface="1훈새마을운동 R" panose="02020603020101020101" pitchFamily="18" charset="-127"/>
-              </a:rPr>
-              <a:t>연결 조</a:t>
-            </a:r>
-            <a:r>
-              <a:rPr lang="ko-KR" altLang="en-US">
-                <a:latin typeface="1훈새마을운동 R" panose="02020603020101020101" pitchFamily="18" charset="-127"/>
-                <a:ea typeface="1훈새마을운동 R" panose="02020603020101020101" pitchFamily="18" charset="-127"/>
-              </a:rPr>
-              <a:t>작</a:t>
-            </a:r>
-            <a:r>
-              <a:rPr lang="ko-KR" altLang="en-US" smtClean="0">
-                <a:latin typeface="1훈새마을운동 R" panose="02020603020101020101" pitchFamily="18" charset="-127"/>
-                <a:ea typeface="1훈새마을운동 R" panose="02020603020101020101" pitchFamily="18" charset="-127"/>
-              </a:rPr>
-              <a:t> 인터페이스 </a:t>
-            </a:r>
-            <a:endParaRPr lang="en-US" altLang="ko-KR" smtClean="0">
-              <a:latin typeface="1훈새마을운동 R" panose="02020603020101020101" pitchFamily="18" charset="-127"/>
-              <a:ea typeface="1훈새마을운동 R" panose="02020603020101020101" pitchFamily="18" charset="-127"/>
-            </a:endParaRPr>
-          </a:p>
-          <a:p>
-            <a:r>
-              <a:rPr lang="en-US" altLang="ko-KR">
-                <a:latin typeface="1훈새마을운동 R" panose="02020603020101020101" pitchFamily="18" charset="-127"/>
-                <a:ea typeface="1훈새마을운동 R" panose="02020603020101020101" pitchFamily="18" charset="-127"/>
-              </a:rPr>
-              <a:t>	</a:t>
-            </a:r>
-            <a:r>
-              <a:rPr lang="en-US" altLang="ko-KR" smtClean="0">
-                <a:latin typeface="1훈새마을운동 R" panose="02020603020101020101" pitchFamily="18" charset="-127"/>
-                <a:ea typeface="1훈새마을운동 R" panose="02020603020101020101" pitchFamily="18" charset="-127"/>
-              </a:rPr>
-              <a:t>	* ? </a:t>
-            </a:r>
-            <a:r>
-              <a:rPr lang="ko-KR" altLang="en-US" smtClean="0">
-                <a:latin typeface="1훈새마을운동 R" panose="02020603020101020101" pitchFamily="18" charset="-127"/>
-                <a:ea typeface="1훈새마을운동 R" panose="02020603020101020101" pitchFamily="18" charset="-127"/>
-              </a:rPr>
-              <a:t>에 데이터 </a:t>
-            </a:r>
-            <a:r>
-              <a:rPr lang="ko-KR" altLang="en-US" smtClean="0">
-                <a:latin typeface="1훈새마을운동 R" panose="02020603020101020101" pitchFamily="18" charset="-127"/>
-                <a:ea typeface="1훈새마을운동 R" panose="02020603020101020101" pitchFamily="18" charset="-127"/>
-              </a:rPr>
-              <a:t>넣기</a:t>
-            </a:r>
-            <a:endParaRPr lang="en-US" altLang="ko-KR">
-              <a:latin typeface="1훈새마을운동 R" panose="02020603020101020101" pitchFamily="18" charset="-127"/>
-              <a:ea typeface="1훈새마을운동 R" panose="02020603020101020101" pitchFamily="18" charset="-127"/>
-            </a:endParaRPr>
-          </a:p>
-          <a:p>
-            <a:r>
-              <a:rPr lang="en-US" altLang="ko-KR" smtClean="0">
-                <a:latin typeface="1훈새마을운동 R" panose="02020603020101020101" pitchFamily="18" charset="-127"/>
-                <a:ea typeface="1훈새마을운동 R" panose="02020603020101020101" pitchFamily="18" charset="-127"/>
-              </a:rPr>
-              <a:t>		* </a:t>
-            </a:r>
-            <a:r>
-              <a:rPr lang="en-US" altLang="ko-KR" smtClean="0">
-                <a:latin typeface="1훈새마을운동 R" panose="02020603020101020101" pitchFamily="18" charset="-127"/>
-                <a:ea typeface="1훈새마을운동 R" panose="02020603020101020101" pitchFamily="18" charset="-127"/>
-              </a:rPr>
-              <a:t>preparedStatement.executeQuery(); 		: Select</a:t>
-            </a:r>
-          </a:p>
-          <a:p>
-            <a:r>
-              <a:rPr lang="en-US" altLang="ko-KR">
-                <a:latin typeface="1훈새마을운동 R" panose="02020603020101020101" pitchFamily="18" charset="-127"/>
-                <a:ea typeface="1훈새마을운동 R" panose="02020603020101020101" pitchFamily="18" charset="-127"/>
-              </a:rPr>
-              <a:t>	</a:t>
-            </a:r>
-            <a:r>
-              <a:rPr lang="en-US" altLang="ko-KR" smtClean="0">
-                <a:latin typeface="1훈새마을운동 R" panose="02020603020101020101" pitchFamily="18" charset="-127"/>
-                <a:ea typeface="1훈새마을운동 R" panose="02020603020101020101" pitchFamily="18" charset="-127"/>
-              </a:rPr>
-              <a:t>	* </a:t>
-            </a:r>
-            <a:r>
-              <a:rPr lang="en-US" altLang="ko-KR" smtClean="0">
-                <a:latin typeface="1훈새마을운동 R" panose="02020603020101020101" pitchFamily="18" charset="-127"/>
-                <a:ea typeface="1훈새마을운동 R" panose="02020603020101020101" pitchFamily="18" charset="-127"/>
-              </a:rPr>
-              <a:t>preparedStatement.executeUpdate(); 		: insert , update , delete</a:t>
-            </a:r>
-            <a:endParaRPr lang="en-US" altLang="ko-KR" smtClean="0">
-              <a:latin typeface="1훈새마을운동 R" panose="02020603020101020101" pitchFamily="18" charset="-127"/>
-              <a:ea typeface="1훈새마을운동 R" panose="02020603020101020101" pitchFamily="18" charset="-127"/>
-            </a:endParaRPr>
-          </a:p>
-          <a:p>
-            <a:r>
-              <a:rPr lang="en-US" altLang="ko-KR">
-                <a:solidFill>
-                  <a:schemeClr val="tx1"/>
-                </a:solidFill>
-                <a:latin typeface="1훈새마을운동 R" panose="02020603020101020101" pitchFamily="18" charset="-127"/>
-                <a:ea typeface="1훈새마을운동 R" panose="02020603020101020101" pitchFamily="18" charset="-127"/>
-              </a:rPr>
-              <a:t>	</a:t>
-            </a:r>
-            <a:r>
-              <a:rPr lang="en-US" altLang="ko-KR" smtClean="0">
-                <a:solidFill>
-                  <a:schemeClr val="tx1"/>
-                </a:solidFill>
-                <a:latin typeface="1훈새마을운동 R" panose="02020603020101020101" pitchFamily="18" charset="-127"/>
-                <a:ea typeface="1훈새마을운동 R" panose="02020603020101020101" pitchFamily="18" charset="-127"/>
-              </a:rPr>
-              <a:t>3. </a:t>
-            </a:r>
-            <a:r>
-              <a:rPr lang="en-US" altLang="ko-KR">
-                <a:latin typeface="1훈새마을운동 R" panose="02020603020101020101" pitchFamily="18" charset="-127"/>
-                <a:ea typeface="1훈새마을운동 R" panose="02020603020101020101" pitchFamily="18" charset="-127"/>
-              </a:rPr>
-              <a:t>ResultSet</a:t>
-            </a:r>
-            <a:r>
-              <a:rPr lang="en-US" altLang="ko-KR" smtClean="0">
-                <a:solidFill>
-                  <a:schemeClr val="tx1"/>
-                </a:solidFill>
-                <a:latin typeface="1훈새마을운동 R" panose="02020603020101020101" pitchFamily="18" charset="-127"/>
-                <a:ea typeface="1훈새마을운동 R" panose="02020603020101020101" pitchFamily="18" charset="-127"/>
-              </a:rPr>
-              <a:t>		SQL </a:t>
-            </a:r>
-            <a:r>
-              <a:rPr lang="ko-KR" altLang="en-US" smtClean="0">
-                <a:solidFill>
-                  <a:schemeClr val="tx1"/>
-                </a:solidFill>
-                <a:latin typeface="1훈새마을운동 R" panose="02020603020101020101" pitchFamily="18" charset="-127"/>
-                <a:ea typeface="1훈새마을운동 R" panose="02020603020101020101" pitchFamily="18" charset="-127"/>
-              </a:rPr>
-              <a:t>결과</a:t>
-            </a:r>
-            <a:r>
-              <a:rPr lang="en-US" altLang="ko-KR" smtClean="0">
-                <a:solidFill>
-                  <a:schemeClr val="tx1"/>
-                </a:solidFill>
-                <a:latin typeface="1훈새마을운동 R" panose="02020603020101020101" pitchFamily="18" charset="-127"/>
-                <a:ea typeface="1훈새마을운동 R" panose="02020603020101020101" pitchFamily="18" charset="-127"/>
-              </a:rPr>
-              <a:t>[</a:t>
-            </a:r>
-            <a:r>
-              <a:rPr lang="ko-KR" altLang="en-US" smtClean="0">
-                <a:solidFill>
-                  <a:schemeClr val="tx1"/>
-                </a:solidFill>
-                <a:latin typeface="1훈새마을운동 R" panose="02020603020101020101" pitchFamily="18" charset="-127"/>
-                <a:ea typeface="1훈새마을운동 R" panose="02020603020101020101" pitchFamily="18" charset="-127"/>
-              </a:rPr>
-              <a:t>쿼리</a:t>
-            </a:r>
-            <a:r>
-              <a:rPr lang="en-US" altLang="ko-KR" smtClean="0">
-                <a:solidFill>
-                  <a:schemeClr val="tx1"/>
-                </a:solidFill>
-                <a:latin typeface="1훈새마을운동 R" panose="02020603020101020101" pitchFamily="18" charset="-127"/>
-                <a:ea typeface="1훈새마을운동 R" panose="02020603020101020101" pitchFamily="18" charset="-127"/>
-              </a:rPr>
-              <a:t>] </a:t>
-            </a:r>
-            <a:r>
-              <a:rPr lang="ko-KR" altLang="en-US" smtClean="0">
-                <a:solidFill>
-                  <a:schemeClr val="tx1"/>
-                </a:solidFill>
-                <a:latin typeface="1훈새마을운동 R" panose="02020603020101020101" pitchFamily="18" charset="-127"/>
-                <a:ea typeface="1훈새마을운동 R" panose="02020603020101020101" pitchFamily="18" charset="-127"/>
-              </a:rPr>
-              <a:t> 연결 인터페이스</a:t>
-            </a:r>
-            <a:endParaRPr lang="en-US" altLang="ko-KR" smtClean="0">
+            <a:endParaRPr lang="en-US" altLang="ko-KR" sz="1500">
               <a:solidFill>
                 <a:schemeClr val="tx1"/>
               </a:solidFill>
@@ -35512,7 +35702,7 @@
           </a:p>
           <a:p>
             <a:r>
-              <a:rPr lang="en-US" altLang="ko-KR">
+              <a:rPr lang="en-US" altLang="ko-KR" sz="1500">
                 <a:solidFill>
                   <a:schemeClr val="tx1"/>
                 </a:solidFill>
@@ -35522,26 +35712,48 @@
               <a:t>	</a:t>
             </a:r>
             <a:r>
-              <a:rPr lang="en-US" altLang="ko-KR" smtClean="0">
-                <a:solidFill>
-                  <a:schemeClr val="tx1"/>
-                </a:solidFill>
-                <a:latin typeface="1훈새마을운동 R" panose="02020603020101020101" pitchFamily="18" charset="-127"/>
-                <a:ea typeface="1훈새마을운동 R" panose="02020603020101020101" pitchFamily="18" charset="-127"/>
-              </a:rPr>
-              <a:t>	.next : </a:t>
-            </a:r>
-            <a:r>
-              <a:rPr lang="ko-KR" altLang="en-US" smtClean="0">
-                <a:solidFill>
-                  <a:schemeClr val="tx1"/>
-                </a:solidFill>
-                <a:latin typeface="1훈새마을운동 R" panose="02020603020101020101" pitchFamily="18" charset="-127"/>
-                <a:ea typeface="1훈새마을운동 R" panose="02020603020101020101" pitchFamily="18" charset="-127"/>
-              </a:rPr>
-              <a:t>쿼리 결과의 다음 레코드 가져오기 </a:t>
-            </a:r>
-            <a:endParaRPr lang="en-US" altLang="ko-KR" smtClean="0">
+              <a:rPr lang="en-US" altLang="ko-KR" sz="1500" smtClean="0">
+                <a:solidFill>
+                  <a:schemeClr val="tx1"/>
+                </a:solidFill>
+                <a:latin typeface="1훈새마을운동 R" panose="02020603020101020101" pitchFamily="18" charset="-127"/>
+                <a:ea typeface="1훈새마을운동 R" panose="02020603020101020101" pitchFamily="18" charset="-127"/>
+              </a:rPr>
+              <a:t>public </a:t>
+            </a:r>
+            <a:r>
+              <a:rPr lang="en-US" altLang="ko-KR" sz="1500">
+                <a:solidFill>
+                  <a:schemeClr val="tx1"/>
+                </a:solidFill>
+                <a:latin typeface="1훈새마을운동 R" panose="02020603020101020101" pitchFamily="18" charset="-127"/>
+                <a:ea typeface="1훈새마을운동 R" panose="02020603020101020101" pitchFamily="18" charset="-127"/>
+              </a:rPr>
+              <a:t>static ProductDao getProductDao() { return productDao</a:t>
+            </a:r>
+            <a:r>
+              <a:rPr lang="en-US" altLang="ko-KR" sz="1500">
+                <a:solidFill>
+                  <a:schemeClr val="tx1"/>
+                </a:solidFill>
+                <a:latin typeface="1훈새마을운동 R" panose="02020603020101020101" pitchFamily="18" charset="-127"/>
+                <a:ea typeface="1훈새마을운동 R" panose="02020603020101020101" pitchFamily="18" charset="-127"/>
+              </a:rPr>
+              <a:t>; </a:t>
+            </a:r>
+            <a:r>
+              <a:rPr lang="en-US" altLang="ko-KR" sz="1500" smtClean="0">
+                <a:solidFill>
+                  <a:schemeClr val="tx1"/>
+                </a:solidFill>
+                <a:latin typeface="1훈새마을운동 R" panose="02020603020101020101" pitchFamily="18" charset="-127"/>
+                <a:ea typeface="1훈새마을운동 R" panose="02020603020101020101" pitchFamily="18" charset="-127"/>
+              </a:rPr>
+              <a:t>}</a:t>
+            </a:r>
+          </a:p>
+          <a:p>
+            <a:endParaRPr lang="en-US" altLang="ko-KR" sz="1500" smtClean="0">
               <a:solidFill>
                 <a:schemeClr val="tx1"/>
               </a:solidFill>
@@ -35550,58 +35762,7 @@
             </a:endParaRPr>
           </a:p>
           <a:p>
-            <a:r>
-              <a:rPr lang="en-US" altLang="ko-KR" smtClean="0">
-                <a:solidFill>
-                  <a:schemeClr val="tx1"/>
-                </a:solidFill>
-                <a:latin typeface="1훈새마을운동 R" panose="02020603020101020101" pitchFamily="18" charset="-127"/>
-                <a:ea typeface="1훈새마을운동 R" panose="02020603020101020101" pitchFamily="18" charset="-127"/>
-              </a:rPr>
-              <a:t>		</a:t>
-            </a:r>
-            <a:r>
-              <a:rPr lang="en-US" altLang="ko-KR">
-                <a:latin typeface="1훈새마을운동 R" panose="02020603020101020101" pitchFamily="18" charset="-127"/>
-                <a:ea typeface="1훈새마을운동 R" panose="02020603020101020101" pitchFamily="18" charset="-127"/>
-              </a:rPr>
-              <a:t>.</a:t>
-            </a:r>
-            <a:r>
-              <a:rPr lang="en-US" altLang="ko-KR" smtClean="0">
-                <a:latin typeface="1훈새마을운동 R" panose="02020603020101020101" pitchFamily="18" charset="-127"/>
-                <a:ea typeface="1훈새마을운동 R" panose="02020603020101020101" pitchFamily="18" charset="-127"/>
-              </a:rPr>
-              <a:t>get</a:t>
-            </a:r>
-            <a:r>
-              <a:rPr lang="ko-KR" altLang="en-US" smtClean="0">
-                <a:latin typeface="1훈새마을운동 R" panose="02020603020101020101" pitchFamily="18" charset="-127"/>
-                <a:ea typeface="1훈새마을운동 R" panose="02020603020101020101" pitchFamily="18" charset="-127"/>
-              </a:rPr>
-              <a:t>자료형</a:t>
-            </a:r>
-            <a:r>
-              <a:rPr lang="en-US" altLang="ko-KR" smtClean="0">
-                <a:latin typeface="1훈새마을운동 R" panose="02020603020101020101" pitchFamily="18" charset="-127"/>
-                <a:ea typeface="1훈새마을운동 R" panose="02020603020101020101" pitchFamily="18" charset="-127"/>
-              </a:rPr>
-              <a:t> : </a:t>
-            </a:r>
-            <a:r>
-              <a:rPr lang="ko-KR" altLang="en-US" smtClean="0">
-                <a:latin typeface="1훈새마을운동 R" panose="02020603020101020101" pitchFamily="18" charset="-127"/>
-                <a:ea typeface="1훈새마을운동 R" panose="02020603020101020101" pitchFamily="18" charset="-127"/>
-              </a:rPr>
-              <a:t>현재 레코드의 필드 가져오기 </a:t>
-            </a:r>
-            <a:endParaRPr lang="en-US" altLang="ko-KR" smtClean="0">
-              <a:latin typeface="1훈새마을운동 R" panose="02020603020101020101" pitchFamily="18" charset="-127"/>
-              <a:ea typeface="1훈새마을운동 R" panose="02020603020101020101" pitchFamily="18" charset="-127"/>
-            </a:endParaRPr>
-          </a:p>
-          <a:p>
-            <a:endParaRPr lang="en-US" altLang="ko-KR" smtClean="0">
+            <a:endParaRPr lang="en-US" altLang="ko-KR" sz="1500">
               <a:solidFill>
                 <a:schemeClr val="tx1"/>
               </a:solidFill>
@@ -35609,12 +35770,45 @@
               <a:ea typeface="1훈새마을운동 R" panose="02020603020101020101" pitchFamily="18" charset="-127"/>
             </a:endParaRPr>
           </a:p>
+          <a:p>
+            <a:r>
+              <a:rPr lang="en-US" altLang="ko-KR" sz="1500" smtClean="0">
+                <a:solidFill>
+                  <a:schemeClr val="tx1"/>
+                </a:solidFill>
+                <a:latin typeface="1훈새마을운동 R" panose="02020603020101020101" pitchFamily="18" charset="-127"/>
+                <a:ea typeface="1훈새마을운동 R" panose="02020603020101020101" pitchFamily="18" charset="-127"/>
+              </a:rPr>
+              <a:t>	</a:t>
+            </a:r>
+            <a:r>
+              <a:rPr lang="en-US" altLang="ko-KR" sz="1600" smtClean="0">
+                <a:latin typeface="1훈새마을운동 R" panose="02020603020101020101" pitchFamily="18" charset="-127"/>
+                <a:ea typeface="1훈새마을운동 R" panose="02020603020101020101" pitchFamily="18" charset="-127"/>
+              </a:rPr>
+              <a:t>ProductDao.getProductDao</a:t>
+            </a:r>
+            <a:r>
+              <a:rPr lang="en-US" altLang="ko-KR" sz="1600">
+                <a:latin typeface="1훈새마을운동 R" panose="02020603020101020101" pitchFamily="18" charset="-127"/>
+                <a:ea typeface="1훈새마을운동 R" panose="02020603020101020101" pitchFamily="18" charset="-127"/>
+              </a:rPr>
+              <a:t>().register(product);</a:t>
+            </a:r>
+            <a:endParaRPr lang="en-US" altLang="ko-KR" sz="1500">
+              <a:solidFill>
+                <a:schemeClr val="tx1"/>
+              </a:solidFill>
+              <a:latin typeface="1훈새마을운동 R" panose="02020603020101020101" pitchFamily="18" charset="-127"/>
+              <a:ea typeface="1훈새마을운동 R" panose="02020603020101020101" pitchFamily="18" charset="-127"/>
+            </a:endParaRPr>
+          </a:p>
         </p:txBody>
       </p:sp>
     </p:spTree>
     <p:extLst>
       <p:ext uri="{BB962C8B-B14F-4D97-AF65-F5344CB8AC3E}">
-        <p14:creationId xmlns:p14="http://schemas.microsoft.com/office/powerpoint/2010/main" val="3218972104"/>
+        <p14:creationId xmlns:p14="http://schemas.microsoft.com/office/powerpoint/2010/main" val="2110355730"/>
       </p:ext>
     </p:extLst>
   </p:cSld>
@@ -35643,7 +35837,7 @@
       </p:grpSpPr>
       <p:sp>
         <p:nvSpPr>
-          <p:cNvPr id="4" name="직사각형 3"/>
+          <p:cNvPr id="5" name="직사각형 4"/>
           <p:cNvSpPr/>
           <p:nvPr/>
         </p:nvSpPr>
@@ -35683,69 +35877,130 @@
                 <a:latin typeface="1훈새마을운동 R" panose="02020603020101020101" pitchFamily="18" charset="-127"/>
                 <a:ea typeface="1훈새마을운동 R" panose="02020603020101020101" pitchFamily="18" charset="-127"/>
               </a:rPr>
-              <a:t>*Database </a:t>
-            </a:r>
-          </a:p>
-          <a:p>
-            <a:r>
-              <a:rPr lang="en-US" altLang="ko-KR">
-                <a:solidFill>
-                  <a:schemeClr val="tx1"/>
-                </a:solidFill>
-                <a:latin typeface="1훈새마을운동 R" panose="02020603020101020101" pitchFamily="18" charset="-127"/>
-                <a:ea typeface="1훈새마을운동 R" panose="02020603020101020101" pitchFamily="18" charset="-127"/>
-              </a:rPr>
-              <a:t>	</a:t>
-            </a:r>
-            <a:r>
-              <a:rPr lang="en-US" altLang="ko-KR" smtClean="0">
-                <a:solidFill>
-                  <a:schemeClr val="tx1"/>
-                </a:solidFill>
-                <a:latin typeface="1훈새마을운동 R" panose="02020603020101020101" pitchFamily="18" charset="-127"/>
-                <a:ea typeface="1훈새마을운동 R" panose="02020603020101020101" pitchFamily="18" charset="-127"/>
-              </a:rPr>
-              <a:t>*</a:t>
-            </a:r>
-            <a:r>
-              <a:rPr lang="ko-KR" altLang="en-US" smtClean="0">
-                <a:solidFill>
-                  <a:schemeClr val="tx1"/>
-                </a:solidFill>
-                <a:latin typeface="1훈새마을운동 R" panose="02020603020101020101" pitchFamily="18" charset="-127"/>
-                <a:ea typeface="1훈새마을운동 R" panose="02020603020101020101" pitchFamily="18" charset="-127"/>
-              </a:rPr>
-              <a:t>데이터집합 </a:t>
-            </a:r>
-            <a:r>
-              <a:rPr lang="en-US" altLang="ko-KR" smtClean="0">
-                <a:solidFill>
-                  <a:schemeClr val="tx1"/>
-                </a:solidFill>
-                <a:latin typeface="1훈새마을운동 R" panose="02020603020101020101" pitchFamily="18" charset="-127"/>
-                <a:ea typeface="1훈새마을운동 R" panose="02020603020101020101" pitchFamily="18" charset="-127"/>
-              </a:rPr>
-              <a:t>-&gt;</a:t>
-            </a:r>
-            <a:r>
-              <a:rPr lang="ko-KR" altLang="en-US">
-                <a:solidFill>
-                  <a:schemeClr val="tx1"/>
-                </a:solidFill>
-                <a:latin typeface="1훈새마을운동 R" panose="02020603020101020101" pitchFamily="18" charset="-127"/>
-                <a:ea typeface="1훈새마을운동 R" panose="02020603020101020101" pitchFamily="18" charset="-127"/>
-              </a:rPr>
-              <a:t> </a:t>
-            </a:r>
-            <a:r>
-              <a:rPr lang="ko-KR" altLang="en-US" smtClean="0">
-                <a:solidFill>
-                  <a:schemeClr val="tx1"/>
-                </a:solidFill>
-                <a:latin typeface="1훈새마을운동 R" panose="02020603020101020101" pitchFamily="18" charset="-127"/>
-                <a:ea typeface="1훈새마을운동 R" panose="02020603020101020101" pitchFamily="18" charset="-127"/>
-              </a:rPr>
-              <a:t>테이블 관리</a:t>
+              <a:t>*CRUD [ </a:t>
+            </a:r>
+            <a:r>
+              <a:rPr lang="ko-KR" altLang="en-US" smtClean="0">
+                <a:solidFill>
+                  <a:schemeClr val="tx1"/>
+                </a:solidFill>
+                <a:latin typeface="1훈새마을운동 R" panose="02020603020101020101" pitchFamily="18" charset="-127"/>
+                <a:ea typeface="1훈새마을운동 R" panose="02020603020101020101" pitchFamily="18" charset="-127"/>
+              </a:rPr>
+              <a:t>생성 </a:t>
+            </a:r>
+            <a:r>
+              <a:rPr lang="en-US" altLang="ko-KR" smtClean="0">
+                <a:solidFill>
+                  <a:schemeClr val="tx1"/>
+                </a:solidFill>
+                <a:latin typeface="1훈새마을운동 R" panose="02020603020101020101" pitchFamily="18" charset="-127"/>
+                <a:ea typeface="1훈새마을운동 R" panose="02020603020101020101" pitchFamily="18" charset="-127"/>
+              </a:rPr>
+              <a:t>, </a:t>
+            </a:r>
+            <a:r>
+              <a:rPr lang="ko-KR" altLang="en-US" smtClean="0">
+                <a:solidFill>
+                  <a:schemeClr val="tx1"/>
+                </a:solidFill>
+                <a:latin typeface="1훈새마을운동 R" panose="02020603020101020101" pitchFamily="18" charset="-127"/>
+                <a:ea typeface="1훈새마을운동 R" panose="02020603020101020101" pitchFamily="18" charset="-127"/>
+              </a:rPr>
+              <a:t>읽기 </a:t>
+            </a:r>
+            <a:r>
+              <a:rPr lang="en-US" altLang="ko-KR" smtClean="0">
+                <a:solidFill>
+                  <a:schemeClr val="tx1"/>
+                </a:solidFill>
+                <a:latin typeface="1훈새마을운동 R" panose="02020603020101020101" pitchFamily="18" charset="-127"/>
+                <a:ea typeface="1훈새마을운동 R" panose="02020603020101020101" pitchFamily="18" charset="-127"/>
+              </a:rPr>
+              <a:t>, </a:t>
+            </a:r>
+            <a:r>
+              <a:rPr lang="ko-KR" altLang="en-US" smtClean="0">
+                <a:solidFill>
+                  <a:schemeClr val="tx1"/>
+                </a:solidFill>
+                <a:latin typeface="1훈새마을운동 R" panose="02020603020101020101" pitchFamily="18" charset="-127"/>
+                <a:ea typeface="1훈새마을운동 R" panose="02020603020101020101" pitchFamily="18" charset="-127"/>
+              </a:rPr>
+              <a:t>수정 </a:t>
+            </a:r>
+            <a:r>
+              <a:rPr lang="en-US" altLang="ko-KR" smtClean="0">
+                <a:solidFill>
+                  <a:schemeClr val="tx1"/>
+                </a:solidFill>
+                <a:latin typeface="1훈새마을운동 R" panose="02020603020101020101" pitchFamily="18" charset="-127"/>
+                <a:ea typeface="1훈새마을운동 R" panose="02020603020101020101" pitchFamily="18" charset="-127"/>
+              </a:rPr>
+              <a:t>, </a:t>
+            </a:r>
+            <a:r>
+              <a:rPr lang="ko-KR" altLang="en-US" smtClean="0">
+                <a:solidFill>
+                  <a:schemeClr val="tx1"/>
+                </a:solidFill>
+                <a:latin typeface="1훈새마을운동 R" panose="02020603020101020101" pitchFamily="18" charset="-127"/>
+                <a:ea typeface="1훈새마을운동 R" panose="02020603020101020101" pitchFamily="18" charset="-127"/>
+              </a:rPr>
+              <a:t>삭제 </a:t>
+            </a:r>
+            <a:r>
+              <a:rPr lang="en-US" altLang="ko-KR" smtClean="0">
+                <a:solidFill>
+                  <a:schemeClr val="tx1"/>
+                </a:solidFill>
+                <a:latin typeface="1훈새마을운동 R" panose="02020603020101020101" pitchFamily="18" charset="-127"/>
+                <a:ea typeface="1훈새마을운동 R" panose="02020603020101020101" pitchFamily="18" charset="-127"/>
+              </a:rPr>
+              <a:t>]</a:t>
+            </a:r>
+          </a:p>
+          <a:p>
+            <a:endParaRPr lang="en-US" altLang="ko-KR">
+              <a:solidFill>
+                <a:schemeClr val="tx1"/>
+              </a:solidFill>
+              <a:latin typeface="1훈새마을운동 R" panose="02020603020101020101" pitchFamily="18" charset="-127"/>
+              <a:ea typeface="1훈새마을운동 R" panose="02020603020101020101" pitchFamily="18" charset="-127"/>
+            </a:endParaRPr>
+          </a:p>
+          <a:p>
+            <a:r>
+              <a:rPr lang="en-US" altLang="ko-KR" smtClean="0">
+                <a:solidFill>
+                  <a:schemeClr val="tx1"/>
+                </a:solidFill>
+                <a:latin typeface="1훈새마을운동 R" panose="02020603020101020101" pitchFamily="18" charset="-127"/>
+                <a:ea typeface="1훈새마을운동 R" panose="02020603020101020101" pitchFamily="18" charset="-127"/>
+              </a:rPr>
+              <a:t>*MVC [ Model , View , Controller ] </a:t>
+            </a:r>
+          </a:p>
+          <a:p>
+            <a:r>
+              <a:rPr lang="en-US" altLang="ko-KR" smtClean="0">
+                <a:solidFill>
+                  <a:schemeClr val="tx1"/>
+                </a:solidFill>
+                <a:latin typeface="1훈새마을운동 R" panose="02020603020101020101" pitchFamily="18" charset="-127"/>
+                <a:ea typeface="1훈새마을운동 R" panose="02020603020101020101" pitchFamily="18" charset="-127"/>
+              </a:rPr>
+              <a:t>	1. Model : </a:t>
+            </a:r>
+            <a:r>
+              <a:rPr lang="ko-KR" altLang="en-US" smtClean="0">
+                <a:solidFill>
+                  <a:schemeClr val="tx1"/>
+                </a:solidFill>
+                <a:latin typeface="1훈새마을운동 R" panose="02020603020101020101" pitchFamily="18" charset="-127"/>
+                <a:ea typeface="1훈새마을운동 R" panose="02020603020101020101" pitchFamily="18" charset="-127"/>
+              </a:rPr>
+              <a:t>데이터</a:t>
             </a:r>
             <a:endParaRPr lang="en-US" altLang="ko-KR" smtClean="0">
               <a:solidFill>
@@ -35756,6 +36011,138 @@
             </a:endParaRPr>
           </a:p>
           <a:p>
+            <a:r>
+              <a:rPr lang="en-US" altLang="ko-KR">
+                <a:solidFill>
+                  <a:schemeClr val="tx1"/>
+                </a:solidFill>
+                <a:latin typeface="1훈새마을운동 R" panose="02020603020101020101" pitchFamily="18" charset="-127"/>
+                <a:ea typeface="1훈새마을운동 R" panose="02020603020101020101" pitchFamily="18" charset="-127"/>
+              </a:rPr>
+              <a:t>	</a:t>
+            </a:r>
+            <a:r>
+              <a:rPr lang="en-US" altLang="ko-KR" smtClean="0">
+                <a:solidFill>
+                  <a:schemeClr val="tx1"/>
+                </a:solidFill>
+                <a:latin typeface="1훈새마을운동 R" panose="02020603020101020101" pitchFamily="18" charset="-127"/>
+                <a:ea typeface="1훈새마을운동 R" panose="02020603020101020101" pitchFamily="18" charset="-127"/>
+              </a:rPr>
+              <a:t>2. View : </a:t>
+            </a:r>
+            <a:r>
+              <a:rPr lang="ko-KR" altLang="en-US" smtClean="0">
+                <a:solidFill>
+                  <a:schemeClr val="tx1"/>
+                </a:solidFill>
+                <a:latin typeface="1훈새마을운동 R" panose="02020603020101020101" pitchFamily="18" charset="-127"/>
+                <a:ea typeface="1훈새마을운동 R" panose="02020603020101020101" pitchFamily="18" charset="-127"/>
+              </a:rPr>
+              <a:t>프론트엔드 </a:t>
+            </a:r>
+            <a:r>
+              <a:rPr lang="en-US" altLang="ko-KR" smtClean="0">
+                <a:solidFill>
+                  <a:schemeClr val="tx1"/>
+                </a:solidFill>
+                <a:latin typeface="1훈새마을운동 R" panose="02020603020101020101" pitchFamily="18" charset="-127"/>
+                <a:ea typeface="1훈새마을운동 R" panose="02020603020101020101" pitchFamily="18" charset="-127"/>
+              </a:rPr>
+              <a:t>[ </a:t>
+            </a:r>
+            <a:r>
+              <a:rPr lang="ko-KR" altLang="en-US" smtClean="0">
+                <a:solidFill>
+                  <a:schemeClr val="tx1"/>
+                </a:solidFill>
+                <a:latin typeface="1훈새마을운동 R" panose="02020603020101020101" pitchFamily="18" charset="-127"/>
+                <a:ea typeface="1훈새마을운동 R" panose="02020603020101020101" pitchFamily="18" charset="-127"/>
+              </a:rPr>
+              <a:t>씬빌더</a:t>
+            </a:r>
+            <a:r>
+              <a:rPr lang="en-US" altLang="ko-KR">
+                <a:solidFill>
+                  <a:schemeClr val="tx1"/>
+                </a:solidFill>
+                <a:latin typeface="1훈새마을운동 R" panose="02020603020101020101" pitchFamily="18" charset="-127"/>
+                <a:ea typeface="1훈새마을운동 R" panose="02020603020101020101" pitchFamily="18" charset="-127"/>
+              </a:rPr>
+              <a:t> </a:t>
+            </a:r>
+            <a:r>
+              <a:rPr lang="en-US" altLang="ko-KR" smtClean="0">
+                <a:solidFill>
+                  <a:schemeClr val="tx1"/>
+                </a:solidFill>
+                <a:latin typeface="1훈새마을운동 R" panose="02020603020101020101" pitchFamily="18" charset="-127"/>
+                <a:ea typeface="1훈새마을운동 R" panose="02020603020101020101" pitchFamily="18" charset="-127"/>
+              </a:rPr>
+              <a:t>(fxml) , html ]</a:t>
+            </a:r>
+          </a:p>
+          <a:p>
+            <a:r>
+              <a:rPr lang="en-US" altLang="ko-KR">
+                <a:solidFill>
+                  <a:schemeClr val="tx1"/>
+                </a:solidFill>
+                <a:latin typeface="1훈새마을운동 R" panose="02020603020101020101" pitchFamily="18" charset="-127"/>
+                <a:ea typeface="1훈새마을운동 R" panose="02020603020101020101" pitchFamily="18" charset="-127"/>
+              </a:rPr>
+              <a:t>	</a:t>
+            </a:r>
+            <a:r>
+              <a:rPr lang="en-US" altLang="ko-KR" smtClean="0">
+                <a:solidFill>
+                  <a:schemeClr val="tx1"/>
+                </a:solidFill>
+                <a:latin typeface="1훈새마을운동 R" panose="02020603020101020101" pitchFamily="18" charset="-127"/>
+                <a:ea typeface="1훈새마을운동 R" panose="02020603020101020101" pitchFamily="18" charset="-127"/>
+              </a:rPr>
+              <a:t>3. Controller : java</a:t>
+            </a:r>
+            <a:r>
+              <a:rPr lang="ko-KR" altLang="en-US" smtClean="0">
+                <a:solidFill>
+                  <a:schemeClr val="tx1"/>
+                </a:solidFill>
+                <a:latin typeface="1훈새마을운동 R" panose="02020603020101020101" pitchFamily="18" charset="-127"/>
+                <a:ea typeface="1훈새마을운동 R" panose="02020603020101020101" pitchFamily="18" charset="-127"/>
+              </a:rPr>
+              <a:t>파일</a:t>
+            </a:r>
+            <a:r>
+              <a:rPr lang="en-US" altLang="ko-KR" smtClean="0">
+                <a:solidFill>
+                  <a:schemeClr val="tx1"/>
+                </a:solidFill>
+                <a:latin typeface="1훈새마을운동 R" panose="02020603020101020101" pitchFamily="18" charset="-127"/>
+                <a:ea typeface="1훈새마을운동 R" panose="02020603020101020101" pitchFamily="18" charset="-127"/>
+              </a:rPr>
+              <a:t>[</a:t>
+            </a:r>
+            <a:r>
+              <a:rPr lang="ko-KR" altLang="en-US" smtClean="0">
+                <a:solidFill>
+                  <a:schemeClr val="tx1"/>
+                </a:solidFill>
+                <a:latin typeface="1훈새마을운동 R" panose="02020603020101020101" pitchFamily="18" charset="-127"/>
+                <a:ea typeface="1훈새마을운동 R" panose="02020603020101020101" pitchFamily="18" charset="-127"/>
+              </a:rPr>
+              <a:t>클래스</a:t>
+            </a:r>
+            <a:r>
+              <a:rPr lang="en-US" altLang="ko-KR" smtClean="0">
+                <a:solidFill>
+                  <a:schemeClr val="tx1"/>
+                </a:solidFill>
+                <a:latin typeface="1훈새마을운동 R" panose="02020603020101020101" pitchFamily="18" charset="-127"/>
+                <a:ea typeface="1훈새마을운동 R" panose="02020603020101020101" pitchFamily="18" charset="-127"/>
+              </a:rPr>
+              <a:t>]</a:t>
+            </a:r>
             <a:endParaRPr lang="en-US" altLang="ko-KR">
               <a:solidFill>
                 <a:schemeClr val="tx1"/>
@@ -35773,18 +36160,142 @@
                 <a:latin typeface="1훈새마을운동 R" panose="02020603020101020101" pitchFamily="18" charset="-127"/>
                 <a:ea typeface="1훈새마을운동 R" panose="02020603020101020101" pitchFamily="18" charset="-127"/>
               </a:rPr>
-              <a:t>*</a:t>
-            </a:r>
-            <a:r>
-              <a:rPr lang="ko-KR" altLang="en-US" smtClean="0">
-                <a:solidFill>
-                  <a:schemeClr val="tx1"/>
-                </a:solidFill>
-                <a:latin typeface="1훈새마을운동 R" panose="02020603020101020101" pitchFamily="18" charset="-127"/>
-                <a:ea typeface="1훈새마을운동 R" panose="02020603020101020101" pitchFamily="18" charset="-127"/>
-              </a:rPr>
-              <a:t>용어 </a:t>
-            </a:r>
+              <a:t>	</a:t>
+            </a:r>
+            <a:r>
+              <a:rPr lang="ko-KR" altLang="en-US" smtClean="0">
+                <a:solidFill>
+                  <a:schemeClr val="tx1"/>
+                </a:solidFill>
+                <a:latin typeface="1훈새마을운동 R" panose="02020603020101020101" pitchFamily="18" charset="-127"/>
+                <a:ea typeface="1훈새마을운동 R" panose="02020603020101020101" pitchFamily="18" charset="-127"/>
+              </a:rPr>
+              <a:t>삽입 </a:t>
+            </a:r>
+            <a:r>
+              <a:rPr lang="en-US" altLang="ko-KR" smtClean="0">
+                <a:solidFill>
+                  <a:schemeClr val="tx1"/>
+                </a:solidFill>
+                <a:latin typeface="1훈새마을운동 R" panose="02020603020101020101" pitchFamily="18" charset="-127"/>
+                <a:ea typeface="1훈새마을운동 R" panose="02020603020101020101" pitchFamily="18" charset="-127"/>
+              </a:rPr>
+              <a:t>: View </a:t>
+            </a:r>
+            <a:r>
+              <a:rPr lang="en-US" altLang="ko-KR" smtClean="0">
+                <a:solidFill>
+                  <a:schemeClr val="tx1"/>
+                </a:solidFill>
+                <a:latin typeface="1훈새마을운동 R" panose="02020603020101020101" pitchFamily="18" charset="-127"/>
+                <a:ea typeface="1훈새마을운동 R" panose="02020603020101020101" pitchFamily="18" charset="-127"/>
+              </a:rPr>
+              <a:t>-----&gt; </a:t>
+            </a:r>
+            <a:r>
+              <a:rPr lang="en-US" altLang="ko-KR" smtClean="0">
+                <a:solidFill>
+                  <a:schemeClr val="tx1"/>
+                </a:solidFill>
+                <a:latin typeface="1훈새마을운동 R" panose="02020603020101020101" pitchFamily="18" charset="-127"/>
+                <a:ea typeface="1훈새마을운동 R" panose="02020603020101020101" pitchFamily="18" charset="-127"/>
+              </a:rPr>
+              <a:t>Controller  --dto--&gt;  Model  --dao-&gt; DB</a:t>
+            </a:r>
+          </a:p>
+          <a:p>
+            <a:r>
+              <a:rPr lang="en-US" altLang="ko-KR" smtClean="0">
+                <a:solidFill>
+                  <a:schemeClr val="tx1"/>
+                </a:solidFill>
+                <a:latin typeface="1훈새마을운동 R" panose="02020603020101020101" pitchFamily="18" charset="-127"/>
+                <a:ea typeface="1훈새마을운동 R" panose="02020603020101020101" pitchFamily="18" charset="-127"/>
+              </a:rPr>
+              <a:t>	</a:t>
+            </a:r>
+            <a:r>
+              <a:rPr lang="ko-KR" altLang="en-US" smtClean="0">
+                <a:solidFill>
+                  <a:schemeClr val="tx1"/>
+                </a:solidFill>
+                <a:latin typeface="1훈새마을운동 R" panose="02020603020101020101" pitchFamily="18" charset="-127"/>
+                <a:ea typeface="1훈새마을운동 R" panose="02020603020101020101" pitchFamily="18" charset="-127"/>
+              </a:rPr>
+              <a:t>조회 </a:t>
+            </a:r>
+            <a:r>
+              <a:rPr lang="en-US" altLang="ko-KR" smtClean="0">
+                <a:solidFill>
+                  <a:schemeClr val="tx1"/>
+                </a:solidFill>
+                <a:latin typeface="1훈새마을운동 R" panose="02020603020101020101" pitchFamily="18" charset="-127"/>
+                <a:ea typeface="1훈새마을운동 R" panose="02020603020101020101" pitchFamily="18" charset="-127"/>
+              </a:rPr>
+              <a:t>: </a:t>
+            </a:r>
+            <a:r>
+              <a:rPr lang="en-US" altLang="ko-KR">
+                <a:solidFill>
+                  <a:schemeClr val="tx1"/>
+                </a:solidFill>
+                <a:latin typeface="1훈새마을운동 R" panose="02020603020101020101" pitchFamily="18" charset="-127"/>
+                <a:ea typeface="1훈새마을운동 R" panose="02020603020101020101" pitchFamily="18" charset="-127"/>
+              </a:rPr>
+              <a:t>View </a:t>
+            </a:r>
+            <a:r>
+              <a:rPr lang="en-US" altLang="ko-KR" smtClean="0">
+                <a:solidFill>
+                  <a:schemeClr val="tx1"/>
+                </a:solidFill>
+                <a:latin typeface="1훈새마을운동 R" panose="02020603020101020101" pitchFamily="18" charset="-127"/>
+                <a:ea typeface="1훈새마을운동 R" panose="02020603020101020101" pitchFamily="18" charset="-127"/>
+              </a:rPr>
+              <a:t>&lt;--</a:t>
+            </a:r>
+            <a:r>
+              <a:rPr lang="en-US" altLang="ko-KR" smtClean="0">
+                <a:solidFill>
+                  <a:schemeClr val="tx1"/>
+                </a:solidFill>
+                <a:latin typeface="1훈새마을운동 R" panose="02020603020101020101" pitchFamily="18" charset="-127"/>
+                <a:ea typeface="1훈새마을운동 R" panose="02020603020101020101" pitchFamily="18" charset="-127"/>
+              </a:rPr>
+              <a:t>--</a:t>
+            </a:r>
+            <a:r>
+              <a:rPr lang="en-US" altLang="ko-KR" smtClean="0">
+                <a:solidFill>
+                  <a:schemeClr val="tx1"/>
+                </a:solidFill>
+                <a:latin typeface="1훈새마을운동 R" panose="02020603020101020101" pitchFamily="18" charset="-127"/>
+                <a:ea typeface="1훈새마을운동 R" panose="02020603020101020101" pitchFamily="18" charset="-127"/>
+              </a:rPr>
+              <a:t>-- </a:t>
+            </a:r>
+            <a:r>
+              <a:rPr lang="en-US" altLang="ko-KR">
+                <a:solidFill>
+                  <a:schemeClr val="tx1"/>
+                </a:solidFill>
+                <a:latin typeface="1훈새마을운동 R" panose="02020603020101020101" pitchFamily="18" charset="-127"/>
+                <a:ea typeface="1훈새마을운동 R" panose="02020603020101020101" pitchFamily="18" charset="-127"/>
+              </a:rPr>
+              <a:t>Controller  </a:t>
+            </a:r>
+            <a:r>
+              <a:rPr lang="en-US" altLang="ko-KR" smtClean="0">
+                <a:solidFill>
+                  <a:schemeClr val="tx1"/>
+                </a:solidFill>
+                <a:latin typeface="1훈새마을운동 R" panose="02020603020101020101" pitchFamily="18" charset="-127"/>
+                <a:ea typeface="1훈새마을운동 R" panose="02020603020101020101" pitchFamily="18" charset="-127"/>
+              </a:rPr>
+              <a:t>&lt;--dto-- Model  &lt;--dao-- DB</a:t>
+            </a:r>
+          </a:p>
+          <a:p>
             <a:endParaRPr lang="en-US" altLang="ko-KR" smtClean="0">
               <a:solidFill>
                 <a:schemeClr val="tx1"/>
@@ -35795,920 +36306,51 @@
           </a:p>
           <a:p>
             <a:r>
-              <a:rPr lang="en-US" altLang="ko-KR">
-                <a:solidFill>
-                  <a:schemeClr val="tx1"/>
-                </a:solidFill>
-                <a:latin typeface="1훈새마을운동 R" panose="02020603020101020101" pitchFamily="18" charset="-127"/>
-                <a:ea typeface="1훈새마을운동 R" panose="02020603020101020101" pitchFamily="18" charset="-127"/>
-              </a:rPr>
-              <a:t>	</a:t>
-            </a:r>
-            <a:r>
-              <a:rPr lang="ko-KR" altLang="en-US" smtClean="0">
-                <a:solidFill>
-                  <a:schemeClr val="tx1"/>
-                </a:solidFill>
-                <a:latin typeface="1훈새마을운동 R" panose="02020603020101020101" pitchFamily="18" charset="-127"/>
-                <a:ea typeface="1훈새마을운동 R" panose="02020603020101020101" pitchFamily="18" charset="-127"/>
-              </a:rPr>
-              <a:t>표 </a:t>
-            </a:r>
-            <a:r>
-              <a:rPr lang="en-US" altLang="ko-KR" smtClean="0">
-                <a:solidFill>
-                  <a:schemeClr val="tx1"/>
-                </a:solidFill>
-                <a:latin typeface="1훈새마을운동 R" panose="02020603020101020101" pitchFamily="18" charset="-127"/>
-                <a:ea typeface="1훈새마을운동 R" panose="02020603020101020101" pitchFamily="18" charset="-127"/>
-              </a:rPr>
-              <a:t>= </a:t>
-            </a:r>
-            <a:r>
-              <a:rPr lang="ko-KR" altLang="en-US" smtClean="0">
-                <a:solidFill>
-                  <a:schemeClr val="tx1"/>
-                </a:solidFill>
-                <a:latin typeface="1훈새마을운동 R" panose="02020603020101020101" pitchFamily="18" charset="-127"/>
-                <a:ea typeface="1훈새마을운동 R" panose="02020603020101020101" pitchFamily="18" charset="-127"/>
-              </a:rPr>
-              <a:t>테이</a:t>
-            </a:r>
-            <a:r>
-              <a:rPr lang="ko-KR" altLang="en-US">
-                <a:solidFill>
-                  <a:schemeClr val="tx1"/>
-                </a:solidFill>
-                <a:latin typeface="1훈새마을운동 R" panose="02020603020101020101" pitchFamily="18" charset="-127"/>
-                <a:ea typeface="1훈새마을운동 R" panose="02020603020101020101" pitchFamily="18" charset="-127"/>
-              </a:rPr>
-              <a:t>블</a:t>
-            </a:r>
-            <a:r>
-              <a:rPr lang="en-US" altLang="ko-KR" smtClean="0">
-                <a:solidFill>
-                  <a:schemeClr val="tx1"/>
-                </a:solidFill>
-                <a:latin typeface="1훈새마을운동 R" panose="02020603020101020101" pitchFamily="18" charset="-127"/>
-                <a:ea typeface="1훈새마을운동 R" panose="02020603020101020101" pitchFamily="18" charset="-127"/>
-              </a:rPr>
-              <a:t> </a:t>
-            </a:r>
-          </a:p>
-          <a:p>
-            <a:r>
-              <a:rPr lang="en-US" altLang="ko-KR">
-                <a:solidFill>
-                  <a:schemeClr val="tx1"/>
-                </a:solidFill>
-                <a:latin typeface="1훈새마을운동 R" panose="02020603020101020101" pitchFamily="18" charset="-127"/>
-                <a:ea typeface="1훈새마을운동 R" panose="02020603020101020101" pitchFamily="18" charset="-127"/>
-              </a:rPr>
-              <a:t>	</a:t>
-            </a:r>
-            <a:r>
-              <a:rPr lang="ko-KR" altLang="en-US" smtClean="0">
-                <a:solidFill>
-                  <a:schemeClr val="tx1"/>
-                </a:solidFill>
-                <a:latin typeface="1훈새마을운동 R" panose="02020603020101020101" pitchFamily="18" charset="-127"/>
-                <a:ea typeface="1훈새마을운동 R" panose="02020603020101020101" pitchFamily="18" charset="-127"/>
-              </a:rPr>
-              <a:t>세로</a:t>
-            </a:r>
-            <a:r>
-              <a:rPr lang="en-US" altLang="ko-KR" smtClean="0">
-                <a:solidFill>
-                  <a:schemeClr val="tx1"/>
-                </a:solidFill>
-                <a:latin typeface="1훈새마을운동 R" panose="02020603020101020101" pitchFamily="18" charset="-127"/>
-                <a:ea typeface="1훈새마을운동 R" panose="02020603020101020101" pitchFamily="18" charset="-127"/>
-              </a:rPr>
-              <a:t>(</a:t>
-            </a:r>
-            <a:r>
-              <a:rPr lang="ko-KR" altLang="en-US" smtClean="0">
-                <a:solidFill>
-                  <a:schemeClr val="tx1"/>
-                </a:solidFill>
-                <a:latin typeface="1훈새마을운동 R" panose="02020603020101020101" pitchFamily="18" charset="-127"/>
-                <a:ea typeface="1훈새마을운동 R" panose="02020603020101020101" pitchFamily="18" charset="-127"/>
-              </a:rPr>
-              <a:t>열</a:t>
-            </a:r>
-            <a:r>
-              <a:rPr lang="en-US" altLang="ko-KR" smtClean="0">
-                <a:solidFill>
-                  <a:schemeClr val="tx1"/>
-                </a:solidFill>
-                <a:latin typeface="1훈새마을운동 R" panose="02020603020101020101" pitchFamily="18" charset="-127"/>
-                <a:ea typeface="1훈새마을운동 R" panose="02020603020101020101" pitchFamily="18" charset="-127"/>
-              </a:rPr>
-              <a:t>)</a:t>
-            </a:r>
-            <a:r>
-              <a:rPr lang="ko-KR" altLang="en-US" smtClean="0">
-                <a:solidFill>
-                  <a:schemeClr val="tx1"/>
-                </a:solidFill>
-                <a:latin typeface="1훈새마을운동 R" panose="02020603020101020101" pitchFamily="18" charset="-127"/>
-                <a:ea typeface="1훈새마을운동 R" panose="02020603020101020101" pitchFamily="18" charset="-127"/>
-              </a:rPr>
-              <a:t> </a:t>
-            </a:r>
-            <a:r>
-              <a:rPr lang="en-US" altLang="ko-KR" smtClean="0">
-                <a:solidFill>
-                  <a:schemeClr val="tx1"/>
-                </a:solidFill>
-                <a:latin typeface="1훈새마을운동 R" panose="02020603020101020101" pitchFamily="18" charset="-127"/>
-                <a:ea typeface="1훈새마을운동 R" panose="02020603020101020101" pitchFamily="18" charset="-127"/>
-              </a:rPr>
-              <a:t> = </a:t>
-            </a:r>
-            <a:r>
-              <a:rPr lang="ko-KR" altLang="en-US" smtClean="0">
-                <a:solidFill>
-                  <a:schemeClr val="tx1"/>
-                </a:solidFill>
-                <a:latin typeface="1훈새마을운동 R" panose="02020603020101020101" pitchFamily="18" charset="-127"/>
-                <a:ea typeface="1훈새마을운동 R" panose="02020603020101020101" pitchFamily="18" charset="-127"/>
-              </a:rPr>
-              <a:t>필드 </a:t>
-            </a:r>
-            <a:r>
-              <a:rPr lang="en-US" altLang="ko-KR" smtClean="0">
-                <a:solidFill>
-                  <a:schemeClr val="tx1"/>
-                </a:solidFill>
-                <a:latin typeface="1훈새마을운동 R" panose="02020603020101020101" pitchFamily="18" charset="-127"/>
-                <a:ea typeface="1훈새마을운동 R" panose="02020603020101020101" pitchFamily="18" charset="-127"/>
-              </a:rPr>
-              <a:t>, </a:t>
-            </a:r>
-            <a:r>
-              <a:rPr lang="ko-KR" altLang="en-US" smtClean="0">
-                <a:solidFill>
-                  <a:schemeClr val="tx1"/>
-                </a:solidFill>
-                <a:latin typeface="1훈새마을운동 R" panose="02020603020101020101" pitchFamily="18" charset="-127"/>
-                <a:ea typeface="1훈새마을운동 R" panose="02020603020101020101" pitchFamily="18" charset="-127"/>
-              </a:rPr>
-              <a:t>속성 </a:t>
-            </a:r>
-            <a:endParaRPr lang="en-US" altLang="ko-KR" smtClean="0">
-              <a:solidFill>
-                <a:schemeClr val="tx1"/>
-              </a:solidFill>
-              <a:latin typeface="1훈새마을운동 R" panose="02020603020101020101" pitchFamily="18" charset="-127"/>
-              <a:ea typeface="1훈새마을운동 R" panose="02020603020101020101" pitchFamily="18" charset="-127"/>
-            </a:endParaRPr>
-          </a:p>
-          <a:p>
-            <a:r>
-              <a:rPr lang="en-US" altLang="ko-KR">
-                <a:solidFill>
-                  <a:schemeClr val="tx1"/>
-                </a:solidFill>
-                <a:latin typeface="1훈새마을운동 R" panose="02020603020101020101" pitchFamily="18" charset="-127"/>
-                <a:ea typeface="1훈새마을운동 R" panose="02020603020101020101" pitchFamily="18" charset="-127"/>
-              </a:rPr>
-              <a:t>	</a:t>
-            </a:r>
-            <a:r>
-              <a:rPr lang="ko-KR" altLang="en-US" smtClean="0">
-                <a:solidFill>
-                  <a:schemeClr val="tx1"/>
-                </a:solidFill>
-                <a:latin typeface="1훈새마을운동 R" panose="02020603020101020101" pitchFamily="18" charset="-127"/>
-                <a:ea typeface="1훈새마을운동 R" panose="02020603020101020101" pitchFamily="18" charset="-127"/>
-              </a:rPr>
-              <a:t>가로</a:t>
-            </a:r>
-            <a:r>
-              <a:rPr lang="en-US" altLang="ko-KR" smtClean="0">
-                <a:solidFill>
-                  <a:schemeClr val="tx1"/>
-                </a:solidFill>
-                <a:latin typeface="1훈새마을운동 R" panose="02020603020101020101" pitchFamily="18" charset="-127"/>
-                <a:ea typeface="1훈새마을운동 R" panose="02020603020101020101" pitchFamily="18" charset="-127"/>
-              </a:rPr>
-              <a:t>(</a:t>
-            </a:r>
-            <a:r>
-              <a:rPr lang="ko-KR" altLang="en-US" smtClean="0">
-                <a:solidFill>
-                  <a:schemeClr val="tx1"/>
-                </a:solidFill>
-                <a:latin typeface="1훈새마을운동 R" panose="02020603020101020101" pitchFamily="18" charset="-127"/>
-                <a:ea typeface="1훈새마을운동 R" panose="02020603020101020101" pitchFamily="18" charset="-127"/>
-              </a:rPr>
-              <a:t>행</a:t>
-            </a:r>
-            <a:r>
-              <a:rPr lang="en-US" altLang="ko-KR" smtClean="0">
-                <a:solidFill>
-                  <a:schemeClr val="tx1"/>
-                </a:solidFill>
-                <a:latin typeface="1훈새마을운동 R" panose="02020603020101020101" pitchFamily="18" charset="-127"/>
-                <a:ea typeface="1훈새마을운동 R" panose="02020603020101020101" pitchFamily="18" charset="-127"/>
-              </a:rPr>
-              <a:t>)</a:t>
-            </a:r>
-            <a:r>
-              <a:rPr lang="ko-KR" altLang="en-US" smtClean="0">
-                <a:solidFill>
-                  <a:schemeClr val="tx1"/>
-                </a:solidFill>
-                <a:latin typeface="1훈새마을운동 R" panose="02020603020101020101" pitchFamily="18" charset="-127"/>
-                <a:ea typeface="1훈새마을운동 R" panose="02020603020101020101" pitchFamily="18" charset="-127"/>
-              </a:rPr>
-              <a:t> </a:t>
-            </a:r>
-            <a:r>
-              <a:rPr lang="en-US" altLang="ko-KR" smtClean="0">
-                <a:solidFill>
-                  <a:schemeClr val="tx1"/>
-                </a:solidFill>
-                <a:latin typeface="1훈새마을운동 R" panose="02020603020101020101" pitchFamily="18" charset="-127"/>
-                <a:ea typeface="1훈새마을운동 R" panose="02020603020101020101" pitchFamily="18" charset="-127"/>
-              </a:rPr>
-              <a:t>= </a:t>
-            </a:r>
-            <a:r>
-              <a:rPr lang="ko-KR" altLang="en-US" smtClean="0">
-                <a:solidFill>
-                  <a:schemeClr val="tx1"/>
-                </a:solidFill>
-                <a:latin typeface="1훈새마을운동 R" panose="02020603020101020101" pitchFamily="18" charset="-127"/>
-                <a:ea typeface="1훈새마을운동 R" panose="02020603020101020101" pitchFamily="18" charset="-127"/>
-              </a:rPr>
-              <a:t>레코드 </a:t>
-            </a:r>
-            <a:r>
-              <a:rPr lang="en-US" altLang="ko-KR" smtClean="0">
-                <a:solidFill>
-                  <a:schemeClr val="tx1"/>
-                </a:solidFill>
-                <a:latin typeface="1훈새마을운동 R" panose="02020603020101020101" pitchFamily="18" charset="-127"/>
-                <a:ea typeface="1훈새마을운동 R" panose="02020603020101020101" pitchFamily="18" charset="-127"/>
-              </a:rPr>
-              <a:t>, </a:t>
-            </a:r>
-            <a:r>
-              <a:rPr lang="ko-KR" altLang="en-US" smtClean="0">
-                <a:solidFill>
-                  <a:schemeClr val="tx1"/>
-                </a:solidFill>
-                <a:latin typeface="1훈새마을운동 R" panose="02020603020101020101" pitchFamily="18" charset="-127"/>
-                <a:ea typeface="1훈새마을운동 R" panose="02020603020101020101" pitchFamily="18" charset="-127"/>
-              </a:rPr>
-              <a:t>튜플</a:t>
-            </a:r>
-            <a:endParaRPr lang="en-US" altLang="ko-KR" smtClean="0">
-              <a:solidFill>
-                <a:schemeClr val="tx1"/>
-              </a:solidFill>
-              <a:latin typeface="1훈새마을운동 R" panose="02020603020101020101" pitchFamily="18" charset="-127"/>
-              <a:ea typeface="1훈새마을운동 R" panose="02020603020101020101" pitchFamily="18" charset="-127"/>
-            </a:endParaRPr>
-          </a:p>
-          <a:p>
-            <a:r>
-              <a:rPr lang="en-US" altLang="ko-KR" smtClean="0">
-                <a:solidFill>
-                  <a:schemeClr val="tx1"/>
-                </a:solidFill>
-                <a:latin typeface="1훈새마을운동 R" panose="02020603020101020101" pitchFamily="18" charset="-127"/>
-                <a:ea typeface="1훈새마을운동 R" panose="02020603020101020101" pitchFamily="18" charset="-127"/>
-              </a:rPr>
-              <a:t>*</a:t>
-            </a:r>
-            <a:r>
-              <a:rPr lang="ko-KR" altLang="en-US" smtClean="0">
-                <a:solidFill>
-                  <a:schemeClr val="tx1"/>
-                </a:solidFill>
-                <a:latin typeface="1훈새마을운동 R" panose="02020603020101020101" pitchFamily="18" charset="-127"/>
-                <a:ea typeface="1훈새마을운동 R" panose="02020603020101020101" pitchFamily="18" charset="-127"/>
-              </a:rPr>
-              <a:t>자료형 </a:t>
-            </a:r>
-            <a:endParaRPr lang="en-US" altLang="ko-KR" smtClean="0">
-              <a:solidFill>
-                <a:schemeClr val="tx1"/>
-              </a:solidFill>
-              <a:latin typeface="1훈새마을운동 R" panose="02020603020101020101" pitchFamily="18" charset="-127"/>
-              <a:ea typeface="1훈새마을운동 R" panose="02020603020101020101" pitchFamily="18" charset="-127"/>
-            </a:endParaRPr>
-          </a:p>
-          <a:p>
-            <a:r>
-              <a:rPr lang="en-US" altLang="ko-KR">
-                <a:solidFill>
-                  <a:schemeClr val="tx1"/>
-                </a:solidFill>
-                <a:latin typeface="1훈새마을운동 R" panose="02020603020101020101" pitchFamily="18" charset="-127"/>
-                <a:ea typeface="1훈새마을운동 R" panose="02020603020101020101" pitchFamily="18" charset="-127"/>
-              </a:rPr>
-              <a:t>	</a:t>
-            </a:r>
-            <a:r>
-              <a:rPr lang="en-US" altLang="ko-KR" smtClean="0">
-                <a:solidFill>
-                  <a:schemeClr val="tx1"/>
-                </a:solidFill>
-                <a:latin typeface="1훈새마을운동 R" panose="02020603020101020101" pitchFamily="18" charset="-127"/>
-                <a:ea typeface="1훈새마을운동 R" panose="02020603020101020101" pitchFamily="18" charset="-127"/>
-              </a:rPr>
-              <a:t>1. int 			: </a:t>
-            </a:r>
-            <a:r>
-              <a:rPr lang="ko-KR" altLang="en-US" smtClean="0">
-                <a:solidFill>
-                  <a:schemeClr val="tx1"/>
-                </a:solidFill>
-                <a:latin typeface="1훈새마을운동 R" panose="02020603020101020101" pitchFamily="18" charset="-127"/>
-                <a:ea typeface="1훈새마을운동 R" panose="02020603020101020101" pitchFamily="18" charset="-127"/>
-              </a:rPr>
-              <a:t>정수형 </a:t>
-            </a:r>
-            <a:r>
-              <a:rPr lang="en-US" altLang="ko-KR" smtClean="0">
-                <a:solidFill>
-                  <a:schemeClr val="tx1"/>
-                </a:solidFill>
-                <a:latin typeface="1훈새마을운동 R" panose="02020603020101020101" pitchFamily="18" charset="-127"/>
-                <a:ea typeface="1훈새마을운동 R" panose="02020603020101020101" pitchFamily="18" charset="-127"/>
-              </a:rPr>
-              <a:t>[ 4</a:t>
-            </a:r>
-            <a:r>
-              <a:rPr lang="ko-KR" altLang="en-US" smtClean="0">
-                <a:solidFill>
-                  <a:schemeClr val="tx1"/>
-                </a:solidFill>
-                <a:latin typeface="1훈새마을운동 R" panose="02020603020101020101" pitchFamily="18" charset="-127"/>
-                <a:ea typeface="1훈새마을운동 R" panose="02020603020101020101" pitchFamily="18" charset="-127"/>
-              </a:rPr>
-              <a:t>바이트 </a:t>
-            </a:r>
-            <a:r>
-              <a:rPr lang="en-US" altLang="ko-KR" smtClean="0">
-                <a:solidFill>
-                  <a:schemeClr val="tx1"/>
-                </a:solidFill>
-                <a:latin typeface="1훈새마을운동 R" panose="02020603020101020101" pitchFamily="18" charset="-127"/>
-                <a:ea typeface="1훈새마을운동 R" panose="02020603020101020101" pitchFamily="18" charset="-127"/>
-              </a:rPr>
-              <a:t>]</a:t>
-            </a:r>
-            <a:r>
-              <a:rPr lang="ko-KR" altLang="en-US" smtClean="0">
-                <a:solidFill>
-                  <a:schemeClr val="tx1"/>
-                </a:solidFill>
-                <a:latin typeface="1훈새마을운동 R" panose="02020603020101020101" pitchFamily="18" charset="-127"/>
-                <a:ea typeface="1훈새마을운동 R" panose="02020603020101020101" pitchFamily="18" charset="-127"/>
-              </a:rPr>
-              <a:t> </a:t>
-            </a:r>
-            <a:endParaRPr lang="en-US" altLang="ko-KR" smtClean="0">
-              <a:solidFill>
-                <a:schemeClr val="tx1"/>
-              </a:solidFill>
-              <a:latin typeface="1훈새마을운동 R" panose="02020603020101020101" pitchFamily="18" charset="-127"/>
-              <a:ea typeface="1훈새마을운동 R" panose="02020603020101020101" pitchFamily="18" charset="-127"/>
-            </a:endParaRPr>
-          </a:p>
-          <a:p>
-            <a:r>
-              <a:rPr lang="en-US" altLang="ko-KR">
-                <a:solidFill>
-                  <a:schemeClr val="tx1"/>
-                </a:solidFill>
-                <a:latin typeface="1훈새마을운동 R" panose="02020603020101020101" pitchFamily="18" charset="-127"/>
-                <a:ea typeface="1훈새마을운동 R" panose="02020603020101020101" pitchFamily="18" charset="-127"/>
-              </a:rPr>
-              <a:t>	</a:t>
-            </a:r>
-            <a:r>
-              <a:rPr lang="en-US" altLang="ko-KR" smtClean="0">
-                <a:solidFill>
-                  <a:schemeClr val="tx1"/>
-                </a:solidFill>
-                <a:latin typeface="1훈새마을운동 R" panose="02020603020101020101" pitchFamily="18" charset="-127"/>
-                <a:ea typeface="1훈새마을운동 R" panose="02020603020101020101" pitchFamily="18" charset="-127"/>
-              </a:rPr>
-              <a:t>2. varchar(</a:t>
-            </a:r>
-            <a:r>
-              <a:rPr lang="ko-KR" altLang="en-US" smtClean="0">
-                <a:solidFill>
-                  <a:schemeClr val="tx1"/>
-                </a:solidFill>
-                <a:latin typeface="1훈새마을운동 R" panose="02020603020101020101" pitchFamily="18" charset="-127"/>
-                <a:ea typeface="1훈새마을운동 R" panose="02020603020101020101" pitchFamily="18" charset="-127"/>
-              </a:rPr>
-              <a:t>문자길이</a:t>
-            </a:r>
-            <a:r>
-              <a:rPr lang="en-US" altLang="ko-KR" smtClean="0">
-                <a:solidFill>
-                  <a:schemeClr val="tx1"/>
-                </a:solidFill>
-                <a:latin typeface="1훈새마을운동 R" panose="02020603020101020101" pitchFamily="18" charset="-127"/>
-                <a:ea typeface="1훈새마을운동 R" panose="02020603020101020101" pitchFamily="18" charset="-127"/>
-              </a:rPr>
-              <a:t>)	: </a:t>
-            </a:r>
-            <a:r>
-              <a:rPr lang="ko-KR" altLang="en-US" smtClean="0">
-                <a:solidFill>
-                  <a:schemeClr val="tx1"/>
-                </a:solidFill>
-                <a:latin typeface="1훈새마을운동 R" panose="02020603020101020101" pitchFamily="18" charset="-127"/>
-                <a:ea typeface="1훈새마을운동 R" panose="02020603020101020101" pitchFamily="18" charset="-127"/>
-              </a:rPr>
-              <a:t>문자형 </a:t>
-            </a:r>
-            <a:r>
-              <a:rPr lang="en-US" altLang="ko-KR" smtClean="0">
-                <a:solidFill>
-                  <a:schemeClr val="tx1"/>
-                </a:solidFill>
-                <a:latin typeface="1훈새마을운동 R" panose="02020603020101020101" pitchFamily="18" charset="-127"/>
-                <a:ea typeface="1훈새마을운동 R" panose="02020603020101020101" pitchFamily="18" charset="-127"/>
-              </a:rPr>
-              <a:t>[ </a:t>
-            </a:r>
-            <a:r>
-              <a:rPr lang="ko-KR" altLang="en-US" smtClean="0">
-                <a:solidFill>
-                  <a:schemeClr val="tx1"/>
-                </a:solidFill>
-                <a:latin typeface="1훈새마을운동 R" panose="02020603020101020101" pitchFamily="18" charset="-127"/>
-                <a:ea typeface="1훈새마을운동 R" panose="02020603020101020101" pitchFamily="18" charset="-127"/>
-              </a:rPr>
-              <a:t>가변길이 </a:t>
-            </a:r>
-            <a:r>
-              <a:rPr lang="en-US" altLang="ko-KR" smtClean="0">
-                <a:solidFill>
-                  <a:schemeClr val="tx1"/>
-                </a:solidFill>
-                <a:latin typeface="1훈새마을운동 R" panose="02020603020101020101" pitchFamily="18" charset="-127"/>
-                <a:ea typeface="1훈새마을운동 R" panose="02020603020101020101" pitchFamily="18" charset="-127"/>
-              </a:rPr>
-              <a:t>]</a:t>
-            </a:r>
-          </a:p>
-          <a:p>
-            <a:r>
-              <a:rPr lang="en-US" altLang="ko-KR">
-                <a:solidFill>
-                  <a:schemeClr val="tx1"/>
-                </a:solidFill>
-                <a:latin typeface="1훈새마을운동 R" panose="02020603020101020101" pitchFamily="18" charset="-127"/>
-                <a:ea typeface="1훈새마을운동 R" panose="02020603020101020101" pitchFamily="18" charset="-127"/>
-              </a:rPr>
-              <a:t>	</a:t>
-            </a:r>
-            <a:r>
-              <a:rPr lang="en-US" altLang="ko-KR" smtClean="0">
-                <a:solidFill>
-                  <a:schemeClr val="tx1"/>
-                </a:solidFill>
-                <a:latin typeface="1훈새마을운동 R" panose="02020603020101020101" pitchFamily="18" charset="-127"/>
-                <a:ea typeface="1훈새마을운동 R" panose="02020603020101020101" pitchFamily="18" charset="-127"/>
-              </a:rPr>
-              <a:t>3. timestamp		: </a:t>
-            </a:r>
-            <a:r>
-              <a:rPr lang="ko-KR" altLang="en-US" smtClean="0">
-                <a:solidFill>
-                  <a:schemeClr val="tx1"/>
-                </a:solidFill>
-                <a:latin typeface="1훈새마을운동 R" panose="02020603020101020101" pitchFamily="18" charset="-127"/>
-                <a:ea typeface="1훈새마을운동 R" panose="02020603020101020101" pitchFamily="18" charset="-127"/>
-              </a:rPr>
-              <a:t>날짜</a:t>
-            </a:r>
-            <a:r>
-              <a:rPr lang="en-US" altLang="ko-KR" smtClean="0">
-                <a:solidFill>
-                  <a:schemeClr val="tx1"/>
-                </a:solidFill>
-                <a:latin typeface="1훈새마을운동 R" panose="02020603020101020101" pitchFamily="18" charset="-127"/>
-                <a:ea typeface="1훈새마을운동 R" panose="02020603020101020101" pitchFamily="18" charset="-127"/>
-              </a:rPr>
-              <a:t>/</a:t>
-            </a:r>
-            <a:r>
-              <a:rPr lang="ko-KR" altLang="en-US" smtClean="0">
-                <a:solidFill>
-                  <a:schemeClr val="tx1"/>
-                </a:solidFill>
-                <a:latin typeface="1훈새마을운동 R" panose="02020603020101020101" pitchFamily="18" charset="-127"/>
-                <a:ea typeface="1훈새마을운동 R" panose="02020603020101020101" pitchFamily="18" charset="-127"/>
-              </a:rPr>
-              <a:t>시간</a:t>
-            </a:r>
-            <a:endParaRPr lang="en-US" altLang="ko-KR" smtClean="0">
-              <a:solidFill>
-                <a:schemeClr val="tx1"/>
-              </a:solidFill>
-              <a:latin typeface="1훈새마을운동 R" panose="02020603020101020101" pitchFamily="18" charset="-127"/>
-              <a:ea typeface="1훈새마을운동 R" panose="02020603020101020101" pitchFamily="18" charset="-127"/>
-            </a:endParaRPr>
-          </a:p>
-          <a:p>
-            <a:r>
-              <a:rPr lang="en-US" altLang="ko-KR">
-                <a:solidFill>
-                  <a:schemeClr val="tx1"/>
-                </a:solidFill>
-                <a:latin typeface="1훈새마을운동 R" panose="02020603020101020101" pitchFamily="18" charset="-127"/>
-                <a:ea typeface="1훈새마을운동 R" panose="02020603020101020101" pitchFamily="18" charset="-127"/>
-              </a:rPr>
-              <a:t>	</a:t>
-            </a:r>
-            <a:endParaRPr lang="en-US" altLang="ko-KR" smtClean="0">
-              <a:solidFill>
-                <a:schemeClr val="tx1"/>
-              </a:solidFill>
-              <a:latin typeface="1훈새마을운동 R" panose="02020603020101020101" pitchFamily="18" charset="-127"/>
-              <a:ea typeface="1훈새마을운동 R" panose="02020603020101020101" pitchFamily="18" charset="-127"/>
-            </a:endParaRPr>
-          </a:p>
-          <a:p>
-            <a:r>
-              <a:rPr lang="en-US" altLang="ko-KR" smtClean="0">
-                <a:solidFill>
-                  <a:schemeClr val="tx1"/>
-                </a:solidFill>
-                <a:latin typeface="1훈새마을운동 R" panose="02020603020101020101" pitchFamily="18" charset="-127"/>
-                <a:ea typeface="1훈새마을운동 R" panose="02020603020101020101" pitchFamily="18" charset="-127"/>
-              </a:rPr>
-              <a:t>*</a:t>
-            </a:r>
-            <a:r>
-              <a:rPr lang="ko-KR" altLang="en-US" smtClean="0">
-                <a:solidFill>
-                  <a:schemeClr val="tx1"/>
-                </a:solidFill>
-                <a:latin typeface="1훈새마을운동 R" panose="02020603020101020101" pitchFamily="18" charset="-127"/>
-                <a:ea typeface="1훈새마을운동 R" panose="02020603020101020101" pitchFamily="18" charset="-127"/>
-              </a:rPr>
-              <a:t>속성 </a:t>
-            </a:r>
-            <a:endParaRPr lang="en-US" altLang="ko-KR" smtClean="0">
-              <a:solidFill>
-                <a:schemeClr val="tx1"/>
-              </a:solidFill>
-              <a:latin typeface="1훈새마을운동 R" panose="02020603020101020101" pitchFamily="18" charset="-127"/>
-              <a:ea typeface="1훈새마을운동 R" panose="02020603020101020101" pitchFamily="18" charset="-127"/>
-            </a:endParaRPr>
-          </a:p>
-          <a:p>
-            <a:r>
-              <a:rPr lang="en-US" altLang="ko-KR">
-                <a:solidFill>
-                  <a:schemeClr val="tx1"/>
-                </a:solidFill>
-                <a:latin typeface="1훈새마을운동 R" panose="02020603020101020101" pitchFamily="18" charset="-127"/>
-                <a:ea typeface="1훈새마을운동 R" panose="02020603020101020101" pitchFamily="18" charset="-127"/>
-              </a:rPr>
-              <a:t>	</a:t>
-            </a:r>
-            <a:r>
-              <a:rPr lang="en-US" altLang="ko-KR" smtClean="0">
-                <a:solidFill>
-                  <a:schemeClr val="tx1"/>
-                </a:solidFill>
-                <a:latin typeface="1훈새마을운동 R" panose="02020603020101020101" pitchFamily="18" charset="-127"/>
-                <a:ea typeface="1훈새마을운동 R" panose="02020603020101020101" pitchFamily="18" charset="-127"/>
-              </a:rPr>
-              <a:t>1. </a:t>
-            </a:r>
-            <a:r>
-              <a:rPr lang="en-US" altLang="ko-KR">
-                <a:solidFill>
-                  <a:schemeClr val="tx1"/>
-                </a:solidFill>
-                <a:latin typeface="1훈새마을운동 R" panose="02020603020101020101" pitchFamily="18" charset="-127"/>
-                <a:ea typeface="1훈새마을운동 R" panose="02020603020101020101" pitchFamily="18" charset="-127"/>
-              </a:rPr>
-              <a:t>primary key </a:t>
-            </a:r>
-            <a:r>
-              <a:rPr lang="en-US" altLang="ko-KR">
-                <a:solidFill>
-                  <a:schemeClr val="tx1"/>
-                </a:solidFill>
-                <a:latin typeface="1훈새마을운동 R" panose="02020603020101020101" pitchFamily="18" charset="-127"/>
-                <a:ea typeface="1훈새마을운동 R" panose="02020603020101020101" pitchFamily="18" charset="-127"/>
-              </a:rPr>
-              <a:t>	</a:t>
-            </a:r>
-            <a:r>
-              <a:rPr lang="en-US" altLang="ko-KR" smtClean="0">
-                <a:solidFill>
-                  <a:schemeClr val="tx1"/>
-                </a:solidFill>
-                <a:latin typeface="1훈새마을운동 R" panose="02020603020101020101" pitchFamily="18" charset="-127"/>
-                <a:ea typeface="1훈새마을운동 R" panose="02020603020101020101" pitchFamily="18" charset="-127"/>
-              </a:rPr>
-              <a:t>: </a:t>
-            </a:r>
-            <a:r>
-              <a:rPr lang="ko-KR" altLang="en-US" smtClean="0">
-                <a:solidFill>
-                  <a:schemeClr val="tx1"/>
-                </a:solidFill>
-                <a:latin typeface="1훈새마을운동 R" panose="02020603020101020101" pitchFamily="18" charset="-127"/>
-                <a:ea typeface="1훈새마을운동 R" panose="02020603020101020101" pitchFamily="18" charset="-127"/>
-              </a:rPr>
-              <a:t>기본키 </a:t>
-            </a:r>
-            <a:endParaRPr lang="en-US" altLang="ko-KR" smtClean="0">
-              <a:solidFill>
-                <a:schemeClr val="tx1"/>
-              </a:solidFill>
-              <a:latin typeface="1훈새마을운동 R" panose="02020603020101020101" pitchFamily="18" charset="-127"/>
-              <a:ea typeface="1훈새마을운동 R" panose="02020603020101020101" pitchFamily="18" charset="-127"/>
-            </a:endParaRPr>
-          </a:p>
-          <a:p>
-            <a:r>
-              <a:rPr lang="en-US" altLang="ko-KR">
-                <a:solidFill>
-                  <a:schemeClr val="tx1"/>
-                </a:solidFill>
-                <a:latin typeface="1훈새마을운동 R" panose="02020603020101020101" pitchFamily="18" charset="-127"/>
-                <a:ea typeface="1훈새마을운동 R" panose="02020603020101020101" pitchFamily="18" charset="-127"/>
-              </a:rPr>
-              <a:t>	</a:t>
-            </a:r>
-            <a:r>
-              <a:rPr lang="en-US" altLang="ko-KR" smtClean="0">
-                <a:solidFill>
-                  <a:schemeClr val="tx1"/>
-                </a:solidFill>
-                <a:latin typeface="1훈새마을운동 R" panose="02020603020101020101" pitchFamily="18" charset="-127"/>
-                <a:ea typeface="1훈새마을운동 R" panose="02020603020101020101" pitchFamily="18" charset="-127"/>
-              </a:rPr>
-              <a:t>2. auto_increment	: </a:t>
-            </a:r>
-            <a:r>
-              <a:rPr lang="ko-KR" altLang="en-US" smtClean="0">
-                <a:solidFill>
-                  <a:schemeClr val="tx1"/>
-                </a:solidFill>
-                <a:latin typeface="1훈새마을운동 R" panose="02020603020101020101" pitchFamily="18" charset="-127"/>
-                <a:ea typeface="1훈새마을운동 R" panose="02020603020101020101" pitchFamily="18" charset="-127"/>
-              </a:rPr>
-              <a:t>자동번호 주입</a:t>
-            </a:r>
-            <a:endParaRPr lang="en-US" altLang="ko-KR" smtClean="0">
-              <a:solidFill>
-                <a:schemeClr val="tx1"/>
-              </a:solidFill>
-              <a:latin typeface="1훈새마을운동 R" panose="02020603020101020101" pitchFamily="18" charset="-127"/>
-              <a:ea typeface="1훈새마을운동 R" panose="02020603020101020101" pitchFamily="18" charset="-127"/>
-            </a:endParaRPr>
-          </a:p>
-          <a:p>
-            <a:r>
-              <a:rPr lang="en-US" altLang="ko-KR">
-                <a:solidFill>
-                  <a:schemeClr val="tx1"/>
-                </a:solidFill>
-                <a:latin typeface="1훈새마을운동 R" panose="02020603020101020101" pitchFamily="18" charset="-127"/>
-                <a:ea typeface="1훈새마을운동 R" panose="02020603020101020101" pitchFamily="18" charset="-127"/>
-              </a:rPr>
-              <a:t>	</a:t>
-            </a:r>
-            <a:r>
-              <a:rPr lang="en-US" altLang="ko-KR" smtClean="0">
-                <a:solidFill>
-                  <a:schemeClr val="tx1"/>
-                </a:solidFill>
-                <a:latin typeface="1훈새마을운동 R" panose="02020603020101020101" pitchFamily="18" charset="-127"/>
-                <a:ea typeface="1훈새마을운동 R" panose="02020603020101020101" pitchFamily="18" charset="-127"/>
-              </a:rPr>
-              <a:t>3. </a:t>
-            </a:r>
-            <a:r>
-              <a:rPr lang="en-US" altLang="ko-KR">
-                <a:solidFill>
-                  <a:schemeClr val="tx1"/>
-                </a:solidFill>
-                <a:latin typeface="1훈새마을운동 R" panose="02020603020101020101" pitchFamily="18" charset="-127"/>
-                <a:ea typeface="1훈새마을운동 R" panose="02020603020101020101" pitchFamily="18" charset="-127"/>
-              </a:rPr>
-              <a:t>not </a:t>
-            </a:r>
-            <a:r>
-              <a:rPr lang="en-US" altLang="ko-KR">
-                <a:solidFill>
-                  <a:schemeClr val="tx1"/>
-                </a:solidFill>
-                <a:latin typeface="1훈새마을운동 R" panose="02020603020101020101" pitchFamily="18" charset="-127"/>
-                <a:ea typeface="1훈새마을운동 R" panose="02020603020101020101" pitchFamily="18" charset="-127"/>
-              </a:rPr>
-              <a:t>null </a:t>
-            </a:r>
-            <a:r>
-              <a:rPr lang="en-US" altLang="ko-KR" smtClean="0">
-                <a:solidFill>
-                  <a:schemeClr val="tx1"/>
-                </a:solidFill>
-                <a:latin typeface="1훈새마을운동 R" panose="02020603020101020101" pitchFamily="18" charset="-127"/>
-                <a:ea typeface="1훈새마을운동 R" panose="02020603020101020101" pitchFamily="18" charset="-127"/>
-              </a:rPr>
-              <a:t>	: null</a:t>
-            </a:r>
-            <a:r>
-              <a:rPr lang="ko-KR" altLang="en-US" smtClean="0">
-                <a:solidFill>
-                  <a:schemeClr val="tx1"/>
-                </a:solidFill>
-                <a:latin typeface="1훈새마을운동 R" panose="02020603020101020101" pitchFamily="18" charset="-127"/>
-                <a:ea typeface="1훈새마을운동 R" panose="02020603020101020101" pitchFamily="18" charset="-127"/>
-              </a:rPr>
-              <a:t>값 제외 </a:t>
-            </a:r>
-            <a:r>
-              <a:rPr lang="en-US" altLang="ko-KR" smtClean="0">
-                <a:solidFill>
-                  <a:schemeClr val="tx1"/>
-                </a:solidFill>
-                <a:latin typeface="1훈새마을운동 R" panose="02020603020101020101" pitchFamily="18" charset="-127"/>
-                <a:ea typeface="1훈새마을운동 R" panose="02020603020101020101" pitchFamily="18" charset="-127"/>
-              </a:rPr>
-              <a:t>[ null </a:t>
-            </a:r>
-            <a:r>
-              <a:rPr lang="ko-KR" altLang="en-US" smtClean="0">
-                <a:solidFill>
-                  <a:schemeClr val="tx1"/>
-                </a:solidFill>
-                <a:latin typeface="1훈새마을운동 R" panose="02020603020101020101" pitchFamily="18" charset="-127"/>
-                <a:ea typeface="1훈새마을운동 R" panose="02020603020101020101" pitchFamily="18" charset="-127"/>
-              </a:rPr>
-              <a:t>일경우 오류 발생 </a:t>
-            </a:r>
-            <a:r>
-              <a:rPr lang="en-US" altLang="ko-KR" smtClean="0">
-                <a:solidFill>
-                  <a:schemeClr val="tx1"/>
-                </a:solidFill>
-                <a:latin typeface="1훈새마을운동 R" panose="02020603020101020101" pitchFamily="18" charset="-127"/>
-                <a:ea typeface="1훈새마을운동 R" panose="02020603020101020101" pitchFamily="18" charset="-127"/>
-              </a:rPr>
-              <a:t>] </a:t>
-            </a:r>
-          </a:p>
-          <a:p>
-            <a:r>
-              <a:rPr lang="en-US" altLang="ko-KR">
-                <a:solidFill>
-                  <a:schemeClr val="tx1"/>
-                </a:solidFill>
-                <a:latin typeface="1훈새마을운동 R" panose="02020603020101020101" pitchFamily="18" charset="-127"/>
-                <a:ea typeface="1훈새마을운동 R" panose="02020603020101020101" pitchFamily="18" charset="-127"/>
-              </a:rPr>
-              <a:t>	</a:t>
-            </a:r>
-            <a:r>
-              <a:rPr lang="en-US" altLang="ko-KR">
-                <a:solidFill>
-                  <a:schemeClr val="tx1"/>
-                </a:solidFill>
-                <a:latin typeface="1훈새마을운동 R" panose="02020603020101020101" pitchFamily="18" charset="-127"/>
-                <a:ea typeface="1훈새마을운동 R" panose="02020603020101020101" pitchFamily="18" charset="-127"/>
-              </a:rPr>
-              <a:t>4. </a:t>
-            </a:r>
-            <a:r>
-              <a:rPr lang="en-US" altLang="ko-KR">
-                <a:solidFill>
-                  <a:schemeClr val="tx1"/>
-                </a:solidFill>
-                <a:latin typeface="1훈새마을운동 R" panose="02020603020101020101" pitchFamily="18" charset="-127"/>
-                <a:ea typeface="1훈새마을운동 R" panose="02020603020101020101" pitchFamily="18" charset="-127"/>
-              </a:rPr>
-              <a:t>default </a:t>
-            </a:r>
-            <a:r>
-              <a:rPr lang="en-US" altLang="ko-KR" smtClean="0">
-                <a:solidFill>
-                  <a:schemeClr val="tx1"/>
-                </a:solidFill>
-                <a:latin typeface="1훈새마을운동 R" panose="02020603020101020101" pitchFamily="18" charset="-127"/>
-                <a:ea typeface="1훈새마을운동 R" panose="02020603020101020101" pitchFamily="18" charset="-127"/>
-              </a:rPr>
-              <a:t>	: </a:t>
-            </a:r>
-            <a:r>
-              <a:rPr lang="ko-KR" altLang="en-US" smtClean="0">
-                <a:solidFill>
-                  <a:schemeClr val="tx1"/>
-                </a:solidFill>
-                <a:latin typeface="1훈새마을운동 R" panose="02020603020101020101" pitchFamily="18" charset="-127"/>
-                <a:ea typeface="1훈새마을운동 R" panose="02020603020101020101" pitchFamily="18" charset="-127"/>
-              </a:rPr>
-              <a:t>자동 초기값 주입</a:t>
-            </a:r>
-            <a:endParaRPr lang="en-US" altLang="ko-KR" smtClean="0">
-              <a:solidFill>
-                <a:schemeClr val="tx1"/>
-              </a:solidFill>
-              <a:latin typeface="1훈새마을운동 R" panose="02020603020101020101" pitchFamily="18" charset="-127"/>
-              <a:ea typeface="1훈새마을운동 R" panose="02020603020101020101" pitchFamily="18" charset="-127"/>
-            </a:endParaRPr>
-          </a:p>
-          <a:p>
-            <a:r>
-              <a:rPr lang="en-US" altLang="ko-KR" smtClean="0">
-                <a:solidFill>
-                  <a:schemeClr val="tx1"/>
-                </a:solidFill>
-                <a:latin typeface="1훈새마을운동 R" panose="02020603020101020101" pitchFamily="18" charset="-127"/>
-                <a:ea typeface="1훈새마을운동 R" panose="02020603020101020101" pitchFamily="18" charset="-127"/>
-              </a:rPr>
-              <a:t>*</a:t>
-            </a:r>
-            <a:r>
-              <a:rPr lang="ko-KR" altLang="en-US" smtClean="0">
-                <a:solidFill>
-                  <a:schemeClr val="tx1"/>
-                </a:solidFill>
-                <a:latin typeface="1훈새마을운동 R" panose="02020603020101020101" pitchFamily="18" charset="-127"/>
-                <a:ea typeface="1훈새마을운동 R" panose="02020603020101020101" pitchFamily="18" charset="-127"/>
-              </a:rPr>
-              <a:t>함수</a:t>
-            </a:r>
-            <a:endParaRPr lang="en-US" altLang="ko-KR" smtClean="0">
-              <a:solidFill>
-                <a:schemeClr val="tx1"/>
-              </a:solidFill>
-              <a:latin typeface="1훈새마을운동 R" panose="02020603020101020101" pitchFamily="18" charset="-127"/>
-              <a:ea typeface="1훈새마을운동 R" panose="02020603020101020101" pitchFamily="18" charset="-127"/>
-            </a:endParaRPr>
-          </a:p>
-          <a:p>
-            <a:r>
-              <a:rPr lang="en-US" altLang="ko-KR">
-                <a:solidFill>
-                  <a:schemeClr val="tx1"/>
-                </a:solidFill>
-                <a:latin typeface="1훈새마을운동 R" panose="02020603020101020101" pitchFamily="18" charset="-127"/>
-                <a:ea typeface="1훈새마을운동 R" panose="02020603020101020101" pitchFamily="18" charset="-127"/>
-              </a:rPr>
-              <a:t>	</a:t>
-            </a:r>
-            <a:r>
-              <a:rPr lang="en-US" altLang="ko-KR" smtClean="0">
-                <a:solidFill>
-                  <a:schemeClr val="tx1"/>
-                </a:solidFill>
-                <a:latin typeface="1훈새마을운동 R" panose="02020603020101020101" pitchFamily="18" charset="-127"/>
-                <a:ea typeface="1훈새마을운동 R" panose="02020603020101020101" pitchFamily="18" charset="-127"/>
-              </a:rPr>
-              <a:t>1. now()  : </a:t>
-            </a:r>
-            <a:r>
-              <a:rPr lang="ko-KR" altLang="en-US" smtClean="0">
-                <a:solidFill>
-                  <a:schemeClr val="tx1"/>
-                </a:solidFill>
-                <a:latin typeface="1훈새마을운동 R" panose="02020603020101020101" pitchFamily="18" charset="-127"/>
-                <a:ea typeface="1훈새마을운동 R" panose="02020603020101020101" pitchFamily="18" charset="-127"/>
-              </a:rPr>
-              <a:t>시스템 날짜</a:t>
-            </a:r>
-            <a:r>
-              <a:rPr lang="en-US" altLang="ko-KR" smtClean="0">
-                <a:solidFill>
-                  <a:schemeClr val="tx1"/>
-                </a:solidFill>
-                <a:latin typeface="1훈새마을운동 R" panose="02020603020101020101" pitchFamily="18" charset="-127"/>
-                <a:ea typeface="1훈새마을운동 R" panose="02020603020101020101" pitchFamily="18" charset="-127"/>
-              </a:rPr>
-              <a:t>/</a:t>
-            </a:r>
-            <a:r>
-              <a:rPr lang="ko-KR" altLang="en-US" smtClean="0">
-                <a:solidFill>
-                  <a:schemeClr val="tx1"/>
-                </a:solidFill>
-                <a:latin typeface="1훈새마을운동 R" panose="02020603020101020101" pitchFamily="18" charset="-127"/>
-                <a:ea typeface="1훈새마을운동 R" panose="02020603020101020101" pitchFamily="18" charset="-127"/>
-              </a:rPr>
-              <a:t>시간 함수 </a:t>
-            </a:r>
+              <a:rPr lang="en-US" altLang="ko-KR" smtClean="0">
+                <a:solidFill>
+                  <a:schemeClr val="tx1"/>
+                </a:solidFill>
+                <a:latin typeface="1훈새마을운동 R" panose="02020603020101020101" pitchFamily="18" charset="-127"/>
+                <a:ea typeface="1훈새마을운동 R" panose="02020603020101020101" pitchFamily="18" charset="-127"/>
+              </a:rPr>
+              <a:t>*DTO : </a:t>
+            </a:r>
+            <a:r>
+              <a:rPr lang="ko-KR" altLang="en-US" smtClean="0">
+                <a:solidFill>
+                  <a:schemeClr val="tx1"/>
+                </a:solidFill>
+                <a:latin typeface="1훈새마을운동 R" panose="02020603020101020101" pitchFamily="18" charset="-127"/>
+                <a:ea typeface="1훈새마을운동 R" panose="02020603020101020101" pitchFamily="18" charset="-127"/>
+              </a:rPr>
+              <a:t>데이터 이동 객체 </a:t>
+            </a:r>
+            <a:r>
+              <a:rPr lang="en-US" altLang="ko-KR" smtClean="0">
+                <a:solidFill>
+                  <a:schemeClr val="tx1"/>
+                </a:solidFill>
+                <a:latin typeface="1훈새마을운동 R" panose="02020603020101020101" pitchFamily="18" charset="-127"/>
+                <a:ea typeface="1훈새마을운동 R" panose="02020603020101020101" pitchFamily="18" charset="-127"/>
+              </a:rPr>
+              <a:t>[</a:t>
+            </a:r>
+            <a:r>
+              <a:rPr lang="en-US" altLang="ko-KR">
+                <a:latin typeface="1훈새마을운동 R" panose="02020603020101020101" pitchFamily="18" charset="-127"/>
+                <a:ea typeface="1훈새마을운동 R" panose="02020603020101020101" pitchFamily="18" charset="-127"/>
+              </a:rPr>
+              <a:t>Data Transfer </a:t>
+            </a:r>
+            <a:r>
+              <a:rPr lang="en-US" altLang="ko-KR" smtClean="0">
+                <a:latin typeface="1훈새마을운동 R" panose="02020603020101020101" pitchFamily="18" charset="-127"/>
+                <a:ea typeface="1훈새마을운동 R" panose="02020603020101020101" pitchFamily="18" charset="-127"/>
+              </a:rPr>
+              <a:t>Object ] </a:t>
+            </a:r>
+          </a:p>
+          <a:p>
             <a:endParaRPr lang="en-US" altLang="ko-KR">
               <a:solidFill>
                 <a:schemeClr val="tx1"/>
@@ -36719,16 +36361,56 @@
           </a:p>
           <a:p>
             <a:r>
-              <a:rPr lang="en-US" altLang="ko-KR">
-                <a:solidFill>
-                  <a:schemeClr val="tx1"/>
-                </a:solidFill>
-                <a:latin typeface="1훈새마을운동 R" panose="02020603020101020101" pitchFamily="18" charset="-127"/>
-                <a:ea typeface="1훈새마을운동 R" panose="02020603020101020101" pitchFamily="18" charset="-127"/>
-              </a:rPr>
-              <a:t>	</a:t>
+              <a:rPr lang="en-US" altLang="ko-KR" smtClean="0">
+                <a:solidFill>
+                  <a:schemeClr val="tx1"/>
+                </a:solidFill>
+                <a:latin typeface="1훈새마을운동 R" panose="02020603020101020101" pitchFamily="18" charset="-127"/>
+                <a:ea typeface="1훈새마을운동 R" panose="02020603020101020101" pitchFamily="18" charset="-127"/>
+              </a:rPr>
+              <a:t>*DAO : </a:t>
+            </a:r>
+            <a:r>
+              <a:rPr lang="ko-KR" altLang="en-US" smtClean="0">
+                <a:solidFill>
+                  <a:schemeClr val="tx1"/>
+                </a:solidFill>
+                <a:latin typeface="1훈새마을운동 R" panose="02020603020101020101" pitchFamily="18" charset="-127"/>
+                <a:ea typeface="1훈새마을운동 R" panose="02020603020101020101" pitchFamily="18" charset="-127"/>
+              </a:rPr>
+              <a:t>데이터베이스 기능 조작 객체 </a:t>
+            </a:r>
+            <a:r>
+              <a:rPr lang="en-US" altLang="ko-KR" smtClean="0">
+                <a:solidFill>
+                  <a:schemeClr val="tx1"/>
+                </a:solidFill>
+                <a:latin typeface="1훈새마을운동 R" panose="02020603020101020101" pitchFamily="18" charset="-127"/>
+                <a:ea typeface="1훈새마을운동 R" panose="02020603020101020101" pitchFamily="18" charset="-127"/>
+              </a:rPr>
+              <a:t>[</a:t>
+            </a:r>
+            <a:r>
+              <a:rPr lang="en-US" altLang="ko-KR">
+                <a:latin typeface="1훈새마을운동 R" panose="02020603020101020101" pitchFamily="18" charset="-127"/>
+                <a:ea typeface="1훈새마을운동 R" panose="02020603020101020101" pitchFamily="18" charset="-127"/>
+              </a:rPr>
+              <a:t>Data Access </a:t>
+            </a:r>
+            <a:r>
+              <a:rPr lang="en-US" altLang="ko-KR" smtClean="0">
+                <a:latin typeface="1훈새마을운동 R" panose="02020603020101020101" pitchFamily="18" charset="-127"/>
+                <a:ea typeface="1훈새마을운동 R" panose="02020603020101020101" pitchFamily="18" charset="-127"/>
+              </a:rPr>
+              <a:t>Object ] </a:t>
             </a:r>
             <a:endParaRPr lang="en-US" altLang="ko-KR" smtClean="0">
+              <a:latin typeface="1훈새마을운동 R" panose="02020603020101020101" pitchFamily="18" charset="-127"/>
+              <a:ea typeface="1훈새마을운동 R" panose="02020603020101020101" pitchFamily="18" charset="-127"/>
+            </a:endParaRPr>
+          </a:p>
+          <a:p>
+            <a:endParaRPr lang="en-US" altLang="ko-KR">
               <a:solidFill>
                 <a:schemeClr val="tx1"/>
               </a:solidFill>
@@ -36737,17 +36419,31 @@
             </a:endParaRPr>
           </a:p>
           <a:p>
-            <a:r>
-              <a:rPr lang="en-US" altLang="ko-KR">
-                <a:solidFill>
-                  <a:schemeClr val="tx1"/>
-                </a:solidFill>
-                <a:latin typeface="1훈새마을운동 R" panose="02020603020101020101" pitchFamily="18" charset="-127"/>
-                <a:ea typeface="1훈새마을운동 R" panose="02020603020101020101" pitchFamily="18" charset="-127"/>
-              </a:rPr>
-              <a:t>	</a:t>
-            </a:r>
-            <a:endParaRPr lang="en-US" altLang="ko-KR" smtClean="0">
+            <a:pPr lvl="2"/>
+            <a:r>
+              <a:rPr lang="en-US" altLang="ko-KR" sz="1400">
+                <a:solidFill>
+                  <a:schemeClr val="tx1"/>
+                </a:solidFill>
+                <a:latin typeface="1훈새마을운동 R" panose="02020603020101020101" pitchFamily="18" charset="-127"/>
+                <a:ea typeface="1훈새마을운동 R" panose="02020603020101020101" pitchFamily="18" charset="-127"/>
+              </a:rPr>
+              <a:t>V : </a:t>
+            </a:r>
+            <a:r>
+              <a:rPr lang="ko-KR" altLang="en-US" sz="1400">
+                <a:solidFill>
+                  <a:schemeClr val="tx1"/>
+                </a:solidFill>
+                <a:latin typeface="1훈새마을운동 R" panose="02020603020101020101" pitchFamily="18" charset="-127"/>
+                <a:ea typeface="1훈새마을운동 R" panose="02020603020101020101" pitchFamily="18" charset="-127"/>
+              </a:rPr>
+              <a:t>입력받음 </a:t>
+            </a:r>
+          </a:p>
+          <a:p>
+            <a:pPr lvl="2"/>
+            <a:endParaRPr lang="ko-KR" altLang="en-US" sz="1400">
               <a:solidFill>
                 <a:schemeClr val="tx1"/>
               </a:solidFill>
@@ -36756,8 +36452,181 @@
             </a:endParaRPr>
           </a:p>
           <a:p>
-            <a:r>
-              <a:rPr lang="en-US" altLang="ko-KR" smtClean="0">
+            <a:pPr lvl="2"/>
+            <a:r>
+              <a:rPr lang="en-US" altLang="ko-KR" sz="1400">
+                <a:solidFill>
+                  <a:schemeClr val="tx1"/>
+                </a:solidFill>
+                <a:latin typeface="1훈새마을운동 R" panose="02020603020101020101" pitchFamily="18" charset="-127"/>
+                <a:ea typeface="1훈새마을운동 R" panose="02020603020101020101" pitchFamily="18" charset="-127"/>
+              </a:rPr>
+              <a:t>C : </a:t>
+            </a:r>
+            <a:r>
+              <a:rPr lang="ko-KR" altLang="en-US" sz="1400">
+                <a:solidFill>
+                  <a:schemeClr val="tx1"/>
+                </a:solidFill>
+                <a:latin typeface="1훈새마을운동 R" panose="02020603020101020101" pitchFamily="18" charset="-127"/>
+                <a:ea typeface="1훈새마을운동 R" panose="02020603020101020101" pitchFamily="18" charset="-127"/>
+              </a:rPr>
+              <a:t>컨트롤에서 입력받은 값을 객체화 </a:t>
+            </a:r>
+          </a:p>
+          <a:p>
+            <a:pPr lvl="2"/>
+            <a:r>
+              <a:rPr lang="ko-KR" altLang="en-US" sz="1400">
+                <a:solidFill>
+                  <a:schemeClr val="tx1"/>
+                </a:solidFill>
+                <a:latin typeface="1훈새마을운동 R" panose="02020603020101020101" pitchFamily="18" charset="-127"/>
+                <a:ea typeface="1훈새마을운동 R" panose="02020603020101020101" pitchFamily="18" charset="-127"/>
+              </a:rPr>
+              <a:t>	*객체화 </a:t>
+            </a:r>
+            <a:r>
+              <a:rPr lang="en-US" altLang="ko-KR" sz="1400">
+                <a:solidFill>
+                  <a:schemeClr val="tx1"/>
+                </a:solidFill>
+                <a:latin typeface="1훈새마을운동 R" panose="02020603020101020101" pitchFamily="18" charset="-127"/>
+                <a:ea typeface="1훈새마을운동 R" panose="02020603020101020101" pitchFamily="18" charset="-127"/>
+              </a:rPr>
+              <a:t>: </a:t>
+            </a:r>
+            <a:r>
+              <a:rPr lang="ko-KR" altLang="en-US" sz="1400">
+                <a:solidFill>
+                  <a:schemeClr val="tx1"/>
+                </a:solidFill>
+                <a:latin typeface="1훈새마을운동 R" panose="02020603020101020101" pitchFamily="18" charset="-127"/>
+                <a:ea typeface="1훈새마을운동 R" panose="02020603020101020101" pitchFamily="18" charset="-127"/>
+              </a:rPr>
+              <a:t>캡슐화</a:t>
+            </a:r>
+          </a:p>
+          <a:p>
+            <a:pPr lvl="2"/>
+            <a:endParaRPr lang="ko-KR" altLang="en-US" sz="1400">
+              <a:solidFill>
+                <a:schemeClr val="tx1"/>
+              </a:solidFill>
+              <a:latin typeface="1훈새마을운동 R" panose="02020603020101020101" pitchFamily="18" charset="-127"/>
+              <a:ea typeface="1훈새마을운동 R" panose="02020603020101020101" pitchFamily="18" charset="-127"/>
+            </a:endParaRPr>
+          </a:p>
+          <a:p>
+            <a:pPr lvl="2"/>
+            <a:r>
+              <a:rPr lang="en-US" altLang="ko-KR" sz="1400">
+                <a:solidFill>
+                  <a:schemeClr val="tx1"/>
+                </a:solidFill>
+                <a:latin typeface="1훈새마을운동 R" panose="02020603020101020101" pitchFamily="18" charset="-127"/>
+                <a:ea typeface="1훈새마을운동 R" panose="02020603020101020101" pitchFamily="18" charset="-127"/>
+              </a:rPr>
+              <a:t>M : </a:t>
+            </a:r>
+            <a:r>
+              <a:rPr lang="ko-KR" altLang="en-US" sz="1400">
+                <a:solidFill>
+                  <a:schemeClr val="tx1"/>
+                </a:solidFill>
+                <a:latin typeface="1훈새마을운동 R" panose="02020603020101020101" pitchFamily="18" charset="-127"/>
+                <a:ea typeface="1훈새마을운동 R" panose="02020603020101020101" pitchFamily="18" charset="-127"/>
+              </a:rPr>
+              <a:t>클래스</a:t>
+            </a:r>
+            <a:r>
+              <a:rPr lang="en-US" altLang="ko-KR" sz="1400">
+                <a:solidFill>
+                  <a:schemeClr val="tx1"/>
+                </a:solidFill>
+                <a:latin typeface="1훈새마을운동 R" panose="02020603020101020101" pitchFamily="18" charset="-127"/>
+                <a:ea typeface="1훈새마을운동 R" panose="02020603020101020101" pitchFamily="18" charset="-127"/>
+              </a:rPr>
+              <a:t>[</a:t>
+            </a:r>
+            <a:r>
+              <a:rPr lang="ko-KR" altLang="en-US" sz="1400">
+                <a:solidFill>
+                  <a:schemeClr val="tx1"/>
+                </a:solidFill>
+                <a:latin typeface="1훈새마을운동 R" panose="02020603020101020101" pitchFamily="18" charset="-127"/>
+                <a:ea typeface="1훈새마을운동 R" panose="02020603020101020101" pitchFamily="18" charset="-127"/>
+              </a:rPr>
+              <a:t>객체</a:t>
+            </a:r>
+            <a:r>
+              <a:rPr lang="en-US" altLang="ko-KR" sz="1400">
+                <a:solidFill>
+                  <a:schemeClr val="tx1"/>
+                </a:solidFill>
+                <a:latin typeface="1훈새마을운동 R" panose="02020603020101020101" pitchFamily="18" charset="-127"/>
+                <a:ea typeface="1훈새마을운동 R" panose="02020603020101020101" pitchFamily="18" charset="-127"/>
+              </a:rPr>
+              <a:t>]</a:t>
+            </a:r>
+          </a:p>
+          <a:p>
+            <a:pPr lvl="2"/>
+            <a:endParaRPr lang="en-US" altLang="ko-KR" sz="1400">
+              <a:solidFill>
+                <a:schemeClr val="tx1"/>
+              </a:solidFill>
+              <a:latin typeface="1훈새마을운동 R" panose="02020603020101020101" pitchFamily="18" charset="-127"/>
+              <a:ea typeface="1훈새마을운동 R" panose="02020603020101020101" pitchFamily="18" charset="-127"/>
+            </a:endParaRPr>
+          </a:p>
+          <a:p>
+            <a:pPr lvl="2"/>
+            <a:r>
+              <a:rPr lang="en-US" altLang="ko-KR" sz="1400">
+                <a:solidFill>
+                  <a:schemeClr val="tx1"/>
+                </a:solidFill>
+                <a:latin typeface="1훈새마을운동 R" panose="02020603020101020101" pitchFamily="18" charset="-127"/>
+                <a:ea typeface="1훈새마을운동 R" panose="02020603020101020101" pitchFamily="18" charset="-127"/>
+              </a:rPr>
+              <a:t>	DB</a:t>
+            </a:r>
+            <a:r>
+              <a:rPr lang="ko-KR" altLang="en-US" sz="1400">
+                <a:solidFill>
+                  <a:schemeClr val="tx1"/>
+                </a:solidFill>
+                <a:latin typeface="1훈새마을운동 R" panose="02020603020101020101" pitchFamily="18" charset="-127"/>
+                <a:ea typeface="1훈새마을운동 R" panose="02020603020101020101" pitchFamily="18" charset="-127"/>
+              </a:rPr>
+              <a:t>처리</a:t>
+            </a:r>
+            <a:r>
+              <a:rPr lang="en-US" altLang="ko-KR" sz="1400">
+                <a:solidFill>
+                  <a:schemeClr val="tx1"/>
+                </a:solidFill>
+                <a:latin typeface="1훈새마을운동 R" panose="02020603020101020101" pitchFamily="18" charset="-127"/>
+                <a:ea typeface="1훈새마을운동 R" panose="02020603020101020101" pitchFamily="18" charset="-127"/>
+              </a:rPr>
+              <a:t>[CRUD]</a:t>
+            </a:r>
+          </a:p>
+          <a:p>
+            <a:pPr lvl="2"/>
+            <a:endParaRPr lang="en-US" altLang="ko-KR" sz="1400">
+              <a:solidFill>
+                <a:schemeClr val="tx1"/>
+              </a:solidFill>
+              <a:latin typeface="1훈새마을운동 R" panose="02020603020101020101" pitchFamily="18" charset="-127"/>
+              <a:ea typeface="1훈새마을운동 R" panose="02020603020101020101" pitchFamily="18" charset="-127"/>
+            </a:endParaRPr>
+          </a:p>
+          <a:p>
+            <a:pPr lvl="2"/>
+            <a:r>
+              <a:rPr lang="en-US" altLang="ko-KR" sz="1400">
                 <a:solidFill>
                   <a:schemeClr val="tx1"/>
                 </a:solidFill>
@@ -36766,66 +36635,57 @@
               </a:rPr>
               <a:t>	</a:t>
             </a:r>
-          </a:p>
-          <a:p>
-            <a:r>
-              <a:rPr lang="en-US" altLang="ko-KR" smtClean="0">
-                <a:solidFill>
-                  <a:schemeClr val="tx1"/>
-                </a:solidFill>
-                <a:latin typeface="1훈새마을운동 R" panose="02020603020101020101" pitchFamily="18" charset="-127"/>
-                <a:ea typeface="1훈새마을운동 R" panose="02020603020101020101" pitchFamily="18" charset="-127"/>
-              </a:rPr>
-              <a:t>	</a:t>
-            </a:r>
+            <a:r>
+              <a:rPr lang="ko-KR" altLang="en-US" sz="1400">
+                <a:solidFill>
+                  <a:schemeClr val="tx1"/>
+                </a:solidFill>
+                <a:latin typeface="1훈새마을운동 R" panose="02020603020101020101" pitchFamily="18" charset="-127"/>
+                <a:ea typeface="1훈새마을운동 R" panose="02020603020101020101" pitchFamily="18" charset="-127"/>
+              </a:rPr>
+              <a:t>결과</a:t>
+            </a:r>
+            <a:endParaRPr lang="en-US" altLang="ko-KR" sz="1400" smtClean="0">
+              <a:solidFill>
+                <a:schemeClr val="tx1"/>
+              </a:solidFill>
+              <a:latin typeface="1훈새마을운동 R" panose="02020603020101020101" pitchFamily="18" charset="-127"/>
+              <a:ea typeface="1훈새마을운동 R" panose="02020603020101020101" pitchFamily="18" charset="-127"/>
+            </a:endParaRPr>
+          </a:p>
+          <a:p>
+            <a:endParaRPr lang="en-US" altLang="ko-KR">
+              <a:solidFill>
+                <a:schemeClr val="tx1"/>
+              </a:solidFill>
+              <a:latin typeface="1훈새마을운동 R" panose="02020603020101020101" pitchFamily="18" charset="-127"/>
+              <a:ea typeface="1훈새마을운동 R" panose="02020603020101020101" pitchFamily="18" charset="-127"/>
+            </a:endParaRPr>
+          </a:p>
+          <a:p>
+            <a:endParaRPr lang="en-US" altLang="ko-KR">
+              <a:solidFill>
+                <a:schemeClr val="tx1"/>
+              </a:solidFill>
+              <a:latin typeface="1훈새마을운동 R" panose="02020603020101020101" pitchFamily="18" charset="-127"/>
+              <a:ea typeface="1훈새마을운동 R" panose="02020603020101020101" pitchFamily="18" charset="-127"/>
+            </a:endParaRPr>
+          </a:p>
+          <a:p>
+            <a:endParaRPr lang="en-US" altLang="ko-KR">
+              <a:solidFill>
+                <a:schemeClr val="tx1"/>
+              </a:solidFill>
+              <a:latin typeface="1훈새마을운동 R" panose="02020603020101020101" pitchFamily="18" charset="-127"/>
+              <a:ea typeface="1훈새마을운동 R" panose="02020603020101020101" pitchFamily="18" charset="-127"/>
+            </a:endParaRPr>
           </a:p>
         </p:txBody>
       </p:sp>
-      <p:pic>
-        <p:nvPicPr>
-          <p:cNvPr id="1026" name="Picture 2" descr="데이터베이스] 용어 정리"/>
-          <p:cNvPicPr>
-            <a:picLocks noChangeAspect="1" noChangeArrowheads="1"/>
-          </p:cNvPicPr>
-          <p:nvPr/>
-        </p:nvPicPr>
-        <p:blipFill>
-          <a:blip r:embed="rId2">
-            <a:extLst>
-              <a:ext uri="{28A0092B-C50C-407E-A947-70E740481C1C}">
-                <a14:useLocalDpi xmlns:a14="http://schemas.microsoft.com/office/drawing/2010/main" val="0"/>
-              </a:ext>
-            </a:extLst>
-          </a:blip>
-          <a:srcRect/>
-          <a:stretch>
-            <a:fillRect/>
-          </a:stretch>
-        </p:blipFill>
-        <p:spPr bwMode="auto">
-          <a:xfrm>
-            <a:off x="3944888" y="209112"/>
-            <a:ext cx="4320480" cy="2118090"/>
-          </a:xfrm>
-          <a:prstGeom prst="rect">
-            <a:avLst/>
-          </a:prstGeom>
-          <a:noFill/>
-          <a:extLst>
-            <a:ext uri="{909E8E84-426E-40DD-AFC4-6F175D3DCCD1}">
-              <a14:hiddenFill xmlns:a14="http://schemas.microsoft.com/office/drawing/2010/main">
-                <a:solidFill>
-                  <a:srgbClr val="FFFFFF"/>
-                </a:solidFill>
-              </a14:hiddenFill>
-            </a:ext>
-          </a:extLst>
-        </p:spPr>
-      </p:pic>
     </p:spTree>
     <p:extLst>
       <p:ext uri="{BB962C8B-B14F-4D97-AF65-F5344CB8AC3E}">
-        <p14:creationId xmlns:p14="http://schemas.microsoft.com/office/powerpoint/2010/main" val="4049022657"/>
+        <p14:creationId xmlns:p14="http://schemas.microsoft.com/office/powerpoint/2010/main" val="681057412"/>
       </p:ext>
     </p:extLst>
   </p:cSld>
@@ -36894,17 +36754,17 @@
                 <a:latin typeface="1훈새마을운동 R" panose="02020603020101020101" pitchFamily="18" charset="-127"/>
                 <a:ea typeface="1훈새마을운동 R" panose="02020603020101020101" pitchFamily="18" charset="-127"/>
               </a:rPr>
-              <a:t>*SQL : </a:t>
-            </a:r>
-            <a:r>
-              <a:rPr lang="ko-KR" altLang="en-US" smtClean="0">
-                <a:solidFill>
-                  <a:schemeClr val="tx1"/>
-                </a:solidFill>
-                <a:latin typeface="1훈새마을운동 R" panose="02020603020101020101" pitchFamily="18" charset="-127"/>
-                <a:ea typeface="1훈새마을운동 R" panose="02020603020101020101" pitchFamily="18" charset="-127"/>
-              </a:rPr>
-              <a:t>데이터베이스 관리 언어</a:t>
+              <a:t>*</a:t>
+            </a:r>
+            <a:r>
+              <a:rPr lang="ko-KR" altLang="en-US" smtClean="0">
+                <a:solidFill>
+                  <a:schemeClr val="tx1"/>
+                </a:solidFill>
+                <a:latin typeface="1훈새마을운동 R" panose="02020603020101020101" pitchFamily="18" charset="-127"/>
+                <a:ea typeface="1훈새마을운동 R" panose="02020603020101020101" pitchFamily="18" charset="-127"/>
+              </a:rPr>
+              <a:t>주요 인터페이스</a:t>
             </a:r>
             <a:endParaRPr lang="en-US" altLang="ko-KR" smtClean="0">
               <a:solidFill>
@@ -36916,42 +36776,47 @@
           </a:p>
           <a:p>
             <a:r>
-              <a:rPr lang="en-US" altLang="ko-KR" smtClean="0">
-                <a:solidFill>
-                  <a:schemeClr val="tx1"/>
-                </a:solidFill>
-                <a:latin typeface="1훈새마을운동 R" panose="02020603020101020101" pitchFamily="18" charset="-127"/>
-                <a:ea typeface="1훈새마을운동 R" panose="02020603020101020101" pitchFamily="18" charset="-127"/>
-              </a:rPr>
-              <a:t>	DDL [ </a:t>
-            </a:r>
-            <a:r>
-              <a:rPr lang="ko-KR" altLang="en-US" smtClean="0">
-                <a:solidFill>
-                  <a:schemeClr val="tx1"/>
-                </a:solidFill>
-                <a:latin typeface="1훈새마을운동 R" panose="02020603020101020101" pitchFamily="18" charset="-127"/>
-                <a:ea typeface="1훈새마을운동 R" panose="02020603020101020101" pitchFamily="18" charset="-127"/>
-              </a:rPr>
-              <a:t>정의어 </a:t>
-            </a:r>
-            <a:r>
-              <a:rPr lang="en-US" altLang="ko-KR" smtClean="0">
-                <a:solidFill>
-                  <a:schemeClr val="tx1"/>
-                </a:solidFill>
-                <a:latin typeface="1훈새마을운동 R" panose="02020603020101020101" pitchFamily="18" charset="-127"/>
-                <a:ea typeface="1훈새마을운동 R" panose="02020603020101020101" pitchFamily="18" charset="-127"/>
-              </a:rPr>
-              <a:t>]</a:t>
-            </a:r>
-          </a:p>
-          <a:p>
-            <a:r>
-              <a:rPr lang="en-US" altLang="ko-KR">
-                <a:solidFill>
-                  <a:schemeClr val="tx1"/>
-                </a:solidFill>
+              <a:rPr lang="ko-KR" altLang="en-US" smtClean="0">
+                <a:solidFill>
+                  <a:schemeClr val="tx1"/>
+                </a:solidFill>
+                <a:latin typeface="1훈새마을운동 R" panose="02020603020101020101" pitchFamily="18" charset="-127"/>
+                <a:ea typeface="1훈새마을운동 R" panose="02020603020101020101" pitchFamily="18" charset="-127"/>
+              </a:rPr>
+              <a:t> </a:t>
+            </a:r>
+            <a:r>
+              <a:rPr lang="en-US" altLang="ko-KR" smtClean="0">
+                <a:solidFill>
+                  <a:schemeClr val="tx1"/>
+                </a:solidFill>
+                <a:latin typeface="1훈새마을운동 R" panose="02020603020101020101" pitchFamily="18" charset="-127"/>
+                <a:ea typeface="1훈새마을운동 R" panose="02020603020101020101" pitchFamily="18" charset="-127"/>
+              </a:rPr>
+              <a:t>	1. </a:t>
+            </a:r>
+            <a:r>
+              <a:rPr lang="en-US" altLang="ko-KR" smtClean="0">
+                <a:latin typeface="1훈새마을운동 R" panose="02020603020101020101" pitchFamily="18" charset="-127"/>
+                <a:ea typeface="1훈새마을운동 R" panose="02020603020101020101" pitchFamily="18" charset="-127"/>
+              </a:rPr>
+              <a:t>Connection		DB </a:t>
+            </a:r>
+            <a:r>
+              <a:rPr lang="ko-KR" altLang="en-US" smtClean="0">
+                <a:latin typeface="1훈새마을운동 R" panose="02020603020101020101" pitchFamily="18" charset="-127"/>
+                <a:ea typeface="1훈새마을운동 R" panose="02020603020101020101" pitchFamily="18" charset="-127"/>
+              </a:rPr>
+              <a:t>연결 인터페이스 </a:t>
+            </a:r>
+            <a:endParaRPr lang="en-US" altLang="ko-KR" smtClean="0">
+              <a:latin typeface="1훈새마을운동 R" panose="02020603020101020101" pitchFamily="18" charset="-127"/>
+              <a:ea typeface="1훈새마을운동 R" panose="02020603020101020101" pitchFamily="18" charset="-127"/>
+            </a:endParaRPr>
+          </a:p>
+          <a:p>
+            <a:r>
+              <a:rPr lang="en-US" altLang="ko-KR">
                 <a:latin typeface="1훈새마을운동 R" panose="02020603020101020101" pitchFamily="18" charset="-127"/>
                 <a:ea typeface="1훈새마을운동 R" panose="02020603020101020101" pitchFamily="18" charset="-127"/>
               </a:rPr>
@@ -36959,23 +36824,205 @@
             </a:r>
             <a:r>
               <a:rPr lang="en-US" altLang="ko-KR" smtClean="0">
-                <a:solidFill>
-                  <a:schemeClr val="tx1"/>
-                </a:solidFill>
-                <a:latin typeface="1훈새마을운동 R" panose="02020603020101020101" pitchFamily="18" charset="-127"/>
-                <a:ea typeface="1훈새마을운동 R" panose="02020603020101020101" pitchFamily="18" charset="-127"/>
-              </a:rPr>
-              <a:t>	1. Create : </a:t>
-            </a:r>
-            <a:r>
-              <a:rPr lang="ko-KR" altLang="en-US" smtClean="0">
-                <a:solidFill>
-                  <a:schemeClr val="tx1"/>
-                </a:solidFill>
-                <a:latin typeface="1훈새마을운동 R" panose="02020603020101020101" pitchFamily="18" charset="-127"/>
-                <a:ea typeface="1훈새마을운동 R" panose="02020603020101020101" pitchFamily="18" charset="-127"/>
-              </a:rPr>
-              <a:t>생성 </a:t>
+                <a:latin typeface="1훈새마을운동 R" panose="02020603020101020101" pitchFamily="18" charset="-127"/>
+                <a:ea typeface="1훈새마을운동 R" panose="02020603020101020101" pitchFamily="18" charset="-127"/>
+              </a:rPr>
+              <a:t>	* DriverManager.getConnection(  )</a:t>
+            </a:r>
+          </a:p>
+          <a:p>
+            <a:r>
+              <a:rPr lang="en-US" altLang="ko-KR">
+                <a:solidFill>
+                  <a:schemeClr val="tx1"/>
+                </a:solidFill>
+                <a:latin typeface="1훈새마을운동 R" panose="02020603020101020101" pitchFamily="18" charset="-127"/>
+                <a:ea typeface="1훈새마을운동 R" panose="02020603020101020101" pitchFamily="18" charset="-127"/>
+              </a:rPr>
+              <a:t>	</a:t>
+            </a:r>
+            <a:r>
+              <a:rPr lang="en-US" altLang="ko-KR" smtClean="0">
+                <a:solidFill>
+                  <a:schemeClr val="tx1"/>
+                </a:solidFill>
+                <a:latin typeface="1훈새마을운동 R" panose="02020603020101020101" pitchFamily="18" charset="-127"/>
+                <a:ea typeface="1훈새마을운동 R" panose="02020603020101020101" pitchFamily="18" charset="-127"/>
+              </a:rPr>
+              <a:t>2. </a:t>
+            </a:r>
+            <a:r>
+              <a:rPr lang="en-US" altLang="ko-KR" smtClean="0">
+                <a:latin typeface="1훈새마을운동 R" panose="02020603020101020101" pitchFamily="18" charset="-127"/>
+                <a:ea typeface="1훈새마을운동 R" panose="02020603020101020101" pitchFamily="18" charset="-127"/>
+              </a:rPr>
+              <a:t>PreparedStatement	SQL </a:t>
+            </a:r>
+            <a:r>
+              <a:rPr lang="ko-KR" altLang="en-US" smtClean="0">
+                <a:latin typeface="1훈새마을운동 R" panose="02020603020101020101" pitchFamily="18" charset="-127"/>
+                <a:ea typeface="1훈새마을운동 R" panose="02020603020101020101" pitchFamily="18" charset="-127"/>
+              </a:rPr>
+              <a:t>연결 조</a:t>
+            </a:r>
+            <a:r>
+              <a:rPr lang="ko-KR" altLang="en-US">
+                <a:latin typeface="1훈새마을운동 R" panose="02020603020101020101" pitchFamily="18" charset="-127"/>
+                <a:ea typeface="1훈새마을운동 R" panose="02020603020101020101" pitchFamily="18" charset="-127"/>
+              </a:rPr>
+              <a:t>작</a:t>
+            </a:r>
+            <a:r>
+              <a:rPr lang="ko-KR" altLang="en-US" smtClean="0">
+                <a:latin typeface="1훈새마을운동 R" panose="02020603020101020101" pitchFamily="18" charset="-127"/>
+                <a:ea typeface="1훈새마을운동 R" panose="02020603020101020101" pitchFamily="18" charset="-127"/>
+              </a:rPr>
+              <a:t> 인터페이스 </a:t>
+            </a:r>
+            <a:endParaRPr lang="en-US" altLang="ko-KR" smtClean="0">
+              <a:latin typeface="1훈새마을운동 R" panose="02020603020101020101" pitchFamily="18" charset="-127"/>
+              <a:ea typeface="1훈새마을운동 R" panose="02020603020101020101" pitchFamily="18" charset="-127"/>
+            </a:endParaRPr>
+          </a:p>
+          <a:p>
+            <a:r>
+              <a:rPr lang="en-US" altLang="ko-KR">
+                <a:latin typeface="1훈새마을운동 R" panose="02020603020101020101" pitchFamily="18" charset="-127"/>
+                <a:ea typeface="1훈새마을운동 R" panose="02020603020101020101" pitchFamily="18" charset="-127"/>
+              </a:rPr>
+              <a:t>	</a:t>
+            </a:r>
+            <a:r>
+              <a:rPr lang="en-US" altLang="ko-KR" smtClean="0">
+                <a:latin typeface="1훈새마을운동 R" panose="02020603020101020101" pitchFamily="18" charset="-127"/>
+                <a:ea typeface="1훈새마을운동 R" panose="02020603020101020101" pitchFamily="18" charset="-127"/>
+              </a:rPr>
+              <a:t>	* ? </a:t>
+            </a:r>
+            <a:r>
+              <a:rPr lang="ko-KR" altLang="en-US" smtClean="0">
+                <a:latin typeface="1훈새마을운동 R" panose="02020603020101020101" pitchFamily="18" charset="-127"/>
+                <a:ea typeface="1훈새마을운동 R" panose="02020603020101020101" pitchFamily="18" charset="-127"/>
+              </a:rPr>
+              <a:t>에 데이터 넣기</a:t>
+            </a:r>
+            <a:endParaRPr lang="en-US" altLang="ko-KR">
+              <a:latin typeface="1훈새마을운동 R" panose="02020603020101020101" pitchFamily="18" charset="-127"/>
+              <a:ea typeface="1훈새마을운동 R" panose="02020603020101020101" pitchFamily="18" charset="-127"/>
+            </a:endParaRPr>
+          </a:p>
+          <a:p>
+            <a:r>
+              <a:rPr lang="en-US" altLang="ko-KR" smtClean="0">
+                <a:latin typeface="1훈새마을운동 R" panose="02020603020101020101" pitchFamily="18" charset="-127"/>
+                <a:ea typeface="1훈새마을운동 R" panose="02020603020101020101" pitchFamily="18" charset="-127"/>
+              </a:rPr>
+              <a:t>		* preparedStatement.executeQuery(); 		: Select</a:t>
+            </a:r>
+          </a:p>
+          <a:p>
+            <a:r>
+              <a:rPr lang="en-US" altLang="ko-KR">
+                <a:latin typeface="1훈새마을운동 R" panose="02020603020101020101" pitchFamily="18" charset="-127"/>
+                <a:ea typeface="1훈새마을운동 R" panose="02020603020101020101" pitchFamily="18" charset="-127"/>
+              </a:rPr>
+              <a:t>	</a:t>
+            </a:r>
+            <a:r>
+              <a:rPr lang="en-US" altLang="ko-KR" smtClean="0">
+                <a:latin typeface="1훈새마을운동 R" panose="02020603020101020101" pitchFamily="18" charset="-127"/>
+                <a:ea typeface="1훈새마을운동 R" panose="02020603020101020101" pitchFamily="18" charset="-127"/>
+              </a:rPr>
+              <a:t>	* preparedStatement.executeUpdate(); 		: insert , update , delete</a:t>
+            </a:r>
+          </a:p>
+          <a:p>
+            <a:r>
+              <a:rPr lang="en-US" altLang="ko-KR">
+                <a:solidFill>
+                  <a:schemeClr val="tx1"/>
+                </a:solidFill>
+                <a:latin typeface="1훈새마을운동 R" panose="02020603020101020101" pitchFamily="18" charset="-127"/>
+                <a:ea typeface="1훈새마을운동 R" panose="02020603020101020101" pitchFamily="18" charset="-127"/>
+              </a:rPr>
+              <a:t>	</a:t>
+            </a:r>
+            <a:r>
+              <a:rPr lang="en-US" altLang="ko-KR" smtClean="0">
+                <a:solidFill>
+                  <a:schemeClr val="tx1"/>
+                </a:solidFill>
+                <a:latin typeface="1훈새마을운동 R" panose="02020603020101020101" pitchFamily="18" charset="-127"/>
+                <a:ea typeface="1훈새마을운동 R" panose="02020603020101020101" pitchFamily="18" charset="-127"/>
+              </a:rPr>
+              <a:t>3. </a:t>
+            </a:r>
+            <a:r>
+              <a:rPr lang="en-US" altLang="ko-KR">
+                <a:latin typeface="1훈새마을운동 R" panose="02020603020101020101" pitchFamily="18" charset="-127"/>
+                <a:ea typeface="1훈새마을운동 R" panose="02020603020101020101" pitchFamily="18" charset="-127"/>
+              </a:rPr>
+              <a:t>ResultSet</a:t>
+            </a:r>
+            <a:r>
+              <a:rPr lang="en-US" altLang="ko-KR" smtClean="0">
+                <a:solidFill>
+                  <a:schemeClr val="tx1"/>
+                </a:solidFill>
+                <a:latin typeface="1훈새마을운동 R" panose="02020603020101020101" pitchFamily="18" charset="-127"/>
+                <a:ea typeface="1훈새마을운동 R" panose="02020603020101020101" pitchFamily="18" charset="-127"/>
+              </a:rPr>
+              <a:t>		SQL </a:t>
+            </a:r>
+            <a:r>
+              <a:rPr lang="ko-KR" altLang="en-US" smtClean="0">
+                <a:solidFill>
+                  <a:schemeClr val="tx1"/>
+                </a:solidFill>
+                <a:latin typeface="1훈새마을운동 R" panose="02020603020101020101" pitchFamily="18" charset="-127"/>
+                <a:ea typeface="1훈새마을운동 R" panose="02020603020101020101" pitchFamily="18" charset="-127"/>
+              </a:rPr>
+              <a:t>결과</a:t>
+            </a:r>
+            <a:r>
+              <a:rPr lang="en-US" altLang="ko-KR" smtClean="0">
+                <a:solidFill>
+                  <a:schemeClr val="tx1"/>
+                </a:solidFill>
+                <a:latin typeface="1훈새마을운동 R" panose="02020603020101020101" pitchFamily="18" charset="-127"/>
+                <a:ea typeface="1훈새마을운동 R" panose="02020603020101020101" pitchFamily="18" charset="-127"/>
+              </a:rPr>
+              <a:t>[</a:t>
+            </a:r>
+            <a:r>
+              <a:rPr lang="ko-KR" altLang="en-US" smtClean="0">
+                <a:solidFill>
+                  <a:schemeClr val="tx1"/>
+                </a:solidFill>
+                <a:latin typeface="1훈새마을운동 R" panose="02020603020101020101" pitchFamily="18" charset="-127"/>
+                <a:ea typeface="1훈새마을운동 R" panose="02020603020101020101" pitchFamily="18" charset="-127"/>
+              </a:rPr>
+              <a:t>쿼리</a:t>
+            </a:r>
+            <a:r>
+              <a:rPr lang="en-US" altLang="ko-KR" smtClean="0">
+                <a:solidFill>
+                  <a:schemeClr val="tx1"/>
+                </a:solidFill>
+                <a:latin typeface="1훈새마을운동 R" panose="02020603020101020101" pitchFamily="18" charset="-127"/>
+                <a:ea typeface="1훈새마을운동 R" panose="02020603020101020101" pitchFamily="18" charset="-127"/>
+              </a:rPr>
+              <a:t>] </a:t>
+            </a:r>
+            <a:r>
+              <a:rPr lang="ko-KR" altLang="en-US" smtClean="0">
+                <a:solidFill>
+                  <a:schemeClr val="tx1"/>
+                </a:solidFill>
+                <a:latin typeface="1훈새마을운동 R" panose="02020603020101020101" pitchFamily="18" charset="-127"/>
+                <a:ea typeface="1훈새마을운동 R" panose="02020603020101020101" pitchFamily="18" charset="-127"/>
+              </a:rPr>
+              <a:t> 연결 인터페이스</a:t>
             </a:r>
             <a:endParaRPr lang="en-US" altLang="ko-KR" smtClean="0">
               <a:solidFill>
@@ -36987,34 +37034,34 @@
           </a:p>
           <a:p>
             <a:r>
-              <a:rPr lang="en-US" altLang="ko-KR" smtClean="0">
-                <a:solidFill>
-                  <a:schemeClr val="tx1"/>
-                </a:solidFill>
-                <a:latin typeface="1훈새마을운동 R" panose="02020603020101020101" pitchFamily="18" charset="-127"/>
-                <a:ea typeface="1훈새마을운동 R" panose="02020603020101020101" pitchFamily="18" charset="-127"/>
-              </a:rPr>
-              <a:t>			</a:t>
-            </a:r>
-            <a:r>
-              <a:rPr lang="en-US" altLang="ko-KR" smtClean="0">
-                <a:solidFill>
-                  <a:schemeClr val="tx1"/>
-                </a:solidFill>
-                <a:latin typeface="1훈새마을운동 R" panose="02020603020101020101" pitchFamily="18" charset="-127"/>
-                <a:ea typeface="1훈새마을운동 R" panose="02020603020101020101" pitchFamily="18" charset="-127"/>
-              </a:rPr>
-              <a:t>DB : create database db</a:t>
-            </a:r>
-            <a:r>
-              <a:rPr lang="ko-KR" altLang="en-US" smtClean="0">
-                <a:solidFill>
-                  <a:schemeClr val="tx1"/>
-                </a:solidFill>
-                <a:latin typeface="1훈새마을운동 R" panose="02020603020101020101" pitchFamily="18" charset="-127"/>
-                <a:ea typeface="1훈새마을운동 R" panose="02020603020101020101" pitchFamily="18" charset="-127"/>
-              </a:rPr>
-              <a:t>명 </a:t>
+              <a:rPr lang="en-US" altLang="ko-KR">
+                <a:solidFill>
+                  <a:schemeClr val="tx1"/>
+                </a:solidFill>
+                <a:latin typeface="1훈새마을운동 R" panose="02020603020101020101" pitchFamily="18" charset="-127"/>
+                <a:ea typeface="1훈새마을운동 R" panose="02020603020101020101" pitchFamily="18" charset="-127"/>
+              </a:rPr>
+              <a:t>	</a:t>
+            </a:r>
+            <a:r>
+              <a:rPr lang="en-US" altLang="ko-KR" smtClean="0">
+                <a:solidFill>
+                  <a:schemeClr val="tx1"/>
+                </a:solidFill>
+                <a:latin typeface="1훈새마을운동 R" panose="02020603020101020101" pitchFamily="18" charset="-127"/>
+                <a:ea typeface="1훈새마을운동 R" panose="02020603020101020101" pitchFamily="18" charset="-127"/>
+              </a:rPr>
+              <a:t>	.next : </a:t>
+            </a:r>
+            <a:r>
+              <a:rPr lang="ko-KR" altLang="en-US" smtClean="0">
+                <a:solidFill>
+                  <a:schemeClr val="tx1"/>
+                </a:solidFill>
+                <a:latin typeface="1훈새마을운동 R" panose="02020603020101020101" pitchFamily="18" charset="-127"/>
+                <a:ea typeface="1훈새마을운동 R" panose="02020603020101020101" pitchFamily="18" charset="-127"/>
+              </a:rPr>
+              <a:t>쿼리 결과의 다음 레코드 가져오기 </a:t>
             </a:r>
             <a:endParaRPr lang="en-US" altLang="ko-KR" smtClean="0">
               <a:solidFill>
@@ -37033,141 +37080,49 @@
                 <a:latin typeface="1훈새마을운동 R" panose="02020603020101020101" pitchFamily="18" charset="-127"/>
                 <a:ea typeface="1훈새마을운동 R" panose="02020603020101020101" pitchFamily="18" charset="-127"/>
               </a:rPr>
-              <a:t>			Table : create table db</a:t>
-            </a:r>
-            <a:r>
-              <a:rPr lang="ko-KR" altLang="en-US" smtClean="0">
-                <a:solidFill>
-                  <a:schemeClr val="tx1"/>
-                </a:solidFill>
-                <a:latin typeface="1훈새마을운동 R" panose="02020603020101020101" pitchFamily="18" charset="-127"/>
-                <a:ea typeface="1훈새마을운동 R" panose="02020603020101020101" pitchFamily="18" charset="-127"/>
-              </a:rPr>
-              <a:t>명</a:t>
-            </a:r>
-            <a:r>
-              <a:rPr lang="en-US" altLang="ko-KR" smtClean="0">
-                <a:solidFill>
-                  <a:schemeClr val="tx1"/>
-                </a:solidFill>
+              <a:t>		</a:t>
+            </a:r>
+            <a:r>
+              <a:rPr lang="en-US" altLang="ko-KR">
                 <a:latin typeface="1훈새마을운동 R" panose="02020603020101020101" pitchFamily="18" charset="-127"/>
                 <a:ea typeface="1훈새마을운동 R" panose="02020603020101020101" pitchFamily="18" charset="-127"/>
               </a:rPr>
               <a:t>.</a:t>
             </a:r>
             <a:r>
-              <a:rPr lang="ko-KR" altLang="en-US" smtClean="0">
-                <a:solidFill>
-                  <a:schemeClr val="tx1"/>
-                </a:solidFill>
-                <a:latin typeface="1훈새마을운동 R" panose="02020603020101020101" pitchFamily="18" charset="-127"/>
-                <a:ea typeface="1훈새마을운동 R" panose="02020603020101020101" pitchFamily="18" charset="-127"/>
-              </a:rPr>
-              <a:t>테이블명</a:t>
-            </a:r>
-            <a:r>
-              <a:rPr lang="en-US" altLang="ko-KR" smtClean="0">
-                <a:solidFill>
-                  <a:schemeClr val="tx1"/>
-                </a:solidFill>
-                <a:latin typeface="1훈새마을운동 R" panose="02020603020101020101" pitchFamily="18" charset="-127"/>
-                <a:ea typeface="1훈새마을운동 R" panose="02020603020101020101" pitchFamily="18" charset="-127"/>
-              </a:rPr>
-              <a:t>(        </a:t>
-            </a:r>
-          </a:p>
-          <a:p>
-            <a:endParaRPr lang="en-US" altLang="ko-KR">
-              <a:solidFill>
-                <a:schemeClr val="tx1"/>
-              </a:solidFill>
+              <a:rPr lang="en-US" altLang="ko-KR" smtClean="0">
+                <a:latin typeface="1훈새마을운동 R" panose="02020603020101020101" pitchFamily="18" charset="-127"/>
+                <a:ea typeface="1훈새마을운동 R" panose="02020603020101020101" pitchFamily="18" charset="-127"/>
+              </a:rPr>
+              <a:t>get</a:t>
+            </a:r>
+            <a:r>
+              <a:rPr lang="ko-KR" altLang="en-US" smtClean="0">
+                <a:latin typeface="1훈새마을운동 R" panose="02020603020101020101" pitchFamily="18" charset="-127"/>
+                <a:ea typeface="1훈새마을운동 R" panose="02020603020101020101" pitchFamily="18" charset="-127"/>
+              </a:rPr>
+              <a:t>자료형</a:t>
+            </a:r>
+            <a:r>
+              <a:rPr lang="en-US" altLang="ko-KR" smtClean="0">
+                <a:latin typeface="1훈새마을운동 R" panose="02020603020101020101" pitchFamily="18" charset="-127"/>
+                <a:ea typeface="1훈새마을운동 R" panose="02020603020101020101" pitchFamily="18" charset="-127"/>
+              </a:rPr>
+              <a:t> : </a:t>
+            </a:r>
+            <a:r>
+              <a:rPr lang="ko-KR" altLang="en-US" smtClean="0">
+                <a:latin typeface="1훈새마을운동 R" panose="02020603020101020101" pitchFamily="18" charset="-127"/>
+                <a:ea typeface="1훈새마을운동 R" panose="02020603020101020101" pitchFamily="18" charset="-127"/>
+              </a:rPr>
+              <a:t>현재 레코드의 필드 가져오기 </a:t>
+            </a:r>
+            <a:endParaRPr lang="en-US" altLang="ko-KR" smtClean="0">
               <a:latin typeface="1훈새마을운동 R" panose="02020603020101020101" pitchFamily="18" charset="-127"/>
               <a:ea typeface="1훈새마을운동 R" panose="02020603020101020101" pitchFamily="18" charset="-127"/>
             </a:endParaRPr>
           </a:p>
           <a:p>
-            <a:r>
-              <a:rPr lang="en-US" altLang="ko-KR" smtClean="0">
-                <a:solidFill>
-                  <a:schemeClr val="tx1"/>
-                </a:solidFill>
-                <a:latin typeface="1훈새마을운동 R" panose="02020603020101020101" pitchFamily="18" charset="-127"/>
-                <a:ea typeface="1훈새마을운동 R" panose="02020603020101020101" pitchFamily="18" charset="-127"/>
-              </a:rPr>
-              <a:t>				</a:t>
-            </a:r>
-            <a:r>
-              <a:rPr lang="ko-KR" altLang="en-US" smtClean="0">
-                <a:solidFill>
-                  <a:schemeClr val="tx1"/>
-                </a:solidFill>
-                <a:latin typeface="1훈새마을운동 R" panose="02020603020101020101" pitchFamily="18" charset="-127"/>
-                <a:ea typeface="1훈새마을운동 R" panose="02020603020101020101" pitchFamily="18" charset="-127"/>
-              </a:rPr>
-              <a:t>필드명 자료형 속성 </a:t>
-            </a:r>
-            <a:r>
-              <a:rPr lang="en-US" altLang="ko-KR" smtClean="0">
-                <a:solidFill>
-                  <a:schemeClr val="tx1"/>
-                </a:solidFill>
-                <a:latin typeface="1훈새마을운동 R" panose="02020603020101020101" pitchFamily="18" charset="-127"/>
-                <a:ea typeface="1훈새마을운동 R" panose="02020603020101020101" pitchFamily="18" charset="-127"/>
-              </a:rPr>
-              <a:t>,</a:t>
-            </a:r>
-          </a:p>
-          <a:p>
-            <a:r>
-              <a:rPr lang="en-US" altLang="ko-KR">
-                <a:solidFill>
-                  <a:schemeClr val="tx1"/>
-                </a:solidFill>
-                <a:latin typeface="1훈새마을운동 R" panose="02020603020101020101" pitchFamily="18" charset="-127"/>
-                <a:ea typeface="1훈새마을운동 R" panose="02020603020101020101" pitchFamily="18" charset="-127"/>
-              </a:rPr>
-              <a:t>	</a:t>
-            </a:r>
-            <a:r>
-              <a:rPr lang="en-US" altLang="ko-KR" smtClean="0">
-                <a:solidFill>
-                  <a:schemeClr val="tx1"/>
-                </a:solidFill>
-                <a:latin typeface="1훈새마을운동 R" panose="02020603020101020101" pitchFamily="18" charset="-127"/>
-                <a:ea typeface="1훈새마을운동 R" panose="02020603020101020101" pitchFamily="18" charset="-127"/>
-              </a:rPr>
-              <a:t>			</a:t>
-            </a:r>
-            <a:r>
-              <a:rPr lang="ko-KR" altLang="en-US" smtClean="0">
-                <a:solidFill>
-                  <a:schemeClr val="tx1"/>
-                </a:solidFill>
-                <a:latin typeface="1훈새마을운동 R" panose="02020603020101020101" pitchFamily="18" charset="-127"/>
-                <a:ea typeface="1훈새마을운동 R" panose="02020603020101020101" pitchFamily="18" charset="-127"/>
-              </a:rPr>
-              <a:t>필드명</a:t>
-            </a:r>
-            <a:r>
-              <a:rPr lang="en-US" altLang="ko-KR" smtClean="0">
-                <a:solidFill>
-                  <a:schemeClr val="tx1"/>
-                </a:solidFill>
-                <a:latin typeface="1훈새마을운동 R" panose="02020603020101020101" pitchFamily="18" charset="-127"/>
-                <a:ea typeface="1훈새마을운동 R" panose="02020603020101020101" pitchFamily="18" charset="-127"/>
-              </a:rPr>
-              <a:t>2 </a:t>
-            </a:r>
-            <a:r>
-              <a:rPr lang="ko-KR" altLang="en-US" smtClean="0">
-                <a:solidFill>
-                  <a:schemeClr val="tx1"/>
-                </a:solidFill>
-                <a:latin typeface="1훈새마을운동 R" panose="02020603020101020101" pitchFamily="18" charset="-127"/>
-                <a:ea typeface="1훈새마을운동 R" panose="02020603020101020101" pitchFamily="18" charset="-127"/>
-              </a:rPr>
-              <a:t>자료형 속성 </a:t>
-            </a:r>
             <a:endParaRPr lang="en-US" altLang="ko-KR" smtClean="0">
               <a:solidFill>
                 <a:schemeClr val="tx1"/>
@@ -37176,176 +37131,12 @@
               <a:ea typeface="1훈새마을운동 R" panose="02020603020101020101" pitchFamily="18" charset="-127"/>
             </a:endParaRPr>
           </a:p>
-          <a:p>
-            <a:r>
-              <a:rPr lang="en-US" altLang="ko-KR">
-                <a:solidFill>
-                  <a:schemeClr val="tx1"/>
-                </a:solidFill>
-                <a:latin typeface="1훈새마을운동 R" panose="02020603020101020101" pitchFamily="18" charset="-127"/>
-                <a:ea typeface="1훈새마을운동 R" panose="02020603020101020101" pitchFamily="18" charset="-127"/>
-              </a:rPr>
-              <a:t>	</a:t>
-            </a:r>
-            <a:r>
-              <a:rPr lang="en-US" altLang="ko-KR" smtClean="0">
-                <a:solidFill>
-                  <a:schemeClr val="tx1"/>
-                </a:solidFill>
-                <a:latin typeface="1훈새마을운동 R" panose="02020603020101020101" pitchFamily="18" charset="-127"/>
-                <a:ea typeface="1훈새마을운동 R" panose="02020603020101020101" pitchFamily="18" charset="-127"/>
-              </a:rPr>
-              <a:t>		</a:t>
-            </a:r>
-            <a:r>
-              <a:rPr lang="en-US" altLang="ko-KR" smtClean="0">
-                <a:solidFill>
-                  <a:schemeClr val="tx1"/>
-                </a:solidFill>
-                <a:latin typeface="1훈새마을운동 R" panose="02020603020101020101" pitchFamily="18" charset="-127"/>
-                <a:ea typeface="1훈새마을운동 R" panose="02020603020101020101" pitchFamily="18" charset="-127"/>
-              </a:rPr>
-              <a:t>)</a:t>
-            </a:r>
-          </a:p>
-          <a:p>
-            <a:endParaRPr lang="en-US" altLang="ko-KR">
-              <a:solidFill>
-                <a:schemeClr val="tx1"/>
-              </a:solidFill>
-              <a:latin typeface="1훈새마을운동 R" panose="02020603020101020101" pitchFamily="18" charset="-127"/>
-              <a:ea typeface="1훈새마을운동 R" panose="02020603020101020101" pitchFamily="18" charset="-127"/>
-            </a:endParaRPr>
-          </a:p>
-          <a:p>
-            <a:r>
-              <a:rPr lang="en-US" altLang="ko-KR" smtClean="0">
-                <a:solidFill>
-                  <a:schemeClr val="tx1"/>
-                </a:solidFill>
-                <a:latin typeface="1훈새마을운동 R" panose="02020603020101020101" pitchFamily="18" charset="-127"/>
-                <a:ea typeface="1훈새마을운동 R" panose="02020603020101020101" pitchFamily="18" charset="-127"/>
-              </a:rPr>
-              <a:t>		2. Drop : </a:t>
-            </a:r>
-            <a:r>
-              <a:rPr lang="ko-KR" altLang="en-US" smtClean="0">
-                <a:solidFill>
-                  <a:schemeClr val="tx1"/>
-                </a:solidFill>
-                <a:latin typeface="1훈새마을운동 R" panose="02020603020101020101" pitchFamily="18" charset="-127"/>
-                <a:ea typeface="1훈새마을운동 R" panose="02020603020101020101" pitchFamily="18" charset="-127"/>
-              </a:rPr>
-              <a:t>삭제 </a:t>
-            </a:r>
-            <a:endParaRPr lang="en-US" altLang="ko-KR" smtClean="0">
-              <a:solidFill>
-                <a:schemeClr val="tx1"/>
-              </a:solidFill>
-              <a:latin typeface="1훈새마을운동 R" panose="02020603020101020101" pitchFamily="18" charset="-127"/>
-              <a:ea typeface="1훈새마을운동 R" panose="02020603020101020101" pitchFamily="18" charset="-127"/>
-            </a:endParaRPr>
-          </a:p>
-          <a:p>
-            <a:r>
-              <a:rPr lang="en-US" altLang="ko-KR">
-                <a:solidFill>
-                  <a:schemeClr val="tx1"/>
-                </a:solidFill>
-                <a:latin typeface="1훈새마을운동 R" panose="02020603020101020101" pitchFamily="18" charset="-127"/>
-                <a:ea typeface="1훈새마을운동 R" panose="02020603020101020101" pitchFamily="18" charset="-127"/>
-              </a:rPr>
-              <a:t>	</a:t>
-            </a:r>
-            <a:r>
-              <a:rPr lang="en-US" altLang="ko-KR" smtClean="0">
-                <a:solidFill>
-                  <a:schemeClr val="tx1"/>
-                </a:solidFill>
-                <a:latin typeface="1훈새마을운동 R" panose="02020603020101020101" pitchFamily="18" charset="-127"/>
-                <a:ea typeface="1훈새마을운동 R" panose="02020603020101020101" pitchFamily="18" charset="-127"/>
-              </a:rPr>
-              <a:t>	</a:t>
-            </a:r>
-          </a:p>
-          <a:p>
-            <a:r>
-              <a:rPr lang="en-US" altLang="ko-KR">
-                <a:solidFill>
-                  <a:schemeClr val="tx1"/>
-                </a:solidFill>
-                <a:latin typeface="1훈새마을운동 R" panose="02020603020101020101" pitchFamily="18" charset="-127"/>
-                <a:ea typeface="1훈새마을운동 R" panose="02020603020101020101" pitchFamily="18" charset="-127"/>
-              </a:rPr>
-              <a:t>	</a:t>
-            </a:r>
-            <a:r>
-              <a:rPr lang="en-US" altLang="ko-KR" smtClean="0">
-                <a:solidFill>
-                  <a:schemeClr val="tx1"/>
-                </a:solidFill>
-                <a:latin typeface="1훈새마을운동 R" panose="02020603020101020101" pitchFamily="18" charset="-127"/>
-                <a:ea typeface="1훈새마을운동 R" panose="02020603020101020101" pitchFamily="18" charset="-127"/>
-              </a:rPr>
-              <a:t>	3. Alter : </a:t>
-            </a:r>
-            <a:r>
-              <a:rPr lang="ko-KR" altLang="en-US" smtClean="0">
-                <a:solidFill>
-                  <a:schemeClr val="tx1"/>
-                </a:solidFill>
-                <a:latin typeface="1훈새마을운동 R" panose="02020603020101020101" pitchFamily="18" charset="-127"/>
-                <a:ea typeface="1훈새마을운동 R" panose="02020603020101020101" pitchFamily="18" charset="-127"/>
-              </a:rPr>
-              <a:t>수정 </a:t>
-            </a:r>
-            <a:endParaRPr lang="en-US" altLang="ko-KR" smtClean="0">
-              <a:solidFill>
-                <a:schemeClr val="tx1"/>
-              </a:solidFill>
-              <a:latin typeface="1훈새마을운동 R" panose="02020603020101020101" pitchFamily="18" charset="-127"/>
-              <a:ea typeface="1훈새마을운동 R" panose="02020603020101020101" pitchFamily="18" charset="-127"/>
-            </a:endParaRPr>
-          </a:p>
-          <a:p>
-            <a:endParaRPr lang="en-US" altLang="ko-KR" smtClean="0">
-              <a:solidFill>
-                <a:schemeClr val="tx1"/>
-              </a:solidFill>
-              <a:latin typeface="1훈새마을운동 R" panose="02020603020101020101" pitchFamily="18" charset="-127"/>
-              <a:ea typeface="1훈새마을운동 R" panose="02020603020101020101" pitchFamily="18" charset="-127"/>
-            </a:endParaRPr>
-          </a:p>
-          <a:p>
-            <a:r>
-              <a:rPr lang="en-US" altLang="ko-KR" smtClean="0">
-                <a:solidFill>
-                  <a:schemeClr val="tx1"/>
-                </a:solidFill>
-                <a:latin typeface="1훈새마을운동 R" panose="02020603020101020101" pitchFamily="18" charset="-127"/>
-                <a:ea typeface="1훈새마을운동 R" panose="02020603020101020101" pitchFamily="18" charset="-127"/>
-              </a:rPr>
-              <a:t>	</a:t>
-            </a:r>
-          </a:p>
-          <a:p>
-            <a:r>
-              <a:rPr lang="en-US" altLang="ko-KR" smtClean="0">
-                <a:solidFill>
-                  <a:schemeClr val="tx1"/>
-                </a:solidFill>
-                <a:latin typeface="1훈새마을운동 R" panose="02020603020101020101" pitchFamily="18" charset="-127"/>
-                <a:ea typeface="1훈새마을운동 R" panose="02020603020101020101" pitchFamily="18" charset="-127"/>
-              </a:rPr>
-              <a:t>	</a:t>
-            </a:r>
-          </a:p>
         </p:txBody>
       </p:sp>
     </p:spTree>
     <p:extLst>
       <p:ext uri="{BB962C8B-B14F-4D97-AF65-F5344CB8AC3E}">
-        <p14:creationId xmlns:p14="http://schemas.microsoft.com/office/powerpoint/2010/main" val="3754068247"/>
+        <p14:creationId xmlns:p14="http://schemas.microsoft.com/office/powerpoint/2010/main" val="3218972104"/>
       </p:ext>
     </p:extLst>
   </p:cSld>
@@ -37414,17 +37205,69 @@
                 <a:latin typeface="1훈새마을운동 R" panose="02020603020101020101" pitchFamily="18" charset="-127"/>
                 <a:ea typeface="1훈새마을운동 R" panose="02020603020101020101" pitchFamily="18" charset="-127"/>
               </a:rPr>
-              <a:t>*SQL : </a:t>
-            </a:r>
-            <a:r>
-              <a:rPr lang="ko-KR" altLang="en-US" smtClean="0">
-                <a:solidFill>
-                  <a:schemeClr val="tx1"/>
-                </a:solidFill>
-                <a:latin typeface="1훈새마을운동 R" panose="02020603020101020101" pitchFamily="18" charset="-127"/>
-                <a:ea typeface="1훈새마을운동 R" panose="02020603020101020101" pitchFamily="18" charset="-127"/>
-              </a:rPr>
-              <a:t>데이터베이스 관리 언어</a:t>
+              <a:t>*Database </a:t>
+            </a:r>
+          </a:p>
+          <a:p>
+            <a:r>
+              <a:rPr lang="en-US" altLang="ko-KR">
+                <a:solidFill>
+                  <a:schemeClr val="tx1"/>
+                </a:solidFill>
+                <a:latin typeface="1훈새마을운동 R" panose="02020603020101020101" pitchFamily="18" charset="-127"/>
+                <a:ea typeface="1훈새마을운동 R" panose="02020603020101020101" pitchFamily="18" charset="-127"/>
+              </a:rPr>
+              <a:t>	</a:t>
+            </a:r>
+            <a:r>
+              <a:rPr lang="en-US" altLang="ko-KR" smtClean="0">
+                <a:solidFill>
+                  <a:schemeClr val="tx1"/>
+                </a:solidFill>
+                <a:latin typeface="1훈새마을운동 R" panose="02020603020101020101" pitchFamily="18" charset="-127"/>
+                <a:ea typeface="1훈새마을운동 R" panose="02020603020101020101" pitchFamily="18" charset="-127"/>
+              </a:rPr>
+              <a:t>*</a:t>
+            </a:r>
+            <a:r>
+              <a:rPr lang="ko-KR" altLang="en-US" smtClean="0">
+                <a:solidFill>
+                  <a:schemeClr val="tx1"/>
+                </a:solidFill>
+                <a:latin typeface="1훈새마을운동 R" panose="02020603020101020101" pitchFamily="18" charset="-127"/>
+                <a:ea typeface="1훈새마을운동 R" panose="02020603020101020101" pitchFamily="18" charset="-127"/>
+              </a:rPr>
+              <a:t>데이터집합 </a:t>
+            </a:r>
+            <a:r>
+              <a:rPr lang="en-US" altLang="ko-KR" smtClean="0">
+                <a:solidFill>
+                  <a:schemeClr val="tx1"/>
+                </a:solidFill>
+                <a:latin typeface="1훈새마을운동 R" panose="02020603020101020101" pitchFamily="18" charset="-127"/>
+                <a:ea typeface="1훈새마을운동 R" panose="02020603020101020101" pitchFamily="18" charset="-127"/>
+              </a:rPr>
+              <a:t>-&gt;</a:t>
+            </a:r>
+            <a:r>
+              <a:rPr lang="ko-KR" altLang="en-US">
+                <a:solidFill>
+                  <a:schemeClr val="tx1"/>
+                </a:solidFill>
+                <a:latin typeface="1훈새마을운동 R" panose="02020603020101020101" pitchFamily="18" charset="-127"/>
+                <a:ea typeface="1훈새마을운동 R" panose="02020603020101020101" pitchFamily="18" charset="-127"/>
+              </a:rPr>
+              <a:t> </a:t>
+            </a:r>
+            <a:r>
+              <a:rPr lang="ko-KR" altLang="en-US" smtClean="0">
+                <a:solidFill>
+                  <a:schemeClr val="tx1"/>
+                </a:solidFill>
+                <a:latin typeface="1훈새마을운동 R" panose="02020603020101020101" pitchFamily="18" charset="-127"/>
+                <a:ea typeface="1훈새마을운동 R" panose="02020603020101020101" pitchFamily="18" charset="-127"/>
+              </a:rPr>
+              <a:t>테이블 관리</a:t>
             </a:r>
             <a:endParaRPr lang="en-US" altLang="ko-KR" smtClean="0">
               <a:solidFill>
@@ -37435,334 +37278,35 @@
             </a:endParaRPr>
           </a:p>
           <a:p>
-            <a:r>
-              <a:rPr lang="en-US" altLang="ko-KR" smtClean="0">
-                <a:solidFill>
-                  <a:schemeClr val="tx1"/>
-                </a:solidFill>
-                <a:latin typeface="1훈새마을운동 R" panose="02020603020101020101" pitchFamily="18" charset="-127"/>
-                <a:ea typeface="1훈새마을운동 R" panose="02020603020101020101" pitchFamily="18" charset="-127"/>
-              </a:rPr>
-              <a:t>	DML [ </a:t>
-            </a:r>
-            <a:r>
-              <a:rPr lang="ko-KR" altLang="en-US" smtClean="0">
-                <a:solidFill>
-                  <a:schemeClr val="tx1"/>
-                </a:solidFill>
-                <a:latin typeface="1훈새마을운동 R" panose="02020603020101020101" pitchFamily="18" charset="-127"/>
-                <a:ea typeface="1훈새마을운동 R" panose="02020603020101020101" pitchFamily="18" charset="-127"/>
-              </a:rPr>
-              <a:t>조작어 </a:t>
-            </a:r>
-            <a:r>
-              <a:rPr lang="en-US" altLang="ko-KR" smtClean="0">
-                <a:solidFill>
-                  <a:schemeClr val="tx1"/>
-                </a:solidFill>
-                <a:latin typeface="1훈새마을운동 R" panose="02020603020101020101" pitchFamily="18" charset="-127"/>
-                <a:ea typeface="1훈새마을운동 R" panose="02020603020101020101" pitchFamily="18" charset="-127"/>
-              </a:rPr>
-              <a:t>]</a:t>
-            </a:r>
-          </a:p>
-          <a:p>
-            <a:r>
-              <a:rPr lang="en-US" altLang="ko-KR" smtClean="0">
-                <a:solidFill>
-                  <a:schemeClr val="tx1"/>
-                </a:solidFill>
-                <a:latin typeface="1훈새마을운동 R" panose="02020603020101020101" pitchFamily="18" charset="-127"/>
-                <a:ea typeface="1훈새마을운동 R" panose="02020603020101020101" pitchFamily="18" charset="-127"/>
-              </a:rPr>
-              <a:t>		1. </a:t>
-            </a:r>
-            <a:r>
-              <a:rPr lang="ko-KR" altLang="en-US" smtClean="0">
-                <a:solidFill>
-                  <a:schemeClr val="tx1"/>
-                </a:solidFill>
-                <a:latin typeface="1훈새마을운동 R" panose="02020603020101020101" pitchFamily="18" charset="-127"/>
-                <a:ea typeface="1훈새마을운동 R" panose="02020603020101020101" pitchFamily="18" charset="-127"/>
-              </a:rPr>
-              <a:t>삽입 </a:t>
-            </a:r>
-            <a:r>
-              <a:rPr lang="en-US" altLang="ko-KR" smtClean="0">
-                <a:solidFill>
-                  <a:schemeClr val="tx1"/>
-                </a:solidFill>
-                <a:latin typeface="1훈새마을운동 R" panose="02020603020101020101" pitchFamily="18" charset="-127"/>
-                <a:ea typeface="1훈새마을운동 R" panose="02020603020101020101" pitchFamily="18" charset="-127"/>
-              </a:rPr>
-              <a:t>: insert into </a:t>
-            </a:r>
-            <a:r>
-              <a:rPr lang="ko-KR" altLang="en-US" smtClean="0">
-                <a:solidFill>
-                  <a:schemeClr val="tx1"/>
-                </a:solidFill>
-                <a:latin typeface="1훈새마을운동 R" panose="02020603020101020101" pitchFamily="18" charset="-127"/>
-                <a:ea typeface="1훈새마을운동 R" panose="02020603020101020101" pitchFamily="18" charset="-127"/>
-              </a:rPr>
-              <a:t>테이블명</a:t>
-            </a:r>
-            <a:r>
-              <a:rPr lang="en-US" altLang="ko-KR" smtClean="0">
-                <a:solidFill>
-                  <a:schemeClr val="tx1"/>
-                </a:solidFill>
-                <a:latin typeface="1훈새마을운동 R" panose="02020603020101020101" pitchFamily="18" charset="-127"/>
-                <a:ea typeface="1훈새마을운동 R" panose="02020603020101020101" pitchFamily="18" charset="-127"/>
-              </a:rPr>
-              <a:t>( </a:t>
-            </a:r>
-            <a:r>
-              <a:rPr lang="ko-KR" altLang="en-US" smtClean="0">
-                <a:solidFill>
-                  <a:schemeClr val="tx1"/>
-                </a:solidFill>
-                <a:latin typeface="1훈새마을운동 R" panose="02020603020101020101" pitchFamily="18" charset="-127"/>
-                <a:ea typeface="1훈새마을운동 R" panose="02020603020101020101" pitchFamily="18" charset="-127"/>
-              </a:rPr>
-              <a:t>필드</a:t>
-            </a:r>
-            <a:r>
-              <a:rPr lang="en-US" altLang="ko-KR" smtClean="0">
-                <a:solidFill>
-                  <a:schemeClr val="tx1"/>
-                </a:solidFill>
-                <a:latin typeface="1훈새마을운동 R" panose="02020603020101020101" pitchFamily="18" charset="-127"/>
-                <a:ea typeface="1훈새마을운동 R" panose="02020603020101020101" pitchFamily="18" charset="-127"/>
-              </a:rPr>
-              <a:t>1 , </a:t>
-            </a:r>
-            <a:r>
-              <a:rPr lang="ko-KR" altLang="en-US" smtClean="0">
-                <a:solidFill>
-                  <a:schemeClr val="tx1"/>
-                </a:solidFill>
-                <a:latin typeface="1훈새마을운동 R" panose="02020603020101020101" pitchFamily="18" charset="-127"/>
-                <a:ea typeface="1훈새마을운동 R" panose="02020603020101020101" pitchFamily="18" charset="-127"/>
-              </a:rPr>
-              <a:t>필드</a:t>
-            </a:r>
-            <a:r>
-              <a:rPr lang="en-US" altLang="ko-KR" smtClean="0">
-                <a:solidFill>
-                  <a:schemeClr val="tx1"/>
-                </a:solidFill>
-                <a:latin typeface="1훈새마을운동 R" panose="02020603020101020101" pitchFamily="18" charset="-127"/>
-                <a:ea typeface="1훈새마을운동 R" panose="02020603020101020101" pitchFamily="18" charset="-127"/>
-              </a:rPr>
-              <a:t>2 ) values( </a:t>
-            </a:r>
-            <a:r>
-              <a:rPr lang="ko-KR" altLang="en-US" smtClean="0">
-                <a:solidFill>
-                  <a:schemeClr val="tx1"/>
-                </a:solidFill>
-                <a:latin typeface="1훈새마을운동 R" panose="02020603020101020101" pitchFamily="18" charset="-127"/>
-                <a:ea typeface="1훈새마을운동 R" panose="02020603020101020101" pitchFamily="18" charset="-127"/>
-              </a:rPr>
-              <a:t>값</a:t>
-            </a:r>
-            <a:r>
-              <a:rPr lang="en-US" altLang="ko-KR" smtClean="0">
-                <a:solidFill>
-                  <a:schemeClr val="tx1"/>
-                </a:solidFill>
-                <a:latin typeface="1훈새마을운동 R" panose="02020603020101020101" pitchFamily="18" charset="-127"/>
-                <a:ea typeface="1훈새마을운동 R" panose="02020603020101020101" pitchFamily="18" charset="-127"/>
-              </a:rPr>
-              <a:t>1 , </a:t>
-            </a:r>
-            <a:r>
-              <a:rPr lang="ko-KR" altLang="en-US" smtClean="0">
-                <a:solidFill>
-                  <a:schemeClr val="tx1"/>
-                </a:solidFill>
-                <a:latin typeface="1훈새마을운동 R" panose="02020603020101020101" pitchFamily="18" charset="-127"/>
-                <a:ea typeface="1훈새마을운동 R" panose="02020603020101020101" pitchFamily="18" charset="-127"/>
-              </a:rPr>
-              <a:t>값</a:t>
-            </a:r>
-            <a:r>
-              <a:rPr lang="en-US" altLang="ko-KR" smtClean="0">
-                <a:solidFill>
-                  <a:schemeClr val="tx1"/>
-                </a:solidFill>
-                <a:latin typeface="1훈새마을운동 R" panose="02020603020101020101" pitchFamily="18" charset="-127"/>
-                <a:ea typeface="1훈새마을운동 R" panose="02020603020101020101" pitchFamily="18" charset="-127"/>
-              </a:rPr>
-              <a:t>2 )</a:t>
-            </a:r>
-          </a:p>
-          <a:p>
-            <a:r>
-              <a:rPr lang="en-US" altLang="ko-KR" smtClean="0">
-                <a:solidFill>
-                  <a:schemeClr val="tx1"/>
-                </a:solidFill>
-                <a:latin typeface="1훈새마을운동 R" panose="02020603020101020101" pitchFamily="18" charset="-127"/>
-                <a:ea typeface="1훈새마을운동 R" panose="02020603020101020101" pitchFamily="18" charset="-127"/>
-              </a:rPr>
-              <a:t>			* </a:t>
-            </a:r>
-            <a:r>
-              <a:rPr lang="ko-KR" altLang="en-US" smtClean="0">
-                <a:solidFill>
-                  <a:schemeClr val="tx1"/>
-                </a:solidFill>
-                <a:latin typeface="1훈새마을운동 R" panose="02020603020101020101" pitchFamily="18" charset="-127"/>
-                <a:ea typeface="1훈새마을운동 R" panose="02020603020101020101" pitchFamily="18" charset="-127"/>
-              </a:rPr>
-              <a:t>모든필드 삽입 </a:t>
-            </a:r>
-            <a:r>
-              <a:rPr lang="en-US" altLang="ko-KR" smtClean="0">
-                <a:solidFill>
-                  <a:schemeClr val="tx1"/>
-                </a:solidFill>
-                <a:latin typeface="1훈새마을운동 R" panose="02020603020101020101" pitchFamily="18" charset="-127"/>
-                <a:ea typeface="1훈새마을운동 R" panose="02020603020101020101" pitchFamily="18" charset="-127"/>
-              </a:rPr>
-              <a:t>: insert into </a:t>
-            </a:r>
-            <a:r>
-              <a:rPr lang="ko-KR" altLang="en-US" smtClean="0">
-                <a:solidFill>
-                  <a:schemeClr val="tx1"/>
-                </a:solidFill>
-                <a:latin typeface="1훈새마을운동 R" panose="02020603020101020101" pitchFamily="18" charset="-127"/>
-                <a:ea typeface="1훈새마을운동 R" panose="02020603020101020101" pitchFamily="18" charset="-127"/>
-              </a:rPr>
-              <a:t>테이블명 </a:t>
-            </a:r>
-            <a:r>
-              <a:rPr lang="en-US" altLang="ko-KR" smtClean="0">
-                <a:solidFill>
-                  <a:schemeClr val="tx1"/>
-                </a:solidFill>
-                <a:latin typeface="1훈새마을운동 R" panose="02020603020101020101" pitchFamily="18" charset="-127"/>
-                <a:ea typeface="1훈새마을운동 R" panose="02020603020101020101" pitchFamily="18" charset="-127"/>
-              </a:rPr>
-              <a:t>values( </a:t>
-            </a:r>
-            <a:r>
-              <a:rPr lang="ko-KR" altLang="en-US" smtClean="0">
-                <a:solidFill>
-                  <a:schemeClr val="tx1"/>
-                </a:solidFill>
-                <a:latin typeface="1훈새마을운동 R" panose="02020603020101020101" pitchFamily="18" charset="-127"/>
-                <a:ea typeface="1훈새마을운동 R" panose="02020603020101020101" pitchFamily="18" charset="-127"/>
-              </a:rPr>
-              <a:t>값</a:t>
-            </a:r>
-            <a:r>
-              <a:rPr lang="en-US" altLang="ko-KR" smtClean="0">
-                <a:solidFill>
-                  <a:schemeClr val="tx1"/>
-                </a:solidFill>
-                <a:latin typeface="1훈새마을운동 R" panose="02020603020101020101" pitchFamily="18" charset="-127"/>
-                <a:ea typeface="1훈새마을운동 R" panose="02020603020101020101" pitchFamily="18" charset="-127"/>
-              </a:rPr>
-              <a:t>1 , </a:t>
-            </a:r>
-            <a:r>
-              <a:rPr lang="ko-KR" altLang="en-US" smtClean="0">
-                <a:solidFill>
-                  <a:schemeClr val="tx1"/>
-                </a:solidFill>
-                <a:latin typeface="1훈새마을운동 R" panose="02020603020101020101" pitchFamily="18" charset="-127"/>
-                <a:ea typeface="1훈새마을운동 R" panose="02020603020101020101" pitchFamily="18" charset="-127"/>
-              </a:rPr>
-              <a:t>값</a:t>
-            </a:r>
-            <a:r>
-              <a:rPr lang="en-US" altLang="ko-KR" smtClean="0">
-                <a:solidFill>
-                  <a:schemeClr val="tx1"/>
-                </a:solidFill>
-                <a:latin typeface="1훈새마을운동 R" panose="02020603020101020101" pitchFamily="18" charset="-127"/>
-                <a:ea typeface="1훈새마을운동 R" panose="02020603020101020101" pitchFamily="18" charset="-127"/>
-              </a:rPr>
-              <a:t>2 , </a:t>
-            </a:r>
-            <a:r>
-              <a:rPr lang="ko-KR" altLang="en-US" smtClean="0">
-                <a:solidFill>
-                  <a:schemeClr val="tx1"/>
-                </a:solidFill>
-                <a:latin typeface="1훈새마을운동 R" panose="02020603020101020101" pitchFamily="18" charset="-127"/>
-                <a:ea typeface="1훈새마을운동 R" panose="02020603020101020101" pitchFamily="18" charset="-127"/>
-              </a:rPr>
-              <a:t>값</a:t>
-            </a:r>
-            <a:r>
-              <a:rPr lang="en-US" altLang="ko-KR" smtClean="0">
-                <a:solidFill>
-                  <a:schemeClr val="tx1"/>
-                </a:solidFill>
-                <a:latin typeface="1훈새마을운동 R" panose="02020603020101020101" pitchFamily="18" charset="-127"/>
-                <a:ea typeface="1훈새마을운동 R" panose="02020603020101020101" pitchFamily="18" charset="-127"/>
-              </a:rPr>
-              <a:t>3 )</a:t>
-            </a:r>
-          </a:p>
-          <a:p>
-            <a:r>
-              <a:rPr lang="en-US" altLang="ko-KR" smtClean="0">
-                <a:solidFill>
-                  <a:schemeClr val="tx1"/>
-                </a:solidFill>
-                <a:latin typeface="1훈새마을운동 R" panose="02020603020101020101" pitchFamily="18" charset="-127"/>
-                <a:ea typeface="1훈새마을운동 R" panose="02020603020101020101" pitchFamily="18" charset="-127"/>
-              </a:rPr>
-              <a:t>			* </a:t>
-            </a:r>
-            <a:r>
-              <a:rPr lang="ko-KR" altLang="en-US" smtClean="0">
-                <a:solidFill>
-                  <a:schemeClr val="tx1"/>
-                </a:solidFill>
-                <a:latin typeface="1훈새마을운동 R" panose="02020603020101020101" pitchFamily="18" charset="-127"/>
-                <a:ea typeface="1훈새마을운동 R" panose="02020603020101020101" pitchFamily="18" charset="-127"/>
-              </a:rPr>
-              <a:t>모든필드 삽입시 </a:t>
-            </a:r>
-            <a:r>
-              <a:rPr lang="en-US" altLang="ko-KR" smtClean="0">
-                <a:solidFill>
-                  <a:schemeClr val="tx1"/>
-                </a:solidFill>
-                <a:latin typeface="1훈새마을운동 R" panose="02020603020101020101" pitchFamily="18" charset="-127"/>
-                <a:ea typeface="1훈새마을운동 R" panose="02020603020101020101" pitchFamily="18" charset="-127"/>
-              </a:rPr>
-              <a:t>: </a:t>
-            </a:r>
-            <a:r>
-              <a:rPr lang="ko-KR" altLang="en-US" smtClean="0">
-                <a:solidFill>
-                  <a:schemeClr val="tx1"/>
-                </a:solidFill>
-                <a:latin typeface="1훈새마을운동 R" panose="02020603020101020101" pitchFamily="18" charset="-127"/>
-                <a:ea typeface="1훈새마을운동 R" panose="02020603020101020101" pitchFamily="18" charset="-127"/>
-              </a:rPr>
-              <a:t>필드명 생략 </a:t>
-            </a:r>
-            <a:r>
-              <a:rPr lang="en-US" altLang="ko-KR" smtClean="0">
-                <a:solidFill>
-                  <a:schemeClr val="tx1"/>
-                </a:solidFill>
-                <a:latin typeface="1훈새마을운동 R" panose="02020603020101020101" pitchFamily="18" charset="-127"/>
-                <a:ea typeface="1훈새마을운동 R" panose="02020603020101020101" pitchFamily="18" charset="-127"/>
-              </a:rPr>
-              <a:t>  </a:t>
-            </a:r>
-          </a:p>
-          <a:p>
+            <a:endParaRPr lang="en-US" altLang="ko-KR">
+              <a:solidFill>
+                <a:schemeClr val="tx1"/>
+              </a:solidFill>
+              <a:latin typeface="1훈새마을운동 R" panose="02020603020101020101" pitchFamily="18" charset="-127"/>
+              <a:ea typeface="1훈새마을운동 R" panose="02020603020101020101" pitchFamily="18" charset="-127"/>
+            </a:endParaRPr>
+          </a:p>
+          <a:p>
+            <a:r>
+              <a:rPr lang="en-US" altLang="ko-KR" smtClean="0">
+                <a:solidFill>
+                  <a:schemeClr val="tx1"/>
+                </a:solidFill>
+                <a:latin typeface="1훈새마을운동 R" panose="02020603020101020101" pitchFamily="18" charset="-127"/>
+                <a:ea typeface="1훈새마을운동 R" panose="02020603020101020101" pitchFamily="18" charset="-127"/>
+              </a:rPr>
+              <a:t>*</a:t>
+            </a:r>
+            <a:r>
+              <a:rPr lang="ko-KR" altLang="en-US" smtClean="0">
+                <a:solidFill>
+                  <a:schemeClr val="tx1"/>
+                </a:solidFill>
+                <a:latin typeface="1훈새마을운동 R" panose="02020603020101020101" pitchFamily="18" charset="-127"/>
+                <a:ea typeface="1훈새마을운동 R" panose="02020603020101020101" pitchFamily="18" charset="-127"/>
+              </a:rPr>
+              <a:t>용어 </a:t>
+            </a:r>
             <a:endParaRPr lang="en-US" altLang="ko-KR" smtClean="0">
               <a:solidFill>
                 <a:schemeClr val="tx1"/>
@@ -37773,67 +37317,57 @@
           </a:p>
           <a:p>
             <a:r>
-              <a:rPr lang="en-US" altLang="ko-KR" smtClean="0">
-                <a:solidFill>
-                  <a:schemeClr val="tx1"/>
-                </a:solidFill>
-                <a:latin typeface="1훈새마을운동 R" panose="02020603020101020101" pitchFamily="18" charset="-127"/>
-                <a:ea typeface="1훈새마을운동 R" panose="02020603020101020101" pitchFamily="18" charset="-127"/>
-              </a:rPr>
-              <a:t>		2. </a:t>
-            </a:r>
-            <a:r>
-              <a:rPr lang="ko-KR" altLang="en-US" smtClean="0">
-                <a:solidFill>
-                  <a:schemeClr val="tx1"/>
-                </a:solidFill>
-                <a:latin typeface="1훈새마을운동 R" panose="02020603020101020101" pitchFamily="18" charset="-127"/>
-                <a:ea typeface="1훈새마을운동 R" panose="02020603020101020101" pitchFamily="18" charset="-127"/>
-              </a:rPr>
-              <a:t>검색 </a:t>
-            </a:r>
-            <a:r>
-              <a:rPr lang="en-US" altLang="ko-KR" smtClean="0">
-                <a:solidFill>
-                  <a:schemeClr val="tx1"/>
-                </a:solidFill>
-                <a:latin typeface="1훈새마을운동 R" panose="02020603020101020101" pitchFamily="18" charset="-127"/>
-                <a:ea typeface="1훈새마을운동 R" panose="02020603020101020101" pitchFamily="18" charset="-127"/>
-              </a:rPr>
-              <a:t>: select </a:t>
-            </a:r>
-            <a:r>
-              <a:rPr lang="ko-KR" altLang="en-US" smtClean="0">
-                <a:solidFill>
-                  <a:schemeClr val="tx1"/>
-                </a:solidFill>
-                <a:latin typeface="1훈새마을운동 R" panose="02020603020101020101" pitchFamily="18" charset="-127"/>
-                <a:ea typeface="1훈새마을운동 R" panose="02020603020101020101" pitchFamily="18" charset="-127"/>
-              </a:rPr>
-              <a:t>필드명 </a:t>
-            </a:r>
-            <a:r>
-              <a:rPr lang="en-US" altLang="ko-KR" smtClean="0">
-                <a:solidFill>
-                  <a:schemeClr val="tx1"/>
-                </a:solidFill>
-                <a:latin typeface="1훈새마을운동 R" panose="02020603020101020101" pitchFamily="18" charset="-127"/>
-                <a:ea typeface="1훈새마을운동 R" panose="02020603020101020101" pitchFamily="18" charset="-127"/>
-              </a:rPr>
-              <a:t>from </a:t>
-            </a:r>
-            <a:r>
-              <a:rPr lang="ko-KR" altLang="en-US" smtClean="0">
-                <a:solidFill>
-                  <a:schemeClr val="tx1"/>
-                </a:solidFill>
-                <a:latin typeface="1훈새마을운동 R" panose="02020603020101020101" pitchFamily="18" charset="-127"/>
-                <a:ea typeface="1훈새마을운동 R" panose="02020603020101020101" pitchFamily="18" charset="-127"/>
-              </a:rPr>
-              <a:t>테이블명</a:t>
-            </a:r>
-            <a:r>
-              <a:rPr lang="en-US" altLang="ko-KR">
+              <a:rPr lang="en-US" altLang="ko-KR">
+                <a:solidFill>
+                  <a:schemeClr val="tx1"/>
+                </a:solidFill>
+                <a:latin typeface="1훈새마을운동 R" panose="02020603020101020101" pitchFamily="18" charset="-127"/>
+                <a:ea typeface="1훈새마을운동 R" panose="02020603020101020101" pitchFamily="18" charset="-127"/>
+              </a:rPr>
+              <a:t>	</a:t>
+            </a:r>
+            <a:r>
+              <a:rPr lang="ko-KR" altLang="en-US" smtClean="0">
+                <a:solidFill>
+                  <a:schemeClr val="tx1"/>
+                </a:solidFill>
+                <a:latin typeface="1훈새마을운동 R" panose="02020603020101020101" pitchFamily="18" charset="-127"/>
+                <a:ea typeface="1훈새마을운동 R" panose="02020603020101020101" pitchFamily="18" charset="-127"/>
+              </a:rPr>
+              <a:t>표 </a:t>
+            </a:r>
+            <a:r>
+              <a:rPr lang="en-US" altLang="ko-KR" smtClean="0">
+                <a:solidFill>
+                  <a:schemeClr val="tx1"/>
+                </a:solidFill>
+                <a:latin typeface="1훈새마을운동 R" panose="02020603020101020101" pitchFamily="18" charset="-127"/>
+                <a:ea typeface="1훈새마을운동 R" panose="02020603020101020101" pitchFamily="18" charset="-127"/>
+              </a:rPr>
+              <a:t>= </a:t>
+            </a:r>
+            <a:r>
+              <a:rPr lang="ko-KR" altLang="en-US" smtClean="0">
+                <a:solidFill>
+                  <a:schemeClr val="tx1"/>
+                </a:solidFill>
+                <a:latin typeface="1훈새마을운동 R" panose="02020603020101020101" pitchFamily="18" charset="-127"/>
+                <a:ea typeface="1훈새마을운동 R" panose="02020603020101020101" pitchFamily="18" charset="-127"/>
+              </a:rPr>
+              <a:t>테이</a:t>
+            </a:r>
+            <a:r>
+              <a:rPr lang="ko-KR" altLang="en-US">
+                <a:solidFill>
+                  <a:schemeClr val="tx1"/>
+                </a:solidFill>
+                <a:latin typeface="1훈새마을운동 R" panose="02020603020101020101" pitchFamily="18" charset="-127"/>
+                <a:ea typeface="1훈새마을운동 R" panose="02020603020101020101" pitchFamily="18" charset="-127"/>
+              </a:rPr>
+              <a:t>블</a:t>
+            </a:r>
+            <a:r>
+              <a:rPr lang="en-US" altLang="ko-KR" smtClean="0">
                 <a:solidFill>
                   <a:schemeClr val="tx1"/>
                 </a:solidFill>
@@ -37842,25 +37376,107 @@
               </a:rPr>
               <a:t> </a:t>
             </a:r>
-            <a:r>
-              <a:rPr lang="en-US" altLang="ko-KR" smtClean="0">
-                <a:solidFill>
-                  <a:schemeClr val="tx1"/>
-                </a:solidFill>
-                <a:latin typeface="1훈새마을운동 R" panose="02020603020101020101" pitchFamily="18" charset="-127"/>
-                <a:ea typeface="1훈새마을운동 R" panose="02020603020101020101" pitchFamily="18" charset="-127"/>
-              </a:rPr>
-              <a:t>where </a:t>
-            </a:r>
-            <a:r>
-              <a:rPr lang="ko-KR" altLang="en-US" smtClean="0">
-                <a:solidFill>
-                  <a:schemeClr val="tx1"/>
-                </a:solidFill>
-                <a:latin typeface="1훈새마을운동 R" panose="02020603020101020101" pitchFamily="18" charset="-127"/>
-                <a:ea typeface="1훈새마을운동 R" panose="02020603020101020101" pitchFamily="18" charset="-127"/>
-              </a:rPr>
-              <a:t>조건 </a:t>
+          </a:p>
+          <a:p>
+            <a:r>
+              <a:rPr lang="en-US" altLang="ko-KR">
+                <a:solidFill>
+                  <a:schemeClr val="tx1"/>
+                </a:solidFill>
+                <a:latin typeface="1훈새마을운동 R" panose="02020603020101020101" pitchFamily="18" charset="-127"/>
+                <a:ea typeface="1훈새마을운동 R" panose="02020603020101020101" pitchFamily="18" charset="-127"/>
+              </a:rPr>
+              <a:t>	</a:t>
+            </a:r>
+            <a:r>
+              <a:rPr lang="ko-KR" altLang="en-US" smtClean="0">
+                <a:solidFill>
+                  <a:schemeClr val="tx1"/>
+                </a:solidFill>
+                <a:latin typeface="1훈새마을운동 R" panose="02020603020101020101" pitchFamily="18" charset="-127"/>
+                <a:ea typeface="1훈새마을운동 R" panose="02020603020101020101" pitchFamily="18" charset="-127"/>
+              </a:rPr>
+              <a:t>세로</a:t>
+            </a:r>
+            <a:r>
+              <a:rPr lang="en-US" altLang="ko-KR" smtClean="0">
+                <a:solidFill>
+                  <a:schemeClr val="tx1"/>
+                </a:solidFill>
+                <a:latin typeface="1훈새마을운동 R" panose="02020603020101020101" pitchFamily="18" charset="-127"/>
+                <a:ea typeface="1훈새마을운동 R" panose="02020603020101020101" pitchFamily="18" charset="-127"/>
+              </a:rPr>
+              <a:t>(</a:t>
+            </a:r>
+            <a:r>
+              <a:rPr lang="ko-KR" altLang="en-US" smtClean="0">
+                <a:solidFill>
+                  <a:schemeClr val="tx1"/>
+                </a:solidFill>
+                <a:latin typeface="1훈새마을운동 R" panose="02020603020101020101" pitchFamily="18" charset="-127"/>
+                <a:ea typeface="1훈새마을운동 R" panose="02020603020101020101" pitchFamily="18" charset="-127"/>
+              </a:rPr>
+              <a:t>열</a:t>
+            </a:r>
+            <a:r>
+              <a:rPr lang="en-US" altLang="ko-KR" smtClean="0">
+                <a:solidFill>
+                  <a:schemeClr val="tx1"/>
+                </a:solidFill>
+                <a:latin typeface="1훈새마을운동 R" panose="02020603020101020101" pitchFamily="18" charset="-127"/>
+                <a:ea typeface="1훈새마을운동 R" panose="02020603020101020101" pitchFamily="18" charset="-127"/>
+              </a:rPr>
+              <a:t>)</a:t>
+            </a:r>
+            <a:r>
+              <a:rPr lang="ko-KR" altLang="en-US" smtClean="0">
+                <a:solidFill>
+                  <a:schemeClr val="tx1"/>
+                </a:solidFill>
+                <a:latin typeface="1훈새마을운동 R" panose="02020603020101020101" pitchFamily="18" charset="-127"/>
+                <a:ea typeface="1훈새마을운동 R" panose="02020603020101020101" pitchFamily="18" charset="-127"/>
+              </a:rPr>
+              <a:t> </a:t>
+            </a:r>
+            <a:r>
+              <a:rPr lang="en-US" altLang="ko-KR" smtClean="0">
+                <a:solidFill>
+                  <a:schemeClr val="tx1"/>
+                </a:solidFill>
+                <a:latin typeface="1훈새마을운동 R" panose="02020603020101020101" pitchFamily="18" charset="-127"/>
+                <a:ea typeface="1훈새마을운동 R" panose="02020603020101020101" pitchFamily="18" charset="-127"/>
+              </a:rPr>
+              <a:t> = </a:t>
+            </a:r>
+            <a:r>
+              <a:rPr lang="ko-KR" altLang="en-US" smtClean="0">
+                <a:solidFill>
+                  <a:schemeClr val="tx1"/>
+                </a:solidFill>
+                <a:latin typeface="1훈새마을운동 R" panose="02020603020101020101" pitchFamily="18" charset="-127"/>
+                <a:ea typeface="1훈새마을운동 R" panose="02020603020101020101" pitchFamily="18" charset="-127"/>
+              </a:rPr>
+              <a:t>필드 </a:t>
+            </a:r>
+            <a:r>
+              <a:rPr lang="en-US" altLang="ko-KR" smtClean="0">
+                <a:solidFill>
+                  <a:schemeClr val="tx1"/>
+                </a:solidFill>
+                <a:latin typeface="1훈새마을운동 R" panose="02020603020101020101" pitchFamily="18" charset="-127"/>
+                <a:ea typeface="1훈새마을운동 R" panose="02020603020101020101" pitchFamily="18" charset="-127"/>
+              </a:rPr>
+              <a:t>, </a:t>
+            </a:r>
+            <a:r>
+              <a:rPr lang="ko-KR" altLang="en-US" smtClean="0">
+                <a:solidFill>
+                  <a:schemeClr val="tx1"/>
+                </a:solidFill>
+                <a:latin typeface="1훈새마을운동 R" panose="02020603020101020101" pitchFamily="18" charset="-127"/>
+                <a:ea typeface="1훈새마을운동 R" panose="02020603020101020101" pitchFamily="18" charset="-127"/>
+              </a:rPr>
+              <a:t>속성 </a:t>
             </a:r>
             <a:endParaRPr lang="en-US" altLang="ko-KR" smtClean="0">
               <a:solidFill>
@@ -37872,37 +37488,57 @@
           </a:p>
           <a:p>
             <a:r>
-              <a:rPr lang="en-US" altLang="ko-KR" smtClean="0">
-                <a:solidFill>
-                  <a:schemeClr val="tx1"/>
-                </a:solidFill>
-                <a:latin typeface="1훈새마을운동 R" panose="02020603020101020101" pitchFamily="18" charset="-127"/>
-                <a:ea typeface="1훈새마을운동 R" panose="02020603020101020101" pitchFamily="18" charset="-127"/>
-              </a:rPr>
-              <a:t>			* </a:t>
-            </a:r>
-            <a:r>
-              <a:rPr lang="ko-KR" altLang="en-US" smtClean="0">
-                <a:solidFill>
-                  <a:schemeClr val="tx1"/>
-                </a:solidFill>
-                <a:latin typeface="1훈새마을운동 R" panose="02020603020101020101" pitchFamily="18" charset="-127"/>
-                <a:ea typeface="1훈새마을운동 R" panose="02020603020101020101" pitchFamily="18" charset="-127"/>
-              </a:rPr>
-              <a:t>모든필드 검색 </a:t>
-            </a:r>
-            <a:r>
-              <a:rPr lang="en-US" altLang="ko-KR" smtClean="0">
-                <a:solidFill>
-                  <a:schemeClr val="tx1"/>
-                </a:solidFill>
-                <a:latin typeface="1훈새마을운동 R" panose="02020603020101020101" pitchFamily="18" charset="-127"/>
-                <a:ea typeface="1훈새마을운동 R" panose="02020603020101020101" pitchFamily="18" charset="-127"/>
-              </a:rPr>
-              <a:t>: select * from</a:t>
-            </a:r>
-            <a:r>
-              <a:rPr lang="ko-KR" altLang="en-US">
+              <a:rPr lang="en-US" altLang="ko-KR">
+                <a:solidFill>
+                  <a:schemeClr val="tx1"/>
+                </a:solidFill>
+                <a:latin typeface="1훈새마을운동 R" panose="02020603020101020101" pitchFamily="18" charset="-127"/>
+                <a:ea typeface="1훈새마을운동 R" panose="02020603020101020101" pitchFamily="18" charset="-127"/>
+              </a:rPr>
+              <a:t>	</a:t>
+            </a:r>
+            <a:r>
+              <a:rPr lang="ko-KR" altLang="en-US" smtClean="0">
+                <a:solidFill>
+                  <a:schemeClr val="tx1"/>
+                </a:solidFill>
+                <a:latin typeface="1훈새마을운동 R" panose="02020603020101020101" pitchFamily="18" charset="-127"/>
+                <a:ea typeface="1훈새마을운동 R" panose="02020603020101020101" pitchFamily="18" charset="-127"/>
+              </a:rPr>
+              <a:t>가로</a:t>
+            </a:r>
+            <a:r>
+              <a:rPr lang="en-US" altLang="ko-KR" smtClean="0">
+                <a:solidFill>
+                  <a:schemeClr val="tx1"/>
+                </a:solidFill>
+                <a:latin typeface="1훈새마을운동 R" panose="02020603020101020101" pitchFamily="18" charset="-127"/>
+                <a:ea typeface="1훈새마을운동 R" panose="02020603020101020101" pitchFamily="18" charset="-127"/>
+              </a:rPr>
+              <a:t>(</a:t>
+            </a:r>
+            <a:r>
+              <a:rPr lang="ko-KR" altLang="en-US" smtClean="0">
+                <a:solidFill>
+                  <a:schemeClr val="tx1"/>
+                </a:solidFill>
+                <a:latin typeface="1훈새마을운동 R" panose="02020603020101020101" pitchFamily="18" charset="-127"/>
+                <a:ea typeface="1훈새마을운동 R" panose="02020603020101020101" pitchFamily="18" charset="-127"/>
+              </a:rPr>
+              <a:t>행</a:t>
+            </a:r>
+            <a:r>
+              <a:rPr lang="en-US" altLang="ko-KR" smtClean="0">
+                <a:solidFill>
+                  <a:schemeClr val="tx1"/>
+                </a:solidFill>
+                <a:latin typeface="1훈새마을운동 R" panose="02020603020101020101" pitchFamily="18" charset="-127"/>
+                <a:ea typeface="1훈새마을운동 R" panose="02020603020101020101" pitchFamily="18" charset="-127"/>
+              </a:rPr>
+              <a:t>)</a:t>
+            </a:r>
+            <a:r>
+              <a:rPr lang="ko-KR" altLang="en-US" smtClean="0">
                 <a:solidFill>
                   <a:schemeClr val="tx1"/>
                 </a:solidFill>
@@ -37912,34 +37548,44 @@
               <a:t> </a:t>
             </a:r>
             <a:r>
-              <a:rPr lang="ko-KR" altLang="en-US" smtClean="0">
-                <a:solidFill>
-                  <a:schemeClr val="tx1"/>
-                </a:solidFill>
-                <a:latin typeface="1훈새마을운동 R" panose="02020603020101020101" pitchFamily="18" charset="-127"/>
-                <a:ea typeface="1훈새마을운동 R" panose="02020603020101020101" pitchFamily="18" charset="-127"/>
-              </a:rPr>
-              <a:t>테이블명 </a:t>
-            </a:r>
-            <a:r>
-              <a:rPr lang="en-US" altLang="ko-KR" smtClean="0">
-                <a:solidFill>
-                  <a:schemeClr val="tx1"/>
-                </a:solidFill>
-                <a:latin typeface="1훈새마을운동 R" panose="02020603020101020101" pitchFamily="18" charset="-127"/>
-                <a:ea typeface="1훈새마을운동 R" panose="02020603020101020101" pitchFamily="18" charset="-127"/>
-              </a:rPr>
-              <a:t>where </a:t>
-            </a:r>
-            <a:r>
-              <a:rPr lang="ko-KR" altLang="en-US" smtClean="0">
-                <a:solidFill>
-                  <a:schemeClr val="tx1"/>
-                </a:solidFill>
-                <a:latin typeface="1훈새마을운동 R" panose="02020603020101020101" pitchFamily="18" charset="-127"/>
-                <a:ea typeface="1훈새마을운동 R" panose="02020603020101020101" pitchFamily="18" charset="-127"/>
-              </a:rPr>
-              <a:t>조건 </a:t>
+              <a:rPr lang="en-US" altLang="ko-KR" smtClean="0">
+                <a:solidFill>
+                  <a:schemeClr val="tx1"/>
+                </a:solidFill>
+                <a:latin typeface="1훈새마을운동 R" panose="02020603020101020101" pitchFamily="18" charset="-127"/>
+                <a:ea typeface="1훈새마을운동 R" panose="02020603020101020101" pitchFamily="18" charset="-127"/>
+              </a:rPr>
+              <a:t>= </a:t>
+            </a:r>
+            <a:r>
+              <a:rPr lang="ko-KR" altLang="en-US" smtClean="0">
+                <a:solidFill>
+                  <a:schemeClr val="tx1"/>
+                </a:solidFill>
+                <a:latin typeface="1훈새마을운동 R" panose="02020603020101020101" pitchFamily="18" charset="-127"/>
+                <a:ea typeface="1훈새마을운동 R" panose="02020603020101020101" pitchFamily="18" charset="-127"/>
+              </a:rPr>
+              <a:t>레코드 </a:t>
+            </a:r>
+            <a:r>
+              <a:rPr lang="en-US" altLang="ko-KR" smtClean="0">
+                <a:solidFill>
+                  <a:schemeClr val="tx1"/>
+                </a:solidFill>
+                <a:latin typeface="1훈새마을운동 R" panose="02020603020101020101" pitchFamily="18" charset="-127"/>
+                <a:ea typeface="1훈새마을운동 R" panose="02020603020101020101" pitchFamily="18" charset="-127"/>
+              </a:rPr>
+              <a:t>, </a:t>
+            </a:r>
+            <a:r>
+              <a:rPr lang="ko-KR" altLang="en-US" smtClean="0">
+                <a:solidFill>
+                  <a:schemeClr val="tx1"/>
+                </a:solidFill>
+                <a:latin typeface="1훈새마을운동 R" panose="02020603020101020101" pitchFamily="18" charset="-127"/>
+                <a:ea typeface="1훈새마을운동 R" panose="02020603020101020101" pitchFamily="18" charset="-127"/>
+              </a:rPr>
+              <a:t>튜플</a:t>
             </a:r>
             <a:endParaRPr lang="en-US" altLang="ko-KR" smtClean="0">
               <a:solidFill>
@@ -37951,67 +37597,25 @@
           </a:p>
           <a:p>
             <a:r>
-              <a:rPr lang="en-US" altLang="ko-KR">
-                <a:solidFill>
-                  <a:schemeClr val="tx1"/>
-                </a:solidFill>
-                <a:latin typeface="1훈새마을운동 R" panose="02020603020101020101" pitchFamily="18" charset="-127"/>
-                <a:ea typeface="1훈새마을운동 R" panose="02020603020101020101" pitchFamily="18" charset="-127"/>
-              </a:rPr>
-              <a:t>	</a:t>
-            </a:r>
-            <a:r>
-              <a:rPr lang="en-US" altLang="ko-KR" smtClean="0">
-                <a:solidFill>
-                  <a:schemeClr val="tx1"/>
-                </a:solidFill>
-                <a:latin typeface="1훈새마을운동 R" panose="02020603020101020101" pitchFamily="18" charset="-127"/>
-                <a:ea typeface="1훈새마을운동 R" panose="02020603020101020101" pitchFamily="18" charset="-127"/>
-              </a:rPr>
-              <a:t>		* </a:t>
-            </a:r>
-            <a:r>
-              <a:rPr lang="ko-KR" altLang="en-US" smtClean="0">
-                <a:solidFill>
-                  <a:schemeClr val="tx1"/>
-                </a:solidFill>
-                <a:latin typeface="1훈새마을운동 R" panose="02020603020101020101" pitchFamily="18" charset="-127"/>
-                <a:ea typeface="1훈새마을운동 R" panose="02020603020101020101" pitchFamily="18" charset="-127"/>
-              </a:rPr>
-              <a:t>모든필드 검색시 </a:t>
-            </a:r>
-            <a:r>
-              <a:rPr lang="en-US" altLang="ko-KR" smtClean="0">
-                <a:solidFill>
-                  <a:schemeClr val="tx1"/>
-                </a:solidFill>
-                <a:latin typeface="1훈새마을운동 R" panose="02020603020101020101" pitchFamily="18" charset="-127"/>
-                <a:ea typeface="1훈새마을운동 R" panose="02020603020101020101" pitchFamily="18" charset="-127"/>
-              </a:rPr>
-              <a:t>: *( </a:t>
-            </a:r>
-            <a:r>
-              <a:rPr lang="ko-KR" altLang="en-US" smtClean="0">
-                <a:solidFill>
-                  <a:schemeClr val="tx1"/>
-                </a:solidFill>
-                <a:latin typeface="1훈새마을운동 R" panose="02020603020101020101" pitchFamily="18" charset="-127"/>
-                <a:ea typeface="1훈새마을운동 R" panose="02020603020101020101" pitchFamily="18" charset="-127"/>
-              </a:rPr>
-              <a:t>와일드카드 </a:t>
-            </a:r>
-            <a:r>
-              <a:rPr lang="en-US" altLang="ko-KR" smtClean="0">
-                <a:solidFill>
-                  <a:schemeClr val="tx1"/>
-                </a:solidFill>
-                <a:latin typeface="1훈새마을운동 R" panose="02020603020101020101" pitchFamily="18" charset="-127"/>
-                <a:ea typeface="1훈새마을운동 R" panose="02020603020101020101" pitchFamily="18" charset="-127"/>
-              </a:rPr>
-              <a:t>)</a:t>
-            </a:r>
-          </a:p>
-          <a:p>
+              <a:rPr lang="en-US" altLang="ko-KR" smtClean="0">
+                <a:solidFill>
+                  <a:schemeClr val="tx1"/>
+                </a:solidFill>
+                <a:latin typeface="1훈새마을운동 R" panose="02020603020101020101" pitchFamily="18" charset="-127"/>
+                <a:ea typeface="1훈새마을운동 R" panose="02020603020101020101" pitchFamily="18" charset="-127"/>
+              </a:rPr>
+              <a:t>*</a:t>
+            </a:r>
+            <a:r>
+              <a:rPr lang="ko-KR" altLang="en-US" smtClean="0">
+                <a:solidFill>
+                  <a:schemeClr val="tx1"/>
+                </a:solidFill>
+                <a:latin typeface="1훈새마을운동 R" panose="02020603020101020101" pitchFamily="18" charset="-127"/>
+                <a:ea typeface="1훈새마을운동 R" panose="02020603020101020101" pitchFamily="18" charset="-127"/>
+              </a:rPr>
+              <a:t>자료형 </a:t>
+            </a:r>
             <a:endParaRPr lang="en-US" altLang="ko-KR" smtClean="0">
               <a:solidFill>
                 <a:schemeClr val="tx1"/>
@@ -38022,57 +37626,67 @@
           </a:p>
           <a:p>
             <a:r>
-              <a:rPr lang="en-US" altLang="ko-KR" smtClean="0">
-                <a:solidFill>
-                  <a:schemeClr val="tx1"/>
-                </a:solidFill>
-                <a:latin typeface="1훈새마을운동 R" panose="02020603020101020101" pitchFamily="18" charset="-127"/>
-                <a:ea typeface="1훈새마을운동 R" panose="02020603020101020101" pitchFamily="18" charset="-127"/>
-              </a:rPr>
-              <a:t>		3. </a:t>
-            </a:r>
-            <a:r>
-              <a:rPr lang="ko-KR" altLang="en-US" smtClean="0">
-                <a:solidFill>
-                  <a:schemeClr val="tx1"/>
-                </a:solidFill>
-                <a:latin typeface="1훈새마을운동 R" panose="02020603020101020101" pitchFamily="18" charset="-127"/>
-                <a:ea typeface="1훈새마을운동 R" panose="02020603020101020101" pitchFamily="18" charset="-127"/>
-              </a:rPr>
-              <a:t>삭제 </a:t>
-            </a:r>
-            <a:r>
-              <a:rPr lang="en-US" altLang="ko-KR" smtClean="0">
-                <a:solidFill>
-                  <a:schemeClr val="tx1"/>
-                </a:solidFill>
-                <a:latin typeface="1훈새마을운동 R" panose="02020603020101020101" pitchFamily="18" charset="-127"/>
-                <a:ea typeface="1훈새마을운동 R" panose="02020603020101020101" pitchFamily="18" charset="-127"/>
-              </a:rPr>
-              <a:t>: delete from </a:t>
-            </a:r>
-            <a:r>
-              <a:rPr lang="ko-KR" altLang="en-US" smtClean="0">
-                <a:solidFill>
-                  <a:schemeClr val="tx1"/>
-                </a:solidFill>
-                <a:latin typeface="1훈새마을운동 R" panose="02020603020101020101" pitchFamily="18" charset="-127"/>
-                <a:ea typeface="1훈새마을운동 R" panose="02020603020101020101" pitchFamily="18" charset="-127"/>
-              </a:rPr>
-              <a:t>테이블명 </a:t>
-            </a:r>
-            <a:r>
-              <a:rPr lang="en-US" altLang="ko-KR" smtClean="0">
-                <a:solidFill>
-                  <a:schemeClr val="tx1"/>
-                </a:solidFill>
-                <a:latin typeface="1훈새마을운동 R" panose="02020603020101020101" pitchFamily="18" charset="-127"/>
-                <a:ea typeface="1훈새마을운동 R" panose="02020603020101020101" pitchFamily="18" charset="-127"/>
-              </a:rPr>
-              <a:t>where</a:t>
-            </a:r>
-            <a:r>
-              <a:rPr lang="ko-KR" altLang="en-US">
+              <a:rPr lang="en-US" altLang="ko-KR">
+                <a:solidFill>
+                  <a:schemeClr val="tx1"/>
+                </a:solidFill>
+                <a:latin typeface="1훈새마을운동 R" panose="02020603020101020101" pitchFamily="18" charset="-127"/>
+                <a:ea typeface="1훈새마을운동 R" panose="02020603020101020101" pitchFamily="18" charset="-127"/>
+              </a:rPr>
+              <a:t>	</a:t>
+            </a:r>
+            <a:r>
+              <a:rPr lang="en-US" altLang="ko-KR" smtClean="0">
+                <a:solidFill>
+                  <a:schemeClr val="tx1"/>
+                </a:solidFill>
+                <a:latin typeface="1훈새마을운동 R" panose="02020603020101020101" pitchFamily="18" charset="-127"/>
+                <a:ea typeface="1훈새마을운동 R" panose="02020603020101020101" pitchFamily="18" charset="-127"/>
+              </a:rPr>
+              <a:t>1. int 			: </a:t>
+            </a:r>
+            <a:r>
+              <a:rPr lang="ko-KR" altLang="en-US" smtClean="0">
+                <a:solidFill>
+                  <a:schemeClr val="tx1"/>
+                </a:solidFill>
+                <a:latin typeface="1훈새마을운동 R" panose="02020603020101020101" pitchFamily="18" charset="-127"/>
+                <a:ea typeface="1훈새마을운동 R" panose="02020603020101020101" pitchFamily="18" charset="-127"/>
+              </a:rPr>
+              <a:t>정수형 </a:t>
+            </a:r>
+            <a:r>
+              <a:rPr lang="en-US" altLang="ko-KR" smtClean="0">
+                <a:solidFill>
+                  <a:schemeClr val="tx1"/>
+                </a:solidFill>
+                <a:latin typeface="1훈새마을운동 R" panose="02020603020101020101" pitchFamily="18" charset="-127"/>
+                <a:ea typeface="1훈새마을운동 R" panose="02020603020101020101" pitchFamily="18" charset="-127"/>
+              </a:rPr>
+              <a:t>[ 4</a:t>
+            </a:r>
+            <a:r>
+              <a:rPr lang="ko-KR" altLang="en-US" smtClean="0">
+                <a:solidFill>
+                  <a:schemeClr val="tx1"/>
+                </a:solidFill>
+                <a:latin typeface="1훈새마을운동 R" panose="02020603020101020101" pitchFamily="18" charset="-127"/>
+                <a:ea typeface="1훈새마을운동 R" panose="02020603020101020101" pitchFamily="18" charset="-127"/>
+              </a:rPr>
+              <a:t>바이트 </a:t>
+            </a:r>
+            <a:r>
+              <a:rPr lang="en-US" altLang="ko-KR" smtClean="0">
+                <a:solidFill>
+                  <a:schemeClr val="tx1"/>
+                </a:solidFill>
+                <a:latin typeface="1훈새마을운동 R" panose="02020603020101020101" pitchFamily="18" charset="-127"/>
+                <a:ea typeface="1훈새마을운동 R" panose="02020603020101020101" pitchFamily="18" charset="-127"/>
+              </a:rPr>
+              <a:t>]</a:t>
+            </a:r>
+            <a:r>
+              <a:rPr lang="ko-KR" altLang="en-US" smtClean="0">
                 <a:solidFill>
                   <a:schemeClr val="tx1"/>
                 </a:solidFill>
@@ -38080,16 +37694,6 @@
                 <a:ea typeface="1훈새마을운동 R" panose="02020603020101020101" pitchFamily="18" charset="-127"/>
               </a:rPr>
               <a:t> </a:t>
-            </a:r>
-            <a:r>
-              <a:rPr lang="ko-KR" altLang="en-US" smtClean="0">
-                <a:solidFill>
-                  <a:schemeClr val="tx1"/>
-                </a:solidFill>
-                <a:latin typeface="1훈새마을운동 R" panose="02020603020101020101" pitchFamily="18" charset="-127"/>
-                <a:ea typeface="1훈새마을운동 R" panose="02020603020101020101" pitchFamily="18" charset="-127"/>
-              </a:rPr>
-              <a:t>조건 </a:t>
             </a:r>
             <a:endParaRPr lang="en-US" altLang="ko-KR" smtClean="0">
               <a:solidFill>
@@ -38101,176 +37705,136 @@
           </a:p>
           <a:p>
             <a:r>
-              <a:rPr lang="en-US" altLang="ko-KR" smtClean="0">
-                <a:solidFill>
-                  <a:schemeClr val="tx1"/>
-                </a:solidFill>
-                <a:latin typeface="1훈새마을운동 R" panose="02020603020101020101" pitchFamily="18" charset="-127"/>
-                <a:ea typeface="1훈새마을운동 R" panose="02020603020101020101" pitchFamily="18" charset="-127"/>
-              </a:rPr>
-              <a:t>			</a:t>
-            </a:r>
-          </a:p>
-          <a:p>
-            <a:r>
-              <a:rPr lang="en-US" altLang="ko-KR" smtClean="0">
-                <a:solidFill>
-                  <a:schemeClr val="tx1"/>
-                </a:solidFill>
-                <a:latin typeface="1훈새마을운동 R" panose="02020603020101020101" pitchFamily="18" charset="-127"/>
-                <a:ea typeface="1훈새마을운동 R" panose="02020603020101020101" pitchFamily="18" charset="-127"/>
-              </a:rPr>
-              <a:t>		4. </a:t>
-            </a:r>
-            <a:r>
-              <a:rPr lang="ko-KR" altLang="en-US" smtClean="0">
-                <a:solidFill>
-                  <a:schemeClr val="tx1"/>
-                </a:solidFill>
-                <a:latin typeface="1훈새마을운동 R" panose="02020603020101020101" pitchFamily="18" charset="-127"/>
-                <a:ea typeface="1훈새마을운동 R" panose="02020603020101020101" pitchFamily="18" charset="-127"/>
-              </a:rPr>
-              <a:t>수정 </a:t>
-            </a:r>
-            <a:r>
-              <a:rPr lang="en-US" altLang="ko-KR" smtClean="0">
-                <a:solidFill>
-                  <a:schemeClr val="tx1"/>
-                </a:solidFill>
-                <a:latin typeface="1훈새마을운동 R" panose="02020603020101020101" pitchFamily="18" charset="-127"/>
-                <a:ea typeface="1훈새마을운동 R" panose="02020603020101020101" pitchFamily="18" charset="-127"/>
-              </a:rPr>
-              <a:t>: update </a:t>
-            </a:r>
-            <a:r>
-              <a:rPr lang="ko-KR" altLang="en-US" smtClean="0">
-                <a:solidFill>
-                  <a:schemeClr val="tx1"/>
-                </a:solidFill>
-                <a:latin typeface="1훈새마을운동 R" panose="02020603020101020101" pitchFamily="18" charset="-127"/>
-                <a:ea typeface="1훈새마을운동 R" panose="02020603020101020101" pitchFamily="18" charset="-127"/>
-              </a:rPr>
-              <a:t>테이블명 </a:t>
-            </a:r>
-            <a:r>
-              <a:rPr lang="en-US" altLang="ko-KR" smtClean="0">
-                <a:solidFill>
-                  <a:schemeClr val="tx1"/>
-                </a:solidFill>
-                <a:latin typeface="1훈새마을운동 R" panose="02020603020101020101" pitchFamily="18" charset="-127"/>
-                <a:ea typeface="1훈새마을운동 R" panose="02020603020101020101" pitchFamily="18" charset="-127"/>
-              </a:rPr>
-              <a:t>set </a:t>
-            </a:r>
-            <a:r>
-              <a:rPr lang="ko-KR" altLang="en-US" smtClean="0">
-                <a:solidFill>
-                  <a:schemeClr val="tx1"/>
-                </a:solidFill>
-                <a:latin typeface="1훈새마을운동 R" panose="02020603020101020101" pitchFamily="18" charset="-127"/>
-                <a:ea typeface="1훈새마을운동 R" panose="02020603020101020101" pitchFamily="18" charset="-127"/>
-              </a:rPr>
-              <a:t>변경필드 </a:t>
-            </a:r>
-            <a:r>
-              <a:rPr lang="en-US" altLang="ko-KR" smtClean="0">
-                <a:solidFill>
-                  <a:schemeClr val="tx1"/>
-                </a:solidFill>
-                <a:latin typeface="1훈새마을운동 R" panose="02020603020101020101" pitchFamily="18" charset="-127"/>
-                <a:ea typeface="1훈새마을운동 R" panose="02020603020101020101" pitchFamily="18" charset="-127"/>
-              </a:rPr>
-              <a:t>= </a:t>
-            </a:r>
-            <a:r>
-              <a:rPr lang="ko-KR" altLang="en-US" smtClean="0">
-                <a:solidFill>
-                  <a:schemeClr val="tx1"/>
-                </a:solidFill>
-                <a:latin typeface="1훈새마을운동 R" panose="02020603020101020101" pitchFamily="18" charset="-127"/>
-                <a:ea typeface="1훈새마을운동 R" panose="02020603020101020101" pitchFamily="18" charset="-127"/>
-              </a:rPr>
-              <a:t>값 </a:t>
-            </a:r>
-            <a:r>
-              <a:rPr lang="en-US" altLang="ko-KR" smtClean="0">
-                <a:solidFill>
-                  <a:schemeClr val="tx1"/>
-                </a:solidFill>
-                <a:latin typeface="1훈새마을운동 R" panose="02020603020101020101" pitchFamily="18" charset="-127"/>
-                <a:ea typeface="1훈새마을운동 R" panose="02020603020101020101" pitchFamily="18" charset="-127"/>
-              </a:rPr>
-              <a:t>, </a:t>
-            </a:r>
-            <a:r>
-              <a:rPr lang="ko-KR" altLang="en-US" smtClean="0">
-                <a:solidFill>
-                  <a:schemeClr val="tx1"/>
-                </a:solidFill>
-                <a:latin typeface="1훈새마을운동 R" panose="02020603020101020101" pitchFamily="18" charset="-127"/>
-                <a:ea typeface="1훈새마을운동 R" panose="02020603020101020101" pitchFamily="18" charset="-127"/>
-              </a:rPr>
-              <a:t>변경필드</a:t>
-            </a:r>
-            <a:r>
-              <a:rPr lang="en-US" altLang="ko-KR" smtClean="0">
-                <a:solidFill>
-                  <a:schemeClr val="tx1"/>
-                </a:solidFill>
-                <a:latin typeface="1훈새마을운동 R" panose="02020603020101020101" pitchFamily="18" charset="-127"/>
-                <a:ea typeface="1훈새마을운동 R" panose="02020603020101020101" pitchFamily="18" charset="-127"/>
-              </a:rPr>
-              <a:t>2</a:t>
-            </a:r>
-            <a:r>
-              <a:rPr lang="ko-KR" altLang="en-US" smtClean="0">
-                <a:solidFill>
-                  <a:schemeClr val="tx1"/>
-                </a:solidFill>
-                <a:latin typeface="1훈새마을운동 R" panose="02020603020101020101" pitchFamily="18" charset="-127"/>
-                <a:ea typeface="1훈새마을운동 R" panose="02020603020101020101" pitchFamily="18" charset="-127"/>
-              </a:rPr>
-              <a:t> </a:t>
-            </a:r>
-            <a:r>
-              <a:rPr lang="en-US" altLang="ko-KR" smtClean="0">
-                <a:solidFill>
-                  <a:schemeClr val="tx1"/>
-                </a:solidFill>
-                <a:latin typeface="1훈새마을운동 R" panose="02020603020101020101" pitchFamily="18" charset="-127"/>
-                <a:ea typeface="1훈새마을운동 R" panose="02020603020101020101" pitchFamily="18" charset="-127"/>
-              </a:rPr>
-              <a:t>= </a:t>
-            </a:r>
-            <a:r>
-              <a:rPr lang="ko-KR" altLang="en-US" smtClean="0">
-                <a:solidFill>
-                  <a:schemeClr val="tx1"/>
-                </a:solidFill>
-                <a:latin typeface="1훈새마을운동 R" panose="02020603020101020101" pitchFamily="18" charset="-127"/>
-                <a:ea typeface="1훈새마을운동 R" panose="02020603020101020101" pitchFamily="18" charset="-127"/>
-              </a:rPr>
-              <a:t>값</a:t>
-            </a:r>
-            <a:r>
-              <a:rPr lang="en-US" altLang="ko-KR" smtClean="0">
-                <a:solidFill>
-                  <a:schemeClr val="tx1"/>
-                </a:solidFill>
-                <a:latin typeface="1훈새마을운동 R" panose="02020603020101020101" pitchFamily="18" charset="-127"/>
-                <a:ea typeface="1훈새마을운동 R" panose="02020603020101020101" pitchFamily="18" charset="-127"/>
-              </a:rPr>
-              <a:t>2 where </a:t>
-            </a:r>
-            <a:r>
-              <a:rPr lang="ko-KR" altLang="en-US" smtClean="0">
-                <a:solidFill>
-                  <a:schemeClr val="tx1"/>
-                </a:solidFill>
-                <a:latin typeface="1훈새마을운동 R" panose="02020603020101020101" pitchFamily="18" charset="-127"/>
-                <a:ea typeface="1훈새마을운동 R" panose="02020603020101020101" pitchFamily="18" charset="-127"/>
-              </a:rPr>
-              <a:t>조건</a:t>
+              <a:rPr lang="en-US" altLang="ko-KR">
+                <a:solidFill>
+                  <a:schemeClr val="tx1"/>
+                </a:solidFill>
+                <a:latin typeface="1훈새마을운동 R" panose="02020603020101020101" pitchFamily="18" charset="-127"/>
+                <a:ea typeface="1훈새마을운동 R" panose="02020603020101020101" pitchFamily="18" charset="-127"/>
+              </a:rPr>
+              <a:t>	</a:t>
+            </a:r>
+            <a:r>
+              <a:rPr lang="en-US" altLang="ko-KR" smtClean="0">
+                <a:solidFill>
+                  <a:schemeClr val="tx1"/>
+                </a:solidFill>
+                <a:latin typeface="1훈새마을운동 R" panose="02020603020101020101" pitchFamily="18" charset="-127"/>
+                <a:ea typeface="1훈새마을운동 R" panose="02020603020101020101" pitchFamily="18" charset="-127"/>
+              </a:rPr>
+              <a:t>2. varchar(</a:t>
+            </a:r>
+            <a:r>
+              <a:rPr lang="ko-KR" altLang="en-US" smtClean="0">
+                <a:solidFill>
+                  <a:schemeClr val="tx1"/>
+                </a:solidFill>
+                <a:latin typeface="1훈새마을운동 R" panose="02020603020101020101" pitchFamily="18" charset="-127"/>
+                <a:ea typeface="1훈새마을운동 R" panose="02020603020101020101" pitchFamily="18" charset="-127"/>
+              </a:rPr>
+              <a:t>문자길이</a:t>
+            </a:r>
+            <a:r>
+              <a:rPr lang="en-US" altLang="ko-KR" smtClean="0">
+                <a:solidFill>
+                  <a:schemeClr val="tx1"/>
+                </a:solidFill>
+                <a:latin typeface="1훈새마을운동 R" panose="02020603020101020101" pitchFamily="18" charset="-127"/>
+                <a:ea typeface="1훈새마을운동 R" panose="02020603020101020101" pitchFamily="18" charset="-127"/>
+              </a:rPr>
+              <a:t>)	: </a:t>
+            </a:r>
+            <a:r>
+              <a:rPr lang="ko-KR" altLang="en-US" smtClean="0">
+                <a:solidFill>
+                  <a:schemeClr val="tx1"/>
+                </a:solidFill>
+                <a:latin typeface="1훈새마을운동 R" panose="02020603020101020101" pitchFamily="18" charset="-127"/>
+                <a:ea typeface="1훈새마을운동 R" panose="02020603020101020101" pitchFamily="18" charset="-127"/>
+              </a:rPr>
+              <a:t>문자형 </a:t>
+            </a:r>
+            <a:r>
+              <a:rPr lang="en-US" altLang="ko-KR" smtClean="0">
+                <a:solidFill>
+                  <a:schemeClr val="tx1"/>
+                </a:solidFill>
+                <a:latin typeface="1훈새마을운동 R" panose="02020603020101020101" pitchFamily="18" charset="-127"/>
+                <a:ea typeface="1훈새마을운동 R" panose="02020603020101020101" pitchFamily="18" charset="-127"/>
+              </a:rPr>
+              <a:t>[ </a:t>
+            </a:r>
+            <a:r>
+              <a:rPr lang="ko-KR" altLang="en-US" smtClean="0">
+                <a:solidFill>
+                  <a:schemeClr val="tx1"/>
+                </a:solidFill>
+                <a:latin typeface="1훈새마을운동 R" panose="02020603020101020101" pitchFamily="18" charset="-127"/>
+                <a:ea typeface="1훈새마을운동 R" panose="02020603020101020101" pitchFamily="18" charset="-127"/>
+              </a:rPr>
+              <a:t>가변길이 </a:t>
+            </a:r>
+            <a:r>
+              <a:rPr lang="en-US" altLang="ko-KR" smtClean="0">
+                <a:solidFill>
+                  <a:schemeClr val="tx1"/>
+                </a:solidFill>
+                <a:latin typeface="1훈새마을운동 R" panose="02020603020101020101" pitchFamily="18" charset="-127"/>
+                <a:ea typeface="1훈새마을운동 R" panose="02020603020101020101" pitchFamily="18" charset="-127"/>
+              </a:rPr>
+              <a:t>]</a:t>
+            </a:r>
+          </a:p>
+          <a:p>
+            <a:r>
+              <a:rPr lang="en-US" altLang="ko-KR">
+                <a:solidFill>
+                  <a:schemeClr val="tx1"/>
+                </a:solidFill>
+                <a:latin typeface="1훈새마을운동 R" panose="02020603020101020101" pitchFamily="18" charset="-127"/>
+                <a:ea typeface="1훈새마을운동 R" panose="02020603020101020101" pitchFamily="18" charset="-127"/>
+              </a:rPr>
+              <a:t>	</a:t>
+            </a:r>
+            <a:r>
+              <a:rPr lang="en-US" altLang="ko-KR" smtClean="0">
+                <a:solidFill>
+                  <a:schemeClr val="tx1"/>
+                </a:solidFill>
+                <a:latin typeface="1훈새마을운동 R" panose="02020603020101020101" pitchFamily="18" charset="-127"/>
+                <a:ea typeface="1훈새마을운동 R" panose="02020603020101020101" pitchFamily="18" charset="-127"/>
+              </a:rPr>
+              <a:t>3. timestamp		: </a:t>
+            </a:r>
+            <a:r>
+              <a:rPr lang="ko-KR" altLang="en-US" smtClean="0">
+                <a:solidFill>
+                  <a:schemeClr val="tx1"/>
+                </a:solidFill>
+                <a:latin typeface="1훈새마을운동 R" panose="02020603020101020101" pitchFamily="18" charset="-127"/>
+                <a:ea typeface="1훈새마을운동 R" panose="02020603020101020101" pitchFamily="18" charset="-127"/>
+              </a:rPr>
+              <a:t>날짜</a:t>
+            </a:r>
+            <a:r>
+              <a:rPr lang="en-US" altLang="ko-KR" smtClean="0">
+                <a:solidFill>
+                  <a:schemeClr val="tx1"/>
+                </a:solidFill>
+                <a:latin typeface="1훈새마을운동 R" panose="02020603020101020101" pitchFamily="18" charset="-127"/>
+                <a:ea typeface="1훈새마을운동 R" panose="02020603020101020101" pitchFamily="18" charset="-127"/>
+              </a:rPr>
+              <a:t>/</a:t>
+            </a:r>
+            <a:r>
+              <a:rPr lang="ko-KR" altLang="en-US" smtClean="0">
+                <a:solidFill>
+                  <a:schemeClr val="tx1"/>
+                </a:solidFill>
+                <a:latin typeface="1훈새마을운동 R" panose="02020603020101020101" pitchFamily="18" charset="-127"/>
+                <a:ea typeface="1훈새마을운동 R" panose="02020603020101020101" pitchFamily="18" charset="-127"/>
+              </a:rPr>
+              <a:t>시간</a:t>
             </a:r>
             <a:endParaRPr lang="en-US" altLang="ko-KR" smtClean="0">
               <a:solidFill>
@@ -38281,6 +37845,352 @@
             </a:endParaRPr>
           </a:p>
           <a:p>
+            <a:r>
+              <a:rPr lang="en-US" altLang="ko-KR">
+                <a:solidFill>
+                  <a:schemeClr val="tx1"/>
+                </a:solidFill>
+                <a:latin typeface="1훈새마을운동 R" panose="02020603020101020101" pitchFamily="18" charset="-127"/>
+                <a:ea typeface="1훈새마을운동 R" panose="02020603020101020101" pitchFamily="18" charset="-127"/>
+              </a:rPr>
+              <a:t>	</a:t>
+            </a:r>
+            <a:endParaRPr lang="en-US" altLang="ko-KR" smtClean="0">
+              <a:solidFill>
+                <a:schemeClr val="tx1"/>
+              </a:solidFill>
+              <a:latin typeface="1훈새마을운동 R" panose="02020603020101020101" pitchFamily="18" charset="-127"/>
+              <a:ea typeface="1훈새마을운동 R" panose="02020603020101020101" pitchFamily="18" charset="-127"/>
+            </a:endParaRPr>
+          </a:p>
+          <a:p>
+            <a:r>
+              <a:rPr lang="en-US" altLang="ko-KR" smtClean="0">
+                <a:solidFill>
+                  <a:schemeClr val="tx1"/>
+                </a:solidFill>
+                <a:latin typeface="1훈새마을운동 R" panose="02020603020101020101" pitchFamily="18" charset="-127"/>
+                <a:ea typeface="1훈새마을운동 R" panose="02020603020101020101" pitchFamily="18" charset="-127"/>
+              </a:rPr>
+              <a:t>*</a:t>
+            </a:r>
+            <a:r>
+              <a:rPr lang="ko-KR" altLang="en-US" smtClean="0">
+                <a:solidFill>
+                  <a:schemeClr val="tx1"/>
+                </a:solidFill>
+                <a:latin typeface="1훈새마을운동 R" panose="02020603020101020101" pitchFamily="18" charset="-127"/>
+                <a:ea typeface="1훈새마을운동 R" panose="02020603020101020101" pitchFamily="18" charset="-127"/>
+              </a:rPr>
+              <a:t>속성 </a:t>
+            </a:r>
+            <a:endParaRPr lang="en-US" altLang="ko-KR" smtClean="0">
+              <a:solidFill>
+                <a:schemeClr val="tx1"/>
+              </a:solidFill>
+              <a:latin typeface="1훈새마을운동 R" panose="02020603020101020101" pitchFamily="18" charset="-127"/>
+              <a:ea typeface="1훈새마을운동 R" panose="02020603020101020101" pitchFamily="18" charset="-127"/>
+            </a:endParaRPr>
+          </a:p>
+          <a:p>
+            <a:r>
+              <a:rPr lang="en-US" altLang="ko-KR">
+                <a:solidFill>
+                  <a:schemeClr val="tx1"/>
+                </a:solidFill>
+                <a:latin typeface="1훈새마을운동 R" panose="02020603020101020101" pitchFamily="18" charset="-127"/>
+                <a:ea typeface="1훈새마을운동 R" panose="02020603020101020101" pitchFamily="18" charset="-127"/>
+              </a:rPr>
+              <a:t>	</a:t>
+            </a:r>
+            <a:r>
+              <a:rPr lang="en-US" altLang="ko-KR" smtClean="0">
+                <a:solidFill>
+                  <a:schemeClr val="tx1"/>
+                </a:solidFill>
+                <a:latin typeface="1훈새마을운동 R" panose="02020603020101020101" pitchFamily="18" charset="-127"/>
+                <a:ea typeface="1훈새마을운동 R" panose="02020603020101020101" pitchFamily="18" charset="-127"/>
+              </a:rPr>
+              <a:t>1. </a:t>
+            </a:r>
+            <a:r>
+              <a:rPr lang="en-US" altLang="ko-KR">
+                <a:solidFill>
+                  <a:schemeClr val="tx1"/>
+                </a:solidFill>
+                <a:latin typeface="1훈새마을운동 R" panose="02020603020101020101" pitchFamily="18" charset="-127"/>
+                <a:ea typeface="1훈새마을운동 R" panose="02020603020101020101" pitchFamily="18" charset="-127"/>
+              </a:rPr>
+              <a:t>primary key 	</a:t>
+            </a:r>
+            <a:r>
+              <a:rPr lang="en-US" altLang="ko-KR" smtClean="0">
+                <a:solidFill>
+                  <a:schemeClr val="tx1"/>
+                </a:solidFill>
+                <a:latin typeface="1훈새마을운동 R" panose="02020603020101020101" pitchFamily="18" charset="-127"/>
+                <a:ea typeface="1훈새마을운동 R" panose="02020603020101020101" pitchFamily="18" charset="-127"/>
+              </a:rPr>
+              <a:t>: </a:t>
+            </a:r>
+            <a:r>
+              <a:rPr lang="ko-KR" altLang="en-US" smtClean="0">
+                <a:solidFill>
+                  <a:schemeClr val="tx1"/>
+                </a:solidFill>
+                <a:latin typeface="1훈새마을운동 R" panose="02020603020101020101" pitchFamily="18" charset="-127"/>
+                <a:ea typeface="1훈새마을운동 R" panose="02020603020101020101" pitchFamily="18" charset="-127"/>
+              </a:rPr>
+              <a:t>기본키 </a:t>
+            </a:r>
+            <a:endParaRPr lang="en-US" altLang="ko-KR" smtClean="0">
+              <a:solidFill>
+                <a:schemeClr val="tx1"/>
+              </a:solidFill>
+              <a:latin typeface="1훈새마을운동 R" panose="02020603020101020101" pitchFamily="18" charset="-127"/>
+              <a:ea typeface="1훈새마을운동 R" panose="02020603020101020101" pitchFamily="18" charset="-127"/>
+            </a:endParaRPr>
+          </a:p>
+          <a:p>
+            <a:r>
+              <a:rPr lang="en-US" altLang="ko-KR">
+                <a:solidFill>
+                  <a:schemeClr val="tx1"/>
+                </a:solidFill>
+                <a:latin typeface="1훈새마을운동 R" panose="02020603020101020101" pitchFamily="18" charset="-127"/>
+                <a:ea typeface="1훈새마을운동 R" panose="02020603020101020101" pitchFamily="18" charset="-127"/>
+              </a:rPr>
+              <a:t>	</a:t>
+            </a:r>
+            <a:r>
+              <a:rPr lang="en-US" altLang="ko-KR" smtClean="0">
+                <a:solidFill>
+                  <a:schemeClr val="tx1"/>
+                </a:solidFill>
+                <a:latin typeface="1훈새마을운동 R" panose="02020603020101020101" pitchFamily="18" charset="-127"/>
+                <a:ea typeface="1훈새마을운동 R" panose="02020603020101020101" pitchFamily="18" charset="-127"/>
+              </a:rPr>
+              <a:t>2. auto_increment	: </a:t>
+            </a:r>
+            <a:r>
+              <a:rPr lang="ko-KR" altLang="en-US" smtClean="0">
+                <a:solidFill>
+                  <a:schemeClr val="tx1"/>
+                </a:solidFill>
+                <a:latin typeface="1훈새마을운동 R" panose="02020603020101020101" pitchFamily="18" charset="-127"/>
+                <a:ea typeface="1훈새마을운동 R" panose="02020603020101020101" pitchFamily="18" charset="-127"/>
+              </a:rPr>
+              <a:t>자동번호 주입</a:t>
+            </a:r>
+            <a:endParaRPr lang="en-US" altLang="ko-KR" smtClean="0">
+              <a:solidFill>
+                <a:schemeClr val="tx1"/>
+              </a:solidFill>
+              <a:latin typeface="1훈새마을운동 R" panose="02020603020101020101" pitchFamily="18" charset="-127"/>
+              <a:ea typeface="1훈새마을운동 R" panose="02020603020101020101" pitchFamily="18" charset="-127"/>
+            </a:endParaRPr>
+          </a:p>
+          <a:p>
+            <a:r>
+              <a:rPr lang="en-US" altLang="ko-KR">
+                <a:solidFill>
+                  <a:schemeClr val="tx1"/>
+                </a:solidFill>
+                <a:latin typeface="1훈새마을운동 R" panose="02020603020101020101" pitchFamily="18" charset="-127"/>
+                <a:ea typeface="1훈새마을운동 R" panose="02020603020101020101" pitchFamily="18" charset="-127"/>
+              </a:rPr>
+              <a:t>	</a:t>
+            </a:r>
+            <a:r>
+              <a:rPr lang="en-US" altLang="ko-KR" smtClean="0">
+                <a:solidFill>
+                  <a:schemeClr val="tx1"/>
+                </a:solidFill>
+                <a:latin typeface="1훈새마을운동 R" panose="02020603020101020101" pitchFamily="18" charset="-127"/>
+                <a:ea typeface="1훈새마을운동 R" panose="02020603020101020101" pitchFamily="18" charset="-127"/>
+              </a:rPr>
+              <a:t>3. </a:t>
+            </a:r>
+            <a:r>
+              <a:rPr lang="en-US" altLang="ko-KR">
+                <a:solidFill>
+                  <a:schemeClr val="tx1"/>
+                </a:solidFill>
+                <a:latin typeface="1훈새마을운동 R" panose="02020603020101020101" pitchFamily="18" charset="-127"/>
+                <a:ea typeface="1훈새마을운동 R" panose="02020603020101020101" pitchFamily="18" charset="-127"/>
+              </a:rPr>
+              <a:t>not null </a:t>
+            </a:r>
+            <a:r>
+              <a:rPr lang="en-US" altLang="ko-KR" smtClean="0">
+                <a:solidFill>
+                  <a:schemeClr val="tx1"/>
+                </a:solidFill>
+                <a:latin typeface="1훈새마을운동 R" panose="02020603020101020101" pitchFamily="18" charset="-127"/>
+                <a:ea typeface="1훈새마을운동 R" panose="02020603020101020101" pitchFamily="18" charset="-127"/>
+              </a:rPr>
+              <a:t>	: null</a:t>
+            </a:r>
+            <a:r>
+              <a:rPr lang="ko-KR" altLang="en-US" smtClean="0">
+                <a:solidFill>
+                  <a:schemeClr val="tx1"/>
+                </a:solidFill>
+                <a:latin typeface="1훈새마을운동 R" panose="02020603020101020101" pitchFamily="18" charset="-127"/>
+                <a:ea typeface="1훈새마을운동 R" panose="02020603020101020101" pitchFamily="18" charset="-127"/>
+              </a:rPr>
+              <a:t>값 제외 </a:t>
+            </a:r>
+            <a:r>
+              <a:rPr lang="en-US" altLang="ko-KR" smtClean="0">
+                <a:solidFill>
+                  <a:schemeClr val="tx1"/>
+                </a:solidFill>
+                <a:latin typeface="1훈새마을운동 R" panose="02020603020101020101" pitchFamily="18" charset="-127"/>
+                <a:ea typeface="1훈새마을운동 R" panose="02020603020101020101" pitchFamily="18" charset="-127"/>
+              </a:rPr>
+              <a:t>[ null </a:t>
+            </a:r>
+            <a:r>
+              <a:rPr lang="ko-KR" altLang="en-US" smtClean="0">
+                <a:solidFill>
+                  <a:schemeClr val="tx1"/>
+                </a:solidFill>
+                <a:latin typeface="1훈새마을운동 R" panose="02020603020101020101" pitchFamily="18" charset="-127"/>
+                <a:ea typeface="1훈새마을운동 R" panose="02020603020101020101" pitchFamily="18" charset="-127"/>
+              </a:rPr>
+              <a:t>일경우 오류 발생 </a:t>
+            </a:r>
+            <a:r>
+              <a:rPr lang="en-US" altLang="ko-KR" smtClean="0">
+                <a:solidFill>
+                  <a:schemeClr val="tx1"/>
+                </a:solidFill>
+                <a:latin typeface="1훈새마을운동 R" panose="02020603020101020101" pitchFamily="18" charset="-127"/>
+                <a:ea typeface="1훈새마을운동 R" panose="02020603020101020101" pitchFamily="18" charset="-127"/>
+              </a:rPr>
+              <a:t>] </a:t>
+            </a:r>
+          </a:p>
+          <a:p>
+            <a:r>
+              <a:rPr lang="en-US" altLang="ko-KR">
+                <a:solidFill>
+                  <a:schemeClr val="tx1"/>
+                </a:solidFill>
+                <a:latin typeface="1훈새마을운동 R" panose="02020603020101020101" pitchFamily="18" charset="-127"/>
+                <a:ea typeface="1훈새마을운동 R" panose="02020603020101020101" pitchFamily="18" charset="-127"/>
+              </a:rPr>
+              <a:t>	4. default </a:t>
+            </a:r>
+            <a:r>
+              <a:rPr lang="en-US" altLang="ko-KR" smtClean="0">
+                <a:solidFill>
+                  <a:schemeClr val="tx1"/>
+                </a:solidFill>
+                <a:latin typeface="1훈새마을운동 R" panose="02020603020101020101" pitchFamily="18" charset="-127"/>
+                <a:ea typeface="1훈새마을운동 R" panose="02020603020101020101" pitchFamily="18" charset="-127"/>
+              </a:rPr>
+              <a:t>	: </a:t>
+            </a:r>
+            <a:r>
+              <a:rPr lang="ko-KR" altLang="en-US" smtClean="0">
+                <a:solidFill>
+                  <a:schemeClr val="tx1"/>
+                </a:solidFill>
+                <a:latin typeface="1훈새마을운동 R" panose="02020603020101020101" pitchFamily="18" charset="-127"/>
+                <a:ea typeface="1훈새마을운동 R" panose="02020603020101020101" pitchFamily="18" charset="-127"/>
+              </a:rPr>
+              <a:t>자동 초기값 주입</a:t>
+            </a:r>
+            <a:endParaRPr lang="en-US" altLang="ko-KR" smtClean="0">
+              <a:solidFill>
+                <a:schemeClr val="tx1"/>
+              </a:solidFill>
+              <a:latin typeface="1훈새마을운동 R" panose="02020603020101020101" pitchFamily="18" charset="-127"/>
+              <a:ea typeface="1훈새마을운동 R" panose="02020603020101020101" pitchFamily="18" charset="-127"/>
+            </a:endParaRPr>
+          </a:p>
+          <a:p>
+            <a:r>
+              <a:rPr lang="en-US" altLang="ko-KR" smtClean="0">
+                <a:solidFill>
+                  <a:schemeClr val="tx1"/>
+                </a:solidFill>
+                <a:latin typeface="1훈새마을운동 R" panose="02020603020101020101" pitchFamily="18" charset="-127"/>
+                <a:ea typeface="1훈새마을운동 R" panose="02020603020101020101" pitchFamily="18" charset="-127"/>
+              </a:rPr>
+              <a:t>*</a:t>
+            </a:r>
+            <a:r>
+              <a:rPr lang="ko-KR" altLang="en-US" smtClean="0">
+                <a:solidFill>
+                  <a:schemeClr val="tx1"/>
+                </a:solidFill>
+                <a:latin typeface="1훈새마을운동 R" panose="02020603020101020101" pitchFamily="18" charset="-127"/>
+                <a:ea typeface="1훈새마을운동 R" panose="02020603020101020101" pitchFamily="18" charset="-127"/>
+              </a:rPr>
+              <a:t>함수</a:t>
+            </a:r>
+            <a:endParaRPr lang="en-US" altLang="ko-KR" smtClean="0">
+              <a:solidFill>
+                <a:schemeClr val="tx1"/>
+              </a:solidFill>
+              <a:latin typeface="1훈새마을운동 R" panose="02020603020101020101" pitchFamily="18" charset="-127"/>
+              <a:ea typeface="1훈새마을운동 R" panose="02020603020101020101" pitchFamily="18" charset="-127"/>
+            </a:endParaRPr>
+          </a:p>
+          <a:p>
+            <a:r>
+              <a:rPr lang="en-US" altLang="ko-KR">
+                <a:solidFill>
+                  <a:schemeClr val="tx1"/>
+                </a:solidFill>
+                <a:latin typeface="1훈새마을운동 R" panose="02020603020101020101" pitchFamily="18" charset="-127"/>
+                <a:ea typeface="1훈새마을운동 R" panose="02020603020101020101" pitchFamily="18" charset="-127"/>
+              </a:rPr>
+              <a:t>	</a:t>
+            </a:r>
+            <a:r>
+              <a:rPr lang="en-US" altLang="ko-KR" smtClean="0">
+                <a:solidFill>
+                  <a:schemeClr val="tx1"/>
+                </a:solidFill>
+                <a:latin typeface="1훈새마을운동 R" panose="02020603020101020101" pitchFamily="18" charset="-127"/>
+                <a:ea typeface="1훈새마을운동 R" panose="02020603020101020101" pitchFamily="18" charset="-127"/>
+              </a:rPr>
+              <a:t>1. now()  : </a:t>
+            </a:r>
+            <a:r>
+              <a:rPr lang="ko-KR" altLang="en-US" smtClean="0">
+                <a:solidFill>
+                  <a:schemeClr val="tx1"/>
+                </a:solidFill>
+                <a:latin typeface="1훈새마을운동 R" panose="02020603020101020101" pitchFamily="18" charset="-127"/>
+                <a:ea typeface="1훈새마을운동 R" panose="02020603020101020101" pitchFamily="18" charset="-127"/>
+              </a:rPr>
+              <a:t>시스템 날짜</a:t>
+            </a:r>
+            <a:r>
+              <a:rPr lang="en-US" altLang="ko-KR" smtClean="0">
+                <a:solidFill>
+                  <a:schemeClr val="tx1"/>
+                </a:solidFill>
+                <a:latin typeface="1훈새마을운동 R" panose="02020603020101020101" pitchFamily="18" charset="-127"/>
+                <a:ea typeface="1훈새마을운동 R" panose="02020603020101020101" pitchFamily="18" charset="-127"/>
+              </a:rPr>
+              <a:t>/</a:t>
+            </a:r>
+            <a:r>
+              <a:rPr lang="ko-KR" altLang="en-US" smtClean="0">
+                <a:solidFill>
+                  <a:schemeClr val="tx1"/>
+                </a:solidFill>
+                <a:latin typeface="1훈새마을운동 R" panose="02020603020101020101" pitchFamily="18" charset="-127"/>
+                <a:ea typeface="1훈새마을운동 R" panose="02020603020101020101" pitchFamily="18" charset="-127"/>
+              </a:rPr>
+              <a:t>시간 함수 </a:t>
+            </a:r>
             <a:endParaRPr lang="en-US" altLang="ko-KR">
               <a:solidFill>
                 <a:schemeClr val="tx1"/>
@@ -38291,24 +38201,14 @@
           </a:p>
           <a:p>
             <a:r>
-              <a:rPr lang="en-US" altLang="ko-KR" smtClean="0">
-                <a:solidFill>
-                  <a:schemeClr val="tx1"/>
-                </a:solidFill>
-                <a:latin typeface="1훈새마을운동 R" panose="02020603020101020101" pitchFamily="18" charset="-127"/>
-                <a:ea typeface="1훈새마을운동 R" panose="02020603020101020101" pitchFamily="18" charset="-127"/>
-              </a:rPr>
-              <a:t>		* </a:t>
-            </a:r>
-            <a:r>
-              <a:rPr lang="ko-KR" altLang="en-US" smtClean="0">
-                <a:solidFill>
-                  <a:schemeClr val="tx1"/>
-                </a:solidFill>
-                <a:latin typeface="1훈새마을운동 R" panose="02020603020101020101" pitchFamily="18" charset="-127"/>
-                <a:ea typeface="1훈새마을운동 R" panose="02020603020101020101" pitchFamily="18" charset="-127"/>
-              </a:rPr>
-              <a:t>키워드 </a:t>
+              <a:rPr lang="en-US" altLang="ko-KR">
+                <a:solidFill>
+                  <a:schemeClr val="tx1"/>
+                </a:solidFill>
+                <a:latin typeface="1훈새마을운동 R" panose="02020603020101020101" pitchFamily="18" charset="-127"/>
+                <a:ea typeface="1훈새마을운동 R" panose="02020603020101020101" pitchFamily="18" charset="-127"/>
+              </a:rPr>
+              <a:t>	</a:t>
             </a:r>
             <a:endParaRPr lang="en-US" altLang="ko-KR" smtClean="0">
               <a:solidFill>
@@ -38329,26 +38229,6 @@
               </a:rPr>
               <a:t>	</a:t>
             </a:r>
-            <a:r>
-              <a:rPr lang="en-US" altLang="ko-KR" smtClean="0">
-                <a:solidFill>
-                  <a:schemeClr val="tx1"/>
-                </a:solidFill>
-                <a:latin typeface="1훈새마을운동 R" panose="02020603020101020101" pitchFamily="18" charset="-127"/>
-                <a:ea typeface="1훈새마을운동 R" panose="02020603020101020101" pitchFamily="18" charset="-127"/>
-              </a:rPr>
-              <a:t>		1. where : </a:t>
-            </a:r>
-            <a:r>
-              <a:rPr lang="ko-KR" altLang="en-US" smtClean="0">
-                <a:solidFill>
-                  <a:schemeClr val="tx1"/>
-                </a:solidFill>
-                <a:latin typeface="1훈새마을운동 R" panose="02020603020101020101" pitchFamily="18" charset="-127"/>
-                <a:ea typeface="1훈새마을운동 R" panose="02020603020101020101" pitchFamily="18" charset="-127"/>
-              </a:rPr>
-              <a:t>조건 </a:t>
-            </a:r>
             <a:endParaRPr lang="en-US" altLang="ko-KR" smtClean="0">
               <a:solidFill>
                 <a:schemeClr val="tx1"/>
@@ -38359,7 +38239,7 @@
           </a:p>
           <a:p>
             <a:r>
-              <a:rPr lang="en-US" altLang="ko-KR">
+              <a:rPr lang="en-US" altLang="ko-KR" smtClean="0">
                 <a:solidFill>
                   <a:schemeClr val="tx1"/>
                 </a:solidFill>
@@ -38368,25 +38248,145 @@
               </a:rPr>
               <a:t>	</a:t>
             </a:r>
-            <a:r>
-              <a:rPr lang="en-US" altLang="ko-KR" smtClean="0">
-                <a:solidFill>
-                  <a:schemeClr val="tx1"/>
-                </a:solidFill>
-                <a:latin typeface="1훈새마을운동 R" panose="02020603020101020101" pitchFamily="18" charset="-127"/>
-                <a:ea typeface="1훈새마을운동 R" panose="02020603020101020101" pitchFamily="18" charset="-127"/>
-              </a:rPr>
-              <a:t>			1. and : </a:t>
-            </a:r>
-            <a:r>
-              <a:rPr lang="ko-KR" altLang="en-US" smtClean="0">
-                <a:solidFill>
-                  <a:schemeClr val="tx1"/>
-                </a:solidFill>
-                <a:latin typeface="1훈새마을운동 R" panose="02020603020101020101" pitchFamily="18" charset="-127"/>
-                <a:ea typeface="1훈새마을운동 R" panose="02020603020101020101" pitchFamily="18" charset="-127"/>
-              </a:rPr>
-              <a:t>이면서 면서 이고 모두 그리고 </a:t>
+          </a:p>
+          <a:p>
+            <a:r>
+              <a:rPr lang="en-US" altLang="ko-KR" smtClean="0">
+                <a:solidFill>
+                  <a:schemeClr val="tx1"/>
+                </a:solidFill>
+                <a:latin typeface="1훈새마을운동 R" panose="02020603020101020101" pitchFamily="18" charset="-127"/>
+                <a:ea typeface="1훈새마을운동 R" panose="02020603020101020101" pitchFamily="18" charset="-127"/>
+              </a:rPr>
+              <a:t>	</a:t>
+            </a:r>
+          </a:p>
+        </p:txBody>
+      </p:sp>
+      <p:pic>
+        <p:nvPicPr>
+          <p:cNvPr id="1026" name="Picture 2" descr="데이터베이스] 용어 정리"/>
+          <p:cNvPicPr>
+            <a:picLocks noChangeAspect="1" noChangeArrowheads="1"/>
+          </p:cNvPicPr>
+          <p:nvPr/>
+        </p:nvPicPr>
+        <p:blipFill>
+          <a:blip r:embed="rId2">
+            <a:extLst>
+              <a:ext uri="{28A0092B-C50C-407E-A947-70E740481C1C}">
+                <a14:useLocalDpi xmlns:a14="http://schemas.microsoft.com/office/drawing/2010/main" val="0"/>
+              </a:ext>
+            </a:extLst>
+          </a:blip>
+          <a:srcRect/>
+          <a:stretch>
+            <a:fillRect/>
+          </a:stretch>
+        </p:blipFill>
+        <p:spPr bwMode="auto">
+          <a:xfrm>
+            <a:off x="3944888" y="209112"/>
+            <a:ext cx="4320480" cy="2118090"/>
+          </a:xfrm>
+          <a:prstGeom prst="rect">
+            <a:avLst/>
+          </a:prstGeom>
+          <a:noFill/>
+          <a:extLst>
+            <a:ext uri="{909E8E84-426E-40DD-AFC4-6F175D3DCCD1}">
+              <a14:hiddenFill xmlns:a14="http://schemas.microsoft.com/office/drawing/2010/main">
+                <a:solidFill>
+                  <a:srgbClr val="FFFFFF"/>
+                </a:solidFill>
+              </a14:hiddenFill>
+            </a:ext>
+          </a:extLst>
+        </p:spPr>
+      </p:pic>
+    </p:spTree>
+    <p:extLst>
+      <p:ext uri="{BB962C8B-B14F-4D97-AF65-F5344CB8AC3E}">
+        <p14:creationId xmlns:p14="http://schemas.microsoft.com/office/powerpoint/2010/main" val="4049022657"/>
+      </p:ext>
+    </p:extLst>
+  </p:cSld>
+  <p:clrMapOvr>
+    <a:masterClrMapping/>
+  </p:clrMapOvr>
+</p:sld>
+</file>
+
+<file path=ppt/slides/slide44.xml><?xml version="1.0" encoding="utf-8"?>
+<p:sld xmlns:a="http://schemas.openxmlformats.org/drawingml/2006/main" xmlns:r="http://schemas.openxmlformats.org/officeDocument/2006/relationships" xmlns:p="http://schemas.openxmlformats.org/presentationml/2006/main">
+  <p:cSld>
+    <p:spTree>
+      <p:nvGrpSpPr>
+        <p:cNvPr id="1" name=""/>
+        <p:cNvGrpSpPr/>
+        <p:nvPr/>
+      </p:nvGrpSpPr>
+      <p:grpSpPr>
+        <a:xfrm>
+          <a:off x="0" y="0"/>
+          <a:ext cx="0" cy="0"/>
+          <a:chOff x="0" y="0"/>
+          <a:chExt cx="0" cy="0"/>
+        </a:xfrm>
+      </p:grpSpPr>
+      <p:sp>
+        <p:nvSpPr>
+          <p:cNvPr id="4" name="직사각형 3"/>
+          <p:cNvSpPr/>
+          <p:nvPr/>
+        </p:nvSpPr>
+        <p:spPr>
+          <a:xfrm>
+            <a:off x="173052" y="188639"/>
+            <a:ext cx="9676492" cy="6408713"/>
+          </a:xfrm>
+          <a:prstGeom prst="rect">
+            <a:avLst/>
+          </a:prstGeom>
+          <a:noFill/>
+        </p:spPr>
+        <p:style>
+          <a:lnRef idx="2">
+            <a:schemeClr val="accent6"/>
+          </a:lnRef>
+          <a:fillRef idx="1">
+            <a:schemeClr val="lt1"/>
+          </a:fillRef>
+          <a:effectRef idx="0">
+            <a:schemeClr val="accent6"/>
+          </a:effectRef>
+          <a:fontRef idx="minor">
+            <a:schemeClr val="dk1"/>
+          </a:fontRef>
+        </p:style>
+        <p:txBody>
+          <a:bodyPr rtlCol="0" anchor="t"/>
+          <a:lstStyle/>
+          <a:p>
+            <a:r>
+              <a:rPr lang="en-US" altLang="ko-KR" smtClean="0">
+                <a:solidFill>
+                  <a:schemeClr val="tx1"/>
+                </a:solidFill>
+                <a:latin typeface="1훈새마을운동 R" panose="02020603020101020101" pitchFamily="18" charset="-127"/>
+                <a:ea typeface="1훈새마을운동 R" panose="02020603020101020101" pitchFamily="18" charset="-127"/>
+              </a:rPr>
+              <a:t>*SQL : </a:t>
+            </a:r>
+            <a:r>
+              <a:rPr lang="ko-KR" altLang="en-US" smtClean="0">
+                <a:solidFill>
+                  <a:schemeClr val="tx1"/>
+                </a:solidFill>
+                <a:latin typeface="1훈새마을운동 R" panose="02020603020101020101" pitchFamily="18" charset="-127"/>
+                <a:ea typeface="1훈새마을운동 R" panose="02020603020101020101" pitchFamily="18" charset="-127"/>
+              </a:rPr>
+              <a:t>데이터베이스 관리 언어</a:t>
             </a:r>
             <a:endParaRPr lang="en-US" altLang="ko-KR" smtClean="0">
               <a:solidFill>
@@ -38398,6 +38398,38 @@
           </a:p>
           <a:p>
             <a:r>
+              <a:rPr lang="en-US" altLang="ko-KR" smtClean="0">
+                <a:solidFill>
+                  <a:schemeClr val="tx1"/>
+                </a:solidFill>
+                <a:latin typeface="1훈새마을운동 R" panose="02020603020101020101" pitchFamily="18" charset="-127"/>
+                <a:ea typeface="1훈새마을운동 R" panose="02020603020101020101" pitchFamily="18" charset="-127"/>
+              </a:rPr>
+              <a:t>	DDL [ </a:t>
+            </a:r>
+            <a:r>
+              <a:rPr lang="ko-KR" altLang="en-US" smtClean="0">
+                <a:solidFill>
+                  <a:schemeClr val="tx1"/>
+                </a:solidFill>
+                <a:latin typeface="1훈새마을운동 R" panose="02020603020101020101" pitchFamily="18" charset="-127"/>
+                <a:ea typeface="1훈새마을운동 R" panose="02020603020101020101" pitchFamily="18" charset="-127"/>
+              </a:rPr>
+              <a:t>정의어 </a:t>
+            </a:r>
+            <a:r>
+              <a:rPr lang="en-US" altLang="ko-KR" smtClean="0">
+                <a:solidFill>
+                  <a:schemeClr val="tx1"/>
+                </a:solidFill>
+                <a:latin typeface="1훈새마을운동 R" panose="02020603020101020101" pitchFamily="18" charset="-127"/>
+                <a:ea typeface="1훈새마을운동 R" panose="02020603020101020101" pitchFamily="18" charset="-127"/>
+              </a:rPr>
+              <a:t>]</a:t>
+            </a:r>
+          </a:p>
+          <a:p>
+            <a:r>
               <a:rPr lang="en-US" altLang="ko-KR">
                 <a:solidFill>
                   <a:schemeClr val="tx1"/>
@@ -38415,6 +38447,1436 @@
                 <a:latin typeface="1훈새마을운동 R" panose="02020603020101020101" pitchFamily="18" charset="-127"/>
                 <a:ea typeface="1훈새마을운동 R" panose="02020603020101020101" pitchFamily="18" charset="-127"/>
               </a:rPr>
+              <a:t>	1. Create : </a:t>
+            </a:r>
+            <a:r>
+              <a:rPr lang="ko-KR" altLang="en-US" smtClean="0">
+                <a:solidFill>
+                  <a:schemeClr val="tx1"/>
+                </a:solidFill>
+                <a:latin typeface="1훈새마을운동 R" panose="02020603020101020101" pitchFamily="18" charset="-127"/>
+                <a:ea typeface="1훈새마을운동 R" panose="02020603020101020101" pitchFamily="18" charset="-127"/>
+              </a:rPr>
+              <a:t>생성 </a:t>
+            </a:r>
+            <a:endParaRPr lang="en-US" altLang="ko-KR" smtClean="0">
+              <a:solidFill>
+                <a:schemeClr val="tx1"/>
+              </a:solidFill>
+              <a:latin typeface="1훈새마을운동 R" panose="02020603020101020101" pitchFamily="18" charset="-127"/>
+              <a:ea typeface="1훈새마을운동 R" panose="02020603020101020101" pitchFamily="18" charset="-127"/>
+            </a:endParaRPr>
+          </a:p>
+          <a:p>
+            <a:r>
+              <a:rPr lang="en-US" altLang="ko-KR" smtClean="0">
+                <a:solidFill>
+                  <a:schemeClr val="tx1"/>
+                </a:solidFill>
+                <a:latin typeface="1훈새마을운동 R" panose="02020603020101020101" pitchFamily="18" charset="-127"/>
+                <a:ea typeface="1훈새마을운동 R" panose="02020603020101020101" pitchFamily="18" charset="-127"/>
+              </a:rPr>
+              <a:t>			DB : create database db</a:t>
+            </a:r>
+            <a:r>
+              <a:rPr lang="ko-KR" altLang="en-US" smtClean="0">
+                <a:solidFill>
+                  <a:schemeClr val="tx1"/>
+                </a:solidFill>
+                <a:latin typeface="1훈새마을운동 R" panose="02020603020101020101" pitchFamily="18" charset="-127"/>
+                <a:ea typeface="1훈새마을운동 R" panose="02020603020101020101" pitchFamily="18" charset="-127"/>
+              </a:rPr>
+              <a:t>명 </a:t>
+            </a:r>
+            <a:endParaRPr lang="en-US" altLang="ko-KR" smtClean="0">
+              <a:solidFill>
+                <a:schemeClr val="tx1"/>
+              </a:solidFill>
+              <a:latin typeface="1훈새마을운동 R" panose="02020603020101020101" pitchFamily="18" charset="-127"/>
+              <a:ea typeface="1훈새마을운동 R" panose="02020603020101020101" pitchFamily="18" charset="-127"/>
+            </a:endParaRPr>
+          </a:p>
+          <a:p>
+            <a:r>
+              <a:rPr lang="en-US" altLang="ko-KR" smtClean="0">
+                <a:solidFill>
+                  <a:schemeClr val="tx1"/>
+                </a:solidFill>
+                <a:latin typeface="1훈새마을운동 R" panose="02020603020101020101" pitchFamily="18" charset="-127"/>
+                <a:ea typeface="1훈새마을운동 R" panose="02020603020101020101" pitchFamily="18" charset="-127"/>
+              </a:rPr>
+              <a:t>			Table : create table db</a:t>
+            </a:r>
+            <a:r>
+              <a:rPr lang="ko-KR" altLang="en-US" smtClean="0">
+                <a:solidFill>
+                  <a:schemeClr val="tx1"/>
+                </a:solidFill>
+                <a:latin typeface="1훈새마을운동 R" panose="02020603020101020101" pitchFamily="18" charset="-127"/>
+                <a:ea typeface="1훈새마을운동 R" panose="02020603020101020101" pitchFamily="18" charset="-127"/>
+              </a:rPr>
+              <a:t>명</a:t>
+            </a:r>
+            <a:r>
+              <a:rPr lang="en-US" altLang="ko-KR" smtClean="0">
+                <a:solidFill>
+                  <a:schemeClr val="tx1"/>
+                </a:solidFill>
+                <a:latin typeface="1훈새마을운동 R" panose="02020603020101020101" pitchFamily="18" charset="-127"/>
+                <a:ea typeface="1훈새마을운동 R" panose="02020603020101020101" pitchFamily="18" charset="-127"/>
+              </a:rPr>
+              <a:t>.</a:t>
+            </a:r>
+            <a:r>
+              <a:rPr lang="ko-KR" altLang="en-US" smtClean="0">
+                <a:solidFill>
+                  <a:schemeClr val="tx1"/>
+                </a:solidFill>
+                <a:latin typeface="1훈새마을운동 R" panose="02020603020101020101" pitchFamily="18" charset="-127"/>
+                <a:ea typeface="1훈새마을운동 R" panose="02020603020101020101" pitchFamily="18" charset="-127"/>
+              </a:rPr>
+              <a:t>테이블명</a:t>
+            </a:r>
+            <a:r>
+              <a:rPr lang="en-US" altLang="ko-KR" smtClean="0">
+                <a:solidFill>
+                  <a:schemeClr val="tx1"/>
+                </a:solidFill>
+                <a:latin typeface="1훈새마을운동 R" panose="02020603020101020101" pitchFamily="18" charset="-127"/>
+                <a:ea typeface="1훈새마을운동 R" panose="02020603020101020101" pitchFamily="18" charset="-127"/>
+              </a:rPr>
+              <a:t>(        </a:t>
+            </a:r>
+          </a:p>
+          <a:p>
+            <a:endParaRPr lang="en-US" altLang="ko-KR">
+              <a:solidFill>
+                <a:schemeClr val="tx1"/>
+              </a:solidFill>
+              <a:latin typeface="1훈새마을운동 R" panose="02020603020101020101" pitchFamily="18" charset="-127"/>
+              <a:ea typeface="1훈새마을운동 R" panose="02020603020101020101" pitchFamily="18" charset="-127"/>
+            </a:endParaRPr>
+          </a:p>
+          <a:p>
+            <a:r>
+              <a:rPr lang="en-US" altLang="ko-KR" smtClean="0">
+                <a:solidFill>
+                  <a:schemeClr val="tx1"/>
+                </a:solidFill>
+                <a:latin typeface="1훈새마을운동 R" panose="02020603020101020101" pitchFamily="18" charset="-127"/>
+                <a:ea typeface="1훈새마을운동 R" panose="02020603020101020101" pitchFamily="18" charset="-127"/>
+              </a:rPr>
+              <a:t>				</a:t>
+            </a:r>
+            <a:r>
+              <a:rPr lang="ko-KR" altLang="en-US" smtClean="0">
+                <a:solidFill>
+                  <a:schemeClr val="tx1"/>
+                </a:solidFill>
+                <a:latin typeface="1훈새마을운동 R" panose="02020603020101020101" pitchFamily="18" charset="-127"/>
+                <a:ea typeface="1훈새마을운동 R" panose="02020603020101020101" pitchFamily="18" charset="-127"/>
+              </a:rPr>
+              <a:t>필드명 자료형 속성 </a:t>
+            </a:r>
+            <a:r>
+              <a:rPr lang="en-US" altLang="ko-KR" smtClean="0">
+                <a:solidFill>
+                  <a:schemeClr val="tx1"/>
+                </a:solidFill>
+                <a:latin typeface="1훈새마을운동 R" panose="02020603020101020101" pitchFamily="18" charset="-127"/>
+                <a:ea typeface="1훈새마을운동 R" panose="02020603020101020101" pitchFamily="18" charset="-127"/>
+              </a:rPr>
+              <a:t>,</a:t>
+            </a:r>
+          </a:p>
+          <a:p>
+            <a:r>
+              <a:rPr lang="en-US" altLang="ko-KR">
+                <a:solidFill>
+                  <a:schemeClr val="tx1"/>
+                </a:solidFill>
+                <a:latin typeface="1훈새마을운동 R" panose="02020603020101020101" pitchFamily="18" charset="-127"/>
+                <a:ea typeface="1훈새마을운동 R" panose="02020603020101020101" pitchFamily="18" charset="-127"/>
+              </a:rPr>
+              <a:t>	</a:t>
+            </a:r>
+            <a:r>
+              <a:rPr lang="en-US" altLang="ko-KR" smtClean="0">
+                <a:solidFill>
+                  <a:schemeClr val="tx1"/>
+                </a:solidFill>
+                <a:latin typeface="1훈새마을운동 R" panose="02020603020101020101" pitchFamily="18" charset="-127"/>
+                <a:ea typeface="1훈새마을운동 R" panose="02020603020101020101" pitchFamily="18" charset="-127"/>
+              </a:rPr>
+              <a:t>			</a:t>
+            </a:r>
+            <a:r>
+              <a:rPr lang="ko-KR" altLang="en-US" smtClean="0">
+                <a:solidFill>
+                  <a:schemeClr val="tx1"/>
+                </a:solidFill>
+                <a:latin typeface="1훈새마을운동 R" panose="02020603020101020101" pitchFamily="18" charset="-127"/>
+                <a:ea typeface="1훈새마을운동 R" panose="02020603020101020101" pitchFamily="18" charset="-127"/>
+              </a:rPr>
+              <a:t>필드명</a:t>
+            </a:r>
+            <a:r>
+              <a:rPr lang="en-US" altLang="ko-KR" smtClean="0">
+                <a:solidFill>
+                  <a:schemeClr val="tx1"/>
+                </a:solidFill>
+                <a:latin typeface="1훈새마을운동 R" panose="02020603020101020101" pitchFamily="18" charset="-127"/>
+                <a:ea typeface="1훈새마을운동 R" panose="02020603020101020101" pitchFamily="18" charset="-127"/>
+              </a:rPr>
+              <a:t>2 </a:t>
+            </a:r>
+            <a:r>
+              <a:rPr lang="ko-KR" altLang="en-US" smtClean="0">
+                <a:solidFill>
+                  <a:schemeClr val="tx1"/>
+                </a:solidFill>
+                <a:latin typeface="1훈새마을운동 R" panose="02020603020101020101" pitchFamily="18" charset="-127"/>
+                <a:ea typeface="1훈새마을운동 R" panose="02020603020101020101" pitchFamily="18" charset="-127"/>
+              </a:rPr>
+              <a:t>자료형 속성 </a:t>
+            </a:r>
+            <a:endParaRPr lang="en-US" altLang="ko-KR" smtClean="0">
+              <a:solidFill>
+                <a:schemeClr val="tx1"/>
+              </a:solidFill>
+              <a:latin typeface="1훈새마을운동 R" panose="02020603020101020101" pitchFamily="18" charset="-127"/>
+              <a:ea typeface="1훈새마을운동 R" panose="02020603020101020101" pitchFamily="18" charset="-127"/>
+            </a:endParaRPr>
+          </a:p>
+          <a:p>
+            <a:r>
+              <a:rPr lang="en-US" altLang="ko-KR">
+                <a:solidFill>
+                  <a:schemeClr val="tx1"/>
+                </a:solidFill>
+                <a:latin typeface="1훈새마을운동 R" panose="02020603020101020101" pitchFamily="18" charset="-127"/>
+                <a:ea typeface="1훈새마을운동 R" panose="02020603020101020101" pitchFamily="18" charset="-127"/>
+              </a:rPr>
+              <a:t>	</a:t>
+            </a:r>
+            <a:r>
+              <a:rPr lang="en-US" altLang="ko-KR" smtClean="0">
+                <a:solidFill>
+                  <a:schemeClr val="tx1"/>
+                </a:solidFill>
+                <a:latin typeface="1훈새마을운동 R" panose="02020603020101020101" pitchFamily="18" charset="-127"/>
+                <a:ea typeface="1훈새마을운동 R" panose="02020603020101020101" pitchFamily="18" charset="-127"/>
+              </a:rPr>
+              <a:t>		)</a:t>
+            </a:r>
+          </a:p>
+          <a:p>
+            <a:endParaRPr lang="en-US" altLang="ko-KR">
+              <a:solidFill>
+                <a:schemeClr val="tx1"/>
+              </a:solidFill>
+              <a:latin typeface="1훈새마을운동 R" panose="02020603020101020101" pitchFamily="18" charset="-127"/>
+              <a:ea typeface="1훈새마을운동 R" panose="02020603020101020101" pitchFamily="18" charset="-127"/>
+            </a:endParaRPr>
+          </a:p>
+          <a:p>
+            <a:r>
+              <a:rPr lang="en-US" altLang="ko-KR" smtClean="0">
+                <a:solidFill>
+                  <a:schemeClr val="tx1"/>
+                </a:solidFill>
+                <a:latin typeface="1훈새마을운동 R" panose="02020603020101020101" pitchFamily="18" charset="-127"/>
+                <a:ea typeface="1훈새마을운동 R" panose="02020603020101020101" pitchFamily="18" charset="-127"/>
+              </a:rPr>
+              <a:t>		2. Drop : </a:t>
+            </a:r>
+            <a:r>
+              <a:rPr lang="ko-KR" altLang="en-US" smtClean="0">
+                <a:solidFill>
+                  <a:schemeClr val="tx1"/>
+                </a:solidFill>
+                <a:latin typeface="1훈새마을운동 R" panose="02020603020101020101" pitchFamily="18" charset="-127"/>
+                <a:ea typeface="1훈새마을운동 R" panose="02020603020101020101" pitchFamily="18" charset="-127"/>
+              </a:rPr>
+              <a:t>삭제 </a:t>
+            </a:r>
+            <a:endParaRPr lang="en-US" altLang="ko-KR" smtClean="0">
+              <a:solidFill>
+                <a:schemeClr val="tx1"/>
+              </a:solidFill>
+              <a:latin typeface="1훈새마을운동 R" panose="02020603020101020101" pitchFamily="18" charset="-127"/>
+              <a:ea typeface="1훈새마을운동 R" panose="02020603020101020101" pitchFamily="18" charset="-127"/>
+            </a:endParaRPr>
+          </a:p>
+          <a:p>
+            <a:r>
+              <a:rPr lang="en-US" altLang="ko-KR">
+                <a:solidFill>
+                  <a:schemeClr val="tx1"/>
+                </a:solidFill>
+                <a:latin typeface="1훈새마을운동 R" panose="02020603020101020101" pitchFamily="18" charset="-127"/>
+                <a:ea typeface="1훈새마을운동 R" panose="02020603020101020101" pitchFamily="18" charset="-127"/>
+              </a:rPr>
+              <a:t>	</a:t>
+            </a:r>
+            <a:r>
+              <a:rPr lang="en-US" altLang="ko-KR" smtClean="0">
+                <a:solidFill>
+                  <a:schemeClr val="tx1"/>
+                </a:solidFill>
+                <a:latin typeface="1훈새마을운동 R" panose="02020603020101020101" pitchFamily="18" charset="-127"/>
+                <a:ea typeface="1훈새마을운동 R" panose="02020603020101020101" pitchFamily="18" charset="-127"/>
+              </a:rPr>
+              <a:t>	</a:t>
+            </a:r>
+          </a:p>
+          <a:p>
+            <a:r>
+              <a:rPr lang="en-US" altLang="ko-KR">
+                <a:solidFill>
+                  <a:schemeClr val="tx1"/>
+                </a:solidFill>
+                <a:latin typeface="1훈새마을운동 R" panose="02020603020101020101" pitchFamily="18" charset="-127"/>
+                <a:ea typeface="1훈새마을운동 R" panose="02020603020101020101" pitchFamily="18" charset="-127"/>
+              </a:rPr>
+              <a:t>	</a:t>
+            </a:r>
+            <a:r>
+              <a:rPr lang="en-US" altLang="ko-KR" smtClean="0">
+                <a:solidFill>
+                  <a:schemeClr val="tx1"/>
+                </a:solidFill>
+                <a:latin typeface="1훈새마을운동 R" panose="02020603020101020101" pitchFamily="18" charset="-127"/>
+                <a:ea typeface="1훈새마을운동 R" panose="02020603020101020101" pitchFamily="18" charset="-127"/>
+              </a:rPr>
+              <a:t>	3. Alter : </a:t>
+            </a:r>
+            <a:r>
+              <a:rPr lang="ko-KR" altLang="en-US" smtClean="0">
+                <a:solidFill>
+                  <a:schemeClr val="tx1"/>
+                </a:solidFill>
+                <a:latin typeface="1훈새마을운동 R" panose="02020603020101020101" pitchFamily="18" charset="-127"/>
+                <a:ea typeface="1훈새마을운동 R" panose="02020603020101020101" pitchFamily="18" charset="-127"/>
+              </a:rPr>
+              <a:t>수정 </a:t>
+            </a:r>
+            <a:endParaRPr lang="en-US" altLang="ko-KR" smtClean="0">
+              <a:solidFill>
+                <a:schemeClr val="tx1"/>
+              </a:solidFill>
+              <a:latin typeface="1훈새마을운동 R" panose="02020603020101020101" pitchFamily="18" charset="-127"/>
+              <a:ea typeface="1훈새마을운동 R" panose="02020603020101020101" pitchFamily="18" charset="-127"/>
+            </a:endParaRPr>
+          </a:p>
+          <a:p>
+            <a:endParaRPr lang="en-US" altLang="ko-KR" smtClean="0">
+              <a:solidFill>
+                <a:schemeClr val="tx1"/>
+              </a:solidFill>
+              <a:latin typeface="1훈새마을운동 R" panose="02020603020101020101" pitchFamily="18" charset="-127"/>
+              <a:ea typeface="1훈새마을운동 R" panose="02020603020101020101" pitchFamily="18" charset="-127"/>
+            </a:endParaRPr>
+          </a:p>
+          <a:p>
+            <a:r>
+              <a:rPr lang="en-US" altLang="ko-KR" smtClean="0">
+                <a:solidFill>
+                  <a:schemeClr val="tx1"/>
+                </a:solidFill>
+                <a:latin typeface="1훈새마을운동 R" panose="02020603020101020101" pitchFamily="18" charset="-127"/>
+                <a:ea typeface="1훈새마을운동 R" panose="02020603020101020101" pitchFamily="18" charset="-127"/>
+              </a:rPr>
+              <a:t>	</a:t>
+            </a:r>
+          </a:p>
+          <a:p>
+            <a:r>
+              <a:rPr lang="en-US" altLang="ko-KR" smtClean="0">
+                <a:solidFill>
+                  <a:schemeClr val="tx1"/>
+                </a:solidFill>
+                <a:latin typeface="1훈새마을운동 R" panose="02020603020101020101" pitchFamily="18" charset="-127"/>
+                <a:ea typeface="1훈새마을운동 R" panose="02020603020101020101" pitchFamily="18" charset="-127"/>
+              </a:rPr>
+              <a:t>	</a:t>
+            </a:r>
+          </a:p>
+        </p:txBody>
+      </p:sp>
+    </p:spTree>
+    <p:extLst>
+      <p:ext uri="{BB962C8B-B14F-4D97-AF65-F5344CB8AC3E}">
+        <p14:creationId xmlns:p14="http://schemas.microsoft.com/office/powerpoint/2010/main" val="3754068247"/>
+      </p:ext>
+    </p:extLst>
+  </p:cSld>
+  <p:clrMapOvr>
+    <a:masterClrMapping/>
+  </p:clrMapOvr>
+</p:sld>
+</file>
+
+<file path=ppt/slides/slide45.xml><?xml version="1.0" encoding="utf-8"?>
+<p:sld xmlns:a="http://schemas.openxmlformats.org/drawingml/2006/main" xmlns:r="http://schemas.openxmlformats.org/officeDocument/2006/relationships" xmlns:p="http://schemas.openxmlformats.org/presentationml/2006/main">
+  <p:cSld>
+    <p:spTree>
+      <p:nvGrpSpPr>
+        <p:cNvPr id="1" name=""/>
+        <p:cNvGrpSpPr/>
+        <p:nvPr/>
+      </p:nvGrpSpPr>
+      <p:grpSpPr>
+        <a:xfrm>
+          <a:off x="0" y="0"/>
+          <a:ext cx="0" cy="0"/>
+          <a:chOff x="0" y="0"/>
+          <a:chExt cx="0" cy="0"/>
+        </a:xfrm>
+      </p:grpSpPr>
+      <p:sp>
+        <p:nvSpPr>
+          <p:cNvPr id="4" name="직사각형 3"/>
+          <p:cNvSpPr/>
+          <p:nvPr/>
+        </p:nvSpPr>
+        <p:spPr>
+          <a:xfrm>
+            <a:off x="173052" y="188639"/>
+            <a:ext cx="9676492" cy="6408713"/>
+          </a:xfrm>
+          <a:prstGeom prst="rect">
+            <a:avLst/>
+          </a:prstGeom>
+          <a:noFill/>
+        </p:spPr>
+        <p:style>
+          <a:lnRef idx="2">
+            <a:schemeClr val="accent6"/>
+          </a:lnRef>
+          <a:fillRef idx="1">
+            <a:schemeClr val="lt1"/>
+          </a:fillRef>
+          <a:effectRef idx="0">
+            <a:schemeClr val="accent6"/>
+          </a:effectRef>
+          <a:fontRef idx="minor">
+            <a:schemeClr val="dk1"/>
+          </a:fontRef>
+        </p:style>
+        <p:txBody>
+          <a:bodyPr rtlCol="0" anchor="t"/>
+          <a:lstStyle/>
+          <a:p>
+            <a:r>
+              <a:rPr lang="en-US" altLang="ko-KR" smtClean="0">
+                <a:solidFill>
+                  <a:schemeClr val="tx1"/>
+                </a:solidFill>
+                <a:latin typeface="1훈새마을운동 R" panose="02020603020101020101" pitchFamily="18" charset="-127"/>
+                <a:ea typeface="1훈새마을운동 R" panose="02020603020101020101" pitchFamily="18" charset="-127"/>
+              </a:rPr>
+              <a:t>*SQL : </a:t>
+            </a:r>
+            <a:r>
+              <a:rPr lang="ko-KR" altLang="en-US" smtClean="0">
+                <a:solidFill>
+                  <a:schemeClr val="tx1"/>
+                </a:solidFill>
+                <a:latin typeface="1훈새마을운동 R" panose="02020603020101020101" pitchFamily="18" charset="-127"/>
+                <a:ea typeface="1훈새마을운동 R" panose="02020603020101020101" pitchFamily="18" charset="-127"/>
+              </a:rPr>
+              <a:t>데이터베이스 관리 언어</a:t>
+            </a:r>
+            <a:endParaRPr lang="en-US" altLang="ko-KR" smtClean="0">
+              <a:solidFill>
+                <a:schemeClr val="tx1"/>
+              </a:solidFill>
+              <a:latin typeface="1훈새마을운동 R" panose="02020603020101020101" pitchFamily="18" charset="-127"/>
+              <a:ea typeface="1훈새마을운동 R" panose="02020603020101020101" pitchFamily="18" charset="-127"/>
+            </a:endParaRPr>
+          </a:p>
+          <a:p>
+            <a:r>
+              <a:rPr lang="en-US" altLang="ko-KR" smtClean="0">
+                <a:solidFill>
+                  <a:schemeClr val="tx1"/>
+                </a:solidFill>
+                <a:latin typeface="1훈새마을운동 R" panose="02020603020101020101" pitchFamily="18" charset="-127"/>
+                <a:ea typeface="1훈새마을운동 R" panose="02020603020101020101" pitchFamily="18" charset="-127"/>
+              </a:rPr>
+              <a:t>	DML [ </a:t>
+            </a:r>
+            <a:r>
+              <a:rPr lang="ko-KR" altLang="en-US" smtClean="0">
+                <a:solidFill>
+                  <a:schemeClr val="tx1"/>
+                </a:solidFill>
+                <a:latin typeface="1훈새마을운동 R" panose="02020603020101020101" pitchFamily="18" charset="-127"/>
+                <a:ea typeface="1훈새마을운동 R" panose="02020603020101020101" pitchFamily="18" charset="-127"/>
+              </a:rPr>
+              <a:t>조작어 </a:t>
+            </a:r>
+            <a:r>
+              <a:rPr lang="en-US" altLang="ko-KR" smtClean="0">
+                <a:solidFill>
+                  <a:schemeClr val="tx1"/>
+                </a:solidFill>
+                <a:latin typeface="1훈새마을운동 R" panose="02020603020101020101" pitchFamily="18" charset="-127"/>
+                <a:ea typeface="1훈새마을운동 R" panose="02020603020101020101" pitchFamily="18" charset="-127"/>
+              </a:rPr>
+              <a:t>]</a:t>
+            </a:r>
+          </a:p>
+          <a:p>
+            <a:r>
+              <a:rPr lang="en-US" altLang="ko-KR" smtClean="0">
+                <a:solidFill>
+                  <a:schemeClr val="tx1"/>
+                </a:solidFill>
+                <a:latin typeface="1훈새마을운동 R" panose="02020603020101020101" pitchFamily="18" charset="-127"/>
+                <a:ea typeface="1훈새마을운동 R" panose="02020603020101020101" pitchFamily="18" charset="-127"/>
+              </a:rPr>
+              <a:t>		1. </a:t>
+            </a:r>
+            <a:r>
+              <a:rPr lang="ko-KR" altLang="en-US" smtClean="0">
+                <a:solidFill>
+                  <a:schemeClr val="tx1"/>
+                </a:solidFill>
+                <a:latin typeface="1훈새마을운동 R" panose="02020603020101020101" pitchFamily="18" charset="-127"/>
+                <a:ea typeface="1훈새마을운동 R" panose="02020603020101020101" pitchFamily="18" charset="-127"/>
+              </a:rPr>
+              <a:t>삽입 </a:t>
+            </a:r>
+            <a:r>
+              <a:rPr lang="en-US" altLang="ko-KR" smtClean="0">
+                <a:solidFill>
+                  <a:schemeClr val="tx1"/>
+                </a:solidFill>
+                <a:latin typeface="1훈새마을운동 R" panose="02020603020101020101" pitchFamily="18" charset="-127"/>
+                <a:ea typeface="1훈새마을운동 R" panose="02020603020101020101" pitchFamily="18" charset="-127"/>
+              </a:rPr>
+              <a:t>: insert into </a:t>
+            </a:r>
+            <a:r>
+              <a:rPr lang="ko-KR" altLang="en-US" smtClean="0">
+                <a:solidFill>
+                  <a:schemeClr val="tx1"/>
+                </a:solidFill>
+                <a:latin typeface="1훈새마을운동 R" panose="02020603020101020101" pitchFamily="18" charset="-127"/>
+                <a:ea typeface="1훈새마을운동 R" panose="02020603020101020101" pitchFamily="18" charset="-127"/>
+              </a:rPr>
+              <a:t>테이블명</a:t>
+            </a:r>
+            <a:r>
+              <a:rPr lang="en-US" altLang="ko-KR" smtClean="0">
+                <a:solidFill>
+                  <a:schemeClr val="tx1"/>
+                </a:solidFill>
+                <a:latin typeface="1훈새마을운동 R" panose="02020603020101020101" pitchFamily="18" charset="-127"/>
+                <a:ea typeface="1훈새마을운동 R" panose="02020603020101020101" pitchFamily="18" charset="-127"/>
+              </a:rPr>
+              <a:t>( </a:t>
+            </a:r>
+            <a:r>
+              <a:rPr lang="ko-KR" altLang="en-US" smtClean="0">
+                <a:solidFill>
+                  <a:schemeClr val="tx1"/>
+                </a:solidFill>
+                <a:latin typeface="1훈새마을운동 R" panose="02020603020101020101" pitchFamily="18" charset="-127"/>
+                <a:ea typeface="1훈새마을운동 R" panose="02020603020101020101" pitchFamily="18" charset="-127"/>
+              </a:rPr>
+              <a:t>필드</a:t>
+            </a:r>
+            <a:r>
+              <a:rPr lang="en-US" altLang="ko-KR" smtClean="0">
+                <a:solidFill>
+                  <a:schemeClr val="tx1"/>
+                </a:solidFill>
+                <a:latin typeface="1훈새마을운동 R" panose="02020603020101020101" pitchFamily="18" charset="-127"/>
+                <a:ea typeface="1훈새마을운동 R" panose="02020603020101020101" pitchFamily="18" charset="-127"/>
+              </a:rPr>
+              <a:t>1 , </a:t>
+            </a:r>
+            <a:r>
+              <a:rPr lang="ko-KR" altLang="en-US" smtClean="0">
+                <a:solidFill>
+                  <a:schemeClr val="tx1"/>
+                </a:solidFill>
+                <a:latin typeface="1훈새마을운동 R" panose="02020603020101020101" pitchFamily="18" charset="-127"/>
+                <a:ea typeface="1훈새마을운동 R" panose="02020603020101020101" pitchFamily="18" charset="-127"/>
+              </a:rPr>
+              <a:t>필드</a:t>
+            </a:r>
+            <a:r>
+              <a:rPr lang="en-US" altLang="ko-KR" smtClean="0">
+                <a:solidFill>
+                  <a:schemeClr val="tx1"/>
+                </a:solidFill>
+                <a:latin typeface="1훈새마을운동 R" panose="02020603020101020101" pitchFamily="18" charset="-127"/>
+                <a:ea typeface="1훈새마을운동 R" panose="02020603020101020101" pitchFamily="18" charset="-127"/>
+              </a:rPr>
+              <a:t>2 ) values( </a:t>
+            </a:r>
+            <a:r>
+              <a:rPr lang="ko-KR" altLang="en-US" smtClean="0">
+                <a:solidFill>
+                  <a:schemeClr val="tx1"/>
+                </a:solidFill>
+                <a:latin typeface="1훈새마을운동 R" panose="02020603020101020101" pitchFamily="18" charset="-127"/>
+                <a:ea typeface="1훈새마을운동 R" panose="02020603020101020101" pitchFamily="18" charset="-127"/>
+              </a:rPr>
+              <a:t>값</a:t>
+            </a:r>
+            <a:r>
+              <a:rPr lang="en-US" altLang="ko-KR" smtClean="0">
+                <a:solidFill>
+                  <a:schemeClr val="tx1"/>
+                </a:solidFill>
+                <a:latin typeface="1훈새마을운동 R" panose="02020603020101020101" pitchFamily="18" charset="-127"/>
+                <a:ea typeface="1훈새마을운동 R" panose="02020603020101020101" pitchFamily="18" charset="-127"/>
+              </a:rPr>
+              <a:t>1 , </a:t>
+            </a:r>
+            <a:r>
+              <a:rPr lang="ko-KR" altLang="en-US" smtClean="0">
+                <a:solidFill>
+                  <a:schemeClr val="tx1"/>
+                </a:solidFill>
+                <a:latin typeface="1훈새마을운동 R" panose="02020603020101020101" pitchFamily="18" charset="-127"/>
+                <a:ea typeface="1훈새마을운동 R" panose="02020603020101020101" pitchFamily="18" charset="-127"/>
+              </a:rPr>
+              <a:t>값</a:t>
+            </a:r>
+            <a:r>
+              <a:rPr lang="en-US" altLang="ko-KR" smtClean="0">
+                <a:solidFill>
+                  <a:schemeClr val="tx1"/>
+                </a:solidFill>
+                <a:latin typeface="1훈새마을운동 R" panose="02020603020101020101" pitchFamily="18" charset="-127"/>
+                <a:ea typeface="1훈새마을운동 R" panose="02020603020101020101" pitchFamily="18" charset="-127"/>
+              </a:rPr>
+              <a:t>2 )</a:t>
+            </a:r>
+          </a:p>
+          <a:p>
+            <a:r>
+              <a:rPr lang="en-US" altLang="ko-KR" smtClean="0">
+                <a:solidFill>
+                  <a:schemeClr val="tx1"/>
+                </a:solidFill>
+                <a:latin typeface="1훈새마을운동 R" panose="02020603020101020101" pitchFamily="18" charset="-127"/>
+                <a:ea typeface="1훈새마을운동 R" panose="02020603020101020101" pitchFamily="18" charset="-127"/>
+              </a:rPr>
+              <a:t>			* </a:t>
+            </a:r>
+            <a:r>
+              <a:rPr lang="ko-KR" altLang="en-US" smtClean="0">
+                <a:solidFill>
+                  <a:schemeClr val="tx1"/>
+                </a:solidFill>
+                <a:latin typeface="1훈새마을운동 R" panose="02020603020101020101" pitchFamily="18" charset="-127"/>
+                <a:ea typeface="1훈새마을운동 R" panose="02020603020101020101" pitchFamily="18" charset="-127"/>
+              </a:rPr>
+              <a:t>모든필드 삽입 </a:t>
+            </a:r>
+            <a:r>
+              <a:rPr lang="en-US" altLang="ko-KR" smtClean="0">
+                <a:solidFill>
+                  <a:schemeClr val="tx1"/>
+                </a:solidFill>
+                <a:latin typeface="1훈새마을운동 R" panose="02020603020101020101" pitchFamily="18" charset="-127"/>
+                <a:ea typeface="1훈새마을운동 R" panose="02020603020101020101" pitchFamily="18" charset="-127"/>
+              </a:rPr>
+              <a:t>: insert into </a:t>
+            </a:r>
+            <a:r>
+              <a:rPr lang="ko-KR" altLang="en-US" smtClean="0">
+                <a:solidFill>
+                  <a:schemeClr val="tx1"/>
+                </a:solidFill>
+                <a:latin typeface="1훈새마을운동 R" panose="02020603020101020101" pitchFamily="18" charset="-127"/>
+                <a:ea typeface="1훈새마을운동 R" panose="02020603020101020101" pitchFamily="18" charset="-127"/>
+              </a:rPr>
+              <a:t>테이블명 </a:t>
+            </a:r>
+            <a:r>
+              <a:rPr lang="en-US" altLang="ko-KR" smtClean="0">
+                <a:solidFill>
+                  <a:schemeClr val="tx1"/>
+                </a:solidFill>
+                <a:latin typeface="1훈새마을운동 R" panose="02020603020101020101" pitchFamily="18" charset="-127"/>
+                <a:ea typeface="1훈새마을운동 R" panose="02020603020101020101" pitchFamily="18" charset="-127"/>
+              </a:rPr>
+              <a:t>values( </a:t>
+            </a:r>
+            <a:r>
+              <a:rPr lang="ko-KR" altLang="en-US" smtClean="0">
+                <a:solidFill>
+                  <a:schemeClr val="tx1"/>
+                </a:solidFill>
+                <a:latin typeface="1훈새마을운동 R" panose="02020603020101020101" pitchFamily="18" charset="-127"/>
+                <a:ea typeface="1훈새마을운동 R" panose="02020603020101020101" pitchFamily="18" charset="-127"/>
+              </a:rPr>
+              <a:t>값</a:t>
+            </a:r>
+            <a:r>
+              <a:rPr lang="en-US" altLang="ko-KR" smtClean="0">
+                <a:solidFill>
+                  <a:schemeClr val="tx1"/>
+                </a:solidFill>
+                <a:latin typeface="1훈새마을운동 R" panose="02020603020101020101" pitchFamily="18" charset="-127"/>
+                <a:ea typeface="1훈새마을운동 R" panose="02020603020101020101" pitchFamily="18" charset="-127"/>
+              </a:rPr>
+              <a:t>1 , </a:t>
+            </a:r>
+            <a:r>
+              <a:rPr lang="ko-KR" altLang="en-US" smtClean="0">
+                <a:solidFill>
+                  <a:schemeClr val="tx1"/>
+                </a:solidFill>
+                <a:latin typeface="1훈새마을운동 R" panose="02020603020101020101" pitchFamily="18" charset="-127"/>
+                <a:ea typeface="1훈새마을운동 R" panose="02020603020101020101" pitchFamily="18" charset="-127"/>
+              </a:rPr>
+              <a:t>값</a:t>
+            </a:r>
+            <a:r>
+              <a:rPr lang="en-US" altLang="ko-KR" smtClean="0">
+                <a:solidFill>
+                  <a:schemeClr val="tx1"/>
+                </a:solidFill>
+                <a:latin typeface="1훈새마을운동 R" panose="02020603020101020101" pitchFamily="18" charset="-127"/>
+                <a:ea typeface="1훈새마을운동 R" panose="02020603020101020101" pitchFamily="18" charset="-127"/>
+              </a:rPr>
+              <a:t>2 , </a:t>
+            </a:r>
+            <a:r>
+              <a:rPr lang="ko-KR" altLang="en-US" smtClean="0">
+                <a:solidFill>
+                  <a:schemeClr val="tx1"/>
+                </a:solidFill>
+                <a:latin typeface="1훈새마을운동 R" panose="02020603020101020101" pitchFamily="18" charset="-127"/>
+                <a:ea typeface="1훈새마을운동 R" panose="02020603020101020101" pitchFamily="18" charset="-127"/>
+              </a:rPr>
+              <a:t>값</a:t>
+            </a:r>
+            <a:r>
+              <a:rPr lang="en-US" altLang="ko-KR" smtClean="0">
+                <a:solidFill>
+                  <a:schemeClr val="tx1"/>
+                </a:solidFill>
+                <a:latin typeface="1훈새마을운동 R" panose="02020603020101020101" pitchFamily="18" charset="-127"/>
+                <a:ea typeface="1훈새마을운동 R" panose="02020603020101020101" pitchFamily="18" charset="-127"/>
+              </a:rPr>
+              <a:t>3 )</a:t>
+            </a:r>
+          </a:p>
+          <a:p>
+            <a:r>
+              <a:rPr lang="en-US" altLang="ko-KR" smtClean="0">
+                <a:solidFill>
+                  <a:schemeClr val="tx1"/>
+                </a:solidFill>
+                <a:latin typeface="1훈새마을운동 R" panose="02020603020101020101" pitchFamily="18" charset="-127"/>
+                <a:ea typeface="1훈새마을운동 R" panose="02020603020101020101" pitchFamily="18" charset="-127"/>
+              </a:rPr>
+              <a:t>			* </a:t>
+            </a:r>
+            <a:r>
+              <a:rPr lang="ko-KR" altLang="en-US" smtClean="0">
+                <a:solidFill>
+                  <a:schemeClr val="tx1"/>
+                </a:solidFill>
+                <a:latin typeface="1훈새마을운동 R" panose="02020603020101020101" pitchFamily="18" charset="-127"/>
+                <a:ea typeface="1훈새마을운동 R" panose="02020603020101020101" pitchFamily="18" charset="-127"/>
+              </a:rPr>
+              <a:t>모든필드 삽입시 </a:t>
+            </a:r>
+            <a:r>
+              <a:rPr lang="en-US" altLang="ko-KR" smtClean="0">
+                <a:solidFill>
+                  <a:schemeClr val="tx1"/>
+                </a:solidFill>
+                <a:latin typeface="1훈새마을운동 R" panose="02020603020101020101" pitchFamily="18" charset="-127"/>
+                <a:ea typeface="1훈새마을운동 R" panose="02020603020101020101" pitchFamily="18" charset="-127"/>
+              </a:rPr>
+              <a:t>: </a:t>
+            </a:r>
+            <a:r>
+              <a:rPr lang="ko-KR" altLang="en-US" smtClean="0">
+                <a:solidFill>
+                  <a:schemeClr val="tx1"/>
+                </a:solidFill>
+                <a:latin typeface="1훈새마을운동 R" panose="02020603020101020101" pitchFamily="18" charset="-127"/>
+                <a:ea typeface="1훈새마을운동 R" panose="02020603020101020101" pitchFamily="18" charset="-127"/>
+              </a:rPr>
+              <a:t>필드명 생략 </a:t>
+            </a:r>
+            <a:r>
+              <a:rPr lang="en-US" altLang="ko-KR" smtClean="0">
+                <a:solidFill>
+                  <a:schemeClr val="tx1"/>
+                </a:solidFill>
+                <a:latin typeface="1훈새마을운동 R" panose="02020603020101020101" pitchFamily="18" charset="-127"/>
+                <a:ea typeface="1훈새마을운동 R" panose="02020603020101020101" pitchFamily="18" charset="-127"/>
+              </a:rPr>
+              <a:t>  </a:t>
+            </a:r>
+          </a:p>
+          <a:p>
+            <a:endParaRPr lang="en-US" altLang="ko-KR" smtClean="0">
+              <a:solidFill>
+                <a:schemeClr val="tx1"/>
+              </a:solidFill>
+              <a:latin typeface="1훈새마을운동 R" panose="02020603020101020101" pitchFamily="18" charset="-127"/>
+              <a:ea typeface="1훈새마을운동 R" panose="02020603020101020101" pitchFamily="18" charset="-127"/>
+            </a:endParaRPr>
+          </a:p>
+          <a:p>
+            <a:r>
+              <a:rPr lang="en-US" altLang="ko-KR" smtClean="0">
+                <a:solidFill>
+                  <a:schemeClr val="tx1"/>
+                </a:solidFill>
+                <a:latin typeface="1훈새마을운동 R" panose="02020603020101020101" pitchFamily="18" charset="-127"/>
+                <a:ea typeface="1훈새마을운동 R" panose="02020603020101020101" pitchFamily="18" charset="-127"/>
+              </a:rPr>
+              <a:t>		2. </a:t>
+            </a:r>
+            <a:r>
+              <a:rPr lang="ko-KR" altLang="en-US" smtClean="0">
+                <a:solidFill>
+                  <a:schemeClr val="tx1"/>
+                </a:solidFill>
+                <a:latin typeface="1훈새마을운동 R" panose="02020603020101020101" pitchFamily="18" charset="-127"/>
+                <a:ea typeface="1훈새마을운동 R" panose="02020603020101020101" pitchFamily="18" charset="-127"/>
+              </a:rPr>
+              <a:t>검색 </a:t>
+            </a:r>
+            <a:r>
+              <a:rPr lang="en-US" altLang="ko-KR" smtClean="0">
+                <a:solidFill>
+                  <a:schemeClr val="tx1"/>
+                </a:solidFill>
+                <a:latin typeface="1훈새마을운동 R" panose="02020603020101020101" pitchFamily="18" charset="-127"/>
+                <a:ea typeface="1훈새마을운동 R" panose="02020603020101020101" pitchFamily="18" charset="-127"/>
+              </a:rPr>
+              <a:t>: select </a:t>
+            </a:r>
+            <a:r>
+              <a:rPr lang="ko-KR" altLang="en-US" smtClean="0">
+                <a:solidFill>
+                  <a:schemeClr val="tx1"/>
+                </a:solidFill>
+                <a:latin typeface="1훈새마을운동 R" panose="02020603020101020101" pitchFamily="18" charset="-127"/>
+                <a:ea typeface="1훈새마을운동 R" panose="02020603020101020101" pitchFamily="18" charset="-127"/>
+              </a:rPr>
+              <a:t>필드명 </a:t>
+            </a:r>
+            <a:r>
+              <a:rPr lang="en-US" altLang="ko-KR" smtClean="0">
+                <a:solidFill>
+                  <a:schemeClr val="tx1"/>
+                </a:solidFill>
+                <a:latin typeface="1훈새마을운동 R" panose="02020603020101020101" pitchFamily="18" charset="-127"/>
+                <a:ea typeface="1훈새마을운동 R" panose="02020603020101020101" pitchFamily="18" charset="-127"/>
+              </a:rPr>
+              <a:t>from </a:t>
+            </a:r>
+            <a:r>
+              <a:rPr lang="ko-KR" altLang="en-US" smtClean="0">
+                <a:solidFill>
+                  <a:schemeClr val="tx1"/>
+                </a:solidFill>
+                <a:latin typeface="1훈새마을운동 R" panose="02020603020101020101" pitchFamily="18" charset="-127"/>
+                <a:ea typeface="1훈새마을운동 R" panose="02020603020101020101" pitchFamily="18" charset="-127"/>
+              </a:rPr>
+              <a:t>테이블명</a:t>
+            </a:r>
+            <a:r>
+              <a:rPr lang="en-US" altLang="ko-KR">
+                <a:solidFill>
+                  <a:schemeClr val="tx1"/>
+                </a:solidFill>
+                <a:latin typeface="1훈새마을운동 R" panose="02020603020101020101" pitchFamily="18" charset="-127"/>
+                <a:ea typeface="1훈새마을운동 R" panose="02020603020101020101" pitchFamily="18" charset="-127"/>
+              </a:rPr>
+              <a:t> </a:t>
+            </a:r>
+            <a:r>
+              <a:rPr lang="en-US" altLang="ko-KR" smtClean="0">
+                <a:solidFill>
+                  <a:schemeClr val="tx1"/>
+                </a:solidFill>
+                <a:latin typeface="1훈새마을운동 R" panose="02020603020101020101" pitchFamily="18" charset="-127"/>
+                <a:ea typeface="1훈새마을운동 R" panose="02020603020101020101" pitchFamily="18" charset="-127"/>
+              </a:rPr>
+              <a:t>where </a:t>
+            </a:r>
+            <a:r>
+              <a:rPr lang="ko-KR" altLang="en-US" smtClean="0">
+                <a:solidFill>
+                  <a:schemeClr val="tx1"/>
+                </a:solidFill>
+                <a:latin typeface="1훈새마을운동 R" panose="02020603020101020101" pitchFamily="18" charset="-127"/>
+                <a:ea typeface="1훈새마을운동 R" panose="02020603020101020101" pitchFamily="18" charset="-127"/>
+              </a:rPr>
+              <a:t>조건 </a:t>
+            </a:r>
+            <a:endParaRPr lang="en-US" altLang="ko-KR" smtClean="0">
+              <a:solidFill>
+                <a:schemeClr val="tx1"/>
+              </a:solidFill>
+              <a:latin typeface="1훈새마을운동 R" panose="02020603020101020101" pitchFamily="18" charset="-127"/>
+              <a:ea typeface="1훈새마을운동 R" panose="02020603020101020101" pitchFamily="18" charset="-127"/>
+            </a:endParaRPr>
+          </a:p>
+          <a:p>
+            <a:r>
+              <a:rPr lang="en-US" altLang="ko-KR" smtClean="0">
+                <a:solidFill>
+                  <a:schemeClr val="tx1"/>
+                </a:solidFill>
+                <a:latin typeface="1훈새마을운동 R" panose="02020603020101020101" pitchFamily="18" charset="-127"/>
+                <a:ea typeface="1훈새마을운동 R" panose="02020603020101020101" pitchFamily="18" charset="-127"/>
+              </a:rPr>
+              <a:t>			* </a:t>
+            </a:r>
+            <a:r>
+              <a:rPr lang="ko-KR" altLang="en-US" smtClean="0">
+                <a:solidFill>
+                  <a:schemeClr val="tx1"/>
+                </a:solidFill>
+                <a:latin typeface="1훈새마을운동 R" panose="02020603020101020101" pitchFamily="18" charset="-127"/>
+                <a:ea typeface="1훈새마을운동 R" panose="02020603020101020101" pitchFamily="18" charset="-127"/>
+              </a:rPr>
+              <a:t>모든필드 검색 </a:t>
+            </a:r>
+            <a:r>
+              <a:rPr lang="en-US" altLang="ko-KR" smtClean="0">
+                <a:solidFill>
+                  <a:schemeClr val="tx1"/>
+                </a:solidFill>
+                <a:latin typeface="1훈새마을운동 R" panose="02020603020101020101" pitchFamily="18" charset="-127"/>
+                <a:ea typeface="1훈새마을운동 R" panose="02020603020101020101" pitchFamily="18" charset="-127"/>
+              </a:rPr>
+              <a:t>: select * from</a:t>
+            </a:r>
+            <a:r>
+              <a:rPr lang="ko-KR" altLang="en-US">
+                <a:solidFill>
+                  <a:schemeClr val="tx1"/>
+                </a:solidFill>
+                <a:latin typeface="1훈새마을운동 R" panose="02020603020101020101" pitchFamily="18" charset="-127"/>
+                <a:ea typeface="1훈새마을운동 R" panose="02020603020101020101" pitchFamily="18" charset="-127"/>
+              </a:rPr>
+              <a:t> </a:t>
+            </a:r>
+            <a:r>
+              <a:rPr lang="ko-KR" altLang="en-US" smtClean="0">
+                <a:solidFill>
+                  <a:schemeClr val="tx1"/>
+                </a:solidFill>
+                <a:latin typeface="1훈새마을운동 R" panose="02020603020101020101" pitchFamily="18" charset="-127"/>
+                <a:ea typeface="1훈새마을운동 R" panose="02020603020101020101" pitchFamily="18" charset="-127"/>
+              </a:rPr>
+              <a:t>테이블명 </a:t>
+            </a:r>
+            <a:r>
+              <a:rPr lang="en-US" altLang="ko-KR" smtClean="0">
+                <a:solidFill>
+                  <a:schemeClr val="tx1"/>
+                </a:solidFill>
+                <a:latin typeface="1훈새마을운동 R" panose="02020603020101020101" pitchFamily="18" charset="-127"/>
+                <a:ea typeface="1훈새마을운동 R" panose="02020603020101020101" pitchFamily="18" charset="-127"/>
+              </a:rPr>
+              <a:t>where </a:t>
+            </a:r>
+            <a:r>
+              <a:rPr lang="ko-KR" altLang="en-US" smtClean="0">
+                <a:solidFill>
+                  <a:schemeClr val="tx1"/>
+                </a:solidFill>
+                <a:latin typeface="1훈새마을운동 R" panose="02020603020101020101" pitchFamily="18" charset="-127"/>
+                <a:ea typeface="1훈새마을운동 R" panose="02020603020101020101" pitchFamily="18" charset="-127"/>
+              </a:rPr>
+              <a:t>조건 </a:t>
+            </a:r>
+            <a:endParaRPr lang="en-US" altLang="ko-KR" smtClean="0">
+              <a:solidFill>
+                <a:schemeClr val="tx1"/>
+              </a:solidFill>
+              <a:latin typeface="1훈새마을운동 R" panose="02020603020101020101" pitchFamily="18" charset="-127"/>
+              <a:ea typeface="1훈새마을운동 R" panose="02020603020101020101" pitchFamily="18" charset="-127"/>
+            </a:endParaRPr>
+          </a:p>
+          <a:p>
+            <a:r>
+              <a:rPr lang="en-US" altLang="ko-KR">
+                <a:solidFill>
+                  <a:schemeClr val="tx1"/>
+                </a:solidFill>
+                <a:latin typeface="1훈새마을운동 R" panose="02020603020101020101" pitchFamily="18" charset="-127"/>
+                <a:ea typeface="1훈새마을운동 R" panose="02020603020101020101" pitchFamily="18" charset="-127"/>
+              </a:rPr>
+              <a:t>	</a:t>
+            </a:r>
+            <a:r>
+              <a:rPr lang="en-US" altLang="ko-KR" smtClean="0">
+                <a:solidFill>
+                  <a:schemeClr val="tx1"/>
+                </a:solidFill>
+                <a:latin typeface="1훈새마을운동 R" panose="02020603020101020101" pitchFamily="18" charset="-127"/>
+                <a:ea typeface="1훈새마을운동 R" panose="02020603020101020101" pitchFamily="18" charset="-127"/>
+              </a:rPr>
+              <a:t>		* </a:t>
+            </a:r>
+            <a:r>
+              <a:rPr lang="ko-KR" altLang="en-US" smtClean="0">
+                <a:solidFill>
+                  <a:schemeClr val="tx1"/>
+                </a:solidFill>
+                <a:latin typeface="1훈새마을운동 R" panose="02020603020101020101" pitchFamily="18" charset="-127"/>
+                <a:ea typeface="1훈새마을운동 R" panose="02020603020101020101" pitchFamily="18" charset="-127"/>
+              </a:rPr>
+              <a:t>모든필드 검색시 </a:t>
+            </a:r>
+            <a:r>
+              <a:rPr lang="en-US" altLang="ko-KR" smtClean="0">
+                <a:solidFill>
+                  <a:schemeClr val="tx1"/>
+                </a:solidFill>
+                <a:latin typeface="1훈새마을운동 R" panose="02020603020101020101" pitchFamily="18" charset="-127"/>
+                <a:ea typeface="1훈새마을운동 R" panose="02020603020101020101" pitchFamily="18" charset="-127"/>
+              </a:rPr>
+              <a:t>: *( </a:t>
+            </a:r>
+            <a:r>
+              <a:rPr lang="ko-KR" altLang="en-US" smtClean="0">
+                <a:solidFill>
+                  <a:schemeClr val="tx1"/>
+                </a:solidFill>
+                <a:latin typeface="1훈새마을운동 R" panose="02020603020101020101" pitchFamily="18" charset="-127"/>
+                <a:ea typeface="1훈새마을운동 R" panose="02020603020101020101" pitchFamily="18" charset="-127"/>
+              </a:rPr>
+              <a:t>와일드카드 </a:t>
+            </a:r>
+            <a:r>
+              <a:rPr lang="en-US" altLang="ko-KR" smtClean="0">
+                <a:solidFill>
+                  <a:schemeClr val="tx1"/>
+                </a:solidFill>
+                <a:latin typeface="1훈새마을운동 R" panose="02020603020101020101" pitchFamily="18" charset="-127"/>
+                <a:ea typeface="1훈새마을운동 R" panose="02020603020101020101" pitchFamily="18" charset="-127"/>
+              </a:rPr>
+              <a:t>)</a:t>
+            </a:r>
+          </a:p>
+          <a:p>
+            <a:endParaRPr lang="en-US" altLang="ko-KR" smtClean="0">
+              <a:solidFill>
+                <a:schemeClr val="tx1"/>
+              </a:solidFill>
+              <a:latin typeface="1훈새마을운동 R" panose="02020603020101020101" pitchFamily="18" charset="-127"/>
+              <a:ea typeface="1훈새마을운동 R" panose="02020603020101020101" pitchFamily="18" charset="-127"/>
+            </a:endParaRPr>
+          </a:p>
+          <a:p>
+            <a:r>
+              <a:rPr lang="en-US" altLang="ko-KR" smtClean="0">
+                <a:solidFill>
+                  <a:schemeClr val="tx1"/>
+                </a:solidFill>
+                <a:latin typeface="1훈새마을운동 R" panose="02020603020101020101" pitchFamily="18" charset="-127"/>
+                <a:ea typeface="1훈새마을운동 R" panose="02020603020101020101" pitchFamily="18" charset="-127"/>
+              </a:rPr>
+              <a:t>		3. </a:t>
+            </a:r>
+            <a:r>
+              <a:rPr lang="ko-KR" altLang="en-US" smtClean="0">
+                <a:solidFill>
+                  <a:schemeClr val="tx1"/>
+                </a:solidFill>
+                <a:latin typeface="1훈새마을운동 R" panose="02020603020101020101" pitchFamily="18" charset="-127"/>
+                <a:ea typeface="1훈새마을운동 R" panose="02020603020101020101" pitchFamily="18" charset="-127"/>
+              </a:rPr>
+              <a:t>삭제 </a:t>
+            </a:r>
+            <a:r>
+              <a:rPr lang="en-US" altLang="ko-KR" smtClean="0">
+                <a:solidFill>
+                  <a:schemeClr val="tx1"/>
+                </a:solidFill>
+                <a:latin typeface="1훈새마을운동 R" panose="02020603020101020101" pitchFamily="18" charset="-127"/>
+                <a:ea typeface="1훈새마을운동 R" panose="02020603020101020101" pitchFamily="18" charset="-127"/>
+              </a:rPr>
+              <a:t>: delete from </a:t>
+            </a:r>
+            <a:r>
+              <a:rPr lang="ko-KR" altLang="en-US" smtClean="0">
+                <a:solidFill>
+                  <a:schemeClr val="tx1"/>
+                </a:solidFill>
+                <a:latin typeface="1훈새마을운동 R" panose="02020603020101020101" pitchFamily="18" charset="-127"/>
+                <a:ea typeface="1훈새마을운동 R" panose="02020603020101020101" pitchFamily="18" charset="-127"/>
+              </a:rPr>
+              <a:t>테이블명 </a:t>
+            </a:r>
+            <a:r>
+              <a:rPr lang="en-US" altLang="ko-KR" smtClean="0">
+                <a:solidFill>
+                  <a:schemeClr val="tx1"/>
+                </a:solidFill>
+                <a:latin typeface="1훈새마을운동 R" panose="02020603020101020101" pitchFamily="18" charset="-127"/>
+                <a:ea typeface="1훈새마을운동 R" panose="02020603020101020101" pitchFamily="18" charset="-127"/>
+              </a:rPr>
+              <a:t>where</a:t>
+            </a:r>
+            <a:r>
+              <a:rPr lang="ko-KR" altLang="en-US">
+                <a:solidFill>
+                  <a:schemeClr val="tx1"/>
+                </a:solidFill>
+                <a:latin typeface="1훈새마을운동 R" panose="02020603020101020101" pitchFamily="18" charset="-127"/>
+                <a:ea typeface="1훈새마을운동 R" panose="02020603020101020101" pitchFamily="18" charset="-127"/>
+              </a:rPr>
+              <a:t> </a:t>
+            </a:r>
+            <a:r>
+              <a:rPr lang="ko-KR" altLang="en-US" smtClean="0">
+                <a:solidFill>
+                  <a:schemeClr val="tx1"/>
+                </a:solidFill>
+                <a:latin typeface="1훈새마을운동 R" panose="02020603020101020101" pitchFamily="18" charset="-127"/>
+                <a:ea typeface="1훈새마을운동 R" panose="02020603020101020101" pitchFamily="18" charset="-127"/>
+              </a:rPr>
+              <a:t>조건 </a:t>
+            </a:r>
+            <a:endParaRPr lang="en-US" altLang="ko-KR" smtClean="0">
+              <a:solidFill>
+                <a:schemeClr val="tx1"/>
+              </a:solidFill>
+              <a:latin typeface="1훈새마을운동 R" panose="02020603020101020101" pitchFamily="18" charset="-127"/>
+              <a:ea typeface="1훈새마을운동 R" panose="02020603020101020101" pitchFamily="18" charset="-127"/>
+            </a:endParaRPr>
+          </a:p>
+          <a:p>
+            <a:r>
+              <a:rPr lang="en-US" altLang="ko-KR" smtClean="0">
+                <a:solidFill>
+                  <a:schemeClr val="tx1"/>
+                </a:solidFill>
+                <a:latin typeface="1훈새마을운동 R" panose="02020603020101020101" pitchFamily="18" charset="-127"/>
+                <a:ea typeface="1훈새마을운동 R" panose="02020603020101020101" pitchFamily="18" charset="-127"/>
+              </a:rPr>
+              <a:t>			</a:t>
+            </a:r>
+          </a:p>
+          <a:p>
+            <a:r>
+              <a:rPr lang="en-US" altLang="ko-KR" smtClean="0">
+                <a:solidFill>
+                  <a:schemeClr val="tx1"/>
+                </a:solidFill>
+                <a:latin typeface="1훈새마을운동 R" panose="02020603020101020101" pitchFamily="18" charset="-127"/>
+                <a:ea typeface="1훈새마을운동 R" panose="02020603020101020101" pitchFamily="18" charset="-127"/>
+              </a:rPr>
+              <a:t>		4. </a:t>
+            </a:r>
+            <a:r>
+              <a:rPr lang="ko-KR" altLang="en-US" smtClean="0">
+                <a:solidFill>
+                  <a:schemeClr val="tx1"/>
+                </a:solidFill>
+                <a:latin typeface="1훈새마을운동 R" panose="02020603020101020101" pitchFamily="18" charset="-127"/>
+                <a:ea typeface="1훈새마을운동 R" panose="02020603020101020101" pitchFamily="18" charset="-127"/>
+              </a:rPr>
+              <a:t>수정 </a:t>
+            </a:r>
+            <a:r>
+              <a:rPr lang="en-US" altLang="ko-KR" smtClean="0">
+                <a:solidFill>
+                  <a:schemeClr val="tx1"/>
+                </a:solidFill>
+                <a:latin typeface="1훈새마을운동 R" panose="02020603020101020101" pitchFamily="18" charset="-127"/>
+                <a:ea typeface="1훈새마을운동 R" panose="02020603020101020101" pitchFamily="18" charset="-127"/>
+              </a:rPr>
+              <a:t>: update </a:t>
+            </a:r>
+            <a:r>
+              <a:rPr lang="ko-KR" altLang="en-US" smtClean="0">
+                <a:solidFill>
+                  <a:schemeClr val="tx1"/>
+                </a:solidFill>
+                <a:latin typeface="1훈새마을운동 R" panose="02020603020101020101" pitchFamily="18" charset="-127"/>
+                <a:ea typeface="1훈새마을운동 R" panose="02020603020101020101" pitchFamily="18" charset="-127"/>
+              </a:rPr>
+              <a:t>테이블명 </a:t>
+            </a:r>
+            <a:r>
+              <a:rPr lang="en-US" altLang="ko-KR" smtClean="0">
+                <a:solidFill>
+                  <a:schemeClr val="tx1"/>
+                </a:solidFill>
+                <a:latin typeface="1훈새마을운동 R" panose="02020603020101020101" pitchFamily="18" charset="-127"/>
+                <a:ea typeface="1훈새마을운동 R" panose="02020603020101020101" pitchFamily="18" charset="-127"/>
+              </a:rPr>
+              <a:t>set </a:t>
+            </a:r>
+            <a:r>
+              <a:rPr lang="ko-KR" altLang="en-US" smtClean="0">
+                <a:solidFill>
+                  <a:schemeClr val="tx1"/>
+                </a:solidFill>
+                <a:latin typeface="1훈새마을운동 R" panose="02020603020101020101" pitchFamily="18" charset="-127"/>
+                <a:ea typeface="1훈새마을운동 R" panose="02020603020101020101" pitchFamily="18" charset="-127"/>
+              </a:rPr>
+              <a:t>변경필드 </a:t>
+            </a:r>
+            <a:r>
+              <a:rPr lang="en-US" altLang="ko-KR" smtClean="0">
+                <a:solidFill>
+                  <a:schemeClr val="tx1"/>
+                </a:solidFill>
+                <a:latin typeface="1훈새마을운동 R" panose="02020603020101020101" pitchFamily="18" charset="-127"/>
+                <a:ea typeface="1훈새마을운동 R" panose="02020603020101020101" pitchFamily="18" charset="-127"/>
+              </a:rPr>
+              <a:t>= </a:t>
+            </a:r>
+            <a:r>
+              <a:rPr lang="ko-KR" altLang="en-US" smtClean="0">
+                <a:solidFill>
+                  <a:schemeClr val="tx1"/>
+                </a:solidFill>
+                <a:latin typeface="1훈새마을운동 R" panose="02020603020101020101" pitchFamily="18" charset="-127"/>
+                <a:ea typeface="1훈새마을운동 R" panose="02020603020101020101" pitchFamily="18" charset="-127"/>
+              </a:rPr>
+              <a:t>값 </a:t>
+            </a:r>
+            <a:r>
+              <a:rPr lang="en-US" altLang="ko-KR" smtClean="0">
+                <a:solidFill>
+                  <a:schemeClr val="tx1"/>
+                </a:solidFill>
+                <a:latin typeface="1훈새마을운동 R" panose="02020603020101020101" pitchFamily="18" charset="-127"/>
+                <a:ea typeface="1훈새마을운동 R" panose="02020603020101020101" pitchFamily="18" charset="-127"/>
+              </a:rPr>
+              <a:t>, </a:t>
+            </a:r>
+            <a:r>
+              <a:rPr lang="ko-KR" altLang="en-US" smtClean="0">
+                <a:solidFill>
+                  <a:schemeClr val="tx1"/>
+                </a:solidFill>
+                <a:latin typeface="1훈새마을운동 R" panose="02020603020101020101" pitchFamily="18" charset="-127"/>
+                <a:ea typeface="1훈새마을운동 R" panose="02020603020101020101" pitchFamily="18" charset="-127"/>
+              </a:rPr>
+              <a:t>변경필드</a:t>
+            </a:r>
+            <a:r>
+              <a:rPr lang="en-US" altLang="ko-KR" smtClean="0">
+                <a:solidFill>
+                  <a:schemeClr val="tx1"/>
+                </a:solidFill>
+                <a:latin typeface="1훈새마을운동 R" panose="02020603020101020101" pitchFamily="18" charset="-127"/>
+                <a:ea typeface="1훈새마을운동 R" panose="02020603020101020101" pitchFamily="18" charset="-127"/>
+              </a:rPr>
+              <a:t>2</a:t>
+            </a:r>
+            <a:r>
+              <a:rPr lang="ko-KR" altLang="en-US" smtClean="0">
+                <a:solidFill>
+                  <a:schemeClr val="tx1"/>
+                </a:solidFill>
+                <a:latin typeface="1훈새마을운동 R" panose="02020603020101020101" pitchFamily="18" charset="-127"/>
+                <a:ea typeface="1훈새마을운동 R" panose="02020603020101020101" pitchFamily="18" charset="-127"/>
+              </a:rPr>
+              <a:t> </a:t>
+            </a:r>
+            <a:r>
+              <a:rPr lang="en-US" altLang="ko-KR" smtClean="0">
+                <a:solidFill>
+                  <a:schemeClr val="tx1"/>
+                </a:solidFill>
+                <a:latin typeface="1훈새마을운동 R" panose="02020603020101020101" pitchFamily="18" charset="-127"/>
+                <a:ea typeface="1훈새마을운동 R" panose="02020603020101020101" pitchFamily="18" charset="-127"/>
+              </a:rPr>
+              <a:t>= </a:t>
+            </a:r>
+            <a:r>
+              <a:rPr lang="ko-KR" altLang="en-US" smtClean="0">
+                <a:solidFill>
+                  <a:schemeClr val="tx1"/>
+                </a:solidFill>
+                <a:latin typeface="1훈새마을운동 R" panose="02020603020101020101" pitchFamily="18" charset="-127"/>
+                <a:ea typeface="1훈새마을운동 R" panose="02020603020101020101" pitchFamily="18" charset="-127"/>
+              </a:rPr>
+              <a:t>값</a:t>
+            </a:r>
+            <a:r>
+              <a:rPr lang="en-US" altLang="ko-KR" smtClean="0">
+                <a:solidFill>
+                  <a:schemeClr val="tx1"/>
+                </a:solidFill>
+                <a:latin typeface="1훈새마을운동 R" panose="02020603020101020101" pitchFamily="18" charset="-127"/>
+                <a:ea typeface="1훈새마을운동 R" panose="02020603020101020101" pitchFamily="18" charset="-127"/>
+              </a:rPr>
+              <a:t>2 where </a:t>
+            </a:r>
+            <a:r>
+              <a:rPr lang="ko-KR" altLang="en-US" smtClean="0">
+                <a:solidFill>
+                  <a:schemeClr val="tx1"/>
+                </a:solidFill>
+                <a:latin typeface="1훈새마을운동 R" panose="02020603020101020101" pitchFamily="18" charset="-127"/>
+                <a:ea typeface="1훈새마을운동 R" panose="02020603020101020101" pitchFamily="18" charset="-127"/>
+              </a:rPr>
+              <a:t>조건</a:t>
+            </a:r>
+            <a:endParaRPr lang="en-US" altLang="ko-KR" smtClean="0">
+              <a:solidFill>
+                <a:schemeClr val="tx1"/>
+              </a:solidFill>
+              <a:latin typeface="1훈새마을운동 R" panose="02020603020101020101" pitchFamily="18" charset="-127"/>
+              <a:ea typeface="1훈새마을운동 R" panose="02020603020101020101" pitchFamily="18" charset="-127"/>
+            </a:endParaRPr>
+          </a:p>
+          <a:p>
+            <a:endParaRPr lang="en-US" altLang="ko-KR">
+              <a:solidFill>
+                <a:schemeClr val="tx1"/>
+              </a:solidFill>
+              <a:latin typeface="1훈새마을운동 R" panose="02020603020101020101" pitchFamily="18" charset="-127"/>
+              <a:ea typeface="1훈새마을운동 R" panose="02020603020101020101" pitchFamily="18" charset="-127"/>
+            </a:endParaRPr>
+          </a:p>
+          <a:p>
+            <a:r>
+              <a:rPr lang="en-US" altLang="ko-KR" smtClean="0">
+                <a:solidFill>
+                  <a:schemeClr val="tx1"/>
+                </a:solidFill>
+                <a:latin typeface="1훈새마을운동 R" panose="02020603020101020101" pitchFamily="18" charset="-127"/>
+                <a:ea typeface="1훈새마을운동 R" panose="02020603020101020101" pitchFamily="18" charset="-127"/>
+              </a:rPr>
+              <a:t>		* </a:t>
+            </a:r>
+            <a:r>
+              <a:rPr lang="ko-KR" altLang="en-US" smtClean="0">
+                <a:solidFill>
+                  <a:schemeClr val="tx1"/>
+                </a:solidFill>
+                <a:latin typeface="1훈새마을운동 R" panose="02020603020101020101" pitchFamily="18" charset="-127"/>
+                <a:ea typeface="1훈새마을운동 R" panose="02020603020101020101" pitchFamily="18" charset="-127"/>
+              </a:rPr>
+              <a:t>키워드 </a:t>
+            </a:r>
+            <a:endParaRPr lang="en-US" altLang="ko-KR" smtClean="0">
+              <a:solidFill>
+                <a:schemeClr val="tx1"/>
+              </a:solidFill>
+              <a:latin typeface="1훈새마을운동 R" panose="02020603020101020101" pitchFamily="18" charset="-127"/>
+              <a:ea typeface="1훈새마을운동 R" panose="02020603020101020101" pitchFamily="18" charset="-127"/>
+            </a:endParaRPr>
+          </a:p>
+          <a:p>
+            <a:r>
+              <a:rPr lang="en-US" altLang="ko-KR">
+                <a:solidFill>
+                  <a:schemeClr val="tx1"/>
+                </a:solidFill>
+                <a:latin typeface="1훈새마을운동 R" panose="02020603020101020101" pitchFamily="18" charset="-127"/>
+                <a:ea typeface="1훈새마을운동 R" panose="02020603020101020101" pitchFamily="18" charset="-127"/>
+              </a:rPr>
+              <a:t>	</a:t>
+            </a:r>
+            <a:r>
+              <a:rPr lang="en-US" altLang="ko-KR" smtClean="0">
+                <a:solidFill>
+                  <a:schemeClr val="tx1"/>
+                </a:solidFill>
+                <a:latin typeface="1훈새마을운동 R" panose="02020603020101020101" pitchFamily="18" charset="-127"/>
+                <a:ea typeface="1훈새마을운동 R" panose="02020603020101020101" pitchFamily="18" charset="-127"/>
+              </a:rPr>
+              <a:t>		1. where : </a:t>
+            </a:r>
+            <a:r>
+              <a:rPr lang="ko-KR" altLang="en-US" smtClean="0">
+                <a:solidFill>
+                  <a:schemeClr val="tx1"/>
+                </a:solidFill>
+                <a:latin typeface="1훈새마을운동 R" panose="02020603020101020101" pitchFamily="18" charset="-127"/>
+                <a:ea typeface="1훈새마을운동 R" panose="02020603020101020101" pitchFamily="18" charset="-127"/>
+              </a:rPr>
+              <a:t>조건 </a:t>
+            </a:r>
+            <a:endParaRPr lang="en-US" altLang="ko-KR" smtClean="0">
+              <a:solidFill>
+                <a:schemeClr val="tx1"/>
+              </a:solidFill>
+              <a:latin typeface="1훈새마을운동 R" panose="02020603020101020101" pitchFamily="18" charset="-127"/>
+              <a:ea typeface="1훈새마을운동 R" panose="02020603020101020101" pitchFamily="18" charset="-127"/>
+            </a:endParaRPr>
+          </a:p>
+          <a:p>
+            <a:r>
+              <a:rPr lang="en-US" altLang="ko-KR">
+                <a:solidFill>
+                  <a:schemeClr val="tx1"/>
+                </a:solidFill>
+                <a:latin typeface="1훈새마을운동 R" panose="02020603020101020101" pitchFamily="18" charset="-127"/>
+                <a:ea typeface="1훈새마을운동 R" panose="02020603020101020101" pitchFamily="18" charset="-127"/>
+              </a:rPr>
+              <a:t>	</a:t>
+            </a:r>
+            <a:r>
+              <a:rPr lang="en-US" altLang="ko-KR" smtClean="0">
+                <a:solidFill>
+                  <a:schemeClr val="tx1"/>
+                </a:solidFill>
+                <a:latin typeface="1훈새마을운동 R" panose="02020603020101020101" pitchFamily="18" charset="-127"/>
+                <a:ea typeface="1훈새마을운동 R" panose="02020603020101020101" pitchFamily="18" charset="-127"/>
+              </a:rPr>
+              <a:t>			1. and : </a:t>
+            </a:r>
+            <a:r>
+              <a:rPr lang="ko-KR" altLang="en-US" smtClean="0">
+                <a:solidFill>
+                  <a:schemeClr val="tx1"/>
+                </a:solidFill>
+                <a:latin typeface="1훈새마을운동 R" panose="02020603020101020101" pitchFamily="18" charset="-127"/>
+                <a:ea typeface="1훈새마을운동 R" panose="02020603020101020101" pitchFamily="18" charset="-127"/>
+              </a:rPr>
+              <a:t>이면서 면서 이고 모두 그리고 </a:t>
+            </a:r>
+            <a:endParaRPr lang="en-US" altLang="ko-KR" smtClean="0">
+              <a:solidFill>
+                <a:schemeClr val="tx1"/>
+              </a:solidFill>
+              <a:latin typeface="1훈새마을운동 R" panose="02020603020101020101" pitchFamily="18" charset="-127"/>
+              <a:ea typeface="1훈새마을운동 R" panose="02020603020101020101" pitchFamily="18" charset="-127"/>
+            </a:endParaRPr>
+          </a:p>
+          <a:p>
+            <a:r>
+              <a:rPr lang="en-US" altLang="ko-KR">
+                <a:solidFill>
+                  <a:schemeClr val="tx1"/>
+                </a:solidFill>
+                <a:latin typeface="1훈새마을운동 R" panose="02020603020101020101" pitchFamily="18" charset="-127"/>
+                <a:ea typeface="1훈새마을운동 R" panose="02020603020101020101" pitchFamily="18" charset="-127"/>
+              </a:rPr>
+              <a:t>	</a:t>
+            </a:r>
+            <a:r>
+              <a:rPr lang="en-US" altLang="ko-KR" smtClean="0">
+                <a:solidFill>
+                  <a:schemeClr val="tx1"/>
+                </a:solidFill>
+                <a:latin typeface="1훈새마을운동 R" panose="02020603020101020101" pitchFamily="18" charset="-127"/>
+                <a:ea typeface="1훈새마을운동 R" panose="02020603020101020101" pitchFamily="18" charset="-127"/>
+              </a:rPr>
               <a:t>			2. or : </a:t>
             </a:r>
             <a:r>
@@ -38425,17 +39887,7 @@
                 <a:latin typeface="1훈새마을운동 R" panose="02020603020101020101" pitchFamily="18" charset="-127"/>
                 <a:ea typeface="1훈새마을운동 R" panose="02020603020101020101" pitchFamily="18" charset="-127"/>
               </a:rPr>
-              <a:t>이거나 거나 </a:t>
-            </a:r>
-            <a:r>
-              <a:rPr lang="ko-KR" altLang="en-US" smtClean="0">
-                <a:solidFill>
-                  <a:schemeClr val="tx1"/>
-                </a:solidFill>
-                <a:latin typeface="1훈새마을운동 R" panose="02020603020101020101" pitchFamily="18" charset="-127"/>
-                <a:ea typeface="1훈새마을운동 R" panose="02020603020101020101" pitchFamily="18" charset="-127"/>
-              </a:rPr>
-              <a:t>하나라도</a:t>
+              <a:t>이거나 거나 하나라도</a:t>
             </a:r>
             <a:r>
               <a:rPr lang="en-US" altLang="ko-KR" smtClean="0">
@@ -38466,6 +39918,1116 @@
     <p:extLst>
       <p:ext uri="{BB962C8B-B14F-4D97-AF65-F5344CB8AC3E}">
         <p14:creationId xmlns:p14="http://schemas.microsoft.com/office/powerpoint/2010/main" val="2130201069"/>
+      </p:ext>
+    </p:extLst>
+  </p:cSld>
+  <p:clrMapOvr>
+    <a:masterClrMapping/>
+  </p:clrMapOvr>
+</p:sld>
+</file>
+
+<file path=ppt/slides/slide46.xml><?xml version="1.0" encoding="utf-8"?>
+<p:sld xmlns:a="http://schemas.openxmlformats.org/drawingml/2006/main" xmlns:r="http://schemas.openxmlformats.org/officeDocument/2006/relationships" xmlns:p="http://schemas.openxmlformats.org/presentationml/2006/main">
+  <p:cSld>
+    <p:spTree>
+      <p:nvGrpSpPr>
+        <p:cNvPr id="1" name=""/>
+        <p:cNvGrpSpPr/>
+        <p:nvPr/>
+      </p:nvGrpSpPr>
+      <p:grpSpPr>
+        <a:xfrm>
+          <a:off x="0" y="0"/>
+          <a:ext cx="0" cy="0"/>
+          <a:chOff x="0" y="0"/>
+          <a:chExt cx="0" cy="0"/>
+        </a:xfrm>
+      </p:grpSpPr>
+      <p:sp>
+        <p:nvSpPr>
+          <p:cNvPr id="4" name="직사각형 3"/>
+          <p:cNvSpPr/>
+          <p:nvPr/>
+        </p:nvSpPr>
+        <p:spPr>
+          <a:xfrm>
+            <a:off x="173052" y="188639"/>
+            <a:ext cx="9676492" cy="6408713"/>
+          </a:xfrm>
+          <a:prstGeom prst="rect">
+            <a:avLst/>
+          </a:prstGeom>
+          <a:noFill/>
+        </p:spPr>
+        <p:style>
+          <a:lnRef idx="2">
+            <a:schemeClr val="accent6"/>
+          </a:lnRef>
+          <a:fillRef idx="1">
+            <a:schemeClr val="lt1"/>
+          </a:fillRef>
+          <a:effectRef idx="0">
+            <a:schemeClr val="accent6"/>
+          </a:effectRef>
+          <a:fontRef idx="minor">
+            <a:schemeClr val="dk1"/>
+          </a:fontRef>
+        </p:style>
+        <p:txBody>
+          <a:bodyPr rtlCol="0" anchor="t"/>
+          <a:lstStyle/>
+          <a:p>
+            <a:r>
+              <a:rPr lang="en-US" altLang="ko-KR" smtClean="0">
+                <a:solidFill>
+                  <a:schemeClr val="tx1"/>
+                </a:solidFill>
+                <a:latin typeface="1훈새마을운동 R" panose="02020603020101020101" pitchFamily="18" charset="-127"/>
+                <a:ea typeface="1훈새마을운동 R" panose="02020603020101020101" pitchFamily="18" charset="-127"/>
+              </a:rPr>
+              <a:t>*SQL : </a:t>
+            </a:r>
+            <a:r>
+              <a:rPr lang="ko-KR" altLang="en-US" smtClean="0">
+                <a:solidFill>
+                  <a:schemeClr val="tx1"/>
+                </a:solidFill>
+                <a:latin typeface="1훈새마을운동 R" panose="02020603020101020101" pitchFamily="18" charset="-127"/>
+                <a:ea typeface="1훈새마을운동 R" panose="02020603020101020101" pitchFamily="18" charset="-127"/>
+              </a:rPr>
+              <a:t>데이터베이스 관리 언어</a:t>
+            </a:r>
+            <a:endParaRPr lang="en-US" altLang="ko-KR" smtClean="0">
+              <a:solidFill>
+                <a:schemeClr val="tx1"/>
+              </a:solidFill>
+              <a:latin typeface="1훈새마을운동 R" panose="02020603020101020101" pitchFamily="18" charset="-127"/>
+              <a:ea typeface="1훈새마을운동 R" panose="02020603020101020101" pitchFamily="18" charset="-127"/>
+            </a:endParaRPr>
+          </a:p>
+          <a:p>
+            <a:r>
+              <a:rPr lang="en-US" altLang="ko-KR" smtClean="0">
+                <a:solidFill>
+                  <a:schemeClr val="tx1"/>
+                </a:solidFill>
+                <a:latin typeface="1훈새마을운동 R" panose="02020603020101020101" pitchFamily="18" charset="-127"/>
+                <a:ea typeface="1훈새마을운동 R" panose="02020603020101020101" pitchFamily="18" charset="-127"/>
+              </a:rPr>
+              <a:t>	DML [ </a:t>
+            </a:r>
+            <a:r>
+              <a:rPr lang="ko-KR" altLang="en-US" smtClean="0">
+                <a:solidFill>
+                  <a:schemeClr val="tx1"/>
+                </a:solidFill>
+                <a:latin typeface="1훈새마을운동 R" panose="02020603020101020101" pitchFamily="18" charset="-127"/>
+                <a:ea typeface="1훈새마을운동 R" panose="02020603020101020101" pitchFamily="18" charset="-127"/>
+              </a:rPr>
+              <a:t>조작어 </a:t>
+            </a:r>
+            <a:r>
+              <a:rPr lang="en-US" altLang="ko-KR" smtClean="0">
+                <a:solidFill>
+                  <a:schemeClr val="tx1"/>
+                </a:solidFill>
+                <a:latin typeface="1훈새마을운동 R" panose="02020603020101020101" pitchFamily="18" charset="-127"/>
+                <a:ea typeface="1훈새마을운동 R" panose="02020603020101020101" pitchFamily="18" charset="-127"/>
+              </a:rPr>
+              <a:t>]</a:t>
+            </a:r>
+          </a:p>
+          <a:p>
+            <a:r>
+              <a:rPr lang="en-US" altLang="ko-KR" smtClean="0">
+                <a:solidFill>
+                  <a:schemeClr val="tx1"/>
+                </a:solidFill>
+                <a:latin typeface="1훈새마을운동 R" panose="02020603020101020101" pitchFamily="18" charset="-127"/>
+                <a:ea typeface="1훈새마을운동 R" panose="02020603020101020101" pitchFamily="18" charset="-127"/>
+              </a:rPr>
+              <a:t>		1. </a:t>
+            </a:r>
+            <a:r>
+              <a:rPr lang="ko-KR" altLang="en-US" smtClean="0">
+                <a:solidFill>
+                  <a:schemeClr val="tx1"/>
+                </a:solidFill>
+                <a:latin typeface="1훈새마을운동 R" panose="02020603020101020101" pitchFamily="18" charset="-127"/>
+                <a:ea typeface="1훈새마을운동 R" panose="02020603020101020101" pitchFamily="18" charset="-127"/>
+              </a:rPr>
+              <a:t>삽입 </a:t>
+            </a:r>
+            <a:r>
+              <a:rPr lang="en-US" altLang="ko-KR" smtClean="0">
+                <a:solidFill>
+                  <a:schemeClr val="tx1"/>
+                </a:solidFill>
+                <a:latin typeface="1훈새마을운동 R" panose="02020603020101020101" pitchFamily="18" charset="-127"/>
+                <a:ea typeface="1훈새마을운동 R" panose="02020603020101020101" pitchFamily="18" charset="-127"/>
+              </a:rPr>
+              <a:t>: insert into </a:t>
+            </a:r>
+            <a:r>
+              <a:rPr lang="ko-KR" altLang="en-US" smtClean="0">
+                <a:solidFill>
+                  <a:schemeClr val="tx1"/>
+                </a:solidFill>
+                <a:latin typeface="1훈새마을운동 R" panose="02020603020101020101" pitchFamily="18" charset="-127"/>
+                <a:ea typeface="1훈새마을운동 R" panose="02020603020101020101" pitchFamily="18" charset="-127"/>
+              </a:rPr>
+              <a:t>테이블명</a:t>
+            </a:r>
+            <a:r>
+              <a:rPr lang="en-US" altLang="ko-KR" smtClean="0">
+                <a:solidFill>
+                  <a:schemeClr val="tx1"/>
+                </a:solidFill>
+                <a:latin typeface="1훈새마을운동 R" panose="02020603020101020101" pitchFamily="18" charset="-127"/>
+                <a:ea typeface="1훈새마을운동 R" panose="02020603020101020101" pitchFamily="18" charset="-127"/>
+              </a:rPr>
+              <a:t>( </a:t>
+            </a:r>
+            <a:r>
+              <a:rPr lang="ko-KR" altLang="en-US" smtClean="0">
+                <a:solidFill>
+                  <a:schemeClr val="tx1"/>
+                </a:solidFill>
+                <a:latin typeface="1훈새마을운동 R" panose="02020603020101020101" pitchFamily="18" charset="-127"/>
+                <a:ea typeface="1훈새마을운동 R" panose="02020603020101020101" pitchFamily="18" charset="-127"/>
+              </a:rPr>
+              <a:t>필드</a:t>
+            </a:r>
+            <a:r>
+              <a:rPr lang="en-US" altLang="ko-KR" smtClean="0">
+                <a:solidFill>
+                  <a:schemeClr val="tx1"/>
+                </a:solidFill>
+                <a:latin typeface="1훈새마을운동 R" panose="02020603020101020101" pitchFamily="18" charset="-127"/>
+                <a:ea typeface="1훈새마을운동 R" panose="02020603020101020101" pitchFamily="18" charset="-127"/>
+              </a:rPr>
+              <a:t>1 , </a:t>
+            </a:r>
+            <a:r>
+              <a:rPr lang="ko-KR" altLang="en-US" smtClean="0">
+                <a:solidFill>
+                  <a:schemeClr val="tx1"/>
+                </a:solidFill>
+                <a:latin typeface="1훈새마을운동 R" panose="02020603020101020101" pitchFamily="18" charset="-127"/>
+                <a:ea typeface="1훈새마을운동 R" panose="02020603020101020101" pitchFamily="18" charset="-127"/>
+              </a:rPr>
+              <a:t>필드</a:t>
+            </a:r>
+            <a:r>
+              <a:rPr lang="en-US" altLang="ko-KR" smtClean="0">
+                <a:solidFill>
+                  <a:schemeClr val="tx1"/>
+                </a:solidFill>
+                <a:latin typeface="1훈새마을운동 R" panose="02020603020101020101" pitchFamily="18" charset="-127"/>
+                <a:ea typeface="1훈새마을운동 R" panose="02020603020101020101" pitchFamily="18" charset="-127"/>
+              </a:rPr>
+              <a:t>2 ) values( </a:t>
+            </a:r>
+            <a:r>
+              <a:rPr lang="ko-KR" altLang="en-US" smtClean="0">
+                <a:solidFill>
+                  <a:schemeClr val="tx1"/>
+                </a:solidFill>
+                <a:latin typeface="1훈새마을운동 R" panose="02020603020101020101" pitchFamily="18" charset="-127"/>
+                <a:ea typeface="1훈새마을운동 R" panose="02020603020101020101" pitchFamily="18" charset="-127"/>
+              </a:rPr>
+              <a:t>값</a:t>
+            </a:r>
+            <a:r>
+              <a:rPr lang="en-US" altLang="ko-KR" smtClean="0">
+                <a:solidFill>
+                  <a:schemeClr val="tx1"/>
+                </a:solidFill>
+                <a:latin typeface="1훈새마을운동 R" panose="02020603020101020101" pitchFamily="18" charset="-127"/>
+                <a:ea typeface="1훈새마을운동 R" panose="02020603020101020101" pitchFamily="18" charset="-127"/>
+              </a:rPr>
+              <a:t>1 , </a:t>
+            </a:r>
+            <a:r>
+              <a:rPr lang="ko-KR" altLang="en-US" smtClean="0">
+                <a:solidFill>
+                  <a:schemeClr val="tx1"/>
+                </a:solidFill>
+                <a:latin typeface="1훈새마을운동 R" panose="02020603020101020101" pitchFamily="18" charset="-127"/>
+                <a:ea typeface="1훈새마을운동 R" panose="02020603020101020101" pitchFamily="18" charset="-127"/>
+              </a:rPr>
+              <a:t>값</a:t>
+            </a:r>
+            <a:r>
+              <a:rPr lang="en-US" altLang="ko-KR" smtClean="0">
+                <a:solidFill>
+                  <a:schemeClr val="tx1"/>
+                </a:solidFill>
+                <a:latin typeface="1훈새마을운동 R" panose="02020603020101020101" pitchFamily="18" charset="-127"/>
+                <a:ea typeface="1훈새마을운동 R" panose="02020603020101020101" pitchFamily="18" charset="-127"/>
+              </a:rPr>
+              <a:t>2 )</a:t>
+            </a:r>
+          </a:p>
+          <a:p>
+            <a:r>
+              <a:rPr lang="en-US" altLang="ko-KR" smtClean="0">
+                <a:solidFill>
+                  <a:schemeClr val="tx1"/>
+                </a:solidFill>
+                <a:latin typeface="1훈새마을운동 R" panose="02020603020101020101" pitchFamily="18" charset="-127"/>
+                <a:ea typeface="1훈새마을운동 R" panose="02020603020101020101" pitchFamily="18" charset="-127"/>
+              </a:rPr>
+              <a:t>			* </a:t>
+            </a:r>
+            <a:r>
+              <a:rPr lang="ko-KR" altLang="en-US" smtClean="0">
+                <a:solidFill>
+                  <a:schemeClr val="tx1"/>
+                </a:solidFill>
+                <a:latin typeface="1훈새마을운동 R" panose="02020603020101020101" pitchFamily="18" charset="-127"/>
+                <a:ea typeface="1훈새마을운동 R" panose="02020603020101020101" pitchFamily="18" charset="-127"/>
+              </a:rPr>
+              <a:t>모든필드 삽입 </a:t>
+            </a:r>
+            <a:r>
+              <a:rPr lang="en-US" altLang="ko-KR" smtClean="0">
+                <a:solidFill>
+                  <a:schemeClr val="tx1"/>
+                </a:solidFill>
+                <a:latin typeface="1훈새마을운동 R" panose="02020603020101020101" pitchFamily="18" charset="-127"/>
+                <a:ea typeface="1훈새마을운동 R" panose="02020603020101020101" pitchFamily="18" charset="-127"/>
+              </a:rPr>
+              <a:t>: insert into </a:t>
+            </a:r>
+            <a:r>
+              <a:rPr lang="ko-KR" altLang="en-US" smtClean="0">
+                <a:solidFill>
+                  <a:schemeClr val="tx1"/>
+                </a:solidFill>
+                <a:latin typeface="1훈새마을운동 R" panose="02020603020101020101" pitchFamily="18" charset="-127"/>
+                <a:ea typeface="1훈새마을운동 R" panose="02020603020101020101" pitchFamily="18" charset="-127"/>
+              </a:rPr>
+              <a:t>테이블명 </a:t>
+            </a:r>
+            <a:r>
+              <a:rPr lang="en-US" altLang="ko-KR" smtClean="0">
+                <a:solidFill>
+                  <a:schemeClr val="tx1"/>
+                </a:solidFill>
+                <a:latin typeface="1훈새마을운동 R" panose="02020603020101020101" pitchFamily="18" charset="-127"/>
+                <a:ea typeface="1훈새마을운동 R" panose="02020603020101020101" pitchFamily="18" charset="-127"/>
+              </a:rPr>
+              <a:t>values( </a:t>
+            </a:r>
+            <a:r>
+              <a:rPr lang="ko-KR" altLang="en-US" smtClean="0">
+                <a:solidFill>
+                  <a:schemeClr val="tx1"/>
+                </a:solidFill>
+                <a:latin typeface="1훈새마을운동 R" panose="02020603020101020101" pitchFamily="18" charset="-127"/>
+                <a:ea typeface="1훈새마을운동 R" panose="02020603020101020101" pitchFamily="18" charset="-127"/>
+              </a:rPr>
+              <a:t>값</a:t>
+            </a:r>
+            <a:r>
+              <a:rPr lang="en-US" altLang="ko-KR" smtClean="0">
+                <a:solidFill>
+                  <a:schemeClr val="tx1"/>
+                </a:solidFill>
+                <a:latin typeface="1훈새마을운동 R" panose="02020603020101020101" pitchFamily="18" charset="-127"/>
+                <a:ea typeface="1훈새마을운동 R" panose="02020603020101020101" pitchFamily="18" charset="-127"/>
+              </a:rPr>
+              <a:t>1 , </a:t>
+            </a:r>
+            <a:r>
+              <a:rPr lang="ko-KR" altLang="en-US" smtClean="0">
+                <a:solidFill>
+                  <a:schemeClr val="tx1"/>
+                </a:solidFill>
+                <a:latin typeface="1훈새마을운동 R" panose="02020603020101020101" pitchFamily="18" charset="-127"/>
+                <a:ea typeface="1훈새마을운동 R" panose="02020603020101020101" pitchFamily="18" charset="-127"/>
+              </a:rPr>
+              <a:t>값</a:t>
+            </a:r>
+            <a:r>
+              <a:rPr lang="en-US" altLang="ko-KR" smtClean="0">
+                <a:solidFill>
+                  <a:schemeClr val="tx1"/>
+                </a:solidFill>
+                <a:latin typeface="1훈새마을운동 R" panose="02020603020101020101" pitchFamily="18" charset="-127"/>
+                <a:ea typeface="1훈새마을운동 R" panose="02020603020101020101" pitchFamily="18" charset="-127"/>
+              </a:rPr>
+              <a:t>2 , </a:t>
+            </a:r>
+            <a:r>
+              <a:rPr lang="ko-KR" altLang="en-US" smtClean="0">
+                <a:solidFill>
+                  <a:schemeClr val="tx1"/>
+                </a:solidFill>
+                <a:latin typeface="1훈새마을운동 R" panose="02020603020101020101" pitchFamily="18" charset="-127"/>
+                <a:ea typeface="1훈새마을운동 R" panose="02020603020101020101" pitchFamily="18" charset="-127"/>
+              </a:rPr>
+              <a:t>값</a:t>
+            </a:r>
+            <a:r>
+              <a:rPr lang="en-US" altLang="ko-KR" smtClean="0">
+                <a:solidFill>
+                  <a:schemeClr val="tx1"/>
+                </a:solidFill>
+                <a:latin typeface="1훈새마을운동 R" panose="02020603020101020101" pitchFamily="18" charset="-127"/>
+                <a:ea typeface="1훈새마을운동 R" panose="02020603020101020101" pitchFamily="18" charset="-127"/>
+              </a:rPr>
+              <a:t>3 )</a:t>
+            </a:r>
+          </a:p>
+          <a:p>
+            <a:r>
+              <a:rPr lang="en-US" altLang="ko-KR" smtClean="0">
+                <a:solidFill>
+                  <a:schemeClr val="tx1"/>
+                </a:solidFill>
+                <a:latin typeface="1훈새마을운동 R" panose="02020603020101020101" pitchFamily="18" charset="-127"/>
+                <a:ea typeface="1훈새마을운동 R" panose="02020603020101020101" pitchFamily="18" charset="-127"/>
+              </a:rPr>
+              <a:t>			* </a:t>
+            </a:r>
+            <a:r>
+              <a:rPr lang="ko-KR" altLang="en-US" smtClean="0">
+                <a:solidFill>
+                  <a:schemeClr val="tx1"/>
+                </a:solidFill>
+                <a:latin typeface="1훈새마을운동 R" panose="02020603020101020101" pitchFamily="18" charset="-127"/>
+                <a:ea typeface="1훈새마을운동 R" panose="02020603020101020101" pitchFamily="18" charset="-127"/>
+              </a:rPr>
+              <a:t>모든필드 삽입시 </a:t>
+            </a:r>
+            <a:r>
+              <a:rPr lang="en-US" altLang="ko-KR" smtClean="0">
+                <a:solidFill>
+                  <a:schemeClr val="tx1"/>
+                </a:solidFill>
+                <a:latin typeface="1훈새마을운동 R" panose="02020603020101020101" pitchFamily="18" charset="-127"/>
+                <a:ea typeface="1훈새마을운동 R" panose="02020603020101020101" pitchFamily="18" charset="-127"/>
+              </a:rPr>
+              <a:t>: </a:t>
+            </a:r>
+            <a:r>
+              <a:rPr lang="ko-KR" altLang="en-US" smtClean="0">
+                <a:solidFill>
+                  <a:schemeClr val="tx1"/>
+                </a:solidFill>
+                <a:latin typeface="1훈새마을운동 R" panose="02020603020101020101" pitchFamily="18" charset="-127"/>
+                <a:ea typeface="1훈새마을운동 R" panose="02020603020101020101" pitchFamily="18" charset="-127"/>
+              </a:rPr>
+              <a:t>필드명 생략 </a:t>
+            </a:r>
+            <a:r>
+              <a:rPr lang="en-US" altLang="ko-KR" smtClean="0">
+                <a:solidFill>
+                  <a:schemeClr val="tx1"/>
+                </a:solidFill>
+                <a:latin typeface="1훈새마을운동 R" panose="02020603020101020101" pitchFamily="18" charset="-127"/>
+                <a:ea typeface="1훈새마을운동 R" panose="02020603020101020101" pitchFamily="18" charset="-127"/>
+              </a:rPr>
+              <a:t>  </a:t>
+            </a:r>
+          </a:p>
+          <a:p>
+            <a:endParaRPr lang="en-US" altLang="ko-KR" smtClean="0">
+              <a:solidFill>
+                <a:schemeClr val="tx1"/>
+              </a:solidFill>
+              <a:latin typeface="1훈새마을운동 R" panose="02020603020101020101" pitchFamily="18" charset="-127"/>
+              <a:ea typeface="1훈새마을운동 R" panose="02020603020101020101" pitchFamily="18" charset="-127"/>
+            </a:endParaRPr>
+          </a:p>
+          <a:p>
+            <a:r>
+              <a:rPr lang="en-US" altLang="ko-KR" smtClean="0">
+                <a:solidFill>
+                  <a:schemeClr val="tx1"/>
+                </a:solidFill>
+                <a:latin typeface="1훈새마을운동 R" panose="02020603020101020101" pitchFamily="18" charset="-127"/>
+                <a:ea typeface="1훈새마을운동 R" panose="02020603020101020101" pitchFamily="18" charset="-127"/>
+              </a:rPr>
+              <a:t>		2. </a:t>
+            </a:r>
+            <a:r>
+              <a:rPr lang="ko-KR" altLang="en-US" smtClean="0">
+                <a:solidFill>
+                  <a:schemeClr val="tx1"/>
+                </a:solidFill>
+                <a:latin typeface="1훈새마을운동 R" panose="02020603020101020101" pitchFamily="18" charset="-127"/>
+                <a:ea typeface="1훈새마을운동 R" panose="02020603020101020101" pitchFamily="18" charset="-127"/>
+              </a:rPr>
+              <a:t>검색 </a:t>
+            </a:r>
+            <a:r>
+              <a:rPr lang="en-US" altLang="ko-KR" smtClean="0">
+                <a:solidFill>
+                  <a:schemeClr val="tx1"/>
+                </a:solidFill>
+                <a:latin typeface="1훈새마을운동 R" panose="02020603020101020101" pitchFamily="18" charset="-127"/>
+                <a:ea typeface="1훈새마을운동 R" panose="02020603020101020101" pitchFamily="18" charset="-127"/>
+              </a:rPr>
+              <a:t>: select </a:t>
+            </a:r>
+            <a:r>
+              <a:rPr lang="ko-KR" altLang="en-US" smtClean="0">
+                <a:solidFill>
+                  <a:schemeClr val="tx1"/>
+                </a:solidFill>
+                <a:latin typeface="1훈새마을운동 R" panose="02020603020101020101" pitchFamily="18" charset="-127"/>
+                <a:ea typeface="1훈새마을운동 R" panose="02020603020101020101" pitchFamily="18" charset="-127"/>
+              </a:rPr>
+              <a:t>필드명 </a:t>
+            </a:r>
+            <a:r>
+              <a:rPr lang="en-US" altLang="ko-KR" smtClean="0">
+                <a:solidFill>
+                  <a:schemeClr val="tx1"/>
+                </a:solidFill>
+                <a:latin typeface="1훈새마을운동 R" panose="02020603020101020101" pitchFamily="18" charset="-127"/>
+                <a:ea typeface="1훈새마을운동 R" panose="02020603020101020101" pitchFamily="18" charset="-127"/>
+              </a:rPr>
+              <a:t>from </a:t>
+            </a:r>
+            <a:r>
+              <a:rPr lang="ko-KR" altLang="en-US" smtClean="0">
+                <a:solidFill>
+                  <a:schemeClr val="tx1"/>
+                </a:solidFill>
+                <a:latin typeface="1훈새마을운동 R" panose="02020603020101020101" pitchFamily="18" charset="-127"/>
+                <a:ea typeface="1훈새마을운동 R" panose="02020603020101020101" pitchFamily="18" charset="-127"/>
+              </a:rPr>
+              <a:t>테이블명</a:t>
+            </a:r>
+            <a:r>
+              <a:rPr lang="en-US" altLang="ko-KR">
+                <a:solidFill>
+                  <a:schemeClr val="tx1"/>
+                </a:solidFill>
+                <a:latin typeface="1훈새마을운동 R" panose="02020603020101020101" pitchFamily="18" charset="-127"/>
+                <a:ea typeface="1훈새마을운동 R" panose="02020603020101020101" pitchFamily="18" charset="-127"/>
+              </a:rPr>
+              <a:t> </a:t>
+            </a:r>
+            <a:r>
+              <a:rPr lang="en-US" altLang="ko-KR" smtClean="0">
+                <a:solidFill>
+                  <a:schemeClr val="tx1"/>
+                </a:solidFill>
+                <a:latin typeface="1훈새마을운동 R" panose="02020603020101020101" pitchFamily="18" charset="-127"/>
+                <a:ea typeface="1훈새마을운동 R" panose="02020603020101020101" pitchFamily="18" charset="-127"/>
+              </a:rPr>
+              <a:t>where </a:t>
+            </a:r>
+            <a:r>
+              <a:rPr lang="ko-KR" altLang="en-US" smtClean="0">
+                <a:solidFill>
+                  <a:schemeClr val="tx1"/>
+                </a:solidFill>
+                <a:latin typeface="1훈새마을운동 R" panose="02020603020101020101" pitchFamily="18" charset="-127"/>
+                <a:ea typeface="1훈새마을운동 R" panose="02020603020101020101" pitchFamily="18" charset="-127"/>
+              </a:rPr>
+              <a:t>조건 </a:t>
+            </a:r>
+            <a:endParaRPr lang="en-US" altLang="ko-KR" smtClean="0">
+              <a:solidFill>
+                <a:schemeClr val="tx1"/>
+              </a:solidFill>
+              <a:latin typeface="1훈새마을운동 R" panose="02020603020101020101" pitchFamily="18" charset="-127"/>
+              <a:ea typeface="1훈새마을운동 R" panose="02020603020101020101" pitchFamily="18" charset="-127"/>
+            </a:endParaRPr>
+          </a:p>
+          <a:p>
+            <a:r>
+              <a:rPr lang="en-US" altLang="ko-KR" smtClean="0">
+                <a:solidFill>
+                  <a:schemeClr val="tx1"/>
+                </a:solidFill>
+                <a:latin typeface="1훈새마을운동 R" panose="02020603020101020101" pitchFamily="18" charset="-127"/>
+                <a:ea typeface="1훈새마을운동 R" panose="02020603020101020101" pitchFamily="18" charset="-127"/>
+              </a:rPr>
+              <a:t>			* </a:t>
+            </a:r>
+            <a:r>
+              <a:rPr lang="ko-KR" altLang="en-US" smtClean="0">
+                <a:solidFill>
+                  <a:schemeClr val="tx1"/>
+                </a:solidFill>
+                <a:latin typeface="1훈새마을운동 R" panose="02020603020101020101" pitchFamily="18" charset="-127"/>
+                <a:ea typeface="1훈새마을운동 R" panose="02020603020101020101" pitchFamily="18" charset="-127"/>
+              </a:rPr>
+              <a:t>모든필드 검색 </a:t>
+            </a:r>
+            <a:r>
+              <a:rPr lang="en-US" altLang="ko-KR" smtClean="0">
+                <a:solidFill>
+                  <a:schemeClr val="tx1"/>
+                </a:solidFill>
+                <a:latin typeface="1훈새마을운동 R" panose="02020603020101020101" pitchFamily="18" charset="-127"/>
+                <a:ea typeface="1훈새마을운동 R" panose="02020603020101020101" pitchFamily="18" charset="-127"/>
+              </a:rPr>
+              <a:t>: select * from</a:t>
+            </a:r>
+            <a:r>
+              <a:rPr lang="ko-KR" altLang="en-US">
+                <a:solidFill>
+                  <a:schemeClr val="tx1"/>
+                </a:solidFill>
+                <a:latin typeface="1훈새마을운동 R" panose="02020603020101020101" pitchFamily="18" charset="-127"/>
+                <a:ea typeface="1훈새마을운동 R" panose="02020603020101020101" pitchFamily="18" charset="-127"/>
+              </a:rPr>
+              <a:t> </a:t>
+            </a:r>
+            <a:r>
+              <a:rPr lang="ko-KR" altLang="en-US" smtClean="0">
+                <a:solidFill>
+                  <a:schemeClr val="tx1"/>
+                </a:solidFill>
+                <a:latin typeface="1훈새마을운동 R" panose="02020603020101020101" pitchFamily="18" charset="-127"/>
+                <a:ea typeface="1훈새마을운동 R" panose="02020603020101020101" pitchFamily="18" charset="-127"/>
+              </a:rPr>
+              <a:t>테이블명 </a:t>
+            </a:r>
+            <a:r>
+              <a:rPr lang="en-US" altLang="ko-KR" smtClean="0">
+                <a:solidFill>
+                  <a:schemeClr val="tx1"/>
+                </a:solidFill>
+                <a:latin typeface="1훈새마을운동 R" panose="02020603020101020101" pitchFamily="18" charset="-127"/>
+                <a:ea typeface="1훈새마을운동 R" panose="02020603020101020101" pitchFamily="18" charset="-127"/>
+              </a:rPr>
+              <a:t>where </a:t>
+            </a:r>
+            <a:r>
+              <a:rPr lang="ko-KR" altLang="en-US" smtClean="0">
+                <a:solidFill>
+                  <a:schemeClr val="tx1"/>
+                </a:solidFill>
+                <a:latin typeface="1훈새마을운동 R" panose="02020603020101020101" pitchFamily="18" charset="-127"/>
+                <a:ea typeface="1훈새마을운동 R" panose="02020603020101020101" pitchFamily="18" charset="-127"/>
+              </a:rPr>
+              <a:t>조건 </a:t>
+            </a:r>
+            <a:endParaRPr lang="en-US" altLang="ko-KR" smtClean="0">
+              <a:solidFill>
+                <a:schemeClr val="tx1"/>
+              </a:solidFill>
+              <a:latin typeface="1훈새마을운동 R" panose="02020603020101020101" pitchFamily="18" charset="-127"/>
+              <a:ea typeface="1훈새마을운동 R" panose="02020603020101020101" pitchFamily="18" charset="-127"/>
+            </a:endParaRPr>
+          </a:p>
+          <a:p>
+            <a:r>
+              <a:rPr lang="en-US" altLang="ko-KR">
+                <a:solidFill>
+                  <a:schemeClr val="tx1"/>
+                </a:solidFill>
+                <a:latin typeface="1훈새마을운동 R" panose="02020603020101020101" pitchFamily="18" charset="-127"/>
+                <a:ea typeface="1훈새마을운동 R" panose="02020603020101020101" pitchFamily="18" charset="-127"/>
+              </a:rPr>
+              <a:t>	</a:t>
+            </a:r>
+            <a:r>
+              <a:rPr lang="en-US" altLang="ko-KR" smtClean="0">
+                <a:solidFill>
+                  <a:schemeClr val="tx1"/>
+                </a:solidFill>
+                <a:latin typeface="1훈새마을운동 R" panose="02020603020101020101" pitchFamily="18" charset="-127"/>
+                <a:ea typeface="1훈새마을운동 R" panose="02020603020101020101" pitchFamily="18" charset="-127"/>
+              </a:rPr>
+              <a:t>		* </a:t>
+            </a:r>
+            <a:r>
+              <a:rPr lang="ko-KR" altLang="en-US" smtClean="0">
+                <a:solidFill>
+                  <a:schemeClr val="tx1"/>
+                </a:solidFill>
+                <a:latin typeface="1훈새마을운동 R" panose="02020603020101020101" pitchFamily="18" charset="-127"/>
+                <a:ea typeface="1훈새마을운동 R" panose="02020603020101020101" pitchFamily="18" charset="-127"/>
+              </a:rPr>
+              <a:t>모든필드 검색시 </a:t>
+            </a:r>
+            <a:r>
+              <a:rPr lang="en-US" altLang="ko-KR" smtClean="0">
+                <a:solidFill>
+                  <a:schemeClr val="tx1"/>
+                </a:solidFill>
+                <a:latin typeface="1훈새마을운동 R" panose="02020603020101020101" pitchFamily="18" charset="-127"/>
+                <a:ea typeface="1훈새마을운동 R" panose="02020603020101020101" pitchFamily="18" charset="-127"/>
+              </a:rPr>
+              <a:t>: *( </a:t>
+            </a:r>
+            <a:r>
+              <a:rPr lang="ko-KR" altLang="en-US" smtClean="0">
+                <a:solidFill>
+                  <a:schemeClr val="tx1"/>
+                </a:solidFill>
+                <a:latin typeface="1훈새마을운동 R" panose="02020603020101020101" pitchFamily="18" charset="-127"/>
+                <a:ea typeface="1훈새마을운동 R" panose="02020603020101020101" pitchFamily="18" charset="-127"/>
+              </a:rPr>
+              <a:t>와일드카드 </a:t>
+            </a:r>
+            <a:r>
+              <a:rPr lang="en-US" altLang="ko-KR" smtClean="0">
+                <a:solidFill>
+                  <a:schemeClr val="tx1"/>
+                </a:solidFill>
+                <a:latin typeface="1훈새마을운동 R" panose="02020603020101020101" pitchFamily="18" charset="-127"/>
+                <a:ea typeface="1훈새마을운동 R" panose="02020603020101020101" pitchFamily="18" charset="-127"/>
+              </a:rPr>
+              <a:t>)</a:t>
+            </a:r>
+          </a:p>
+          <a:p>
+            <a:endParaRPr lang="en-US" altLang="ko-KR" smtClean="0">
+              <a:solidFill>
+                <a:schemeClr val="tx1"/>
+              </a:solidFill>
+              <a:latin typeface="1훈새마을운동 R" panose="02020603020101020101" pitchFamily="18" charset="-127"/>
+              <a:ea typeface="1훈새마을운동 R" panose="02020603020101020101" pitchFamily="18" charset="-127"/>
+            </a:endParaRPr>
+          </a:p>
+          <a:p>
+            <a:r>
+              <a:rPr lang="en-US" altLang="ko-KR" smtClean="0">
+                <a:solidFill>
+                  <a:schemeClr val="tx1"/>
+                </a:solidFill>
+                <a:latin typeface="1훈새마을운동 R" panose="02020603020101020101" pitchFamily="18" charset="-127"/>
+                <a:ea typeface="1훈새마을운동 R" panose="02020603020101020101" pitchFamily="18" charset="-127"/>
+              </a:rPr>
+              <a:t>		3. </a:t>
+            </a:r>
+            <a:r>
+              <a:rPr lang="ko-KR" altLang="en-US" smtClean="0">
+                <a:solidFill>
+                  <a:schemeClr val="tx1"/>
+                </a:solidFill>
+                <a:latin typeface="1훈새마을운동 R" panose="02020603020101020101" pitchFamily="18" charset="-127"/>
+                <a:ea typeface="1훈새마을운동 R" panose="02020603020101020101" pitchFamily="18" charset="-127"/>
+              </a:rPr>
+              <a:t>삭제 </a:t>
+            </a:r>
+            <a:r>
+              <a:rPr lang="en-US" altLang="ko-KR" smtClean="0">
+                <a:solidFill>
+                  <a:schemeClr val="tx1"/>
+                </a:solidFill>
+                <a:latin typeface="1훈새마을운동 R" panose="02020603020101020101" pitchFamily="18" charset="-127"/>
+                <a:ea typeface="1훈새마을운동 R" panose="02020603020101020101" pitchFamily="18" charset="-127"/>
+              </a:rPr>
+              <a:t>: delete from </a:t>
+            </a:r>
+            <a:r>
+              <a:rPr lang="ko-KR" altLang="en-US" smtClean="0">
+                <a:solidFill>
+                  <a:schemeClr val="tx1"/>
+                </a:solidFill>
+                <a:latin typeface="1훈새마을운동 R" panose="02020603020101020101" pitchFamily="18" charset="-127"/>
+                <a:ea typeface="1훈새마을운동 R" panose="02020603020101020101" pitchFamily="18" charset="-127"/>
+              </a:rPr>
+              <a:t>테이블명 </a:t>
+            </a:r>
+            <a:r>
+              <a:rPr lang="en-US" altLang="ko-KR" smtClean="0">
+                <a:solidFill>
+                  <a:schemeClr val="tx1"/>
+                </a:solidFill>
+                <a:latin typeface="1훈새마을운동 R" panose="02020603020101020101" pitchFamily="18" charset="-127"/>
+                <a:ea typeface="1훈새마을운동 R" panose="02020603020101020101" pitchFamily="18" charset="-127"/>
+              </a:rPr>
+              <a:t>where</a:t>
+            </a:r>
+            <a:r>
+              <a:rPr lang="ko-KR" altLang="en-US">
+                <a:solidFill>
+                  <a:schemeClr val="tx1"/>
+                </a:solidFill>
+                <a:latin typeface="1훈새마을운동 R" panose="02020603020101020101" pitchFamily="18" charset="-127"/>
+                <a:ea typeface="1훈새마을운동 R" panose="02020603020101020101" pitchFamily="18" charset="-127"/>
+              </a:rPr>
+              <a:t> </a:t>
+            </a:r>
+            <a:r>
+              <a:rPr lang="ko-KR" altLang="en-US" smtClean="0">
+                <a:solidFill>
+                  <a:schemeClr val="tx1"/>
+                </a:solidFill>
+                <a:latin typeface="1훈새마을운동 R" panose="02020603020101020101" pitchFamily="18" charset="-127"/>
+                <a:ea typeface="1훈새마을운동 R" panose="02020603020101020101" pitchFamily="18" charset="-127"/>
+              </a:rPr>
+              <a:t>조건 </a:t>
+            </a:r>
+            <a:endParaRPr lang="en-US" altLang="ko-KR" smtClean="0">
+              <a:solidFill>
+                <a:schemeClr val="tx1"/>
+              </a:solidFill>
+              <a:latin typeface="1훈새마을운동 R" panose="02020603020101020101" pitchFamily="18" charset="-127"/>
+              <a:ea typeface="1훈새마을운동 R" panose="02020603020101020101" pitchFamily="18" charset="-127"/>
+            </a:endParaRPr>
+          </a:p>
+          <a:p>
+            <a:r>
+              <a:rPr lang="en-US" altLang="ko-KR" smtClean="0">
+                <a:solidFill>
+                  <a:schemeClr val="tx1"/>
+                </a:solidFill>
+                <a:latin typeface="1훈새마을운동 R" panose="02020603020101020101" pitchFamily="18" charset="-127"/>
+                <a:ea typeface="1훈새마을운동 R" panose="02020603020101020101" pitchFamily="18" charset="-127"/>
+              </a:rPr>
+              <a:t>			</a:t>
+            </a:r>
+          </a:p>
+          <a:p>
+            <a:r>
+              <a:rPr lang="en-US" altLang="ko-KR" smtClean="0">
+                <a:solidFill>
+                  <a:schemeClr val="tx1"/>
+                </a:solidFill>
+                <a:latin typeface="1훈새마을운동 R" panose="02020603020101020101" pitchFamily="18" charset="-127"/>
+                <a:ea typeface="1훈새마을운동 R" panose="02020603020101020101" pitchFamily="18" charset="-127"/>
+              </a:rPr>
+              <a:t>		4. </a:t>
+            </a:r>
+            <a:r>
+              <a:rPr lang="ko-KR" altLang="en-US" smtClean="0">
+                <a:solidFill>
+                  <a:schemeClr val="tx1"/>
+                </a:solidFill>
+                <a:latin typeface="1훈새마을운동 R" panose="02020603020101020101" pitchFamily="18" charset="-127"/>
+                <a:ea typeface="1훈새마을운동 R" panose="02020603020101020101" pitchFamily="18" charset="-127"/>
+              </a:rPr>
+              <a:t>수정 </a:t>
+            </a:r>
+            <a:r>
+              <a:rPr lang="en-US" altLang="ko-KR" smtClean="0">
+                <a:solidFill>
+                  <a:schemeClr val="tx1"/>
+                </a:solidFill>
+                <a:latin typeface="1훈새마을운동 R" panose="02020603020101020101" pitchFamily="18" charset="-127"/>
+                <a:ea typeface="1훈새마을운동 R" panose="02020603020101020101" pitchFamily="18" charset="-127"/>
+              </a:rPr>
+              <a:t>: update </a:t>
+            </a:r>
+            <a:r>
+              <a:rPr lang="ko-KR" altLang="en-US" smtClean="0">
+                <a:solidFill>
+                  <a:schemeClr val="tx1"/>
+                </a:solidFill>
+                <a:latin typeface="1훈새마을운동 R" panose="02020603020101020101" pitchFamily="18" charset="-127"/>
+                <a:ea typeface="1훈새마을운동 R" panose="02020603020101020101" pitchFamily="18" charset="-127"/>
+              </a:rPr>
+              <a:t>테이블명 </a:t>
+            </a:r>
+            <a:r>
+              <a:rPr lang="en-US" altLang="ko-KR" smtClean="0">
+                <a:solidFill>
+                  <a:schemeClr val="tx1"/>
+                </a:solidFill>
+                <a:latin typeface="1훈새마을운동 R" panose="02020603020101020101" pitchFamily="18" charset="-127"/>
+                <a:ea typeface="1훈새마을운동 R" panose="02020603020101020101" pitchFamily="18" charset="-127"/>
+              </a:rPr>
+              <a:t>set </a:t>
+            </a:r>
+            <a:r>
+              <a:rPr lang="ko-KR" altLang="en-US" smtClean="0">
+                <a:solidFill>
+                  <a:schemeClr val="tx1"/>
+                </a:solidFill>
+                <a:latin typeface="1훈새마을운동 R" panose="02020603020101020101" pitchFamily="18" charset="-127"/>
+                <a:ea typeface="1훈새마을운동 R" panose="02020603020101020101" pitchFamily="18" charset="-127"/>
+              </a:rPr>
+              <a:t>변경필드 </a:t>
+            </a:r>
+            <a:r>
+              <a:rPr lang="en-US" altLang="ko-KR" smtClean="0">
+                <a:solidFill>
+                  <a:schemeClr val="tx1"/>
+                </a:solidFill>
+                <a:latin typeface="1훈새마을운동 R" panose="02020603020101020101" pitchFamily="18" charset="-127"/>
+                <a:ea typeface="1훈새마을운동 R" panose="02020603020101020101" pitchFamily="18" charset="-127"/>
+              </a:rPr>
+              <a:t>= </a:t>
+            </a:r>
+            <a:r>
+              <a:rPr lang="ko-KR" altLang="en-US" smtClean="0">
+                <a:solidFill>
+                  <a:schemeClr val="tx1"/>
+                </a:solidFill>
+                <a:latin typeface="1훈새마을운동 R" panose="02020603020101020101" pitchFamily="18" charset="-127"/>
+                <a:ea typeface="1훈새마을운동 R" panose="02020603020101020101" pitchFamily="18" charset="-127"/>
+              </a:rPr>
+              <a:t>값 </a:t>
+            </a:r>
+            <a:r>
+              <a:rPr lang="en-US" altLang="ko-KR" smtClean="0">
+                <a:solidFill>
+                  <a:schemeClr val="tx1"/>
+                </a:solidFill>
+                <a:latin typeface="1훈새마을운동 R" panose="02020603020101020101" pitchFamily="18" charset="-127"/>
+                <a:ea typeface="1훈새마을운동 R" panose="02020603020101020101" pitchFamily="18" charset="-127"/>
+              </a:rPr>
+              <a:t>, </a:t>
+            </a:r>
+            <a:r>
+              <a:rPr lang="ko-KR" altLang="en-US" smtClean="0">
+                <a:solidFill>
+                  <a:schemeClr val="tx1"/>
+                </a:solidFill>
+                <a:latin typeface="1훈새마을운동 R" panose="02020603020101020101" pitchFamily="18" charset="-127"/>
+                <a:ea typeface="1훈새마을운동 R" panose="02020603020101020101" pitchFamily="18" charset="-127"/>
+              </a:rPr>
+              <a:t>변경필드</a:t>
+            </a:r>
+            <a:r>
+              <a:rPr lang="en-US" altLang="ko-KR" smtClean="0">
+                <a:solidFill>
+                  <a:schemeClr val="tx1"/>
+                </a:solidFill>
+                <a:latin typeface="1훈새마을운동 R" panose="02020603020101020101" pitchFamily="18" charset="-127"/>
+                <a:ea typeface="1훈새마을운동 R" panose="02020603020101020101" pitchFamily="18" charset="-127"/>
+              </a:rPr>
+              <a:t>2</a:t>
+            </a:r>
+            <a:r>
+              <a:rPr lang="ko-KR" altLang="en-US" smtClean="0">
+                <a:solidFill>
+                  <a:schemeClr val="tx1"/>
+                </a:solidFill>
+                <a:latin typeface="1훈새마을운동 R" panose="02020603020101020101" pitchFamily="18" charset="-127"/>
+                <a:ea typeface="1훈새마을운동 R" panose="02020603020101020101" pitchFamily="18" charset="-127"/>
+              </a:rPr>
+              <a:t> </a:t>
+            </a:r>
+            <a:r>
+              <a:rPr lang="en-US" altLang="ko-KR" smtClean="0">
+                <a:solidFill>
+                  <a:schemeClr val="tx1"/>
+                </a:solidFill>
+                <a:latin typeface="1훈새마을운동 R" panose="02020603020101020101" pitchFamily="18" charset="-127"/>
+                <a:ea typeface="1훈새마을운동 R" panose="02020603020101020101" pitchFamily="18" charset="-127"/>
+              </a:rPr>
+              <a:t>= </a:t>
+            </a:r>
+            <a:r>
+              <a:rPr lang="ko-KR" altLang="en-US" smtClean="0">
+                <a:solidFill>
+                  <a:schemeClr val="tx1"/>
+                </a:solidFill>
+                <a:latin typeface="1훈새마을운동 R" panose="02020603020101020101" pitchFamily="18" charset="-127"/>
+                <a:ea typeface="1훈새마을운동 R" panose="02020603020101020101" pitchFamily="18" charset="-127"/>
+              </a:rPr>
+              <a:t>값</a:t>
+            </a:r>
+            <a:r>
+              <a:rPr lang="en-US" altLang="ko-KR" smtClean="0">
+                <a:solidFill>
+                  <a:schemeClr val="tx1"/>
+                </a:solidFill>
+                <a:latin typeface="1훈새마을운동 R" panose="02020603020101020101" pitchFamily="18" charset="-127"/>
+                <a:ea typeface="1훈새마을운동 R" panose="02020603020101020101" pitchFamily="18" charset="-127"/>
+              </a:rPr>
+              <a:t>2 where </a:t>
+            </a:r>
+            <a:r>
+              <a:rPr lang="ko-KR" altLang="en-US" smtClean="0">
+                <a:solidFill>
+                  <a:schemeClr val="tx1"/>
+                </a:solidFill>
+                <a:latin typeface="1훈새마을운동 R" panose="02020603020101020101" pitchFamily="18" charset="-127"/>
+                <a:ea typeface="1훈새마을운동 R" panose="02020603020101020101" pitchFamily="18" charset="-127"/>
+              </a:rPr>
+              <a:t>조건</a:t>
+            </a:r>
+            <a:endParaRPr lang="en-US" altLang="ko-KR" smtClean="0">
+              <a:solidFill>
+                <a:schemeClr val="tx1"/>
+              </a:solidFill>
+              <a:latin typeface="1훈새마을운동 R" panose="02020603020101020101" pitchFamily="18" charset="-127"/>
+              <a:ea typeface="1훈새마을운동 R" panose="02020603020101020101" pitchFamily="18" charset="-127"/>
+            </a:endParaRPr>
+          </a:p>
+          <a:p>
+            <a:endParaRPr lang="en-US" altLang="ko-KR">
+              <a:solidFill>
+                <a:schemeClr val="tx1"/>
+              </a:solidFill>
+              <a:latin typeface="1훈새마을운동 R" panose="02020603020101020101" pitchFamily="18" charset="-127"/>
+              <a:ea typeface="1훈새마을운동 R" panose="02020603020101020101" pitchFamily="18" charset="-127"/>
+            </a:endParaRPr>
+          </a:p>
+          <a:p>
+            <a:r>
+              <a:rPr lang="en-US" altLang="ko-KR" smtClean="0">
+                <a:solidFill>
+                  <a:schemeClr val="tx1"/>
+                </a:solidFill>
+                <a:latin typeface="1훈새마을운동 R" panose="02020603020101020101" pitchFamily="18" charset="-127"/>
+                <a:ea typeface="1훈새마을운동 R" panose="02020603020101020101" pitchFamily="18" charset="-127"/>
+              </a:rPr>
+              <a:t>		* </a:t>
+            </a:r>
+            <a:r>
+              <a:rPr lang="ko-KR" altLang="en-US" smtClean="0">
+                <a:solidFill>
+                  <a:schemeClr val="tx1"/>
+                </a:solidFill>
+                <a:latin typeface="1훈새마을운동 R" panose="02020603020101020101" pitchFamily="18" charset="-127"/>
+                <a:ea typeface="1훈새마을운동 R" panose="02020603020101020101" pitchFamily="18" charset="-127"/>
+              </a:rPr>
+              <a:t>키워드 </a:t>
+            </a:r>
+            <a:endParaRPr lang="en-US" altLang="ko-KR" smtClean="0">
+              <a:solidFill>
+                <a:schemeClr val="tx1"/>
+              </a:solidFill>
+              <a:latin typeface="1훈새마을운동 R" panose="02020603020101020101" pitchFamily="18" charset="-127"/>
+              <a:ea typeface="1훈새마을운동 R" panose="02020603020101020101" pitchFamily="18" charset="-127"/>
+            </a:endParaRPr>
+          </a:p>
+          <a:p>
+            <a:r>
+              <a:rPr lang="en-US" altLang="ko-KR">
+                <a:solidFill>
+                  <a:schemeClr val="tx1"/>
+                </a:solidFill>
+                <a:latin typeface="1훈새마을운동 R" panose="02020603020101020101" pitchFamily="18" charset="-127"/>
+                <a:ea typeface="1훈새마을운동 R" panose="02020603020101020101" pitchFamily="18" charset="-127"/>
+              </a:rPr>
+              <a:t>	</a:t>
+            </a:r>
+            <a:r>
+              <a:rPr lang="en-US" altLang="ko-KR" smtClean="0">
+                <a:solidFill>
+                  <a:schemeClr val="tx1"/>
+                </a:solidFill>
+                <a:latin typeface="1훈새마을운동 R" panose="02020603020101020101" pitchFamily="18" charset="-127"/>
+                <a:ea typeface="1훈새마을운동 R" panose="02020603020101020101" pitchFamily="18" charset="-127"/>
+              </a:rPr>
+              <a:t>		1. where : </a:t>
+            </a:r>
+            <a:r>
+              <a:rPr lang="ko-KR" altLang="en-US" smtClean="0">
+                <a:solidFill>
+                  <a:schemeClr val="tx1"/>
+                </a:solidFill>
+                <a:latin typeface="1훈새마을운동 R" panose="02020603020101020101" pitchFamily="18" charset="-127"/>
+                <a:ea typeface="1훈새마을운동 R" panose="02020603020101020101" pitchFamily="18" charset="-127"/>
+              </a:rPr>
+              <a:t>조건 </a:t>
+            </a:r>
+            <a:endParaRPr lang="en-US" altLang="ko-KR" smtClean="0">
+              <a:solidFill>
+                <a:schemeClr val="tx1"/>
+              </a:solidFill>
+              <a:latin typeface="1훈새마을운동 R" panose="02020603020101020101" pitchFamily="18" charset="-127"/>
+              <a:ea typeface="1훈새마을운동 R" panose="02020603020101020101" pitchFamily="18" charset="-127"/>
+            </a:endParaRPr>
+          </a:p>
+          <a:p>
+            <a:r>
+              <a:rPr lang="en-US" altLang="ko-KR">
+                <a:solidFill>
+                  <a:schemeClr val="tx1"/>
+                </a:solidFill>
+                <a:latin typeface="1훈새마을운동 R" panose="02020603020101020101" pitchFamily="18" charset="-127"/>
+                <a:ea typeface="1훈새마을운동 R" panose="02020603020101020101" pitchFamily="18" charset="-127"/>
+              </a:rPr>
+              <a:t>	</a:t>
+            </a:r>
+            <a:r>
+              <a:rPr lang="en-US" altLang="ko-KR" smtClean="0">
+                <a:solidFill>
+                  <a:schemeClr val="tx1"/>
+                </a:solidFill>
+                <a:latin typeface="1훈새마을운동 R" panose="02020603020101020101" pitchFamily="18" charset="-127"/>
+                <a:ea typeface="1훈새마을운동 R" panose="02020603020101020101" pitchFamily="18" charset="-127"/>
+              </a:rPr>
+              <a:t>			1. and : </a:t>
+            </a:r>
+            <a:r>
+              <a:rPr lang="ko-KR" altLang="en-US" smtClean="0">
+                <a:solidFill>
+                  <a:schemeClr val="tx1"/>
+                </a:solidFill>
+                <a:latin typeface="1훈새마을운동 R" panose="02020603020101020101" pitchFamily="18" charset="-127"/>
+                <a:ea typeface="1훈새마을운동 R" panose="02020603020101020101" pitchFamily="18" charset="-127"/>
+              </a:rPr>
+              <a:t>이면서 면서 이고 모두 그리고 </a:t>
+            </a:r>
+            <a:endParaRPr lang="en-US" altLang="ko-KR" smtClean="0">
+              <a:solidFill>
+                <a:schemeClr val="tx1"/>
+              </a:solidFill>
+              <a:latin typeface="1훈새마을운동 R" panose="02020603020101020101" pitchFamily="18" charset="-127"/>
+              <a:ea typeface="1훈새마을운동 R" panose="02020603020101020101" pitchFamily="18" charset="-127"/>
+            </a:endParaRPr>
+          </a:p>
+          <a:p>
+            <a:r>
+              <a:rPr lang="en-US" altLang="ko-KR">
+                <a:solidFill>
+                  <a:schemeClr val="tx1"/>
+                </a:solidFill>
+                <a:latin typeface="1훈새마을운동 R" panose="02020603020101020101" pitchFamily="18" charset="-127"/>
+                <a:ea typeface="1훈새마을운동 R" panose="02020603020101020101" pitchFamily="18" charset="-127"/>
+              </a:rPr>
+              <a:t>	</a:t>
+            </a:r>
+            <a:r>
+              <a:rPr lang="en-US" altLang="ko-KR" smtClean="0">
+                <a:solidFill>
+                  <a:schemeClr val="tx1"/>
+                </a:solidFill>
+                <a:latin typeface="1훈새마을운동 R" panose="02020603020101020101" pitchFamily="18" charset="-127"/>
+                <a:ea typeface="1훈새마을운동 R" panose="02020603020101020101" pitchFamily="18" charset="-127"/>
+              </a:rPr>
+              <a:t>			2. or : </a:t>
+            </a:r>
+            <a:r>
+              <a:rPr lang="ko-KR" altLang="en-US" smtClean="0">
+                <a:solidFill>
+                  <a:schemeClr val="tx1"/>
+                </a:solidFill>
+                <a:latin typeface="1훈새마을운동 R" panose="02020603020101020101" pitchFamily="18" charset="-127"/>
+                <a:ea typeface="1훈새마을운동 R" panose="02020603020101020101" pitchFamily="18" charset="-127"/>
+              </a:rPr>
+              <a:t>이거나 거나 하나라도</a:t>
+            </a:r>
+            <a:r>
+              <a:rPr lang="en-US" altLang="ko-KR" smtClean="0">
+                <a:solidFill>
+                  <a:schemeClr val="tx1"/>
+                </a:solidFill>
+                <a:latin typeface="1훈새마을운동 R" panose="02020603020101020101" pitchFamily="18" charset="-127"/>
+                <a:ea typeface="1훈새마을운동 R" panose="02020603020101020101" pitchFamily="18" charset="-127"/>
+              </a:rPr>
+              <a:t>	</a:t>
+            </a:r>
+          </a:p>
+          <a:p>
+            <a:r>
+              <a:rPr lang="en-US" altLang="ko-KR" smtClean="0">
+                <a:solidFill>
+                  <a:schemeClr val="tx1"/>
+                </a:solidFill>
+                <a:latin typeface="1훈새마을운동 R" panose="02020603020101020101" pitchFamily="18" charset="-127"/>
+                <a:ea typeface="1훈새마을운동 R" panose="02020603020101020101" pitchFamily="18" charset="-127"/>
+              </a:rPr>
+              <a:t>	</a:t>
+            </a:r>
+          </a:p>
+        </p:txBody>
+      </p:sp>
+    </p:spTree>
+    <p:extLst>
+      <p:ext uri="{BB962C8B-B14F-4D97-AF65-F5344CB8AC3E}">
+        <p14:creationId xmlns:p14="http://schemas.microsoft.com/office/powerpoint/2010/main" val="2089074472"/>
       </p:ext>
     </p:extLst>
   </p:cSld>

--- a/java1/src/정리함/JAVA정리.pptx
+++ b/java1/src/정리함/JAVA정리.pptx
@@ -5,7 +5,7 @@
     <p:sldMasterId id="2147483648" r:id="rId1"/>
   </p:sldMasterIdLst>
   <p:notesMasterIdLst>
-    <p:notesMasterId r:id="rId51"/>
+    <p:notesMasterId r:id="rId53"/>
   </p:notesMasterIdLst>
   <p:sldIdLst>
     <p:sldId id="275" r:id="rId2"/>
@@ -57,6 +57,8 @@
     <p:sldId id="299" r:id="rId48"/>
     <p:sldId id="306" r:id="rId49"/>
     <p:sldId id="307" r:id="rId50"/>
+    <p:sldId id="310" r:id="rId51"/>
+    <p:sldId id="311" r:id="rId52"/>
   </p:sldIdLst>
   <p:sldSz cx="9906000" cy="6858000" type="A4"/>
   <p:notesSz cx="6858000" cy="9144000"/>
@@ -240,7 +242,7 @@
           <a:p>
             <a:fld id="{6B9FE7A6-2D33-4782-874A-A2DEBAC3A7CB}" type="datetimeFigureOut">
               <a:rPr lang="ko-KR" altLang="en-US" smtClean="0"/>
-              <a:t>2021-11-05</a:t>
+              <a:t>2021-11-08</a:t>
             </a:fld>
             <a:endParaRPr lang="ko-KR" altLang="en-US"/>
           </a:p>
@@ -773,7 +775,7 @@
           <a:p>
             <a:fld id="{83921F6A-BA09-41D7-82B2-313B2D910A95}" type="datetimeFigureOut">
               <a:rPr lang="ko-KR" altLang="en-US" smtClean="0"/>
-              <a:t>2021-11-05</a:t>
+              <a:t>2021-11-08</a:t>
             </a:fld>
             <a:endParaRPr lang="ko-KR" altLang="en-US"/>
           </a:p>
@@ -943,7 +945,7 @@
           <a:p>
             <a:fld id="{83921F6A-BA09-41D7-82B2-313B2D910A95}" type="datetimeFigureOut">
               <a:rPr lang="ko-KR" altLang="en-US" smtClean="0"/>
-              <a:t>2021-11-05</a:t>
+              <a:t>2021-11-08</a:t>
             </a:fld>
             <a:endParaRPr lang="ko-KR" altLang="en-US"/>
           </a:p>
@@ -1123,7 +1125,7 @@
           <a:p>
             <a:fld id="{83921F6A-BA09-41D7-82B2-313B2D910A95}" type="datetimeFigureOut">
               <a:rPr lang="ko-KR" altLang="en-US" smtClean="0"/>
-              <a:t>2021-11-05</a:t>
+              <a:t>2021-11-08</a:t>
             </a:fld>
             <a:endParaRPr lang="ko-KR" altLang="en-US"/>
           </a:p>
@@ -1293,7 +1295,7 @@
           <a:p>
             <a:fld id="{83921F6A-BA09-41D7-82B2-313B2D910A95}" type="datetimeFigureOut">
               <a:rPr lang="ko-KR" altLang="en-US" smtClean="0"/>
-              <a:t>2021-11-05</a:t>
+              <a:t>2021-11-08</a:t>
             </a:fld>
             <a:endParaRPr lang="ko-KR" altLang="en-US"/>
           </a:p>
@@ -1539,7 +1541,7 @@
           <a:p>
             <a:fld id="{83921F6A-BA09-41D7-82B2-313B2D910A95}" type="datetimeFigureOut">
               <a:rPr lang="ko-KR" altLang="en-US" smtClean="0"/>
-              <a:t>2021-11-05</a:t>
+              <a:t>2021-11-08</a:t>
             </a:fld>
             <a:endParaRPr lang="ko-KR" altLang="en-US"/>
           </a:p>
@@ -1827,7 +1829,7 @@
           <a:p>
             <a:fld id="{83921F6A-BA09-41D7-82B2-313B2D910A95}" type="datetimeFigureOut">
               <a:rPr lang="ko-KR" altLang="en-US" smtClean="0"/>
-              <a:t>2021-11-05</a:t>
+              <a:t>2021-11-08</a:t>
             </a:fld>
             <a:endParaRPr lang="ko-KR" altLang="en-US"/>
           </a:p>
@@ -2254,7 +2256,7 @@
           <a:p>
             <a:fld id="{83921F6A-BA09-41D7-82B2-313B2D910A95}" type="datetimeFigureOut">
               <a:rPr lang="ko-KR" altLang="en-US" smtClean="0"/>
-              <a:t>2021-11-05</a:t>
+              <a:t>2021-11-08</a:t>
             </a:fld>
             <a:endParaRPr lang="ko-KR" altLang="en-US"/>
           </a:p>
@@ -2372,7 +2374,7 @@
           <a:p>
             <a:fld id="{83921F6A-BA09-41D7-82B2-313B2D910A95}" type="datetimeFigureOut">
               <a:rPr lang="ko-KR" altLang="en-US" smtClean="0"/>
-              <a:t>2021-11-05</a:t>
+              <a:t>2021-11-08</a:t>
             </a:fld>
             <a:endParaRPr lang="ko-KR" altLang="en-US"/>
           </a:p>
@@ -2467,7 +2469,7 @@
           <a:p>
             <a:fld id="{83921F6A-BA09-41D7-82B2-313B2D910A95}" type="datetimeFigureOut">
               <a:rPr lang="ko-KR" altLang="en-US" smtClean="0"/>
-              <a:t>2021-11-05</a:t>
+              <a:t>2021-11-08</a:t>
             </a:fld>
             <a:endParaRPr lang="ko-KR" altLang="en-US"/>
           </a:p>
@@ -2744,7 +2746,7 @@
           <a:p>
             <a:fld id="{83921F6A-BA09-41D7-82B2-313B2D910A95}" type="datetimeFigureOut">
               <a:rPr lang="ko-KR" altLang="en-US" smtClean="0"/>
-              <a:t>2021-11-05</a:t>
+              <a:t>2021-11-08</a:t>
             </a:fld>
             <a:endParaRPr lang="ko-KR" altLang="en-US"/>
           </a:p>
@@ -2997,7 +2999,7 @@
           <a:p>
             <a:fld id="{83921F6A-BA09-41D7-82B2-313B2D910A95}" type="datetimeFigureOut">
               <a:rPr lang="ko-KR" altLang="en-US" smtClean="0"/>
-              <a:t>2021-11-05</a:t>
+              <a:t>2021-11-08</a:t>
             </a:fld>
             <a:endParaRPr lang="ko-KR" altLang="en-US"/>
           </a:p>
@@ -3210,7 +3212,7 @@
           <a:p>
             <a:fld id="{83921F6A-BA09-41D7-82B2-313B2D910A95}" type="datetimeFigureOut">
               <a:rPr lang="ko-KR" altLang="en-US" smtClean="0"/>
-              <a:t>2021-11-05</a:t>
+              <a:t>2021-11-08</a:t>
             </a:fld>
             <a:endParaRPr lang="ko-KR" altLang="en-US"/>
           </a:p>
@@ -31752,17 +31754,7 @@
                 <a:latin typeface="1훈새마을운동 R" panose="02020603020101020101" pitchFamily="18" charset="-127"/>
                 <a:ea typeface="1훈새마을운동 R" panose="02020603020101020101" pitchFamily="18" charset="-127"/>
               </a:rPr>
-              <a:t>*</a:t>
-            </a:r>
-            <a:r>
-              <a:rPr lang="en-US" altLang="ko-KR" smtClean="0">
-                <a:solidFill>
-                  <a:schemeClr val="tx1"/>
-                </a:solidFill>
-                <a:latin typeface="1훈새마을운동 R" panose="02020603020101020101" pitchFamily="18" charset="-127"/>
-                <a:ea typeface="1훈새마을운동 R" panose="02020603020101020101" pitchFamily="18" charset="-127"/>
-              </a:rPr>
-              <a:t>Javafx </a:t>
+              <a:t>*Javafx </a:t>
             </a:r>
             <a:r>
               <a:rPr lang="ko-KR" altLang="en-US" smtClean="0">
@@ -32478,14 +32470,7 @@
                 <a:latin typeface="1훈새마을운동 R" panose="02020603020101020101" pitchFamily="18" charset="-127"/>
                 <a:ea typeface="1훈새마을운동 R" panose="02020603020101020101" pitchFamily="18" charset="-127"/>
               </a:rPr>
-              <a:t>다른 </a:t>
-            </a:r>
-            <a:r>
-              <a:rPr lang="ko-KR" altLang="en-US" smtClean="0">
-                <a:latin typeface="1훈새마을운동 R" panose="02020603020101020101" pitchFamily="18" charset="-127"/>
-                <a:ea typeface="1훈새마을운동 R" panose="02020603020101020101" pitchFamily="18" charset="-127"/>
-              </a:rPr>
-              <a:t>클래</a:t>
+              <a:t>다른 클래</a:t>
             </a:r>
             <a:r>
               <a:rPr lang="ko-KR" altLang="en-US">
@@ -32499,21 +32484,7 @@
                 <a:latin typeface="1훈새마을운동 R" panose="02020603020101020101" pitchFamily="18" charset="-127"/>
                 <a:ea typeface="1훈새마을운동 R" panose="02020603020101020101" pitchFamily="18" charset="-127"/>
               </a:rPr>
-              <a:t>에서 </a:t>
-            </a:r>
-            <a:r>
-              <a:rPr lang="ko-KR" altLang="en-US" smtClean="0">
-                <a:latin typeface="1훈새마을운동 R" panose="02020603020101020101" pitchFamily="18" charset="-127"/>
-                <a:ea typeface="1훈새마을운동 R" panose="02020603020101020101" pitchFamily="18" charset="-127"/>
-              </a:rPr>
-              <a:t>로드페이지 메소드 </a:t>
-            </a:r>
-            <a:r>
-              <a:rPr lang="ko-KR" altLang="en-US" smtClean="0">
-                <a:latin typeface="1훈새마을운동 R" panose="02020603020101020101" pitchFamily="18" charset="-127"/>
-                <a:ea typeface="1훈새마을운동 R" panose="02020603020101020101" pitchFamily="18" charset="-127"/>
-              </a:rPr>
-              <a:t>호출하기 위한 객체화 </a:t>
+              <a:t>에서 로드페이지 메소드 호출하기 위한 객체화 </a:t>
             </a:r>
             <a:endParaRPr lang="en-US" altLang="ko-KR" smtClean="0">
               <a:latin typeface="1훈새마을운동 R" panose="02020603020101020101" pitchFamily="18" charset="-127"/>
@@ -32778,14 +32749,7 @@
                 <a:latin typeface="1훈새마을운동 R" panose="02020603020101020101" pitchFamily="18" charset="-127"/>
                 <a:ea typeface="1훈새마을운동 R" panose="02020603020101020101" pitchFamily="18" charset="-127"/>
               </a:rPr>
-              <a:t>다른 </a:t>
-            </a:r>
-            <a:r>
-              <a:rPr lang="ko-KR" altLang="en-US" smtClean="0">
-                <a:latin typeface="1훈새마을운동 R" panose="02020603020101020101" pitchFamily="18" charset="-127"/>
-                <a:ea typeface="1훈새마을운동 R" panose="02020603020101020101" pitchFamily="18" charset="-127"/>
-              </a:rPr>
-              <a:t>클래</a:t>
+              <a:t>다른 클래</a:t>
             </a:r>
             <a:r>
               <a:rPr lang="ko-KR" altLang="en-US">
@@ -32799,14 +32763,7 @@
                 <a:latin typeface="1훈새마을운동 R" panose="02020603020101020101" pitchFamily="18" charset="-127"/>
                 <a:ea typeface="1훈새마을운동 R" panose="02020603020101020101" pitchFamily="18" charset="-127"/>
               </a:rPr>
-              <a:t>에서 </a:t>
-            </a:r>
-            <a:r>
-              <a:rPr lang="ko-KR" altLang="en-US" smtClean="0">
-                <a:latin typeface="1훈새마을운동 R" panose="02020603020101020101" pitchFamily="18" charset="-127"/>
-                <a:ea typeface="1훈새마을운동 R" panose="02020603020101020101" pitchFamily="18" charset="-127"/>
-              </a:rPr>
-              <a:t>메소드 호출 </a:t>
+              <a:t>에서 메소드 호출 </a:t>
             </a:r>
             <a:endParaRPr lang="en-US" altLang="ko-KR" smtClean="0">
               <a:latin typeface="1훈새마을운동 R" panose="02020603020101020101" pitchFamily="18" charset="-127"/>
@@ -33214,17 +33171,7 @@
                 <a:latin typeface="1훈새마을운동 R" panose="02020603020101020101" pitchFamily="18" charset="-127"/>
                 <a:ea typeface="1훈새마을운동 R" panose="02020603020101020101" pitchFamily="18" charset="-127"/>
               </a:rPr>
-              <a:t>	</a:t>
-            </a:r>
-            <a:r>
-              <a:rPr lang="en-US" altLang="ko-KR" sz="1500" smtClean="0">
-                <a:solidFill>
-                  <a:schemeClr val="tx1"/>
-                </a:solidFill>
-                <a:latin typeface="1훈새마을운동 R" panose="02020603020101020101" pitchFamily="18" charset="-127"/>
-                <a:ea typeface="1훈새마을운동 R" panose="02020603020101020101" pitchFamily="18" charset="-127"/>
-              </a:rPr>
-              <a:t>}</a:t>
+              <a:t>	}</a:t>
             </a:r>
           </a:p>
           <a:p>
@@ -33259,13 +33206,6 @@
               </a:rPr>
               <a:t>	}</a:t>
             </a:r>
-            <a:endParaRPr lang="en-US" altLang="ko-KR" sz="1500" smtClean="0">
-              <a:solidFill>
-                <a:schemeClr val="tx1"/>
-              </a:solidFill>
-              <a:latin typeface="1훈새마을운동 R" panose="02020603020101020101" pitchFamily="18" charset="-127"/>
-              <a:ea typeface="1훈새마을운동 R" panose="02020603020101020101" pitchFamily="18" charset="-127"/>
-            </a:endParaRPr>
           </a:p>
         </p:txBody>
       </p:sp>
@@ -42057,6 +41997,174 @@
     <p:extLst>
       <p:ext uri="{BB962C8B-B14F-4D97-AF65-F5344CB8AC3E}">
         <p14:creationId xmlns:p14="http://schemas.microsoft.com/office/powerpoint/2010/main" val="504395031"/>
+      </p:ext>
+    </p:extLst>
+  </p:cSld>
+  <p:clrMapOvr>
+    <a:masterClrMapping/>
+  </p:clrMapOvr>
+</p:sld>
+</file>
+
+<file path=ppt/slides/slide50.xml><?xml version="1.0" encoding="utf-8"?>
+<p:sld xmlns:a="http://schemas.openxmlformats.org/drawingml/2006/main" xmlns:r="http://schemas.openxmlformats.org/officeDocument/2006/relationships" xmlns:p="http://schemas.openxmlformats.org/presentationml/2006/main">
+  <p:cSld>
+    <p:spTree>
+      <p:nvGrpSpPr>
+        <p:cNvPr id="1" name=""/>
+        <p:cNvGrpSpPr/>
+        <p:nvPr/>
+      </p:nvGrpSpPr>
+      <p:grpSpPr>
+        <a:xfrm>
+          <a:off x="0" y="0"/>
+          <a:ext cx="0" cy="0"/>
+          <a:chOff x="0" y="0"/>
+          <a:chExt cx="0" cy="0"/>
+        </a:xfrm>
+      </p:grpSpPr>
+      <p:pic>
+        <p:nvPicPr>
+          <p:cNvPr id="1026" name="Picture 2"/>
+          <p:cNvPicPr>
+            <a:picLocks noChangeAspect="1" noChangeArrowheads="1"/>
+          </p:cNvPicPr>
+          <p:nvPr/>
+        </p:nvPicPr>
+        <p:blipFill>
+          <a:blip r:embed="rId2">
+            <a:extLst>
+              <a:ext uri="{28A0092B-C50C-407E-A947-70E740481C1C}">
+                <a14:useLocalDpi xmlns:a14="http://schemas.microsoft.com/office/drawing/2010/main" val="0"/>
+              </a:ext>
+            </a:extLst>
+          </a:blip>
+          <a:srcRect/>
+          <a:stretch>
+            <a:fillRect/>
+          </a:stretch>
+        </p:blipFill>
+        <p:spPr bwMode="auto">
+          <a:xfrm>
+            <a:off x="704528" y="116632"/>
+            <a:ext cx="7957517" cy="6528587"/>
+          </a:xfrm>
+          <a:prstGeom prst="rect">
+            <a:avLst/>
+          </a:prstGeom>
+          <a:noFill/>
+          <a:ln>
+            <a:noFill/>
+          </a:ln>
+          <a:extLst>
+            <a:ext uri="{909E8E84-426E-40DD-AFC4-6F175D3DCCD1}">
+              <a14:hiddenFill xmlns:a14="http://schemas.microsoft.com/office/drawing/2010/main">
+                <a:solidFill>
+                  <a:schemeClr val="accent1"/>
+                </a:solidFill>
+              </a14:hiddenFill>
+            </a:ext>
+            <a:ext uri="{91240B29-F687-4F45-9708-019B960494DF}">
+              <a14:hiddenLine xmlns:a14="http://schemas.microsoft.com/office/drawing/2010/main" w="9525">
+                <a:solidFill>
+                  <a:schemeClr val="tx1"/>
+                </a:solidFill>
+                <a:miter lim="800000"/>
+                <a:headEnd/>
+                <a:tailEnd/>
+              </a14:hiddenLine>
+            </a:ext>
+          </a:extLst>
+        </p:spPr>
+      </p:pic>
+    </p:spTree>
+    <p:extLst>
+      <p:ext uri="{BB962C8B-B14F-4D97-AF65-F5344CB8AC3E}">
+        <p14:creationId xmlns:p14="http://schemas.microsoft.com/office/powerpoint/2010/main" val="2814115850"/>
+      </p:ext>
+    </p:extLst>
+  </p:cSld>
+  <p:clrMapOvr>
+    <a:masterClrMapping/>
+  </p:clrMapOvr>
+</p:sld>
+</file>
+
+<file path=ppt/slides/slide51.xml><?xml version="1.0" encoding="utf-8"?>
+<p:sld xmlns:a="http://schemas.openxmlformats.org/drawingml/2006/main" xmlns:r="http://schemas.openxmlformats.org/officeDocument/2006/relationships" xmlns:p="http://schemas.openxmlformats.org/presentationml/2006/main">
+  <p:cSld>
+    <p:spTree>
+      <p:nvGrpSpPr>
+        <p:cNvPr id="1" name=""/>
+        <p:cNvGrpSpPr/>
+        <p:nvPr/>
+      </p:nvGrpSpPr>
+      <p:grpSpPr>
+        <a:xfrm>
+          <a:off x="0" y="0"/>
+          <a:ext cx="0" cy="0"/>
+          <a:chOff x="0" y="0"/>
+          <a:chExt cx="0" cy="0"/>
+        </a:xfrm>
+      </p:grpSpPr>
+      <p:pic>
+        <p:nvPicPr>
+          <p:cNvPr id="2050" name="Picture 2"/>
+          <p:cNvPicPr>
+            <a:picLocks noChangeAspect="1" noChangeArrowheads="1"/>
+          </p:cNvPicPr>
+          <p:nvPr/>
+        </p:nvPicPr>
+        <p:blipFill>
+          <a:blip r:embed="rId2">
+            <a:extLst>
+              <a:ext uri="{28A0092B-C50C-407E-A947-70E740481C1C}">
+                <a14:useLocalDpi xmlns:a14="http://schemas.microsoft.com/office/drawing/2010/main" val="0"/>
+              </a:ext>
+            </a:extLst>
+          </a:blip>
+          <a:srcRect/>
+          <a:stretch>
+            <a:fillRect/>
+          </a:stretch>
+        </p:blipFill>
+        <p:spPr bwMode="auto">
+          <a:xfrm>
+            <a:off x="704528" y="260648"/>
+            <a:ext cx="8568952" cy="6147930"/>
+          </a:xfrm>
+          <a:prstGeom prst="rect">
+            <a:avLst/>
+          </a:prstGeom>
+          <a:noFill/>
+          <a:ln>
+            <a:noFill/>
+          </a:ln>
+          <a:extLst>
+            <a:ext uri="{909E8E84-426E-40DD-AFC4-6F175D3DCCD1}">
+              <a14:hiddenFill xmlns:a14="http://schemas.microsoft.com/office/drawing/2010/main">
+                <a:solidFill>
+                  <a:schemeClr val="accent1"/>
+                </a:solidFill>
+              </a14:hiddenFill>
+            </a:ext>
+            <a:ext uri="{91240B29-F687-4F45-9708-019B960494DF}">
+              <a14:hiddenLine xmlns:a14="http://schemas.microsoft.com/office/drawing/2010/main" w="9525">
+                <a:solidFill>
+                  <a:schemeClr val="tx1"/>
+                </a:solidFill>
+                <a:miter lim="800000"/>
+                <a:headEnd/>
+                <a:tailEnd/>
+              </a14:hiddenLine>
+            </a:ext>
+          </a:extLst>
+        </p:spPr>
+      </p:pic>
+    </p:spTree>
+    <p:extLst>
+      <p:ext uri="{BB962C8B-B14F-4D97-AF65-F5344CB8AC3E}">
+        <p14:creationId xmlns:p14="http://schemas.microsoft.com/office/powerpoint/2010/main" val="3076085395"/>
       </p:ext>
     </p:extLst>
   </p:cSld>
